--- a/presentation/第二回プレゼン_アウトライン.pptx
+++ b/presentation/第二回プレゼン_アウトライン.pptx
@@ -4,21 +4,30 @@
   <p:sldMasterIdLst>
     <p:sldMasterId id="2147483648" r:id="rId1"/>
   </p:sldMasterIdLst>
+  <p:notesMasterIdLst>
+    <p:notesMasterId r:id="rId22"/>
+  </p:notesMasterIdLst>
   <p:sldIdLst>
     <p:sldId id="256" r:id="rId2"/>
-    <p:sldId id="257" r:id="rId3"/>
-    <p:sldId id="258" r:id="rId4"/>
-    <p:sldId id="274" r:id="rId5"/>
-    <p:sldId id="261" r:id="rId6"/>
-    <p:sldId id="268" r:id="rId7"/>
-    <p:sldId id="262" r:id="rId8"/>
-    <p:sldId id="269" r:id="rId9"/>
-    <p:sldId id="266" r:id="rId10"/>
-    <p:sldId id="272" r:id="rId11"/>
-    <p:sldId id="259" r:id="rId12"/>
-    <p:sldId id="273" r:id="rId13"/>
-    <p:sldId id="267" r:id="rId14"/>
-    <p:sldId id="275" r:id="rId15"/>
+    <p:sldId id="278" r:id="rId3"/>
+    <p:sldId id="274" r:id="rId4"/>
+    <p:sldId id="261" r:id="rId5"/>
+    <p:sldId id="268" r:id="rId6"/>
+    <p:sldId id="283" r:id="rId7"/>
+    <p:sldId id="284" r:id="rId8"/>
+    <p:sldId id="281" r:id="rId9"/>
+    <p:sldId id="282" r:id="rId10"/>
+    <p:sldId id="277" r:id="rId11"/>
+    <p:sldId id="269" r:id="rId12"/>
+    <p:sldId id="266" r:id="rId13"/>
+    <p:sldId id="280" r:id="rId14"/>
+    <p:sldId id="272" r:id="rId15"/>
+    <p:sldId id="279" r:id="rId16"/>
+    <p:sldId id="259" r:id="rId17"/>
+    <p:sldId id="273" r:id="rId18"/>
+    <p:sldId id="276" r:id="rId19"/>
+    <p:sldId id="267" r:id="rId20"/>
+    <p:sldId id="275" r:id="rId21"/>
   </p:sldIdLst>
   <p:sldSz cx="12192000" cy="6858000"/>
   <p:notesSz cx="6858000" cy="9144000"/>
@@ -125,6 +134,471 @@
 </p:presentation>
 </file>
 
+<file path=ppt/notesMasters/notesMaster1.xml><?xml version="1.0" encoding="utf-8"?>
+<p:notesMaster xmlns:a="http://schemas.openxmlformats.org/drawingml/2006/main" xmlns:r="http://schemas.openxmlformats.org/officeDocument/2006/relationships" xmlns:p="http://schemas.openxmlformats.org/presentationml/2006/main">
+  <p:cSld>
+    <p:bg>
+      <p:bgRef idx="1001">
+        <a:schemeClr val="bg1"/>
+      </p:bgRef>
+    </p:bg>
+    <p:spTree>
+      <p:nvGrpSpPr>
+        <p:cNvPr id="1" name=""/>
+        <p:cNvGrpSpPr/>
+        <p:nvPr/>
+      </p:nvGrpSpPr>
+      <p:grpSpPr>
+        <a:xfrm>
+          <a:off x="0" y="0"/>
+          <a:ext cx="0" cy="0"/>
+          <a:chOff x="0" y="0"/>
+          <a:chExt cx="0" cy="0"/>
+        </a:xfrm>
+      </p:grpSpPr>
+      <p:sp>
+        <p:nvSpPr>
+          <p:cNvPr id="2" name="ヘッダー プレースホルダー 1"/>
+          <p:cNvSpPr>
+            <a:spLocks noGrp="1"/>
+          </p:cNvSpPr>
+          <p:nvPr>
+            <p:ph type="hdr" sz="quarter"/>
+          </p:nvPr>
+        </p:nvSpPr>
+        <p:spPr>
+          <a:xfrm>
+            <a:off x="0" y="0"/>
+            <a:ext cx="2971800" cy="458788"/>
+          </a:xfrm>
+          <a:prstGeom prst="rect">
+            <a:avLst/>
+          </a:prstGeom>
+        </p:spPr>
+        <p:txBody>
+          <a:bodyPr vert="horz" lIns="91440" tIns="45720" rIns="91440" bIns="45720" rtlCol="0"/>
+          <a:lstStyle>
+            <a:lvl1pPr algn="l">
+              <a:defRPr sz="1200"/>
+            </a:lvl1pPr>
+          </a:lstStyle>
+          <a:p>
+            <a:endParaRPr kumimoji="1" lang="ja-JP" altLang="en-US"/>
+          </a:p>
+        </p:txBody>
+      </p:sp>
+      <p:sp>
+        <p:nvSpPr>
+          <p:cNvPr id="3" name="日付プレースホルダー 2"/>
+          <p:cNvSpPr>
+            <a:spLocks noGrp="1"/>
+          </p:cNvSpPr>
+          <p:nvPr>
+            <p:ph type="dt" idx="1"/>
+          </p:nvPr>
+        </p:nvSpPr>
+        <p:spPr>
+          <a:xfrm>
+            <a:off x="3884613" y="0"/>
+            <a:ext cx="2971800" cy="458788"/>
+          </a:xfrm>
+          <a:prstGeom prst="rect">
+            <a:avLst/>
+          </a:prstGeom>
+        </p:spPr>
+        <p:txBody>
+          <a:bodyPr vert="horz" lIns="91440" tIns="45720" rIns="91440" bIns="45720" rtlCol="0"/>
+          <a:lstStyle>
+            <a:lvl1pPr algn="r">
+              <a:defRPr sz="1200"/>
+            </a:lvl1pPr>
+          </a:lstStyle>
+          <a:p>
+            <a:fld id="{D3FBB20C-20C4-49AD-85A3-C66C862503B5}" type="datetimeFigureOut">
+              <a:rPr kumimoji="1" lang="ja-JP" altLang="en-US" smtClean="0"/>
+              <a:t>2021/11/26</a:t>
+            </a:fld>
+            <a:endParaRPr kumimoji="1" lang="ja-JP" altLang="en-US"/>
+          </a:p>
+        </p:txBody>
+      </p:sp>
+      <p:sp>
+        <p:nvSpPr>
+          <p:cNvPr id="4" name="スライド イメージ プレースホルダー 3"/>
+          <p:cNvSpPr>
+            <a:spLocks noGrp="1" noRot="1" noChangeAspect="1"/>
+          </p:cNvSpPr>
+          <p:nvPr>
+            <p:ph type="sldImg" idx="2"/>
+          </p:nvPr>
+        </p:nvSpPr>
+        <p:spPr>
+          <a:xfrm>
+            <a:off x="685800" y="1143000"/>
+            <a:ext cx="5486400" cy="3086100"/>
+          </a:xfrm>
+          <a:prstGeom prst="rect">
+            <a:avLst/>
+          </a:prstGeom>
+          <a:noFill/>
+          <a:ln w="12700">
+            <a:solidFill>
+              <a:prstClr val="black"/>
+            </a:solidFill>
+          </a:ln>
+        </p:spPr>
+        <p:txBody>
+          <a:bodyPr vert="horz" lIns="91440" tIns="45720" rIns="91440" bIns="45720" rtlCol="0" anchor="ctr"/>
+          <a:lstStyle/>
+          <a:p>
+            <a:endParaRPr lang="ja-JP" altLang="en-US"/>
+          </a:p>
+        </p:txBody>
+      </p:sp>
+      <p:sp>
+        <p:nvSpPr>
+          <p:cNvPr id="5" name="ノート プレースホルダー 4"/>
+          <p:cNvSpPr>
+            <a:spLocks noGrp="1"/>
+          </p:cNvSpPr>
+          <p:nvPr>
+            <p:ph type="body" sz="quarter" idx="3"/>
+          </p:nvPr>
+        </p:nvSpPr>
+        <p:spPr>
+          <a:xfrm>
+            <a:off x="685800" y="4400550"/>
+            <a:ext cx="5486400" cy="3600450"/>
+          </a:xfrm>
+          <a:prstGeom prst="rect">
+            <a:avLst/>
+          </a:prstGeom>
+        </p:spPr>
+        <p:txBody>
+          <a:bodyPr vert="horz" lIns="91440" tIns="45720" rIns="91440" bIns="45720" rtlCol="0"/>
+          <a:lstStyle/>
+          <a:p>
+            <a:pPr lvl="0"/>
+            <a:r>
+              <a:rPr kumimoji="1" lang="ja-JP" altLang="en-US"/>
+              <a:t>マスター テキストの書式設定</a:t>
+            </a:r>
+          </a:p>
+          <a:p>
+            <a:pPr lvl="1"/>
+            <a:r>
+              <a:rPr kumimoji="1" lang="ja-JP" altLang="en-US"/>
+              <a:t>第 </a:t>
+            </a:r>
+            <a:r>
+              <a:rPr kumimoji="1" lang="en-US" altLang="ja-JP"/>
+              <a:t>2 </a:t>
+            </a:r>
+            <a:r>
+              <a:rPr kumimoji="1" lang="ja-JP" altLang="en-US"/>
+              <a:t>レベル</a:t>
+            </a:r>
+          </a:p>
+          <a:p>
+            <a:pPr lvl="2"/>
+            <a:r>
+              <a:rPr kumimoji="1" lang="ja-JP" altLang="en-US"/>
+              <a:t>第 </a:t>
+            </a:r>
+            <a:r>
+              <a:rPr kumimoji="1" lang="en-US" altLang="ja-JP"/>
+              <a:t>3 </a:t>
+            </a:r>
+            <a:r>
+              <a:rPr kumimoji="1" lang="ja-JP" altLang="en-US"/>
+              <a:t>レベル</a:t>
+            </a:r>
+          </a:p>
+          <a:p>
+            <a:pPr lvl="3"/>
+            <a:r>
+              <a:rPr kumimoji="1" lang="ja-JP" altLang="en-US"/>
+              <a:t>第 </a:t>
+            </a:r>
+            <a:r>
+              <a:rPr kumimoji="1" lang="en-US" altLang="ja-JP"/>
+              <a:t>4 </a:t>
+            </a:r>
+            <a:r>
+              <a:rPr kumimoji="1" lang="ja-JP" altLang="en-US"/>
+              <a:t>レベル</a:t>
+            </a:r>
+          </a:p>
+          <a:p>
+            <a:pPr lvl="4"/>
+            <a:r>
+              <a:rPr kumimoji="1" lang="ja-JP" altLang="en-US"/>
+              <a:t>第 </a:t>
+            </a:r>
+            <a:r>
+              <a:rPr kumimoji="1" lang="en-US" altLang="ja-JP"/>
+              <a:t>5 </a:t>
+            </a:r>
+            <a:r>
+              <a:rPr kumimoji="1" lang="ja-JP" altLang="en-US"/>
+              <a:t>レベル</a:t>
+            </a:r>
+          </a:p>
+        </p:txBody>
+      </p:sp>
+      <p:sp>
+        <p:nvSpPr>
+          <p:cNvPr id="6" name="フッター プレースホルダー 5"/>
+          <p:cNvSpPr>
+            <a:spLocks noGrp="1"/>
+          </p:cNvSpPr>
+          <p:nvPr>
+            <p:ph type="ftr" sz="quarter" idx="4"/>
+          </p:nvPr>
+        </p:nvSpPr>
+        <p:spPr>
+          <a:xfrm>
+            <a:off x="0" y="8685213"/>
+            <a:ext cx="2971800" cy="458787"/>
+          </a:xfrm>
+          <a:prstGeom prst="rect">
+            <a:avLst/>
+          </a:prstGeom>
+        </p:spPr>
+        <p:txBody>
+          <a:bodyPr vert="horz" lIns="91440" tIns="45720" rIns="91440" bIns="45720" rtlCol="0" anchor="b"/>
+          <a:lstStyle>
+            <a:lvl1pPr algn="l">
+              <a:defRPr sz="1200"/>
+            </a:lvl1pPr>
+          </a:lstStyle>
+          <a:p>
+            <a:endParaRPr kumimoji="1" lang="ja-JP" altLang="en-US"/>
+          </a:p>
+        </p:txBody>
+      </p:sp>
+      <p:sp>
+        <p:nvSpPr>
+          <p:cNvPr id="7" name="スライド番号プレースホルダー 6"/>
+          <p:cNvSpPr>
+            <a:spLocks noGrp="1"/>
+          </p:cNvSpPr>
+          <p:nvPr>
+            <p:ph type="sldNum" sz="quarter" idx="5"/>
+          </p:nvPr>
+        </p:nvSpPr>
+        <p:spPr>
+          <a:xfrm>
+            <a:off x="3884613" y="8685213"/>
+            <a:ext cx="2971800" cy="458787"/>
+          </a:xfrm>
+          <a:prstGeom prst="rect">
+            <a:avLst/>
+          </a:prstGeom>
+        </p:spPr>
+        <p:txBody>
+          <a:bodyPr vert="horz" lIns="91440" tIns="45720" rIns="91440" bIns="45720" rtlCol="0" anchor="b"/>
+          <a:lstStyle>
+            <a:lvl1pPr algn="r">
+              <a:defRPr sz="1200"/>
+            </a:lvl1pPr>
+          </a:lstStyle>
+          <a:p>
+            <a:fld id="{1A2E7C28-4903-4521-8E60-0F80C627678B}" type="slidenum">
+              <a:rPr kumimoji="1" lang="ja-JP" altLang="en-US" smtClean="0"/>
+              <a:t>‹#›</a:t>
+            </a:fld>
+            <a:endParaRPr kumimoji="1" lang="ja-JP" altLang="en-US"/>
+          </a:p>
+        </p:txBody>
+      </p:sp>
+    </p:spTree>
+    <p:extLst>
+      <p:ext uri="{BB962C8B-B14F-4D97-AF65-F5344CB8AC3E}">
+        <p14:creationId xmlns:p14="http://schemas.microsoft.com/office/powerpoint/2010/main" val="1502396385"/>
+      </p:ext>
+    </p:extLst>
+  </p:cSld>
+  <p:clrMap bg1="lt1" tx1="dk1" bg2="lt2" tx2="dk2" accent1="accent1" accent2="accent2" accent3="accent3" accent4="accent4" accent5="accent5" accent6="accent6" hlink="hlink" folHlink="folHlink"/>
+  <p:notesStyle>
+    <a:lvl1pPr marL="0" algn="l" defTabSz="914400" rtl="0" eaLnBrk="1" latinLnBrk="0" hangingPunct="1">
+      <a:defRPr kumimoji="1" sz="1200" kern="1200">
+        <a:solidFill>
+          <a:schemeClr val="tx1"/>
+        </a:solidFill>
+        <a:latin typeface="+mn-lt"/>
+        <a:ea typeface="+mn-ea"/>
+        <a:cs typeface="+mn-cs"/>
+      </a:defRPr>
+    </a:lvl1pPr>
+    <a:lvl2pPr marL="457200" algn="l" defTabSz="914400" rtl="0" eaLnBrk="1" latinLnBrk="0" hangingPunct="1">
+      <a:defRPr kumimoji="1" sz="1200" kern="1200">
+        <a:solidFill>
+          <a:schemeClr val="tx1"/>
+        </a:solidFill>
+        <a:latin typeface="+mn-lt"/>
+        <a:ea typeface="+mn-ea"/>
+        <a:cs typeface="+mn-cs"/>
+      </a:defRPr>
+    </a:lvl2pPr>
+    <a:lvl3pPr marL="914400" algn="l" defTabSz="914400" rtl="0" eaLnBrk="1" latinLnBrk="0" hangingPunct="1">
+      <a:defRPr kumimoji="1" sz="1200" kern="1200">
+        <a:solidFill>
+          <a:schemeClr val="tx1"/>
+        </a:solidFill>
+        <a:latin typeface="+mn-lt"/>
+        <a:ea typeface="+mn-ea"/>
+        <a:cs typeface="+mn-cs"/>
+      </a:defRPr>
+    </a:lvl3pPr>
+    <a:lvl4pPr marL="1371600" algn="l" defTabSz="914400" rtl="0" eaLnBrk="1" latinLnBrk="0" hangingPunct="1">
+      <a:defRPr kumimoji="1" sz="1200" kern="1200">
+        <a:solidFill>
+          <a:schemeClr val="tx1"/>
+        </a:solidFill>
+        <a:latin typeface="+mn-lt"/>
+        <a:ea typeface="+mn-ea"/>
+        <a:cs typeface="+mn-cs"/>
+      </a:defRPr>
+    </a:lvl4pPr>
+    <a:lvl5pPr marL="1828800" algn="l" defTabSz="914400" rtl="0" eaLnBrk="1" latinLnBrk="0" hangingPunct="1">
+      <a:defRPr kumimoji="1" sz="1200" kern="1200">
+        <a:solidFill>
+          <a:schemeClr val="tx1"/>
+        </a:solidFill>
+        <a:latin typeface="+mn-lt"/>
+        <a:ea typeface="+mn-ea"/>
+        <a:cs typeface="+mn-cs"/>
+      </a:defRPr>
+    </a:lvl5pPr>
+    <a:lvl6pPr marL="2286000" algn="l" defTabSz="914400" rtl="0" eaLnBrk="1" latinLnBrk="0" hangingPunct="1">
+      <a:defRPr kumimoji="1" sz="1200" kern="1200">
+        <a:solidFill>
+          <a:schemeClr val="tx1"/>
+        </a:solidFill>
+        <a:latin typeface="+mn-lt"/>
+        <a:ea typeface="+mn-ea"/>
+        <a:cs typeface="+mn-cs"/>
+      </a:defRPr>
+    </a:lvl6pPr>
+    <a:lvl7pPr marL="2743200" algn="l" defTabSz="914400" rtl="0" eaLnBrk="1" latinLnBrk="0" hangingPunct="1">
+      <a:defRPr kumimoji="1" sz="1200" kern="1200">
+        <a:solidFill>
+          <a:schemeClr val="tx1"/>
+        </a:solidFill>
+        <a:latin typeface="+mn-lt"/>
+        <a:ea typeface="+mn-ea"/>
+        <a:cs typeface="+mn-cs"/>
+      </a:defRPr>
+    </a:lvl7pPr>
+    <a:lvl8pPr marL="3200400" algn="l" defTabSz="914400" rtl="0" eaLnBrk="1" latinLnBrk="0" hangingPunct="1">
+      <a:defRPr kumimoji="1" sz="1200" kern="1200">
+        <a:solidFill>
+          <a:schemeClr val="tx1"/>
+        </a:solidFill>
+        <a:latin typeface="+mn-lt"/>
+        <a:ea typeface="+mn-ea"/>
+        <a:cs typeface="+mn-cs"/>
+      </a:defRPr>
+    </a:lvl8pPr>
+    <a:lvl9pPr marL="3657600" algn="l" defTabSz="914400" rtl="0" eaLnBrk="1" latinLnBrk="0" hangingPunct="1">
+      <a:defRPr kumimoji="1" sz="1200" kern="1200">
+        <a:solidFill>
+          <a:schemeClr val="tx1"/>
+        </a:solidFill>
+        <a:latin typeface="+mn-lt"/>
+        <a:ea typeface="+mn-ea"/>
+        <a:cs typeface="+mn-cs"/>
+      </a:defRPr>
+    </a:lvl9pPr>
+  </p:notesStyle>
+</p:notesMaster>
+</file>
+
+<file path=ppt/notesSlides/notesSlide1.xml><?xml version="1.0" encoding="utf-8"?>
+<p:notes xmlns:a="http://schemas.openxmlformats.org/drawingml/2006/main" xmlns:r="http://schemas.openxmlformats.org/officeDocument/2006/relationships" xmlns:p="http://schemas.openxmlformats.org/presentationml/2006/main">
+  <p:cSld>
+    <p:spTree>
+      <p:nvGrpSpPr>
+        <p:cNvPr id="1" name=""/>
+        <p:cNvGrpSpPr/>
+        <p:nvPr/>
+      </p:nvGrpSpPr>
+      <p:grpSpPr>
+        <a:xfrm>
+          <a:off x="0" y="0"/>
+          <a:ext cx="0" cy="0"/>
+          <a:chOff x="0" y="0"/>
+          <a:chExt cx="0" cy="0"/>
+        </a:xfrm>
+      </p:grpSpPr>
+      <p:sp>
+        <p:nvSpPr>
+          <p:cNvPr id="2" name="スライド イメージ プレースホルダー 1"/>
+          <p:cNvSpPr>
+            <a:spLocks noGrp="1" noRot="1" noChangeAspect="1"/>
+          </p:cNvSpPr>
+          <p:nvPr>
+            <p:ph type="sldImg"/>
+          </p:nvPr>
+        </p:nvSpPr>
+        <p:spPr/>
+      </p:sp>
+      <p:sp>
+        <p:nvSpPr>
+          <p:cNvPr id="3" name="ノート プレースホルダー 2"/>
+          <p:cNvSpPr>
+            <a:spLocks noGrp="1"/>
+          </p:cNvSpPr>
+          <p:nvPr>
+            <p:ph type="body" idx="1"/>
+          </p:nvPr>
+        </p:nvSpPr>
+        <p:spPr/>
+        <p:txBody>
+          <a:bodyPr/>
+          <a:lstStyle/>
+          <a:p>
+            <a:endParaRPr kumimoji="1" lang="ja-JP" altLang="en-US" dirty="0"/>
+          </a:p>
+        </p:txBody>
+      </p:sp>
+      <p:sp>
+        <p:nvSpPr>
+          <p:cNvPr id="4" name="スライド番号プレースホルダー 3"/>
+          <p:cNvSpPr>
+            <a:spLocks noGrp="1"/>
+          </p:cNvSpPr>
+          <p:nvPr>
+            <p:ph type="sldNum" sz="quarter" idx="5"/>
+          </p:nvPr>
+        </p:nvSpPr>
+        <p:spPr/>
+        <p:txBody>
+          <a:bodyPr/>
+          <a:lstStyle/>
+          <a:p>
+            <a:fld id="{9DAB6BB4-6322-4797-9820-4A78B14C1A63}" type="slidenum">
+              <a:rPr kumimoji="1" lang="ja-JP" altLang="en-US" smtClean="0"/>
+              <a:t>2</a:t>
+            </a:fld>
+            <a:endParaRPr kumimoji="1" lang="ja-JP" altLang="en-US"/>
+          </a:p>
+        </p:txBody>
+      </p:sp>
+    </p:spTree>
+    <p:extLst>
+      <p:ext uri="{BB962C8B-B14F-4D97-AF65-F5344CB8AC3E}">
+        <p14:creationId xmlns:p14="http://schemas.microsoft.com/office/powerpoint/2010/main" val="3135516046"/>
+      </p:ext>
+    </p:extLst>
+  </p:cSld>
+  <p:clrMapOvr>
+    <a:masterClrMapping/>
+  </p:clrMapOvr>
+</p:notes>
+</file>
+
 <file path=ppt/slideLayouts/slideLayout1.xml><?xml version="1.0" encoding="utf-8"?>
 <p:sldLayout xmlns:a="http://schemas.openxmlformats.org/drawingml/2006/main" xmlns:r="http://schemas.openxmlformats.org/officeDocument/2006/relationships" xmlns:p="http://schemas.openxmlformats.org/presentationml/2006/main" type="title" preserve="1">
   <p:cSld name="タイトル スライド">
@@ -272,7 +746,7 @@
           <a:p>
             <a:fld id="{C63D219B-6862-4E6A-9F9E-C4C4759712F9}" type="datetimeFigureOut">
               <a:rPr kumimoji="1" lang="ja-JP" altLang="en-US" smtClean="0"/>
-              <a:t>2021/11/24</a:t>
+              <a:t>2021/11/26</a:t>
             </a:fld>
             <a:endParaRPr kumimoji="1" lang="ja-JP" altLang="en-US"/>
           </a:p>
@@ -502,7 +976,7 @@
           <a:p>
             <a:fld id="{C63D219B-6862-4E6A-9F9E-C4C4759712F9}" type="datetimeFigureOut">
               <a:rPr kumimoji="1" lang="ja-JP" altLang="en-US" smtClean="0"/>
-              <a:t>2021/11/24</a:t>
+              <a:t>2021/11/26</a:t>
             </a:fld>
             <a:endParaRPr kumimoji="1" lang="ja-JP" altLang="en-US"/>
           </a:p>
@@ -742,7 +1216,7 @@
           <a:p>
             <a:fld id="{C63D219B-6862-4E6A-9F9E-C4C4759712F9}" type="datetimeFigureOut">
               <a:rPr kumimoji="1" lang="ja-JP" altLang="en-US" smtClean="0"/>
-              <a:t>2021/11/24</a:t>
+              <a:t>2021/11/26</a:t>
             </a:fld>
             <a:endParaRPr kumimoji="1" lang="ja-JP" altLang="en-US"/>
           </a:p>
@@ -972,7 +1446,7 @@
           <a:p>
             <a:fld id="{C63D219B-6862-4E6A-9F9E-C4C4759712F9}" type="datetimeFigureOut">
               <a:rPr kumimoji="1" lang="ja-JP" altLang="en-US" smtClean="0"/>
-              <a:t>2021/11/24</a:t>
+              <a:t>2021/11/26</a:t>
             </a:fld>
             <a:endParaRPr kumimoji="1" lang="ja-JP" altLang="en-US"/>
           </a:p>
@@ -1247,7 +1721,7 @@
           <a:p>
             <a:fld id="{C63D219B-6862-4E6A-9F9E-C4C4759712F9}" type="datetimeFigureOut">
               <a:rPr kumimoji="1" lang="ja-JP" altLang="en-US" smtClean="0"/>
-              <a:t>2021/11/24</a:t>
+              <a:t>2021/11/26</a:t>
             </a:fld>
             <a:endParaRPr kumimoji="1" lang="ja-JP" altLang="en-US"/>
           </a:p>
@@ -1576,7 +2050,7 @@
           <a:p>
             <a:fld id="{C63D219B-6862-4E6A-9F9E-C4C4759712F9}" type="datetimeFigureOut">
               <a:rPr kumimoji="1" lang="ja-JP" altLang="en-US" smtClean="0"/>
-              <a:t>2021/11/24</a:t>
+              <a:t>2021/11/26</a:t>
             </a:fld>
             <a:endParaRPr kumimoji="1" lang="ja-JP" altLang="en-US"/>
           </a:p>
@@ -2052,7 +2526,7 @@
           <a:p>
             <a:fld id="{C63D219B-6862-4E6A-9F9E-C4C4759712F9}" type="datetimeFigureOut">
               <a:rPr kumimoji="1" lang="ja-JP" altLang="en-US" smtClean="0"/>
-              <a:t>2021/11/24</a:t>
+              <a:t>2021/11/26</a:t>
             </a:fld>
             <a:endParaRPr kumimoji="1" lang="ja-JP" altLang="en-US"/>
           </a:p>
@@ -2193,7 +2667,7 @@
           <a:p>
             <a:fld id="{C63D219B-6862-4E6A-9F9E-C4C4759712F9}" type="datetimeFigureOut">
               <a:rPr kumimoji="1" lang="ja-JP" altLang="en-US" smtClean="0"/>
-              <a:t>2021/11/24</a:t>
+              <a:t>2021/11/26</a:t>
             </a:fld>
             <a:endParaRPr kumimoji="1" lang="ja-JP" altLang="en-US"/>
           </a:p>
@@ -2306,7 +2780,7 @@
           <a:p>
             <a:fld id="{C63D219B-6862-4E6A-9F9E-C4C4759712F9}" type="datetimeFigureOut">
               <a:rPr kumimoji="1" lang="ja-JP" altLang="en-US" smtClean="0"/>
-              <a:t>2021/11/24</a:t>
+              <a:t>2021/11/26</a:t>
             </a:fld>
             <a:endParaRPr kumimoji="1" lang="ja-JP" altLang="en-US"/>
           </a:p>
@@ -2649,7 +3123,7 @@
           <a:p>
             <a:fld id="{C63D219B-6862-4E6A-9F9E-C4C4759712F9}" type="datetimeFigureOut">
               <a:rPr kumimoji="1" lang="ja-JP" altLang="en-US" smtClean="0"/>
-              <a:t>2021/11/24</a:t>
+              <a:t>2021/11/26</a:t>
             </a:fld>
             <a:endParaRPr kumimoji="1" lang="ja-JP" altLang="en-US"/>
           </a:p>
@@ -2937,7 +3411,7 @@
           <a:p>
             <a:fld id="{C63D219B-6862-4E6A-9F9E-C4C4759712F9}" type="datetimeFigureOut">
               <a:rPr kumimoji="1" lang="ja-JP" altLang="en-US" smtClean="0"/>
-              <a:t>2021/11/24</a:t>
+              <a:t>2021/11/26</a:t>
             </a:fld>
             <a:endParaRPr kumimoji="1" lang="ja-JP" altLang="en-US"/>
           </a:p>
@@ -3014,9 +3488,33 @@
 <p:sldMaster xmlns:a="http://schemas.openxmlformats.org/drawingml/2006/main" xmlns:r="http://schemas.openxmlformats.org/officeDocument/2006/relationships" xmlns:p="http://schemas.openxmlformats.org/presentationml/2006/main">
   <p:cSld>
     <p:bg>
-      <p:bgRef idx="1001">
-        <a:schemeClr val="bg1"/>
-      </p:bgRef>
+      <p:bgPr>
+        <a:gradFill flip="none" rotWithShape="1">
+          <a:gsLst>
+            <a:gs pos="0">
+              <a:srgbClr val="EA9A42"/>
+            </a:gs>
+            <a:gs pos="100000">
+              <a:srgbClr val="EA9A42"/>
+            </a:gs>
+            <a:gs pos="85000">
+              <a:srgbClr val="E78921"/>
+            </a:gs>
+            <a:gs pos="88000">
+              <a:srgbClr val="FF0000"/>
+            </a:gs>
+            <a:gs pos="88000">
+              <a:srgbClr val="E78921"/>
+            </a:gs>
+            <a:gs pos="85000">
+              <a:srgbClr val="FF0000"/>
+            </a:gs>
+          </a:gsLst>
+          <a:lin ang="5400000" scaled="1"/>
+          <a:tileRect/>
+        </a:gradFill>
+        <a:effectLst/>
+      </p:bgPr>
     </p:bg>
     <p:spTree>
       <p:nvGrpSpPr>
@@ -3210,7 +3708,7 @@
           <a:p>
             <a:fld id="{C63D219B-6862-4E6A-9F9E-C4C4759712F9}" type="datetimeFigureOut">
               <a:rPr kumimoji="1" lang="ja-JP" altLang="en-US" smtClean="0"/>
-              <a:t>2021/11/24</a:t>
+              <a:t>2021/11/26</a:t>
             </a:fld>
             <a:endParaRPr kumimoji="1" lang="ja-JP" altLang="en-US"/>
           </a:p>
@@ -3643,14 +4141,51 @@
             <p:ph type="ctrTitle"/>
           </p:nvPr>
         </p:nvSpPr>
-        <p:spPr/>
-        <p:txBody>
-          <a:bodyPr/>
-          <a:lstStyle/>
-          <a:p>
-            <a:r>
-              <a:rPr kumimoji="1" lang="ja-JP" altLang="en-US" dirty="0"/>
-              <a:t>タイトル</a:t>
+        <p:spPr>
+          <a:xfrm>
+            <a:off x="1524000" y="727727"/>
+            <a:ext cx="9144000" cy="2387600"/>
+          </a:xfrm>
+        </p:spPr>
+        <p:txBody>
+          <a:bodyPr>
+            <a:normAutofit/>
+          </a:bodyPr>
+          <a:lstStyle/>
+          <a:p>
+            <a:r>
+              <a:rPr kumimoji="1" lang="en-US" altLang="ja-JP" sz="8800" b="1" dirty="0">
+                <a:ln>
+                  <a:solidFill>
+                    <a:schemeClr val="tx1"/>
+                  </a:solidFill>
+                </a:ln>
+                <a:solidFill>
+                  <a:schemeClr val="accent6">
+                    <a:lumMod val="75000"/>
+                  </a:schemeClr>
+                </a:solidFill>
+                <a:latin typeface="HGP明朝E" panose="02020900000000000000" pitchFamily="18" charset="-128"/>
+                <a:ea typeface="HGP明朝E" panose="02020900000000000000" pitchFamily="18" charset="-128"/>
+              </a:rPr>
+              <a:t>AI</a:t>
+            </a:r>
+            <a:r>
+              <a:rPr kumimoji="1" lang="ja-JP" altLang="en-US" sz="8800" b="1" dirty="0">
+                <a:ln>
+                  <a:solidFill>
+                    <a:schemeClr val="tx1"/>
+                  </a:solidFill>
+                </a:ln>
+                <a:solidFill>
+                  <a:schemeClr val="accent6">
+                    <a:lumMod val="75000"/>
+                  </a:schemeClr>
+                </a:solidFill>
+                <a:latin typeface="HGP明朝E" panose="02020900000000000000" pitchFamily="18" charset="-128"/>
+                <a:ea typeface="HGP明朝E" panose="02020900000000000000" pitchFamily="18" charset="-128"/>
+              </a:rPr>
+              <a:t>スピーカー開発</a:t>
             </a:r>
           </a:p>
         </p:txBody>
@@ -3676,6 +4211,98 @@
           <a:bodyPr/>
           <a:lstStyle/>
           <a:p>
+            <a:r>
+              <a:rPr kumimoji="1" lang="en-US" altLang="ja-JP" b="1" dirty="0">
+                <a:solidFill>
+                  <a:schemeClr val="accent6">
+                    <a:lumMod val="50000"/>
+                  </a:schemeClr>
+                </a:solidFill>
+              </a:rPr>
+              <a:t>AI21</a:t>
+            </a:r>
+          </a:p>
+          <a:p>
+            <a:r>
+              <a:rPr lang="ja-JP" altLang="en-US" b="1" dirty="0">
+                <a:solidFill>
+                  <a:schemeClr val="accent6">
+                    <a:lumMod val="50000"/>
+                  </a:schemeClr>
+                </a:solidFill>
+              </a:rPr>
+              <a:t>力石鈴之佑</a:t>
+            </a:r>
+            <a:endParaRPr lang="en-US" altLang="ja-JP" b="1" dirty="0">
+              <a:solidFill>
+                <a:schemeClr val="accent6">
+                  <a:lumMod val="50000"/>
+                </a:schemeClr>
+              </a:solidFill>
+            </a:endParaRPr>
+          </a:p>
+          <a:p>
+            <a:r>
+              <a:rPr kumimoji="1" lang="ja-JP" altLang="en-US" b="1" dirty="0">
+                <a:solidFill>
+                  <a:schemeClr val="accent6">
+                    <a:lumMod val="50000"/>
+                  </a:schemeClr>
+                </a:solidFill>
+              </a:rPr>
+              <a:t>山田晃生</a:t>
+            </a:r>
+          </a:p>
+        </p:txBody>
+      </p:sp>
+      <p:sp>
+        <p:nvSpPr>
+          <p:cNvPr id="6" name="正方形/長方形 5">
+            <a:extLst>
+              <a:ext uri="{FF2B5EF4-FFF2-40B4-BE49-F238E27FC236}">
+                <a16:creationId xmlns:a16="http://schemas.microsoft.com/office/drawing/2014/main" id="{7A10BDDA-4614-4400-80C3-2E00282809CA}"/>
+              </a:ext>
+            </a:extLst>
+          </p:cNvPr>
+          <p:cNvSpPr/>
+          <p:nvPr/>
+        </p:nvSpPr>
+        <p:spPr>
+          <a:xfrm>
+            <a:off x="9508067" y="0"/>
+            <a:ext cx="2683933" cy="1593908"/>
+          </a:xfrm>
+          <a:prstGeom prst="rect">
+            <a:avLst/>
+          </a:prstGeom>
+          <a:solidFill>
+            <a:schemeClr val="accent6">
+              <a:lumMod val="60000"/>
+              <a:lumOff val="40000"/>
+            </a:schemeClr>
+          </a:solidFill>
+        </p:spPr>
+        <p:style>
+          <a:lnRef idx="2">
+            <a:schemeClr val="accent1">
+              <a:shade val="50000"/>
+            </a:schemeClr>
+          </a:lnRef>
+          <a:fillRef idx="1">
+            <a:schemeClr val="accent1"/>
+          </a:fillRef>
+          <a:effectRef idx="0">
+            <a:schemeClr val="accent1"/>
+          </a:effectRef>
+          <a:fontRef idx="minor">
+            <a:schemeClr val="lt1"/>
+          </a:fontRef>
+        </p:style>
+        <p:txBody>
+          <a:bodyPr rtlCol="0" anchor="ctr"/>
+          <a:lstStyle/>
+          <a:p>
+            <a:pPr algn="ctr"/>
             <a:endParaRPr kumimoji="1" lang="ja-JP" altLang="en-US"/>
           </a:p>
         </p:txBody>
@@ -3712,10 +4339,10 @@
       </p:grpSpPr>
       <p:sp>
         <p:nvSpPr>
-          <p:cNvPr id="2" name="タイトル 1">
-            <a:extLst>
-              <a:ext uri="{FF2B5EF4-FFF2-40B4-BE49-F238E27FC236}">
-                <a16:creationId xmlns:a16="http://schemas.microsoft.com/office/drawing/2014/main" id="{1C67901B-E49E-40E4-9D6B-4679D612BE2A}"/>
+          <p:cNvPr id="35" name="タイトル 34">
+            <a:extLst>
+              <a:ext uri="{FF2B5EF4-FFF2-40B4-BE49-F238E27FC236}">
+                <a16:creationId xmlns:a16="http://schemas.microsoft.com/office/drawing/2014/main" id="{AD44E1DB-87DF-4D14-81ED-F268FC970258}"/>
               </a:ext>
             </a:extLst>
           </p:cNvPr>
@@ -3726,58 +4353,113 @@
             <p:ph type="title"/>
           </p:nvPr>
         </p:nvSpPr>
-        <p:spPr/>
+        <p:spPr>
+          <a:xfrm>
+            <a:off x="838200" y="403626"/>
+            <a:ext cx="10515600" cy="1325563"/>
+          </a:xfrm>
+        </p:spPr>
         <p:txBody>
           <a:bodyPr/>
           <a:lstStyle/>
           <a:p>
-            <a:pPr lvl="0"/>
-            <a:r>
-              <a:rPr kumimoji="1" lang="ja-JP" altLang="en-US" dirty="0"/>
-              <a:t>工夫した点</a:t>
-            </a:r>
-          </a:p>
-        </p:txBody>
-      </p:sp>
-      <p:sp>
-        <p:nvSpPr>
-          <p:cNvPr id="3" name="コンテンツ プレースホルダー 2">
-            <a:extLst>
-              <a:ext uri="{FF2B5EF4-FFF2-40B4-BE49-F238E27FC236}">
-                <a16:creationId xmlns:a16="http://schemas.microsoft.com/office/drawing/2014/main" id="{FBCA876A-9915-41E9-B91A-EDEAEF221F59}"/>
-              </a:ext>
-            </a:extLst>
-          </p:cNvPr>
-          <p:cNvSpPr>
-            <a:spLocks noGrp="1"/>
-          </p:cNvSpPr>
-          <p:nvPr>
-            <p:ph idx="1"/>
-          </p:nvPr>
-        </p:nvSpPr>
-        <p:spPr/>
-        <p:txBody>
-          <a:bodyPr/>
-          <a:lstStyle/>
-          <a:p>
-            <a:r>
-              <a:rPr kumimoji="1" lang="ja-JP" altLang="en-US" dirty="0"/>
-              <a:t>事前処理と逐次処理</a:t>
-            </a:r>
-            <a:endParaRPr kumimoji="1" lang="en-US" altLang="ja-JP" dirty="0"/>
-          </a:p>
-          <a:p>
-            <a:r>
-              <a:rPr kumimoji="1" lang="ja-JP" altLang="en-US" dirty="0"/>
-              <a:t>ファイルの書き込み</a:t>
-            </a:r>
+            <a:r>
+              <a:rPr kumimoji="1" lang="en-US" altLang="ja-JP" dirty="0">
+                <a:ln>
+                  <a:solidFill>
+                    <a:schemeClr val="tx1"/>
+                  </a:solidFill>
+                </a:ln>
+                <a:solidFill>
+                  <a:schemeClr val="accent6">
+                    <a:lumMod val="75000"/>
+                  </a:schemeClr>
+                </a:solidFill>
+                <a:latin typeface="HGP明朝E" panose="02020900000000000000" pitchFamily="18" charset="-128"/>
+                <a:ea typeface="HGP明朝E" panose="02020900000000000000" pitchFamily="18" charset="-128"/>
+              </a:rPr>
+              <a:t>fastText</a:t>
+            </a:r>
+            <a:endParaRPr kumimoji="1" lang="ja-JP" altLang="en-US" dirty="0">
+              <a:ln>
+                <a:solidFill>
+                  <a:schemeClr val="tx1"/>
+                </a:solidFill>
+              </a:ln>
+              <a:solidFill>
+                <a:schemeClr val="accent6">
+                  <a:lumMod val="75000"/>
+                </a:schemeClr>
+              </a:solidFill>
+              <a:latin typeface="HGP明朝E" panose="02020900000000000000" pitchFamily="18" charset="-128"/>
+              <a:ea typeface="HGP明朝E" panose="02020900000000000000" pitchFamily="18" charset="-128"/>
+            </a:endParaRPr>
+          </a:p>
+        </p:txBody>
+      </p:sp>
+      <p:sp>
+        <p:nvSpPr>
+          <p:cNvPr id="37" name="正方形/長方形 36">
+            <a:extLst>
+              <a:ext uri="{FF2B5EF4-FFF2-40B4-BE49-F238E27FC236}">
+                <a16:creationId xmlns:a16="http://schemas.microsoft.com/office/drawing/2014/main" id="{D8B883CE-AE5F-48A5-AB6E-39A7191AAA4E}"/>
+              </a:ext>
+            </a:extLst>
+          </p:cNvPr>
+          <p:cNvSpPr/>
+          <p:nvPr/>
+        </p:nvSpPr>
+        <p:spPr>
+          <a:xfrm>
+            <a:off x="9508067" y="0"/>
+            <a:ext cx="2683933" cy="1593908"/>
+          </a:xfrm>
+          <a:prstGeom prst="rect">
+            <a:avLst/>
+          </a:prstGeom>
+          <a:solidFill>
+            <a:schemeClr val="accent6">
+              <a:lumMod val="60000"/>
+              <a:lumOff val="40000"/>
+            </a:schemeClr>
+          </a:solidFill>
+          <a:ln>
+            <a:solidFill>
+              <a:schemeClr val="accent6">
+                <a:lumMod val="75000"/>
+              </a:schemeClr>
+            </a:solidFill>
+          </a:ln>
+        </p:spPr>
+        <p:style>
+          <a:lnRef idx="2">
+            <a:schemeClr val="accent1">
+              <a:shade val="50000"/>
+            </a:schemeClr>
+          </a:lnRef>
+          <a:fillRef idx="1">
+            <a:schemeClr val="accent1"/>
+          </a:fillRef>
+          <a:effectRef idx="0">
+            <a:schemeClr val="accent1"/>
+          </a:effectRef>
+          <a:fontRef idx="minor">
+            <a:schemeClr val="lt1"/>
+          </a:fontRef>
+        </p:style>
+        <p:txBody>
+          <a:bodyPr rtlCol="0" anchor="ctr"/>
+          <a:lstStyle/>
+          <a:p>
+            <a:pPr algn="ctr"/>
+            <a:endParaRPr kumimoji="1" lang="ja-JP" altLang="en-US" dirty="0"/>
           </a:p>
         </p:txBody>
       </p:sp>
     </p:spTree>
     <p:extLst>
       <p:ext uri="{BB962C8B-B14F-4D97-AF65-F5344CB8AC3E}">
-        <p14:creationId xmlns:p14="http://schemas.microsoft.com/office/powerpoint/2010/main" val="75600543"/>
+        <p14:creationId xmlns:p14="http://schemas.microsoft.com/office/powerpoint/2010/main" val="241753833"/>
       </p:ext>
     </p:extLst>
   </p:cSld>
@@ -3809,7 +4491,7 @@
           <p:cNvPr id="2" name="タイトル 1">
             <a:extLst>
               <a:ext uri="{FF2B5EF4-FFF2-40B4-BE49-F238E27FC236}">
-                <a16:creationId xmlns:a16="http://schemas.microsoft.com/office/drawing/2014/main" id="{B2AA96D7-B43E-4159-9E9B-4F9D413CAAC3}"/>
+                <a16:creationId xmlns:a16="http://schemas.microsoft.com/office/drawing/2014/main" id="{1D495C39-98D1-4F21-A6A4-AFD55E572524}"/>
               </a:ext>
             </a:extLst>
           </p:cNvPr>
@@ -3826,10 +4508,9 @@
           <a:lstStyle/>
           <a:p>
             <a:r>
-              <a:rPr kumimoji="1" lang="en-US" altLang="ja-JP" dirty="0" err="1"/>
-              <a:t>OpenJTalk</a:t>
-            </a:r>
-            <a:endParaRPr kumimoji="1" lang="ja-JP" altLang="en-US" dirty="0"/>
+              <a:rPr kumimoji="1" lang="ja-JP" altLang="en-US" dirty="0"/>
+              <a:t>工夫した点</a:t>
+            </a:r>
           </a:p>
         </p:txBody>
       </p:sp>
@@ -3838,7 +4519,7 @@
           <p:cNvPr id="3" name="コンテンツ プレースホルダー 2">
             <a:extLst>
               <a:ext uri="{FF2B5EF4-FFF2-40B4-BE49-F238E27FC236}">
-                <a16:creationId xmlns:a16="http://schemas.microsoft.com/office/drawing/2014/main" id="{DD97C148-6E03-497A-BD5D-B3F8E68423D7}"/>
+                <a16:creationId xmlns:a16="http://schemas.microsoft.com/office/drawing/2014/main" id="{B0A1939D-E094-47E7-8D44-F415E8416185}"/>
               </a:ext>
             </a:extLst>
           </p:cNvPr>
@@ -3854,15 +4535,77 @@
           <a:bodyPr/>
           <a:lstStyle/>
           <a:p>
-            <a:pPr lvl="0"/>
-            <a:endParaRPr kumimoji="1" lang="ja-JP" altLang="en-US" dirty="0"/>
+            <a:r>
+              <a:rPr kumimoji="1" lang="ja-JP" altLang="en-US" dirty="0"/>
+              <a:t>トレーニングデータの作り方</a:t>
+            </a:r>
+            <a:endParaRPr kumimoji="1" lang="en-US" altLang="ja-JP" dirty="0"/>
+          </a:p>
+          <a:p>
+            <a:r>
+              <a:rPr kumimoji="1" lang="ja-JP" altLang="en-US" dirty="0"/>
+              <a:t>発生している問題</a:t>
+            </a:r>
+            <a:endParaRPr kumimoji="1" lang="en-US" altLang="ja-JP" dirty="0"/>
+          </a:p>
+        </p:txBody>
+      </p:sp>
+      <p:sp>
+        <p:nvSpPr>
+          <p:cNvPr id="5" name="正方形/長方形 4">
+            <a:extLst>
+              <a:ext uri="{FF2B5EF4-FFF2-40B4-BE49-F238E27FC236}">
+                <a16:creationId xmlns:a16="http://schemas.microsoft.com/office/drawing/2014/main" id="{9064BDA2-95B2-4A3A-9A0A-5E1E79979B0B}"/>
+              </a:ext>
+            </a:extLst>
+          </p:cNvPr>
+          <p:cNvSpPr/>
+          <p:nvPr/>
+        </p:nvSpPr>
+        <p:spPr>
+          <a:xfrm>
+            <a:off x="9508067" y="0"/>
+            <a:ext cx="2683933" cy="1593908"/>
+          </a:xfrm>
+          <a:prstGeom prst="rect">
+            <a:avLst/>
+          </a:prstGeom>
+          <a:solidFill>
+            <a:schemeClr val="accent6">
+              <a:lumMod val="60000"/>
+              <a:lumOff val="40000"/>
+            </a:schemeClr>
+          </a:solidFill>
+        </p:spPr>
+        <p:style>
+          <a:lnRef idx="2">
+            <a:schemeClr val="accent1">
+              <a:shade val="50000"/>
+            </a:schemeClr>
+          </a:lnRef>
+          <a:fillRef idx="1">
+            <a:schemeClr val="accent1"/>
+          </a:fillRef>
+          <a:effectRef idx="0">
+            <a:schemeClr val="accent1"/>
+          </a:effectRef>
+          <a:fontRef idx="minor">
+            <a:schemeClr val="lt1"/>
+          </a:fontRef>
+        </p:style>
+        <p:txBody>
+          <a:bodyPr rtlCol="0" anchor="ctr"/>
+          <a:lstStyle/>
+          <a:p>
+            <a:pPr algn="ctr"/>
+            <a:endParaRPr kumimoji="1" lang="ja-JP" altLang="en-US"/>
           </a:p>
         </p:txBody>
       </p:sp>
     </p:spTree>
     <p:extLst>
       <p:ext uri="{BB962C8B-B14F-4D97-AF65-F5344CB8AC3E}">
-        <p14:creationId xmlns:p14="http://schemas.microsoft.com/office/powerpoint/2010/main" val="3416587268"/>
+        <p14:creationId xmlns:p14="http://schemas.microsoft.com/office/powerpoint/2010/main" val="485649647"/>
       </p:ext>
     </p:extLst>
   </p:cSld>
@@ -3894,7 +4637,7 @@
           <p:cNvPr id="2" name="タイトル 1">
             <a:extLst>
               <a:ext uri="{FF2B5EF4-FFF2-40B4-BE49-F238E27FC236}">
-                <a16:creationId xmlns:a16="http://schemas.microsoft.com/office/drawing/2014/main" id="{FEAD6D5F-D76B-4EE6-82B1-70D02DFF75FA}"/>
+                <a16:creationId xmlns:a16="http://schemas.microsoft.com/office/drawing/2014/main" id="{83802C4E-2E3E-4349-846A-F90F72A28924}"/>
               </a:ext>
             </a:extLst>
           </p:cNvPr>
@@ -3910,20 +4653,84 @@
           <a:bodyPr/>
           <a:lstStyle/>
           <a:p>
-            <a:pPr lvl="0"/>
-            <a:r>
-              <a:rPr kumimoji="1" lang="ja-JP" altLang="en-US" dirty="0"/>
-              <a:t>工夫した点</a:t>
-            </a:r>
-          </a:p>
-        </p:txBody>
-      </p:sp>
-      <p:sp>
-        <p:nvSpPr>
-          <p:cNvPr id="3" name="コンテンツ プレースホルダー 2">
-            <a:extLst>
-              <a:ext uri="{FF2B5EF4-FFF2-40B4-BE49-F238E27FC236}">
-                <a16:creationId xmlns:a16="http://schemas.microsoft.com/office/drawing/2014/main" id="{49A63A04-9FDC-4B65-9F74-622C63A91B41}"/>
+            <a:r>
+              <a:rPr kumimoji="1" lang="ja-JP" altLang="en-US" dirty="0">
+                <a:ln>
+                  <a:solidFill>
+                    <a:schemeClr val="tx1"/>
+                  </a:solidFill>
+                </a:ln>
+                <a:solidFill>
+                  <a:schemeClr val="accent6">
+                    <a:lumMod val="75000"/>
+                  </a:schemeClr>
+                </a:solidFill>
+                <a:latin typeface="HGP明朝E" panose="02020900000000000000" pitchFamily="18" charset="-128"/>
+                <a:ea typeface="HGP明朝E" panose="02020900000000000000" pitchFamily="18" charset="-128"/>
+              </a:rPr>
+              <a:t>スクレイピング</a:t>
+            </a:r>
+          </a:p>
+        </p:txBody>
+      </p:sp>
+      <p:sp>
+        <p:nvSpPr>
+          <p:cNvPr id="5" name="正方形/長方形 4">
+            <a:extLst>
+              <a:ext uri="{FF2B5EF4-FFF2-40B4-BE49-F238E27FC236}">
+                <a16:creationId xmlns:a16="http://schemas.microsoft.com/office/drawing/2014/main" id="{C00C05B2-7221-4496-A116-94B0D8E45A2D}"/>
+              </a:ext>
+            </a:extLst>
+          </p:cNvPr>
+          <p:cNvSpPr/>
+          <p:nvPr/>
+        </p:nvSpPr>
+        <p:spPr>
+          <a:xfrm>
+            <a:off x="9508067" y="0"/>
+            <a:ext cx="2683933" cy="1593908"/>
+          </a:xfrm>
+          <a:prstGeom prst="rect">
+            <a:avLst/>
+          </a:prstGeom>
+          <a:solidFill>
+            <a:schemeClr val="accent6">
+              <a:lumMod val="60000"/>
+              <a:lumOff val="40000"/>
+            </a:schemeClr>
+          </a:solidFill>
+        </p:spPr>
+        <p:style>
+          <a:lnRef idx="2">
+            <a:schemeClr val="accent1">
+              <a:shade val="50000"/>
+            </a:schemeClr>
+          </a:lnRef>
+          <a:fillRef idx="1">
+            <a:schemeClr val="accent1"/>
+          </a:fillRef>
+          <a:effectRef idx="0">
+            <a:schemeClr val="accent1"/>
+          </a:effectRef>
+          <a:fontRef idx="minor">
+            <a:schemeClr val="lt1"/>
+          </a:fontRef>
+        </p:style>
+        <p:txBody>
+          <a:bodyPr rtlCol="0" anchor="ctr"/>
+          <a:lstStyle/>
+          <a:p>
+            <a:pPr algn="ctr"/>
+            <a:endParaRPr kumimoji="1" lang="ja-JP" altLang="en-US"/>
+          </a:p>
+        </p:txBody>
+      </p:sp>
+      <p:sp>
+        <p:nvSpPr>
+          <p:cNvPr id="6" name="コンテンツ プレースホルダー 2">
+            <a:extLst>
+              <a:ext uri="{FF2B5EF4-FFF2-40B4-BE49-F238E27FC236}">
+                <a16:creationId xmlns:a16="http://schemas.microsoft.com/office/drawing/2014/main" id="{CFC63819-6285-402F-B4F7-D5B34217A0AF}"/>
               </a:ext>
             </a:extLst>
           </p:cNvPr>
@@ -3934,22 +4741,411 @@
             <p:ph idx="1"/>
           </p:nvPr>
         </p:nvSpPr>
-        <p:spPr/>
-        <p:txBody>
-          <a:bodyPr/>
-          <a:lstStyle/>
-          <a:p>
-            <a:r>
-              <a:rPr kumimoji="1" lang="ja-JP" altLang="en-US" dirty="0"/>
-              <a:t>シェルスクリプトを分けた</a:t>
-            </a:r>
+        <p:spPr>
+          <a:xfrm>
+            <a:off x="793075" y="1741386"/>
+            <a:ext cx="10515600" cy="4351338"/>
+          </a:xfrm>
+        </p:spPr>
+        <p:txBody>
+          <a:bodyPr>
+            <a:normAutofit/>
+          </a:bodyPr>
+          <a:lstStyle/>
+          <a:p>
+            <a:pPr marL="0" indent="0">
+              <a:buNone/>
+            </a:pPr>
+            <a:r>
+              <a:rPr kumimoji="1" lang="ja-JP" altLang="en-US" sz="3600" dirty="0"/>
+              <a:t>出力するデータを取得</a:t>
+            </a:r>
+            <a:endParaRPr kumimoji="1" lang="en-US" altLang="ja-JP" sz="3600" dirty="0"/>
+          </a:p>
+          <a:p>
+            <a:endParaRPr kumimoji="1" lang="en-US" altLang="ja-JP" sz="3600" dirty="0"/>
+          </a:p>
+        </p:txBody>
+      </p:sp>
+      <p:sp>
+        <p:nvSpPr>
+          <p:cNvPr id="7" name="テキスト ボックス 6">
+            <a:extLst>
+              <a:ext uri="{FF2B5EF4-FFF2-40B4-BE49-F238E27FC236}">
+                <a16:creationId xmlns:a16="http://schemas.microsoft.com/office/drawing/2014/main" id="{538A1AC8-CE4F-4286-A880-D105B44A2385}"/>
+              </a:ext>
+            </a:extLst>
+          </p:cNvPr>
+          <p:cNvSpPr txBox="1"/>
+          <p:nvPr/>
+        </p:nvSpPr>
+        <p:spPr>
+          <a:xfrm>
+            <a:off x="692459" y="2418724"/>
+            <a:ext cx="8275471" cy="1477328"/>
+          </a:xfrm>
+          <a:prstGeom prst="rect">
+            <a:avLst/>
+          </a:prstGeom>
+          <a:noFill/>
+        </p:spPr>
+        <p:txBody>
+          <a:bodyPr wrap="square" rtlCol="0">
+            <a:spAutoFit/>
+          </a:bodyPr>
+          <a:lstStyle/>
+          <a:p>
+            <a:pPr>
+              <a:buClr>
+                <a:schemeClr val="tx1"/>
+              </a:buClr>
+            </a:pPr>
+            <a:r>
+              <a:rPr lang="en-US" altLang="ja-JP" sz="4000" b="1" dirty="0">
+                <a:ln>
+                  <a:solidFill>
+                    <a:schemeClr val="tx1"/>
+                  </a:solidFill>
+                </a:ln>
+                <a:solidFill>
+                  <a:schemeClr val="accent6">
+                    <a:lumMod val="75000"/>
+                  </a:schemeClr>
+                </a:solidFill>
+              </a:rPr>
+              <a:t>BeautifulSoup4</a:t>
+            </a:r>
+            <a:endParaRPr lang="en-US" altLang="ja-JP" sz="4000" dirty="0">
+              <a:solidFill>
+                <a:schemeClr val="accent6">
+                  <a:lumMod val="75000"/>
+                </a:schemeClr>
+              </a:solidFill>
+            </a:endParaRPr>
+          </a:p>
+          <a:p>
+            <a:pPr lvl="1">
+              <a:buClr>
+                <a:schemeClr val="tx1"/>
+              </a:buClr>
+            </a:pPr>
+            <a:r>
+              <a:rPr lang="en-US" altLang="ja-JP" sz="3200" b="1" dirty="0">
+                <a:ln>
+                  <a:solidFill>
+                    <a:schemeClr val="tx1"/>
+                  </a:solidFill>
+                </a:ln>
+                <a:solidFill>
+                  <a:schemeClr val="accent6">
+                    <a:lumMod val="75000"/>
+                  </a:schemeClr>
+                </a:solidFill>
+              </a:rPr>
+              <a:t>HTML</a:t>
+            </a:r>
+            <a:r>
+              <a:rPr lang="ja-JP" altLang="en-US" sz="3200" dirty="0"/>
+              <a:t>から</a:t>
+            </a:r>
+            <a:r>
+              <a:rPr lang="ja-JP" altLang="en-US" sz="3200" b="1" dirty="0">
+                <a:ln>
+                  <a:solidFill>
+                    <a:schemeClr val="tx1"/>
+                  </a:solidFill>
+                </a:ln>
+                <a:solidFill>
+                  <a:schemeClr val="accent6">
+                    <a:lumMod val="75000"/>
+                  </a:schemeClr>
+                </a:solidFill>
+              </a:rPr>
+              <a:t>テキストデータ</a:t>
+            </a:r>
+            <a:r>
+              <a:rPr lang="ja-JP" altLang="en-US" sz="3200" dirty="0"/>
+              <a:t>を取得</a:t>
+            </a:r>
+            <a:endParaRPr lang="en-US" altLang="ja-JP" sz="3600" dirty="0"/>
+          </a:p>
+          <a:p>
+            <a:endParaRPr kumimoji="1" lang="ja-JP" altLang="en-US" dirty="0"/>
+          </a:p>
+        </p:txBody>
+      </p:sp>
+      <p:sp>
+        <p:nvSpPr>
+          <p:cNvPr id="8" name="矢印: 右 7">
+            <a:extLst>
+              <a:ext uri="{FF2B5EF4-FFF2-40B4-BE49-F238E27FC236}">
+                <a16:creationId xmlns:a16="http://schemas.microsoft.com/office/drawing/2014/main" id="{862C1834-9D92-43CD-9628-AF124AD70118}"/>
+              </a:ext>
+            </a:extLst>
+          </p:cNvPr>
+          <p:cNvSpPr/>
+          <p:nvPr/>
+        </p:nvSpPr>
+        <p:spPr>
+          <a:xfrm>
+            <a:off x="7443192" y="2785840"/>
+            <a:ext cx="555596" cy="2005845"/>
+          </a:xfrm>
+          <a:prstGeom prst="rightArrow">
+            <a:avLst/>
+          </a:prstGeom>
+          <a:solidFill>
+            <a:srgbClr val="C00000"/>
+          </a:solidFill>
+          <a:ln w="28575">
+            <a:solidFill>
+              <a:srgbClr val="283F19"/>
+            </a:solidFill>
+          </a:ln>
+        </p:spPr>
+        <p:style>
+          <a:lnRef idx="2">
+            <a:schemeClr val="accent1">
+              <a:shade val="50000"/>
+            </a:schemeClr>
+          </a:lnRef>
+          <a:fillRef idx="1">
+            <a:schemeClr val="accent1"/>
+          </a:fillRef>
+          <a:effectRef idx="0">
+            <a:schemeClr val="accent1"/>
+          </a:effectRef>
+          <a:fontRef idx="minor">
+            <a:schemeClr val="lt1"/>
+          </a:fontRef>
+        </p:style>
+        <p:txBody>
+          <a:bodyPr rtlCol="0" anchor="ctr"/>
+          <a:lstStyle/>
+          <a:p>
+            <a:pPr algn="ctr"/>
+            <a:endParaRPr kumimoji="1" lang="ja-JP" altLang="en-US">
+              <a:solidFill>
+                <a:srgbClr val="C00000"/>
+              </a:solidFill>
+            </a:endParaRPr>
+          </a:p>
+        </p:txBody>
+      </p:sp>
+      <p:sp>
+        <p:nvSpPr>
+          <p:cNvPr id="9" name="テキスト ボックス 8">
+            <a:extLst>
+              <a:ext uri="{FF2B5EF4-FFF2-40B4-BE49-F238E27FC236}">
+                <a16:creationId xmlns:a16="http://schemas.microsoft.com/office/drawing/2014/main" id="{4217C848-CB0A-4C73-BDB3-9782232899C0}"/>
+              </a:ext>
+            </a:extLst>
+          </p:cNvPr>
+          <p:cNvSpPr txBox="1"/>
+          <p:nvPr/>
+        </p:nvSpPr>
+        <p:spPr>
+          <a:xfrm>
+            <a:off x="7927763" y="3185950"/>
+            <a:ext cx="3865483" cy="1077218"/>
+          </a:xfrm>
+          <a:prstGeom prst="rect">
+            <a:avLst/>
+          </a:prstGeom>
+          <a:noFill/>
+        </p:spPr>
+        <p:txBody>
+          <a:bodyPr wrap="square" rtlCol="0">
+            <a:spAutoFit/>
+          </a:bodyPr>
+          <a:lstStyle/>
+          <a:p>
+            <a:r>
+              <a:rPr kumimoji="1" lang="ja-JP" altLang="en-US" sz="3200" b="1" dirty="0">
+                <a:ln>
+                  <a:solidFill>
+                    <a:schemeClr val="tx1"/>
+                  </a:solidFill>
+                </a:ln>
+                <a:solidFill>
+                  <a:schemeClr val="accent6">
+                    <a:lumMod val="75000"/>
+                  </a:schemeClr>
+                </a:solidFill>
+              </a:rPr>
+              <a:t>テキストファイルに</a:t>
+            </a:r>
+            <a:endParaRPr kumimoji="1" lang="en-US" altLang="ja-JP" sz="3200" b="1" dirty="0">
+              <a:ln>
+                <a:solidFill>
+                  <a:schemeClr val="tx1"/>
+                </a:solidFill>
+              </a:ln>
+              <a:solidFill>
+                <a:schemeClr val="accent6">
+                  <a:lumMod val="75000"/>
+                </a:schemeClr>
+              </a:solidFill>
+            </a:endParaRPr>
+          </a:p>
+          <a:p>
+            <a:r>
+              <a:rPr lang="ja-JP" altLang="en-US" sz="3200" b="1" dirty="0">
+                <a:ln>
+                  <a:solidFill>
+                    <a:schemeClr val="tx1"/>
+                  </a:solidFill>
+                </a:ln>
+                <a:solidFill>
+                  <a:schemeClr val="accent6">
+                    <a:lumMod val="75000"/>
+                  </a:schemeClr>
+                </a:solidFill>
+              </a:rPr>
+              <a:t>書き込み</a:t>
+            </a:r>
+            <a:endParaRPr kumimoji="1" lang="ja-JP" altLang="en-US" sz="3200" b="1" dirty="0">
+              <a:ln>
+                <a:solidFill>
+                  <a:schemeClr val="tx1"/>
+                </a:solidFill>
+              </a:ln>
+              <a:solidFill>
+                <a:schemeClr val="accent6">
+                  <a:lumMod val="75000"/>
+                </a:schemeClr>
+              </a:solidFill>
+            </a:endParaRPr>
+          </a:p>
+        </p:txBody>
+      </p:sp>
+      <p:sp>
+        <p:nvSpPr>
+          <p:cNvPr id="10" name="テキスト ボックス 9">
+            <a:extLst>
+              <a:ext uri="{FF2B5EF4-FFF2-40B4-BE49-F238E27FC236}">
+                <a16:creationId xmlns:a16="http://schemas.microsoft.com/office/drawing/2014/main" id="{60BB61A1-22F8-412D-9E71-B87F444BE6C0}"/>
+              </a:ext>
+            </a:extLst>
+          </p:cNvPr>
+          <p:cNvSpPr txBox="1"/>
+          <p:nvPr/>
+        </p:nvSpPr>
+        <p:spPr>
+          <a:xfrm>
+            <a:off x="692459" y="3957130"/>
+            <a:ext cx="9346130" cy="1600438"/>
+          </a:xfrm>
+          <a:prstGeom prst="rect">
+            <a:avLst/>
+          </a:prstGeom>
+          <a:noFill/>
+        </p:spPr>
+        <p:txBody>
+          <a:bodyPr wrap="square" rtlCol="0">
+            <a:spAutoFit/>
+          </a:bodyPr>
+          <a:lstStyle/>
+          <a:p>
+            <a:pPr>
+              <a:buClr>
+                <a:schemeClr val="tx1"/>
+              </a:buClr>
+            </a:pPr>
+            <a:r>
+              <a:rPr lang="en-US" altLang="ja-JP" sz="4000" b="1" dirty="0">
+                <a:ln>
+                  <a:solidFill>
+                    <a:schemeClr val="tx1"/>
+                  </a:solidFill>
+                </a:ln>
+                <a:solidFill>
+                  <a:schemeClr val="accent6">
+                    <a:lumMod val="75000"/>
+                  </a:schemeClr>
+                </a:solidFill>
+              </a:rPr>
+              <a:t>Datetime</a:t>
+            </a:r>
+            <a:r>
+              <a:rPr lang="ja-JP" altLang="en-US" sz="4000" b="1" dirty="0">
+                <a:ln>
+                  <a:solidFill>
+                    <a:schemeClr val="tx1"/>
+                  </a:solidFill>
+                </a:ln>
+                <a:solidFill>
+                  <a:schemeClr val="accent6">
+                    <a:lumMod val="75000"/>
+                  </a:schemeClr>
+                </a:solidFill>
+              </a:rPr>
+              <a:t>モジュール</a:t>
+            </a:r>
+            <a:endParaRPr lang="en-US" altLang="ja-JP" sz="4000" b="1" dirty="0">
+              <a:ln>
+                <a:solidFill>
+                  <a:schemeClr val="tx1"/>
+                </a:solidFill>
+              </a:ln>
+              <a:solidFill>
+                <a:schemeClr val="accent6">
+                  <a:lumMod val="75000"/>
+                </a:schemeClr>
+              </a:solidFill>
+            </a:endParaRPr>
+          </a:p>
+          <a:p>
+            <a:pPr>
+              <a:buClr>
+                <a:schemeClr val="tx1"/>
+              </a:buClr>
+            </a:pPr>
+            <a:r>
+              <a:rPr lang="ja-JP" altLang="en-US" sz="4000" b="1" dirty="0">
+                <a:ln>
+                  <a:solidFill>
+                    <a:schemeClr val="tx1"/>
+                  </a:solidFill>
+                </a:ln>
+                <a:solidFill>
+                  <a:schemeClr val="accent6">
+                    <a:lumMod val="50000"/>
+                  </a:schemeClr>
+                </a:solidFill>
+              </a:rPr>
+              <a:t>　</a:t>
+            </a:r>
+            <a:r>
+              <a:rPr lang="ja-JP" altLang="en-US" sz="3200" b="1" dirty="0">
+                <a:ln>
+                  <a:solidFill>
+                    <a:schemeClr val="tx1"/>
+                  </a:solidFill>
+                </a:ln>
+                <a:solidFill>
+                  <a:schemeClr val="accent6">
+                    <a:lumMod val="75000"/>
+                  </a:schemeClr>
+                </a:solidFill>
+              </a:rPr>
+              <a:t>日時</a:t>
+            </a:r>
+            <a:r>
+              <a:rPr lang="ja-JP" altLang="en-US" sz="3200" dirty="0"/>
+              <a:t>を取得</a:t>
+            </a:r>
+            <a:endParaRPr lang="en-US" altLang="ja-JP" sz="3200" dirty="0"/>
+          </a:p>
+          <a:p>
+            <a:endParaRPr kumimoji="1" lang="ja-JP" altLang="en-US" dirty="0"/>
           </a:p>
         </p:txBody>
       </p:sp>
     </p:spTree>
     <p:extLst>
       <p:ext uri="{BB962C8B-B14F-4D97-AF65-F5344CB8AC3E}">
-        <p14:creationId xmlns:p14="http://schemas.microsoft.com/office/powerpoint/2010/main" val="3975299542"/>
+        <p14:creationId xmlns:p14="http://schemas.microsoft.com/office/powerpoint/2010/main" val="3049315379"/>
       </p:ext>
     </p:extLst>
   </p:cSld>
@@ -3981,7 +5177,7 @@
           <p:cNvPr id="2" name="タイトル 1">
             <a:extLst>
               <a:ext uri="{FF2B5EF4-FFF2-40B4-BE49-F238E27FC236}">
-                <a16:creationId xmlns:a16="http://schemas.microsoft.com/office/drawing/2014/main" id="{6ADE3D2E-3C6C-4DCF-BB23-6DC8807A41E4}"/>
+                <a16:creationId xmlns:a16="http://schemas.microsoft.com/office/drawing/2014/main" id="{1C67901B-E49E-40E4-9D6B-4679D612BE2A}"/>
               </a:ext>
             </a:extLst>
           </p:cNvPr>
@@ -3997,9 +5193,10 @@
           <a:bodyPr/>
           <a:lstStyle/>
           <a:p>
+            <a:pPr lvl="0"/>
             <a:r>
               <a:rPr kumimoji="1" lang="ja-JP" altLang="en-US" dirty="0"/>
-              <a:t>今後の計画</a:t>
+              <a:t>工夫した点</a:t>
             </a:r>
           </a:p>
         </p:txBody>
@@ -4009,7 +5206,7 @@
           <p:cNvPr id="3" name="コンテンツ プレースホルダー 2">
             <a:extLst>
               <a:ext uri="{FF2B5EF4-FFF2-40B4-BE49-F238E27FC236}">
-                <a16:creationId xmlns:a16="http://schemas.microsoft.com/office/drawing/2014/main" id="{B491E88A-B097-44C6-89CB-25D69502E8EA}"/>
+                <a16:creationId xmlns:a16="http://schemas.microsoft.com/office/drawing/2014/main" id="{FBCA876A-9915-41E9-B91A-EDEAEF221F59}"/>
               </a:ext>
             </a:extLst>
           </p:cNvPr>
@@ -4025,34 +5222,113 @@
           <a:bodyPr/>
           <a:lstStyle/>
           <a:p>
+            <a:pPr>
+              <a:buClr>
+                <a:schemeClr val="tx1"/>
+              </a:buClr>
+            </a:pPr>
             <a:r>
               <a:rPr kumimoji="1" lang="ja-JP" altLang="en-US" dirty="0"/>
-              <a:t>先のスプリントの予定</a:t>
+              <a:t>一括処理</a:t>
             </a:r>
             <a:endParaRPr kumimoji="1" lang="en-US" altLang="ja-JP" dirty="0"/>
           </a:p>
           <a:p>
-            <a:pPr lvl="1"/>
+            <a:pPr>
+              <a:buClr>
+                <a:schemeClr val="tx1"/>
+              </a:buClr>
+            </a:pPr>
+            <a:r>
+              <a:rPr lang="ja-JP" altLang="en-US" dirty="0"/>
+              <a:t>長文のスクレイピングは時間がかかる</a:t>
+            </a:r>
+            <a:endParaRPr lang="en-US" altLang="ja-JP" dirty="0"/>
+          </a:p>
+          <a:p>
+            <a:pPr marL="0" indent="0">
+              <a:buClr>
+                <a:schemeClr val="tx1"/>
+              </a:buClr>
+              <a:buNone/>
+            </a:pPr>
             <a:r>
               <a:rPr kumimoji="1" lang="ja-JP" altLang="en-US" dirty="0"/>
-              <a:t>機能拡張</a:t>
+              <a:t>↓</a:t>
+            </a:r>
+            <a:endParaRPr lang="en-US" altLang="ja-JP" dirty="0"/>
+          </a:p>
+          <a:p>
+            <a:pPr marL="0" indent="0">
+              <a:buClr>
+                <a:schemeClr val="tx1"/>
+              </a:buClr>
+              <a:buNone/>
+            </a:pPr>
+            <a:r>
+              <a:rPr kumimoji="1" lang="ja-JP" altLang="en-US" dirty="0"/>
+              <a:t>起動時に事前に実行して、ファイルに保存しておく</a:t>
             </a:r>
             <a:endParaRPr kumimoji="1" lang="en-US" altLang="ja-JP" dirty="0"/>
           </a:p>
-          <a:p>
-            <a:pPr lvl="1"/>
-            <a:r>
-              <a:rPr kumimoji="1" lang="ja-JP" altLang="en-US" dirty="0"/>
-              <a:t>外見構築</a:t>
-            </a:r>
-            <a:endParaRPr kumimoji="1" lang="en-US" altLang="ja-JP" dirty="0"/>
+        </p:txBody>
+      </p:sp>
+      <p:sp>
+        <p:nvSpPr>
+          <p:cNvPr id="7" name="正方形/長方形 6">
+            <a:extLst>
+              <a:ext uri="{FF2B5EF4-FFF2-40B4-BE49-F238E27FC236}">
+                <a16:creationId xmlns:a16="http://schemas.microsoft.com/office/drawing/2014/main" id="{862A2D94-AAD8-4EAC-B86B-F0BA5C60401A}"/>
+              </a:ext>
+            </a:extLst>
+          </p:cNvPr>
+          <p:cNvSpPr/>
+          <p:nvPr/>
+        </p:nvSpPr>
+        <p:spPr>
+          <a:xfrm>
+            <a:off x="9508067" y="0"/>
+            <a:ext cx="2683933" cy="1593908"/>
+          </a:xfrm>
+          <a:prstGeom prst="rect">
+            <a:avLst/>
+          </a:prstGeom>
+          <a:solidFill>
+            <a:schemeClr val="accent6">
+              <a:lumMod val="60000"/>
+              <a:lumOff val="40000"/>
+            </a:schemeClr>
+          </a:solidFill>
+        </p:spPr>
+        <p:style>
+          <a:lnRef idx="2">
+            <a:schemeClr val="accent1">
+              <a:shade val="50000"/>
+            </a:schemeClr>
+          </a:lnRef>
+          <a:fillRef idx="1">
+            <a:schemeClr val="accent1"/>
+          </a:fillRef>
+          <a:effectRef idx="0">
+            <a:schemeClr val="accent1"/>
+          </a:effectRef>
+          <a:fontRef idx="minor">
+            <a:schemeClr val="lt1"/>
+          </a:fontRef>
+        </p:style>
+        <p:txBody>
+          <a:bodyPr rtlCol="0" anchor="ctr"/>
+          <a:lstStyle/>
+          <a:p>
+            <a:pPr algn="ctr"/>
+            <a:endParaRPr kumimoji="1" lang="ja-JP" altLang="en-US"/>
           </a:p>
         </p:txBody>
       </p:sp>
     </p:spTree>
     <p:extLst>
       <p:ext uri="{BB962C8B-B14F-4D97-AF65-F5344CB8AC3E}">
-        <p14:creationId xmlns:p14="http://schemas.microsoft.com/office/powerpoint/2010/main" val="1064961073"/>
+        <p14:creationId xmlns:p14="http://schemas.microsoft.com/office/powerpoint/2010/main" val="558572616"/>
       </p:ext>
     </p:extLst>
   </p:cSld>
@@ -4084,7 +5360,7 @@
           <p:cNvPr id="2" name="タイトル 1">
             <a:extLst>
               <a:ext uri="{FF2B5EF4-FFF2-40B4-BE49-F238E27FC236}">
-                <a16:creationId xmlns:a16="http://schemas.microsoft.com/office/drawing/2014/main" id="{D945224A-9D04-411A-90E6-C4829D387F29}"/>
+                <a16:creationId xmlns:a16="http://schemas.microsoft.com/office/drawing/2014/main" id="{1C67901B-E49E-40E4-9D6B-4679D612BE2A}"/>
               </a:ext>
             </a:extLst>
           </p:cNvPr>
@@ -4100,9 +5376,10 @@
           <a:bodyPr/>
           <a:lstStyle/>
           <a:p>
+            <a:pPr lvl="0"/>
             <a:r>
               <a:rPr kumimoji="1" lang="ja-JP" altLang="en-US" dirty="0"/>
-              <a:t>質疑応答用</a:t>
+              <a:t>工夫した点</a:t>
             </a:r>
           </a:p>
         </p:txBody>
@@ -4112,7 +5389,7 @@
           <p:cNvPr id="3" name="コンテンツ プレースホルダー 2">
             <a:extLst>
               <a:ext uri="{FF2B5EF4-FFF2-40B4-BE49-F238E27FC236}">
-                <a16:creationId xmlns:a16="http://schemas.microsoft.com/office/drawing/2014/main" id="{B850B4BA-A633-440E-83B5-154DC747BD45}"/>
+                <a16:creationId xmlns:a16="http://schemas.microsoft.com/office/drawing/2014/main" id="{FBCA876A-9915-41E9-B91A-EDEAEF221F59}"/>
               </a:ext>
             </a:extLst>
           </p:cNvPr>
@@ -4128,14 +5405,1648 @@
           <a:bodyPr/>
           <a:lstStyle/>
           <a:p>
+            <a:r>
+              <a:rPr kumimoji="1" lang="ja-JP" altLang="en-US" dirty="0"/>
+              <a:t>ファイルの書き込み</a:t>
+            </a:r>
+          </a:p>
+        </p:txBody>
+      </p:sp>
+      <p:sp>
+        <p:nvSpPr>
+          <p:cNvPr id="7" name="正方形/長方形 6">
+            <a:extLst>
+              <a:ext uri="{FF2B5EF4-FFF2-40B4-BE49-F238E27FC236}">
+                <a16:creationId xmlns:a16="http://schemas.microsoft.com/office/drawing/2014/main" id="{862A2D94-AAD8-4EAC-B86B-F0BA5C60401A}"/>
+              </a:ext>
+            </a:extLst>
+          </p:cNvPr>
+          <p:cNvSpPr/>
+          <p:nvPr/>
+        </p:nvSpPr>
+        <p:spPr>
+          <a:xfrm>
+            <a:off x="9508067" y="0"/>
+            <a:ext cx="2683933" cy="1593908"/>
+          </a:xfrm>
+          <a:prstGeom prst="rect">
+            <a:avLst/>
+          </a:prstGeom>
+          <a:solidFill>
+            <a:schemeClr val="accent6">
+              <a:lumMod val="60000"/>
+              <a:lumOff val="40000"/>
+            </a:schemeClr>
+          </a:solidFill>
+        </p:spPr>
+        <p:style>
+          <a:lnRef idx="2">
+            <a:schemeClr val="accent1">
+              <a:shade val="50000"/>
+            </a:schemeClr>
+          </a:lnRef>
+          <a:fillRef idx="1">
+            <a:schemeClr val="accent1"/>
+          </a:fillRef>
+          <a:effectRef idx="0">
+            <a:schemeClr val="accent1"/>
+          </a:effectRef>
+          <a:fontRef idx="minor">
+            <a:schemeClr val="lt1"/>
+          </a:fontRef>
+        </p:style>
+        <p:txBody>
+          <a:bodyPr rtlCol="0" anchor="ctr"/>
+          <a:lstStyle/>
+          <a:p>
+            <a:pPr algn="ctr"/>
             <a:endParaRPr kumimoji="1" lang="ja-JP" altLang="en-US"/>
+          </a:p>
+        </p:txBody>
+      </p:sp>
+      <p:sp>
+        <p:nvSpPr>
+          <p:cNvPr id="8" name="テキスト ボックス 7">
+            <a:extLst>
+              <a:ext uri="{FF2B5EF4-FFF2-40B4-BE49-F238E27FC236}">
+                <a16:creationId xmlns:a16="http://schemas.microsoft.com/office/drawing/2014/main" id="{40D63904-31E9-48A3-8728-1F3F2583B836}"/>
+              </a:ext>
+            </a:extLst>
+          </p:cNvPr>
+          <p:cNvSpPr txBox="1"/>
+          <p:nvPr/>
+        </p:nvSpPr>
+        <p:spPr>
+          <a:xfrm>
+            <a:off x="991402" y="2993456"/>
+            <a:ext cx="1944303" cy="1200329"/>
+          </a:xfrm>
+          <a:prstGeom prst="rect">
+            <a:avLst/>
+          </a:prstGeom>
+          <a:solidFill>
+            <a:schemeClr val="bg1"/>
+          </a:solidFill>
+        </p:spPr>
+        <p:txBody>
+          <a:bodyPr wrap="square" rtlCol="0">
+            <a:spAutoFit/>
+          </a:bodyPr>
+          <a:lstStyle/>
+          <a:p>
+            <a:r>
+              <a:rPr lang="ja-JP" altLang="en-US" dirty="0">
+                <a:solidFill>
+                  <a:schemeClr val="accent6">
+                    <a:lumMod val="75000"/>
+                  </a:schemeClr>
+                </a:solidFill>
+              </a:rPr>
+              <a:t>天気予報</a:t>
+            </a:r>
+            <a:endParaRPr lang="en-US" altLang="ja-JP" dirty="0">
+              <a:solidFill>
+                <a:schemeClr val="accent6">
+                  <a:lumMod val="75000"/>
+                </a:schemeClr>
+              </a:solidFill>
+            </a:endParaRPr>
+          </a:p>
+          <a:p>
+            <a:r>
+              <a:rPr kumimoji="1" lang="ja-JP" altLang="en-US" dirty="0">
+                <a:solidFill>
+                  <a:schemeClr val="accent6">
+                    <a:lumMod val="75000"/>
+                  </a:schemeClr>
+                </a:solidFill>
+              </a:rPr>
+              <a:t>ニュース</a:t>
+            </a:r>
+            <a:endParaRPr kumimoji="1" lang="en-US" altLang="ja-JP" dirty="0">
+              <a:solidFill>
+                <a:schemeClr val="accent6">
+                  <a:lumMod val="75000"/>
+                </a:schemeClr>
+              </a:solidFill>
+            </a:endParaRPr>
+          </a:p>
+          <a:p>
+            <a:r>
+              <a:rPr lang="ja-JP" altLang="en-US" dirty="0">
+                <a:solidFill>
+                  <a:schemeClr val="accent6">
+                    <a:lumMod val="75000"/>
+                  </a:schemeClr>
+                </a:solidFill>
+              </a:rPr>
+              <a:t>日時</a:t>
+            </a:r>
+            <a:endParaRPr lang="en-US" altLang="ja-JP" dirty="0">
+              <a:solidFill>
+                <a:schemeClr val="accent6">
+                  <a:lumMod val="75000"/>
+                </a:schemeClr>
+              </a:solidFill>
+            </a:endParaRPr>
+          </a:p>
+          <a:p>
+            <a:r>
+              <a:rPr kumimoji="1" lang="ja-JP" altLang="en-US" dirty="0">
+                <a:solidFill>
+                  <a:schemeClr val="accent6">
+                    <a:lumMod val="75000"/>
+                  </a:schemeClr>
+                </a:solidFill>
+              </a:rPr>
+              <a:t>占い結果</a:t>
+            </a:r>
+          </a:p>
+        </p:txBody>
+      </p:sp>
+      <p:sp>
+        <p:nvSpPr>
+          <p:cNvPr id="9" name="矢印: 右 8">
+            <a:extLst>
+              <a:ext uri="{FF2B5EF4-FFF2-40B4-BE49-F238E27FC236}">
+                <a16:creationId xmlns:a16="http://schemas.microsoft.com/office/drawing/2014/main" id="{9C51A749-C864-4016-A7E7-9BCE00DD2639}"/>
+              </a:ext>
+            </a:extLst>
+          </p:cNvPr>
+          <p:cNvSpPr/>
+          <p:nvPr/>
+        </p:nvSpPr>
+        <p:spPr>
+          <a:xfrm>
+            <a:off x="3359217" y="3234088"/>
+            <a:ext cx="702644" cy="404261"/>
+          </a:xfrm>
+          <a:prstGeom prst="rightArrow">
+            <a:avLst/>
+          </a:prstGeom>
+        </p:spPr>
+        <p:style>
+          <a:lnRef idx="2">
+            <a:schemeClr val="accent1">
+              <a:shade val="50000"/>
+            </a:schemeClr>
+          </a:lnRef>
+          <a:fillRef idx="1">
+            <a:schemeClr val="accent1"/>
+          </a:fillRef>
+          <a:effectRef idx="0">
+            <a:schemeClr val="accent1"/>
+          </a:effectRef>
+          <a:fontRef idx="minor">
+            <a:schemeClr val="lt1"/>
+          </a:fontRef>
+        </p:style>
+        <p:txBody>
+          <a:bodyPr rtlCol="0" anchor="ctr"/>
+          <a:lstStyle/>
+          <a:p>
+            <a:pPr algn="ctr"/>
+            <a:endParaRPr kumimoji="1" lang="ja-JP" altLang="en-US"/>
+          </a:p>
+        </p:txBody>
+      </p:sp>
+      <p:sp>
+        <p:nvSpPr>
+          <p:cNvPr id="10" name="テキスト ボックス 9">
+            <a:extLst>
+              <a:ext uri="{FF2B5EF4-FFF2-40B4-BE49-F238E27FC236}">
+                <a16:creationId xmlns:a16="http://schemas.microsoft.com/office/drawing/2014/main" id="{1D7F6355-1C8D-430F-A5AD-60546019D77B}"/>
+              </a:ext>
+            </a:extLst>
+          </p:cNvPr>
+          <p:cNvSpPr txBox="1"/>
+          <p:nvPr/>
+        </p:nvSpPr>
+        <p:spPr>
+          <a:xfrm>
+            <a:off x="4485373" y="3408954"/>
+            <a:ext cx="1944303" cy="369332"/>
+          </a:xfrm>
+          <a:prstGeom prst="rect">
+            <a:avLst/>
+          </a:prstGeom>
+          <a:solidFill>
+            <a:schemeClr val="bg1"/>
+          </a:solidFill>
+        </p:spPr>
+        <p:txBody>
+          <a:bodyPr wrap="square" rtlCol="0">
+            <a:spAutoFit/>
+          </a:bodyPr>
+          <a:lstStyle/>
+          <a:p>
+            <a:r>
+              <a:rPr lang="en-US" altLang="ja-JP" dirty="0"/>
+              <a:t>result.txt</a:t>
+            </a:r>
+            <a:endParaRPr kumimoji="1" lang="ja-JP" altLang="en-US" dirty="0"/>
           </a:p>
         </p:txBody>
       </p:sp>
     </p:spTree>
     <p:extLst>
       <p:ext uri="{BB962C8B-B14F-4D97-AF65-F5344CB8AC3E}">
-        <p14:creationId xmlns:p14="http://schemas.microsoft.com/office/powerpoint/2010/main" val="1597662758"/>
+        <p14:creationId xmlns:p14="http://schemas.microsoft.com/office/powerpoint/2010/main" val="75600543"/>
+      </p:ext>
+    </p:extLst>
+  </p:cSld>
+  <p:clrMapOvr>
+    <a:masterClrMapping/>
+  </p:clrMapOvr>
+</p:sld>
+</file>
+
+<file path=ppt/slides/slide15.xml><?xml version="1.0" encoding="utf-8"?>
+<p:sld xmlns:a="http://schemas.openxmlformats.org/drawingml/2006/main" xmlns:r="http://schemas.openxmlformats.org/officeDocument/2006/relationships" xmlns:p="http://schemas.openxmlformats.org/presentationml/2006/main">
+  <p:cSld>
+    <p:spTree>
+      <p:nvGrpSpPr>
+        <p:cNvPr id="1" name=""/>
+        <p:cNvGrpSpPr/>
+        <p:nvPr/>
+      </p:nvGrpSpPr>
+      <p:grpSpPr>
+        <a:xfrm>
+          <a:off x="0" y="0"/>
+          <a:ext cx="0" cy="0"/>
+          <a:chOff x="0" y="0"/>
+          <a:chExt cx="0" cy="0"/>
+        </a:xfrm>
+      </p:grpSpPr>
+      <p:sp>
+        <p:nvSpPr>
+          <p:cNvPr id="2" name="タイトル 1">
+            <a:extLst>
+              <a:ext uri="{FF2B5EF4-FFF2-40B4-BE49-F238E27FC236}">
+                <a16:creationId xmlns:a16="http://schemas.microsoft.com/office/drawing/2014/main" id="{1C67901B-E49E-40E4-9D6B-4679D612BE2A}"/>
+              </a:ext>
+            </a:extLst>
+          </p:cNvPr>
+          <p:cNvSpPr>
+            <a:spLocks noGrp="1"/>
+          </p:cNvSpPr>
+          <p:nvPr>
+            <p:ph type="title"/>
+          </p:nvPr>
+        </p:nvSpPr>
+        <p:spPr/>
+        <p:txBody>
+          <a:bodyPr/>
+          <a:lstStyle/>
+          <a:p>
+            <a:pPr lvl="0"/>
+            <a:r>
+              <a:rPr kumimoji="1" lang="ja-JP" altLang="en-US" dirty="0"/>
+              <a:t>工夫した点</a:t>
+            </a:r>
+          </a:p>
+        </p:txBody>
+      </p:sp>
+      <p:sp>
+        <p:nvSpPr>
+          <p:cNvPr id="3" name="コンテンツ プレースホルダー 2">
+            <a:extLst>
+              <a:ext uri="{FF2B5EF4-FFF2-40B4-BE49-F238E27FC236}">
+                <a16:creationId xmlns:a16="http://schemas.microsoft.com/office/drawing/2014/main" id="{FBCA876A-9915-41E9-B91A-EDEAEF221F59}"/>
+              </a:ext>
+            </a:extLst>
+          </p:cNvPr>
+          <p:cNvSpPr>
+            <a:spLocks noGrp="1"/>
+          </p:cNvSpPr>
+          <p:nvPr>
+            <p:ph idx="1"/>
+          </p:nvPr>
+        </p:nvSpPr>
+        <p:spPr/>
+        <p:txBody>
+          <a:bodyPr/>
+          <a:lstStyle/>
+          <a:p>
+            <a:r>
+              <a:rPr kumimoji="1" lang="ja-JP" altLang="en-US" dirty="0"/>
+              <a:t>ファイルの書き込み</a:t>
+            </a:r>
+          </a:p>
+        </p:txBody>
+      </p:sp>
+      <p:sp>
+        <p:nvSpPr>
+          <p:cNvPr id="7" name="正方形/長方形 6">
+            <a:extLst>
+              <a:ext uri="{FF2B5EF4-FFF2-40B4-BE49-F238E27FC236}">
+                <a16:creationId xmlns:a16="http://schemas.microsoft.com/office/drawing/2014/main" id="{862A2D94-AAD8-4EAC-B86B-F0BA5C60401A}"/>
+              </a:ext>
+            </a:extLst>
+          </p:cNvPr>
+          <p:cNvSpPr/>
+          <p:nvPr/>
+        </p:nvSpPr>
+        <p:spPr>
+          <a:xfrm>
+            <a:off x="9508067" y="0"/>
+            <a:ext cx="2683933" cy="1593908"/>
+          </a:xfrm>
+          <a:prstGeom prst="rect">
+            <a:avLst/>
+          </a:prstGeom>
+          <a:solidFill>
+            <a:schemeClr val="accent6">
+              <a:lumMod val="60000"/>
+              <a:lumOff val="40000"/>
+            </a:schemeClr>
+          </a:solidFill>
+        </p:spPr>
+        <p:style>
+          <a:lnRef idx="2">
+            <a:schemeClr val="accent1">
+              <a:shade val="50000"/>
+            </a:schemeClr>
+          </a:lnRef>
+          <a:fillRef idx="1">
+            <a:schemeClr val="accent1"/>
+          </a:fillRef>
+          <a:effectRef idx="0">
+            <a:schemeClr val="accent1"/>
+          </a:effectRef>
+          <a:fontRef idx="minor">
+            <a:schemeClr val="lt1"/>
+          </a:fontRef>
+        </p:style>
+        <p:txBody>
+          <a:bodyPr rtlCol="0" anchor="ctr"/>
+          <a:lstStyle/>
+          <a:p>
+            <a:pPr algn="ctr"/>
+            <a:endParaRPr kumimoji="1" lang="ja-JP" altLang="en-US"/>
+          </a:p>
+        </p:txBody>
+      </p:sp>
+      <p:sp>
+        <p:nvSpPr>
+          <p:cNvPr id="8" name="テキスト ボックス 7">
+            <a:extLst>
+              <a:ext uri="{FF2B5EF4-FFF2-40B4-BE49-F238E27FC236}">
+                <a16:creationId xmlns:a16="http://schemas.microsoft.com/office/drawing/2014/main" id="{40D63904-31E9-48A3-8728-1F3F2583B836}"/>
+              </a:ext>
+            </a:extLst>
+          </p:cNvPr>
+          <p:cNvSpPr txBox="1"/>
+          <p:nvPr/>
+        </p:nvSpPr>
+        <p:spPr>
+          <a:xfrm>
+            <a:off x="991402" y="2993456"/>
+            <a:ext cx="1944303" cy="1200329"/>
+          </a:xfrm>
+          <a:prstGeom prst="rect">
+            <a:avLst/>
+          </a:prstGeom>
+          <a:solidFill>
+            <a:schemeClr val="bg1"/>
+          </a:solidFill>
+        </p:spPr>
+        <p:txBody>
+          <a:bodyPr wrap="square" rtlCol="0">
+            <a:spAutoFit/>
+          </a:bodyPr>
+          <a:lstStyle/>
+          <a:p>
+            <a:r>
+              <a:rPr lang="ja-JP" altLang="en-US" dirty="0">
+                <a:solidFill>
+                  <a:schemeClr val="accent6">
+                    <a:lumMod val="75000"/>
+                  </a:schemeClr>
+                </a:solidFill>
+              </a:rPr>
+              <a:t>天気予報</a:t>
+            </a:r>
+            <a:endParaRPr lang="en-US" altLang="ja-JP" dirty="0">
+              <a:solidFill>
+                <a:schemeClr val="accent6">
+                  <a:lumMod val="75000"/>
+                </a:schemeClr>
+              </a:solidFill>
+            </a:endParaRPr>
+          </a:p>
+          <a:p>
+            <a:r>
+              <a:rPr kumimoji="1" lang="ja-JP" altLang="en-US" dirty="0">
+                <a:solidFill>
+                  <a:schemeClr val="accent6">
+                    <a:lumMod val="75000"/>
+                  </a:schemeClr>
+                </a:solidFill>
+              </a:rPr>
+              <a:t>ニュース</a:t>
+            </a:r>
+            <a:endParaRPr kumimoji="1" lang="en-US" altLang="ja-JP" dirty="0">
+              <a:solidFill>
+                <a:schemeClr val="accent6">
+                  <a:lumMod val="75000"/>
+                </a:schemeClr>
+              </a:solidFill>
+            </a:endParaRPr>
+          </a:p>
+          <a:p>
+            <a:r>
+              <a:rPr lang="ja-JP" altLang="en-US" dirty="0">
+                <a:solidFill>
+                  <a:schemeClr val="accent6">
+                    <a:lumMod val="75000"/>
+                  </a:schemeClr>
+                </a:solidFill>
+              </a:rPr>
+              <a:t>日時</a:t>
+            </a:r>
+            <a:endParaRPr lang="en-US" altLang="ja-JP" dirty="0">
+              <a:solidFill>
+                <a:schemeClr val="accent6">
+                  <a:lumMod val="75000"/>
+                </a:schemeClr>
+              </a:solidFill>
+            </a:endParaRPr>
+          </a:p>
+          <a:p>
+            <a:r>
+              <a:rPr kumimoji="1" lang="ja-JP" altLang="en-US" dirty="0">
+                <a:solidFill>
+                  <a:schemeClr val="accent6">
+                    <a:lumMod val="75000"/>
+                  </a:schemeClr>
+                </a:solidFill>
+              </a:rPr>
+              <a:t>占い結果</a:t>
+            </a:r>
+          </a:p>
+        </p:txBody>
+      </p:sp>
+      <p:sp>
+        <p:nvSpPr>
+          <p:cNvPr id="9" name="矢印: 右 8">
+            <a:extLst>
+              <a:ext uri="{FF2B5EF4-FFF2-40B4-BE49-F238E27FC236}">
+                <a16:creationId xmlns:a16="http://schemas.microsoft.com/office/drawing/2014/main" id="{9C51A749-C864-4016-A7E7-9BCE00DD2639}"/>
+              </a:ext>
+            </a:extLst>
+          </p:cNvPr>
+          <p:cNvSpPr/>
+          <p:nvPr/>
+        </p:nvSpPr>
+        <p:spPr>
+          <a:xfrm>
+            <a:off x="3359217" y="3234088"/>
+            <a:ext cx="702644" cy="404261"/>
+          </a:xfrm>
+          <a:prstGeom prst="rightArrow">
+            <a:avLst/>
+          </a:prstGeom>
+        </p:spPr>
+        <p:style>
+          <a:lnRef idx="2">
+            <a:schemeClr val="accent1">
+              <a:shade val="50000"/>
+            </a:schemeClr>
+          </a:lnRef>
+          <a:fillRef idx="1">
+            <a:schemeClr val="accent1"/>
+          </a:fillRef>
+          <a:effectRef idx="0">
+            <a:schemeClr val="accent1"/>
+          </a:effectRef>
+          <a:fontRef idx="minor">
+            <a:schemeClr val="lt1"/>
+          </a:fontRef>
+        </p:style>
+        <p:txBody>
+          <a:bodyPr rtlCol="0" anchor="ctr"/>
+          <a:lstStyle/>
+          <a:p>
+            <a:pPr algn="ctr"/>
+            <a:endParaRPr kumimoji="1" lang="ja-JP" altLang="en-US"/>
+          </a:p>
+        </p:txBody>
+      </p:sp>
+      <p:sp>
+        <p:nvSpPr>
+          <p:cNvPr id="10" name="テキスト ボックス 9">
+            <a:extLst>
+              <a:ext uri="{FF2B5EF4-FFF2-40B4-BE49-F238E27FC236}">
+                <a16:creationId xmlns:a16="http://schemas.microsoft.com/office/drawing/2014/main" id="{1D7F6355-1C8D-430F-A5AD-60546019D77B}"/>
+              </a:ext>
+            </a:extLst>
+          </p:cNvPr>
+          <p:cNvSpPr txBox="1"/>
+          <p:nvPr/>
+        </p:nvSpPr>
+        <p:spPr>
+          <a:xfrm>
+            <a:off x="4485373" y="3038184"/>
+            <a:ext cx="1944303" cy="1200329"/>
+          </a:xfrm>
+          <a:prstGeom prst="rect">
+            <a:avLst/>
+          </a:prstGeom>
+          <a:solidFill>
+            <a:schemeClr val="bg1"/>
+          </a:solidFill>
+        </p:spPr>
+        <p:txBody>
+          <a:bodyPr wrap="square" rtlCol="0">
+            <a:spAutoFit/>
+          </a:bodyPr>
+          <a:lstStyle/>
+          <a:p>
+            <a:r>
+              <a:rPr lang="en-US" altLang="ja-JP" dirty="0"/>
+              <a:t>weather.txt</a:t>
+            </a:r>
+          </a:p>
+          <a:p>
+            <a:r>
+              <a:rPr lang="en-US" altLang="ja-JP" dirty="0"/>
+              <a:t>n</a:t>
+            </a:r>
+            <a:r>
+              <a:rPr kumimoji="1" lang="en-US" altLang="ja-JP" dirty="0"/>
+              <a:t>ews.txt</a:t>
+            </a:r>
+          </a:p>
+          <a:p>
+            <a:r>
+              <a:rPr lang="en-US" altLang="ja-JP" dirty="0"/>
+              <a:t>day.txt</a:t>
+            </a:r>
+          </a:p>
+          <a:p>
+            <a:r>
+              <a:rPr kumimoji="1" lang="en-US" altLang="ja-JP" dirty="0"/>
+              <a:t>fortune.txt</a:t>
+            </a:r>
+            <a:endParaRPr kumimoji="1" lang="ja-JP" altLang="en-US" dirty="0"/>
+          </a:p>
+        </p:txBody>
+      </p:sp>
+    </p:spTree>
+    <p:extLst>
+      <p:ext uri="{BB962C8B-B14F-4D97-AF65-F5344CB8AC3E}">
+        <p14:creationId xmlns:p14="http://schemas.microsoft.com/office/powerpoint/2010/main" val="3085573195"/>
+      </p:ext>
+    </p:extLst>
+  </p:cSld>
+  <p:clrMapOvr>
+    <a:masterClrMapping/>
+  </p:clrMapOvr>
+  <mc:AlternateContent xmlns:mc="http://schemas.openxmlformats.org/markup-compatibility/2006" xmlns:p14="http://schemas.microsoft.com/office/powerpoint/2010/main">
+    <mc:Choice Requires="p14">
+      <p:transition spd="med" p14:dur="700">
+        <p:fade/>
+      </p:transition>
+    </mc:Choice>
+    <mc:Fallback xmlns="">
+      <p:transition spd="med">
+        <p:fade/>
+      </p:transition>
+    </mc:Fallback>
+  </mc:AlternateContent>
+</p:sld>
+</file>
+
+<file path=ppt/slides/slide16.xml><?xml version="1.0" encoding="utf-8"?>
+<p:sld xmlns:a="http://schemas.openxmlformats.org/drawingml/2006/main" xmlns:r="http://schemas.openxmlformats.org/officeDocument/2006/relationships" xmlns:p="http://schemas.openxmlformats.org/presentationml/2006/main">
+  <p:cSld>
+    <p:spTree>
+      <p:nvGrpSpPr>
+        <p:cNvPr id="1" name=""/>
+        <p:cNvGrpSpPr/>
+        <p:nvPr/>
+      </p:nvGrpSpPr>
+      <p:grpSpPr>
+        <a:xfrm>
+          <a:off x="0" y="0"/>
+          <a:ext cx="0" cy="0"/>
+          <a:chOff x="0" y="0"/>
+          <a:chExt cx="0" cy="0"/>
+        </a:xfrm>
+      </p:grpSpPr>
+      <p:sp>
+        <p:nvSpPr>
+          <p:cNvPr id="2" name="タイトル 1">
+            <a:extLst>
+              <a:ext uri="{FF2B5EF4-FFF2-40B4-BE49-F238E27FC236}">
+                <a16:creationId xmlns:a16="http://schemas.microsoft.com/office/drawing/2014/main" id="{B2AA96D7-B43E-4159-9E9B-4F9D413CAAC3}"/>
+              </a:ext>
+            </a:extLst>
+          </p:cNvPr>
+          <p:cNvSpPr>
+            <a:spLocks noGrp="1"/>
+          </p:cNvSpPr>
+          <p:nvPr>
+            <p:ph type="title"/>
+          </p:nvPr>
+        </p:nvSpPr>
+        <p:spPr/>
+        <p:txBody>
+          <a:bodyPr/>
+          <a:lstStyle/>
+          <a:p>
+            <a:r>
+              <a:rPr kumimoji="1" lang="en-US" altLang="ja-JP" dirty="0"/>
+              <a:t>OpenJTalk</a:t>
+            </a:r>
+            <a:endParaRPr kumimoji="1" lang="ja-JP" altLang="en-US" dirty="0"/>
+          </a:p>
+        </p:txBody>
+      </p:sp>
+      <p:sp>
+        <p:nvSpPr>
+          <p:cNvPr id="3" name="コンテンツ プレースホルダー 2">
+            <a:extLst>
+              <a:ext uri="{FF2B5EF4-FFF2-40B4-BE49-F238E27FC236}">
+                <a16:creationId xmlns:a16="http://schemas.microsoft.com/office/drawing/2014/main" id="{DD97C148-6E03-497A-BD5D-B3F8E68423D7}"/>
+              </a:ext>
+            </a:extLst>
+          </p:cNvPr>
+          <p:cNvSpPr>
+            <a:spLocks noGrp="1"/>
+          </p:cNvSpPr>
+          <p:nvPr>
+            <p:ph idx="1"/>
+          </p:nvPr>
+        </p:nvSpPr>
+        <p:spPr/>
+        <p:txBody>
+          <a:bodyPr/>
+          <a:lstStyle/>
+          <a:p>
+            <a:pPr lvl="0"/>
+            <a:r>
+              <a:rPr lang="ja-JP" altLang="en-US" dirty="0"/>
+              <a:t>日本語用の</a:t>
+            </a:r>
+            <a:r>
+              <a:rPr kumimoji="1" lang="ja-JP" altLang="en-US" dirty="0"/>
+              <a:t>音声合成</a:t>
+            </a:r>
+            <a:r>
+              <a:rPr kumimoji="1" lang="en-US" altLang="ja-JP" dirty="0"/>
+              <a:t>OSS</a:t>
+            </a:r>
+            <a:endParaRPr kumimoji="1" lang="ja-JP" altLang="en-US" dirty="0"/>
+          </a:p>
+        </p:txBody>
+      </p:sp>
+      <p:sp>
+        <p:nvSpPr>
+          <p:cNvPr id="5" name="正方形/長方形 4">
+            <a:extLst>
+              <a:ext uri="{FF2B5EF4-FFF2-40B4-BE49-F238E27FC236}">
+                <a16:creationId xmlns:a16="http://schemas.microsoft.com/office/drawing/2014/main" id="{D06DD776-1EB9-4F75-97CB-00400CCE302D}"/>
+              </a:ext>
+            </a:extLst>
+          </p:cNvPr>
+          <p:cNvSpPr/>
+          <p:nvPr/>
+        </p:nvSpPr>
+        <p:spPr>
+          <a:xfrm>
+            <a:off x="9508067" y="0"/>
+            <a:ext cx="2683933" cy="1593908"/>
+          </a:xfrm>
+          <a:prstGeom prst="rect">
+            <a:avLst/>
+          </a:prstGeom>
+          <a:solidFill>
+            <a:schemeClr val="accent6">
+              <a:lumMod val="60000"/>
+              <a:lumOff val="40000"/>
+            </a:schemeClr>
+          </a:solidFill>
+        </p:spPr>
+        <p:style>
+          <a:lnRef idx="2">
+            <a:schemeClr val="accent1">
+              <a:shade val="50000"/>
+            </a:schemeClr>
+          </a:lnRef>
+          <a:fillRef idx="1">
+            <a:schemeClr val="accent1"/>
+          </a:fillRef>
+          <a:effectRef idx="0">
+            <a:schemeClr val="accent1"/>
+          </a:effectRef>
+          <a:fontRef idx="minor">
+            <a:schemeClr val="lt1"/>
+          </a:fontRef>
+        </p:style>
+        <p:txBody>
+          <a:bodyPr rtlCol="0" anchor="ctr"/>
+          <a:lstStyle/>
+          <a:p>
+            <a:pPr algn="ctr"/>
+            <a:endParaRPr kumimoji="1" lang="ja-JP" altLang="en-US"/>
+          </a:p>
+        </p:txBody>
+      </p:sp>
+    </p:spTree>
+    <p:extLst>
+      <p:ext uri="{BB962C8B-B14F-4D97-AF65-F5344CB8AC3E}">
+        <p14:creationId xmlns:p14="http://schemas.microsoft.com/office/powerpoint/2010/main" val="3416587268"/>
+      </p:ext>
+    </p:extLst>
+  </p:cSld>
+  <p:clrMapOvr>
+    <a:masterClrMapping/>
+  </p:clrMapOvr>
+</p:sld>
+</file>
+
+<file path=ppt/slides/slide17.xml><?xml version="1.0" encoding="utf-8"?>
+<p:sld xmlns:a="http://schemas.openxmlformats.org/drawingml/2006/main" xmlns:r="http://schemas.openxmlformats.org/officeDocument/2006/relationships" xmlns:p="http://schemas.openxmlformats.org/presentationml/2006/main">
+  <p:cSld>
+    <p:spTree>
+      <p:nvGrpSpPr>
+        <p:cNvPr id="1" name=""/>
+        <p:cNvGrpSpPr/>
+        <p:nvPr/>
+      </p:nvGrpSpPr>
+      <p:grpSpPr>
+        <a:xfrm>
+          <a:off x="0" y="0"/>
+          <a:ext cx="0" cy="0"/>
+          <a:chOff x="0" y="0"/>
+          <a:chExt cx="0" cy="0"/>
+        </a:xfrm>
+      </p:grpSpPr>
+      <p:sp>
+        <p:nvSpPr>
+          <p:cNvPr id="2" name="タイトル 1">
+            <a:extLst>
+              <a:ext uri="{FF2B5EF4-FFF2-40B4-BE49-F238E27FC236}">
+                <a16:creationId xmlns:a16="http://schemas.microsoft.com/office/drawing/2014/main" id="{FEAD6D5F-D76B-4EE6-82B1-70D02DFF75FA}"/>
+              </a:ext>
+            </a:extLst>
+          </p:cNvPr>
+          <p:cNvSpPr>
+            <a:spLocks noGrp="1"/>
+          </p:cNvSpPr>
+          <p:nvPr>
+            <p:ph type="title"/>
+          </p:nvPr>
+        </p:nvSpPr>
+        <p:spPr/>
+        <p:txBody>
+          <a:bodyPr/>
+          <a:lstStyle/>
+          <a:p>
+            <a:pPr lvl="0"/>
+            <a:r>
+              <a:rPr kumimoji="1" lang="ja-JP" altLang="en-US" dirty="0"/>
+              <a:t>工夫した点</a:t>
+            </a:r>
+          </a:p>
+        </p:txBody>
+      </p:sp>
+      <p:sp>
+        <p:nvSpPr>
+          <p:cNvPr id="3" name="コンテンツ プレースホルダー 2">
+            <a:extLst>
+              <a:ext uri="{FF2B5EF4-FFF2-40B4-BE49-F238E27FC236}">
+                <a16:creationId xmlns:a16="http://schemas.microsoft.com/office/drawing/2014/main" id="{49A63A04-9FDC-4B65-9F74-622C63A91B41}"/>
+              </a:ext>
+            </a:extLst>
+          </p:cNvPr>
+          <p:cNvSpPr>
+            <a:spLocks noGrp="1"/>
+          </p:cNvSpPr>
+          <p:nvPr>
+            <p:ph idx="1"/>
+          </p:nvPr>
+        </p:nvSpPr>
+        <p:spPr/>
+        <p:txBody>
+          <a:bodyPr/>
+          <a:lstStyle/>
+          <a:p>
+            <a:r>
+              <a:rPr kumimoji="1" lang="ja-JP" altLang="en-US" dirty="0"/>
+              <a:t>シェルスクリプトを分けた</a:t>
+            </a:r>
+          </a:p>
+        </p:txBody>
+      </p:sp>
+      <p:sp>
+        <p:nvSpPr>
+          <p:cNvPr id="5" name="正方形/長方形 4">
+            <a:extLst>
+              <a:ext uri="{FF2B5EF4-FFF2-40B4-BE49-F238E27FC236}">
+                <a16:creationId xmlns:a16="http://schemas.microsoft.com/office/drawing/2014/main" id="{58A20BEB-6C89-49CE-AEE9-EE6CB718E5BC}"/>
+              </a:ext>
+            </a:extLst>
+          </p:cNvPr>
+          <p:cNvSpPr/>
+          <p:nvPr/>
+        </p:nvSpPr>
+        <p:spPr>
+          <a:xfrm>
+            <a:off x="9508067" y="0"/>
+            <a:ext cx="2683933" cy="1593908"/>
+          </a:xfrm>
+          <a:prstGeom prst="rect">
+            <a:avLst/>
+          </a:prstGeom>
+          <a:solidFill>
+            <a:schemeClr val="accent6">
+              <a:lumMod val="60000"/>
+              <a:lumOff val="40000"/>
+            </a:schemeClr>
+          </a:solidFill>
+        </p:spPr>
+        <p:style>
+          <a:lnRef idx="2">
+            <a:schemeClr val="accent1">
+              <a:shade val="50000"/>
+            </a:schemeClr>
+          </a:lnRef>
+          <a:fillRef idx="1">
+            <a:schemeClr val="accent1"/>
+          </a:fillRef>
+          <a:effectRef idx="0">
+            <a:schemeClr val="accent1"/>
+          </a:effectRef>
+          <a:fontRef idx="minor">
+            <a:schemeClr val="lt1"/>
+          </a:fontRef>
+        </p:style>
+        <p:txBody>
+          <a:bodyPr rtlCol="0" anchor="ctr"/>
+          <a:lstStyle/>
+          <a:p>
+            <a:pPr algn="ctr"/>
+            <a:endParaRPr kumimoji="1" lang="ja-JP" altLang="en-US"/>
+          </a:p>
+        </p:txBody>
+      </p:sp>
+      <p:pic>
+        <p:nvPicPr>
+          <p:cNvPr id="7" name="図 6">
+            <a:extLst>
+              <a:ext uri="{FF2B5EF4-FFF2-40B4-BE49-F238E27FC236}">
+                <a16:creationId xmlns:a16="http://schemas.microsoft.com/office/drawing/2014/main" id="{9FD28206-5FD6-43DA-AB48-03FE7D6424FC}"/>
+              </a:ext>
+            </a:extLst>
+          </p:cNvPr>
+          <p:cNvPicPr>
+            <a:picLocks noChangeAspect="1"/>
+          </p:cNvPicPr>
+          <p:nvPr/>
+        </p:nvPicPr>
+        <p:blipFill>
+          <a:blip r:embed="rId2">
+            <a:extLst>
+              <a:ext uri="{28A0092B-C50C-407E-A947-70E740481C1C}">
+                <a14:useLocalDpi xmlns:a14="http://schemas.microsoft.com/office/drawing/2010/main" val="0"/>
+              </a:ext>
+            </a:extLst>
+          </a:blip>
+          <a:stretch>
+            <a:fillRect/>
+          </a:stretch>
+        </p:blipFill>
+        <p:spPr>
+          <a:xfrm>
+            <a:off x="1937842" y="2350454"/>
+            <a:ext cx="8912191" cy="3775529"/>
+          </a:xfrm>
+          <a:prstGeom prst="rect">
+            <a:avLst/>
+          </a:prstGeom>
+        </p:spPr>
+      </p:pic>
+      <p:sp>
+        <p:nvSpPr>
+          <p:cNvPr id="8" name="正方形/長方形 7">
+            <a:extLst>
+              <a:ext uri="{FF2B5EF4-FFF2-40B4-BE49-F238E27FC236}">
+                <a16:creationId xmlns:a16="http://schemas.microsoft.com/office/drawing/2014/main" id="{2778B89B-C461-4F60-A9E6-739F4848148C}"/>
+              </a:ext>
+            </a:extLst>
+          </p:cNvPr>
+          <p:cNvSpPr/>
+          <p:nvPr/>
+        </p:nvSpPr>
+        <p:spPr>
+          <a:xfrm>
+            <a:off x="4258806" y="4202875"/>
+            <a:ext cx="1837194" cy="569199"/>
+          </a:xfrm>
+          <a:prstGeom prst="rect">
+            <a:avLst/>
+          </a:prstGeom>
+          <a:solidFill>
+            <a:schemeClr val="bg1"/>
+          </a:solidFill>
+        </p:spPr>
+        <p:style>
+          <a:lnRef idx="2">
+            <a:schemeClr val="accent1">
+              <a:shade val="50000"/>
+            </a:schemeClr>
+          </a:lnRef>
+          <a:fillRef idx="1">
+            <a:schemeClr val="accent1"/>
+          </a:fillRef>
+          <a:effectRef idx="0">
+            <a:schemeClr val="accent1"/>
+          </a:effectRef>
+          <a:fontRef idx="minor">
+            <a:schemeClr val="lt1"/>
+          </a:fontRef>
+        </p:style>
+        <p:txBody>
+          <a:bodyPr rtlCol="0" anchor="ctr"/>
+          <a:lstStyle/>
+          <a:p>
+            <a:pPr algn="ctr"/>
+            <a:r>
+              <a:rPr kumimoji="1" lang="ja-JP" altLang="en-US" sz="1600" b="1" dirty="0">
+                <a:solidFill>
+                  <a:schemeClr val="accent6">
+                    <a:lumMod val="75000"/>
+                  </a:schemeClr>
+                </a:solidFill>
+              </a:rPr>
+              <a:t>テキストファイル</a:t>
+            </a:r>
+          </a:p>
+        </p:txBody>
+      </p:sp>
+      <p:sp>
+        <p:nvSpPr>
+          <p:cNvPr id="9" name="テキスト ボックス 8">
+            <a:extLst>
+              <a:ext uri="{FF2B5EF4-FFF2-40B4-BE49-F238E27FC236}">
+                <a16:creationId xmlns:a16="http://schemas.microsoft.com/office/drawing/2014/main" id="{181A4172-F4B4-4450-AED9-9C51B486A7A9}"/>
+              </a:ext>
+            </a:extLst>
+          </p:cNvPr>
+          <p:cNvSpPr txBox="1"/>
+          <p:nvPr/>
+        </p:nvSpPr>
+        <p:spPr>
+          <a:xfrm>
+            <a:off x="7911106" y="3713760"/>
+            <a:ext cx="2127207" cy="1569660"/>
+          </a:xfrm>
+          <a:prstGeom prst="rect">
+            <a:avLst/>
+          </a:prstGeom>
+          <a:solidFill>
+            <a:schemeClr val="bg1"/>
+          </a:solidFill>
+        </p:spPr>
+        <p:txBody>
+          <a:bodyPr wrap="square" rtlCol="0">
+            <a:spAutoFit/>
+          </a:bodyPr>
+          <a:lstStyle/>
+          <a:p>
+            <a:r>
+              <a:rPr lang="en-US" altLang="ja-JP" sz="2400" b="1" dirty="0">
+                <a:solidFill>
+                  <a:schemeClr val="accent6">
+                    <a:lumMod val="75000"/>
+                  </a:schemeClr>
+                </a:solidFill>
+              </a:rPr>
+              <a:t>w</a:t>
+            </a:r>
+            <a:r>
+              <a:rPr kumimoji="1" lang="en-US" altLang="ja-JP" sz="2400" b="1" dirty="0">
+                <a:solidFill>
+                  <a:schemeClr val="accent6">
+                    <a:lumMod val="75000"/>
+                  </a:schemeClr>
+                </a:solidFill>
+              </a:rPr>
+              <a:t>eather.txt</a:t>
+            </a:r>
+          </a:p>
+          <a:p>
+            <a:r>
+              <a:rPr lang="en-US" altLang="ja-JP" sz="2400" b="1" dirty="0">
+                <a:solidFill>
+                  <a:schemeClr val="accent6">
+                    <a:lumMod val="75000"/>
+                  </a:schemeClr>
+                </a:solidFill>
+              </a:rPr>
+              <a:t>n</a:t>
+            </a:r>
+            <a:r>
+              <a:rPr kumimoji="1" lang="en-US" altLang="ja-JP" sz="2400" b="1" dirty="0">
+                <a:solidFill>
+                  <a:schemeClr val="accent6">
+                    <a:lumMod val="75000"/>
+                  </a:schemeClr>
+                </a:solidFill>
+              </a:rPr>
+              <a:t>ews.txt</a:t>
+            </a:r>
+          </a:p>
+          <a:p>
+            <a:r>
+              <a:rPr kumimoji="1" lang="en-US" altLang="ja-JP" sz="2400" b="1" dirty="0">
+                <a:solidFill>
+                  <a:schemeClr val="accent6">
+                    <a:lumMod val="75000"/>
+                  </a:schemeClr>
+                </a:solidFill>
+              </a:rPr>
+              <a:t>days.txt</a:t>
+            </a:r>
+          </a:p>
+          <a:p>
+            <a:r>
+              <a:rPr lang="en-US" altLang="ja-JP" sz="2400" b="1" dirty="0">
+                <a:solidFill>
+                  <a:schemeClr val="accent6">
+                    <a:lumMod val="75000"/>
+                  </a:schemeClr>
+                </a:solidFill>
+              </a:rPr>
+              <a:t>f</a:t>
+            </a:r>
+            <a:r>
+              <a:rPr kumimoji="1" lang="en-US" altLang="ja-JP" sz="2400" b="1" dirty="0">
+                <a:solidFill>
+                  <a:schemeClr val="accent6">
+                    <a:lumMod val="75000"/>
+                  </a:schemeClr>
+                </a:solidFill>
+              </a:rPr>
+              <a:t>ortune.txt</a:t>
+            </a:r>
+            <a:endParaRPr kumimoji="1" lang="ja-JP" altLang="en-US" sz="2400" b="1" dirty="0">
+              <a:solidFill>
+                <a:schemeClr val="accent6">
+                  <a:lumMod val="75000"/>
+                </a:schemeClr>
+              </a:solidFill>
+            </a:endParaRPr>
+          </a:p>
+        </p:txBody>
+      </p:sp>
+      <p:sp>
+        <p:nvSpPr>
+          <p:cNvPr id="10" name="矢印: 右 9">
+            <a:extLst>
+              <a:ext uri="{FF2B5EF4-FFF2-40B4-BE49-F238E27FC236}">
+                <a16:creationId xmlns:a16="http://schemas.microsoft.com/office/drawing/2014/main" id="{1788F13F-F14D-48AE-AD35-D61F9891B72C}"/>
+              </a:ext>
+            </a:extLst>
+          </p:cNvPr>
+          <p:cNvSpPr/>
+          <p:nvPr/>
+        </p:nvSpPr>
+        <p:spPr>
+          <a:xfrm>
+            <a:off x="6469789" y="4202875"/>
+            <a:ext cx="1259193" cy="591431"/>
+          </a:xfrm>
+          <a:prstGeom prst="rightArrow">
+            <a:avLst/>
+          </a:prstGeom>
+          <a:solidFill>
+            <a:schemeClr val="bg1"/>
+          </a:solidFill>
+          <a:ln>
+            <a:solidFill>
+              <a:schemeClr val="accent6">
+                <a:lumMod val="75000"/>
+              </a:schemeClr>
+            </a:solidFill>
+          </a:ln>
+        </p:spPr>
+        <p:style>
+          <a:lnRef idx="2">
+            <a:schemeClr val="accent1">
+              <a:shade val="50000"/>
+            </a:schemeClr>
+          </a:lnRef>
+          <a:fillRef idx="1">
+            <a:schemeClr val="accent1"/>
+          </a:fillRef>
+          <a:effectRef idx="0">
+            <a:schemeClr val="accent1"/>
+          </a:effectRef>
+          <a:fontRef idx="minor">
+            <a:schemeClr val="lt1"/>
+          </a:fontRef>
+        </p:style>
+        <p:txBody>
+          <a:bodyPr rtlCol="0" anchor="ctr"/>
+          <a:lstStyle/>
+          <a:p>
+            <a:pPr algn="ctr"/>
+            <a:endParaRPr kumimoji="1" lang="ja-JP" altLang="en-US"/>
+          </a:p>
+        </p:txBody>
+      </p:sp>
+    </p:spTree>
+    <p:extLst>
+      <p:ext uri="{BB962C8B-B14F-4D97-AF65-F5344CB8AC3E}">
+        <p14:creationId xmlns:p14="http://schemas.microsoft.com/office/powerpoint/2010/main" val="3975299542"/>
+      </p:ext>
+    </p:extLst>
+  </p:cSld>
+  <p:clrMapOvr>
+    <a:masterClrMapping/>
+  </p:clrMapOvr>
+  <p:timing>
+    <p:tnLst>
+      <p:par>
+        <p:cTn id="1" dur="indefinite" restart="never" nodeType="tmRoot">
+          <p:childTnLst>
+            <p:seq concurrent="1" nextAc="seek">
+              <p:cTn id="2" dur="indefinite" nodeType="mainSeq">
+                <p:childTnLst>
+                  <p:par>
+                    <p:cTn id="3" fill="hold">
+                      <p:stCondLst>
+                        <p:cond delay="indefinite"/>
+                      </p:stCondLst>
+                      <p:childTnLst>
+                        <p:par>
+                          <p:cTn id="4" fill="hold">
+                            <p:stCondLst>
+                              <p:cond delay="0"/>
+                            </p:stCondLst>
+                            <p:childTnLst>
+                              <p:par>
+                                <p:cTn id="5" presetID="10" presetClass="entr" presetSubtype="0" fill="hold" grpId="0" nodeType="clickEffect">
+                                  <p:stCondLst>
+                                    <p:cond delay="0"/>
+                                  </p:stCondLst>
+                                  <p:childTnLst>
+                                    <p:set>
+                                      <p:cBhvr>
+                                        <p:cTn id="6" dur="1" fill="hold">
+                                          <p:stCondLst>
+                                            <p:cond delay="0"/>
+                                          </p:stCondLst>
+                                        </p:cTn>
+                                        <p:tgtEl>
+                                          <p:spTgt spid="8"/>
+                                        </p:tgtEl>
+                                        <p:attrNameLst>
+                                          <p:attrName>style.visibility</p:attrName>
+                                        </p:attrNameLst>
+                                      </p:cBhvr>
+                                      <p:to>
+                                        <p:strVal val="visible"/>
+                                      </p:to>
+                                    </p:set>
+                                    <p:animEffect transition="in" filter="fade">
+                                      <p:cBhvr>
+                                        <p:cTn id="7" dur="500"/>
+                                        <p:tgtEl>
+                                          <p:spTgt spid="8"/>
+                                        </p:tgtEl>
+                                      </p:cBhvr>
+                                    </p:animEffect>
+                                  </p:childTnLst>
+                                </p:cTn>
+                              </p:par>
+                            </p:childTnLst>
+                          </p:cTn>
+                        </p:par>
+                      </p:childTnLst>
+                    </p:cTn>
+                  </p:par>
+                  <p:par>
+                    <p:cTn id="8" fill="hold">
+                      <p:stCondLst>
+                        <p:cond delay="indefinite"/>
+                      </p:stCondLst>
+                      <p:childTnLst>
+                        <p:par>
+                          <p:cTn id="9" fill="hold">
+                            <p:stCondLst>
+                              <p:cond delay="0"/>
+                            </p:stCondLst>
+                            <p:childTnLst>
+                              <p:par>
+                                <p:cTn id="10" presetID="22" presetClass="entr" presetSubtype="8" fill="hold" grpId="0" nodeType="clickEffect">
+                                  <p:stCondLst>
+                                    <p:cond delay="0"/>
+                                  </p:stCondLst>
+                                  <p:childTnLst>
+                                    <p:set>
+                                      <p:cBhvr>
+                                        <p:cTn id="11" dur="1" fill="hold">
+                                          <p:stCondLst>
+                                            <p:cond delay="0"/>
+                                          </p:stCondLst>
+                                        </p:cTn>
+                                        <p:tgtEl>
+                                          <p:spTgt spid="10"/>
+                                        </p:tgtEl>
+                                        <p:attrNameLst>
+                                          <p:attrName>style.visibility</p:attrName>
+                                        </p:attrNameLst>
+                                      </p:cBhvr>
+                                      <p:to>
+                                        <p:strVal val="visible"/>
+                                      </p:to>
+                                    </p:set>
+                                    <p:animEffect transition="in" filter="wipe(left)">
+                                      <p:cBhvr>
+                                        <p:cTn id="12" dur="500"/>
+                                        <p:tgtEl>
+                                          <p:spTgt spid="10"/>
+                                        </p:tgtEl>
+                                      </p:cBhvr>
+                                    </p:animEffect>
+                                  </p:childTnLst>
+                                </p:cTn>
+                              </p:par>
+                            </p:childTnLst>
+                          </p:cTn>
+                        </p:par>
+                      </p:childTnLst>
+                    </p:cTn>
+                  </p:par>
+                  <p:par>
+                    <p:cTn id="13" fill="hold">
+                      <p:stCondLst>
+                        <p:cond delay="indefinite"/>
+                      </p:stCondLst>
+                      <p:childTnLst>
+                        <p:par>
+                          <p:cTn id="14" fill="hold">
+                            <p:stCondLst>
+                              <p:cond delay="0"/>
+                            </p:stCondLst>
+                            <p:childTnLst>
+                              <p:par>
+                                <p:cTn id="15" presetID="10" presetClass="entr" presetSubtype="0" fill="hold" grpId="0" nodeType="clickEffect">
+                                  <p:stCondLst>
+                                    <p:cond delay="0"/>
+                                  </p:stCondLst>
+                                  <p:childTnLst>
+                                    <p:set>
+                                      <p:cBhvr>
+                                        <p:cTn id="16" dur="1" fill="hold">
+                                          <p:stCondLst>
+                                            <p:cond delay="0"/>
+                                          </p:stCondLst>
+                                        </p:cTn>
+                                        <p:tgtEl>
+                                          <p:spTgt spid="9"/>
+                                        </p:tgtEl>
+                                        <p:attrNameLst>
+                                          <p:attrName>style.visibility</p:attrName>
+                                        </p:attrNameLst>
+                                      </p:cBhvr>
+                                      <p:to>
+                                        <p:strVal val="visible"/>
+                                      </p:to>
+                                    </p:set>
+                                    <p:animEffect transition="in" filter="fade">
+                                      <p:cBhvr>
+                                        <p:cTn id="17" dur="500"/>
+                                        <p:tgtEl>
+                                          <p:spTgt spid="9"/>
+                                        </p:tgtEl>
+                                      </p:cBhvr>
+                                    </p:animEffect>
+                                  </p:childTnLst>
+                                </p:cTn>
+                              </p:par>
+                            </p:childTnLst>
+                          </p:cTn>
+                        </p:par>
+                      </p:childTnLst>
+                    </p:cTn>
+                  </p:par>
+                </p:childTnLst>
+              </p:cTn>
+              <p:prevCondLst>
+                <p:cond evt="onPrev" delay="0">
+                  <p:tgtEl>
+                    <p:sldTgt/>
+                  </p:tgtEl>
+                </p:cond>
+              </p:prevCondLst>
+              <p:nextCondLst>
+                <p:cond evt="onNext" delay="0">
+                  <p:tgtEl>
+                    <p:sldTgt/>
+                  </p:tgtEl>
+                </p:cond>
+              </p:nextCondLst>
+            </p:seq>
+          </p:childTnLst>
+        </p:cTn>
+      </p:par>
+    </p:tnLst>
+    <p:bldLst>
+      <p:bldP spid="8" grpId="0" animBg="1"/>
+      <p:bldP spid="9" grpId="0" animBg="1"/>
+      <p:bldP spid="10" grpId="0" animBg="1"/>
+    </p:bldLst>
+  </p:timing>
+</p:sld>
+</file>
+
+<file path=ppt/slides/slide18.xml><?xml version="1.0" encoding="utf-8"?>
+<p:sld xmlns:a="http://schemas.openxmlformats.org/drawingml/2006/main" xmlns:r="http://schemas.openxmlformats.org/officeDocument/2006/relationships" xmlns:p="http://schemas.openxmlformats.org/presentationml/2006/main">
+  <p:cSld>
+    <p:spTree>
+      <p:nvGrpSpPr>
+        <p:cNvPr id="1" name=""/>
+        <p:cNvGrpSpPr/>
+        <p:nvPr/>
+      </p:nvGrpSpPr>
+      <p:grpSpPr>
+        <a:xfrm>
+          <a:off x="0" y="0"/>
+          <a:ext cx="0" cy="0"/>
+          <a:chOff x="0" y="0"/>
+          <a:chExt cx="0" cy="0"/>
+        </a:xfrm>
+      </p:grpSpPr>
+      <p:sp>
+        <p:nvSpPr>
+          <p:cNvPr id="2" name="テキスト ボックス 1">
+            <a:extLst>
+              <a:ext uri="{FF2B5EF4-FFF2-40B4-BE49-F238E27FC236}">
+                <a16:creationId xmlns:a16="http://schemas.microsoft.com/office/drawing/2014/main" id="{4FE6CD02-F126-4943-968D-16E2630CA349}"/>
+              </a:ext>
+            </a:extLst>
+          </p:cNvPr>
+          <p:cNvSpPr txBox="1"/>
+          <p:nvPr/>
+        </p:nvSpPr>
+        <p:spPr>
+          <a:xfrm>
+            <a:off x="1905803" y="2767280"/>
+            <a:ext cx="12666845" cy="1323439"/>
+          </a:xfrm>
+          <a:prstGeom prst="rect">
+            <a:avLst/>
+          </a:prstGeom>
+          <a:noFill/>
+        </p:spPr>
+        <p:txBody>
+          <a:bodyPr wrap="square" rtlCol="0">
+            <a:spAutoFit/>
+          </a:bodyPr>
+          <a:lstStyle/>
+          <a:p>
+            <a:r>
+              <a:rPr kumimoji="1" lang="ja-JP" altLang="en-US" sz="8000" b="1" dirty="0">
+                <a:ln>
+                  <a:solidFill>
+                    <a:schemeClr val="tx1"/>
+                  </a:solidFill>
+                </a:ln>
+                <a:solidFill>
+                  <a:schemeClr val="accent6">
+                    <a:lumMod val="50000"/>
+                  </a:schemeClr>
+                </a:solidFill>
+                <a:latin typeface="HGP明朝E" panose="02020900000000000000" pitchFamily="18" charset="-128"/>
+                <a:ea typeface="HGP明朝E" panose="02020900000000000000" pitchFamily="18" charset="-128"/>
+              </a:rPr>
+              <a:t>デモンストレーション</a:t>
+            </a:r>
+            <a:endParaRPr kumimoji="1" lang="ja-JP" altLang="en-US" sz="8000" b="1" dirty="0">
+              <a:solidFill>
+                <a:srgbClr val="FF0066"/>
+              </a:solidFill>
+            </a:endParaRPr>
+          </a:p>
+        </p:txBody>
+      </p:sp>
+      <p:sp>
+        <p:nvSpPr>
+          <p:cNvPr id="4" name="正方形/長方形 3">
+            <a:extLst>
+              <a:ext uri="{FF2B5EF4-FFF2-40B4-BE49-F238E27FC236}">
+                <a16:creationId xmlns:a16="http://schemas.microsoft.com/office/drawing/2014/main" id="{A8D22BB9-479E-46EB-92AC-F73D96D2CB00}"/>
+              </a:ext>
+            </a:extLst>
+          </p:cNvPr>
+          <p:cNvSpPr/>
+          <p:nvPr/>
+        </p:nvSpPr>
+        <p:spPr>
+          <a:xfrm>
+            <a:off x="9508067" y="0"/>
+            <a:ext cx="2683933" cy="1593908"/>
+          </a:xfrm>
+          <a:prstGeom prst="rect">
+            <a:avLst/>
+          </a:prstGeom>
+          <a:solidFill>
+            <a:schemeClr val="accent6">
+              <a:lumMod val="60000"/>
+              <a:lumOff val="40000"/>
+            </a:schemeClr>
+          </a:solidFill>
+        </p:spPr>
+        <p:style>
+          <a:lnRef idx="2">
+            <a:schemeClr val="accent1">
+              <a:shade val="50000"/>
+            </a:schemeClr>
+          </a:lnRef>
+          <a:fillRef idx="1">
+            <a:schemeClr val="accent1"/>
+          </a:fillRef>
+          <a:effectRef idx="0">
+            <a:schemeClr val="accent1"/>
+          </a:effectRef>
+          <a:fontRef idx="minor">
+            <a:schemeClr val="lt1"/>
+          </a:fontRef>
+        </p:style>
+        <p:txBody>
+          <a:bodyPr rtlCol="0" anchor="ctr"/>
+          <a:lstStyle/>
+          <a:p>
+            <a:pPr algn="ctr"/>
+            <a:endParaRPr kumimoji="1" lang="ja-JP" altLang="en-US"/>
+          </a:p>
+        </p:txBody>
+      </p:sp>
+    </p:spTree>
+    <p:extLst>
+      <p:ext uri="{BB962C8B-B14F-4D97-AF65-F5344CB8AC3E}">
+        <p14:creationId xmlns:p14="http://schemas.microsoft.com/office/powerpoint/2010/main" val="683761575"/>
+      </p:ext>
+    </p:extLst>
+  </p:cSld>
+  <p:clrMapOvr>
+    <a:masterClrMapping/>
+  </p:clrMapOvr>
+</p:sld>
+</file>
+
+<file path=ppt/slides/slide19.xml><?xml version="1.0" encoding="utf-8"?>
+<p:sld xmlns:a="http://schemas.openxmlformats.org/drawingml/2006/main" xmlns:r="http://schemas.openxmlformats.org/officeDocument/2006/relationships" xmlns:p="http://schemas.openxmlformats.org/presentationml/2006/main">
+  <p:cSld>
+    <p:spTree>
+      <p:nvGrpSpPr>
+        <p:cNvPr id="1" name=""/>
+        <p:cNvGrpSpPr/>
+        <p:nvPr/>
+      </p:nvGrpSpPr>
+      <p:grpSpPr>
+        <a:xfrm>
+          <a:off x="0" y="0"/>
+          <a:ext cx="0" cy="0"/>
+          <a:chOff x="0" y="0"/>
+          <a:chExt cx="0" cy="0"/>
+        </a:xfrm>
+      </p:grpSpPr>
+      <p:sp>
+        <p:nvSpPr>
+          <p:cNvPr id="2" name="タイトル 1">
+            <a:extLst>
+              <a:ext uri="{FF2B5EF4-FFF2-40B4-BE49-F238E27FC236}">
+                <a16:creationId xmlns:a16="http://schemas.microsoft.com/office/drawing/2014/main" id="{6ADE3D2E-3C6C-4DCF-BB23-6DC8807A41E4}"/>
+              </a:ext>
+            </a:extLst>
+          </p:cNvPr>
+          <p:cNvSpPr>
+            <a:spLocks noGrp="1"/>
+          </p:cNvSpPr>
+          <p:nvPr>
+            <p:ph type="title"/>
+          </p:nvPr>
+        </p:nvSpPr>
+        <p:spPr/>
+        <p:txBody>
+          <a:bodyPr/>
+          <a:lstStyle/>
+          <a:p>
+            <a:r>
+              <a:rPr kumimoji="1" lang="ja-JP" altLang="en-US" dirty="0"/>
+              <a:t>今後の計画</a:t>
+            </a:r>
+          </a:p>
+        </p:txBody>
+      </p:sp>
+      <p:sp>
+        <p:nvSpPr>
+          <p:cNvPr id="3" name="コンテンツ プレースホルダー 2">
+            <a:extLst>
+              <a:ext uri="{FF2B5EF4-FFF2-40B4-BE49-F238E27FC236}">
+                <a16:creationId xmlns:a16="http://schemas.microsoft.com/office/drawing/2014/main" id="{B491E88A-B097-44C6-89CB-25D69502E8EA}"/>
+              </a:ext>
+            </a:extLst>
+          </p:cNvPr>
+          <p:cNvSpPr>
+            <a:spLocks noGrp="1"/>
+          </p:cNvSpPr>
+          <p:nvPr>
+            <p:ph idx="1"/>
+          </p:nvPr>
+        </p:nvSpPr>
+        <p:spPr/>
+        <p:txBody>
+          <a:bodyPr/>
+          <a:lstStyle/>
+          <a:p>
+            <a:r>
+              <a:rPr kumimoji="1" lang="ja-JP" altLang="en-US" dirty="0"/>
+              <a:t>先のスプリントの予定</a:t>
+            </a:r>
+            <a:endParaRPr kumimoji="1" lang="en-US" altLang="ja-JP" dirty="0"/>
+          </a:p>
+          <a:p>
+            <a:pPr lvl="1"/>
+            <a:r>
+              <a:rPr kumimoji="1" lang="ja-JP" altLang="en-US" dirty="0"/>
+              <a:t>機能拡張</a:t>
+            </a:r>
+            <a:endParaRPr kumimoji="1" lang="en-US" altLang="ja-JP" dirty="0"/>
+          </a:p>
+          <a:p>
+            <a:pPr lvl="1"/>
+            <a:r>
+              <a:rPr kumimoji="1" lang="ja-JP" altLang="en-US" dirty="0"/>
+              <a:t>外見構築</a:t>
+            </a:r>
+            <a:endParaRPr kumimoji="1" lang="en-US" altLang="ja-JP" dirty="0"/>
+          </a:p>
+        </p:txBody>
+      </p:sp>
+      <p:sp>
+        <p:nvSpPr>
+          <p:cNvPr id="5" name="正方形/長方形 4">
+            <a:extLst>
+              <a:ext uri="{FF2B5EF4-FFF2-40B4-BE49-F238E27FC236}">
+                <a16:creationId xmlns:a16="http://schemas.microsoft.com/office/drawing/2014/main" id="{17E6CB9E-FCA3-4C48-A411-903186BAF346}"/>
+              </a:ext>
+            </a:extLst>
+          </p:cNvPr>
+          <p:cNvSpPr/>
+          <p:nvPr/>
+        </p:nvSpPr>
+        <p:spPr>
+          <a:xfrm>
+            <a:off x="9508067" y="0"/>
+            <a:ext cx="2683933" cy="1593908"/>
+          </a:xfrm>
+          <a:prstGeom prst="rect">
+            <a:avLst/>
+          </a:prstGeom>
+          <a:solidFill>
+            <a:schemeClr val="accent6">
+              <a:lumMod val="60000"/>
+              <a:lumOff val="40000"/>
+            </a:schemeClr>
+          </a:solidFill>
+        </p:spPr>
+        <p:style>
+          <a:lnRef idx="2">
+            <a:schemeClr val="accent1">
+              <a:shade val="50000"/>
+            </a:schemeClr>
+          </a:lnRef>
+          <a:fillRef idx="1">
+            <a:schemeClr val="accent1"/>
+          </a:fillRef>
+          <a:effectRef idx="0">
+            <a:schemeClr val="accent1"/>
+          </a:effectRef>
+          <a:fontRef idx="minor">
+            <a:schemeClr val="lt1"/>
+          </a:fontRef>
+        </p:style>
+        <p:txBody>
+          <a:bodyPr rtlCol="0" anchor="ctr"/>
+          <a:lstStyle/>
+          <a:p>
+            <a:pPr algn="ctr"/>
+            <a:endParaRPr kumimoji="1" lang="ja-JP" altLang="en-US"/>
+          </a:p>
+        </p:txBody>
+      </p:sp>
+    </p:spTree>
+    <p:extLst>
+      <p:ext uri="{BB962C8B-B14F-4D97-AF65-F5344CB8AC3E}">
+        <p14:creationId xmlns:p14="http://schemas.microsoft.com/office/powerpoint/2010/main" val="1064961073"/>
       </p:ext>
     </p:extLst>
   </p:cSld>
@@ -4167,7 +7078,7 @@
           <p:cNvPr id="2" name="タイトル 1">
             <a:extLst>
               <a:ext uri="{FF2B5EF4-FFF2-40B4-BE49-F238E27FC236}">
-                <a16:creationId xmlns:a16="http://schemas.microsoft.com/office/drawing/2014/main" id="{B33AA118-3C80-4EAD-A958-80ADF6E54905}"/>
+                <a16:creationId xmlns:a16="http://schemas.microsoft.com/office/drawing/2014/main" id="{0CB87A13-A231-4995-8BEE-7985E3DC1D48}"/>
               </a:ext>
             </a:extLst>
           </p:cNvPr>
@@ -4184,8 +7095,801 @@
           <a:lstStyle/>
           <a:p>
             <a:r>
+              <a:rPr kumimoji="1" lang="ja-JP" altLang="en-US" b="1" dirty="0">
+                <a:ln>
+                  <a:solidFill>
+                    <a:schemeClr val="tx1"/>
+                  </a:solidFill>
+                </a:ln>
+                <a:solidFill>
+                  <a:schemeClr val="accent6">
+                    <a:lumMod val="75000"/>
+                  </a:schemeClr>
+                </a:solidFill>
+                <a:latin typeface="HGP明朝E" panose="02020900000000000000" pitchFamily="18" charset="-128"/>
+                <a:ea typeface="HGP明朝E" panose="02020900000000000000" pitchFamily="18" charset="-128"/>
+              </a:rPr>
+              <a:t>プロジェクトの全体像</a:t>
+            </a:r>
+          </a:p>
+        </p:txBody>
+      </p:sp>
+      <p:pic>
+        <p:nvPicPr>
+          <p:cNvPr id="5" name="コンテンツ プレースホルダー 4">
+            <a:extLst>
+              <a:ext uri="{FF2B5EF4-FFF2-40B4-BE49-F238E27FC236}">
+                <a16:creationId xmlns:a16="http://schemas.microsoft.com/office/drawing/2014/main" id="{A17A5823-8A38-4828-A6A8-4DFE186BFD70}"/>
+              </a:ext>
+            </a:extLst>
+          </p:cNvPr>
+          <p:cNvPicPr>
+            <a:picLocks noGrp="1" noChangeAspect="1"/>
+          </p:cNvPicPr>
+          <p:nvPr>
+            <p:ph idx="1"/>
+          </p:nvPr>
+        </p:nvPicPr>
+        <p:blipFill>
+          <a:blip r:embed="rId3">
+            <a:extLst>
+              <a:ext uri="{28A0092B-C50C-407E-A947-70E740481C1C}">
+                <a14:useLocalDpi xmlns:a14="http://schemas.microsoft.com/office/drawing/2010/main" val="0"/>
+              </a:ext>
+            </a:extLst>
+          </a:blip>
+          <a:stretch>
+            <a:fillRect/>
+          </a:stretch>
+        </p:blipFill>
+        <p:spPr>
+          <a:xfrm>
+            <a:off x="6437825" y="2251799"/>
+            <a:ext cx="870033" cy="1797607"/>
+          </a:xfrm>
+        </p:spPr>
+      </p:pic>
+      <p:sp>
+        <p:nvSpPr>
+          <p:cNvPr id="6" name="テキスト ボックス 5">
+            <a:extLst>
+              <a:ext uri="{FF2B5EF4-FFF2-40B4-BE49-F238E27FC236}">
+                <a16:creationId xmlns:a16="http://schemas.microsoft.com/office/drawing/2014/main" id="{5F954F9D-585C-4117-B68F-D2C78AC9AF80}"/>
+              </a:ext>
+            </a:extLst>
+          </p:cNvPr>
+          <p:cNvSpPr txBox="1"/>
+          <p:nvPr/>
+        </p:nvSpPr>
+        <p:spPr>
+          <a:xfrm>
+            <a:off x="6580456" y="5450725"/>
+            <a:ext cx="2457742" cy="523220"/>
+          </a:xfrm>
+          <a:prstGeom prst="rect">
+            <a:avLst/>
+          </a:prstGeom>
+          <a:noFill/>
+        </p:spPr>
+        <p:txBody>
+          <a:bodyPr wrap="square" rtlCol="0">
+            <a:spAutoFit/>
+          </a:bodyPr>
+          <a:lstStyle/>
+          <a:p>
+            <a:r>
+              <a:rPr kumimoji="1" lang="en-US" altLang="ja-JP" sz="2800" b="1" dirty="0" err="1"/>
+              <a:t>YoSiE</a:t>
+            </a:r>
+            <a:endParaRPr kumimoji="1" lang="ja-JP" altLang="en-US" sz="2800" b="1" dirty="0"/>
+          </a:p>
+        </p:txBody>
+      </p:sp>
+      <p:sp>
+        <p:nvSpPr>
+          <p:cNvPr id="8" name="吹き出し: 円形 7">
+            <a:extLst>
+              <a:ext uri="{FF2B5EF4-FFF2-40B4-BE49-F238E27FC236}">
+                <a16:creationId xmlns:a16="http://schemas.microsoft.com/office/drawing/2014/main" id="{70F0C143-E189-4914-91EB-21DFE59E0870}"/>
+              </a:ext>
+            </a:extLst>
+          </p:cNvPr>
+          <p:cNvSpPr/>
+          <p:nvPr/>
+        </p:nvSpPr>
+        <p:spPr>
+          <a:xfrm>
+            <a:off x="1575420" y="1753392"/>
+            <a:ext cx="3743740" cy="858630"/>
+          </a:xfrm>
+          <a:prstGeom prst="wedgeEllipseCallout">
+            <a:avLst>
+              <a:gd name="adj1" fmla="val -22665"/>
+              <a:gd name="adj2" fmla="val 69600"/>
+            </a:avLst>
+          </a:prstGeom>
+          <a:solidFill>
+            <a:schemeClr val="bg1"/>
+          </a:solidFill>
+          <a:ln>
+            <a:solidFill>
+              <a:schemeClr val="tx1"/>
+            </a:solidFill>
+          </a:ln>
+        </p:spPr>
+        <p:style>
+          <a:lnRef idx="2">
+            <a:schemeClr val="accent1">
+              <a:shade val="50000"/>
+            </a:schemeClr>
+          </a:lnRef>
+          <a:fillRef idx="1">
+            <a:schemeClr val="accent1"/>
+          </a:fillRef>
+          <a:effectRef idx="0">
+            <a:schemeClr val="accent1"/>
+          </a:effectRef>
+          <a:fontRef idx="minor">
+            <a:schemeClr val="lt1"/>
+          </a:fontRef>
+        </p:style>
+        <p:txBody>
+          <a:bodyPr rtlCol="0" anchor="ctr"/>
+          <a:lstStyle/>
+          <a:p>
+            <a:pPr algn="ctr"/>
+            <a:r>
+              <a:rPr kumimoji="1" lang="ja-JP" altLang="en-US" sz="2400" dirty="0">
+                <a:solidFill>
+                  <a:schemeClr val="tx1"/>
+                </a:solidFill>
+              </a:rPr>
+              <a:t>今日の天気は？</a:t>
+            </a:r>
+            <a:r>
+              <a:rPr kumimoji="1" lang="ja-JP" altLang="en-US" sz="2400" dirty="0"/>
+              <a:t>？</a:t>
+            </a:r>
+          </a:p>
+        </p:txBody>
+      </p:sp>
+      <p:sp>
+        <p:nvSpPr>
+          <p:cNvPr id="9" name="テキスト ボックス 8">
+            <a:extLst>
+              <a:ext uri="{FF2B5EF4-FFF2-40B4-BE49-F238E27FC236}">
+                <a16:creationId xmlns:a16="http://schemas.microsoft.com/office/drawing/2014/main" id="{B8458343-C631-4D72-A9D4-A1F85AD4E4C3}"/>
+              </a:ext>
+            </a:extLst>
+          </p:cNvPr>
+          <p:cNvSpPr txBox="1"/>
+          <p:nvPr/>
+        </p:nvSpPr>
+        <p:spPr>
+          <a:xfrm>
+            <a:off x="1871285" y="5450725"/>
+            <a:ext cx="1934817" cy="523220"/>
+          </a:xfrm>
+          <a:prstGeom prst="rect">
+            <a:avLst/>
+          </a:prstGeom>
+          <a:noFill/>
+        </p:spPr>
+        <p:txBody>
+          <a:bodyPr wrap="square" rtlCol="0">
+            <a:spAutoFit/>
+          </a:bodyPr>
+          <a:lstStyle/>
+          <a:p>
+            <a:r>
+              <a:rPr kumimoji="1" lang="en-US" altLang="ja-JP" sz="2800" b="1" dirty="0"/>
+              <a:t>USER</a:t>
+            </a:r>
+            <a:endParaRPr kumimoji="1" lang="ja-JP" altLang="en-US" sz="2800" b="1" dirty="0"/>
+          </a:p>
+        </p:txBody>
+      </p:sp>
+      <p:sp>
+        <p:nvSpPr>
+          <p:cNvPr id="13" name="吹き出し: 円形 12">
+            <a:extLst>
+              <a:ext uri="{FF2B5EF4-FFF2-40B4-BE49-F238E27FC236}">
+                <a16:creationId xmlns:a16="http://schemas.microsoft.com/office/drawing/2014/main" id="{D69993FF-5439-4F3F-A9AA-94ADFD159337}"/>
+              </a:ext>
+            </a:extLst>
+          </p:cNvPr>
+          <p:cNvSpPr/>
+          <p:nvPr/>
+        </p:nvSpPr>
+        <p:spPr>
+          <a:xfrm>
+            <a:off x="7106293" y="1793338"/>
+            <a:ext cx="3743740" cy="1081625"/>
+          </a:xfrm>
+          <a:prstGeom prst="wedgeEllipseCallout">
+            <a:avLst>
+              <a:gd name="adj1" fmla="val -41068"/>
+              <a:gd name="adj2" fmla="val 59578"/>
+            </a:avLst>
+          </a:prstGeom>
+          <a:solidFill>
+            <a:schemeClr val="bg1"/>
+          </a:solidFill>
+          <a:ln>
+            <a:solidFill>
+              <a:schemeClr val="tx1"/>
+            </a:solidFill>
+          </a:ln>
+        </p:spPr>
+        <p:style>
+          <a:lnRef idx="2">
+            <a:schemeClr val="accent1">
+              <a:shade val="50000"/>
+            </a:schemeClr>
+          </a:lnRef>
+          <a:fillRef idx="1">
+            <a:schemeClr val="accent1"/>
+          </a:fillRef>
+          <a:effectRef idx="0">
+            <a:schemeClr val="accent1"/>
+          </a:effectRef>
+          <a:fontRef idx="minor">
+            <a:schemeClr val="lt1"/>
+          </a:fontRef>
+        </p:style>
+        <p:txBody>
+          <a:bodyPr rtlCol="0" anchor="ctr"/>
+          <a:lstStyle/>
+          <a:p>
+            <a:pPr algn="ctr"/>
+            <a:r>
+              <a:rPr lang="ja-JP" altLang="en-US" sz="2400" dirty="0">
+                <a:solidFill>
+                  <a:schemeClr val="tx1"/>
+                </a:solidFill>
+              </a:rPr>
+              <a:t>今日の神奈川県の</a:t>
+            </a:r>
+            <a:endParaRPr lang="en-US" altLang="ja-JP" sz="2400" dirty="0">
+              <a:solidFill>
+                <a:schemeClr val="tx1"/>
+              </a:solidFill>
+            </a:endParaRPr>
+          </a:p>
+          <a:p>
+            <a:pPr algn="ctr"/>
+            <a:r>
+              <a:rPr lang="ja-JP" altLang="en-US" sz="2400" dirty="0">
+                <a:solidFill>
+                  <a:schemeClr val="tx1"/>
+                </a:solidFill>
+              </a:rPr>
+              <a:t>天気は～～</a:t>
+            </a:r>
+            <a:endParaRPr kumimoji="1" lang="ja-JP" altLang="en-US" sz="2400" dirty="0">
+              <a:solidFill>
+                <a:schemeClr val="tx1"/>
+              </a:solidFill>
+            </a:endParaRPr>
+          </a:p>
+        </p:txBody>
+      </p:sp>
+      <p:pic>
+        <p:nvPicPr>
+          <p:cNvPr id="4" name="グラフィックス 3" descr="男の人">
+            <a:extLst>
+              <a:ext uri="{FF2B5EF4-FFF2-40B4-BE49-F238E27FC236}">
+                <a16:creationId xmlns:a16="http://schemas.microsoft.com/office/drawing/2014/main" id="{5ED4B8B3-833E-4A79-8905-EF3F8C7C1EE1}"/>
+              </a:ext>
+            </a:extLst>
+          </p:cNvPr>
+          <p:cNvPicPr>
+            <a:picLocks noChangeAspect="1"/>
+          </p:cNvPicPr>
+          <p:nvPr/>
+        </p:nvPicPr>
+        <p:blipFill>
+          <a:blip r:embed="rId4">
+            <a:extLst>
+              <a:ext uri="{28A0092B-C50C-407E-A947-70E740481C1C}">
+                <a14:useLocalDpi xmlns:a14="http://schemas.microsoft.com/office/drawing/2010/main" val="0"/>
+              </a:ext>
+              <a:ext uri="{96DAC541-7B7A-43D3-8B79-37D633B846F1}">
+                <asvg:svgBlip xmlns:asvg="http://schemas.microsoft.com/office/drawing/2016/SVG/main" r:embed="rId5"/>
+              </a:ext>
+            </a:extLst>
+          </a:blip>
+          <a:stretch>
+            <a:fillRect/>
+          </a:stretch>
+        </p:blipFill>
+        <p:spPr>
+          <a:xfrm>
+            <a:off x="931877" y="2650644"/>
+            <a:ext cx="2908789" cy="2908789"/>
+          </a:xfrm>
+          <a:prstGeom prst="rect">
+            <a:avLst/>
+          </a:prstGeom>
+        </p:spPr>
+      </p:pic>
+      <p:pic>
+        <p:nvPicPr>
+          <p:cNvPr id="11" name="図 10">
+            <a:extLst>
+              <a:ext uri="{FF2B5EF4-FFF2-40B4-BE49-F238E27FC236}">
+                <a16:creationId xmlns:a16="http://schemas.microsoft.com/office/drawing/2014/main" id="{609216EF-7FBF-41B6-A1A9-6AA49126DE13}"/>
+              </a:ext>
+            </a:extLst>
+          </p:cNvPr>
+          <p:cNvPicPr>
+            <a:picLocks noChangeAspect="1"/>
+          </p:cNvPicPr>
+          <p:nvPr/>
+        </p:nvPicPr>
+        <p:blipFill>
+          <a:blip r:embed="rId6">
+            <a:extLst>
+              <a:ext uri="{28A0092B-C50C-407E-A947-70E740481C1C}">
+                <a14:useLocalDpi xmlns:a14="http://schemas.microsoft.com/office/drawing/2010/main" val="0"/>
+              </a:ext>
+            </a:extLst>
+          </a:blip>
+          <a:stretch>
+            <a:fillRect/>
+          </a:stretch>
+        </p:blipFill>
+        <p:spPr>
+          <a:xfrm>
+            <a:off x="6096000" y="3803081"/>
+            <a:ext cx="3257306" cy="1797608"/>
+          </a:xfrm>
+          <a:prstGeom prst="rect">
+            <a:avLst/>
+          </a:prstGeom>
+        </p:spPr>
+      </p:pic>
+      <p:cxnSp>
+        <p:nvCxnSpPr>
+          <p:cNvPr id="14" name="直線コネクタ 13">
+            <a:extLst>
+              <a:ext uri="{FF2B5EF4-FFF2-40B4-BE49-F238E27FC236}">
+                <a16:creationId xmlns:a16="http://schemas.microsoft.com/office/drawing/2014/main" id="{5FEFBB6F-DE28-4FA1-AC8F-6E1F30AC15F4}"/>
+              </a:ext>
+            </a:extLst>
+          </p:cNvPr>
+          <p:cNvCxnSpPr>
+            <a:cxnSpLocks/>
+          </p:cNvCxnSpPr>
+          <p:nvPr/>
+        </p:nvCxnSpPr>
+        <p:spPr>
+          <a:xfrm flipV="1">
+            <a:off x="2902191" y="2822853"/>
+            <a:ext cx="198970" cy="89169"/>
+          </a:xfrm>
+          <a:prstGeom prst="line">
+            <a:avLst/>
+          </a:prstGeom>
+          <a:ln w="57150">
+            <a:solidFill>
+              <a:schemeClr val="tx1"/>
+            </a:solidFill>
+          </a:ln>
+        </p:spPr>
+        <p:style>
+          <a:lnRef idx="1">
+            <a:schemeClr val="accent1"/>
+          </a:lnRef>
+          <a:fillRef idx="0">
+            <a:schemeClr val="accent1"/>
+          </a:fillRef>
+          <a:effectRef idx="0">
+            <a:schemeClr val="accent1"/>
+          </a:effectRef>
+          <a:fontRef idx="minor">
+            <a:schemeClr val="tx1"/>
+          </a:fontRef>
+        </p:style>
+      </p:cxnSp>
+      <p:pic>
+        <p:nvPicPr>
+          <p:cNvPr id="16" name="図 15">
+            <a:extLst>
+              <a:ext uri="{FF2B5EF4-FFF2-40B4-BE49-F238E27FC236}">
+                <a16:creationId xmlns:a16="http://schemas.microsoft.com/office/drawing/2014/main" id="{25F2D24B-A200-402A-A2A4-B8E38F738417}"/>
+              </a:ext>
+            </a:extLst>
+          </p:cNvPr>
+          <p:cNvPicPr>
+            <a:picLocks noChangeAspect="1"/>
+          </p:cNvPicPr>
+          <p:nvPr/>
+        </p:nvPicPr>
+        <p:blipFill>
+          <a:blip r:embed="rId7"/>
+          <a:stretch>
+            <a:fillRect/>
+          </a:stretch>
+        </p:blipFill>
+        <p:spPr>
+          <a:xfrm rot="1287409">
+            <a:off x="2920502" y="2964754"/>
+            <a:ext cx="243861" cy="146317"/>
+          </a:xfrm>
+          <a:prstGeom prst="rect">
+            <a:avLst/>
+          </a:prstGeom>
+        </p:spPr>
+      </p:pic>
+      <p:pic>
+        <p:nvPicPr>
+          <p:cNvPr id="17" name="図 16">
+            <a:extLst>
+              <a:ext uri="{FF2B5EF4-FFF2-40B4-BE49-F238E27FC236}">
+                <a16:creationId xmlns:a16="http://schemas.microsoft.com/office/drawing/2014/main" id="{47AE7228-2C02-4153-BC3E-B337D573744F}"/>
+              </a:ext>
+            </a:extLst>
+          </p:cNvPr>
+          <p:cNvPicPr>
+            <a:picLocks noChangeAspect="1"/>
+          </p:cNvPicPr>
+          <p:nvPr/>
+        </p:nvPicPr>
+        <p:blipFill>
+          <a:blip r:embed="rId7"/>
+          <a:stretch>
+            <a:fillRect/>
+          </a:stretch>
+        </p:blipFill>
+        <p:spPr>
+          <a:xfrm rot="3383590">
+            <a:off x="2879746" y="3126024"/>
+            <a:ext cx="243861" cy="146317"/>
+          </a:xfrm>
+          <a:prstGeom prst="rect">
+            <a:avLst/>
+          </a:prstGeom>
+        </p:spPr>
+      </p:pic>
+      <p:sp>
+        <p:nvSpPr>
+          <p:cNvPr id="19" name="正方形/長方形 18">
+            <a:extLst>
+              <a:ext uri="{FF2B5EF4-FFF2-40B4-BE49-F238E27FC236}">
+                <a16:creationId xmlns:a16="http://schemas.microsoft.com/office/drawing/2014/main" id="{905B71CC-760C-4862-B841-FC32F1F0F1A8}"/>
+              </a:ext>
+            </a:extLst>
+          </p:cNvPr>
+          <p:cNvSpPr/>
+          <p:nvPr/>
+        </p:nvSpPr>
+        <p:spPr>
+          <a:xfrm>
+            <a:off x="9508067" y="0"/>
+            <a:ext cx="2683933" cy="1593908"/>
+          </a:xfrm>
+          <a:prstGeom prst="rect">
+            <a:avLst/>
+          </a:prstGeom>
+          <a:solidFill>
+            <a:schemeClr val="accent6">
+              <a:lumMod val="60000"/>
+              <a:lumOff val="40000"/>
+            </a:schemeClr>
+          </a:solidFill>
+        </p:spPr>
+        <p:style>
+          <a:lnRef idx="2">
+            <a:schemeClr val="accent1">
+              <a:shade val="50000"/>
+            </a:schemeClr>
+          </a:lnRef>
+          <a:fillRef idx="1">
+            <a:schemeClr val="accent1"/>
+          </a:fillRef>
+          <a:effectRef idx="0">
+            <a:schemeClr val="accent1"/>
+          </a:effectRef>
+          <a:fontRef idx="minor">
+            <a:schemeClr val="lt1"/>
+          </a:fontRef>
+        </p:style>
+        <p:txBody>
+          <a:bodyPr rtlCol="0" anchor="ctr"/>
+          <a:lstStyle/>
+          <a:p>
+            <a:pPr algn="ctr"/>
+            <a:endParaRPr kumimoji="1" lang="ja-JP" altLang="en-US"/>
+          </a:p>
+        </p:txBody>
+      </p:sp>
+    </p:spTree>
+    <p:extLst>
+      <p:ext uri="{BB962C8B-B14F-4D97-AF65-F5344CB8AC3E}">
+        <p14:creationId xmlns:p14="http://schemas.microsoft.com/office/powerpoint/2010/main" val="3998110626"/>
+      </p:ext>
+    </p:extLst>
+  </p:cSld>
+  <p:clrMapOvr>
+    <a:masterClrMapping/>
+  </p:clrMapOvr>
+  <p:timing>
+    <p:tnLst>
+      <p:par>
+        <p:cTn id="1" dur="indefinite" restart="never" nodeType="tmRoot">
+          <p:childTnLst>
+            <p:seq concurrent="1" nextAc="seek">
+              <p:cTn id="2" dur="indefinite" nodeType="mainSeq">
+                <p:childTnLst>
+                  <p:par>
+                    <p:cTn id="3" fill="hold">
+                      <p:stCondLst>
+                        <p:cond delay="indefinite"/>
+                      </p:stCondLst>
+                      <p:childTnLst>
+                        <p:par>
+                          <p:cTn id="4" fill="hold">
+                            <p:stCondLst>
+                              <p:cond delay="0"/>
+                            </p:stCondLst>
+                            <p:childTnLst>
+                              <p:par>
+                                <p:cTn id="5" presetID="53" presetClass="entr" presetSubtype="16" fill="hold" grpId="0" nodeType="clickEffect">
+                                  <p:stCondLst>
+                                    <p:cond delay="0"/>
+                                  </p:stCondLst>
+                                  <p:childTnLst>
+                                    <p:set>
+                                      <p:cBhvr>
+                                        <p:cTn id="6" dur="1" fill="hold">
+                                          <p:stCondLst>
+                                            <p:cond delay="0"/>
+                                          </p:stCondLst>
+                                        </p:cTn>
+                                        <p:tgtEl>
+                                          <p:spTgt spid="8"/>
+                                        </p:tgtEl>
+                                        <p:attrNameLst>
+                                          <p:attrName>style.visibility</p:attrName>
+                                        </p:attrNameLst>
+                                      </p:cBhvr>
+                                      <p:to>
+                                        <p:strVal val="visible"/>
+                                      </p:to>
+                                    </p:set>
+                                    <p:anim calcmode="lin" valueType="num">
+                                      <p:cBhvr>
+                                        <p:cTn id="7" dur="500" fill="hold"/>
+                                        <p:tgtEl>
+                                          <p:spTgt spid="8"/>
+                                        </p:tgtEl>
+                                        <p:attrNameLst>
+                                          <p:attrName>ppt_w</p:attrName>
+                                        </p:attrNameLst>
+                                      </p:cBhvr>
+                                      <p:tavLst>
+                                        <p:tav tm="0">
+                                          <p:val>
+                                            <p:fltVal val="0"/>
+                                          </p:val>
+                                        </p:tav>
+                                        <p:tav tm="100000">
+                                          <p:val>
+                                            <p:strVal val="#ppt_w"/>
+                                          </p:val>
+                                        </p:tav>
+                                      </p:tavLst>
+                                    </p:anim>
+                                    <p:anim calcmode="lin" valueType="num">
+                                      <p:cBhvr>
+                                        <p:cTn id="8" dur="500" fill="hold"/>
+                                        <p:tgtEl>
+                                          <p:spTgt spid="8"/>
+                                        </p:tgtEl>
+                                        <p:attrNameLst>
+                                          <p:attrName>ppt_h</p:attrName>
+                                        </p:attrNameLst>
+                                      </p:cBhvr>
+                                      <p:tavLst>
+                                        <p:tav tm="0">
+                                          <p:val>
+                                            <p:fltVal val="0"/>
+                                          </p:val>
+                                        </p:tav>
+                                        <p:tav tm="100000">
+                                          <p:val>
+                                            <p:strVal val="#ppt_h"/>
+                                          </p:val>
+                                        </p:tav>
+                                      </p:tavLst>
+                                    </p:anim>
+                                    <p:animEffect transition="in" filter="fade">
+                                      <p:cBhvr>
+                                        <p:cTn id="9" dur="500"/>
+                                        <p:tgtEl>
+                                          <p:spTgt spid="8"/>
+                                        </p:tgtEl>
+                                      </p:cBhvr>
+                                    </p:animEffect>
+                                  </p:childTnLst>
+                                </p:cTn>
+                              </p:par>
+                            </p:childTnLst>
+                          </p:cTn>
+                        </p:par>
+                      </p:childTnLst>
+                    </p:cTn>
+                  </p:par>
+                  <p:par>
+                    <p:cTn id="10" fill="hold">
+                      <p:stCondLst>
+                        <p:cond delay="indefinite"/>
+                      </p:stCondLst>
+                      <p:childTnLst>
+                        <p:par>
+                          <p:cTn id="11" fill="hold">
+                            <p:stCondLst>
+                              <p:cond delay="0"/>
+                            </p:stCondLst>
+                            <p:childTnLst>
+                              <p:par>
+                                <p:cTn id="12" presetID="53" presetClass="entr" presetSubtype="16" fill="hold" grpId="0" nodeType="clickEffect">
+                                  <p:stCondLst>
+                                    <p:cond delay="0"/>
+                                  </p:stCondLst>
+                                  <p:childTnLst>
+                                    <p:set>
+                                      <p:cBhvr>
+                                        <p:cTn id="13" dur="1" fill="hold">
+                                          <p:stCondLst>
+                                            <p:cond delay="0"/>
+                                          </p:stCondLst>
+                                        </p:cTn>
+                                        <p:tgtEl>
+                                          <p:spTgt spid="13"/>
+                                        </p:tgtEl>
+                                        <p:attrNameLst>
+                                          <p:attrName>style.visibility</p:attrName>
+                                        </p:attrNameLst>
+                                      </p:cBhvr>
+                                      <p:to>
+                                        <p:strVal val="visible"/>
+                                      </p:to>
+                                    </p:set>
+                                    <p:anim calcmode="lin" valueType="num">
+                                      <p:cBhvr>
+                                        <p:cTn id="14" dur="500" fill="hold"/>
+                                        <p:tgtEl>
+                                          <p:spTgt spid="13"/>
+                                        </p:tgtEl>
+                                        <p:attrNameLst>
+                                          <p:attrName>ppt_w</p:attrName>
+                                        </p:attrNameLst>
+                                      </p:cBhvr>
+                                      <p:tavLst>
+                                        <p:tav tm="0">
+                                          <p:val>
+                                            <p:fltVal val="0"/>
+                                          </p:val>
+                                        </p:tav>
+                                        <p:tav tm="100000">
+                                          <p:val>
+                                            <p:strVal val="#ppt_w"/>
+                                          </p:val>
+                                        </p:tav>
+                                      </p:tavLst>
+                                    </p:anim>
+                                    <p:anim calcmode="lin" valueType="num">
+                                      <p:cBhvr>
+                                        <p:cTn id="15" dur="500" fill="hold"/>
+                                        <p:tgtEl>
+                                          <p:spTgt spid="13"/>
+                                        </p:tgtEl>
+                                        <p:attrNameLst>
+                                          <p:attrName>ppt_h</p:attrName>
+                                        </p:attrNameLst>
+                                      </p:cBhvr>
+                                      <p:tavLst>
+                                        <p:tav tm="0">
+                                          <p:val>
+                                            <p:fltVal val="0"/>
+                                          </p:val>
+                                        </p:tav>
+                                        <p:tav tm="100000">
+                                          <p:val>
+                                            <p:strVal val="#ppt_h"/>
+                                          </p:val>
+                                        </p:tav>
+                                      </p:tavLst>
+                                    </p:anim>
+                                    <p:animEffect transition="in" filter="fade">
+                                      <p:cBhvr>
+                                        <p:cTn id="16" dur="500"/>
+                                        <p:tgtEl>
+                                          <p:spTgt spid="13"/>
+                                        </p:tgtEl>
+                                      </p:cBhvr>
+                                    </p:animEffect>
+                                  </p:childTnLst>
+                                </p:cTn>
+                              </p:par>
+                            </p:childTnLst>
+                          </p:cTn>
+                        </p:par>
+                      </p:childTnLst>
+                    </p:cTn>
+                  </p:par>
+                </p:childTnLst>
+              </p:cTn>
+              <p:prevCondLst>
+                <p:cond evt="onPrev" delay="0">
+                  <p:tgtEl>
+                    <p:sldTgt/>
+                  </p:tgtEl>
+                </p:cond>
+              </p:prevCondLst>
+              <p:nextCondLst>
+                <p:cond evt="onNext" delay="0">
+                  <p:tgtEl>
+                    <p:sldTgt/>
+                  </p:tgtEl>
+                </p:cond>
+              </p:nextCondLst>
+            </p:seq>
+          </p:childTnLst>
+        </p:cTn>
+      </p:par>
+    </p:tnLst>
+    <p:bldLst>
+      <p:bldP spid="8" grpId="0" animBg="1"/>
+      <p:bldP spid="13" grpId="0" animBg="1"/>
+    </p:bldLst>
+  </p:timing>
+</p:sld>
+</file>
+
+<file path=ppt/slides/slide20.xml><?xml version="1.0" encoding="utf-8"?>
+<p:sld xmlns:a="http://schemas.openxmlformats.org/drawingml/2006/main" xmlns:r="http://schemas.openxmlformats.org/officeDocument/2006/relationships" xmlns:p="http://schemas.openxmlformats.org/presentationml/2006/main">
+  <p:cSld>
+    <p:spTree>
+      <p:nvGrpSpPr>
+        <p:cNvPr id="1" name=""/>
+        <p:cNvGrpSpPr/>
+        <p:nvPr/>
+      </p:nvGrpSpPr>
+      <p:grpSpPr>
+        <a:xfrm>
+          <a:off x="0" y="0"/>
+          <a:ext cx="0" cy="0"/>
+          <a:chOff x="0" y="0"/>
+          <a:chExt cx="0" cy="0"/>
+        </a:xfrm>
+      </p:grpSpPr>
+      <p:sp>
+        <p:nvSpPr>
+          <p:cNvPr id="2" name="タイトル 1">
+            <a:extLst>
+              <a:ext uri="{FF2B5EF4-FFF2-40B4-BE49-F238E27FC236}">
+                <a16:creationId xmlns:a16="http://schemas.microsoft.com/office/drawing/2014/main" id="{D945224A-9D04-411A-90E6-C4829D387F29}"/>
+              </a:ext>
+            </a:extLst>
+          </p:cNvPr>
+          <p:cNvSpPr>
+            <a:spLocks noGrp="1"/>
+          </p:cNvSpPr>
+          <p:nvPr>
+            <p:ph type="title"/>
+          </p:nvPr>
+        </p:nvSpPr>
+        <p:spPr/>
+        <p:txBody>
+          <a:bodyPr/>
+          <a:lstStyle/>
+          <a:p>
+            <a:r>
               <a:rPr kumimoji="1" lang="ja-JP" altLang="en-US" dirty="0"/>
-              <a:t>プロジェクトの全体像</a:t>
+              <a:t>質疑応答用</a:t>
             </a:r>
           </a:p>
         </p:txBody>
@@ -4195,7 +7899,7 @@
           <p:cNvPr id="3" name="コンテンツ プレースホルダー 2">
             <a:extLst>
               <a:ext uri="{FF2B5EF4-FFF2-40B4-BE49-F238E27FC236}">
-                <a16:creationId xmlns:a16="http://schemas.microsoft.com/office/drawing/2014/main" id="{BE50A793-8EA9-4050-934F-7BC9F85F0C69}"/>
+                <a16:creationId xmlns:a16="http://schemas.microsoft.com/office/drawing/2014/main" id="{B850B4BA-A633-440E-83B5-154DC747BD45}"/>
               </a:ext>
             </a:extLst>
           </p:cNvPr>
@@ -4215,10 +7919,62 @@
           </a:p>
         </p:txBody>
       </p:sp>
+      <p:sp>
+        <p:nvSpPr>
+          <p:cNvPr id="5" name="正方形/長方形 4">
+            <a:extLst>
+              <a:ext uri="{FF2B5EF4-FFF2-40B4-BE49-F238E27FC236}">
+                <a16:creationId xmlns:a16="http://schemas.microsoft.com/office/drawing/2014/main" id="{C561F130-152A-459E-80AD-7046811BC933}"/>
+              </a:ext>
+            </a:extLst>
+          </p:cNvPr>
+          <p:cNvSpPr/>
+          <p:nvPr/>
+        </p:nvSpPr>
+        <p:spPr>
+          <a:xfrm>
+            <a:off x="9508067" y="0"/>
+            <a:ext cx="2683933" cy="1593908"/>
+          </a:xfrm>
+          <a:prstGeom prst="rect">
+            <a:avLst/>
+          </a:prstGeom>
+          <a:solidFill>
+            <a:schemeClr val="accent6">
+              <a:lumMod val="60000"/>
+              <a:lumOff val="40000"/>
+            </a:schemeClr>
+          </a:solidFill>
+        </p:spPr>
+        <p:style>
+          <a:lnRef idx="2">
+            <a:schemeClr val="accent1">
+              <a:shade val="50000"/>
+            </a:schemeClr>
+          </a:lnRef>
+          <a:fillRef idx="1">
+            <a:schemeClr val="accent1"/>
+          </a:fillRef>
+          <a:effectRef idx="0">
+            <a:schemeClr val="accent1"/>
+          </a:effectRef>
+          <a:fontRef idx="minor">
+            <a:schemeClr val="lt1"/>
+          </a:fontRef>
+        </p:style>
+        <p:txBody>
+          <a:bodyPr rtlCol="0" anchor="ctr"/>
+          <a:lstStyle/>
+          <a:p>
+            <a:pPr algn="ctr"/>
+            <a:endParaRPr kumimoji="1" lang="ja-JP" altLang="en-US"/>
+          </a:p>
+        </p:txBody>
+      </p:sp>
     </p:spTree>
     <p:extLst>
       <p:ext uri="{BB962C8B-B14F-4D97-AF65-F5344CB8AC3E}">
-        <p14:creationId xmlns:p14="http://schemas.microsoft.com/office/powerpoint/2010/main" val="3379107244"/>
+        <p14:creationId xmlns:p14="http://schemas.microsoft.com/office/powerpoint/2010/main" val="1597662758"/>
       </p:ext>
     </p:extLst>
   </p:cSld>
@@ -4250,7 +8006,7 @@
           <p:cNvPr id="2" name="タイトル 1">
             <a:extLst>
               <a:ext uri="{FF2B5EF4-FFF2-40B4-BE49-F238E27FC236}">
-                <a16:creationId xmlns:a16="http://schemas.microsoft.com/office/drawing/2014/main" id="{167F2E44-2875-4660-8E66-A0EA470F932C}"/>
+                <a16:creationId xmlns:a16="http://schemas.microsoft.com/office/drawing/2014/main" id="{6DE1B7CB-0F8B-4F2C-936A-79811F6E7D45}"/>
               </a:ext>
             </a:extLst>
           </p:cNvPr>
@@ -4267,75 +8023,919 @@
           <a:lstStyle/>
           <a:p>
             <a:r>
+              <a:rPr kumimoji="1" lang="ja-JP" altLang="en-US" dirty="0">
+                <a:ln>
+                  <a:solidFill>
+                    <a:schemeClr val="tx1"/>
+                  </a:solidFill>
+                </a:ln>
+                <a:solidFill>
+                  <a:schemeClr val="accent6">
+                    <a:lumMod val="75000"/>
+                  </a:schemeClr>
+                </a:solidFill>
+                <a:latin typeface="HGP明朝E" panose="02020900000000000000" pitchFamily="18" charset="-128"/>
+                <a:ea typeface="HGP明朝E" panose="02020900000000000000" pitchFamily="18" charset="-128"/>
+              </a:rPr>
+              <a:t>主な要素技術・流れ</a:t>
+            </a:r>
+          </a:p>
+        </p:txBody>
+      </p:sp>
+      <p:sp>
+        <p:nvSpPr>
+          <p:cNvPr id="9" name="四角形: 角を丸くする 8">
+            <a:extLst>
+              <a:ext uri="{FF2B5EF4-FFF2-40B4-BE49-F238E27FC236}">
+                <a16:creationId xmlns:a16="http://schemas.microsoft.com/office/drawing/2014/main" id="{FF3DBC08-8D8D-4207-9210-BD0C4AA88276}"/>
+              </a:ext>
+            </a:extLst>
+          </p:cNvPr>
+          <p:cNvSpPr/>
+          <p:nvPr/>
+        </p:nvSpPr>
+        <p:spPr>
+          <a:xfrm>
+            <a:off x="3224463" y="4034592"/>
+            <a:ext cx="2743200" cy="741945"/>
+          </a:xfrm>
+          <a:prstGeom prst="roundRect">
+            <a:avLst/>
+          </a:prstGeom>
+          <a:solidFill>
+            <a:schemeClr val="accent6">
+              <a:lumMod val="75000"/>
+            </a:schemeClr>
+          </a:solidFill>
+        </p:spPr>
+        <p:style>
+          <a:lnRef idx="2">
+            <a:schemeClr val="accent1">
+              <a:shade val="50000"/>
+            </a:schemeClr>
+          </a:lnRef>
+          <a:fillRef idx="1">
+            <a:schemeClr val="accent1"/>
+          </a:fillRef>
+          <a:effectRef idx="0">
+            <a:schemeClr val="accent1"/>
+          </a:effectRef>
+          <a:fontRef idx="minor">
+            <a:schemeClr val="lt1"/>
+          </a:fontRef>
+        </p:style>
+        <p:txBody>
+          <a:bodyPr rtlCol="0" anchor="ctr"/>
+          <a:lstStyle/>
+          <a:p>
+            <a:pPr algn="ctr"/>
+            <a:r>
               <a:rPr kumimoji="1" lang="ja-JP" altLang="en-US" dirty="0"/>
-              <a:t>主な要素技術</a:t>
-            </a:r>
-          </a:p>
-        </p:txBody>
-      </p:sp>
-      <p:sp>
-        <p:nvSpPr>
-          <p:cNvPr id="3" name="コンテンツ プレースホルダー 2">
-            <a:extLst>
-              <a:ext uri="{FF2B5EF4-FFF2-40B4-BE49-F238E27FC236}">
-                <a16:creationId xmlns:a16="http://schemas.microsoft.com/office/drawing/2014/main" id="{EC622C87-6381-476C-815B-C004A07F02CC}"/>
-              </a:ext>
-            </a:extLst>
-          </p:cNvPr>
-          <p:cNvSpPr>
-            <a:spLocks noGrp="1"/>
-          </p:cNvSpPr>
-          <p:nvPr>
-            <p:ph idx="1"/>
-          </p:nvPr>
-        </p:nvSpPr>
-        <p:spPr/>
-        <p:txBody>
-          <a:bodyPr/>
-          <a:lstStyle/>
-          <a:p>
-            <a:r>
-              <a:rPr kumimoji="1" lang="en-US" altLang="ja-JP" dirty="0"/>
+              <a:t>テキスト分類</a:t>
+            </a:r>
+          </a:p>
+        </p:txBody>
+      </p:sp>
+      <p:sp>
+        <p:nvSpPr>
+          <p:cNvPr id="10" name="四角形: 角を丸くする 9">
+            <a:extLst>
+              <a:ext uri="{FF2B5EF4-FFF2-40B4-BE49-F238E27FC236}">
+                <a16:creationId xmlns:a16="http://schemas.microsoft.com/office/drawing/2014/main" id="{27331362-F18C-4A5C-9781-E3C2E3AD8B38}"/>
+              </a:ext>
+            </a:extLst>
+          </p:cNvPr>
+          <p:cNvSpPr/>
+          <p:nvPr/>
+        </p:nvSpPr>
+        <p:spPr>
+          <a:xfrm>
+            <a:off x="6252410" y="4034592"/>
+            <a:ext cx="2743200" cy="741945"/>
+          </a:xfrm>
+          <a:prstGeom prst="roundRect">
+            <a:avLst/>
+          </a:prstGeom>
+          <a:solidFill>
+            <a:schemeClr val="accent6">
+              <a:lumMod val="75000"/>
+            </a:schemeClr>
+          </a:solidFill>
+        </p:spPr>
+        <p:style>
+          <a:lnRef idx="2">
+            <a:schemeClr val="accent1">
+              <a:shade val="50000"/>
+            </a:schemeClr>
+          </a:lnRef>
+          <a:fillRef idx="1">
+            <a:schemeClr val="accent1"/>
+          </a:fillRef>
+          <a:effectRef idx="0">
+            <a:schemeClr val="accent1"/>
+          </a:effectRef>
+          <a:fontRef idx="minor">
+            <a:schemeClr val="lt1"/>
+          </a:fontRef>
+        </p:style>
+        <p:txBody>
+          <a:bodyPr rtlCol="0" anchor="ctr"/>
+          <a:lstStyle/>
+          <a:p>
+            <a:pPr algn="ctr"/>
+            <a:r>
+              <a:rPr kumimoji="1" lang="ja-JP" altLang="en-US" dirty="0"/>
+              <a:t>データ取得</a:t>
+            </a:r>
+          </a:p>
+        </p:txBody>
+      </p:sp>
+      <p:sp>
+        <p:nvSpPr>
+          <p:cNvPr id="11" name="四角形: 角を丸くする 10">
+            <a:extLst>
+              <a:ext uri="{FF2B5EF4-FFF2-40B4-BE49-F238E27FC236}">
+                <a16:creationId xmlns:a16="http://schemas.microsoft.com/office/drawing/2014/main" id="{26F1286B-7EEC-424A-B43A-DD354AA4876D}"/>
+              </a:ext>
+            </a:extLst>
+          </p:cNvPr>
+          <p:cNvSpPr/>
+          <p:nvPr/>
+        </p:nvSpPr>
+        <p:spPr>
+          <a:xfrm>
+            <a:off x="9256295" y="4034592"/>
+            <a:ext cx="2743200" cy="741945"/>
+          </a:xfrm>
+          <a:prstGeom prst="roundRect">
+            <a:avLst/>
+          </a:prstGeom>
+          <a:solidFill>
+            <a:schemeClr val="accent6">
+              <a:lumMod val="75000"/>
+            </a:schemeClr>
+          </a:solidFill>
+        </p:spPr>
+        <p:style>
+          <a:lnRef idx="2">
+            <a:schemeClr val="accent1">
+              <a:shade val="50000"/>
+            </a:schemeClr>
+          </a:lnRef>
+          <a:fillRef idx="1">
+            <a:schemeClr val="accent1"/>
+          </a:fillRef>
+          <a:effectRef idx="0">
+            <a:schemeClr val="accent1"/>
+          </a:effectRef>
+          <a:fontRef idx="minor">
+            <a:schemeClr val="lt1"/>
+          </a:fontRef>
+        </p:style>
+        <p:txBody>
+          <a:bodyPr rtlCol="0" anchor="ctr"/>
+          <a:lstStyle/>
+          <a:p>
+            <a:pPr algn="ctr"/>
+            <a:r>
+              <a:rPr kumimoji="1" lang="ja-JP" altLang="en-US" sz="2400" b="1" dirty="0"/>
+              <a:t>音声合成</a:t>
+            </a:r>
+          </a:p>
+        </p:txBody>
+      </p:sp>
+      <p:sp>
+        <p:nvSpPr>
+          <p:cNvPr id="16" name="四角形: 角を丸くする 15">
+            <a:extLst>
+              <a:ext uri="{FF2B5EF4-FFF2-40B4-BE49-F238E27FC236}">
+                <a16:creationId xmlns:a16="http://schemas.microsoft.com/office/drawing/2014/main" id="{ADDDA980-E0AC-4927-B7C8-B508DB59DD5F}"/>
+              </a:ext>
+            </a:extLst>
+          </p:cNvPr>
+          <p:cNvSpPr/>
+          <p:nvPr/>
+        </p:nvSpPr>
+        <p:spPr>
+          <a:xfrm>
+            <a:off x="3236494" y="4034592"/>
+            <a:ext cx="2743200" cy="741945"/>
+          </a:xfrm>
+          <a:prstGeom prst="roundRect">
+            <a:avLst/>
+          </a:prstGeom>
+          <a:solidFill>
+            <a:schemeClr val="accent6">
+              <a:lumMod val="75000"/>
+            </a:schemeClr>
+          </a:solidFill>
+        </p:spPr>
+        <p:style>
+          <a:lnRef idx="2">
+            <a:schemeClr val="accent1">
+              <a:shade val="50000"/>
+            </a:schemeClr>
+          </a:lnRef>
+          <a:fillRef idx="1">
+            <a:schemeClr val="accent1"/>
+          </a:fillRef>
+          <a:effectRef idx="0">
+            <a:schemeClr val="accent1"/>
+          </a:effectRef>
+          <a:fontRef idx="minor">
+            <a:schemeClr val="lt1"/>
+          </a:fontRef>
+        </p:style>
+        <p:txBody>
+          <a:bodyPr rtlCol="0" anchor="ctr"/>
+          <a:lstStyle/>
+          <a:p>
+            <a:pPr algn="ctr"/>
+            <a:r>
+              <a:rPr kumimoji="1" lang="ja-JP" altLang="en-US" dirty="0"/>
+              <a:t>テキスト分類</a:t>
+            </a:r>
+          </a:p>
+        </p:txBody>
+      </p:sp>
+      <p:sp>
+        <p:nvSpPr>
+          <p:cNvPr id="17" name="四角形: 角を丸くする 16">
+            <a:extLst>
+              <a:ext uri="{FF2B5EF4-FFF2-40B4-BE49-F238E27FC236}">
+                <a16:creationId xmlns:a16="http://schemas.microsoft.com/office/drawing/2014/main" id="{5C275781-59D9-46AF-B353-284C861BC744}"/>
+              </a:ext>
+            </a:extLst>
+          </p:cNvPr>
+          <p:cNvSpPr/>
+          <p:nvPr/>
+        </p:nvSpPr>
+        <p:spPr>
+          <a:xfrm>
+            <a:off x="6264441" y="4034592"/>
+            <a:ext cx="2743200" cy="741945"/>
+          </a:xfrm>
+          <a:prstGeom prst="roundRect">
+            <a:avLst/>
+          </a:prstGeom>
+          <a:solidFill>
+            <a:schemeClr val="accent6">
+              <a:lumMod val="75000"/>
+            </a:schemeClr>
+          </a:solidFill>
+        </p:spPr>
+        <p:style>
+          <a:lnRef idx="2">
+            <a:schemeClr val="accent1">
+              <a:shade val="50000"/>
+            </a:schemeClr>
+          </a:lnRef>
+          <a:fillRef idx="1">
+            <a:schemeClr val="accent1"/>
+          </a:fillRef>
+          <a:effectRef idx="0">
+            <a:schemeClr val="accent1"/>
+          </a:effectRef>
+          <a:fontRef idx="minor">
+            <a:schemeClr val="lt1"/>
+          </a:fontRef>
+        </p:style>
+        <p:txBody>
+          <a:bodyPr rtlCol="0" anchor="ctr"/>
+          <a:lstStyle/>
+          <a:p>
+            <a:pPr algn="ctr"/>
+            <a:r>
+              <a:rPr kumimoji="1" lang="ja-JP" altLang="en-US" dirty="0"/>
+              <a:t>データ取得</a:t>
+            </a:r>
+          </a:p>
+        </p:txBody>
+      </p:sp>
+      <p:sp>
+        <p:nvSpPr>
+          <p:cNvPr id="18" name="四角形: 角を丸くする 17">
+            <a:extLst>
+              <a:ext uri="{FF2B5EF4-FFF2-40B4-BE49-F238E27FC236}">
+                <a16:creationId xmlns:a16="http://schemas.microsoft.com/office/drawing/2014/main" id="{DEEBBEFE-1F2B-44BF-9CF2-2C3A42F3B700}"/>
+              </a:ext>
+            </a:extLst>
+          </p:cNvPr>
+          <p:cNvSpPr/>
+          <p:nvPr/>
+        </p:nvSpPr>
+        <p:spPr>
+          <a:xfrm>
+            <a:off x="9268326" y="2193758"/>
+            <a:ext cx="2743200" cy="1744579"/>
+          </a:xfrm>
+          <a:prstGeom prst="roundRect">
+            <a:avLst/>
+          </a:prstGeom>
+          <a:solidFill>
+            <a:schemeClr val="bg1"/>
+          </a:solidFill>
+        </p:spPr>
+        <p:style>
+          <a:lnRef idx="2">
+            <a:schemeClr val="accent1">
+              <a:shade val="50000"/>
+            </a:schemeClr>
+          </a:lnRef>
+          <a:fillRef idx="1">
+            <a:schemeClr val="accent1"/>
+          </a:fillRef>
+          <a:effectRef idx="0">
+            <a:schemeClr val="accent1"/>
+          </a:effectRef>
+          <a:fontRef idx="minor">
+            <a:schemeClr val="lt1"/>
+          </a:fontRef>
+        </p:style>
+        <p:txBody>
+          <a:bodyPr rtlCol="0" anchor="ctr"/>
+          <a:lstStyle/>
+          <a:p>
+            <a:pPr algn="ctr"/>
+            <a:r>
+              <a:rPr kumimoji="1" lang="en-US" altLang="ja-JP" sz="2400" b="1" dirty="0">
+                <a:solidFill>
+                  <a:schemeClr val="accent6">
+                    <a:lumMod val="50000"/>
+                  </a:schemeClr>
+                </a:solidFill>
+              </a:rPr>
+              <a:t>OpenJTalk</a:t>
+            </a:r>
+            <a:endParaRPr kumimoji="1" lang="ja-JP" altLang="en-US" sz="2400" b="1" dirty="0">
+              <a:solidFill>
+                <a:schemeClr val="accent6">
+                  <a:lumMod val="50000"/>
+                </a:schemeClr>
+              </a:solidFill>
+            </a:endParaRPr>
+          </a:p>
+        </p:txBody>
+      </p:sp>
+      <p:sp>
+        <p:nvSpPr>
+          <p:cNvPr id="19" name="四角形: 角を丸くする 18">
+            <a:extLst>
+              <a:ext uri="{FF2B5EF4-FFF2-40B4-BE49-F238E27FC236}">
+                <a16:creationId xmlns:a16="http://schemas.microsoft.com/office/drawing/2014/main" id="{2253337C-21D4-4189-A4CC-F05C0D4A1FBF}"/>
+              </a:ext>
+            </a:extLst>
+          </p:cNvPr>
+          <p:cNvSpPr/>
+          <p:nvPr/>
+        </p:nvSpPr>
+        <p:spPr>
+          <a:xfrm>
+            <a:off x="196516" y="2193758"/>
+            <a:ext cx="2743200" cy="1744579"/>
+          </a:xfrm>
+          <a:prstGeom prst="roundRect">
+            <a:avLst/>
+          </a:prstGeom>
+          <a:solidFill>
+            <a:schemeClr val="bg1"/>
+          </a:solidFill>
+        </p:spPr>
+        <p:style>
+          <a:lnRef idx="2">
+            <a:schemeClr val="accent1">
+              <a:shade val="50000"/>
+            </a:schemeClr>
+          </a:lnRef>
+          <a:fillRef idx="1">
+            <a:schemeClr val="accent1"/>
+          </a:fillRef>
+          <a:effectRef idx="0">
+            <a:schemeClr val="accent1"/>
+          </a:effectRef>
+          <a:fontRef idx="minor">
+            <a:schemeClr val="lt1"/>
+          </a:fontRef>
+        </p:style>
+        <p:txBody>
+          <a:bodyPr rtlCol="0" anchor="ctr"/>
+          <a:lstStyle/>
+          <a:p>
+            <a:pPr algn="ctr"/>
+            <a:r>
+              <a:rPr kumimoji="1" lang="en-US" altLang="ja-JP" sz="2400" b="1" dirty="0">
+                <a:solidFill>
+                  <a:schemeClr val="accent6">
+                    <a:lumMod val="50000"/>
+                  </a:schemeClr>
+                </a:solidFill>
+              </a:rPr>
               <a:t>Julius</a:t>
             </a:r>
-          </a:p>
-          <a:p>
-            <a:r>
-              <a:rPr kumimoji="1" lang="en-US" altLang="ja-JP" dirty="0" err="1"/>
+            <a:endParaRPr kumimoji="1" lang="ja-JP" altLang="en-US" sz="2400" b="1" dirty="0">
+              <a:solidFill>
+                <a:schemeClr val="accent6">
+                  <a:lumMod val="50000"/>
+                </a:schemeClr>
+              </a:solidFill>
+            </a:endParaRPr>
+          </a:p>
+        </p:txBody>
+      </p:sp>
+      <p:sp>
+        <p:nvSpPr>
+          <p:cNvPr id="20" name="四角形: 角を丸くする 19">
+            <a:extLst>
+              <a:ext uri="{FF2B5EF4-FFF2-40B4-BE49-F238E27FC236}">
+                <a16:creationId xmlns:a16="http://schemas.microsoft.com/office/drawing/2014/main" id="{942E33AD-9824-46F7-A007-8E4B41686DA2}"/>
+              </a:ext>
+            </a:extLst>
+          </p:cNvPr>
+          <p:cNvSpPr/>
+          <p:nvPr/>
+        </p:nvSpPr>
+        <p:spPr>
+          <a:xfrm>
+            <a:off x="3224463" y="2193758"/>
+            <a:ext cx="2743200" cy="1744579"/>
+          </a:xfrm>
+          <a:prstGeom prst="roundRect">
+            <a:avLst/>
+          </a:prstGeom>
+          <a:solidFill>
+            <a:schemeClr val="bg1"/>
+          </a:solidFill>
+        </p:spPr>
+        <p:style>
+          <a:lnRef idx="2">
+            <a:schemeClr val="accent1">
+              <a:shade val="50000"/>
+            </a:schemeClr>
+          </a:lnRef>
+          <a:fillRef idx="1">
+            <a:schemeClr val="accent1"/>
+          </a:fillRef>
+          <a:effectRef idx="0">
+            <a:schemeClr val="accent1"/>
+          </a:effectRef>
+          <a:fontRef idx="minor">
+            <a:schemeClr val="lt1"/>
+          </a:fontRef>
+        </p:style>
+        <p:txBody>
+          <a:bodyPr rtlCol="0" anchor="ctr"/>
+          <a:lstStyle/>
+          <a:p>
+            <a:pPr algn="ctr"/>
+            <a:r>
+              <a:rPr kumimoji="1" lang="en-US" altLang="ja-JP" sz="2400" b="1" dirty="0">
+                <a:solidFill>
+                  <a:schemeClr val="accent6">
+                    <a:lumMod val="50000"/>
+                  </a:schemeClr>
+                </a:solidFill>
+              </a:rPr>
               <a:t>fastText</a:t>
             </a:r>
-            <a:r>
-              <a:rPr kumimoji="1" lang="en-US" altLang="ja-JP" dirty="0"/>
-              <a:t>(</a:t>
-            </a:r>
-            <a:r>
-              <a:rPr kumimoji="1" lang="ja-JP" altLang="en-US" dirty="0"/>
-              <a:t>仮</a:t>
-            </a:r>
-            <a:r>
-              <a:rPr kumimoji="1" lang="en-US" altLang="ja-JP" dirty="0"/>
-              <a:t>)</a:t>
-            </a:r>
-          </a:p>
-          <a:p>
-            <a:r>
-              <a:rPr kumimoji="1" lang="en-US" altLang="ja-JP" dirty="0"/>
-              <a:t>Scraping</a:t>
-            </a:r>
-          </a:p>
-          <a:p>
-            <a:r>
-              <a:rPr kumimoji="1" lang="en-US" altLang="ja-JP" dirty="0" err="1"/>
-              <a:t>OpenJTalk</a:t>
-            </a:r>
-            <a:endParaRPr kumimoji="1" lang="ja-JP" altLang="en-US" dirty="0"/>
+            <a:endParaRPr kumimoji="1" lang="ja-JP" altLang="en-US" sz="2400" b="1" dirty="0">
+              <a:solidFill>
+                <a:schemeClr val="accent6">
+                  <a:lumMod val="50000"/>
+                </a:schemeClr>
+              </a:solidFill>
+            </a:endParaRPr>
+          </a:p>
+        </p:txBody>
+      </p:sp>
+      <p:sp>
+        <p:nvSpPr>
+          <p:cNvPr id="21" name="四角形: 角を丸くする 20">
+            <a:extLst>
+              <a:ext uri="{FF2B5EF4-FFF2-40B4-BE49-F238E27FC236}">
+                <a16:creationId xmlns:a16="http://schemas.microsoft.com/office/drawing/2014/main" id="{7466CFFC-A8FB-4718-B77B-BA8F870D7414}"/>
+              </a:ext>
+            </a:extLst>
+          </p:cNvPr>
+          <p:cNvSpPr/>
+          <p:nvPr/>
+        </p:nvSpPr>
+        <p:spPr>
+          <a:xfrm>
+            <a:off x="6252410" y="2193758"/>
+            <a:ext cx="2743200" cy="1744579"/>
+          </a:xfrm>
+          <a:prstGeom prst="roundRect">
+            <a:avLst/>
+          </a:prstGeom>
+          <a:solidFill>
+            <a:schemeClr val="bg1"/>
+          </a:solidFill>
+        </p:spPr>
+        <p:style>
+          <a:lnRef idx="2">
+            <a:schemeClr val="accent1">
+              <a:shade val="50000"/>
+            </a:schemeClr>
+          </a:lnRef>
+          <a:fillRef idx="1">
+            <a:schemeClr val="accent1"/>
+          </a:fillRef>
+          <a:effectRef idx="0">
+            <a:schemeClr val="accent1"/>
+          </a:effectRef>
+          <a:fontRef idx="minor">
+            <a:schemeClr val="lt1"/>
+          </a:fontRef>
+        </p:style>
+        <p:txBody>
+          <a:bodyPr rtlCol="0" anchor="ctr"/>
+          <a:lstStyle/>
+          <a:p>
+            <a:pPr algn="ctr"/>
+            <a:r>
+              <a:rPr kumimoji="1" lang="ja-JP" altLang="en-US" sz="2400" b="1" dirty="0">
+                <a:solidFill>
+                  <a:schemeClr val="accent6">
+                    <a:lumMod val="50000"/>
+                  </a:schemeClr>
+                </a:solidFill>
+              </a:rPr>
+              <a:t>スクレイピング</a:t>
+            </a:r>
+          </a:p>
+        </p:txBody>
+      </p:sp>
+      <p:sp>
+        <p:nvSpPr>
+          <p:cNvPr id="22" name="四角形: 角を丸くする 21">
+            <a:extLst>
+              <a:ext uri="{FF2B5EF4-FFF2-40B4-BE49-F238E27FC236}">
+                <a16:creationId xmlns:a16="http://schemas.microsoft.com/office/drawing/2014/main" id="{130C0893-CA27-40D8-AAFF-E3997BE3BF50}"/>
+              </a:ext>
+            </a:extLst>
+          </p:cNvPr>
+          <p:cNvSpPr/>
+          <p:nvPr/>
+        </p:nvSpPr>
+        <p:spPr>
+          <a:xfrm>
+            <a:off x="208547" y="4071567"/>
+            <a:ext cx="2743200" cy="741945"/>
+          </a:xfrm>
+          <a:prstGeom prst="roundRect">
+            <a:avLst/>
+          </a:prstGeom>
+          <a:solidFill>
+            <a:schemeClr val="accent6">
+              <a:lumMod val="75000"/>
+            </a:schemeClr>
+          </a:solidFill>
+        </p:spPr>
+        <p:style>
+          <a:lnRef idx="2">
+            <a:schemeClr val="accent1">
+              <a:shade val="50000"/>
+            </a:schemeClr>
+          </a:lnRef>
+          <a:fillRef idx="1">
+            <a:schemeClr val="accent1"/>
+          </a:fillRef>
+          <a:effectRef idx="0">
+            <a:schemeClr val="accent1"/>
+          </a:effectRef>
+          <a:fontRef idx="minor">
+            <a:schemeClr val="lt1"/>
+          </a:fontRef>
+        </p:style>
+        <p:txBody>
+          <a:bodyPr rtlCol="0" anchor="ctr"/>
+          <a:lstStyle/>
+          <a:p>
+            <a:pPr algn="ctr"/>
+            <a:r>
+              <a:rPr kumimoji="1" lang="ja-JP" altLang="en-US" sz="2400" b="1" dirty="0"/>
+              <a:t>音声認識</a:t>
+            </a:r>
+          </a:p>
+        </p:txBody>
+      </p:sp>
+      <p:sp>
+        <p:nvSpPr>
+          <p:cNvPr id="23" name="四角形: 角を丸くする 22">
+            <a:extLst>
+              <a:ext uri="{FF2B5EF4-FFF2-40B4-BE49-F238E27FC236}">
+                <a16:creationId xmlns:a16="http://schemas.microsoft.com/office/drawing/2014/main" id="{CD8F6D95-F0BD-489D-8D92-D1092CF784FB}"/>
+              </a:ext>
+            </a:extLst>
+          </p:cNvPr>
+          <p:cNvSpPr/>
+          <p:nvPr/>
+        </p:nvSpPr>
+        <p:spPr>
+          <a:xfrm>
+            <a:off x="3224463" y="4034592"/>
+            <a:ext cx="2743200" cy="741945"/>
+          </a:xfrm>
+          <a:prstGeom prst="roundRect">
+            <a:avLst/>
+          </a:prstGeom>
+          <a:solidFill>
+            <a:schemeClr val="accent6">
+              <a:lumMod val="75000"/>
+            </a:schemeClr>
+          </a:solidFill>
+        </p:spPr>
+        <p:style>
+          <a:lnRef idx="2">
+            <a:schemeClr val="accent1">
+              <a:shade val="50000"/>
+            </a:schemeClr>
+          </a:lnRef>
+          <a:fillRef idx="1">
+            <a:schemeClr val="accent1"/>
+          </a:fillRef>
+          <a:effectRef idx="0">
+            <a:schemeClr val="accent1"/>
+          </a:effectRef>
+          <a:fontRef idx="minor">
+            <a:schemeClr val="lt1"/>
+          </a:fontRef>
+        </p:style>
+        <p:txBody>
+          <a:bodyPr rtlCol="0" anchor="ctr"/>
+          <a:lstStyle/>
+          <a:p>
+            <a:pPr algn="ctr"/>
+            <a:r>
+              <a:rPr kumimoji="1" lang="ja-JP" altLang="en-US" sz="2400" b="1" dirty="0"/>
+              <a:t>テキスト分類</a:t>
+            </a:r>
+          </a:p>
+        </p:txBody>
+      </p:sp>
+      <p:sp>
+        <p:nvSpPr>
+          <p:cNvPr id="24" name="四角形: 角を丸くする 23">
+            <a:extLst>
+              <a:ext uri="{FF2B5EF4-FFF2-40B4-BE49-F238E27FC236}">
+                <a16:creationId xmlns:a16="http://schemas.microsoft.com/office/drawing/2014/main" id="{6DD34D10-6673-4DD1-B48F-072573DD1881}"/>
+              </a:ext>
+            </a:extLst>
+          </p:cNvPr>
+          <p:cNvSpPr/>
+          <p:nvPr/>
+        </p:nvSpPr>
+        <p:spPr>
+          <a:xfrm>
+            <a:off x="6252410" y="4034592"/>
+            <a:ext cx="2743200" cy="741945"/>
+          </a:xfrm>
+          <a:prstGeom prst="roundRect">
+            <a:avLst/>
+          </a:prstGeom>
+          <a:solidFill>
+            <a:schemeClr val="accent6">
+              <a:lumMod val="75000"/>
+            </a:schemeClr>
+          </a:solidFill>
+        </p:spPr>
+        <p:style>
+          <a:lnRef idx="2">
+            <a:schemeClr val="accent1">
+              <a:shade val="50000"/>
+            </a:schemeClr>
+          </a:lnRef>
+          <a:fillRef idx="1">
+            <a:schemeClr val="accent1"/>
+          </a:fillRef>
+          <a:effectRef idx="0">
+            <a:schemeClr val="accent1"/>
+          </a:effectRef>
+          <a:fontRef idx="minor">
+            <a:schemeClr val="lt1"/>
+          </a:fontRef>
+        </p:style>
+        <p:txBody>
+          <a:bodyPr rtlCol="0" anchor="ctr"/>
+          <a:lstStyle/>
+          <a:p>
+            <a:pPr algn="ctr"/>
+            <a:r>
+              <a:rPr kumimoji="1" lang="ja-JP" altLang="en-US" sz="2400" b="1" dirty="0"/>
+              <a:t>データ取得</a:t>
+            </a:r>
+          </a:p>
+        </p:txBody>
+      </p:sp>
+      <p:sp>
+        <p:nvSpPr>
+          <p:cNvPr id="25" name="矢印: 右 24">
+            <a:extLst>
+              <a:ext uri="{FF2B5EF4-FFF2-40B4-BE49-F238E27FC236}">
+                <a16:creationId xmlns:a16="http://schemas.microsoft.com/office/drawing/2014/main" id="{D8638B62-C03C-4141-AAF0-F5AEAE7B40B8}"/>
+              </a:ext>
+            </a:extLst>
+          </p:cNvPr>
+          <p:cNvSpPr/>
+          <p:nvPr/>
+        </p:nvSpPr>
+        <p:spPr>
+          <a:xfrm>
+            <a:off x="2807369" y="2575636"/>
+            <a:ext cx="549441" cy="1085977"/>
+          </a:xfrm>
+          <a:prstGeom prst="rightArrow">
+            <a:avLst/>
+          </a:prstGeom>
+          <a:solidFill>
+            <a:schemeClr val="accent6">
+              <a:lumMod val="50000"/>
+            </a:schemeClr>
+          </a:solidFill>
+        </p:spPr>
+        <p:style>
+          <a:lnRef idx="2">
+            <a:schemeClr val="accent1">
+              <a:shade val="50000"/>
+            </a:schemeClr>
+          </a:lnRef>
+          <a:fillRef idx="1">
+            <a:schemeClr val="accent1"/>
+          </a:fillRef>
+          <a:effectRef idx="0">
+            <a:schemeClr val="accent1"/>
+          </a:effectRef>
+          <a:fontRef idx="minor">
+            <a:schemeClr val="lt1"/>
+          </a:fontRef>
+        </p:style>
+        <p:txBody>
+          <a:bodyPr rtlCol="0" anchor="ctr"/>
+          <a:lstStyle/>
+          <a:p>
+            <a:pPr algn="ctr"/>
+            <a:endParaRPr kumimoji="1" lang="ja-JP" altLang="en-US"/>
+          </a:p>
+        </p:txBody>
+      </p:sp>
+      <p:sp>
+        <p:nvSpPr>
+          <p:cNvPr id="26" name="矢印: 右 25">
+            <a:extLst>
+              <a:ext uri="{FF2B5EF4-FFF2-40B4-BE49-F238E27FC236}">
+                <a16:creationId xmlns:a16="http://schemas.microsoft.com/office/drawing/2014/main" id="{717C8023-84E8-4070-B148-D9D3F761C7B1}"/>
+              </a:ext>
+            </a:extLst>
+          </p:cNvPr>
+          <p:cNvSpPr/>
+          <p:nvPr/>
+        </p:nvSpPr>
+        <p:spPr>
+          <a:xfrm>
+            <a:off x="5847347" y="2580084"/>
+            <a:ext cx="549441" cy="1085977"/>
+          </a:xfrm>
+          <a:prstGeom prst="rightArrow">
+            <a:avLst/>
+          </a:prstGeom>
+          <a:solidFill>
+            <a:schemeClr val="accent6">
+              <a:lumMod val="50000"/>
+            </a:schemeClr>
+          </a:solidFill>
+        </p:spPr>
+        <p:style>
+          <a:lnRef idx="2">
+            <a:schemeClr val="accent1">
+              <a:shade val="50000"/>
+            </a:schemeClr>
+          </a:lnRef>
+          <a:fillRef idx="1">
+            <a:schemeClr val="accent1"/>
+          </a:fillRef>
+          <a:effectRef idx="0">
+            <a:schemeClr val="accent1"/>
+          </a:effectRef>
+          <a:fontRef idx="minor">
+            <a:schemeClr val="lt1"/>
+          </a:fontRef>
+        </p:style>
+        <p:txBody>
+          <a:bodyPr rtlCol="0" anchor="ctr"/>
+          <a:lstStyle/>
+          <a:p>
+            <a:pPr algn="ctr"/>
+            <a:endParaRPr kumimoji="1" lang="ja-JP" altLang="en-US"/>
+          </a:p>
+        </p:txBody>
+      </p:sp>
+      <p:sp>
+        <p:nvSpPr>
+          <p:cNvPr id="27" name="矢印: 右 26">
+            <a:extLst>
+              <a:ext uri="{FF2B5EF4-FFF2-40B4-BE49-F238E27FC236}">
+                <a16:creationId xmlns:a16="http://schemas.microsoft.com/office/drawing/2014/main" id="{AE4FD745-554E-4C41-BCC3-5D79564795A4}"/>
+              </a:ext>
+            </a:extLst>
+          </p:cNvPr>
+          <p:cNvSpPr/>
+          <p:nvPr/>
+        </p:nvSpPr>
+        <p:spPr>
+          <a:xfrm>
+            <a:off x="8851232" y="2587668"/>
+            <a:ext cx="549441" cy="1085977"/>
+          </a:xfrm>
+          <a:prstGeom prst="rightArrow">
+            <a:avLst/>
+          </a:prstGeom>
+          <a:solidFill>
+            <a:schemeClr val="accent6">
+              <a:lumMod val="50000"/>
+            </a:schemeClr>
+          </a:solidFill>
+        </p:spPr>
+        <p:style>
+          <a:lnRef idx="2">
+            <a:schemeClr val="accent1">
+              <a:shade val="50000"/>
+            </a:schemeClr>
+          </a:lnRef>
+          <a:fillRef idx="1">
+            <a:schemeClr val="accent1"/>
+          </a:fillRef>
+          <a:effectRef idx="0">
+            <a:schemeClr val="accent1"/>
+          </a:effectRef>
+          <a:fontRef idx="minor">
+            <a:schemeClr val="lt1"/>
+          </a:fontRef>
+        </p:style>
+        <p:txBody>
+          <a:bodyPr rtlCol="0" anchor="ctr"/>
+          <a:lstStyle/>
+          <a:p>
+            <a:pPr algn="ctr"/>
+            <a:endParaRPr kumimoji="1" lang="ja-JP" altLang="en-US"/>
+          </a:p>
+        </p:txBody>
+      </p:sp>
+      <p:sp>
+        <p:nvSpPr>
+          <p:cNvPr id="29" name="正方形/長方形 28">
+            <a:extLst>
+              <a:ext uri="{FF2B5EF4-FFF2-40B4-BE49-F238E27FC236}">
+                <a16:creationId xmlns:a16="http://schemas.microsoft.com/office/drawing/2014/main" id="{B06FF98A-E869-46C0-B133-0966C09BA769}"/>
+              </a:ext>
+            </a:extLst>
+          </p:cNvPr>
+          <p:cNvSpPr/>
+          <p:nvPr/>
+        </p:nvSpPr>
+        <p:spPr>
+          <a:xfrm>
+            <a:off x="9508067" y="0"/>
+            <a:ext cx="2683933" cy="1593908"/>
+          </a:xfrm>
+          <a:prstGeom prst="rect">
+            <a:avLst/>
+          </a:prstGeom>
+          <a:solidFill>
+            <a:schemeClr val="accent6">
+              <a:lumMod val="60000"/>
+              <a:lumOff val="40000"/>
+            </a:schemeClr>
+          </a:solidFill>
+        </p:spPr>
+        <p:style>
+          <a:lnRef idx="2">
+            <a:schemeClr val="accent1">
+              <a:shade val="50000"/>
+            </a:schemeClr>
+          </a:lnRef>
+          <a:fillRef idx="1">
+            <a:schemeClr val="accent1"/>
+          </a:fillRef>
+          <a:effectRef idx="0">
+            <a:schemeClr val="accent1"/>
+          </a:effectRef>
+          <a:fontRef idx="minor">
+            <a:schemeClr val="lt1"/>
+          </a:fontRef>
+        </p:style>
+        <p:txBody>
+          <a:bodyPr rtlCol="0" anchor="ctr"/>
+          <a:lstStyle/>
+          <a:p>
+            <a:pPr algn="ctr"/>
+            <a:endParaRPr kumimoji="1" lang="ja-JP" altLang="en-US"/>
           </a:p>
         </p:txBody>
       </p:sp>
     </p:spTree>
     <p:extLst>
       <p:ext uri="{BB962C8B-B14F-4D97-AF65-F5344CB8AC3E}">
-        <p14:creationId xmlns:p14="http://schemas.microsoft.com/office/powerpoint/2010/main" val="2886761891"/>
+        <p14:creationId xmlns:p14="http://schemas.microsoft.com/office/powerpoint/2010/main" val="1723361353"/>
       </p:ext>
     </p:extLst>
   </p:cSld>
@@ -4367,7 +8967,7 @@
           <p:cNvPr id="2" name="タイトル 1">
             <a:extLst>
               <a:ext uri="{FF2B5EF4-FFF2-40B4-BE49-F238E27FC236}">
-                <a16:creationId xmlns:a16="http://schemas.microsoft.com/office/drawing/2014/main" id="{6DE1B7CB-0F8B-4F2C-936A-79811F6E7D45}"/>
+                <a16:creationId xmlns:a16="http://schemas.microsoft.com/office/drawing/2014/main" id="{797104BC-A291-4ECD-8EC7-9097E2869A29}"/>
               </a:ext>
             </a:extLst>
           </p:cNvPr>
@@ -4378,15 +8978,47 @@
             <p:ph type="title"/>
           </p:nvPr>
         </p:nvSpPr>
-        <p:spPr/>
+        <p:spPr>
+          <a:xfrm>
+            <a:off x="838200" y="365125"/>
+            <a:ext cx="10515600" cy="1325563"/>
+          </a:xfrm>
+        </p:spPr>
         <p:txBody>
           <a:bodyPr/>
           <a:lstStyle/>
           <a:p>
             <a:r>
-              <a:rPr kumimoji="1" lang="ja-JP" altLang="en-US" dirty="0"/>
-              <a:t>全体的な処理の流れ</a:t>
-            </a:r>
+              <a:rPr kumimoji="1" lang="en-US" altLang="ja-JP" dirty="0">
+                <a:ln>
+                  <a:solidFill>
+                    <a:schemeClr val="tx1"/>
+                  </a:solidFill>
+                </a:ln>
+                <a:solidFill>
+                  <a:schemeClr val="accent6">
+                    <a:lumMod val="75000"/>
+                  </a:schemeClr>
+                </a:solidFill>
+                <a:latin typeface="HGP明朝E" panose="02020900000000000000" pitchFamily="18" charset="-128"/>
+                <a:ea typeface="HGP明朝E" panose="02020900000000000000" pitchFamily="18" charset="-128"/>
+              </a:rPr>
+              <a:t>Julius</a:t>
+            </a:r>
+            <a:endParaRPr kumimoji="1" lang="ja-JP" altLang="en-US" dirty="0">
+              <a:ln>
+                <a:solidFill>
+                  <a:schemeClr val="tx1"/>
+                </a:solidFill>
+              </a:ln>
+              <a:solidFill>
+                <a:schemeClr val="accent6">
+                  <a:lumMod val="75000"/>
+                </a:schemeClr>
+              </a:solidFill>
+              <a:latin typeface="HGP明朝E" panose="02020900000000000000" pitchFamily="18" charset="-128"/>
+              <a:ea typeface="HGP明朝E" panose="02020900000000000000" pitchFamily="18" charset="-128"/>
+            </a:endParaRPr>
           </a:p>
         </p:txBody>
       </p:sp>
@@ -4395,7 +9027,7 @@
           <p:cNvPr id="3" name="コンテンツ プレースホルダー 2">
             <a:extLst>
               <a:ext uri="{FF2B5EF4-FFF2-40B4-BE49-F238E27FC236}">
-                <a16:creationId xmlns:a16="http://schemas.microsoft.com/office/drawing/2014/main" id="{78986101-5DAB-4A72-9D10-846553CE5281}"/>
+                <a16:creationId xmlns:a16="http://schemas.microsoft.com/office/drawing/2014/main" id="{1A6C3B31-2B08-4702-ADFF-F7D083B293C0}"/>
               </a:ext>
             </a:extLst>
           </p:cNvPr>
@@ -4411,20 +9043,535 @@
           <a:bodyPr/>
           <a:lstStyle/>
           <a:p>
+            <a:r>
+              <a:rPr kumimoji="1" lang="ja-JP" altLang="en-US" dirty="0"/>
+              <a:t>音声認識</a:t>
+            </a:r>
+            <a:r>
+              <a:rPr kumimoji="1" lang="en-US" altLang="ja-JP" dirty="0"/>
+              <a:t>OSS(</a:t>
+            </a:r>
+            <a:r>
+              <a:rPr kumimoji="1" lang="ja-JP" altLang="en-US" dirty="0"/>
+              <a:t>オープンソースソフトウェア</a:t>
+            </a:r>
+            <a:r>
+              <a:rPr kumimoji="1" lang="en-US" altLang="ja-JP" dirty="0"/>
+              <a:t>)</a:t>
+            </a:r>
+          </a:p>
+          <a:p>
+            <a:r>
+              <a:rPr lang="en-US" altLang="ja-JP" dirty="0"/>
+              <a:t>Python</a:t>
+            </a:r>
+            <a:r>
+              <a:rPr lang="ja-JP" altLang="en-US" dirty="0"/>
+              <a:t>と連携して利用</a:t>
+            </a:r>
+            <a:endParaRPr kumimoji="1" lang="ja-JP" altLang="en-US" dirty="0"/>
+          </a:p>
+        </p:txBody>
+      </p:sp>
+      <p:sp>
+        <p:nvSpPr>
+          <p:cNvPr id="5" name="正方形/長方形 4">
+            <a:extLst>
+              <a:ext uri="{FF2B5EF4-FFF2-40B4-BE49-F238E27FC236}">
+                <a16:creationId xmlns:a16="http://schemas.microsoft.com/office/drawing/2014/main" id="{BF469061-2BDB-4253-9E46-A39E655B750A}"/>
+              </a:ext>
+            </a:extLst>
+          </p:cNvPr>
+          <p:cNvSpPr/>
+          <p:nvPr/>
+        </p:nvSpPr>
+        <p:spPr>
+          <a:xfrm>
+            <a:off x="9508067" y="0"/>
+            <a:ext cx="2683933" cy="1593908"/>
+          </a:xfrm>
+          <a:prstGeom prst="rect">
+            <a:avLst/>
+          </a:prstGeom>
+          <a:solidFill>
+            <a:schemeClr val="accent6">
+              <a:lumMod val="60000"/>
+              <a:lumOff val="40000"/>
+            </a:schemeClr>
+          </a:solidFill>
+        </p:spPr>
+        <p:style>
+          <a:lnRef idx="2">
+            <a:schemeClr val="accent1">
+              <a:shade val="50000"/>
+            </a:schemeClr>
+          </a:lnRef>
+          <a:fillRef idx="1">
+            <a:schemeClr val="accent1"/>
+          </a:fillRef>
+          <a:effectRef idx="0">
+            <a:schemeClr val="accent1"/>
+          </a:effectRef>
+          <a:fontRef idx="minor">
+            <a:schemeClr val="lt1"/>
+          </a:fontRef>
+        </p:style>
+        <p:txBody>
+          <a:bodyPr rtlCol="0" anchor="ctr"/>
+          <a:lstStyle/>
+          <a:p>
+            <a:pPr algn="ctr"/>
             <a:endParaRPr kumimoji="1" lang="ja-JP" altLang="en-US"/>
           </a:p>
         </p:txBody>
       </p:sp>
+      <p:sp>
+        <p:nvSpPr>
+          <p:cNvPr id="6" name="テキスト ボックス 5">
+            <a:extLst>
+              <a:ext uri="{FF2B5EF4-FFF2-40B4-BE49-F238E27FC236}">
+                <a16:creationId xmlns:a16="http://schemas.microsoft.com/office/drawing/2014/main" id="{41AB50E2-C584-4852-AC5C-5F0D7F054A68}"/>
+              </a:ext>
+            </a:extLst>
+          </p:cNvPr>
+          <p:cNvSpPr txBox="1"/>
+          <p:nvPr/>
+        </p:nvSpPr>
+        <p:spPr>
+          <a:xfrm>
+            <a:off x="6441106" y="3429000"/>
+            <a:ext cx="6440750" cy="1862048"/>
+          </a:xfrm>
+          <a:prstGeom prst="rect">
+            <a:avLst/>
+          </a:prstGeom>
+          <a:noFill/>
+          <a:effectLst>
+            <a:outerShdw blurRad="50800" dist="38100" dir="2700000" algn="tl" rotWithShape="0">
+              <a:prstClr val="black">
+                <a:alpha val="40000"/>
+              </a:prstClr>
+            </a:outerShdw>
+          </a:effectLst>
+        </p:spPr>
+        <p:txBody>
+          <a:bodyPr wrap="square" rtlCol="0">
+            <a:spAutoFit/>
+            <a:scene3d>
+              <a:camera prst="orthographicFront"/>
+              <a:lightRig rig="harsh" dir="t"/>
+            </a:scene3d>
+            <a:sp3d extrusionH="57150" prstMaterial="matte">
+              <a:bevelT w="63500" h="12700" prst="angle"/>
+              <a:contourClr>
+                <a:schemeClr val="bg1">
+                  <a:lumMod val="65000"/>
+                </a:schemeClr>
+              </a:contourClr>
+            </a:sp3d>
+          </a:bodyPr>
+          <a:lstStyle/>
+          <a:p>
+            <a:r>
+              <a:rPr kumimoji="1" lang="en-US" altLang="ja-JP" sz="11500" b="1" dirty="0">
+                <a:ln/>
+                <a:solidFill>
+                  <a:schemeClr val="accent6">
+                    <a:lumMod val="75000"/>
+                  </a:schemeClr>
+                </a:solidFill>
+              </a:rPr>
+              <a:t>Python</a:t>
+            </a:r>
+            <a:endParaRPr kumimoji="1" lang="ja-JP" altLang="en-US" sz="11500" b="1" dirty="0">
+              <a:ln/>
+              <a:solidFill>
+                <a:schemeClr val="accent6">
+                  <a:lumMod val="75000"/>
+                </a:schemeClr>
+              </a:solidFill>
+            </a:endParaRPr>
+          </a:p>
+        </p:txBody>
+      </p:sp>
+      <p:sp>
+        <p:nvSpPr>
+          <p:cNvPr id="7" name="テキスト ボックス 6">
+            <a:extLst>
+              <a:ext uri="{FF2B5EF4-FFF2-40B4-BE49-F238E27FC236}">
+                <a16:creationId xmlns:a16="http://schemas.microsoft.com/office/drawing/2014/main" id="{D12B5D20-8D1B-4A23-BDF6-034AC9C25248}"/>
+              </a:ext>
+            </a:extLst>
+          </p:cNvPr>
+          <p:cNvSpPr txBox="1"/>
+          <p:nvPr/>
+        </p:nvSpPr>
+        <p:spPr>
+          <a:xfrm>
+            <a:off x="1210285" y="3366280"/>
+            <a:ext cx="6440750" cy="1862048"/>
+          </a:xfrm>
+          <a:prstGeom prst="rect">
+            <a:avLst/>
+          </a:prstGeom>
+          <a:noFill/>
+          <a:effectLst>
+            <a:outerShdw blurRad="50800" dist="38100" dir="2700000" algn="tl" rotWithShape="0">
+              <a:prstClr val="black">
+                <a:alpha val="40000"/>
+              </a:prstClr>
+            </a:outerShdw>
+          </a:effectLst>
+        </p:spPr>
+        <p:txBody>
+          <a:bodyPr wrap="square" rtlCol="0">
+            <a:spAutoFit/>
+            <a:scene3d>
+              <a:camera prst="orthographicFront"/>
+              <a:lightRig rig="harsh" dir="t"/>
+            </a:scene3d>
+            <a:sp3d extrusionH="57150" prstMaterial="matte">
+              <a:bevelT w="63500" h="12700" prst="angle"/>
+              <a:contourClr>
+                <a:schemeClr val="bg1">
+                  <a:lumMod val="65000"/>
+                </a:schemeClr>
+              </a:contourClr>
+            </a:sp3d>
+          </a:bodyPr>
+          <a:lstStyle/>
+          <a:p>
+            <a:r>
+              <a:rPr kumimoji="1" lang="en-US" altLang="ja-JP" sz="11500" b="1" dirty="0">
+                <a:ln/>
+                <a:solidFill>
+                  <a:schemeClr val="accent6">
+                    <a:lumMod val="75000"/>
+                  </a:schemeClr>
+                </a:solidFill>
+              </a:rPr>
+              <a:t>Julius</a:t>
+            </a:r>
+          </a:p>
+        </p:txBody>
+      </p:sp>
+      <p:pic>
+        <p:nvPicPr>
+          <p:cNvPr id="8" name="グラフィックス 7" descr="リンク">
+            <a:extLst>
+              <a:ext uri="{FF2B5EF4-FFF2-40B4-BE49-F238E27FC236}">
+                <a16:creationId xmlns:a16="http://schemas.microsoft.com/office/drawing/2014/main" id="{C630D40C-85D8-4382-85F5-72381492CEC3}"/>
+              </a:ext>
+            </a:extLst>
+          </p:cNvPr>
+          <p:cNvPicPr>
+            <a:picLocks noChangeAspect="1"/>
+          </p:cNvPicPr>
+          <p:nvPr/>
+        </p:nvPicPr>
+        <p:blipFill>
+          <a:blip r:embed="rId2">
+            <a:extLst>
+              <a:ext uri="{28A0092B-C50C-407E-A947-70E740481C1C}">
+                <a14:useLocalDpi xmlns:a14="http://schemas.microsoft.com/office/drawing/2010/main" val="0"/>
+              </a:ext>
+              <a:ext uri="{96DAC541-7B7A-43D3-8B79-37D633B846F1}">
+                <asvg:svgBlip xmlns:asvg="http://schemas.microsoft.com/office/drawing/2016/SVG/main" r:embed="rId3"/>
+              </a:ext>
+            </a:extLst>
+          </a:blip>
+          <a:stretch>
+            <a:fillRect/>
+          </a:stretch>
+        </p:blipFill>
+        <p:spPr>
+          <a:xfrm rot="8073206">
+            <a:off x="5280325" y="3657320"/>
+            <a:ext cx="1405408" cy="1405408"/>
+          </a:xfrm>
+          <a:prstGeom prst="rect">
+            <a:avLst/>
+          </a:prstGeom>
+          <a:effectLst>
+            <a:outerShdw blurRad="50800" dist="38100" dir="2700000" algn="tl" rotWithShape="0">
+              <a:prstClr val="black">
+                <a:alpha val="40000"/>
+              </a:prstClr>
+            </a:outerShdw>
+          </a:effectLst>
+        </p:spPr>
+      </p:pic>
     </p:spTree>
     <p:extLst>
       <p:ext uri="{BB962C8B-B14F-4D97-AF65-F5344CB8AC3E}">
-        <p14:creationId xmlns:p14="http://schemas.microsoft.com/office/powerpoint/2010/main" val="1723361353"/>
+        <p14:creationId xmlns:p14="http://schemas.microsoft.com/office/powerpoint/2010/main" val="1363600230"/>
       </p:ext>
     </p:extLst>
   </p:cSld>
   <p:clrMapOvr>
     <a:masterClrMapping/>
   </p:clrMapOvr>
+  <p:timing>
+    <p:tnLst>
+      <p:par>
+        <p:cTn id="1" dur="indefinite" restart="never" nodeType="tmRoot">
+          <p:childTnLst>
+            <p:seq concurrent="1" nextAc="seek">
+              <p:cTn id="2" dur="indefinite" nodeType="mainSeq">
+                <p:childTnLst>
+                  <p:par>
+                    <p:cTn id="3" fill="hold">
+                      <p:stCondLst>
+                        <p:cond delay="indefinite"/>
+                        <p:cond evt="onBegin" delay="0">
+                          <p:tn val="2"/>
+                        </p:cond>
+                      </p:stCondLst>
+                      <p:childTnLst>
+                        <p:par>
+                          <p:cTn id="4" fill="hold">
+                            <p:stCondLst>
+                              <p:cond delay="0"/>
+                            </p:stCondLst>
+                            <p:childTnLst>
+                              <p:par>
+                                <p:cTn id="5" presetID="42" presetClass="entr" presetSubtype="0" fill="hold" grpId="0" nodeType="withEffect">
+                                  <p:stCondLst>
+                                    <p:cond delay="0"/>
+                                  </p:stCondLst>
+                                  <p:childTnLst>
+                                    <p:set>
+                                      <p:cBhvr>
+                                        <p:cTn id="6" dur="1" fill="hold">
+                                          <p:stCondLst>
+                                            <p:cond delay="0"/>
+                                          </p:stCondLst>
+                                        </p:cTn>
+                                        <p:tgtEl>
+                                          <p:spTgt spid="6"/>
+                                        </p:tgtEl>
+                                        <p:attrNameLst>
+                                          <p:attrName>style.visibility</p:attrName>
+                                        </p:attrNameLst>
+                                      </p:cBhvr>
+                                      <p:to>
+                                        <p:strVal val="visible"/>
+                                      </p:to>
+                                    </p:set>
+                                    <p:animEffect transition="in" filter="fade">
+                                      <p:cBhvr>
+                                        <p:cTn id="7" dur="1000"/>
+                                        <p:tgtEl>
+                                          <p:spTgt spid="6"/>
+                                        </p:tgtEl>
+                                      </p:cBhvr>
+                                    </p:animEffect>
+                                    <p:anim calcmode="lin" valueType="num">
+                                      <p:cBhvr>
+                                        <p:cTn id="8" dur="1000" fill="hold"/>
+                                        <p:tgtEl>
+                                          <p:spTgt spid="6"/>
+                                        </p:tgtEl>
+                                        <p:attrNameLst>
+                                          <p:attrName>ppt_x</p:attrName>
+                                        </p:attrNameLst>
+                                      </p:cBhvr>
+                                      <p:tavLst>
+                                        <p:tav tm="0">
+                                          <p:val>
+                                            <p:strVal val="#ppt_x"/>
+                                          </p:val>
+                                        </p:tav>
+                                        <p:tav tm="100000">
+                                          <p:val>
+                                            <p:strVal val="#ppt_x"/>
+                                          </p:val>
+                                        </p:tav>
+                                      </p:tavLst>
+                                    </p:anim>
+                                    <p:anim calcmode="lin" valueType="num">
+                                      <p:cBhvr>
+                                        <p:cTn id="9" dur="1000" fill="hold"/>
+                                        <p:tgtEl>
+                                          <p:spTgt spid="6"/>
+                                        </p:tgtEl>
+                                        <p:attrNameLst>
+                                          <p:attrName>ppt_y</p:attrName>
+                                        </p:attrNameLst>
+                                      </p:cBhvr>
+                                      <p:tavLst>
+                                        <p:tav tm="0">
+                                          <p:val>
+                                            <p:strVal val="#ppt_y+.1"/>
+                                          </p:val>
+                                        </p:tav>
+                                        <p:tav tm="100000">
+                                          <p:val>
+                                            <p:strVal val="#ppt_y"/>
+                                          </p:val>
+                                        </p:tav>
+                                      </p:tavLst>
+                                    </p:anim>
+                                  </p:childTnLst>
+                                </p:cTn>
+                              </p:par>
+                              <p:par>
+                                <p:cTn id="10" presetID="42" presetClass="entr" presetSubtype="0" fill="hold" grpId="0" nodeType="withEffect">
+                                  <p:stCondLst>
+                                    <p:cond delay="0"/>
+                                  </p:stCondLst>
+                                  <p:childTnLst>
+                                    <p:set>
+                                      <p:cBhvr>
+                                        <p:cTn id="11" dur="1" fill="hold">
+                                          <p:stCondLst>
+                                            <p:cond delay="0"/>
+                                          </p:stCondLst>
+                                        </p:cTn>
+                                        <p:tgtEl>
+                                          <p:spTgt spid="7"/>
+                                        </p:tgtEl>
+                                        <p:attrNameLst>
+                                          <p:attrName>style.visibility</p:attrName>
+                                        </p:attrNameLst>
+                                      </p:cBhvr>
+                                      <p:to>
+                                        <p:strVal val="visible"/>
+                                      </p:to>
+                                    </p:set>
+                                    <p:animEffect transition="in" filter="fade">
+                                      <p:cBhvr>
+                                        <p:cTn id="12" dur="1000"/>
+                                        <p:tgtEl>
+                                          <p:spTgt spid="7"/>
+                                        </p:tgtEl>
+                                      </p:cBhvr>
+                                    </p:animEffect>
+                                    <p:anim calcmode="lin" valueType="num">
+                                      <p:cBhvr>
+                                        <p:cTn id="13" dur="1000" fill="hold"/>
+                                        <p:tgtEl>
+                                          <p:spTgt spid="7"/>
+                                        </p:tgtEl>
+                                        <p:attrNameLst>
+                                          <p:attrName>ppt_x</p:attrName>
+                                        </p:attrNameLst>
+                                      </p:cBhvr>
+                                      <p:tavLst>
+                                        <p:tav tm="0">
+                                          <p:val>
+                                            <p:strVal val="#ppt_x"/>
+                                          </p:val>
+                                        </p:tav>
+                                        <p:tav tm="100000">
+                                          <p:val>
+                                            <p:strVal val="#ppt_x"/>
+                                          </p:val>
+                                        </p:tav>
+                                      </p:tavLst>
+                                    </p:anim>
+                                    <p:anim calcmode="lin" valueType="num">
+                                      <p:cBhvr>
+                                        <p:cTn id="14" dur="1000" fill="hold"/>
+                                        <p:tgtEl>
+                                          <p:spTgt spid="7"/>
+                                        </p:tgtEl>
+                                        <p:attrNameLst>
+                                          <p:attrName>ppt_y</p:attrName>
+                                        </p:attrNameLst>
+                                      </p:cBhvr>
+                                      <p:tavLst>
+                                        <p:tav tm="0">
+                                          <p:val>
+                                            <p:strVal val="#ppt_y+.1"/>
+                                          </p:val>
+                                        </p:tav>
+                                        <p:tav tm="100000">
+                                          <p:val>
+                                            <p:strVal val="#ppt_y"/>
+                                          </p:val>
+                                        </p:tav>
+                                      </p:tavLst>
+                                    </p:anim>
+                                  </p:childTnLst>
+                                </p:cTn>
+                              </p:par>
+                            </p:childTnLst>
+                          </p:cTn>
+                        </p:par>
+                        <p:par>
+                          <p:cTn id="15" fill="hold">
+                            <p:stCondLst>
+                              <p:cond delay="1000"/>
+                            </p:stCondLst>
+                            <p:childTnLst>
+                              <p:par>
+                                <p:cTn id="16" presetID="14" presetClass="entr" presetSubtype="10" fill="hold" nodeType="afterEffect">
+                                  <p:stCondLst>
+                                    <p:cond delay="0"/>
+                                  </p:stCondLst>
+                                  <p:childTnLst>
+                                    <p:set>
+                                      <p:cBhvr>
+                                        <p:cTn id="17" dur="1" fill="hold">
+                                          <p:stCondLst>
+                                            <p:cond delay="0"/>
+                                          </p:stCondLst>
+                                        </p:cTn>
+                                        <p:tgtEl>
+                                          <p:spTgt spid="8"/>
+                                        </p:tgtEl>
+                                        <p:attrNameLst>
+                                          <p:attrName>style.visibility</p:attrName>
+                                        </p:attrNameLst>
+                                      </p:cBhvr>
+                                      <p:to>
+                                        <p:strVal val="visible"/>
+                                      </p:to>
+                                    </p:set>
+                                    <p:animEffect transition="in" filter="randombar(horizontal)">
+                                      <p:cBhvr>
+                                        <p:cTn id="18" dur="500"/>
+                                        <p:tgtEl>
+                                          <p:spTgt spid="8"/>
+                                        </p:tgtEl>
+                                      </p:cBhvr>
+                                    </p:animEffect>
+                                  </p:childTnLst>
+                                </p:cTn>
+                              </p:par>
+                            </p:childTnLst>
+                          </p:cTn>
+                        </p:par>
+                      </p:childTnLst>
+                    </p:cTn>
+                  </p:par>
+                </p:childTnLst>
+              </p:cTn>
+              <p:prevCondLst>
+                <p:cond evt="onPrev" delay="0">
+                  <p:tgtEl>
+                    <p:sldTgt/>
+                  </p:tgtEl>
+                </p:cond>
+              </p:prevCondLst>
+              <p:nextCondLst>
+                <p:cond evt="onNext" delay="0">
+                  <p:tgtEl>
+                    <p:sldTgt/>
+                  </p:tgtEl>
+                </p:cond>
+              </p:nextCondLst>
+            </p:seq>
+          </p:childTnLst>
+        </p:cTn>
+      </p:par>
+    </p:tnLst>
+    <p:bldLst>
+      <p:bldP spid="6" grpId="0"/>
+      <p:bldP spid="7" grpId="0"/>
+    </p:bldLst>
+  </p:timing>
 </p:sld>
 </file>
 
@@ -4450,7 +9597,7 @@
           <p:cNvPr id="2" name="タイトル 1">
             <a:extLst>
               <a:ext uri="{FF2B5EF4-FFF2-40B4-BE49-F238E27FC236}">
-                <a16:creationId xmlns:a16="http://schemas.microsoft.com/office/drawing/2014/main" id="{797104BC-A291-4ECD-8EC7-9097E2869A29}"/>
+                <a16:creationId xmlns:a16="http://schemas.microsoft.com/office/drawing/2014/main" id="{30510270-B89B-4147-8B81-16A39D4DCD9B}"/>
               </a:ext>
             </a:extLst>
           </p:cNvPr>
@@ -4461,48 +9608,973 @@
             <p:ph type="title"/>
           </p:nvPr>
         </p:nvSpPr>
-        <p:spPr/>
+        <p:spPr>
+          <a:xfrm>
+            <a:off x="174057" y="240858"/>
+            <a:ext cx="10515600" cy="1325563"/>
+          </a:xfrm>
+        </p:spPr>
         <p:txBody>
           <a:bodyPr/>
           <a:lstStyle/>
           <a:p>
             <a:r>
-              <a:rPr kumimoji="1" lang="en-US" altLang="ja-JP" dirty="0"/>
+              <a:rPr kumimoji="1" lang="ja-JP" altLang="en-US" dirty="0">
+                <a:ln>
+                  <a:solidFill>
+                    <a:schemeClr val="tx1"/>
+                  </a:solidFill>
+                </a:ln>
+                <a:solidFill>
+                  <a:schemeClr val="accent6">
+                    <a:lumMod val="75000"/>
+                  </a:schemeClr>
+                </a:solidFill>
+                <a:latin typeface="HGP明朝E" panose="02020900000000000000" pitchFamily="18" charset="-128"/>
+                <a:ea typeface="HGP明朝E" panose="02020900000000000000" pitchFamily="18" charset="-128"/>
+              </a:rPr>
+              <a:t>コードの構造</a:t>
+            </a:r>
+          </a:p>
+        </p:txBody>
+      </p:sp>
+      <p:sp>
+        <p:nvSpPr>
+          <p:cNvPr id="5" name="正方形/長方形 4">
+            <a:extLst>
+              <a:ext uri="{FF2B5EF4-FFF2-40B4-BE49-F238E27FC236}">
+                <a16:creationId xmlns:a16="http://schemas.microsoft.com/office/drawing/2014/main" id="{FAE1BEE8-EA21-4DBE-944C-F48A59884AD4}"/>
+              </a:ext>
+            </a:extLst>
+          </p:cNvPr>
+          <p:cNvSpPr/>
+          <p:nvPr/>
+        </p:nvSpPr>
+        <p:spPr>
+          <a:xfrm>
+            <a:off x="9508067" y="0"/>
+            <a:ext cx="2683933" cy="1593908"/>
+          </a:xfrm>
+          <a:prstGeom prst="rect">
+            <a:avLst/>
+          </a:prstGeom>
+          <a:solidFill>
+            <a:schemeClr val="accent6">
+              <a:lumMod val="60000"/>
+              <a:lumOff val="40000"/>
+            </a:schemeClr>
+          </a:solidFill>
+        </p:spPr>
+        <p:style>
+          <a:lnRef idx="2">
+            <a:schemeClr val="accent1">
+              <a:shade val="50000"/>
+            </a:schemeClr>
+          </a:lnRef>
+          <a:fillRef idx="1">
+            <a:schemeClr val="accent1"/>
+          </a:fillRef>
+          <a:effectRef idx="0">
+            <a:schemeClr val="accent1"/>
+          </a:effectRef>
+          <a:fontRef idx="minor">
+            <a:schemeClr val="lt1"/>
+          </a:fontRef>
+        </p:style>
+        <p:txBody>
+          <a:bodyPr rtlCol="0" anchor="ctr"/>
+          <a:lstStyle/>
+          <a:p>
+            <a:pPr algn="ctr"/>
+            <a:endParaRPr kumimoji="1" lang="ja-JP" altLang="en-US"/>
+          </a:p>
+        </p:txBody>
+      </p:sp>
+      <p:sp>
+        <p:nvSpPr>
+          <p:cNvPr id="8" name="正方形/長方形 7">
+            <a:extLst>
+              <a:ext uri="{FF2B5EF4-FFF2-40B4-BE49-F238E27FC236}">
+                <a16:creationId xmlns:a16="http://schemas.microsoft.com/office/drawing/2014/main" id="{74080E35-9D7D-4F60-8F54-52B50D5DA797}"/>
+              </a:ext>
+            </a:extLst>
+          </p:cNvPr>
+          <p:cNvSpPr/>
+          <p:nvPr/>
+        </p:nvSpPr>
+        <p:spPr>
+          <a:xfrm>
+            <a:off x="3750914" y="1777436"/>
+            <a:ext cx="4331368" cy="628442"/>
+          </a:xfrm>
+          <a:prstGeom prst="rect">
+            <a:avLst/>
+          </a:prstGeom>
+          <a:solidFill>
+            <a:schemeClr val="bg1"/>
+          </a:solidFill>
+        </p:spPr>
+        <p:style>
+          <a:lnRef idx="2">
+            <a:schemeClr val="accent1">
+              <a:shade val="50000"/>
+            </a:schemeClr>
+          </a:lnRef>
+          <a:fillRef idx="1">
+            <a:schemeClr val="accent1"/>
+          </a:fillRef>
+          <a:effectRef idx="0">
+            <a:schemeClr val="accent1"/>
+          </a:effectRef>
+          <a:fontRef idx="minor">
+            <a:schemeClr val="lt1"/>
+          </a:fontRef>
+        </p:style>
+        <p:txBody>
+          <a:bodyPr rtlCol="0" anchor="ctr"/>
+          <a:lstStyle/>
+          <a:p>
+            <a:pPr algn="ctr"/>
+            <a:r>
+              <a:rPr kumimoji="1" lang="en-US" altLang="ja-JP" b="1" dirty="0">
+                <a:solidFill>
+                  <a:schemeClr val="accent6">
+                    <a:lumMod val="50000"/>
+                  </a:schemeClr>
+                </a:solidFill>
+              </a:rPr>
               <a:t>Julius</a:t>
             </a:r>
-            <a:endParaRPr kumimoji="1" lang="ja-JP" altLang="en-US" dirty="0"/>
-          </a:p>
-        </p:txBody>
-      </p:sp>
-      <p:sp>
-        <p:nvSpPr>
-          <p:cNvPr id="3" name="コンテンツ プレースホルダー 2">
-            <a:extLst>
-              <a:ext uri="{FF2B5EF4-FFF2-40B4-BE49-F238E27FC236}">
-                <a16:creationId xmlns:a16="http://schemas.microsoft.com/office/drawing/2014/main" id="{1A6C3B31-2B08-4702-ADFF-F7D083B293C0}"/>
-              </a:ext>
-            </a:extLst>
-          </p:cNvPr>
-          <p:cNvSpPr>
-            <a:spLocks noGrp="1"/>
-          </p:cNvSpPr>
-          <p:nvPr>
-            <p:ph idx="1"/>
-          </p:nvPr>
-        </p:nvSpPr>
-        <p:spPr/>
-        <p:txBody>
-          <a:bodyPr/>
-          <a:lstStyle/>
-          <a:p>
-            <a:endParaRPr kumimoji="1" lang="ja-JP" altLang="en-US"/>
-          </a:p>
-        </p:txBody>
-      </p:sp>
+            <a:r>
+              <a:rPr kumimoji="1" lang="ja-JP" altLang="en-US" b="1" dirty="0">
+                <a:solidFill>
+                  <a:schemeClr val="accent6">
+                    <a:lumMod val="50000"/>
+                  </a:schemeClr>
+                </a:solidFill>
+              </a:rPr>
+              <a:t>サーバと接続</a:t>
+            </a:r>
+            <a:r>
+              <a:rPr kumimoji="1" lang="en-US" altLang="ja-JP" b="1" dirty="0">
+                <a:solidFill>
+                  <a:schemeClr val="accent6">
+                    <a:lumMod val="50000"/>
+                  </a:schemeClr>
+                </a:solidFill>
+              </a:rPr>
+              <a:t>(socket</a:t>
+            </a:r>
+            <a:r>
+              <a:rPr kumimoji="1" lang="ja-JP" altLang="en-US" b="1" dirty="0">
+                <a:solidFill>
+                  <a:schemeClr val="accent6">
+                    <a:lumMod val="50000"/>
+                  </a:schemeClr>
+                </a:solidFill>
+              </a:rPr>
+              <a:t>通信</a:t>
+            </a:r>
+            <a:r>
+              <a:rPr kumimoji="1" lang="en-US" altLang="ja-JP" b="1" dirty="0">
+                <a:solidFill>
+                  <a:schemeClr val="accent6">
+                    <a:lumMod val="50000"/>
+                  </a:schemeClr>
+                </a:solidFill>
+              </a:rPr>
+              <a:t>)</a:t>
+            </a:r>
+          </a:p>
+        </p:txBody>
+      </p:sp>
+      <p:sp>
+        <p:nvSpPr>
+          <p:cNvPr id="9" name="正方形/長方形 8">
+            <a:extLst>
+              <a:ext uri="{FF2B5EF4-FFF2-40B4-BE49-F238E27FC236}">
+                <a16:creationId xmlns:a16="http://schemas.microsoft.com/office/drawing/2014/main" id="{D1575FBF-2BCF-4226-9757-505A37D67A65}"/>
+              </a:ext>
+            </a:extLst>
+          </p:cNvPr>
+          <p:cNvSpPr/>
+          <p:nvPr/>
+        </p:nvSpPr>
+        <p:spPr>
+          <a:xfrm>
+            <a:off x="3750914" y="2707170"/>
+            <a:ext cx="4331367" cy="659274"/>
+          </a:xfrm>
+          <a:prstGeom prst="rect">
+            <a:avLst/>
+          </a:prstGeom>
+          <a:solidFill>
+            <a:schemeClr val="bg1"/>
+          </a:solidFill>
+        </p:spPr>
+        <p:style>
+          <a:lnRef idx="2">
+            <a:schemeClr val="accent1">
+              <a:shade val="50000"/>
+            </a:schemeClr>
+          </a:lnRef>
+          <a:fillRef idx="1">
+            <a:schemeClr val="accent1"/>
+          </a:fillRef>
+          <a:effectRef idx="0">
+            <a:schemeClr val="accent1"/>
+          </a:effectRef>
+          <a:fontRef idx="minor">
+            <a:schemeClr val="lt1"/>
+          </a:fontRef>
+        </p:style>
+        <p:txBody>
+          <a:bodyPr rtlCol="0" anchor="ctr"/>
+          <a:lstStyle/>
+          <a:p>
+            <a:pPr algn="ctr"/>
+            <a:r>
+              <a:rPr kumimoji="1" lang="ja-JP" altLang="en-US" b="1" dirty="0">
+                <a:solidFill>
+                  <a:schemeClr val="accent6">
+                    <a:lumMod val="50000"/>
+                  </a:schemeClr>
+                </a:solidFill>
+              </a:rPr>
+              <a:t>サーバからデータを取得</a:t>
+            </a:r>
+          </a:p>
+        </p:txBody>
+      </p:sp>
+      <p:sp>
+        <p:nvSpPr>
+          <p:cNvPr id="10" name="正方形/長方形 9">
+            <a:extLst>
+              <a:ext uri="{FF2B5EF4-FFF2-40B4-BE49-F238E27FC236}">
+                <a16:creationId xmlns:a16="http://schemas.microsoft.com/office/drawing/2014/main" id="{9C00F658-A53E-46C1-B8AA-6DEB59A17AC4}"/>
+              </a:ext>
+            </a:extLst>
+          </p:cNvPr>
+          <p:cNvSpPr/>
+          <p:nvPr/>
+        </p:nvSpPr>
+        <p:spPr>
+          <a:xfrm>
+            <a:off x="3750914" y="3667737"/>
+            <a:ext cx="4325349" cy="659274"/>
+          </a:xfrm>
+          <a:prstGeom prst="rect">
+            <a:avLst/>
+          </a:prstGeom>
+          <a:solidFill>
+            <a:schemeClr val="bg1"/>
+          </a:solidFill>
+        </p:spPr>
+        <p:style>
+          <a:lnRef idx="2">
+            <a:schemeClr val="accent1">
+              <a:shade val="50000"/>
+            </a:schemeClr>
+          </a:lnRef>
+          <a:fillRef idx="1">
+            <a:schemeClr val="accent1"/>
+          </a:fillRef>
+          <a:effectRef idx="0">
+            <a:schemeClr val="accent1"/>
+          </a:effectRef>
+          <a:fontRef idx="minor">
+            <a:schemeClr val="lt1"/>
+          </a:fontRef>
+        </p:style>
+        <p:txBody>
+          <a:bodyPr rtlCol="0" anchor="ctr"/>
+          <a:lstStyle/>
+          <a:p>
+            <a:pPr algn="ctr"/>
+            <a:r>
+              <a:rPr kumimoji="1" lang="ja-JP" altLang="en-US" b="1" dirty="0">
+                <a:solidFill>
+                  <a:schemeClr val="accent6">
+                    <a:lumMod val="50000"/>
+                  </a:schemeClr>
+                </a:solidFill>
+              </a:rPr>
+              <a:t>文字データに変換</a:t>
+            </a:r>
+          </a:p>
+        </p:txBody>
+      </p:sp>
+      <p:sp>
+        <p:nvSpPr>
+          <p:cNvPr id="11" name="正方形/長方形 10">
+            <a:extLst>
+              <a:ext uri="{FF2B5EF4-FFF2-40B4-BE49-F238E27FC236}">
+                <a16:creationId xmlns:a16="http://schemas.microsoft.com/office/drawing/2014/main" id="{69A4858F-755D-44A9-8569-3D23BC0DD3B1}"/>
+              </a:ext>
+            </a:extLst>
+          </p:cNvPr>
+          <p:cNvSpPr/>
+          <p:nvPr/>
+        </p:nvSpPr>
+        <p:spPr>
+          <a:xfrm>
+            <a:off x="3756933" y="4628304"/>
+            <a:ext cx="4325348" cy="658449"/>
+          </a:xfrm>
+          <a:prstGeom prst="rect">
+            <a:avLst/>
+          </a:prstGeom>
+          <a:solidFill>
+            <a:schemeClr val="bg1"/>
+          </a:solidFill>
+        </p:spPr>
+        <p:style>
+          <a:lnRef idx="2">
+            <a:schemeClr val="accent1">
+              <a:shade val="50000"/>
+            </a:schemeClr>
+          </a:lnRef>
+          <a:fillRef idx="1">
+            <a:schemeClr val="accent1"/>
+          </a:fillRef>
+          <a:effectRef idx="0">
+            <a:schemeClr val="accent1"/>
+          </a:effectRef>
+          <a:fontRef idx="minor">
+            <a:schemeClr val="lt1"/>
+          </a:fontRef>
+        </p:style>
+        <p:txBody>
+          <a:bodyPr rtlCol="0" anchor="ctr"/>
+          <a:lstStyle/>
+          <a:p>
+            <a:pPr algn="ctr"/>
+            <a:r>
+              <a:rPr kumimoji="1" lang="en-US" altLang="ja-JP" b="1" dirty="0">
+                <a:solidFill>
+                  <a:schemeClr val="accent6">
+                    <a:lumMod val="50000"/>
+                  </a:schemeClr>
+                </a:solidFill>
+              </a:rPr>
+              <a:t>AI</a:t>
+            </a:r>
+            <a:r>
+              <a:rPr kumimoji="1" lang="ja-JP" altLang="en-US" b="1" dirty="0">
+                <a:solidFill>
+                  <a:schemeClr val="accent6">
+                    <a:lumMod val="50000"/>
+                  </a:schemeClr>
+                </a:solidFill>
+              </a:rPr>
+              <a:t>（</a:t>
+            </a:r>
+            <a:r>
+              <a:rPr kumimoji="1" lang="en-US" altLang="ja-JP" b="1" dirty="0">
+                <a:solidFill>
+                  <a:schemeClr val="accent6">
+                    <a:lumMod val="50000"/>
+                  </a:schemeClr>
+                </a:solidFill>
+              </a:rPr>
+              <a:t>if</a:t>
+            </a:r>
+            <a:r>
+              <a:rPr kumimoji="1" lang="ja-JP" altLang="en-US" b="1" dirty="0">
+                <a:solidFill>
+                  <a:schemeClr val="accent6">
+                    <a:lumMod val="50000"/>
+                  </a:schemeClr>
+                </a:solidFill>
+              </a:rPr>
+              <a:t>文）で分類</a:t>
+            </a:r>
+          </a:p>
+        </p:txBody>
+      </p:sp>
+      <p:sp>
+        <p:nvSpPr>
+          <p:cNvPr id="12" name="正方形/長方形 11">
+            <a:extLst>
+              <a:ext uri="{FF2B5EF4-FFF2-40B4-BE49-F238E27FC236}">
+                <a16:creationId xmlns:a16="http://schemas.microsoft.com/office/drawing/2014/main" id="{144A6A93-CCFC-4DA4-A5EB-31A5F271A55C}"/>
+              </a:ext>
+            </a:extLst>
+          </p:cNvPr>
+          <p:cNvSpPr/>
+          <p:nvPr/>
+        </p:nvSpPr>
+        <p:spPr>
+          <a:xfrm>
+            <a:off x="3756931" y="5588046"/>
+            <a:ext cx="4337384" cy="658449"/>
+          </a:xfrm>
+          <a:prstGeom prst="rect">
+            <a:avLst/>
+          </a:prstGeom>
+          <a:solidFill>
+            <a:schemeClr val="bg1"/>
+          </a:solidFill>
+        </p:spPr>
+        <p:style>
+          <a:lnRef idx="2">
+            <a:schemeClr val="accent1">
+              <a:shade val="50000"/>
+            </a:schemeClr>
+          </a:lnRef>
+          <a:fillRef idx="1">
+            <a:schemeClr val="accent1"/>
+          </a:fillRef>
+          <a:effectRef idx="0">
+            <a:schemeClr val="accent1"/>
+          </a:effectRef>
+          <a:fontRef idx="minor">
+            <a:schemeClr val="lt1"/>
+          </a:fontRef>
+        </p:style>
+        <p:txBody>
+          <a:bodyPr rtlCol="0" anchor="ctr"/>
+          <a:lstStyle/>
+          <a:p>
+            <a:pPr algn="ctr"/>
+            <a:r>
+              <a:rPr kumimoji="1" lang="ja-JP" altLang="en-US" b="1" dirty="0">
+                <a:solidFill>
+                  <a:schemeClr val="accent6">
+                    <a:lumMod val="50000"/>
+                  </a:schemeClr>
+                </a:solidFill>
+              </a:rPr>
+              <a:t>スクレイピング結果出力</a:t>
+            </a:r>
+          </a:p>
+        </p:txBody>
+      </p:sp>
+      <p:cxnSp>
+        <p:nvCxnSpPr>
+          <p:cNvPr id="13" name="直線矢印コネクタ 12">
+            <a:extLst>
+              <a:ext uri="{FF2B5EF4-FFF2-40B4-BE49-F238E27FC236}">
+                <a16:creationId xmlns:a16="http://schemas.microsoft.com/office/drawing/2014/main" id="{863D539B-DE0C-4589-B512-A43519BB23AD}"/>
+              </a:ext>
+            </a:extLst>
+          </p:cNvPr>
+          <p:cNvCxnSpPr>
+            <a:cxnSpLocks/>
+            <a:stCxn id="8" idx="2"/>
+            <a:endCxn id="9" idx="0"/>
+          </p:cNvCxnSpPr>
+          <p:nvPr/>
+        </p:nvCxnSpPr>
+        <p:spPr>
+          <a:xfrm>
+            <a:off x="5916598" y="2405878"/>
+            <a:ext cx="0" cy="301292"/>
+          </a:xfrm>
+          <a:prstGeom prst="straightConnector1">
+            <a:avLst/>
+          </a:prstGeom>
+          <a:ln w="76200">
+            <a:solidFill>
+              <a:schemeClr val="accent6">
+                <a:lumMod val="75000"/>
+              </a:schemeClr>
+            </a:solidFill>
+            <a:tailEnd type="triangle"/>
+          </a:ln>
+        </p:spPr>
+        <p:style>
+          <a:lnRef idx="1">
+            <a:schemeClr val="accent1"/>
+          </a:lnRef>
+          <a:fillRef idx="0">
+            <a:schemeClr val="accent1"/>
+          </a:fillRef>
+          <a:effectRef idx="0">
+            <a:schemeClr val="accent1"/>
+          </a:effectRef>
+          <a:fontRef idx="minor">
+            <a:schemeClr val="tx1"/>
+          </a:fontRef>
+        </p:style>
+      </p:cxnSp>
+      <p:cxnSp>
+        <p:nvCxnSpPr>
+          <p:cNvPr id="14" name="直線矢印コネクタ 13">
+            <a:extLst>
+              <a:ext uri="{FF2B5EF4-FFF2-40B4-BE49-F238E27FC236}">
+                <a16:creationId xmlns:a16="http://schemas.microsoft.com/office/drawing/2014/main" id="{F815D4FC-9874-4B0B-A573-A6C1A12E0799}"/>
+              </a:ext>
+            </a:extLst>
+          </p:cNvPr>
+          <p:cNvCxnSpPr>
+            <a:cxnSpLocks/>
+            <a:stCxn id="9" idx="2"/>
+            <a:endCxn id="10" idx="0"/>
+          </p:cNvCxnSpPr>
+          <p:nvPr/>
+        </p:nvCxnSpPr>
+        <p:spPr>
+          <a:xfrm flipH="1">
+            <a:off x="5913589" y="3366444"/>
+            <a:ext cx="3009" cy="301293"/>
+          </a:xfrm>
+          <a:prstGeom prst="straightConnector1">
+            <a:avLst/>
+          </a:prstGeom>
+          <a:ln w="76200">
+            <a:solidFill>
+              <a:schemeClr val="accent6">
+                <a:lumMod val="75000"/>
+              </a:schemeClr>
+            </a:solidFill>
+            <a:tailEnd type="triangle"/>
+          </a:ln>
+        </p:spPr>
+        <p:style>
+          <a:lnRef idx="1">
+            <a:schemeClr val="accent1"/>
+          </a:lnRef>
+          <a:fillRef idx="0">
+            <a:schemeClr val="accent1"/>
+          </a:fillRef>
+          <a:effectRef idx="0">
+            <a:schemeClr val="accent1"/>
+          </a:effectRef>
+          <a:fontRef idx="minor">
+            <a:schemeClr val="tx1"/>
+          </a:fontRef>
+        </p:style>
+      </p:cxnSp>
+      <p:cxnSp>
+        <p:nvCxnSpPr>
+          <p:cNvPr id="15" name="直線矢印コネクタ 14">
+            <a:extLst>
+              <a:ext uri="{FF2B5EF4-FFF2-40B4-BE49-F238E27FC236}">
+                <a16:creationId xmlns:a16="http://schemas.microsoft.com/office/drawing/2014/main" id="{520EC643-11B6-4758-ADD1-92FBBA747172}"/>
+              </a:ext>
+            </a:extLst>
+          </p:cNvPr>
+          <p:cNvCxnSpPr>
+            <a:cxnSpLocks/>
+            <a:stCxn id="10" idx="2"/>
+            <a:endCxn id="11" idx="0"/>
+          </p:cNvCxnSpPr>
+          <p:nvPr/>
+        </p:nvCxnSpPr>
+        <p:spPr>
+          <a:xfrm>
+            <a:off x="5913589" y="4327011"/>
+            <a:ext cx="6018" cy="301293"/>
+          </a:xfrm>
+          <a:prstGeom prst="straightConnector1">
+            <a:avLst/>
+          </a:prstGeom>
+          <a:ln w="76200">
+            <a:solidFill>
+              <a:schemeClr val="accent6">
+                <a:lumMod val="75000"/>
+              </a:schemeClr>
+            </a:solidFill>
+            <a:tailEnd type="triangle"/>
+          </a:ln>
+        </p:spPr>
+        <p:style>
+          <a:lnRef idx="1">
+            <a:schemeClr val="accent1"/>
+          </a:lnRef>
+          <a:fillRef idx="0">
+            <a:schemeClr val="accent1"/>
+          </a:fillRef>
+          <a:effectRef idx="0">
+            <a:schemeClr val="accent1"/>
+          </a:effectRef>
+          <a:fontRef idx="minor">
+            <a:schemeClr val="tx1"/>
+          </a:fontRef>
+        </p:style>
+      </p:cxnSp>
+      <p:cxnSp>
+        <p:nvCxnSpPr>
+          <p:cNvPr id="16" name="直線矢印コネクタ 15">
+            <a:extLst>
+              <a:ext uri="{FF2B5EF4-FFF2-40B4-BE49-F238E27FC236}">
+                <a16:creationId xmlns:a16="http://schemas.microsoft.com/office/drawing/2014/main" id="{AAACB86E-20AA-4229-BB74-552C265C2ED3}"/>
+              </a:ext>
+            </a:extLst>
+          </p:cNvPr>
+          <p:cNvCxnSpPr>
+            <a:cxnSpLocks/>
+            <a:stCxn id="11" idx="2"/>
+            <a:endCxn id="12" idx="0"/>
+          </p:cNvCxnSpPr>
+          <p:nvPr/>
+        </p:nvCxnSpPr>
+        <p:spPr>
+          <a:xfrm>
+            <a:off x="5919607" y="5286753"/>
+            <a:ext cx="6016" cy="301293"/>
+          </a:xfrm>
+          <a:prstGeom prst="straightConnector1">
+            <a:avLst/>
+          </a:prstGeom>
+          <a:ln w="76200">
+            <a:solidFill>
+              <a:schemeClr val="accent6">
+                <a:lumMod val="75000"/>
+              </a:schemeClr>
+            </a:solidFill>
+            <a:tailEnd type="triangle"/>
+          </a:ln>
+        </p:spPr>
+        <p:style>
+          <a:lnRef idx="1">
+            <a:schemeClr val="accent1"/>
+          </a:lnRef>
+          <a:fillRef idx="0">
+            <a:schemeClr val="accent1"/>
+          </a:fillRef>
+          <a:effectRef idx="0">
+            <a:schemeClr val="accent1"/>
+          </a:effectRef>
+          <a:fontRef idx="minor">
+            <a:schemeClr val="tx1"/>
+          </a:fontRef>
+        </p:style>
+      </p:cxnSp>
+      <p:sp>
+        <p:nvSpPr>
+          <p:cNvPr id="17" name="吹き出し: 円形 16">
+            <a:extLst>
+              <a:ext uri="{FF2B5EF4-FFF2-40B4-BE49-F238E27FC236}">
+                <a16:creationId xmlns:a16="http://schemas.microsoft.com/office/drawing/2014/main" id="{A36D4C91-E8D7-4C0C-9CE1-229342495F3F}"/>
+              </a:ext>
+            </a:extLst>
+          </p:cNvPr>
+          <p:cNvSpPr/>
+          <p:nvPr/>
+        </p:nvSpPr>
+        <p:spPr>
+          <a:xfrm>
+            <a:off x="8523647" y="4101618"/>
+            <a:ext cx="2459859" cy="1179095"/>
+          </a:xfrm>
+          <a:prstGeom prst="wedgeEllipseCallout">
+            <a:avLst>
+              <a:gd name="adj1" fmla="val -78783"/>
+              <a:gd name="adj2" fmla="val 25582"/>
+            </a:avLst>
+          </a:prstGeom>
+          <a:solidFill>
+            <a:schemeClr val="bg1"/>
+          </a:solidFill>
+        </p:spPr>
+        <p:style>
+          <a:lnRef idx="2">
+            <a:schemeClr val="accent1">
+              <a:shade val="50000"/>
+            </a:schemeClr>
+          </a:lnRef>
+          <a:fillRef idx="1">
+            <a:schemeClr val="accent1"/>
+          </a:fillRef>
+          <a:effectRef idx="0">
+            <a:schemeClr val="accent1"/>
+          </a:effectRef>
+          <a:fontRef idx="minor">
+            <a:schemeClr val="lt1"/>
+          </a:fontRef>
+        </p:style>
+        <p:txBody>
+          <a:bodyPr rtlCol="0" anchor="ctr"/>
+          <a:lstStyle/>
+          <a:p>
+            <a:pPr algn="ctr"/>
+            <a:r>
+              <a:rPr kumimoji="1" lang="en-US" altLang="ja-JP" b="1" dirty="0">
+                <a:solidFill>
+                  <a:schemeClr val="accent6">
+                    <a:lumMod val="50000"/>
+                  </a:schemeClr>
+                </a:solidFill>
+              </a:rPr>
+              <a:t>fastText</a:t>
+            </a:r>
+            <a:endParaRPr kumimoji="1" lang="ja-JP" altLang="en-US" b="1" dirty="0">
+              <a:solidFill>
+                <a:schemeClr val="accent6">
+                  <a:lumMod val="50000"/>
+                </a:schemeClr>
+              </a:solidFill>
+            </a:endParaRPr>
+          </a:p>
+        </p:txBody>
+      </p:sp>
+      <p:sp>
+        <p:nvSpPr>
+          <p:cNvPr id="18" name="吹き出し: 円形 17">
+            <a:extLst>
+              <a:ext uri="{FF2B5EF4-FFF2-40B4-BE49-F238E27FC236}">
+                <a16:creationId xmlns:a16="http://schemas.microsoft.com/office/drawing/2014/main" id="{F2A506E8-AC30-4356-81C3-BFBBB9953680}"/>
+              </a:ext>
+            </a:extLst>
+          </p:cNvPr>
+          <p:cNvSpPr/>
+          <p:nvPr/>
+        </p:nvSpPr>
+        <p:spPr>
+          <a:xfrm>
+            <a:off x="8563841" y="5286753"/>
+            <a:ext cx="2552276" cy="1219624"/>
+          </a:xfrm>
+          <a:prstGeom prst="wedgeEllipseCallout">
+            <a:avLst>
+              <a:gd name="adj1" fmla="val -78009"/>
+              <a:gd name="adj2" fmla="val 6002"/>
+            </a:avLst>
+          </a:prstGeom>
+          <a:solidFill>
+            <a:schemeClr val="bg1"/>
+          </a:solidFill>
+        </p:spPr>
+        <p:style>
+          <a:lnRef idx="2">
+            <a:schemeClr val="accent1">
+              <a:shade val="50000"/>
+            </a:schemeClr>
+          </a:lnRef>
+          <a:fillRef idx="1">
+            <a:schemeClr val="accent1"/>
+          </a:fillRef>
+          <a:effectRef idx="0">
+            <a:schemeClr val="accent1"/>
+          </a:effectRef>
+          <a:fontRef idx="minor">
+            <a:schemeClr val="lt1"/>
+          </a:fontRef>
+        </p:style>
+        <p:txBody>
+          <a:bodyPr rtlCol="0" anchor="ctr"/>
+          <a:lstStyle/>
+          <a:p>
+            <a:pPr algn="ctr"/>
+            <a:r>
+              <a:rPr lang="ja-JP" altLang="en-US" b="1" dirty="0">
+                <a:solidFill>
+                  <a:schemeClr val="accent6">
+                    <a:lumMod val="50000"/>
+                  </a:schemeClr>
+                </a:solidFill>
+              </a:rPr>
+              <a:t>スクレイピング</a:t>
+            </a:r>
+            <a:endParaRPr lang="en-US" altLang="ja-JP" b="1" dirty="0">
+              <a:solidFill>
+                <a:schemeClr val="accent6">
+                  <a:lumMod val="50000"/>
+                </a:schemeClr>
+              </a:solidFill>
+            </a:endParaRPr>
+          </a:p>
+          <a:p>
+            <a:pPr algn="ctr"/>
+            <a:r>
+              <a:rPr kumimoji="1" lang="en-US" altLang="ja-JP" b="1" dirty="0">
+                <a:solidFill>
+                  <a:schemeClr val="accent6">
+                    <a:lumMod val="50000"/>
+                  </a:schemeClr>
+                </a:solidFill>
+              </a:rPr>
+              <a:t>OpenJTalk</a:t>
+            </a:r>
+            <a:endParaRPr kumimoji="1" lang="ja-JP" altLang="en-US" b="1" dirty="0">
+              <a:solidFill>
+                <a:schemeClr val="accent6">
+                  <a:lumMod val="50000"/>
+                </a:schemeClr>
+              </a:solidFill>
+            </a:endParaRPr>
+          </a:p>
+        </p:txBody>
+      </p:sp>
+      <p:cxnSp>
+        <p:nvCxnSpPr>
+          <p:cNvPr id="19" name="コネクタ: 曲線 18">
+            <a:extLst>
+              <a:ext uri="{FF2B5EF4-FFF2-40B4-BE49-F238E27FC236}">
+                <a16:creationId xmlns:a16="http://schemas.microsoft.com/office/drawing/2014/main" id="{09DDA7DB-CE31-4D86-82D2-D004E5343B9D}"/>
+              </a:ext>
+            </a:extLst>
+          </p:cNvPr>
+          <p:cNvCxnSpPr>
+            <a:cxnSpLocks/>
+            <a:stCxn id="12" idx="1"/>
+            <a:endCxn id="9" idx="1"/>
+          </p:cNvCxnSpPr>
+          <p:nvPr/>
+        </p:nvCxnSpPr>
+        <p:spPr>
+          <a:xfrm rot="10800000">
+            <a:off x="3750915" y="3036807"/>
+            <a:ext cx="6017" cy="2880464"/>
+          </a:xfrm>
+          <a:prstGeom prst="curvedConnector3">
+            <a:avLst>
+              <a:gd name="adj1" fmla="val 26774639"/>
+            </a:avLst>
+          </a:prstGeom>
+          <a:ln w="76200">
+            <a:solidFill>
+              <a:schemeClr val="accent6">
+                <a:lumMod val="50000"/>
+              </a:schemeClr>
+            </a:solidFill>
+            <a:tailEnd type="triangle"/>
+          </a:ln>
+        </p:spPr>
+        <p:style>
+          <a:lnRef idx="1">
+            <a:schemeClr val="accent1"/>
+          </a:lnRef>
+          <a:fillRef idx="0">
+            <a:schemeClr val="accent1"/>
+          </a:fillRef>
+          <a:effectRef idx="0">
+            <a:schemeClr val="accent1"/>
+          </a:effectRef>
+          <a:fontRef idx="minor">
+            <a:schemeClr val="tx1"/>
+          </a:fontRef>
+        </p:style>
+      </p:cxnSp>
+      <p:sp>
+        <p:nvSpPr>
+          <p:cNvPr id="46" name="正方形/長方形 45">
+            <a:extLst>
+              <a:ext uri="{FF2B5EF4-FFF2-40B4-BE49-F238E27FC236}">
+                <a16:creationId xmlns:a16="http://schemas.microsoft.com/office/drawing/2014/main" id="{B6E3FC31-DF1A-4F3A-B76E-53B3EEFCA795}"/>
+              </a:ext>
+            </a:extLst>
+          </p:cNvPr>
+          <p:cNvSpPr/>
+          <p:nvPr/>
+        </p:nvSpPr>
+        <p:spPr>
+          <a:xfrm>
+            <a:off x="3750914" y="832285"/>
+            <a:ext cx="4331368" cy="628442"/>
+          </a:xfrm>
+          <a:prstGeom prst="rect">
+            <a:avLst/>
+          </a:prstGeom>
+          <a:solidFill>
+            <a:schemeClr val="bg1"/>
+          </a:solidFill>
+        </p:spPr>
+        <p:style>
+          <a:lnRef idx="2">
+            <a:schemeClr val="accent1">
+              <a:shade val="50000"/>
+            </a:schemeClr>
+          </a:lnRef>
+          <a:fillRef idx="1">
+            <a:schemeClr val="accent1"/>
+          </a:fillRef>
+          <a:effectRef idx="0">
+            <a:schemeClr val="accent1"/>
+          </a:effectRef>
+          <a:fontRef idx="minor">
+            <a:schemeClr val="lt1"/>
+          </a:fontRef>
+        </p:style>
+        <p:txBody>
+          <a:bodyPr rtlCol="0" anchor="ctr"/>
+          <a:lstStyle/>
+          <a:p>
+            <a:pPr algn="ctr"/>
+            <a:r>
+              <a:rPr kumimoji="1" lang="en-US" altLang="ja-JP" b="1" dirty="0">
+                <a:solidFill>
+                  <a:schemeClr val="accent6">
+                    <a:lumMod val="50000"/>
+                  </a:schemeClr>
+                </a:solidFill>
+              </a:rPr>
+              <a:t>Julius</a:t>
+            </a:r>
+            <a:r>
+              <a:rPr kumimoji="1" lang="ja-JP" altLang="en-US" b="1" dirty="0">
+                <a:solidFill>
+                  <a:schemeClr val="accent6">
+                    <a:lumMod val="50000"/>
+                  </a:schemeClr>
+                </a:solidFill>
+              </a:rPr>
+              <a:t>サーバを起動</a:t>
+            </a:r>
+            <a:endParaRPr kumimoji="1" lang="en-US" altLang="ja-JP" b="1" dirty="0">
+              <a:solidFill>
+                <a:schemeClr val="accent6">
+                  <a:lumMod val="50000"/>
+                </a:schemeClr>
+              </a:solidFill>
+            </a:endParaRPr>
+          </a:p>
+        </p:txBody>
+      </p:sp>
+      <p:cxnSp>
+        <p:nvCxnSpPr>
+          <p:cNvPr id="47" name="直線矢印コネクタ 46">
+            <a:extLst>
+              <a:ext uri="{FF2B5EF4-FFF2-40B4-BE49-F238E27FC236}">
+                <a16:creationId xmlns:a16="http://schemas.microsoft.com/office/drawing/2014/main" id="{E57AA5EB-1FCB-41EB-9E1D-B0C993DB1EC1}"/>
+              </a:ext>
+            </a:extLst>
+          </p:cNvPr>
+          <p:cNvCxnSpPr>
+            <a:cxnSpLocks/>
+            <a:stCxn id="46" idx="2"/>
+            <a:endCxn id="8" idx="0"/>
+          </p:cNvCxnSpPr>
+          <p:nvPr/>
+        </p:nvCxnSpPr>
+        <p:spPr>
+          <a:xfrm>
+            <a:off x="5916598" y="1460727"/>
+            <a:ext cx="0" cy="316709"/>
+          </a:xfrm>
+          <a:prstGeom prst="straightConnector1">
+            <a:avLst/>
+          </a:prstGeom>
+          <a:ln w="76200">
+            <a:solidFill>
+              <a:schemeClr val="accent6">
+                <a:lumMod val="75000"/>
+              </a:schemeClr>
+            </a:solidFill>
+            <a:tailEnd type="triangle"/>
+          </a:ln>
+        </p:spPr>
+        <p:style>
+          <a:lnRef idx="1">
+            <a:schemeClr val="accent1"/>
+          </a:lnRef>
+          <a:fillRef idx="0">
+            <a:schemeClr val="accent1"/>
+          </a:fillRef>
+          <a:effectRef idx="0">
+            <a:schemeClr val="accent1"/>
+          </a:effectRef>
+          <a:fontRef idx="minor">
+            <a:schemeClr val="tx1"/>
+          </a:fontRef>
+        </p:style>
+      </p:cxnSp>
     </p:spTree>
     <p:extLst>
       <p:ext uri="{BB962C8B-B14F-4D97-AF65-F5344CB8AC3E}">
-        <p14:creationId xmlns:p14="http://schemas.microsoft.com/office/powerpoint/2010/main" val="1363600230"/>
+        <p14:creationId xmlns:p14="http://schemas.microsoft.com/office/powerpoint/2010/main" val="1790886166"/>
       </p:ext>
     </p:extLst>
   </p:cSld>
@@ -4534,7 +10606,7 @@
           <p:cNvPr id="2" name="タイトル 1">
             <a:extLst>
               <a:ext uri="{FF2B5EF4-FFF2-40B4-BE49-F238E27FC236}">
-                <a16:creationId xmlns:a16="http://schemas.microsoft.com/office/drawing/2014/main" id="{30510270-B89B-4147-8B81-16A39D4DCD9B}"/>
+                <a16:creationId xmlns:a16="http://schemas.microsoft.com/office/drawing/2014/main" id="{0F2F0C90-EAE3-4106-A659-4B0EA572FE7A}"/>
               </a:ext>
             </a:extLst>
           </p:cNvPr>
@@ -4551,54 +10623,70 @@
           <a:lstStyle/>
           <a:p>
             <a:r>
-              <a:rPr kumimoji="1" lang="ja-JP" altLang="en-US" dirty="0"/>
-              <a:t>コードの構造</a:t>
-            </a:r>
-          </a:p>
-        </p:txBody>
-      </p:sp>
-      <p:sp>
-        <p:nvSpPr>
-          <p:cNvPr id="3" name="コンテンツ プレースホルダー 2">
-            <a:extLst>
-              <a:ext uri="{FF2B5EF4-FFF2-40B4-BE49-F238E27FC236}">
-                <a16:creationId xmlns:a16="http://schemas.microsoft.com/office/drawing/2014/main" id="{923DAC5C-3B7B-4C7D-8090-A53DE95033BD}"/>
-              </a:ext>
-            </a:extLst>
-          </p:cNvPr>
-          <p:cNvSpPr>
-            <a:spLocks noGrp="1"/>
-          </p:cNvSpPr>
+              <a:rPr lang="ja-JP" altLang="en-US" dirty="0"/>
+              <a:t>記述文法音声認識</a:t>
+            </a:r>
+            <a:endParaRPr kumimoji="1" lang="ja-JP" altLang="en-US" dirty="0"/>
+          </a:p>
+        </p:txBody>
+      </p:sp>
+      <p:pic>
+        <p:nvPicPr>
+          <p:cNvPr id="5" name="コンテンツ プレースホルダー 4">
+            <a:extLst>
+              <a:ext uri="{FF2B5EF4-FFF2-40B4-BE49-F238E27FC236}">
+                <a16:creationId xmlns:a16="http://schemas.microsoft.com/office/drawing/2014/main" id="{995FCA1C-E950-4D50-822A-FCBB8CE2391F}"/>
+              </a:ext>
+            </a:extLst>
+          </p:cNvPr>
+          <p:cNvPicPr>
+            <a:picLocks noGrp="1" noChangeAspect="1"/>
+          </p:cNvPicPr>
           <p:nvPr>
             <p:ph idx="1"/>
           </p:nvPr>
-        </p:nvSpPr>
-        <p:spPr/>
-        <p:txBody>
-          <a:bodyPr/>
-          <a:lstStyle/>
-          <a:p>
-            <a:r>
-              <a:rPr kumimoji="1" lang="ja-JP" altLang="en-US" dirty="0"/>
-              <a:t>実際のコードよりも文字起こし</a:t>
-            </a:r>
-            <a:r>
-              <a:rPr kumimoji="1" lang="en-US" altLang="ja-JP" dirty="0"/>
-              <a:t>(Julius_python.py)</a:t>
-            </a:r>
-          </a:p>
-        </p:txBody>
-      </p:sp>
+        </p:nvPicPr>
+        <p:blipFill>
+          <a:blip r:embed="rId2">
+            <a:extLst>
+              <a:ext uri="{28A0092B-C50C-407E-A947-70E740481C1C}">
+                <a14:useLocalDpi xmlns:a14="http://schemas.microsoft.com/office/drawing/2010/main" val="0"/>
+              </a:ext>
+            </a:extLst>
+          </a:blip>
+          <a:stretch>
+            <a:fillRect/>
+          </a:stretch>
+        </p:blipFill>
+        <p:spPr>
+          <a:xfrm>
+            <a:off x="838200" y="1387862"/>
+            <a:ext cx="6641359" cy="5470138"/>
+          </a:xfrm>
+        </p:spPr>
+      </p:pic>
     </p:spTree>
     <p:extLst>
       <p:ext uri="{BB962C8B-B14F-4D97-AF65-F5344CB8AC3E}">
-        <p14:creationId xmlns:p14="http://schemas.microsoft.com/office/powerpoint/2010/main" val="1790886166"/>
+        <p14:creationId xmlns:p14="http://schemas.microsoft.com/office/powerpoint/2010/main" val="1264961473"/>
       </p:ext>
     </p:extLst>
   </p:cSld>
   <p:clrMapOvr>
     <a:masterClrMapping/>
   </p:clrMapOvr>
+  <mc:AlternateContent xmlns:mc="http://schemas.openxmlformats.org/markup-compatibility/2006">
+    <mc:Choice xmlns:p15="http://schemas.microsoft.com/office/powerpoint/2012/main" Requires="p15">
+      <p:transition xmlns:p14="http://schemas.microsoft.com/office/powerpoint/2010/main" spd="slow" p14:dur="2000">
+        <p15:prstTrans prst="drape"/>
+      </p:transition>
+    </mc:Choice>
+    <mc:Fallback>
+      <p:transition spd="slow">
+        <p:fade/>
+      </p:transition>
+    </mc:Fallback>
+  </mc:AlternateContent>
 </p:sld>
 </file>
 
@@ -4624,7 +10712,7 @@
           <p:cNvPr id="2" name="タイトル 1">
             <a:extLst>
               <a:ext uri="{FF2B5EF4-FFF2-40B4-BE49-F238E27FC236}">
-                <a16:creationId xmlns:a16="http://schemas.microsoft.com/office/drawing/2014/main" id="{3A7F6F9E-22D9-47AB-A20A-A9E64E651D41}"/>
+                <a16:creationId xmlns:a16="http://schemas.microsoft.com/office/drawing/2014/main" id="{0F2F0C90-EAE3-4106-A659-4B0EA572FE7A}"/>
               </a:ext>
             </a:extLst>
           </p:cNvPr>
@@ -4641,19 +10729,55 @@
           <a:lstStyle/>
           <a:p>
             <a:r>
-              <a:rPr kumimoji="1" lang="en-US" altLang="ja-JP" dirty="0" err="1"/>
-              <a:t>fastText</a:t>
+              <a:rPr lang="ja-JP" altLang="en-US" dirty="0"/>
+              <a:t>記述文法音声認識</a:t>
             </a:r>
             <a:endParaRPr kumimoji="1" lang="ja-JP" altLang="en-US" dirty="0"/>
           </a:p>
         </p:txBody>
       </p:sp>
-      <p:sp>
-        <p:nvSpPr>
-          <p:cNvPr id="3" name="コンテンツ プレースホルダー 2">
-            <a:extLst>
-              <a:ext uri="{FF2B5EF4-FFF2-40B4-BE49-F238E27FC236}">
-                <a16:creationId xmlns:a16="http://schemas.microsoft.com/office/drawing/2014/main" id="{50251811-DA7F-4081-A25F-665F30BAD02A}"/>
+      <p:pic>
+        <p:nvPicPr>
+          <p:cNvPr id="4" name="図 3">
+            <a:extLst>
+              <a:ext uri="{FF2B5EF4-FFF2-40B4-BE49-F238E27FC236}">
+                <a16:creationId xmlns:a16="http://schemas.microsoft.com/office/drawing/2014/main" id="{CE16CF38-D51B-44EF-8962-0CC2F8139639}"/>
+              </a:ext>
+            </a:extLst>
+          </p:cNvPr>
+          <p:cNvPicPr>
+            <a:picLocks noChangeAspect="1"/>
+          </p:cNvPicPr>
+          <p:nvPr/>
+        </p:nvPicPr>
+        <p:blipFill>
+          <a:blip r:embed="rId2">
+            <a:extLst>
+              <a:ext uri="{28A0092B-C50C-407E-A947-70E740481C1C}">
+                <a14:useLocalDpi xmlns:a14="http://schemas.microsoft.com/office/drawing/2010/main" val="0"/>
+              </a:ext>
+            </a:extLst>
+          </a:blip>
+          <a:stretch>
+            <a:fillRect/>
+          </a:stretch>
+        </p:blipFill>
+        <p:spPr>
+          <a:xfrm>
+            <a:off x="3284019" y="4343399"/>
+            <a:ext cx="2455729" cy="1749287"/>
+          </a:xfrm>
+          <a:prstGeom prst="rect">
+            <a:avLst/>
+          </a:prstGeom>
+        </p:spPr>
+      </p:pic>
+      <p:sp>
+        <p:nvSpPr>
+          <p:cNvPr id="7" name="コンテンツ プレースホルダー 6">
+            <a:extLst>
+              <a:ext uri="{FF2B5EF4-FFF2-40B4-BE49-F238E27FC236}">
+                <a16:creationId xmlns:a16="http://schemas.microsoft.com/office/drawing/2014/main" id="{EC00E20A-81FA-4F2B-A621-B60B9A8D151A}"/>
               </a:ext>
             </a:extLst>
           </p:cNvPr>
@@ -4669,20 +10793,32 @@
           <a:bodyPr/>
           <a:lstStyle/>
           <a:p>
-            <a:endParaRPr kumimoji="1" lang="ja-JP" altLang="en-US"/>
+            <a:endParaRPr lang="ja-JP" altLang="en-US"/>
           </a:p>
         </p:txBody>
       </p:sp>
     </p:spTree>
     <p:extLst>
       <p:ext uri="{BB962C8B-B14F-4D97-AF65-F5344CB8AC3E}">
-        <p14:creationId xmlns:p14="http://schemas.microsoft.com/office/powerpoint/2010/main" val="3361120921"/>
+        <p14:creationId xmlns:p14="http://schemas.microsoft.com/office/powerpoint/2010/main" val="223759514"/>
       </p:ext>
     </p:extLst>
   </p:cSld>
   <p:clrMapOvr>
     <a:masterClrMapping/>
   </p:clrMapOvr>
+  <mc:AlternateContent xmlns:mc="http://schemas.openxmlformats.org/markup-compatibility/2006">
+    <mc:Choice xmlns:p14="http://schemas.microsoft.com/office/powerpoint/2010/main" Requires="p14">
+      <p:transition spd="med" p14:dur="700">
+        <p:fade/>
+      </p:transition>
+    </mc:Choice>
+    <mc:Fallback>
+      <p:transition spd="med">
+        <p:fade/>
+      </p:transition>
+    </mc:Fallback>
+  </mc:AlternateContent>
 </p:sld>
 </file>
 
@@ -4708,7 +10844,7 @@
           <p:cNvPr id="2" name="タイトル 1">
             <a:extLst>
               <a:ext uri="{FF2B5EF4-FFF2-40B4-BE49-F238E27FC236}">
-                <a16:creationId xmlns:a16="http://schemas.microsoft.com/office/drawing/2014/main" id="{1D495C39-98D1-4F21-A6A4-AFD55E572524}"/>
+                <a16:creationId xmlns:a16="http://schemas.microsoft.com/office/drawing/2014/main" id="{A83EBD25-4870-412B-8882-1C97B13A9979}"/>
               </a:ext>
             </a:extLst>
           </p:cNvPr>
@@ -4726,49 +10862,475 @@
           <a:p>
             <a:r>
               <a:rPr kumimoji="1" lang="ja-JP" altLang="en-US" dirty="0"/>
-              <a:t>工夫した点</a:t>
-            </a:r>
-          </a:p>
-        </p:txBody>
-      </p:sp>
-      <p:sp>
-        <p:nvSpPr>
-          <p:cNvPr id="3" name="コンテンツ プレースホルダー 2">
-            <a:extLst>
-              <a:ext uri="{FF2B5EF4-FFF2-40B4-BE49-F238E27FC236}">
-                <a16:creationId xmlns:a16="http://schemas.microsoft.com/office/drawing/2014/main" id="{B0A1939D-E094-47E7-8D44-F415E8416185}"/>
-              </a:ext>
-            </a:extLst>
-          </p:cNvPr>
-          <p:cNvSpPr>
-            <a:spLocks noGrp="1"/>
-          </p:cNvSpPr>
-          <p:nvPr>
-            <p:ph idx="1"/>
-          </p:nvPr>
-        </p:nvSpPr>
-        <p:spPr/>
-        <p:txBody>
-          <a:bodyPr/>
-          <a:lstStyle/>
-          <a:p>
-            <a:r>
-              <a:rPr kumimoji="1" lang="ja-JP" altLang="en-US" dirty="0"/>
-              <a:t>トレーニングデータの作り方</a:t>
-            </a:r>
+              <a:t>記述文法音声認識</a:t>
+            </a:r>
+          </a:p>
+        </p:txBody>
+      </p:sp>
+      <p:pic>
+        <p:nvPicPr>
+          <p:cNvPr id="7" name="図 6">
+            <a:extLst>
+              <a:ext uri="{FF2B5EF4-FFF2-40B4-BE49-F238E27FC236}">
+                <a16:creationId xmlns:a16="http://schemas.microsoft.com/office/drawing/2014/main" id="{BFD30D13-5D96-40F4-AC6C-D7785F746DAB}"/>
+              </a:ext>
+            </a:extLst>
+          </p:cNvPr>
+          <p:cNvPicPr>
+            <a:picLocks noChangeAspect="1"/>
+          </p:cNvPicPr>
+          <p:nvPr/>
+        </p:nvPicPr>
+        <p:blipFill>
+          <a:blip r:embed="rId2">
+            <a:extLst>
+              <a:ext uri="{28A0092B-C50C-407E-A947-70E740481C1C}">
+                <a14:useLocalDpi xmlns:a14="http://schemas.microsoft.com/office/drawing/2010/main" val="0"/>
+              </a:ext>
+            </a:extLst>
+          </a:blip>
+          <a:stretch>
+            <a:fillRect/>
+          </a:stretch>
+        </p:blipFill>
+        <p:spPr>
+          <a:xfrm>
+            <a:off x="838200" y="1690688"/>
+            <a:ext cx="5283860" cy="3763846"/>
+          </a:xfrm>
+          <a:prstGeom prst="rect">
+            <a:avLst/>
+          </a:prstGeom>
+        </p:spPr>
+      </p:pic>
+      <p:sp>
+        <p:nvSpPr>
+          <p:cNvPr id="8" name="正方形/長方形 7">
+            <a:extLst>
+              <a:ext uri="{FF2B5EF4-FFF2-40B4-BE49-F238E27FC236}">
+                <a16:creationId xmlns:a16="http://schemas.microsoft.com/office/drawing/2014/main" id="{487DCCEA-9525-4067-A7CA-F68491BCF5C0}"/>
+              </a:ext>
+            </a:extLst>
+          </p:cNvPr>
+          <p:cNvSpPr/>
+          <p:nvPr/>
+        </p:nvSpPr>
+        <p:spPr>
+          <a:xfrm>
+            <a:off x="838200" y="1690688"/>
+            <a:ext cx="1452613" cy="301741"/>
+          </a:xfrm>
+          <a:prstGeom prst="rect">
+            <a:avLst/>
+          </a:prstGeom>
+          <a:noFill/>
+          <a:ln w="57150">
+            <a:solidFill>
+              <a:srgbClr val="FF0000"/>
+            </a:solidFill>
+          </a:ln>
+        </p:spPr>
+        <p:style>
+          <a:lnRef idx="2">
+            <a:schemeClr val="accent1">
+              <a:shade val="50000"/>
+            </a:schemeClr>
+          </a:lnRef>
+          <a:fillRef idx="1">
+            <a:schemeClr val="accent1"/>
+          </a:fillRef>
+          <a:effectRef idx="0">
+            <a:schemeClr val="accent1"/>
+          </a:effectRef>
+          <a:fontRef idx="minor">
+            <a:schemeClr val="lt1"/>
+          </a:fontRef>
+        </p:style>
+        <p:txBody>
+          <a:bodyPr rtlCol="0" anchor="ctr"/>
+          <a:lstStyle/>
+          <a:p>
+            <a:pPr algn="ctr"/>
+            <a:endParaRPr kumimoji="1" lang="ja-JP" altLang="en-US"/>
+          </a:p>
+        </p:txBody>
+      </p:sp>
+      <p:sp>
+        <p:nvSpPr>
+          <p:cNvPr id="10" name="正方形/長方形 9">
+            <a:extLst>
+              <a:ext uri="{FF2B5EF4-FFF2-40B4-BE49-F238E27FC236}">
+                <a16:creationId xmlns:a16="http://schemas.microsoft.com/office/drawing/2014/main" id="{D59B1629-00A3-4452-87AB-93EC7DED32E4}"/>
+              </a:ext>
+            </a:extLst>
+          </p:cNvPr>
+          <p:cNvSpPr/>
+          <p:nvPr/>
+        </p:nvSpPr>
+        <p:spPr>
+          <a:xfrm>
+            <a:off x="1405288" y="1905802"/>
+            <a:ext cx="1193533" cy="3548732"/>
+          </a:xfrm>
+          <a:prstGeom prst="rect">
+            <a:avLst/>
+          </a:prstGeom>
+          <a:noFill/>
+          <a:ln w="57150">
+            <a:solidFill>
+              <a:srgbClr val="FF0000"/>
+            </a:solidFill>
+          </a:ln>
+        </p:spPr>
+        <p:style>
+          <a:lnRef idx="2">
+            <a:schemeClr val="accent1">
+              <a:shade val="50000"/>
+            </a:schemeClr>
+          </a:lnRef>
+          <a:fillRef idx="1">
+            <a:schemeClr val="accent1"/>
+          </a:fillRef>
+          <a:effectRef idx="0">
+            <a:schemeClr val="accent1"/>
+          </a:effectRef>
+          <a:fontRef idx="minor">
+            <a:schemeClr val="lt1"/>
+          </a:fontRef>
+        </p:style>
+        <p:txBody>
+          <a:bodyPr rtlCol="0" anchor="ctr"/>
+          <a:lstStyle/>
+          <a:p>
+            <a:pPr algn="ctr"/>
+            <a:endParaRPr kumimoji="1" lang="ja-JP" altLang="en-US"/>
+          </a:p>
+        </p:txBody>
+      </p:sp>
+      <p:sp>
+        <p:nvSpPr>
+          <p:cNvPr id="11" name="正方形/長方形 10">
+            <a:extLst>
+              <a:ext uri="{FF2B5EF4-FFF2-40B4-BE49-F238E27FC236}">
+                <a16:creationId xmlns:a16="http://schemas.microsoft.com/office/drawing/2014/main" id="{901A2FD8-4257-47FE-B305-71FCF4ED4D01}"/>
+              </a:ext>
+            </a:extLst>
+          </p:cNvPr>
+          <p:cNvSpPr/>
+          <p:nvPr/>
+        </p:nvSpPr>
+        <p:spPr>
+          <a:xfrm>
+            <a:off x="2290813" y="1903564"/>
+            <a:ext cx="3724976" cy="3550970"/>
+          </a:xfrm>
+          <a:prstGeom prst="rect">
+            <a:avLst/>
+          </a:prstGeom>
+          <a:noFill/>
+          <a:ln w="57150">
+            <a:solidFill>
+              <a:srgbClr val="FF0000"/>
+            </a:solidFill>
+          </a:ln>
+        </p:spPr>
+        <p:style>
+          <a:lnRef idx="2">
+            <a:schemeClr val="accent1">
+              <a:shade val="50000"/>
+            </a:schemeClr>
+          </a:lnRef>
+          <a:fillRef idx="1">
+            <a:schemeClr val="accent1"/>
+          </a:fillRef>
+          <a:effectRef idx="0">
+            <a:schemeClr val="accent1"/>
+          </a:effectRef>
+          <a:fontRef idx="minor">
+            <a:schemeClr val="lt1"/>
+          </a:fontRef>
+        </p:style>
+        <p:txBody>
+          <a:bodyPr rtlCol="0" anchor="ctr"/>
+          <a:lstStyle/>
+          <a:p>
+            <a:pPr algn="ctr"/>
+            <a:endParaRPr kumimoji="1" lang="ja-JP" altLang="en-US"/>
           </a:p>
         </p:txBody>
       </p:sp>
     </p:spTree>
     <p:extLst>
       <p:ext uri="{BB962C8B-B14F-4D97-AF65-F5344CB8AC3E}">
-        <p14:creationId xmlns:p14="http://schemas.microsoft.com/office/powerpoint/2010/main" val="485649647"/>
+        <p14:creationId xmlns:p14="http://schemas.microsoft.com/office/powerpoint/2010/main" val="397301932"/>
       </p:ext>
     </p:extLst>
   </p:cSld>
   <p:clrMapOvr>
     <a:masterClrMapping/>
   </p:clrMapOvr>
+  <mc:AlternateContent xmlns:mc="http://schemas.openxmlformats.org/markup-compatibility/2006">
+    <mc:Choice xmlns:p14="http://schemas.microsoft.com/office/powerpoint/2010/main" Requires="p14">
+      <p:transition spd="med" p14:dur="700">
+        <p:fade/>
+      </p:transition>
+    </mc:Choice>
+    <mc:Fallback>
+      <p:transition spd="med">
+        <p:fade/>
+      </p:transition>
+    </mc:Fallback>
+  </mc:AlternateContent>
+  <p:timing>
+    <p:tnLst>
+      <p:par>
+        <p:cTn id="1" dur="indefinite" restart="never" nodeType="tmRoot">
+          <p:childTnLst>
+            <p:seq concurrent="1" nextAc="seek">
+              <p:cTn id="2" dur="indefinite" nodeType="mainSeq">
+                <p:childTnLst>
+                  <p:par>
+                    <p:cTn id="3" fill="hold">
+                      <p:stCondLst>
+                        <p:cond delay="indefinite"/>
+                      </p:stCondLst>
+                      <p:childTnLst>
+                        <p:par>
+                          <p:cTn id="4" fill="hold">
+                            <p:stCondLst>
+                              <p:cond delay="0"/>
+                            </p:stCondLst>
+                            <p:childTnLst>
+                              <p:par>
+                                <p:cTn id="5" presetID="21" presetClass="entr" presetSubtype="1" fill="hold" grpId="0" nodeType="clickEffect">
+                                  <p:stCondLst>
+                                    <p:cond delay="0"/>
+                                  </p:stCondLst>
+                                  <p:childTnLst>
+                                    <p:set>
+                                      <p:cBhvr>
+                                        <p:cTn id="6" dur="1" fill="hold">
+                                          <p:stCondLst>
+                                            <p:cond delay="0"/>
+                                          </p:stCondLst>
+                                        </p:cTn>
+                                        <p:tgtEl>
+                                          <p:spTgt spid="8"/>
+                                        </p:tgtEl>
+                                        <p:attrNameLst>
+                                          <p:attrName>style.visibility</p:attrName>
+                                        </p:attrNameLst>
+                                      </p:cBhvr>
+                                      <p:to>
+                                        <p:strVal val="visible"/>
+                                      </p:to>
+                                    </p:set>
+                                    <p:animEffect transition="in" filter="wheel(1)">
+                                      <p:cBhvr>
+                                        <p:cTn id="7" dur="1000"/>
+                                        <p:tgtEl>
+                                          <p:spTgt spid="8"/>
+                                        </p:tgtEl>
+                                      </p:cBhvr>
+                                    </p:animEffect>
+                                  </p:childTnLst>
+                                </p:cTn>
+                              </p:par>
+                            </p:childTnLst>
+                          </p:cTn>
+                        </p:par>
+                      </p:childTnLst>
+                    </p:cTn>
+                  </p:par>
+                  <p:par>
+                    <p:cTn id="8" fill="hold">
+                      <p:stCondLst>
+                        <p:cond delay="indefinite"/>
+                      </p:stCondLst>
+                      <p:childTnLst>
+                        <p:par>
+                          <p:cTn id="9" fill="hold">
+                            <p:stCondLst>
+                              <p:cond delay="0"/>
+                            </p:stCondLst>
+                            <p:childTnLst>
+                              <p:par>
+                                <p:cTn id="10" presetID="21" presetClass="entr" presetSubtype="1" fill="hold" grpId="0" nodeType="clickEffect">
+                                  <p:stCondLst>
+                                    <p:cond delay="0"/>
+                                  </p:stCondLst>
+                                  <p:childTnLst>
+                                    <p:set>
+                                      <p:cBhvr>
+                                        <p:cTn id="11" dur="1" fill="hold">
+                                          <p:stCondLst>
+                                            <p:cond delay="0"/>
+                                          </p:stCondLst>
+                                        </p:cTn>
+                                        <p:tgtEl>
+                                          <p:spTgt spid="10"/>
+                                        </p:tgtEl>
+                                        <p:attrNameLst>
+                                          <p:attrName>style.visibility</p:attrName>
+                                        </p:attrNameLst>
+                                      </p:cBhvr>
+                                      <p:to>
+                                        <p:strVal val="visible"/>
+                                      </p:to>
+                                    </p:set>
+                                    <p:animEffect transition="in" filter="wheel(1)">
+                                      <p:cBhvr>
+                                        <p:cTn id="12" dur="1000"/>
+                                        <p:tgtEl>
+                                          <p:spTgt spid="10"/>
+                                        </p:tgtEl>
+                                      </p:cBhvr>
+                                    </p:animEffect>
+                                  </p:childTnLst>
+                                </p:cTn>
+                              </p:par>
+                              <p:par>
+                                <p:cTn id="13" presetID="1" presetClass="exit" presetSubtype="0" fill="hold" grpId="1" nodeType="withEffect">
+                                  <p:stCondLst>
+                                    <p:cond delay="0"/>
+                                  </p:stCondLst>
+                                  <p:childTnLst>
+                                    <p:set>
+                                      <p:cBhvr>
+                                        <p:cTn id="14" dur="1" fill="hold">
+                                          <p:stCondLst>
+                                            <p:cond delay="0"/>
+                                          </p:stCondLst>
+                                        </p:cTn>
+                                        <p:tgtEl>
+                                          <p:spTgt spid="8"/>
+                                        </p:tgtEl>
+                                        <p:attrNameLst>
+                                          <p:attrName>style.visibility</p:attrName>
+                                        </p:attrNameLst>
+                                      </p:cBhvr>
+                                      <p:to>
+                                        <p:strVal val="hidden"/>
+                                      </p:to>
+                                    </p:set>
+                                  </p:childTnLst>
+                                </p:cTn>
+                              </p:par>
+                            </p:childTnLst>
+                          </p:cTn>
+                        </p:par>
+                      </p:childTnLst>
+                    </p:cTn>
+                  </p:par>
+                  <p:par>
+                    <p:cTn id="15" fill="hold">
+                      <p:stCondLst>
+                        <p:cond delay="indefinite"/>
+                      </p:stCondLst>
+                      <p:childTnLst>
+                        <p:par>
+                          <p:cTn id="16" fill="hold">
+                            <p:stCondLst>
+                              <p:cond delay="0"/>
+                            </p:stCondLst>
+                            <p:childTnLst>
+                              <p:par>
+                                <p:cTn id="17" presetID="21" presetClass="entr" presetSubtype="1" fill="hold" grpId="0" nodeType="clickEffect">
+                                  <p:stCondLst>
+                                    <p:cond delay="0"/>
+                                  </p:stCondLst>
+                                  <p:childTnLst>
+                                    <p:set>
+                                      <p:cBhvr>
+                                        <p:cTn id="18" dur="1" fill="hold">
+                                          <p:stCondLst>
+                                            <p:cond delay="0"/>
+                                          </p:stCondLst>
+                                        </p:cTn>
+                                        <p:tgtEl>
+                                          <p:spTgt spid="11"/>
+                                        </p:tgtEl>
+                                        <p:attrNameLst>
+                                          <p:attrName>style.visibility</p:attrName>
+                                        </p:attrNameLst>
+                                      </p:cBhvr>
+                                      <p:to>
+                                        <p:strVal val="visible"/>
+                                      </p:to>
+                                    </p:set>
+                                    <p:animEffect transition="in" filter="wheel(1)">
+                                      <p:cBhvr>
+                                        <p:cTn id="19" dur="1000"/>
+                                        <p:tgtEl>
+                                          <p:spTgt spid="11"/>
+                                        </p:tgtEl>
+                                      </p:cBhvr>
+                                    </p:animEffect>
+                                  </p:childTnLst>
+                                </p:cTn>
+                              </p:par>
+                              <p:par>
+                                <p:cTn id="20" presetID="1" presetClass="exit" presetSubtype="0" fill="hold" grpId="1" nodeType="withEffect">
+                                  <p:stCondLst>
+                                    <p:cond delay="0"/>
+                                  </p:stCondLst>
+                                  <p:childTnLst>
+                                    <p:set>
+                                      <p:cBhvr>
+                                        <p:cTn id="21" dur="1" fill="hold">
+                                          <p:stCondLst>
+                                            <p:cond delay="0"/>
+                                          </p:stCondLst>
+                                        </p:cTn>
+                                        <p:tgtEl>
+                                          <p:spTgt spid="10"/>
+                                        </p:tgtEl>
+                                        <p:attrNameLst>
+                                          <p:attrName>style.visibility</p:attrName>
+                                        </p:attrNameLst>
+                                      </p:cBhvr>
+                                      <p:to>
+                                        <p:strVal val="hidden"/>
+                                      </p:to>
+                                    </p:set>
+                                  </p:childTnLst>
+                                </p:cTn>
+                              </p:par>
+                            </p:childTnLst>
+                          </p:cTn>
+                        </p:par>
+                      </p:childTnLst>
+                    </p:cTn>
+                  </p:par>
+                </p:childTnLst>
+              </p:cTn>
+              <p:prevCondLst>
+                <p:cond evt="onPrev" delay="0">
+                  <p:tgtEl>
+                    <p:sldTgt/>
+                  </p:tgtEl>
+                </p:cond>
+              </p:prevCondLst>
+              <p:nextCondLst>
+                <p:cond evt="onNext" delay="0">
+                  <p:tgtEl>
+                    <p:sldTgt/>
+                  </p:tgtEl>
+                </p:cond>
+              </p:nextCondLst>
+            </p:seq>
+          </p:childTnLst>
+        </p:cTn>
+      </p:par>
+    </p:tnLst>
+    <p:bldLst>
+      <p:bldP spid="8" grpId="0" animBg="1"/>
+      <p:bldP spid="8" grpId="1" animBg="1"/>
+      <p:bldP spid="10" grpId="0" animBg="1"/>
+      <p:bldP spid="10" grpId="1" animBg="1"/>
+      <p:bldP spid="11" grpId="0" animBg="1"/>
+    </p:bldLst>
+  </p:timing>
 </p:sld>
 </file>
 
@@ -4794,7 +11356,7 @@
           <p:cNvPr id="2" name="タイトル 1">
             <a:extLst>
               <a:ext uri="{FF2B5EF4-FFF2-40B4-BE49-F238E27FC236}">
-                <a16:creationId xmlns:a16="http://schemas.microsoft.com/office/drawing/2014/main" id="{83802C4E-2E3E-4349-846A-F90F72A28924}"/>
+                <a16:creationId xmlns:a16="http://schemas.microsoft.com/office/drawing/2014/main" id="{895BB4FE-C5C2-47D6-AF03-95022E1A8669}"/>
               </a:ext>
             </a:extLst>
           </p:cNvPr>
@@ -4810,43 +11372,49 @@
           <a:bodyPr/>
           <a:lstStyle/>
           <a:p>
-            <a:r>
-              <a:rPr kumimoji="1" lang="ja-JP" altLang="en-US" dirty="0"/>
-              <a:t>スクレイピング</a:t>
-            </a:r>
-          </a:p>
-        </p:txBody>
-      </p:sp>
-      <p:sp>
-        <p:nvSpPr>
-          <p:cNvPr id="3" name="コンテンツ プレースホルダー 2">
-            <a:extLst>
-              <a:ext uri="{FF2B5EF4-FFF2-40B4-BE49-F238E27FC236}">
-                <a16:creationId xmlns:a16="http://schemas.microsoft.com/office/drawing/2014/main" id="{080B72FD-6B27-4165-AD3C-A80BCE82D311}"/>
-              </a:ext>
-            </a:extLst>
-          </p:cNvPr>
-          <p:cNvSpPr>
-            <a:spLocks noGrp="1"/>
-          </p:cNvSpPr>
+            <a:endParaRPr kumimoji="1" lang="ja-JP" altLang="en-US"/>
+          </a:p>
+        </p:txBody>
+      </p:sp>
+      <p:pic>
+        <p:nvPicPr>
+          <p:cNvPr id="4" name="コンテンツ プレースホルダー 4">
+            <a:extLst>
+              <a:ext uri="{FF2B5EF4-FFF2-40B4-BE49-F238E27FC236}">
+                <a16:creationId xmlns:a16="http://schemas.microsoft.com/office/drawing/2014/main" id="{BE79CC01-937C-46F7-8B96-CF582E23022E}"/>
+              </a:ext>
+            </a:extLst>
+          </p:cNvPr>
+          <p:cNvPicPr>
+            <a:picLocks noGrp="1" noChangeAspect="1"/>
+          </p:cNvPicPr>
           <p:nvPr>
             <p:ph idx="1"/>
           </p:nvPr>
-        </p:nvSpPr>
-        <p:spPr/>
-        <p:txBody>
-          <a:bodyPr/>
-          <a:lstStyle/>
-          <a:p>
-            <a:pPr lvl="0"/>
-            <a:endParaRPr kumimoji="1" lang="ja-JP" altLang="en-US" dirty="0"/>
-          </a:p>
-        </p:txBody>
-      </p:sp>
+        </p:nvPicPr>
+        <p:blipFill>
+          <a:blip r:embed="rId2">
+            <a:extLst>
+              <a:ext uri="{28A0092B-C50C-407E-A947-70E740481C1C}">
+                <a14:useLocalDpi xmlns:a14="http://schemas.microsoft.com/office/drawing/2010/main" val="0"/>
+              </a:ext>
+            </a:extLst>
+          </a:blip>
+          <a:stretch>
+            <a:fillRect/>
+          </a:stretch>
+        </p:blipFill>
+        <p:spPr>
+          <a:xfrm>
+            <a:off x="369379" y="435227"/>
+            <a:ext cx="8874011" cy="6057648"/>
+          </a:xfrm>
+        </p:spPr>
+      </p:pic>
     </p:spTree>
     <p:extLst>
       <p:ext uri="{BB962C8B-B14F-4D97-AF65-F5344CB8AC3E}">
-        <p14:creationId xmlns:p14="http://schemas.microsoft.com/office/powerpoint/2010/main" val="3049315379"/>
+        <p14:creationId xmlns:p14="http://schemas.microsoft.com/office/powerpoint/2010/main" val="1777870553"/>
       </p:ext>
     </p:extLst>
   </p:cSld>
@@ -5149,4 +11717,299 @@
     </a:ext>
   </a:extLst>
 </a:theme>
+</file>
+
+<file path=ppt/theme/theme2.xml><?xml version="1.0" encoding="utf-8"?>
+<a:theme xmlns:a="http://schemas.openxmlformats.org/drawingml/2006/main" name="Office テーマ">
+  <a:themeElements>
+    <a:clrScheme name="Office">
+      <a:dk1>
+        <a:sysClr val="windowText" lastClr="000000"/>
+      </a:dk1>
+      <a:lt1>
+        <a:sysClr val="window" lastClr="FFFFFF"/>
+      </a:lt1>
+      <a:dk2>
+        <a:srgbClr val="44546A"/>
+      </a:dk2>
+      <a:lt2>
+        <a:srgbClr val="E7E6E6"/>
+      </a:lt2>
+      <a:accent1>
+        <a:srgbClr val="4472C4"/>
+      </a:accent1>
+      <a:accent2>
+        <a:srgbClr val="ED7D31"/>
+      </a:accent2>
+      <a:accent3>
+        <a:srgbClr val="A5A5A5"/>
+      </a:accent3>
+      <a:accent4>
+        <a:srgbClr val="FFC000"/>
+      </a:accent4>
+      <a:accent5>
+        <a:srgbClr val="5B9BD5"/>
+      </a:accent5>
+      <a:accent6>
+        <a:srgbClr val="70AD47"/>
+      </a:accent6>
+      <a:hlink>
+        <a:srgbClr val="0563C1"/>
+      </a:hlink>
+      <a:folHlink>
+        <a:srgbClr val="954F72"/>
+      </a:folHlink>
+    </a:clrScheme>
+    <a:fontScheme name="Office">
+      <a:majorFont>
+        <a:latin typeface="游ゴシック Light" panose="020F0302020204030204"/>
+        <a:ea typeface=""/>
+        <a:cs typeface=""/>
+        <a:font script="Jpan" typeface="游ゴシック Light"/>
+        <a:font script="Hang" typeface="맑은 고딕"/>
+        <a:font script="Hans" typeface="等线 Light"/>
+        <a:font script="Hant" typeface="新細明體"/>
+        <a:font script="Arab" typeface="Times New Roman"/>
+        <a:font script="Hebr" typeface="Times New Roman"/>
+        <a:font script="Thai" typeface="Angsana New"/>
+        <a:font script="Ethi" typeface="Nyala"/>
+        <a:font script="Beng" typeface="Vrinda"/>
+        <a:font script="Gujr" typeface="Shruti"/>
+        <a:font script="Khmr" typeface="MoolBoran"/>
+        <a:font script="Knda" typeface="Tunga"/>
+        <a:font script="Guru" typeface="Raavi"/>
+        <a:font script="Cans" typeface="Euphemia"/>
+        <a:font script="Cher" typeface="Plantagenet Cherokee"/>
+        <a:font script="Yiii" typeface="Microsoft Yi Baiti"/>
+        <a:font script="Tibt" typeface="Microsoft Himalaya"/>
+        <a:font script="Thaa" typeface="MV Boli"/>
+        <a:font script="Deva" typeface="Mangal"/>
+        <a:font script="Telu" typeface="Gautami"/>
+        <a:font script="Taml" typeface="Latha"/>
+        <a:font script="Syrc" typeface="Estrangelo Edessa"/>
+        <a:font script="Orya" typeface="Kalinga"/>
+        <a:font script="Mlym" typeface="Kartika"/>
+        <a:font script="Laoo" typeface="DokChampa"/>
+        <a:font script="Sinh" typeface="Iskoola Pota"/>
+        <a:font script="Mong" typeface="Mongolian Baiti"/>
+        <a:font script="Viet" typeface="Times New Roman"/>
+        <a:font script="Uigh" typeface="Microsoft Uighur"/>
+        <a:font script="Geor" typeface="Sylfaen"/>
+        <a:font script="Armn" typeface="Arial"/>
+        <a:font script="Bugi" typeface="Leelawadee UI"/>
+        <a:font script="Bopo" typeface="Microsoft JhengHei"/>
+        <a:font script="Java" typeface="Javanese Text"/>
+        <a:font script="Lisu" typeface="Segoe UI"/>
+        <a:font script="Mymr" typeface="Myanmar Text"/>
+        <a:font script="Nkoo" typeface="Ebrima"/>
+        <a:font script="Olck" typeface="Nirmala UI"/>
+        <a:font script="Osma" typeface="Ebrima"/>
+        <a:font script="Phag" typeface="Phagspa"/>
+        <a:font script="Syrn" typeface="Estrangelo Edessa"/>
+        <a:font script="Syrj" typeface="Estrangelo Edessa"/>
+        <a:font script="Syre" typeface="Estrangelo Edessa"/>
+        <a:font script="Sora" typeface="Nirmala UI"/>
+        <a:font script="Tale" typeface="Microsoft Tai Le"/>
+        <a:font script="Talu" typeface="Microsoft New Tai Lue"/>
+        <a:font script="Tfng" typeface="Ebrima"/>
+      </a:majorFont>
+      <a:minorFont>
+        <a:latin typeface="游ゴシック" panose="020F0502020204030204"/>
+        <a:ea typeface=""/>
+        <a:cs typeface=""/>
+        <a:font script="Jpan" typeface="游ゴシック"/>
+        <a:font script="Hang" typeface="맑은 고딕"/>
+        <a:font script="Hans" typeface="等线"/>
+        <a:font script="Hant" typeface="新細明體"/>
+        <a:font script="Arab" typeface="Arial"/>
+        <a:font script="Hebr" typeface="Arial"/>
+        <a:font script="Thai" typeface="Cordia New"/>
+        <a:font script="Ethi" typeface="Nyala"/>
+        <a:font script="Beng" typeface="Vrinda"/>
+        <a:font script="Gujr" typeface="Shruti"/>
+        <a:font script="Khmr" typeface="DaunPenh"/>
+        <a:font script="Knda" typeface="Tunga"/>
+        <a:font script="Guru" typeface="Raavi"/>
+        <a:font script="Cans" typeface="Euphemia"/>
+        <a:font script="Cher" typeface="Plantagenet Cherokee"/>
+        <a:font script="Yiii" typeface="Microsoft Yi Baiti"/>
+        <a:font script="Tibt" typeface="Microsoft Himalaya"/>
+        <a:font script="Thaa" typeface="MV Boli"/>
+        <a:font script="Deva" typeface="Mangal"/>
+        <a:font script="Telu" typeface="Gautami"/>
+        <a:font script="Taml" typeface="Latha"/>
+        <a:font script="Syrc" typeface="Estrangelo Edessa"/>
+        <a:font script="Orya" typeface="Kalinga"/>
+        <a:font script="Mlym" typeface="Kartika"/>
+        <a:font script="Laoo" typeface="DokChampa"/>
+        <a:font script="Sinh" typeface="Iskoola Pota"/>
+        <a:font script="Mong" typeface="Mongolian Baiti"/>
+        <a:font script="Viet" typeface="Arial"/>
+        <a:font script="Uigh" typeface="Microsoft Uighur"/>
+        <a:font script="Geor" typeface="Sylfaen"/>
+        <a:font script="Armn" typeface="Arial"/>
+        <a:font script="Bugi" typeface="Leelawadee UI"/>
+        <a:font script="Bopo" typeface="Microsoft JhengHei"/>
+        <a:font script="Java" typeface="Javanese Text"/>
+        <a:font script="Lisu" typeface="Segoe UI"/>
+        <a:font script="Mymr" typeface="Myanmar Text"/>
+        <a:font script="Nkoo" typeface="Ebrima"/>
+        <a:font script="Olck" typeface="Nirmala UI"/>
+        <a:font script="Osma" typeface="Ebrima"/>
+        <a:font script="Phag" typeface="Phagspa"/>
+        <a:font script="Syrn" typeface="Estrangelo Edessa"/>
+        <a:font script="Syrj" typeface="Estrangelo Edessa"/>
+        <a:font script="Syre" typeface="Estrangelo Edessa"/>
+        <a:font script="Sora" typeface="Nirmala UI"/>
+        <a:font script="Tale" typeface="Microsoft Tai Le"/>
+        <a:font script="Talu" typeface="Microsoft New Tai Lue"/>
+        <a:font script="Tfng" typeface="Ebrima"/>
+      </a:minorFont>
+    </a:fontScheme>
+    <a:fmtScheme name="Office">
+      <a:fillStyleLst>
+        <a:solidFill>
+          <a:schemeClr val="phClr"/>
+        </a:solidFill>
+        <a:gradFill rotWithShape="1">
+          <a:gsLst>
+            <a:gs pos="0">
+              <a:schemeClr val="phClr">
+                <a:lumMod val="110000"/>
+                <a:satMod val="105000"/>
+                <a:tint val="67000"/>
+              </a:schemeClr>
+            </a:gs>
+            <a:gs pos="50000">
+              <a:schemeClr val="phClr">
+                <a:lumMod val="105000"/>
+                <a:satMod val="103000"/>
+                <a:tint val="73000"/>
+              </a:schemeClr>
+            </a:gs>
+            <a:gs pos="100000">
+              <a:schemeClr val="phClr">
+                <a:lumMod val="105000"/>
+                <a:satMod val="109000"/>
+                <a:tint val="81000"/>
+              </a:schemeClr>
+            </a:gs>
+          </a:gsLst>
+          <a:lin ang="5400000" scaled="0"/>
+        </a:gradFill>
+        <a:gradFill rotWithShape="1">
+          <a:gsLst>
+            <a:gs pos="0">
+              <a:schemeClr val="phClr">
+                <a:satMod val="103000"/>
+                <a:lumMod val="102000"/>
+                <a:tint val="94000"/>
+              </a:schemeClr>
+            </a:gs>
+            <a:gs pos="50000">
+              <a:schemeClr val="phClr">
+                <a:satMod val="110000"/>
+                <a:lumMod val="100000"/>
+                <a:shade val="100000"/>
+              </a:schemeClr>
+            </a:gs>
+            <a:gs pos="100000">
+              <a:schemeClr val="phClr">
+                <a:lumMod val="99000"/>
+                <a:satMod val="120000"/>
+                <a:shade val="78000"/>
+              </a:schemeClr>
+            </a:gs>
+          </a:gsLst>
+          <a:lin ang="5400000" scaled="0"/>
+        </a:gradFill>
+      </a:fillStyleLst>
+      <a:lnStyleLst>
+        <a:ln w="6350" cap="flat" cmpd="sng" algn="ctr">
+          <a:solidFill>
+            <a:schemeClr val="phClr"/>
+          </a:solidFill>
+          <a:prstDash val="solid"/>
+          <a:miter lim="800000"/>
+        </a:ln>
+        <a:ln w="12700" cap="flat" cmpd="sng" algn="ctr">
+          <a:solidFill>
+            <a:schemeClr val="phClr"/>
+          </a:solidFill>
+          <a:prstDash val="solid"/>
+          <a:miter lim="800000"/>
+        </a:ln>
+        <a:ln w="19050" cap="flat" cmpd="sng" algn="ctr">
+          <a:solidFill>
+            <a:schemeClr val="phClr"/>
+          </a:solidFill>
+          <a:prstDash val="solid"/>
+          <a:miter lim="800000"/>
+        </a:ln>
+      </a:lnStyleLst>
+      <a:effectStyleLst>
+        <a:effectStyle>
+          <a:effectLst/>
+        </a:effectStyle>
+        <a:effectStyle>
+          <a:effectLst/>
+        </a:effectStyle>
+        <a:effectStyle>
+          <a:effectLst>
+            <a:outerShdw blurRad="57150" dist="19050" dir="5400000" algn="ctr" rotWithShape="0">
+              <a:srgbClr val="000000">
+                <a:alpha val="63000"/>
+              </a:srgbClr>
+            </a:outerShdw>
+          </a:effectLst>
+        </a:effectStyle>
+      </a:effectStyleLst>
+      <a:bgFillStyleLst>
+        <a:solidFill>
+          <a:schemeClr val="phClr"/>
+        </a:solidFill>
+        <a:solidFill>
+          <a:schemeClr val="phClr">
+            <a:tint val="95000"/>
+            <a:satMod val="170000"/>
+          </a:schemeClr>
+        </a:solidFill>
+        <a:gradFill rotWithShape="1">
+          <a:gsLst>
+            <a:gs pos="0">
+              <a:schemeClr val="phClr">
+                <a:tint val="93000"/>
+                <a:satMod val="150000"/>
+                <a:shade val="98000"/>
+                <a:lumMod val="102000"/>
+              </a:schemeClr>
+            </a:gs>
+            <a:gs pos="50000">
+              <a:schemeClr val="phClr">
+                <a:tint val="98000"/>
+                <a:satMod val="130000"/>
+                <a:shade val="90000"/>
+                <a:lumMod val="103000"/>
+              </a:schemeClr>
+            </a:gs>
+            <a:gs pos="100000">
+              <a:schemeClr val="phClr">
+                <a:shade val="63000"/>
+                <a:satMod val="120000"/>
+              </a:schemeClr>
+            </a:gs>
+          </a:gsLst>
+          <a:lin ang="5400000" scaled="0"/>
+        </a:gradFill>
+      </a:bgFillStyleLst>
+    </a:fmtScheme>
+  </a:themeElements>
+  <a:objectDefaults/>
+  <a:extraClrSchemeLst/>
+  <a:extLst>
+    <a:ext uri="{05A4C25C-085E-4340-85A3-A5531E510DB2}">
+      <thm15:themeFamily xmlns:thm15="http://schemas.microsoft.com/office/thememl/2012/main" name="Office Theme" id="{62F939B6-93AF-4DB8-9C6B-D6C7DFDC589F}" vid="{4A3C46E8-61CC-4603-A589-7422A47A8E4A}"/>
+    </a:ext>
+  </a:extLst>
+</a:theme>
 </file>
--- a/presentation/第二回プレゼン_アウトライン.pptx
+++ b/presentation/第二回プレゼン_アウトライン.pptx
@@ -13,8 +13,8 @@
     <p:sldId id="274" r:id="rId4"/>
     <p:sldId id="261" r:id="rId5"/>
     <p:sldId id="268" r:id="rId6"/>
-    <p:sldId id="283" r:id="rId7"/>
-    <p:sldId id="284" r:id="rId8"/>
+    <p:sldId id="284" r:id="rId7"/>
+    <p:sldId id="285" r:id="rId8"/>
     <p:sldId id="281" r:id="rId9"/>
     <p:sldId id="282" r:id="rId10"/>
     <p:sldId id="277" r:id="rId11"/>
@@ -216,7 +216,7 @@
           <a:p>
             <a:fld id="{D3FBB20C-20C4-49AD-85A3-C66C862503B5}" type="datetimeFigureOut">
               <a:rPr kumimoji="1" lang="ja-JP" altLang="en-US" smtClean="0"/>
-              <a:t>2021/11/26</a:t>
+              <a:t>2021/12/1</a:t>
             </a:fld>
             <a:endParaRPr kumimoji="1" lang="ja-JP" altLang="en-US"/>
           </a:p>
@@ -599,6 +599,90 @@
 </p:notes>
 </file>
 
+<file path=ppt/notesSlides/notesSlide2.xml><?xml version="1.0" encoding="utf-8"?>
+<p:notes xmlns:a="http://schemas.openxmlformats.org/drawingml/2006/main" xmlns:r="http://schemas.openxmlformats.org/officeDocument/2006/relationships" xmlns:p="http://schemas.openxmlformats.org/presentationml/2006/main">
+  <p:cSld>
+    <p:spTree>
+      <p:nvGrpSpPr>
+        <p:cNvPr id="1" name=""/>
+        <p:cNvGrpSpPr/>
+        <p:nvPr/>
+      </p:nvGrpSpPr>
+      <p:grpSpPr>
+        <a:xfrm>
+          <a:off x="0" y="0"/>
+          <a:ext cx="0" cy="0"/>
+          <a:chOff x="0" y="0"/>
+          <a:chExt cx="0" cy="0"/>
+        </a:xfrm>
+      </p:grpSpPr>
+      <p:sp>
+        <p:nvSpPr>
+          <p:cNvPr id="2" name="スライド イメージ プレースホルダー 1"/>
+          <p:cNvSpPr>
+            <a:spLocks noGrp="1" noRot="1" noChangeAspect="1"/>
+          </p:cNvSpPr>
+          <p:nvPr>
+            <p:ph type="sldImg"/>
+          </p:nvPr>
+        </p:nvSpPr>
+        <p:spPr/>
+      </p:sp>
+      <p:sp>
+        <p:nvSpPr>
+          <p:cNvPr id="3" name="ノート プレースホルダー 2"/>
+          <p:cNvSpPr>
+            <a:spLocks noGrp="1"/>
+          </p:cNvSpPr>
+          <p:nvPr>
+            <p:ph type="body" idx="1"/>
+          </p:nvPr>
+        </p:nvSpPr>
+        <p:spPr/>
+        <p:txBody>
+          <a:bodyPr/>
+          <a:lstStyle/>
+          <a:p>
+            <a:endParaRPr kumimoji="1" lang="ja-JP" altLang="en-US" dirty="0"/>
+          </a:p>
+        </p:txBody>
+      </p:sp>
+      <p:sp>
+        <p:nvSpPr>
+          <p:cNvPr id="4" name="スライド番号プレースホルダー 3"/>
+          <p:cNvSpPr>
+            <a:spLocks noGrp="1"/>
+          </p:cNvSpPr>
+          <p:nvPr>
+            <p:ph type="sldNum" sz="quarter" idx="5"/>
+          </p:nvPr>
+        </p:nvSpPr>
+        <p:spPr/>
+        <p:txBody>
+          <a:bodyPr/>
+          <a:lstStyle/>
+          <a:p>
+            <a:fld id="{1A2E7C28-4903-4521-8E60-0F80C627678B}" type="slidenum">
+              <a:rPr kumimoji="1" lang="ja-JP" altLang="en-US" smtClean="0"/>
+              <a:t>6</a:t>
+            </a:fld>
+            <a:endParaRPr kumimoji="1" lang="ja-JP" altLang="en-US"/>
+          </a:p>
+        </p:txBody>
+      </p:sp>
+    </p:spTree>
+    <p:extLst>
+      <p:ext uri="{BB962C8B-B14F-4D97-AF65-F5344CB8AC3E}">
+        <p14:creationId xmlns:p14="http://schemas.microsoft.com/office/powerpoint/2010/main" val="1894952482"/>
+      </p:ext>
+    </p:extLst>
+  </p:cSld>
+  <p:clrMapOvr>
+    <a:masterClrMapping/>
+  </p:clrMapOvr>
+</p:notes>
+</file>
+
 <file path=ppt/slideLayouts/slideLayout1.xml><?xml version="1.0" encoding="utf-8"?>
 <p:sldLayout xmlns:a="http://schemas.openxmlformats.org/drawingml/2006/main" xmlns:r="http://schemas.openxmlformats.org/officeDocument/2006/relationships" xmlns:p="http://schemas.openxmlformats.org/presentationml/2006/main" type="title" preserve="1">
   <p:cSld name="タイトル スライド">
@@ -746,7 +830,7 @@
           <a:p>
             <a:fld id="{C63D219B-6862-4E6A-9F9E-C4C4759712F9}" type="datetimeFigureOut">
               <a:rPr kumimoji="1" lang="ja-JP" altLang="en-US" smtClean="0"/>
-              <a:t>2021/11/26</a:t>
+              <a:t>2021/12/1</a:t>
             </a:fld>
             <a:endParaRPr kumimoji="1" lang="ja-JP" altLang="en-US"/>
           </a:p>
@@ -976,7 +1060,7 @@
           <a:p>
             <a:fld id="{C63D219B-6862-4E6A-9F9E-C4C4759712F9}" type="datetimeFigureOut">
               <a:rPr kumimoji="1" lang="ja-JP" altLang="en-US" smtClean="0"/>
-              <a:t>2021/11/26</a:t>
+              <a:t>2021/12/1</a:t>
             </a:fld>
             <a:endParaRPr kumimoji="1" lang="ja-JP" altLang="en-US"/>
           </a:p>
@@ -1216,7 +1300,7 @@
           <a:p>
             <a:fld id="{C63D219B-6862-4E6A-9F9E-C4C4759712F9}" type="datetimeFigureOut">
               <a:rPr kumimoji="1" lang="ja-JP" altLang="en-US" smtClean="0"/>
-              <a:t>2021/11/26</a:t>
+              <a:t>2021/12/1</a:t>
             </a:fld>
             <a:endParaRPr kumimoji="1" lang="ja-JP" altLang="en-US"/>
           </a:p>
@@ -1446,7 +1530,7 @@
           <a:p>
             <a:fld id="{C63D219B-6862-4E6A-9F9E-C4C4759712F9}" type="datetimeFigureOut">
               <a:rPr kumimoji="1" lang="ja-JP" altLang="en-US" smtClean="0"/>
-              <a:t>2021/11/26</a:t>
+              <a:t>2021/12/1</a:t>
             </a:fld>
             <a:endParaRPr kumimoji="1" lang="ja-JP" altLang="en-US"/>
           </a:p>
@@ -1721,7 +1805,7 @@
           <a:p>
             <a:fld id="{C63D219B-6862-4E6A-9F9E-C4C4759712F9}" type="datetimeFigureOut">
               <a:rPr kumimoji="1" lang="ja-JP" altLang="en-US" smtClean="0"/>
-              <a:t>2021/11/26</a:t>
+              <a:t>2021/12/1</a:t>
             </a:fld>
             <a:endParaRPr kumimoji="1" lang="ja-JP" altLang="en-US"/>
           </a:p>
@@ -2050,7 +2134,7 @@
           <a:p>
             <a:fld id="{C63D219B-6862-4E6A-9F9E-C4C4759712F9}" type="datetimeFigureOut">
               <a:rPr kumimoji="1" lang="ja-JP" altLang="en-US" smtClean="0"/>
-              <a:t>2021/11/26</a:t>
+              <a:t>2021/12/1</a:t>
             </a:fld>
             <a:endParaRPr kumimoji="1" lang="ja-JP" altLang="en-US"/>
           </a:p>
@@ -2526,7 +2610,7 @@
           <a:p>
             <a:fld id="{C63D219B-6862-4E6A-9F9E-C4C4759712F9}" type="datetimeFigureOut">
               <a:rPr kumimoji="1" lang="ja-JP" altLang="en-US" smtClean="0"/>
-              <a:t>2021/11/26</a:t>
+              <a:t>2021/12/1</a:t>
             </a:fld>
             <a:endParaRPr kumimoji="1" lang="ja-JP" altLang="en-US"/>
           </a:p>
@@ -2667,7 +2751,7 @@
           <a:p>
             <a:fld id="{C63D219B-6862-4E6A-9F9E-C4C4759712F9}" type="datetimeFigureOut">
               <a:rPr kumimoji="1" lang="ja-JP" altLang="en-US" smtClean="0"/>
-              <a:t>2021/11/26</a:t>
+              <a:t>2021/12/1</a:t>
             </a:fld>
             <a:endParaRPr kumimoji="1" lang="ja-JP" altLang="en-US"/>
           </a:p>
@@ -2780,7 +2864,7 @@
           <a:p>
             <a:fld id="{C63D219B-6862-4E6A-9F9E-C4C4759712F9}" type="datetimeFigureOut">
               <a:rPr kumimoji="1" lang="ja-JP" altLang="en-US" smtClean="0"/>
-              <a:t>2021/11/26</a:t>
+              <a:t>2021/12/1</a:t>
             </a:fld>
             <a:endParaRPr kumimoji="1" lang="ja-JP" altLang="en-US"/>
           </a:p>
@@ -3123,7 +3207,7 @@
           <a:p>
             <a:fld id="{C63D219B-6862-4E6A-9F9E-C4C4759712F9}" type="datetimeFigureOut">
               <a:rPr kumimoji="1" lang="ja-JP" altLang="en-US" smtClean="0"/>
-              <a:t>2021/11/26</a:t>
+              <a:t>2021/12/1</a:t>
             </a:fld>
             <a:endParaRPr kumimoji="1" lang="ja-JP" altLang="en-US"/>
           </a:p>
@@ -3411,7 +3495,7 @@
           <a:p>
             <a:fld id="{C63D219B-6862-4E6A-9F9E-C4C4759712F9}" type="datetimeFigureOut">
               <a:rPr kumimoji="1" lang="ja-JP" altLang="en-US" smtClean="0"/>
-              <a:t>2021/11/26</a:t>
+              <a:t>2021/12/1</a:t>
             </a:fld>
             <a:endParaRPr kumimoji="1" lang="ja-JP" altLang="en-US"/>
           </a:p>
@@ -3708,7 +3792,7 @@
           <a:p>
             <a:fld id="{C63D219B-6862-4E6A-9F9E-C4C4759712F9}" type="datetimeFigureOut">
               <a:rPr kumimoji="1" lang="ja-JP" altLang="en-US" smtClean="0"/>
-              <a:t>2021/11/26</a:t>
+              <a:t>2021/12/1</a:t>
             </a:fld>
             <a:endParaRPr kumimoji="1" lang="ja-JP" altLang="en-US"/>
           </a:p>
@@ -4208,11 +4292,18 @@
         </p:nvSpPr>
         <p:spPr/>
         <p:txBody>
-          <a:bodyPr/>
-          <a:lstStyle/>
-          <a:p>
-            <a:r>
-              <a:rPr kumimoji="1" lang="en-US" altLang="ja-JP" b="1" dirty="0">
+          <a:bodyPr>
+            <a:normAutofit/>
+          </a:bodyPr>
+          <a:lstStyle/>
+          <a:p>
+            <a:r>
+              <a:rPr kumimoji="1" lang="en-US" altLang="ja-JP" sz="2800" b="1" dirty="0">
+                <a:ln w="3175">
+                  <a:solidFill>
+                    <a:schemeClr val="tx1"/>
+                  </a:solidFill>
+                </a:ln>
                 <a:solidFill>
                   <a:schemeClr val="accent6">
                     <a:lumMod val="50000"/>
@@ -4224,7 +4315,12 @@
           </a:p>
           <a:p>
             <a:r>
-              <a:rPr lang="ja-JP" altLang="en-US" b="1" dirty="0">
+              <a:rPr lang="ja-JP" altLang="en-US" sz="2800" b="1" dirty="0">
+                <a:ln w="3175">
+                  <a:solidFill>
+                    <a:schemeClr val="tx1"/>
+                  </a:solidFill>
+                </a:ln>
                 <a:solidFill>
                   <a:schemeClr val="accent6">
                     <a:lumMod val="50000"/>
@@ -4233,7 +4329,12 @@
               </a:rPr>
               <a:t>力石鈴之佑</a:t>
             </a:r>
-            <a:endParaRPr lang="en-US" altLang="ja-JP" b="1" dirty="0">
+            <a:endParaRPr lang="en-US" altLang="ja-JP" sz="2800" b="1" dirty="0">
+              <a:ln w="3175">
+                <a:solidFill>
+                  <a:schemeClr val="tx1"/>
+                </a:solidFill>
+              </a:ln>
               <a:solidFill>
                 <a:schemeClr val="accent6">
                   <a:lumMod val="50000"/>
@@ -4243,7 +4344,12 @@
           </a:p>
           <a:p>
             <a:r>
-              <a:rPr kumimoji="1" lang="ja-JP" altLang="en-US" b="1" dirty="0">
+              <a:rPr kumimoji="1" lang="ja-JP" altLang="en-US" sz="2800" b="1" dirty="0">
+                <a:ln w="3175">
+                  <a:solidFill>
+                    <a:schemeClr val="tx1"/>
+                  </a:solidFill>
+                </a:ln>
                 <a:solidFill>
                   <a:schemeClr val="accent6">
                     <a:lumMod val="50000"/>
@@ -5195,9 +5301,53 @@
           <a:p>
             <a:pPr lvl="0"/>
             <a:r>
-              <a:rPr kumimoji="1" lang="ja-JP" altLang="en-US" dirty="0"/>
-              <a:t>工夫した点</a:t>
-            </a:r>
+              <a:rPr kumimoji="1" lang="ja-JP" altLang="en-US" dirty="0">
+                <a:ln>
+                  <a:solidFill>
+                    <a:sysClr val="windowText" lastClr="000000"/>
+                  </a:solidFill>
+                </a:ln>
+                <a:solidFill>
+                  <a:schemeClr val="accent6">
+                    <a:lumMod val="75000"/>
+                  </a:schemeClr>
+                </a:solidFill>
+                <a:latin typeface="HGP明朝E" panose="02020900000000000000" pitchFamily="18" charset="-128"/>
+                <a:ea typeface="HGP明朝E" panose="02020900000000000000" pitchFamily="18" charset="-128"/>
+              </a:rPr>
+              <a:t>工夫した点・処理</a:t>
+            </a:r>
+            <a:r>
+              <a:rPr lang="ja-JP" altLang="en-US" dirty="0">
+                <a:ln>
+                  <a:solidFill>
+                    <a:sysClr val="windowText" lastClr="000000"/>
+                  </a:solidFill>
+                </a:ln>
+                <a:solidFill>
+                  <a:schemeClr val="accent6">
+                    <a:lumMod val="75000"/>
+                  </a:schemeClr>
+                </a:solidFill>
+                <a:latin typeface="HGP明朝E" panose="02020900000000000000" pitchFamily="18" charset="-128"/>
+                <a:ea typeface="HGP明朝E" panose="02020900000000000000" pitchFamily="18" charset="-128"/>
+              </a:rPr>
+              <a:t>の短縮</a:t>
+            </a:r>
+            <a:endParaRPr kumimoji="1" lang="ja-JP" altLang="en-US" dirty="0">
+              <a:ln>
+                <a:solidFill>
+                  <a:sysClr val="windowText" lastClr="000000"/>
+                </a:solidFill>
+              </a:ln>
+              <a:solidFill>
+                <a:schemeClr val="accent6">
+                  <a:lumMod val="75000"/>
+                </a:schemeClr>
+              </a:solidFill>
+              <a:latin typeface="HGP明朝E" panose="02020900000000000000" pitchFamily="18" charset="-128"/>
+              <a:ea typeface="HGP明朝E" panose="02020900000000000000" pitchFamily="18" charset="-128"/>
+            </a:endParaRPr>
           </a:p>
         </p:txBody>
       </p:sp>
@@ -5217,34 +5367,15 @@
             <p:ph idx="1"/>
           </p:nvPr>
         </p:nvSpPr>
-        <p:spPr/>
+        <p:spPr>
+          <a:xfrm>
+            <a:off x="838200" y="1959033"/>
+            <a:ext cx="10515600" cy="4351338"/>
+          </a:xfrm>
+        </p:spPr>
         <p:txBody>
           <a:bodyPr/>
           <a:lstStyle/>
-          <a:p>
-            <a:pPr>
-              <a:buClr>
-                <a:schemeClr val="tx1"/>
-              </a:buClr>
-            </a:pPr>
-            <a:r>
-              <a:rPr kumimoji="1" lang="ja-JP" altLang="en-US" dirty="0"/>
-              <a:t>一括処理</a:t>
-            </a:r>
-            <a:endParaRPr kumimoji="1" lang="en-US" altLang="ja-JP" dirty="0"/>
-          </a:p>
-          <a:p>
-            <a:pPr>
-              <a:buClr>
-                <a:schemeClr val="tx1"/>
-              </a:buClr>
-            </a:pPr>
-            <a:r>
-              <a:rPr lang="ja-JP" altLang="en-US" dirty="0"/>
-              <a:t>長文のスクレイピングは時間がかかる</a:t>
-            </a:r>
-            <a:endParaRPr lang="en-US" altLang="ja-JP" dirty="0"/>
-          </a:p>
           <a:p>
             <a:pPr marL="0" indent="0">
               <a:buClr>
@@ -5253,8 +5384,20 @@
               <a:buNone/>
             </a:pPr>
             <a:r>
-              <a:rPr kumimoji="1" lang="ja-JP" altLang="en-US" dirty="0"/>
-              <a:t>↓</a:t>
+              <a:rPr lang="en-US" altLang="ja-JP" dirty="0"/>
+              <a:t>【</a:t>
+            </a:r>
+            <a:r>
+              <a:rPr lang="ja-JP" altLang="en-US" b="1" dirty="0"/>
+              <a:t>問題点</a:t>
+            </a:r>
+            <a:r>
+              <a:rPr lang="en-US" altLang="ja-JP" dirty="0"/>
+              <a:t>】</a:t>
+            </a:r>
+            <a:r>
+              <a:rPr lang="ja-JP" altLang="en-US" dirty="0"/>
+              <a:t>長文のスクレイピングは時間がかかる</a:t>
             </a:r>
             <a:endParaRPr lang="en-US" altLang="ja-JP" dirty="0"/>
           </a:p>
@@ -5265,9 +5408,30 @@
               </a:buClr>
               <a:buNone/>
             </a:pPr>
+            <a:endParaRPr lang="en-US" altLang="ja-JP" dirty="0"/>
+          </a:p>
+          <a:p>
+            <a:pPr marL="0" indent="0">
+              <a:buClr>
+                <a:schemeClr val="tx1"/>
+              </a:buClr>
+              <a:buNone/>
+            </a:pPr>
+            <a:r>
+              <a:rPr kumimoji="1" lang="en-US" altLang="ja-JP" dirty="0"/>
+              <a:t>【</a:t>
+            </a:r>
+            <a:r>
+              <a:rPr kumimoji="1" lang="ja-JP" altLang="en-US" b="1" dirty="0"/>
+              <a:t>解決策</a:t>
+            </a:r>
+            <a:r>
+              <a:rPr kumimoji="1" lang="en-US" altLang="ja-JP" dirty="0"/>
+              <a:t>】</a:t>
+            </a:r>
             <a:r>
               <a:rPr kumimoji="1" lang="ja-JP" altLang="en-US" dirty="0"/>
-              <a:t>起動時に事前に実行して、ファイルに保存しておく</a:t>
+              <a:t>起動時に実行して、個別に保存</a:t>
             </a:r>
             <a:endParaRPr kumimoji="1" lang="en-US" altLang="ja-JP" dirty="0"/>
           </a:p>
@@ -5378,37 +5542,23 @@
           <a:p>
             <a:pPr lvl="0"/>
             <a:r>
-              <a:rPr kumimoji="1" lang="ja-JP" altLang="en-US" dirty="0"/>
-              <a:t>工夫した点</a:t>
-            </a:r>
-          </a:p>
-        </p:txBody>
-      </p:sp>
-      <p:sp>
-        <p:nvSpPr>
-          <p:cNvPr id="3" name="コンテンツ プレースホルダー 2">
-            <a:extLst>
-              <a:ext uri="{FF2B5EF4-FFF2-40B4-BE49-F238E27FC236}">
-                <a16:creationId xmlns:a16="http://schemas.microsoft.com/office/drawing/2014/main" id="{FBCA876A-9915-41E9-B91A-EDEAEF221F59}"/>
-              </a:ext>
-            </a:extLst>
-          </p:cNvPr>
-          <p:cNvSpPr>
-            <a:spLocks noGrp="1"/>
-          </p:cNvSpPr>
-          <p:nvPr>
-            <p:ph idx="1"/>
-          </p:nvPr>
-        </p:nvSpPr>
-        <p:spPr/>
-        <p:txBody>
-          <a:bodyPr/>
-          <a:lstStyle/>
-          <a:p>
-            <a:r>
-              <a:rPr kumimoji="1" lang="ja-JP" altLang="en-US" dirty="0"/>
-              <a:t>ファイルの書き込み</a:t>
-            </a:r>
+              <a:rPr lang="ja-JP" altLang="en-US" dirty="0">
+                <a:ln>
+                  <a:solidFill>
+                    <a:sysClr val="windowText" lastClr="000000"/>
+                  </a:solidFill>
+                </a:ln>
+                <a:solidFill>
+                  <a:schemeClr val="accent6">
+                    <a:lumMod val="75000"/>
+                  </a:schemeClr>
+                </a:solidFill>
+                <a:latin typeface="HGP明朝E" panose="02020900000000000000" pitchFamily="18" charset="-128"/>
+                <a:ea typeface="HGP明朝E" panose="02020900000000000000" pitchFamily="18" charset="-128"/>
+              </a:rPr>
+              <a:t>工夫した点・処理の短縮</a:t>
+            </a:r>
+            <a:endParaRPr kumimoji="1" lang="ja-JP" altLang="en-US" dirty="0"/>
           </a:p>
         </p:txBody>
       </p:sp>
@@ -5466,124 +5616,32 @@
       </p:sp>
       <p:sp>
         <p:nvSpPr>
-          <p:cNvPr id="8" name="テキスト ボックス 7">
-            <a:extLst>
-              <a:ext uri="{FF2B5EF4-FFF2-40B4-BE49-F238E27FC236}">
-                <a16:creationId xmlns:a16="http://schemas.microsoft.com/office/drawing/2014/main" id="{40D63904-31E9-48A3-8728-1F3F2583B836}"/>
-              </a:ext>
-            </a:extLst>
-          </p:cNvPr>
-          <p:cNvSpPr txBox="1"/>
+          <p:cNvPr id="5" name="四角形: 角を丸くする 4">
+            <a:extLst>
+              <a:ext uri="{FF2B5EF4-FFF2-40B4-BE49-F238E27FC236}">
+                <a16:creationId xmlns:a16="http://schemas.microsoft.com/office/drawing/2014/main" id="{43E67A84-D0DC-454D-994E-FE5B7E09A0AF}"/>
+              </a:ext>
+            </a:extLst>
+          </p:cNvPr>
+          <p:cNvSpPr/>
           <p:nvPr/>
         </p:nvSpPr>
         <p:spPr>
           <a:xfrm>
-            <a:off x="991402" y="2993456"/>
-            <a:ext cx="1944303" cy="1200329"/>
+            <a:off x="1848047" y="2553100"/>
+            <a:ext cx="2329315" cy="673769"/>
           </a:xfrm>
-          <a:prstGeom prst="rect">
+          <a:prstGeom prst="roundRect">
             <a:avLst/>
           </a:prstGeom>
           <a:solidFill>
             <a:schemeClr val="bg1"/>
           </a:solidFill>
-        </p:spPr>
-        <p:txBody>
-          <a:bodyPr wrap="square" rtlCol="0">
-            <a:spAutoFit/>
-          </a:bodyPr>
-          <a:lstStyle/>
-          <a:p>
-            <a:r>
-              <a:rPr lang="ja-JP" altLang="en-US" dirty="0">
-                <a:solidFill>
-                  <a:schemeClr val="accent6">
-                    <a:lumMod val="75000"/>
-                  </a:schemeClr>
-                </a:solidFill>
-              </a:rPr>
-              <a:t>天気予報</a:t>
-            </a:r>
-            <a:endParaRPr lang="en-US" altLang="ja-JP" dirty="0">
-              <a:solidFill>
-                <a:schemeClr val="accent6">
-                  <a:lumMod val="75000"/>
-                </a:schemeClr>
-              </a:solidFill>
-            </a:endParaRPr>
-          </a:p>
-          <a:p>
-            <a:r>
-              <a:rPr kumimoji="1" lang="ja-JP" altLang="en-US" dirty="0">
-                <a:solidFill>
-                  <a:schemeClr val="accent6">
-                    <a:lumMod val="75000"/>
-                  </a:schemeClr>
-                </a:solidFill>
-              </a:rPr>
-              <a:t>ニュース</a:t>
-            </a:r>
-            <a:endParaRPr kumimoji="1" lang="en-US" altLang="ja-JP" dirty="0">
-              <a:solidFill>
-                <a:schemeClr val="accent6">
-                  <a:lumMod val="75000"/>
-                </a:schemeClr>
-              </a:solidFill>
-            </a:endParaRPr>
-          </a:p>
-          <a:p>
-            <a:r>
-              <a:rPr lang="ja-JP" altLang="en-US" dirty="0">
-                <a:solidFill>
-                  <a:schemeClr val="accent6">
-                    <a:lumMod val="75000"/>
-                  </a:schemeClr>
-                </a:solidFill>
-              </a:rPr>
-              <a:t>日時</a:t>
-            </a:r>
-            <a:endParaRPr lang="en-US" altLang="ja-JP" dirty="0">
-              <a:solidFill>
-                <a:schemeClr val="accent6">
-                  <a:lumMod val="75000"/>
-                </a:schemeClr>
-              </a:solidFill>
-            </a:endParaRPr>
-          </a:p>
-          <a:p>
-            <a:r>
-              <a:rPr kumimoji="1" lang="ja-JP" altLang="en-US" dirty="0">
-                <a:solidFill>
-                  <a:schemeClr val="accent6">
-                    <a:lumMod val="75000"/>
-                  </a:schemeClr>
-                </a:solidFill>
-              </a:rPr>
-              <a:t>占い結果</a:t>
-            </a:r>
-          </a:p>
-        </p:txBody>
-      </p:sp>
-      <p:sp>
-        <p:nvSpPr>
-          <p:cNvPr id="9" name="矢印: 右 8">
-            <a:extLst>
-              <a:ext uri="{FF2B5EF4-FFF2-40B4-BE49-F238E27FC236}">
-                <a16:creationId xmlns:a16="http://schemas.microsoft.com/office/drawing/2014/main" id="{9C51A749-C864-4016-A7E7-9BCE00DD2639}"/>
-              </a:ext>
-            </a:extLst>
-          </p:cNvPr>
-          <p:cNvSpPr/>
-          <p:nvPr/>
-        </p:nvSpPr>
-        <p:spPr>
-          <a:xfrm>
-            <a:off x="3359217" y="3234088"/>
-            <a:ext cx="702644" cy="404261"/>
-          </a:xfrm>
-          <a:prstGeom prst="rightArrow">
-            <a:avLst/>
-          </a:prstGeom>
+          <a:ln>
+            <a:solidFill>
+              <a:schemeClr val="tx1"/>
+            </a:solidFill>
+          </a:ln>
         </p:spPr>
         <p:style>
           <a:lnRef idx="2">
@@ -5606,45 +5664,325 @@
           <a:lstStyle/>
           <a:p>
             <a:pPr algn="ctr"/>
-            <a:endParaRPr kumimoji="1" lang="ja-JP" altLang="en-US"/>
-          </a:p>
-        </p:txBody>
-      </p:sp>
-      <p:sp>
-        <p:nvSpPr>
-          <p:cNvPr id="10" name="テキスト ボックス 9">
-            <a:extLst>
-              <a:ext uri="{FF2B5EF4-FFF2-40B4-BE49-F238E27FC236}">
-                <a16:creationId xmlns:a16="http://schemas.microsoft.com/office/drawing/2014/main" id="{1D7F6355-1C8D-430F-A5AD-60546019D77B}"/>
-              </a:ext>
-            </a:extLst>
-          </p:cNvPr>
-          <p:cNvSpPr txBox="1"/>
+            <a:r>
+              <a:rPr lang="ja-JP" altLang="en-US" b="1" dirty="0">
+                <a:solidFill>
+                  <a:schemeClr val="accent6">
+                    <a:lumMod val="75000"/>
+                  </a:schemeClr>
+                </a:solidFill>
+              </a:rPr>
+              <a:t>データ取得</a:t>
+            </a:r>
+            <a:endParaRPr kumimoji="1" lang="ja-JP" altLang="en-US" b="1" dirty="0">
+              <a:solidFill>
+                <a:schemeClr val="accent6">
+                  <a:lumMod val="75000"/>
+                </a:schemeClr>
+              </a:solidFill>
+            </a:endParaRPr>
+          </a:p>
+        </p:txBody>
+      </p:sp>
+      <p:sp>
+        <p:nvSpPr>
+          <p:cNvPr id="11" name="四角形: 角を丸くする 10">
+            <a:extLst>
+              <a:ext uri="{FF2B5EF4-FFF2-40B4-BE49-F238E27FC236}">
+                <a16:creationId xmlns:a16="http://schemas.microsoft.com/office/drawing/2014/main" id="{EBF746E7-B6B4-4D19-9C35-6B5A9E9EF67E}"/>
+              </a:ext>
+            </a:extLst>
+          </p:cNvPr>
+          <p:cNvSpPr/>
           <p:nvPr/>
         </p:nvSpPr>
         <p:spPr>
           <a:xfrm>
-            <a:off x="4485373" y="3408954"/>
-            <a:ext cx="1944303" cy="369332"/>
+            <a:off x="1848048" y="3429000"/>
+            <a:ext cx="2329315" cy="1720516"/>
           </a:xfrm>
-          <a:prstGeom prst="rect">
+          <a:prstGeom prst="roundRect">
+            <a:avLst/>
+          </a:prstGeom>
+          <a:solidFill>
+            <a:schemeClr val="accent6">
+              <a:lumMod val="75000"/>
+            </a:schemeClr>
+          </a:solidFill>
+          <a:ln>
+            <a:solidFill>
+              <a:schemeClr val="tx1"/>
+            </a:solidFill>
+          </a:ln>
+        </p:spPr>
+        <p:style>
+          <a:lnRef idx="2">
+            <a:schemeClr val="accent1">
+              <a:shade val="50000"/>
+            </a:schemeClr>
+          </a:lnRef>
+          <a:fillRef idx="1">
+            <a:schemeClr val="accent1"/>
+          </a:fillRef>
+          <a:effectRef idx="0">
+            <a:schemeClr val="accent1"/>
+          </a:effectRef>
+          <a:fontRef idx="minor">
+            <a:schemeClr val="lt1"/>
+          </a:fontRef>
+        </p:style>
+        <p:txBody>
+          <a:bodyPr rtlCol="0" anchor="ctr"/>
+          <a:lstStyle/>
+          <a:p>
+            <a:r>
+              <a:rPr lang="ja-JP" altLang="en-US" sz="2800" b="1" dirty="0">
+                <a:solidFill>
+                  <a:schemeClr val="bg1"/>
+                </a:solidFill>
+              </a:rPr>
+              <a:t>・天気予報</a:t>
+            </a:r>
+            <a:endParaRPr lang="en-US" altLang="ja-JP" sz="2800" b="1" dirty="0">
+              <a:solidFill>
+                <a:schemeClr val="bg1"/>
+              </a:solidFill>
+            </a:endParaRPr>
+          </a:p>
+          <a:p>
+            <a:r>
+              <a:rPr lang="ja-JP" altLang="en-US" sz="2800" b="1" dirty="0">
+                <a:solidFill>
+                  <a:schemeClr val="bg1"/>
+                </a:solidFill>
+              </a:rPr>
+              <a:t>・ニュース</a:t>
+            </a:r>
+            <a:endParaRPr lang="en-US" altLang="ja-JP" sz="2800" b="1" dirty="0">
+              <a:solidFill>
+                <a:schemeClr val="bg1"/>
+              </a:solidFill>
+            </a:endParaRPr>
+          </a:p>
+          <a:p>
+            <a:r>
+              <a:rPr lang="ja-JP" altLang="en-US" sz="2800" b="1" dirty="0">
+                <a:solidFill>
+                  <a:schemeClr val="bg1"/>
+                </a:solidFill>
+              </a:rPr>
+              <a:t>・日時</a:t>
+            </a:r>
+            <a:endParaRPr lang="en-US" altLang="ja-JP" sz="2800" b="1" dirty="0">
+              <a:solidFill>
+                <a:schemeClr val="bg1"/>
+              </a:solidFill>
+            </a:endParaRPr>
+          </a:p>
+          <a:p>
+            <a:r>
+              <a:rPr lang="ja-JP" altLang="en-US" sz="2800" b="1" dirty="0">
+                <a:solidFill>
+                  <a:schemeClr val="bg1"/>
+                </a:solidFill>
+              </a:rPr>
+              <a:t>・星座占い</a:t>
+            </a:r>
+          </a:p>
+        </p:txBody>
+      </p:sp>
+      <p:sp>
+        <p:nvSpPr>
+          <p:cNvPr id="12" name="矢印: 右 11">
+            <a:extLst>
+              <a:ext uri="{FF2B5EF4-FFF2-40B4-BE49-F238E27FC236}">
+                <a16:creationId xmlns:a16="http://schemas.microsoft.com/office/drawing/2014/main" id="{28EA2996-90D2-498C-BFD0-BB8E943592A3}"/>
+              </a:ext>
+            </a:extLst>
+          </p:cNvPr>
+          <p:cNvSpPr/>
+          <p:nvPr/>
+        </p:nvSpPr>
+        <p:spPr>
+          <a:xfrm>
+            <a:off x="4254365" y="3679256"/>
+            <a:ext cx="2954956" cy="1174282"/>
+          </a:xfrm>
+          <a:prstGeom prst="rightArrow">
+            <a:avLst/>
+          </a:prstGeom>
+          <a:solidFill>
+            <a:srgbClr val="FF0000"/>
+          </a:solidFill>
+          <a:ln>
+            <a:solidFill>
+              <a:schemeClr val="tx1"/>
+            </a:solidFill>
+          </a:ln>
+        </p:spPr>
+        <p:style>
+          <a:lnRef idx="2">
+            <a:schemeClr val="accent1">
+              <a:shade val="50000"/>
+            </a:schemeClr>
+          </a:lnRef>
+          <a:fillRef idx="1">
+            <a:schemeClr val="accent1"/>
+          </a:fillRef>
+          <a:effectRef idx="0">
+            <a:schemeClr val="accent1"/>
+          </a:effectRef>
+          <a:fontRef idx="minor">
+            <a:schemeClr val="lt1"/>
+          </a:fontRef>
+        </p:style>
+        <p:txBody>
+          <a:bodyPr rtlCol="0" anchor="ctr"/>
+          <a:lstStyle/>
+          <a:p>
+            <a:pPr algn="ctr"/>
+            <a:r>
+              <a:rPr kumimoji="1" lang="ja-JP" altLang="en-US" b="1" dirty="0"/>
+              <a:t>毎回処理</a:t>
+            </a:r>
+          </a:p>
+        </p:txBody>
+      </p:sp>
+      <p:sp>
+        <p:nvSpPr>
+          <p:cNvPr id="13" name="四角形: 角を丸くする 12">
+            <a:extLst>
+              <a:ext uri="{FF2B5EF4-FFF2-40B4-BE49-F238E27FC236}">
+                <a16:creationId xmlns:a16="http://schemas.microsoft.com/office/drawing/2014/main" id="{D96DDF25-738B-4FF8-90D0-2DA169743149}"/>
+              </a:ext>
+            </a:extLst>
+          </p:cNvPr>
+          <p:cNvSpPr/>
+          <p:nvPr/>
+        </p:nvSpPr>
+        <p:spPr>
+          <a:xfrm>
+            <a:off x="7286323" y="3952373"/>
+            <a:ext cx="2329315" cy="673769"/>
+          </a:xfrm>
+          <a:prstGeom prst="roundRect">
+            <a:avLst/>
+          </a:prstGeom>
+          <a:solidFill>
+            <a:schemeClr val="accent6">
+              <a:lumMod val="75000"/>
+            </a:schemeClr>
+          </a:solidFill>
+          <a:ln>
+            <a:solidFill>
+              <a:schemeClr val="tx1"/>
+            </a:solidFill>
+          </a:ln>
+        </p:spPr>
+        <p:style>
+          <a:lnRef idx="2">
+            <a:schemeClr val="accent1">
+              <a:shade val="50000"/>
+            </a:schemeClr>
+          </a:lnRef>
+          <a:fillRef idx="1">
+            <a:schemeClr val="accent1"/>
+          </a:fillRef>
+          <a:effectRef idx="0">
+            <a:schemeClr val="accent1"/>
+          </a:effectRef>
+          <a:fontRef idx="minor">
+            <a:schemeClr val="lt1"/>
+          </a:fontRef>
+        </p:style>
+        <p:txBody>
+          <a:bodyPr rtlCol="0" anchor="ctr"/>
+          <a:lstStyle/>
+          <a:p>
+            <a:pPr algn="ctr"/>
+            <a:r>
+              <a:rPr kumimoji="1" lang="en-US" altLang="ja-JP" sz="2800" b="1" dirty="0">
+                <a:solidFill>
+                  <a:schemeClr val="bg1"/>
+                </a:solidFill>
+              </a:rPr>
+              <a:t>result.txt</a:t>
+            </a:r>
+            <a:endParaRPr kumimoji="1" lang="ja-JP" altLang="en-US" sz="2800" b="1" dirty="0">
+              <a:solidFill>
+                <a:schemeClr val="bg1"/>
+              </a:solidFill>
+            </a:endParaRPr>
+          </a:p>
+        </p:txBody>
+      </p:sp>
+      <p:sp>
+        <p:nvSpPr>
+          <p:cNvPr id="14" name="四角形: 角を丸くする 13">
+            <a:extLst>
+              <a:ext uri="{FF2B5EF4-FFF2-40B4-BE49-F238E27FC236}">
+                <a16:creationId xmlns:a16="http://schemas.microsoft.com/office/drawing/2014/main" id="{517550B4-CEAD-462C-8C83-2ED456DF9F6C}"/>
+              </a:ext>
+            </a:extLst>
+          </p:cNvPr>
+          <p:cNvSpPr/>
+          <p:nvPr/>
+        </p:nvSpPr>
+        <p:spPr>
+          <a:xfrm>
+            <a:off x="7286323" y="2553100"/>
+            <a:ext cx="2329315" cy="673769"/>
+          </a:xfrm>
+          <a:prstGeom prst="roundRect">
             <a:avLst/>
           </a:prstGeom>
           <a:solidFill>
             <a:schemeClr val="bg1"/>
           </a:solidFill>
+          <a:ln>
+            <a:solidFill>
+              <a:schemeClr val="tx1"/>
+            </a:solidFill>
+          </a:ln>
         </p:spPr>
-        <p:txBody>
-          <a:bodyPr wrap="square" rtlCol="0">
-            <a:spAutoFit/>
-          </a:bodyPr>
-          <a:lstStyle/>
-          <a:p>
-            <a:r>
-              <a:rPr lang="en-US" altLang="ja-JP" dirty="0"/>
-              <a:t>result.txt</a:t>
-            </a:r>
-            <a:endParaRPr kumimoji="1" lang="ja-JP" altLang="en-US" dirty="0"/>
+        <p:style>
+          <a:lnRef idx="2">
+            <a:schemeClr val="accent1">
+              <a:shade val="50000"/>
+            </a:schemeClr>
+          </a:lnRef>
+          <a:fillRef idx="1">
+            <a:schemeClr val="accent1"/>
+          </a:fillRef>
+          <a:effectRef idx="0">
+            <a:schemeClr val="accent1"/>
+          </a:effectRef>
+          <a:fontRef idx="minor">
+            <a:schemeClr val="lt1"/>
+          </a:fontRef>
+        </p:style>
+        <p:txBody>
+          <a:bodyPr rtlCol="0" anchor="ctr"/>
+          <a:lstStyle/>
+          <a:p>
+            <a:pPr algn="ctr"/>
+            <a:r>
+              <a:rPr lang="ja-JP" altLang="en-US" b="1" dirty="0">
+                <a:solidFill>
+                  <a:schemeClr val="accent6">
+                    <a:lumMod val="75000"/>
+                  </a:schemeClr>
+                </a:solidFill>
+              </a:rPr>
+              <a:t>ファイルに書き込み</a:t>
+            </a:r>
+            <a:endParaRPr kumimoji="1" lang="ja-JP" altLang="en-US" b="1" dirty="0">
+              <a:solidFill>
+                <a:schemeClr val="accent6">
+                  <a:lumMod val="75000"/>
+                </a:schemeClr>
+              </a:solidFill>
+            </a:endParaRPr>
           </a:p>
         </p:txBody>
       </p:sp>
@@ -5709,34 +6047,6 @@
       </p:sp>
       <p:sp>
         <p:nvSpPr>
-          <p:cNvPr id="3" name="コンテンツ プレースホルダー 2">
-            <a:extLst>
-              <a:ext uri="{FF2B5EF4-FFF2-40B4-BE49-F238E27FC236}">
-                <a16:creationId xmlns:a16="http://schemas.microsoft.com/office/drawing/2014/main" id="{FBCA876A-9915-41E9-B91A-EDEAEF221F59}"/>
-              </a:ext>
-            </a:extLst>
-          </p:cNvPr>
-          <p:cNvSpPr>
-            <a:spLocks noGrp="1"/>
-          </p:cNvSpPr>
-          <p:nvPr>
-            <p:ph idx="1"/>
-          </p:nvPr>
-        </p:nvSpPr>
-        <p:spPr/>
-        <p:txBody>
-          <a:bodyPr/>
-          <a:lstStyle/>
-          <a:p>
-            <a:r>
-              <a:rPr kumimoji="1" lang="ja-JP" altLang="en-US" dirty="0"/>
-              <a:t>ファイルの書き込み</a:t>
-            </a:r>
-          </a:p>
-        </p:txBody>
-      </p:sp>
-      <p:sp>
-        <p:nvSpPr>
           <p:cNvPr id="7" name="正方形/長方形 6">
             <a:extLst>
               <a:ext uri="{FF2B5EF4-FFF2-40B4-BE49-F238E27FC236}">
@@ -5789,124 +6099,32 @@
       </p:sp>
       <p:sp>
         <p:nvSpPr>
-          <p:cNvPr id="8" name="テキスト ボックス 7">
-            <a:extLst>
-              <a:ext uri="{FF2B5EF4-FFF2-40B4-BE49-F238E27FC236}">
-                <a16:creationId xmlns:a16="http://schemas.microsoft.com/office/drawing/2014/main" id="{40D63904-31E9-48A3-8728-1F3F2583B836}"/>
-              </a:ext>
-            </a:extLst>
-          </p:cNvPr>
-          <p:cNvSpPr txBox="1"/>
+          <p:cNvPr id="11" name="四角形: 角を丸くする 10">
+            <a:extLst>
+              <a:ext uri="{FF2B5EF4-FFF2-40B4-BE49-F238E27FC236}">
+                <a16:creationId xmlns:a16="http://schemas.microsoft.com/office/drawing/2014/main" id="{8782B4DF-E484-491E-8838-63B8B7ABDA07}"/>
+              </a:ext>
+            </a:extLst>
+          </p:cNvPr>
+          <p:cNvSpPr/>
           <p:nvPr/>
         </p:nvSpPr>
         <p:spPr>
           <a:xfrm>
-            <a:off x="991402" y="2993456"/>
-            <a:ext cx="1944303" cy="1200329"/>
+            <a:off x="1838422" y="1769462"/>
+            <a:ext cx="2329315" cy="673769"/>
           </a:xfrm>
-          <a:prstGeom prst="rect">
+          <a:prstGeom prst="roundRect">
             <a:avLst/>
           </a:prstGeom>
           <a:solidFill>
             <a:schemeClr val="bg1"/>
           </a:solidFill>
-        </p:spPr>
-        <p:txBody>
-          <a:bodyPr wrap="square" rtlCol="0">
-            <a:spAutoFit/>
-          </a:bodyPr>
-          <a:lstStyle/>
-          <a:p>
-            <a:r>
-              <a:rPr lang="ja-JP" altLang="en-US" dirty="0">
-                <a:solidFill>
-                  <a:schemeClr val="accent6">
-                    <a:lumMod val="75000"/>
-                  </a:schemeClr>
-                </a:solidFill>
-              </a:rPr>
-              <a:t>天気予報</a:t>
-            </a:r>
-            <a:endParaRPr lang="en-US" altLang="ja-JP" dirty="0">
-              <a:solidFill>
-                <a:schemeClr val="accent6">
-                  <a:lumMod val="75000"/>
-                </a:schemeClr>
-              </a:solidFill>
-            </a:endParaRPr>
-          </a:p>
-          <a:p>
-            <a:r>
-              <a:rPr kumimoji="1" lang="ja-JP" altLang="en-US" dirty="0">
-                <a:solidFill>
-                  <a:schemeClr val="accent6">
-                    <a:lumMod val="75000"/>
-                  </a:schemeClr>
-                </a:solidFill>
-              </a:rPr>
-              <a:t>ニュース</a:t>
-            </a:r>
-            <a:endParaRPr kumimoji="1" lang="en-US" altLang="ja-JP" dirty="0">
-              <a:solidFill>
-                <a:schemeClr val="accent6">
-                  <a:lumMod val="75000"/>
-                </a:schemeClr>
-              </a:solidFill>
-            </a:endParaRPr>
-          </a:p>
-          <a:p>
-            <a:r>
-              <a:rPr lang="ja-JP" altLang="en-US" dirty="0">
-                <a:solidFill>
-                  <a:schemeClr val="accent6">
-                    <a:lumMod val="75000"/>
-                  </a:schemeClr>
-                </a:solidFill>
-              </a:rPr>
-              <a:t>日時</a:t>
-            </a:r>
-            <a:endParaRPr lang="en-US" altLang="ja-JP" dirty="0">
-              <a:solidFill>
-                <a:schemeClr val="accent6">
-                  <a:lumMod val="75000"/>
-                </a:schemeClr>
-              </a:solidFill>
-            </a:endParaRPr>
-          </a:p>
-          <a:p>
-            <a:r>
-              <a:rPr kumimoji="1" lang="ja-JP" altLang="en-US" dirty="0">
-                <a:solidFill>
-                  <a:schemeClr val="accent6">
-                    <a:lumMod val="75000"/>
-                  </a:schemeClr>
-                </a:solidFill>
-              </a:rPr>
-              <a:t>占い結果</a:t>
-            </a:r>
-          </a:p>
-        </p:txBody>
-      </p:sp>
-      <p:sp>
-        <p:nvSpPr>
-          <p:cNvPr id="9" name="矢印: 右 8">
-            <a:extLst>
-              <a:ext uri="{FF2B5EF4-FFF2-40B4-BE49-F238E27FC236}">
-                <a16:creationId xmlns:a16="http://schemas.microsoft.com/office/drawing/2014/main" id="{9C51A749-C864-4016-A7E7-9BCE00DD2639}"/>
-              </a:ext>
-            </a:extLst>
-          </p:cNvPr>
-          <p:cNvSpPr/>
-          <p:nvPr/>
-        </p:nvSpPr>
-        <p:spPr>
-          <a:xfrm>
-            <a:off x="3359217" y="3234088"/>
-            <a:ext cx="702644" cy="404261"/>
-          </a:xfrm>
-          <a:prstGeom prst="rightArrow">
-            <a:avLst/>
-          </a:prstGeom>
+          <a:ln>
+            <a:solidFill>
+              <a:schemeClr val="tx1"/>
+            </a:solidFill>
+          </a:ln>
         </p:spPr>
         <p:style>
           <a:lnRef idx="2">
@@ -5929,67 +6147,551 @@
           <a:lstStyle/>
           <a:p>
             <a:pPr algn="ctr"/>
-            <a:endParaRPr kumimoji="1" lang="ja-JP" altLang="en-US"/>
-          </a:p>
-        </p:txBody>
-      </p:sp>
-      <p:sp>
-        <p:nvSpPr>
-          <p:cNvPr id="10" name="テキスト ボックス 9">
-            <a:extLst>
-              <a:ext uri="{FF2B5EF4-FFF2-40B4-BE49-F238E27FC236}">
-                <a16:creationId xmlns:a16="http://schemas.microsoft.com/office/drawing/2014/main" id="{1D7F6355-1C8D-430F-A5AD-60546019D77B}"/>
-              </a:ext>
-            </a:extLst>
-          </p:cNvPr>
-          <p:cNvSpPr txBox="1"/>
+            <a:r>
+              <a:rPr lang="ja-JP" altLang="en-US" b="1" dirty="0">
+                <a:solidFill>
+                  <a:schemeClr val="accent6">
+                    <a:lumMod val="75000"/>
+                  </a:schemeClr>
+                </a:solidFill>
+              </a:rPr>
+              <a:t>データ取得</a:t>
+            </a:r>
+            <a:endParaRPr kumimoji="1" lang="ja-JP" altLang="en-US" b="1" dirty="0">
+              <a:solidFill>
+                <a:schemeClr val="accent6">
+                  <a:lumMod val="75000"/>
+                </a:schemeClr>
+              </a:solidFill>
+            </a:endParaRPr>
+          </a:p>
+        </p:txBody>
+      </p:sp>
+      <p:sp>
+        <p:nvSpPr>
+          <p:cNvPr id="12" name="矢印: 右 11">
+            <a:extLst>
+              <a:ext uri="{FF2B5EF4-FFF2-40B4-BE49-F238E27FC236}">
+                <a16:creationId xmlns:a16="http://schemas.microsoft.com/office/drawing/2014/main" id="{19E695C6-C9D6-46D2-B2C7-A53F0C267109}"/>
+              </a:ext>
+            </a:extLst>
+          </p:cNvPr>
+          <p:cNvSpPr/>
           <p:nvPr/>
         </p:nvSpPr>
         <p:spPr>
           <a:xfrm>
-            <a:off x="4485373" y="3038184"/>
-            <a:ext cx="1944303" cy="1200329"/>
+            <a:off x="4331368" y="4421221"/>
+            <a:ext cx="2954956" cy="890337"/>
           </a:xfrm>
-          <a:prstGeom prst="rect">
+          <a:prstGeom prst="rightArrow">
+            <a:avLst/>
+          </a:prstGeom>
+          <a:solidFill>
+            <a:srgbClr val="FF0000"/>
+          </a:solidFill>
+          <a:ln>
+            <a:solidFill>
+              <a:schemeClr val="tx1"/>
+            </a:solidFill>
+          </a:ln>
+        </p:spPr>
+        <p:style>
+          <a:lnRef idx="2">
+            <a:schemeClr val="accent1">
+              <a:shade val="50000"/>
+            </a:schemeClr>
+          </a:lnRef>
+          <a:fillRef idx="1">
+            <a:schemeClr val="accent1"/>
+          </a:fillRef>
+          <a:effectRef idx="0">
+            <a:schemeClr val="accent1"/>
+          </a:effectRef>
+          <a:fontRef idx="minor">
+            <a:schemeClr val="lt1"/>
+          </a:fontRef>
+        </p:style>
+        <p:txBody>
+          <a:bodyPr rtlCol="0" anchor="ctr"/>
+          <a:lstStyle/>
+          <a:p>
+            <a:pPr algn="ctr"/>
+            <a:r>
+              <a:rPr kumimoji="1" lang="ja-JP" altLang="en-US" b="1" dirty="0"/>
+              <a:t>毎回処理</a:t>
+            </a:r>
+          </a:p>
+        </p:txBody>
+      </p:sp>
+      <p:sp>
+        <p:nvSpPr>
+          <p:cNvPr id="13" name="四角形: 角を丸くする 12">
+            <a:extLst>
+              <a:ext uri="{FF2B5EF4-FFF2-40B4-BE49-F238E27FC236}">
+                <a16:creationId xmlns:a16="http://schemas.microsoft.com/office/drawing/2014/main" id="{99B71CA8-890B-4D89-8BEE-FF456E7C6C05}"/>
+              </a:ext>
+            </a:extLst>
+          </p:cNvPr>
+          <p:cNvSpPr/>
+          <p:nvPr/>
+        </p:nvSpPr>
+        <p:spPr>
+          <a:xfrm>
+            <a:off x="7449954" y="4503328"/>
+            <a:ext cx="2800951" cy="673769"/>
+          </a:xfrm>
+          <a:prstGeom prst="roundRect">
+            <a:avLst/>
+          </a:prstGeom>
+          <a:solidFill>
+            <a:schemeClr val="accent6">
+              <a:lumMod val="75000"/>
+            </a:schemeClr>
+          </a:solidFill>
+          <a:ln>
+            <a:solidFill>
+              <a:schemeClr val="tx1"/>
+            </a:solidFill>
+          </a:ln>
+        </p:spPr>
+        <p:style>
+          <a:lnRef idx="2">
+            <a:schemeClr val="accent1">
+              <a:shade val="50000"/>
+            </a:schemeClr>
+          </a:lnRef>
+          <a:fillRef idx="1">
+            <a:schemeClr val="accent1"/>
+          </a:fillRef>
+          <a:effectRef idx="0">
+            <a:schemeClr val="accent1"/>
+          </a:effectRef>
+          <a:fontRef idx="minor">
+            <a:schemeClr val="lt1"/>
+          </a:fontRef>
+        </p:style>
+        <p:txBody>
+          <a:bodyPr rtlCol="0" anchor="ctr"/>
+          <a:lstStyle/>
+          <a:p>
+            <a:r>
+              <a:rPr kumimoji="1" lang="ja-JP" altLang="en-US" sz="2800" b="1" dirty="0">
+                <a:solidFill>
+                  <a:schemeClr val="bg1"/>
+                </a:solidFill>
+              </a:rPr>
+              <a:t>・</a:t>
+            </a:r>
+            <a:r>
+              <a:rPr kumimoji="1" lang="en-US" altLang="ja-JP" sz="2800" b="1" dirty="0">
+                <a:solidFill>
+                  <a:schemeClr val="bg1"/>
+                </a:solidFill>
+              </a:rPr>
+              <a:t>day.txt</a:t>
+            </a:r>
+            <a:endParaRPr kumimoji="1" lang="ja-JP" altLang="en-US" b="1" dirty="0">
+              <a:solidFill>
+                <a:schemeClr val="bg1"/>
+              </a:solidFill>
+            </a:endParaRPr>
+          </a:p>
+        </p:txBody>
+      </p:sp>
+      <p:sp>
+        <p:nvSpPr>
+          <p:cNvPr id="17" name="四角形: 角を丸くする 16">
+            <a:extLst>
+              <a:ext uri="{FF2B5EF4-FFF2-40B4-BE49-F238E27FC236}">
+                <a16:creationId xmlns:a16="http://schemas.microsoft.com/office/drawing/2014/main" id="{85BC110C-5578-4E08-A47E-D92EE0FE25CB}"/>
+              </a:ext>
+            </a:extLst>
+          </p:cNvPr>
+          <p:cNvSpPr/>
+          <p:nvPr/>
+        </p:nvSpPr>
+        <p:spPr>
+          <a:xfrm>
+            <a:off x="1838423" y="2780115"/>
+            <a:ext cx="2329315" cy="1412507"/>
+          </a:xfrm>
+          <a:prstGeom prst="roundRect">
+            <a:avLst/>
+          </a:prstGeom>
+          <a:solidFill>
+            <a:schemeClr val="accent6">
+              <a:lumMod val="75000"/>
+            </a:schemeClr>
+          </a:solidFill>
+          <a:ln>
+            <a:solidFill>
+              <a:schemeClr val="tx1"/>
+            </a:solidFill>
+          </a:ln>
+        </p:spPr>
+        <p:style>
+          <a:lnRef idx="2">
+            <a:schemeClr val="accent1">
+              <a:shade val="50000"/>
+            </a:schemeClr>
+          </a:lnRef>
+          <a:fillRef idx="1">
+            <a:schemeClr val="accent1"/>
+          </a:fillRef>
+          <a:effectRef idx="0">
+            <a:schemeClr val="accent1"/>
+          </a:effectRef>
+          <a:fontRef idx="minor">
+            <a:schemeClr val="lt1"/>
+          </a:fontRef>
+        </p:style>
+        <p:txBody>
+          <a:bodyPr rtlCol="0" anchor="ctr"/>
+          <a:lstStyle/>
+          <a:p>
+            <a:r>
+              <a:rPr lang="ja-JP" altLang="en-US" sz="2800" b="1" dirty="0">
+                <a:solidFill>
+                  <a:schemeClr val="bg1"/>
+                </a:solidFill>
+              </a:rPr>
+              <a:t>・天気予報</a:t>
+            </a:r>
+            <a:endParaRPr lang="en-US" altLang="ja-JP" sz="2800" b="1" dirty="0">
+              <a:solidFill>
+                <a:schemeClr val="bg1"/>
+              </a:solidFill>
+            </a:endParaRPr>
+          </a:p>
+          <a:p>
+            <a:r>
+              <a:rPr lang="ja-JP" altLang="en-US" sz="2800" b="1" dirty="0">
+                <a:solidFill>
+                  <a:schemeClr val="bg1"/>
+                </a:solidFill>
+              </a:rPr>
+              <a:t>・ニュース</a:t>
+            </a:r>
+            <a:endParaRPr lang="en-US" altLang="ja-JP" sz="2800" b="1" dirty="0">
+              <a:solidFill>
+                <a:schemeClr val="bg1"/>
+              </a:solidFill>
+            </a:endParaRPr>
+          </a:p>
+          <a:p>
+            <a:r>
+              <a:rPr lang="ja-JP" altLang="en-US" sz="2800" b="1" dirty="0">
+                <a:solidFill>
+                  <a:schemeClr val="bg1"/>
+                </a:solidFill>
+              </a:rPr>
+              <a:t>・星座占い</a:t>
+            </a:r>
+          </a:p>
+        </p:txBody>
+      </p:sp>
+      <p:sp>
+        <p:nvSpPr>
+          <p:cNvPr id="18" name="四角形: 角を丸くする 17">
+            <a:extLst>
+              <a:ext uri="{FF2B5EF4-FFF2-40B4-BE49-F238E27FC236}">
+                <a16:creationId xmlns:a16="http://schemas.microsoft.com/office/drawing/2014/main" id="{E898D16D-F080-4AB8-99A7-0733F9B3D647}"/>
+              </a:ext>
+            </a:extLst>
+          </p:cNvPr>
+          <p:cNvSpPr/>
+          <p:nvPr/>
+        </p:nvSpPr>
+        <p:spPr>
+          <a:xfrm>
+            <a:off x="1838423" y="4529506"/>
+            <a:ext cx="2329315" cy="673769"/>
+          </a:xfrm>
+          <a:prstGeom prst="roundRect">
+            <a:avLst/>
+          </a:prstGeom>
+          <a:solidFill>
+            <a:schemeClr val="accent6">
+              <a:lumMod val="75000"/>
+            </a:schemeClr>
+          </a:solidFill>
+          <a:ln>
+            <a:solidFill>
+              <a:schemeClr val="tx1"/>
+            </a:solidFill>
+          </a:ln>
+        </p:spPr>
+        <p:style>
+          <a:lnRef idx="2">
+            <a:schemeClr val="accent1">
+              <a:shade val="50000"/>
+            </a:schemeClr>
+          </a:lnRef>
+          <a:fillRef idx="1">
+            <a:schemeClr val="accent1"/>
+          </a:fillRef>
+          <a:effectRef idx="0">
+            <a:schemeClr val="accent1"/>
+          </a:effectRef>
+          <a:fontRef idx="minor">
+            <a:schemeClr val="lt1"/>
+          </a:fontRef>
+        </p:style>
+        <p:txBody>
+          <a:bodyPr rtlCol="0" anchor="ctr"/>
+          <a:lstStyle/>
+          <a:p>
+            <a:r>
+              <a:rPr kumimoji="1" lang="ja-JP" altLang="en-US" sz="2800" b="1" dirty="0">
+                <a:solidFill>
+                  <a:schemeClr val="bg1"/>
+                </a:solidFill>
+              </a:rPr>
+              <a:t>・日時</a:t>
+            </a:r>
+          </a:p>
+        </p:txBody>
+      </p:sp>
+      <p:sp>
+        <p:nvSpPr>
+          <p:cNvPr id="19" name="四角形: 角を丸くする 18">
+            <a:extLst>
+              <a:ext uri="{FF2B5EF4-FFF2-40B4-BE49-F238E27FC236}">
+                <a16:creationId xmlns:a16="http://schemas.microsoft.com/office/drawing/2014/main" id="{0ADD0314-BB39-4926-9476-0961AE100226}"/>
+              </a:ext>
+            </a:extLst>
+          </p:cNvPr>
+          <p:cNvSpPr/>
+          <p:nvPr/>
+        </p:nvSpPr>
+        <p:spPr>
+          <a:xfrm>
+            <a:off x="7449954" y="2780115"/>
+            <a:ext cx="2800951" cy="1412507"/>
+          </a:xfrm>
+          <a:prstGeom prst="roundRect">
+            <a:avLst/>
+          </a:prstGeom>
+          <a:solidFill>
+            <a:schemeClr val="accent6">
+              <a:lumMod val="75000"/>
+            </a:schemeClr>
+          </a:solidFill>
+          <a:ln>
+            <a:solidFill>
+              <a:schemeClr val="tx1"/>
+            </a:solidFill>
+          </a:ln>
+        </p:spPr>
+        <p:style>
+          <a:lnRef idx="2">
+            <a:schemeClr val="accent1">
+              <a:shade val="50000"/>
+            </a:schemeClr>
+          </a:lnRef>
+          <a:fillRef idx="1">
+            <a:schemeClr val="accent1"/>
+          </a:fillRef>
+          <a:effectRef idx="0">
+            <a:schemeClr val="accent1"/>
+          </a:effectRef>
+          <a:fontRef idx="minor">
+            <a:schemeClr val="lt1"/>
+          </a:fontRef>
+        </p:style>
+        <p:txBody>
+          <a:bodyPr rtlCol="0" anchor="ctr"/>
+          <a:lstStyle/>
+          <a:p>
+            <a:r>
+              <a:rPr lang="ja-JP" altLang="en-US" sz="2800" b="1" dirty="0">
+                <a:solidFill>
+                  <a:schemeClr val="bg1"/>
+                </a:solidFill>
+              </a:rPr>
+              <a:t>・</a:t>
+            </a:r>
+            <a:r>
+              <a:rPr lang="en-US" altLang="ja-JP" sz="2800" b="1" dirty="0">
+                <a:solidFill>
+                  <a:schemeClr val="bg1"/>
+                </a:solidFill>
+              </a:rPr>
+              <a:t>weather.txt</a:t>
+            </a:r>
+          </a:p>
+          <a:p>
+            <a:r>
+              <a:rPr lang="ja-JP" altLang="en-US" sz="2800" b="1" dirty="0">
+                <a:solidFill>
+                  <a:schemeClr val="bg1"/>
+                </a:solidFill>
+              </a:rPr>
+              <a:t>・</a:t>
+            </a:r>
+            <a:r>
+              <a:rPr lang="en-US" altLang="ja-JP" sz="2800" b="1" dirty="0">
+                <a:solidFill>
+                  <a:schemeClr val="bg1"/>
+                </a:solidFill>
+              </a:rPr>
+              <a:t>news.txt</a:t>
+            </a:r>
+          </a:p>
+          <a:p>
+            <a:r>
+              <a:rPr lang="ja-JP" altLang="en-US" sz="2800" b="1" dirty="0">
+                <a:solidFill>
+                  <a:schemeClr val="bg1"/>
+                </a:solidFill>
+              </a:rPr>
+              <a:t>・</a:t>
+            </a:r>
+            <a:r>
+              <a:rPr lang="en-US" altLang="ja-JP" sz="2800" b="1" dirty="0">
+                <a:solidFill>
+                  <a:schemeClr val="bg1"/>
+                </a:solidFill>
+              </a:rPr>
+              <a:t>fortune.txt</a:t>
+            </a:r>
+            <a:endParaRPr lang="ja-JP" altLang="en-US" sz="2800" b="1" dirty="0">
+              <a:solidFill>
+                <a:schemeClr val="bg1"/>
+              </a:solidFill>
+            </a:endParaRPr>
+          </a:p>
+        </p:txBody>
+      </p:sp>
+      <p:sp>
+        <p:nvSpPr>
+          <p:cNvPr id="20" name="矢印: 右 19">
+            <a:extLst>
+              <a:ext uri="{FF2B5EF4-FFF2-40B4-BE49-F238E27FC236}">
+                <a16:creationId xmlns:a16="http://schemas.microsoft.com/office/drawing/2014/main" id="{CC448C61-1681-4C79-94A2-9F1672EB3DF7}"/>
+              </a:ext>
+            </a:extLst>
+          </p:cNvPr>
+          <p:cNvSpPr/>
+          <p:nvPr/>
+        </p:nvSpPr>
+        <p:spPr>
+          <a:xfrm>
+            <a:off x="4331368" y="2945331"/>
+            <a:ext cx="2954956" cy="1055587"/>
+          </a:xfrm>
+          <a:prstGeom prst="rightArrow">
+            <a:avLst/>
+          </a:prstGeom>
+          <a:solidFill>
+            <a:srgbClr val="FF0000"/>
+          </a:solidFill>
+          <a:ln>
+            <a:solidFill>
+              <a:schemeClr val="tx1"/>
+            </a:solidFill>
+          </a:ln>
+        </p:spPr>
+        <p:style>
+          <a:lnRef idx="2">
+            <a:schemeClr val="accent1">
+              <a:shade val="50000"/>
+            </a:schemeClr>
+          </a:lnRef>
+          <a:fillRef idx="1">
+            <a:schemeClr val="accent1"/>
+          </a:fillRef>
+          <a:effectRef idx="0">
+            <a:schemeClr val="accent1"/>
+          </a:effectRef>
+          <a:fontRef idx="minor">
+            <a:schemeClr val="lt1"/>
+          </a:fontRef>
+        </p:style>
+        <p:txBody>
+          <a:bodyPr rtlCol="0" anchor="ctr"/>
+          <a:lstStyle/>
+          <a:p>
+            <a:pPr algn="ctr"/>
+            <a:r>
+              <a:rPr lang="ja-JP" altLang="en-US" b="1" dirty="0"/>
+              <a:t>起動時</a:t>
+            </a:r>
+            <a:r>
+              <a:rPr kumimoji="1" lang="ja-JP" altLang="en-US" b="1" dirty="0"/>
+              <a:t>処理</a:t>
+            </a:r>
+          </a:p>
+        </p:txBody>
+      </p:sp>
+      <p:sp>
+        <p:nvSpPr>
+          <p:cNvPr id="21" name="四角形: 角を丸くする 20">
+            <a:extLst>
+              <a:ext uri="{FF2B5EF4-FFF2-40B4-BE49-F238E27FC236}">
+                <a16:creationId xmlns:a16="http://schemas.microsoft.com/office/drawing/2014/main" id="{E9E97937-2887-444B-9312-BD208433FBBB}"/>
+              </a:ext>
+            </a:extLst>
+          </p:cNvPr>
+          <p:cNvSpPr/>
+          <p:nvPr/>
+        </p:nvSpPr>
+        <p:spPr>
+          <a:xfrm>
+            <a:off x="7449954" y="1795640"/>
+            <a:ext cx="2800951" cy="673769"/>
+          </a:xfrm>
+          <a:prstGeom prst="roundRect">
             <a:avLst/>
           </a:prstGeom>
           <a:solidFill>
             <a:schemeClr val="bg1"/>
           </a:solidFill>
+          <a:ln>
+            <a:solidFill>
+              <a:schemeClr val="tx1"/>
+            </a:solidFill>
+          </a:ln>
         </p:spPr>
-        <p:txBody>
-          <a:bodyPr wrap="square" rtlCol="0">
-            <a:spAutoFit/>
-          </a:bodyPr>
-          <a:lstStyle/>
-          <a:p>
-            <a:r>
-              <a:rPr lang="en-US" altLang="ja-JP" dirty="0"/>
-              <a:t>weather.txt</a:t>
-            </a:r>
-          </a:p>
-          <a:p>
-            <a:r>
-              <a:rPr lang="en-US" altLang="ja-JP" dirty="0"/>
-              <a:t>n</a:t>
-            </a:r>
-            <a:r>
-              <a:rPr kumimoji="1" lang="en-US" altLang="ja-JP" dirty="0"/>
-              <a:t>ews.txt</a:t>
-            </a:r>
-          </a:p>
-          <a:p>
-            <a:r>
-              <a:rPr lang="en-US" altLang="ja-JP" dirty="0"/>
-              <a:t>day.txt</a:t>
-            </a:r>
-          </a:p>
-          <a:p>
-            <a:r>
-              <a:rPr kumimoji="1" lang="en-US" altLang="ja-JP" dirty="0"/>
-              <a:t>fortune.txt</a:t>
-            </a:r>
-            <a:endParaRPr kumimoji="1" lang="ja-JP" altLang="en-US" dirty="0"/>
+        <p:style>
+          <a:lnRef idx="2">
+            <a:schemeClr val="accent1">
+              <a:shade val="50000"/>
+            </a:schemeClr>
+          </a:lnRef>
+          <a:fillRef idx="1">
+            <a:schemeClr val="accent1"/>
+          </a:fillRef>
+          <a:effectRef idx="0">
+            <a:schemeClr val="accent1"/>
+          </a:effectRef>
+          <a:fontRef idx="minor">
+            <a:schemeClr val="lt1"/>
+          </a:fontRef>
+        </p:style>
+        <p:txBody>
+          <a:bodyPr rtlCol="0" anchor="ctr"/>
+          <a:lstStyle/>
+          <a:p>
+            <a:pPr algn="ctr"/>
+            <a:r>
+              <a:rPr lang="ja-JP" altLang="en-US" b="1" dirty="0">
+                <a:solidFill>
+                  <a:schemeClr val="accent6">
+                    <a:lumMod val="75000"/>
+                  </a:schemeClr>
+                </a:solidFill>
+              </a:rPr>
+              <a:t>ファイルに書き込み</a:t>
+            </a:r>
+            <a:endParaRPr kumimoji="1" lang="ja-JP" altLang="en-US" b="1" dirty="0">
+              <a:solidFill>
+                <a:schemeClr val="accent6">
+                  <a:lumMod val="75000"/>
+                </a:schemeClr>
+              </a:solidFill>
+            </a:endParaRPr>
           </a:p>
         </p:txBody>
       </p:sp>
@@ -6003,18 +6705,9 @@
   <p:clrMapOvr>
     <a:masterClrMapping/>
   </p:clrMapOvr>
-  <mc:AlternateContent xmlns:mc="http://schemas.openxmlformats.org/markup-compatibility/2006" xmlns:p14="http://schemas.microsoft.com/office/powerpoint/2010/main">
-    <mc:Choice Requires="p14">
-      <p:transition spd="med" p14:dur="700">
-        <p:fade/>
-      </p:transition>
-    </mc:Choice>
-    <mc:Fallback xmlns="">
-      <p:transition spd="med">
-        <p:fade/>
-      </p:transition>
-    </mc:Fallback>
-  </mc:AlternateContent>
+  <p:transition spd="med">
+    <p:fade/>
+  </p:transition>
 </p:sld>
 </file>
 
@@ -6057,10 +6750,36 @@
           <a:lstStyle/>
           <a:p>
             <a:r>
-              <a:rPr kumimoji="1" lang="en-US" altLang="ja-JP" dirty="0"/>
+              <a:rPr kumimoji="1" lang="en-US" altLang="ja-JP" dirty="0">
+                <a:ln>
+                  <a:solidFill>
+                    <a:sysClr val="windowText" lastClr="000000"/>
+                  </a:solidFill>
+                </a:ln>
+                <a:solidFill>
+                  <a:schemeClr val="accent6">
+                    <a:lumMod val="75000"/>
+                  </a:schemeClr>
+                </a:solidFill>
+                <a:latin typeface="HGP明朝E" panose="02020900000000000000" pitchFamily="18" charset="-128"/>
+                <a:ea typeface="HGP明朝E" panose="02020900000000000000" pitchFamily="18" charset="-128"/>
+              </a:rPr>
               <a:t>OpenJTalk</a:t>
             </a:r>
-            <a:endParaRPr kumimoji="1" lang="ja-JP" altLang="en-US" dirty="0"/>
+            <a:endParaRPr kumimoji="1" lang="ja-JP" altLang="en-US" dirty="0">
+              <a:ln>
+                <a:solidFill>
+                  <a:sysClr val="windowText" lastClr="000000"/>
+                </a:solidFill>
+              </a:ln>
+              <a:solidFill>
+                <a:schemeClr val="accent6">
+                  <a:lumMod val="75000"/>
+                </a:schemeClr>
+              </a:solidFill>
+              <a:latin typeface="HGP明朝E" panose="02020900000000000000" pitchFamily="18" charset="-128"/>
+              <a:ea typeface="HGP明朝E" panose="02020900000000000000" pitchFamily="18" charset="-128"/>
+            </a:endParaRPr>
           </a:p>
         </p:txBody>
       </p:sp>
@@ -6085,7 +6804,9 @@
           <a:bodyPr/>
           <a:lstStyle/>
           <a:p>
-            <a:pPr lvl="0"/>
+            <a:pPr marL="0" lvl="0" indent="0">
+              <a:buNone/>
+            </a:pPr>
             <a:r>
               <a:rPr lang="ja-JP" altLang="en-US" dirty="0"/>
               <a:t>日本語用の</a:t>
@@ -6154,6 +6875,42 @@
           </a:p>
         </p:txBody>
       </p:sp>
+      <p:pic>
+        <p:nvPicPr>
+          <p:cNvPr id="6" name="図 5">
+            <a:extLst>
+              <a:ext uri="{FF2B5EF4-FFF2-40B4-BE49-F238E27FC236}">
+                <a16:creationId xmlns:a16="http://schemas.microsoft.com/office/drawing/2014/main" id="{C9D02A43-E1A7-4CAB-9D15-6ED07712A631}"/>
+              </a:ext>
+            </a:extLst>
+          </p:cNvPr>
+          <p:cNvPicPr>
+            <a:picLocks noChangeAspect="1"/>
+          </p:cNvPicPr>
+          <p:nvPr/>
+        </p:nvPicPr>
+        <p:blipFill>
+          <a:blip r:embed="rId2">
+            <a:extLst>
+              <a:ext uri="{28A0092B-C50C-407E-A947-70E740481C1C}">
+                <a14:useLocalDpi xmlns:a14="http://schemas.microsoft.com/office/drawing/2010/main" val="0"/>
+              </a:ext>
+            </a:extLst>
+          </a:blip>
+          <a:stretch>
+            <a:fillRect/>
+          </a:stretch>
+        </p:blipFill>
+        <p:spPr>
+          <a:xfrm>
+            <a:off x="1485455" y="2401434"/>
+            <a:ext cx="8912191" cy="3775529"/>
+          </a:xfrm>
+          <a:prstGeom prst="rect">
+            <a:avLst/>
+          </a:prstGeom>
+        </p:spPr>
+      </p:pic>
     </p:spTree>
     <p:extLst>
       <p:ext uri="{BB962C8B-B14F-4D97-AF65-F5344CB8AC3E}">
@@ -6207,37 +6964,23 @@
           <a:p>
             <a:pPr lvl="0"/>
             <a:r>
-              <a:rPr kumimoji="1" lang="ja-JP" altLang="en-US" dirty="0"/>
-              <a:t>工夫した点</a:t>
-            </a:r>
-          </a:p>
-        </p:txBody>
-      </p:sp>
-      <p:sp>
-        <p:nvSpPr>
-          <p:cNvPr id="3" name="コンテンツ プレースホルダー 2">
-            <a:extLst>
-              <a:ext uri="{FF2B5EF4-FFF2-40B4-BE49-F238E27FC236}">
-                <a16:creationId xmlns:a16="http://schemas.microsoft.com/office/drawing/2014/main" id="{49A63A04-9FDC-4B65-9F74-622C63A91B41}"/>
-              </a:ext>
-            </a:extLst>
-          </p:cNvPr>
-          <p:cNvSpPr>
-            <a:spLocks noGrp="1"/>
-          </p:cNvSpPr>
-          <p:nvPr>
-            <p:ph idx="1"/>
-          </p:nvPr>
-        </p:nvSpPr>
-        <p:spPr/>
-        <p:txBody>
-          <a:bodyPr/>
-          <a:lstStyle/>
-          <a:p>
-            <a:r>
-              <a:rPr kumimoji="1" lang="ja-JP" altLang="en-US" dirty="0"/>
-              <a:t>シェルスクリプトを分けた</a:t>
-            </a:r>
+              <a:rPr lang="ja-JP" altLang="en-US" dirty="0">
+                <a:ln>
+                  <a:solidFill>
+                    <a:sysClr val="windowText" lastClr="000000"/>
+                  </a:solidFill>
+                </a:ln>
+                <a:solidFill>
+                  <a:schemeClr val="accent6">
+                    <a:lumMod val="75000"/>
+                  </a:schemeClr>
+                </a:solidFill>
+                <a:latin typeface="HGP明朝E" panose="02020900000000000000" pitchFamily="18" charset="-128"/>
+                <a:ea typeface="HGP明朝E" panose="02020900000000000000" pitchFamily="18" charset="-128"/>
+              </a:rPr>
+              <a:t>工夫した点・処理を分割</a:t>
+            </a:r>
+            <a:endParaRPr kumimoji="1" lang="ja-JP" altLang="en-US" dirty="0"/>
           </a:p>
         </p:txBody>
       </p:sp>
@@ -6321,7 +7064,7 @@
         </p:blipFill>
         <p:spPr>
           <a:xfrm>
-            <a:off x="1937842" y="2350454"/>
+            <a:off x="1485457" y="2403247"/>
             <a:ext cx="8912191" cy="3775529"/>
           </a:xfrm>
           <a:prstGeom prst="rect">
@@ -6343,7 +7086,7 @@
         </p:nvSpPr>
         <p:spPr>
           <a:xfrm>
-            <a:off x="4258806" y="4202875"/>
+            <a:off x="3786230" y="4223634"/>
             <a:ext cx="1837194" cy="569199"/>
           </a:xfrm>
           <a:prstGeom prst="rect">
@@ -6375,15 +7118,22 @@
           <a:p>
             <a:pPr algn="ctr"/>
             <a:r>
-              <a:rPr kumimoji="1" lang="ja-JP" altLang="en-US" sz="1600" b="1" dirty="0">
+              <a:rPr lang="en-US" altLang="ja-JP" sz="2400" b="1" dirty="0">
                 <a:solidFill>
                   <a:schemeClr val="accent6">
                     <a:lumMod val="75000"/>
                   </a:schemeClr>
                 </a:solidFill>
               </a:rPr>
-              <a:t>テキストファイル</a:t>
-            </a:r>
+              <a:t>result.txt</a:t>
+            </a:r>
+            <a:endParaRPr kumimoji="1" lang="ja-JP" altLang="en-US" sz="2400" b="1" dirty="0">
+              <a:solidFill>
+                <a:schemeClr val="accent6">
+                  <a:lumMod val="75000"/>
+                </a:schemeClr>
+              </a:solidFill>
+            </a:endParaRPr>
           </a:p>
         </p:txBody>
       </p:sp>
@@ -6401,7 +7151,7 @@
         </p:nvSpPr>
         <p:spPr>
           <a:xfrm>
-            <a:off x="7911106" y="3713760"/>
+            <a:off x="7513731" y="3734519"/>
             <a:ext cx="2127207" cy="1569660"/>
           </a:xfrm>
           <a:prstGeom prst="rect">
@@ -6469,7 +7219,7 @@
                   </a:schemeClr>
                 </a:solidFill>
               </a:rPr>
-              <a:t>days.txt</a:t>
+              <a:t>day.txt</a:t>
             </a:r>
           </a:p>
           <a:p>
@@ -6517,7 +7267,7 @@
         </p:nvSpPr>
         <p:spPr>
           <a:xfrm>
-            <a:off x="6469789" y="4202875"/>
+            <a:off x="5938981" y="4223634"/>
             <a:ext cx="1259193" cy="591431"/>
           </a:xfrm>
           <a:prstGeom prst="rightArrow">
@@ -7144,7 +7894,7 @@
         </p:blipFill>
         <p:spPr>
           <a:xfrm>
-            <a:off x="6437825" y="2251799"/>
+            <a:off x="6638245" y="2252803"/>
             <a:ext cx="870033" cy="1797607"/>
           </a:xfrm>
         </p:spPr>
@@ -7199,13 +7949,13 @@
         </p:nvSpPr>
         <p:spPr>
           <a:xfrm>
-            <a:off x="1575420" y="1753392"/>
+            <a:off x="2815182" y="1731235"/>
             <a:ext cx="3743740" cy="858630"/>
           </a:xfrm>
           <a:prstGeom prst="wedgeEllipseCallout">
             <a:avLst>
-              <a:gd name="adj1" fmla="val -22665"/>
-              <a:gd name="adj2" fmla="val 69600"/>
+              <a:gd name="adj1" fmla="val -18037"/>
+              <a:gd name="adj2" fmla="val 71842"/>
             </a:avLst>
           </a:prstGeom>
           <a:solidFill>
@@ -7267,7 +8017,7 @@
         </p:nvSpPr>
         <p:spPr>
           <a:xfrm>
-            <a:off x="1871285" y="5450725"/>
+            <a:off x="3281675" y="5450725"/>
             <a:ext cx="1934817" cy="523220"/>
           </a:xfrm>
           <a:prstGeom prst="rect">
@@ -7303,7 +8053,7 @@
         </p:nvSpPr>
         <p:spPr>
           <a:xfrm>
-            <a:off x="7106293" y="1793338"/>
+            <a:off x="7307858" y="1753392"/>
             <a:ext cx="3743740" cy="1081625"/>
           </a:xfrm>
           <a:prstGeom prst="wedgeEllipseCallout">
@@ -7405,7 +8155,7 @@
         </p:blipFill>
         <p:spPr>
           <a:xfrm>
-            <a:off x="931877" y="2650644"/>
+            <a:off x="2351707" y="2700311"/>
             <a:ext cx="2908789" cy="2908789"/>
           </a:xfrm>
           <a:prstGeom prst="rect">
@@ -7465,7 +8215,7 @@
         </p:nvCxnSpPr>
         <p:spPr>
           <a:xfrm flipV="1">
-            <a:off x="2902191" y="2822853"/>
+            <a:off x="4164473" y="2850852"/>
             <a:ext cx="198970" cy="89169"/>
           </a:xfrm>
           <a:prstGeom prst="line">
@@ -7514,7 +8264,7 @@
         </p:blipFill>
         <p:spPr>
           <a:xfrm rot="1287409">
-            <a:off x="2920502" y="2964754"/>
+            <a:off x="4182784" y="2992753"/>
             <a:ext cx="243861" cy="146317"/>
           </a:xfrm>
           <a:prstGeom prst="rect">
@@ -7544,7 +8294,7 @@
         </p:blipFill>
         <p:spPr>
           <a:xfrm rot="3383590">
-            <a:off x="2879746" y="3126024"/>
+            <a:off x="4142028" y="3154023"/>
             <a:ext cx="243861" cy="146317"/>
           </a:xfrm>
           <a:prstGeom prst="rect">
@@ -8175,6 +8925,11 @@
               <a:lumMod val="75000"/>
             </a:schemeClr>
           </a:solidFill>
+          <a:ln>
+            <a:solidFill>
+              <a:schemeClr val="tx1"/>
+            </a:solidFill>
+          </a:ln>
         </p:spPr>
         <p:style>
           <a:lnRef idx="2">
@@ -8335,6 +9090,11 @@
           <a:solidFill>
             <a:schemeClr val="bg1"/>
           </a:solidFill>
+          <a:ln>
+            <a:solidFill>
+              <a:schemeClr val="tx1"/>
+            </a:solidFill>
+          </a:ln>
         </p:spPr>
         <p:style>
           <a:lnRef idx="2">
@@ -8400,6 +9160,11 @@
           <a:solidFill>
             <a:schemeClr val="bg1"/>
           </a:solidFill>
+          <a:ln>
+            <a:solidFill>
+              <a:schemeClr val="tx1"/>
+            </a:solidFill>
+          </a:ln>
         </p:spPr>
         <p:style>
           <a:lnRef idx="2">
@@ -8465,6 +9230,11 @@
           <a:solidFill>
             <a:schemeClr val="bg1"/>
           </a:solidFill>
+          <a:ln>
+            <a:solidFill>
+              <a:schemeClr val="tx1"/>
+            </a:solidFill>
+          </a:ln>
         </p:spPr>
         <p:style>
           <a:lnRef idx="2">
@@ -8530,6 +9300,11 @@
           <a:solidFill>
             <a:schemeClr val="bg1"/>
           </a:solidFill>
+          <a:ln>
+            <a:solidFill>
+              <a:schemeClr val="tx1"/>
+            </a:solidFill>
+          </a:ln>
         </p:spPr>
         <p:style>
           <a:lnRef idx="2">
@@ -8590,6 +9365,11 @@
               <a:lumMod val="75000"/>
             </a:schemeClr>
           </a:solidFill>
+          <a:ln>
+            <a:solidFill>
+              <a:schemeClr val="tx1"/>
+            </a:solidFill>
+          </a:ln>
         </p:spPr>
         <p:style>
           <a:lnRef idx="2">
@@ -8644,6 +9424,11 @@
               <a:lumMod val="75000"/>
             </a:schemeClr>
           </a:solidFill>
+          <a:ln>
+            <a:solidFill>
+              <a:schemeClr val="tx1"/>
+            </a:solidFill>
+          </a:ln>
         </p:spPr>
         <p:style>
           <a:lnRef idx="2">
@@ -8698,6 +9483,11 @@
               <a:lumMod val="75000"/>
             </a:schemeClr>
           </a:solidFill>
+          <a:ln>
+            <a:solidFill>
+              <a:schemeClr val="tx1"/>
+            </a:solidFill>
+          </a:ln>
         </p:spPr>
         <p:style>
           <a:lnRef idx="2">
@@ -8752,6 +9542,11 @@
               <a:lumMod val="50000"/>
             </a:schemeClr>
           </a:solidFill>
+          <a:ln>
+            <a:solidFill>
+              <a:schemeClr val="tx1"/>
+            </a:solidFill>
+          </a:ln>
         </p:spPr>
         <p:style>
           <a:lnRef idx="2">
@@ -8803,6 +9598,11 @@
               <a:lumMod val="50000"/>
             </a:schemeClr>
           </a:solidFill>
+          <a:ln>
+            <a:solidFill>
+              <a:schemeClr val="tx1"/>
+            </a:solidFill>
+          </a:ln>
         </p:spPr>
         <p:style>
           <a:lnRef idx="2">
@@ -8854,6 +9654,11 @@
               <a:lumMod val="50000"/>
             </a:schemeClr>
           </a:solidFill>
+          <a:ln>
+            <a:solidFill>
+              <a:schemeClr val="tx1"/>
+            </a:solidFill>
+          </a:ln>
         </p:spPr>
         <p:style>
           <a:lnRef idx="2">
@@ -9610,7 +10415,7 @@
         </p:nvSpPr>
         <p:spPr>
           <a:xfrm>
-            <a:off x="174057" y="240858"/>
+            <a:off x="241434" y="492244"/>
             <a:ext cx="10515600" cy="1325563"/>
           </a:xfrm>
         </p:spPr>
@@ -9635,6 +10440,87 @@
               </a:rPr>
               <a:t>コードの構造</a:t>
             </a:r>
+            <a:br>
+              <a:rPr kumimoji="1" lang="en-US" altLang="ja-JP" dirty="0">
+                <a:ln>
+                  <a:solidFill>
+                    <a:schemeClr val="tx1"/>
+                  </a:solidFill>
+                </a:ln>
+                <a:solidFill>
+                  <a:schemeClr val="accent6">
+                    <a:lumMod val="75000"/>
+                  </a:schemeClr>
+                </a:solidFill>
+                <a:latin typeface="HGP明朝E" panose="02020900000000000000" pitchFamily="18" charset="-128"/>
+                <a:ea typeface="HGP明朝E" panose="02020900000000000000" pitchFamily="18" charset="-128"/>
+              </a:rPr>
+            </a:br>
+            <a:r>
+              <a:rPr kumimoji="1" lang="en-US" altLang="ja-JP" dirty="0">
+                <a:ln>
+                  <a:solidFill>
+                    <a:schemeClr val="tx1"/>
+                  </a:solidFill>
+                </a:ln>
+                <a:solidFill>
+                  <a:schemeClr val="accent6">
+                    <a:lumMod val="75000"/>
+                  </a:schemeClr>
+                </a:solidFill>
+                <a:latin typeface="HGP明朝E" panose="02020900000000000000" pitchFamily="18" charset="-128"/>
+                <a:ea typeface="HGP明朝E" panose="02020900000000000000" pitchFamily="18" charset="-128"/>
+              </a:rPr>
+              <a:t>(Julius_</a:t>
+            </a:r>
+            <a:r>
+              <a:rPr lang="en-US" altLang="ja-JP" dirty="0">
+                <a:ln>
+                  <a:solidFill>
+                    <a:schemeClr val="tx1"/>
+                  </a:solidFill>
+                </a:ln>
+                <a:solidFill>
+                  <a:schemeClr val="accent6">
+                    <a:lumMod val="75000"/>
+                  </a:schemeClr>
+                </a:solidFill>
+                <a:latin typeface="HGP明朝E" panose="02020900000000000000" pitchFamily="18" charset="-128"/>
+                <a:ea typeface="HGP明朝E" panose="02020900000000000000" pitchFamily="18" charset="-128"/>
+              </a:rPr>
+              <a:t>Python.py</a:t>
+            </a:r>
+            <a:r>
+              <a:rPr kumimoji="1" lang="en-US" altLang="ja-JP" dirty="0">
+                <a:ln>
+                  <a:solidFill>
+                    <a:schemeClr val="tx1"/>
+                  </a:solidFill>
+                </a:ln>
+                <a:solidFill>
+                  <a:schemeClr val="accent6">
+                    <a:lumMod val="75000"/>
+                  </a:schemeClr>
+                </a:solidFill>
+                <a:latin typeface="HGP明朝E" panose="02020900000000000000" pitchFamily="18" charset="-128"/>
+                <a:ea typeface="HGP明朝E" panose="02020900000000000000" pitchFamily="18" charset="-128"/>
+              </a:rPr>
+              <a:t>)</a:t>
+            </a:r>
+            <a:endParaRPr kumimoji="1" lang="ja-JP" altLang="en-US" dirty="0">
+              <a:ln>
+                <a:solidFill>
+                  <a:schemeClr val="tx1"/>
+                </a:solidFill>
+              </a:ln>
+              <a:solidFill>
+                <a:schemeClr val="accent6">
+                  <a:lumMod val="75000"/>
+                </a:schemeClr>
+              </a:solidFill>
+              <a:latin typeface="HGP明朝E" panose="02020900000000000000" pitchFamily="18" charset="-128"/>
+              <a:ea typeface="HGP明朝E" panose="02020900000000000000" pitchFamily="18" charset="-128"/>
+            </a:endParaRPr>
           </a:p>
         </p:txBody>
       </p:sp>
@@ -9704,7 +10590,7 @@
         </p:nvSpPr>
         <p:spPr>
           <a:xfrm>
-            <a:off x="3750914" y="1777436"/>
+            <a:off x="4915570" y="1437395"/>
             <a:ext cx="4331368" cy="628442"/>
           </a:xfrm>
           <a:prstGeom prst="rect">
@@ -9802,7 +10688,7 @@
         </p:nvSpPr>
         <p:spPr>
           <a:xfrm>
-            <a:off x="3750914" y="2707170"/>
+            <a:off x="4915570" y="2367129"/>
             <a:ext cx="4331367" cy="659274"/>
           </a:xfrm>
           <a:prstGeom prst="rect">
@@ -9860,7 +10746,7 @@
         </p:nvSpPr>
         <p:spPr>
           <a:xfrm>
-            <a:off x="3750914" y="3667737"/>
+            <a:off x="4915570" y="3327696"/>
             <a:ext cx="4325349" cy="659274"/>
           </a:xfrm>
           <a:prstGeom prst="rect">
@@ -9918,7 +10804,7 @@
         </p:nvSpPr>
         <p:spPr>
           <a:xfrm>
-            <a:off x="3756933" y="4628304"/>
+            <a:off x="4921589" y="4288263"/>
             <a:ext cx="4325348" cy="658449"/>
           </a:xfrm>
           <a:prstGeom prst="rect">
@@ -10006,7 +10892,7 @@
         </p:nvSpPr>
         <p:spPr>
           <a:xfrm>
-            <a:off x="3756931" y="5588046"/>
+            <a:off x="4921587" y="5248005"/>
             <a:ext cx="4337384" cy="658449"/>
           </a:xfrm>
           <a:prstGeom prst="rect">
@@ -10068,7 +10954,7 @@
         </p:nvCxnSpPr>
         <p:spPr>
           <a:xfrm>
-            <a:off x="5916598" y="2405878"/>
+            <a:off x="7081254" y="2065837"/>
             <a:ext cx="0" cy="301292"/>
           </a:xfrm>
           <a:prstGeom prst="straightConnector1">
@@ -10116,7 +11002,7 @@
         </p:nvCxnSpPr>
         <p:spPr>
           <a:xfrm flipH="1">
-            <a:off x="5913589" y="3366444"/>
+            <a:off x="7078245" y="3026403"/>
             <a:ext cx="3009" cy="301293"/>
           </a:xfrm>
           <a:prstGeom prst="straightConnector1">
@@ -10164,7 +11050,7 @@
         </p:nvCxnSpPr>
         <p:spPr>
           <a:xfrm>
-            <a:off x="5913589" y="4327011"/>
+            <a:off x="7078245" y="3986970"/>
             <a:ext cx="6018" cy="301293"/>
           </a:xfrm>
           <a:prstGeom prst="straightConnector1">
@@ -10212,7 +11098,7 @@
         </p:nvCxnSpPr>
         <p:spPr>
           <a:xfrm>
-            <a:off x="5919607" y="5286753"/>
+            <a:off x="7084263" y="4946712"/>
             <a:ext cx="6016" cy="301293"/>
           </a:xfrm>
           <a:prstGeom prst="straightConnector1">
@@ -10256,7 +11142,7 @@
         </p:nvSpPr>
         <p:spPr>
           <a:xfrm>
-            <a:off x="8523647" y="4101618"/>
+            <a:off x="8754652" y="3883942"/>
             <a:ext cx="2459859" cy="1179095"/>
           </a:xfrm>
           <a:prstGeom prst="wedgeEllipseCallout">
@@ -10266,7 +11152,10 @@
             </a:avLst>
           </a:prstGeom>
           <a:solidFill>
-            <a:schemeClr val="bg1"/>
+            <a:schemeClr val="accent6">
+              <a:lumMod val="60000"/>
+              <a:lumOff val="40000"/>
+            </a:schemeClr>
           </a:solidFill>
         </p:spPr>
         <p:style>
@@ -10324,7 +11213,7 @@
         </p:nvSpPr>
         <p:spPr>
           <a:xfrm>
-            <a:off x="8563841" y="5286753"/>
+            <a:off x="8754652" y="5117266"/>
             <a:ext cx="2552276" cy="1219624"/>
           </a:xfrm>
           <a:prstGeom prst="wedgeEllipseCallout">
@@ -10334,7 +11223,10 @@
             </a:avLst>
           </a:prstGeom>
           <a:solidFill>
-            <a:schemeClr val="bg1"/>
+            <a:schemeClr val="accent6">
+              <a:lumMod val="60000"/>
+              <a:lumOff val="40000"/>
+            </a:schemeClr>
           </a:solidFill>
         </p:spPr>
         <p:style>
@@ -10416,7 +11308,7 @@
         </p:nvCxnSpPr>
         <p:spPr>
           <a:xfrm rot="10800000">
-            <a:off x="3750915" y="3036807"/>
+            <a:off x="4915571" y="2696766"/>
             <a:ext cx="6017" cy="2880464"/>
           </a:xfrm>
           <a:prstGeom prst="curvedConnector3">
@@ -10462,7 +11354,7 @@
         </p:nvSpPr>
         <p:spPr>
           <a:xfrm>
-            <a:off x="3750914" y="832285"/>
+            <a:off x="4915570" y="492244"/>
             <a:ext cx="4331368" cy="628442"/>
           </a:xfrm>
           <a:prstGeom prst="rect">
@@ -10541,7 +11433,7 @@
         </p:nvCxnSpPr>
         <p:spPr>
           <a:xfrm>
-            <a:off x="5916598" y="1460727"/>
+            <a:off x="7081254" y="1120686"/>
             <a:ext cx="0" cy="316709"/>
           </a:xfrm>
           <a:prstGeom prst="straightConnector1">
@@ -10581,6 +11473,14 @@
   <p:clrMapOvr>
     <a:masterClrMapping/>
   </p:clrMapOvr>
+  <mc:AlternateContent xmlns:mc="http://schemas.openxmlformats.org/markup-compatibility/2006" xmlns:p14="http://schemas.microsoft.com/office/powerpoint/2010/main">
+    <mc:Choice Requires="p14">
+      <p:transition p14:dur="10"/>
+    </mc:Choice>
+    <mc:Fallback xmlns="">
+      <p:transition/>
+    </mc:Fallback>
+  </mc:AlternateContent>
 </p:sld>
 </file>
 
@@ -10635,7 +11535,7 @@
           <p:cNvPr id="5" name="コンテンツ プレースホルダー 4">
             <a:extLst>
               <a:ext uri="{FF2B5EF4-FFF2-40B4-BE49-F238E27FC236}">
-                <a16:creationId xmlns:a16="http://schemas.microsoft.com/office/drawing/2014/main" id="{995FCA1C-E950-4D50-822A-FCBB8CE2391F}"/>
+                <a16:creationId xmlns:a16="http://schemas.microsoft.com/office/drawing/2014/main" id="{A23CAC36-8AB3-4FFD-AA71-80D7BBAF7E7B}"/>
               </a:ext>
             </a:extLst>
           </p:cNvPr>
@@ -10647,7 +11547,7 @@
           </p:nvPr>
         </p:nvPicPr>
         <p:blipFill>
-          <a:blip r:embed="rId2">
+          <a:blip r:embed="rId3">
             <a:extLst>
               <a:ext uri="{28A0092B-C50C-407E-A947-70E740481C1C}">
                 <a14:useLocalDpi xmlns:a14="http://schemas.microsoft.com/office/drawing/2010/main" val="0"/>
@@ -10665,28 +11565,426 @@
           </a:xfrm>
         </p:spPr>
       </p:pic>
+      <p:sp>
+        <p:nvSpPr>
+          <p:cNvPr id="3" name="正方形/長方形 2">
+            <a:extLst>
+              <a:ext uri="{FF2B5EF4-FFF2-40B4-BE49-F238E27FC236}">
+                <a16:creationId xmlns:a16="http://schemas.microsoft.com/office/drawing/2014/main" id="{6A6543B1-C60A-4785-AB59-5B2CA6C11538}"/>
+              </a:ext>
+            </a:extLst>
+          </p:cNvPr>
+          <p:cNvSpPr/>
+          <p:nvPr/>
+        </p:nvSpPr>
+        <p:spPr>
+          <a:xfrm>
+            <a:off x="838200" y="1387862"/>
+            <a:ext cx="6641359" cy="2972382"/>
+          </a:xfrm>
+          <a:prstGeom prst="rect">
+            <a:avLst/>
+          </a:prstGeom>
+          <a:solidFill>
+            <a:srgbClr val="E9973B"/>
+          </a:solidFill>
+          <a:ln>
+            <a:noFill/>
+          </a:ln>
+        </p:spPr>
+        <p:style>
+          <a:lnRef idx="2">
+            <a:schemeClr val="accent1">
+              <a:shade val="50000"/>
+            </a:schemeClr>
+          </a:lnRef>
+          <a:fillRef idx="1">
+            <a:schemeClr val="accent1"/>
+          </a:fillRef>
+          <a:effectRef idx="0">
+            <a:schemeClr val="accent1"/>
+          </a:effectRef>
+          <a:fontRef idx="minor">
+            <a:schemeClr val="lt1"/>
+          </a:fontRef>
+        </p:style>
+        <p:txBody>
+          <a:bodyPr rtlCol="0" anchor="ctr"/>
+          <a:lstStyle/>
+          <a:p>
+            <a:pPr algn="ctr"/>
+            <a:endParaRPr kumimoji="1" lang="ja-JP" altLang="en-US"/>
+          </a:p>
+        </p:txBody>
+      </p:sp>
+      <p:sp>
+        <p:nvSpPr>
+          <p:cNvPr id="6" name="正方形/長方形 5">
+            <a:extLst>
+              <a:ext uri="{FF2B5EF4-FFF2-40B4-BE49-F238E27FC236}">
+                <a16:creationId xmlns:a16="http://schemas.microsoft.com/office/drawing/2014/main" id="{A61F263C-15C6-4B52-B98D-228354879A25}"/>
+              </a:ext>
+            </a:extLst>
+          </p:cNvPr>
+          <p:cNvSpPr/>
+          <p:nvPr/>
+        </p:nvSpPr>
+        <p:spPr>
+          <a:xfrm>
+            <a:off x="838200" y="1387862"/>
+            <a:ext cx="2444015" cy="5470138"/>
+          </a:xfrm>
+          <a:prstGeom prst="rect">
+            <a:avLst/>
+          </a:prstGeom>
+          <a:solidFill>
+            <a:srgbClr val="E9973B"/>
+          </a:solidFill>
+          <a:ln>
+            <a:noFill/>
+          </a:ln>
+        </p:spPr>
+        <p:style>
+          <a:lnRef idx="2">
+            <a:schemeClr val="accent1">
+              <a:shade val="50000"/>
+            </a:schemeClr>
+          </a:lnRef>
+          <a:fillRef idx="1">
+            <a:schemeClr val="accent1"/>
+          </a:fillRef>
+          <a:effectRef idx="0">
+            <a:schemeClr val="accent1"/>
+          </a:effectRef>
+          <a:fontRef idx="minor">
+            <a:schemeClr val="lt1"/>
+          </a:fontRef>
+        </p:style>
+        <p:txBody>
+          <a:bodyPr rtlCol="0" anchor="ctr"/>
+          <a:lstStyle/>
+          <a:p>
+            <a:pPr algn="ctr"/>
+            <a:endParaRPr kumimoji="1" lang="ja-JP" altLang="en-US"/>
+          </a:p>
+        </p:txBody>
+      </p:sp>
+      <p:sp>
+        <p:nvSpPr>
+          <p:cNvPr id="8" name="正方形/長方形 7">
+            <a:extLst>
+              <a:ext uri="{FF2B5EF4-FFF2-40B4-BE49-F238E27FC236}">
+                <a16:creationId xmlns:a16="http://schemas.microsoft.com/office/drawing/2014/main" id="{6BF17D53-99F6-498F-89A4-D3E8AFEED63D}"/>
+              </a:ext>
+            </a:extLst>
+          </p:cNvPr>
+          <p:cNvSpPr/>
+          <p:nvPr/>
+        </p:nvSpPr>
+        <p:spPr>
+          <a:xfrm>
+            <a:off x="838200" y="6121667"/>
+            <a:ext cx="6641359" cy="736333"/>
+          </a:xfrm>
+          <a:prstGeom prst="rect">
+            <a:avLst/>
+          </a:prstGeom>
+          <a:solidFill>
+            <a:srgbClr val="E9973B"/>
+          </a:solidFill>
+          <a:ln>
+            <a:noFill/>
+          </a:ln>
+        </p:spPr>
+        <p:style>
+          <a:lnRef idx="2">
+            <a:schemeClr val="accent1">
+              <a:shade val="50000"/>
+            </a:schemeClr>
+          </a:lnRef>
+          <a:fillRef idx="1">
+            <a:schemeClr val="accent1"/>
+          </a:fillRef>
+          <a:effectRef idx="0">
+            <a:schemeClr val="accent1"/>
+          </a:effectRef>
+          <a:fontRef idx="minor">
+            <a:schemeClr val="lt1"/>
+          </a:fontRef>
+        </p:style>
+        <p:txBody>
+          <a:bodyPr rtlCol="0" anchor="ctr"/>
+          <a:lstStyle/>
+          <a:p>
+            <a:pPr algn="ctr"/>
+            <a:endParaRPr kumimoji="1" lang="ja-JP" altLang="en-US"/>
+          </a:p>
+        </p:txBody>
+      </p:sp>
+      <p:sp>
+        <p:nvSpPr>
+          <p:cNvPr id="9" name="正方形/長方形 8">
+            <a:extLst>
+              <a:ext uri="{FF2B5EF4-FFF2-40B4-BE49-F238E27FC236}">
+                <a16:creationId xmlns:a16="http://schemas.microsoft.com/office/drawing/2014/main" id="{FC97277A-9374-43A6-8A2F-D35CBB412544}"/>
+              </a:ext>
+            </a:extLst>
+          </p:cNvPr>
+          <p:cNvSpPr/>
+          <p:nvPr/>
+        </p:nvSpPr>
+        <p:spPr>
+          <a:xfrm>
+            <a:off x="5804034" y="1387862"/>
+            <a:ext cx="1675525" cy="5470138"/>
+          </a:xfrm>
+          <a:prstGeom prst="rect">
+            <a:avLst/>
+          </a:prstGeom>
+          <a:solidFill>
+            <a:srgbClr val="E9973B"/>
+          </a:solidFill>
+          <a:ln>
+            <a:noFill/>
+          </a:ln>
+        </p:spPr>
+        <p:style>
+          <a:lnRef idx="2">
+            <a:schemeClr val="accent1">
+              <a:shade val="50000"/>
+            </a:schemeClr>
+          </a:lnRef>
+          <a:fillRef idx="1">
+            <a:schemeClr val="accent1"/>
+          </a:fillRef>
+          <a:effectRef idx="0">
+            <a:schemeClr val="accent1"/>
+          </a:effectRef>
+          <a:fontRef idx="minor">
+            <a:schemeClr val="lt1"/>
+          </a:fontRef>
+        </p:style>
+        <p:txBody>
+          <a:bodyPr rtlCol="0" anchor="ctr"/>
+          <a:lstStyle/>
+          <a:p>
+            <a:pPr algn="ctr"/>
+            <a:endParaRPr kumimoji="1" lang="ja-JP" altLang="en-US"/>
+          </a:p>
+        </p:txBody>
+      </p:sp>
     </p:spTree>
     <p:extLst>
       <p:ext uri="{BB962C8B-B14F-4D97-AF65-F5344CB8AC3E}">
-        <p14:creationId xmlns:p14="http://schemas.microsoft.com/office/powerpoint/2010/main" val="1264961473"/>
+        <p14:creationId xmlns:p14="http://schemas.microsoft.com/office/powerpoint/2010/main" val="223759514"/>
       </p:ext>
     </p:extLst>
   </p:cSld>
   <p:clrMapOvr>
     <a:masterClrMapping/>
   </p:clrMapOvr>
-  <mc:AlternateContent xmlns:mc="http://schemas.openxmlformats.org/markup-compatibility/2006">
-    <mc:Choice xmlns:p15="http://schemas.microsoft.com/office/powerpoint/2012/main" Requires="p15">
-      <p:transition xmlns:p14="http://schemas.microsoft.com/office/powerpoint/2010/main" spd="slow" p14:dur="2000">
-        <p15:prstTrans prst="drape"/>
-      </p:transition>
+  <mc:AlternateContent xmlns:mc="http://schemas.openxmlformats.org/markup-compatibility/2006" xmlns:p14="http://schemas.microsoft.com/office/powerpoint/2010/main">
+    <mc:Choice Requires="p14">
+      <p:transition p14:dur="10"/>
     </mc:Choice>
-    <mc:Fallback>
-      <p:transition spd="slow">
-        <p:fade/>
-      </p:transition>
+    <mc:Fallback xmlns="">
+      <p:transition/>
     </mc:Fallback>
   </mc:AlternateContent>
+  <p:timing>
+    <p:tnLst>
+      <p:par>
+        <p:cTn id="1" dur="indefinite" restart="never" nodeType="tmRoot">
+          <p:childTnLst>
+            <p:seq concurrent="1" nextAc="seek">
+              <p:cTn id="2" dur="indefinite" nodeType="mainSeq">
+                <p:childTnLst>
+                  <p:par>
+                    <p:cTn id="3" fill="hold">
+                      <p:stCondLst>
+                        <p:cond delay="indefinite"/>
+                      </p:stCondLst>
+                      <p:childTnLst>
+                        <p:par>
+                          <p:cTn id="4" fill="hold">
+                            <p:stCondLst>
+                              <p:cond delay="0"/>
+                            </p:stCondLst>
+                            <p:childTnLst>
+                              <p:par>
+                                <p:cTn id="5" presetID="22" presetClass="entr" presetSubtype="8" fill="hold" grpId="0" nodeType="clickEffect">
+                                  <p:stCondLst>
+                                    <p:cond delay="0"/>
+                                  </p:stCondLst>
+                                  <p:childTnLst>
+                                    <p:set>
+                                      <p:cBhvr>
+                                        <p:cTn id="6" dur="1" fill="hold">
+                                          <p:stCondLst>
+                                            <p:cond delay="0"/>
+                                          </p:stCondLst>
+                                        </p:cTn>
+                                        <p:tgtEl>
+                                          <p:spTgt spid="6"/>
+                                        </p:tgtEl>
+                                        <p:attrNameLst>
+                                          <p:attrName>style.visibility</p:attrName>
+                                        </p:attrNameLst>
+                                      </p:cBhvr>
+                                      <p:to>
+                                        <p:strVal val="visible"/>
+                                      </p:to>
+                                    </p:set>
+                                    <p:animEffect transition="in" filter="wipe(left)">
+                                      <p:cBhvr>
+                                        <p:cTn id="7" dur="250"/>
+                                        <p:tgtEl>
+                                          <p:spTgt spid="6"/>
+                                        </p:tgtEl>
+                                      </p:cBhvr>
+                                    </p:animEffect>
+                                  </p:childTnLst>
+                                </p:cTn>
+                              </p:par>
+                              <p:par>
+                                <p:cTn id="8" presetID="22" presetClass="entr" presetSubtype="1" fill="hold" grpId="0" nodeType="withEffect">
+                                  <p:stCondLst>
+                                    <p:cond delay="0"/>
+                                  </p:stCondLst>
+                                  <p:childTnLst>
+                                    <p:set>
+                                      <p:cBhvr>
+                                        <p:cTn id="9" dur="1" fill="hold">
+                                          <p:stCondLst>
+                                            <p:cond delay="0"/>
+                                          </p:stCondLst>
+                                        </p:cTn>
+                                        <p:tgtEl>
+                                          <p:spTgt spid="3"/>
+                                        </p:tgtEl>
+                                        <p:attrNameLst>
+                                          <p:attrName>style.visibility</p:attrName>
+                                        </p:attrNameLst>
+                                      </p:cBhvr>
+                                      <p:to>
+                                        <p:strVal val="visible"/>
+                                      </p:to>
+                                    </p:set>
+                                    <p:animEffect transition="in" filter="wipe(up)">
+                                      <p:cBhvr>
+                                        <p:cTn id="10" dur="250"/>
+                                        <p:tgtEl>
+                                          <p:spTgt spid="3"/>
+                                        </p:tgtEl>
+                                      </p:cBhvr>
+                                    </p:animEffect>
+                                  </p:childTnLst>
+                                </p:cTn>
+                              </p:par>
+                              <p:par>
+                                <p:cTn id="11" presetID="22" presetClass="entr" presetSubtype="2" fill="hold" grpId="0" nodeType="withEffect">
+                                  <p:stCondLst>
+                                    <p:cond delay="0"/>
+                                  </p:stCondLst>
+                                  <p:childTnLst>
+                                    <p:set>
+                                      <p:cBhvr>
+                                        <p:cTn id="12" dur="1" fill="hold">
+                                          <p:stCondLst>
+                                            <p:cond delay="0"/>
+                                          </p:stCondLst>
+                                        </p:cTn>
+                                        <p:tgtEl>
+                                          <p:spTgt spid="9"/>
+                                        </p:tgtEl>
+                                        <p:attrNameLst>
+                                          <p:attrName>style.visibility</p:attrName>
+                                        </p:attrNameLst>
+                                      </p:cBhvr>
+                                      <p:to>
+                                        <p:strVal val="visible"/>
+                                      </p:to>
+                                    </p:set>
+                                    <p:animEffect transition="in" filter="wipe(right)">
+                                      <p:cBhvr>
+                                        <p:cTn id="13" dur="250"/>
+                                        <p:tgtEl>
+                                          <p:spTgt spid="9"/>
+                                        </p:tgtEl>
+                                      </p:cBhvr>
+                                    </p:animEffect>
+                                  </p:childTnLst>
+                                </p:cTn>
+                              </p:par>
+                              <p:par>
+                                <p:cTn id="14" presetID="22" presetClass="entr" presetSubtype="4" fill="hold" grpId="0" nodeType="withEffect">
+                                  <p:stCondLst>
+                                    <p:cond delay="0"/>
+                                  </p:stCondLst>
+                                  <p:childTnLst>
+                                    <p:set>
+                                      <p:cBhvr>
+                                        <p:cTn id="15" dur="1" fill="hold">
+                                          <p:stCondLst>
+                                            <p:cond delay="0"/>
+                                          </p:stCondLst>
+                                        </p:cTn>
+                                        <p:tgtEl>
+                                          <p:spTgt spid="8"/>
+                                        </p:tgtEl>
+                                        <p:attrNameLst>
+                                          <p:attrName>style.visibility</p:attrName>
+                                        </p:attrNameLst>
+                                      </p:cBhvr>
+                                      <p:to>
+                                        <p:strVal val="visible"/>
+                                      </p:to>
+                                    </p:set>
+                                    <p:animEffect transition="in" filter="wipe(down)">
+                                      <p:cBhvr>
+                                        <p:cTn id="16" dur="250"/>
+                                        <p:tgtEl>
+                                          <p:spTgt spid="8"/>
+                                        </p:tgtEl>
+                                      </p:cBhvr>
+                                    </p:animEffect>
+                                  </p:childTnLst>
+                                </p:cTn>
+                              </p:par>
+                            </p:childTnLst>
+                          </p:cTn>
+                        </p:par>
+                      </p:childTnLst>
+                    </p:cTn>
+                  </p:par>
+                </p:childTnLst>
+              </p:cTn>
+              <p:prevCondLst>
+                <p:cond evt="onPrev" delay="0">
+                  <p:tgtEl>
+                    <p:sldTgt/>
+                  </p:tgtEl>
+                </p:cond>
+              </p:prevCondLst>
+              <p:nextCondLst>
+                <p:cond evt="onNext" delay="0">
+                  <p:tgtEl>
+                    <p:sldTgt/>
+                  </p:tgtEl>
+                </p:cond>
+              </p:nextCondLst>
+            </p:seq>
+          </p:childTnLst>
+        </p:cTn>
+      </p:par>
+    </p:tnLst>
+    <p:bldLst>
+      <p:bldP spid="3" grpId="0" animBg="1"/>
+      <p:bldP spid="6" grpId="0" animBg="1"/>
+      <p:bldP spid="8" grpId="0" animBg="1"/>
+      <p:bldP spid="9" grpId="0" animBg="1"/>
+    </p:bldLst>
+  </p:timing>
 </p:sld>
 </file>
 
@@ -10712,7 +12010,7 @@
           <p:cNvPr id="2" name="タイトル 1">
             <a:extLst>
               <a:ext uri="{FF2B5EF4-FFF2-40B4-BE49-F238E27FC236}">
-                <a16:creationId xmlns:a16="http://schemas.microsoft.com/office/drawing/2014/main" id="{0F2F0C90-EAE3-4106-A659-4B0EA572FE7A}"/>
+                <a16:creationId xmlns:a16="http://schemas.microsoft.com/office/drawing/2014/main" id="{29E445BA-95B9-4DFC-B2B2-A28402DE7BC5}"/>
               </a:ext>
             </a:extLst>
           </p:cNvPr>
@@ -10741,7 +12039,7 @@
           <p:cNvPr id="4" name="図 3">
             <a:extLst>
               <a:ext uri="{FF2B5EF4-FFF2-40B4-BE49-F238E27FC236}">
-                <a16:creationId xmlns:a16="http://schemas.microsoft.com/office/drawing/2014/main" id="{CE16CF38-D51B-44EF-8962-0CC2F8139639}"/>
+                <a16:creationId xmlns:a16="http://schemas.microsoft.com/office/drawing/2014/main" id="{5C3441E2-38B2-43B1-810A-F384FC273B7C}"/>
               </a:ext>
             </a:extLst>
           </p:cNvPr>
@@ -10764,43 +12062,18 @@
         </p:blipFill>
         <p:spPr>
           <a:xfrm>
-            <a:off x="3284019" y="4343399"/>
-            <a:ext cx="2455729" cy="1749287"/>
+            <a:off x="3282215" y="4380723"/>
+            <a:ext cx="2464067" cy="1740943"/>
           </a:xfrm>
           <a:prstGeom prst="rect">
             <a:avLst/>
           </a:prstGeom>
         </p:spPr>
       </p:pic>
-      <p:sp>
-        <p:nvSpPr>
-          <p:cNvPr id="7" name="コンテンツ プレースホルダー 6">
-            <a:extLst>
-              <a:ext uri="{FF2B5EF4-FFF2-40B4-BE49-F238E27FC236}">
-                <a16:creationId xmlns:a16="http://schemas.microsoft.com/office/drawing/2014/main" id="{EC00E20A-81FA-4F2B-A621-B60B9A8D151A}"/>
-              </a:ext>
-            </a:extLst>
-          </p:cNvPr>
-          <p:cNvSpPr>
-            <a:spLocks noGrp="1"/>
-          </p:cNvSpPr>
-          <p:nvPr>
-            <p:ph idx="1"/>
-          </p:nvPr>
-        </p:nvSpPr>
-        <p:spPr/>
-        <p:txBody>
-          <a:bodyPr/>
-          <a:lstStyle/>
-          <a:p>
-            <a:endParaRPr lang="ja-JP" altLang="en-US"/>
-          </a:p>
-        </p:txBody>
-      </p:sp>
     </p:spTree>
     <p:extLst>
       <p:ext uri="{BB962C8B-B14F-4D97-AF65-F5344CB8AC3E}">
-        <p14:creationId xmlns:p14="http://schemas.microsoft.com/office/powerpoint/2010/main" val="223759514"/>
+        <p14:creationId xmlns:p14="http://schemas.microsoft.com/office/powerpoint/2010/main" val="3062866319"/>
       </p:ext>
     </p:extLst>
   </p:cSld>
@@ -10809,12 +12082,12 @@
   </p:clrMapOvr>
   <mc:AlternateContent xmlns:mc="http://schemas.openxmlformats.org/markup-compatibility/2006">
     <mc:Choice xmlns:p14="http://schemas.microsoft.com/office/powerpoint/2010/main" Requires="p14">
-      <p:transition spd="med" p14:dur="700">
+      <p:transition p14:dur="250" advClick="0" advTm="0">
         <p:fade/>
       </p:transition>
     </mc:Choice>
     <mc:Fallback>
-      <p:transition spd="med">
+      <p:transition advClick="0" advTm="0">
         <p:fade/>
       </p:transition>
     </mc:Fallback>
@@ -11069,14 +12342,14 @@
   <p:clrMapOvr>
     <a:masterClrMapping/>
   </p:clrMapOvr>
-  <mc:AlternateContent xmlns:mc="http://schemas.openxmlformats.org/markup-compatibility/2006">
-    <mc:Choice xmlns:p14="http://schemas.microsoft.com/office/powerpoint/2010/main" Requires="p14">
-      <p:transition spd="med" p14:dur="700">
-        <p:fade/>
+  <mc:AlternateContent xmlns:mc="http://schemas.openxmlformats.org/markup-compatibility/2006" xmlns:p159="http://schemas.microsoft.com/office/powerpoint/2015/09/main">
+    <mc:Choice Requires="p159">
+      <p:transition spd="slow">
+        <p159:morph option="byObject"/>
       </p:transition>
     </mc:Choice>
-    <mc:Fallback>
-      <p:transition spd="med">
+    <mc:Fallback xmlns="">
+      <p:transition spd="slow">
         <p:fade/>
       </p:transition>
     </mc:Fallback>
@@ -11351,31 +12624,6 @@
           <a:chExt cx="0" cy="0"/>
         </a:xfrm>
       </p:grpSpPr>
-      <p:sp>
-        <p:nvSpPr>
-          <p:cNvPr id="2" name="タイトル 1">
-            <a:extLst>
-              <a:ext uri="{FF2B5EF4-FFF2-40B4-BE49-F238E27FC236}">
-                <a16:creationId xmlns:a16="http://schemas.microsoft.com/office/drawing/2014/main" id="{895BB4FE-C5C2-47D6-AF03-95022E1A8669}"/>
-              </a:ext>
-            </a:extLst>
-          </p:cNvPr>
-          <p:cNvSpPr>
-            <a:spLocks noGrp="1"/>
-          </p:cNvSpPr>
-          <p:nvPr>
-            <p:ph type="title"/>
-          </p:nvPr>
-        </p:nvSpPr>
-        <p:spPr/>
-        <p:txBody>
-          <a:bodyPr/>
-          <a:lstStyle/>
-          <a:p>
-            <a:endParaRPr kumimoji="1" lang="ja-JP" altLang="en-US"/>
-          </a:p>
-        </p:txBody>
-      </p:sp>
       <p:pic>
         <p:nvPicPr>
           <p:cNvPr id="4" name="コンテンツ プレースホルダー 4">

--- a/presentation/第二回プレゼン_アウトライン.pptx
+++ b/presentation/第二回プレゼン_アウトライン.pptx
@@ -5,7 +5,7 @@
     <p:sldMasterId id="2147483648" r:id="rId1"/>
   </p:sldMasterIdLst>
   <p:notesMasterIdLst>
-    <p:notesMasterId r:id="rId22"/>
+    <p:notesMasterId r:id="rId24"/>
   </p:notesMasterIdLst>
   <p:sldIdLst>
     <p:sldId id="256" r:id="rId2"/>
@@ -17,17 +17,19 @@
     <p:sldId id="285" r:id="rId8"/>
     <p:sldId id="281" r:id="rId9"/>
     <p:sldId id="282" r:id="rId10"/>
-    <p:sldId id="277" r:id="rId11"/>
-    <p:sldId id="269" r:id="rId12"/>
-    <p:sldId id="266" r:id="rId13"/>
-    <p:sldId id="280" r:id="rId14"/>
-    <p:sldId id="272" r:id="rId15"/>
-    <p:sldId id="279" r:id="rId16"/>
-    <p:sldId id="259" r:id="rId17"/>
-    <p:sldId id="273" r:id="rId18"/>
-    <p:sldId id="276" r:id="rId19"/>
-    <p:sldId id="267" r:id="rId20"/>
-    <p:sldId id="275" r:id="rId21"/>
+    <p:sldId id="286" r:id="rId11"/>
+    <p:sldId id="287" r:id="rId12"/>
+    <p:sldId id="277" r:id="rId13"/>
+    <p:sldId id="269" r:id="rId14"/>
+    <p:sldId id="266" r:id="rId15"/>
+    <p:sldId id="280" r:id="rId16"/>
+    <p:sldId id="272" r:id="rId17"/>
+    <p:sldId id="279" r:id="rId18"/>
+    <p:sldId id="259" r:id="rId19"/>
+    <p:sldId id="273" r:id="rId20"/>
+    <p:sldId id="276" r:id="rId21"/>
+    <p:sldId id="267" r:id="rId22"/>
+    <p:sldId id="275" r:id="rId23"/>
   </p:sldIdLst>
   <p:sldSz cx="12192000" cy="6858000"/>
   <p:notesSz cx="6858000" cy="9144000"/>
@@ -4445,6 +4447,633 @@
       </p:grpSpPr>
       <p:sp>
         <p:nvSpPr>
+          <p:cNvPr id="2" name="タイトル 1">
+            <a:extLst>
+              <a:ext uri="{FF2B5EF4-FFF2-40B4-BE49-F238E27FC236}">
+                <a16:creationId xmlns:a16="http://schemas.microsoft.com/office/drawing/2014/main" id="{C9952A22-FBAB-463A-8A58-0E1B67E90272}"/>
+              </a:ext>
+            </a:extLst>
+          </p:cNvPr>
+          <p:cNvSpPr>
+            <a:spLocks noGrp="1"/>
+          </p:cNvSpPr>
+          <p:nvPr>
+            <p:ph type="title"/>
+          </p:nvPr>
+        </p:nvSpPr>
+        <p:spPr/>
+        <p:txBody>
+          <a:bodyPr/>
+          <a:lstStyle/>
+          <a:p>
+            <a:r>
+              <a:rPr kumimoji="1" lang="ja-JP" altLang="en-US" dirty="0">
+                <a:ln>
+                  <a:solidFill>
+                    <a:schemeClr val="tx1"/>
+                  </a:solidFill>
+                </a:ln>
+                <a:solidFill>
+                  <a:schemeClr val="accent6">
+                    <a:lumMod val="75000"/>
+                  </a:schemeClr>
+                </a:solidFill>
+                <a:latin typeface="HGP明朝E" panose="02020900000000000000" pitchFamily="18" charset="-128"/>
+                <a:ea typeface="HGP明朝E" panose="02020900000000000000" pitchFamily="18" charset="-128"/>
+              </a:rPr>
+              <a:t>ウェイクワード</a:t>
+            </a:r>
+          </a:p>
+        </p:txBody>
+      </p:sp>
+      <p:sp>
+        <p:nvSpPr>
+          <p:cNvPr id="3" name="コンテンツ プレースホルダー 2">
+            <a:extLst>
+              <a:ext uri="{FF2B5EF4-FFF2-40B4-BE49-F238E27FC236}">
+                <a16:creationId xmlns:a16="http://schemas.microsoft.com/office/drawing/2014/main" id="{576E71C8-363E-403F-9F7D-DB2D6B6B8EB2}"/>
+              </a:ext>
+            </a:extLst>
+          </p:cNvPr>
+          <p:cNvSpPr>
+            <a:spLocks noGrp="1"/>
+          </p:cNvSpPr>
+          <p:nvPr>
+            <p:ph idx="1"/>
+          </p:nvPr>
+        </p:nvSpPr>
+        <p:spPr/>
+        <p:txBody>
+          <a:bodyPr/>
+          <a:lstStyle/>
+          <a:p>
+            <a:pPr marL="0" indent="0">
+              <a:buNone/>
+            </a:pPr>
+            <a:r>
+              <a:rPr lang="ja-JP" altLang="en-US" dirty="0"/>
+              <a:t>起動の合図</a:t>
+            </a:r>
+            <a:endParaRPr lang="en-US" altLang="ja-JP" dirty="0"/>
+          </a:p>
+          <a:p>
+            <a:pPr marL="0" indent="0">
+              <a:buNone/>
+            </a:pPr>
+            <a:r>
+              <a:rPr kumimoji="1" lang="ja-JP" altLang="en-US" dirty="0"/>
+              <a:t>例：</a:t>
+            </a:r>
+            <a:r>
+              <a:rPr kumimoji="1" lang="en-US" altLang="ja-JP" dirty="0"/>
+              <a:t>OK, Google</a:t>
+            </a:r>
+            <a:r>
+              <a:rPr kumimoji="1" lang="ja-JP" altLang="en-US" dirty="0"/>
+              <a:t>　</a:t>
+            </a:r>
+            <a:r>
+              <a:rPr kumimoji="1" lang="en-US" altLang="ja-JP" dirty="0"/>
+              <a:t>Hey,Siri</a:t>
+            </a:r>
+            <a:r>
+              <a:rPr lang="ja-JP" altLang="en-US" dirty="0"/>
+              <a:t>等</a:t>
+            </a:r>
+            <a:endParaRPr lang="en-US" altLang="ja-JP" dirty="0"/>
+          </a:p>
+          <a:p>
+            <a:pPr marL="0" indent="0">
+              <a:buNone/>
+            </a:pPr>
+            <a:endParaRPr kumimoji="1" lang="en-US" altLang="ja-JP" dirty="0"/>
+          </a:p>
+        </p:txBody>
+      </p:sp>
+      <p:pic>
+        <p:nvPicPr>
+          <p:cNvPr id="4" name="図 3">
+            <a:extLst>
+              <a:ext uri="{FF2B5EF4-FFF2-40B4-BE49-F238E27FC236}">
+                <a16:creationId xmlns:a16="http://schemas.microsoft.com/office/drawing/2014/main" id="{D9FA14FB-630B-4B1C-9962-FD6B3C5A705D}"/>
+              </a:ext>
+            </a:extLst>
+          </p:cNvPr>
+          <p:cNvPicPr>
+            <a:picLocks noChangeAspect="1"/>
+          </p:cNvPicPr>
+          <p:nvPr/>
+        </p:nvPicPr>
+        <p:blipFill>
+          <a:blip r:embed="rId2"/>
+          <a:stretch>
+            <a:fillRect/>
+          </a:stretch>
+        </p:blipFill>
+        <p:spPr>
+          <a:xfrm>
+            <a:off x="2091282" y="3425853"/>
+            <a:ext cx="3432147" cy="3432147"/>
+          </a:xfrm>
+          <a:prstGeom prst="rect">
+            <a:avLst/>
+          </a:prstGeom>
+        </p:spPr>
+      </p:pic>
+      <p:sp>
+        <p:nvSpPr>
+          <p:cNvPr id="5" name="吹き出し: 円形 4">
+            <a:extLst>
+              <a:ext uri="{FF2B5EF4-FFF2-40B4-BE49-F238E27FC236}">
+                <a16:creationId xmlns:a16="http://schemas.microsoft.com/office/drawing/2014/main" id="{467EB609-E6AA-480C-B477-99139BAA97C0}"/>
+              </a:ext>
+            </a:extLst>
+          </p:cNvPr>
+          <p:cNvSpPr/>
+          <p:nvPr/>
+        </p:nvSpPr>
+        <p:spPr>
+          <a:xfrm>
+            <a:off x="5163823" y="2767633"/>
+            <a:ext cx="4434038" cy="2377440"/>
+          </a:xfrm>
+          <a:prstGeom prst="wedgeEllipseCallout">
+            <a:avLst>
+              <a:gd name="adj1" fmla="val -63380"/>
+              <a:gd name="adj2" fmla="val 2986"/>
+            </a:avLst>
+          </a:prstGeom>
+          <a:solidFill>
+            <a:schemeClr val="bg1"/>
+          </a:solidFill>
+          <a:ln>
+            <a:solidFill>
+              <a:schemeClr val="tx1"/>
+            </a:solidFill>
+          </a:ln>
+        </p:spPr>
+        <p:style>
+          <a:lnRef idx="2">
+            <a:schemeClr val="accent1">
+              <a:shade val="50000"/>
+            </a:schemeClr>
+          </a:lnRef>
+          <a:fillRef idx="1">
+            <a:schemeClr val="accent1"/>
+          </a:fillRef>
+          <a:effectRef idx="0">
+            <a:schemeClr val="accent1"/>
+          </a:effectRef>
+          <a:fontRef idx="minor">
+            <a:schemeClr val="lt1"/>
+          </a:fontRef>
+        </p:style>
+        <p:txBody>
+          <a:bodyPr rtlCol="0" anchor="ctr"/>
+          <a:lstStyle/>
+          <a:p>
+            <a:pPr algn="ctr"/>
+            <a:r>
+              <a:rPr lang="ja-JP" altLang="en-US" sz="4800" dirty="0">
+                <a:solidFill>
+                  <a:schemeClr val="tx1"/>
+                </a:solidFill>
+              </a:rPr>
+              <a:t>ねぇ</a:t>
+            </a:r>
+            <a:r>
+              <a:rPr lang="en-US" altLang="ja-JP" sz="4800" dirty="0">
+                <a:solidFill>
+                  <a:schemeClr val="tx1"/>
+                </a:solidFill>
+              </a:rPr>
+              <a:t>YoSiE</a:t>
+            </a:r>
+            <a:endParaRPr kumimoji="1" lang="ja-JP" altLang="en-US" sz="4800" dirty="0">
+              <a:solidFill>
+                <a:schemeClr val="tx1"/>
+              </a:solidFill>
+            </a:endParaRPr>
+          </a:p>
+        </p:txBody>
+      </p:sp>
+    </p:spTree>
+    <p:extLst>
+      <p:ext uri="{BB962C8B-B14F-4D97-AF65-F5344CB8AC3E}">
+        <p14:creationId xmlns:p14="http://schemas.microsoft.com/office/powerpoint/2010/main" val="1136124233"/>
+      </p:ext>
+    </p:extLst>
+  </p:cSld>
+  <p:clrMapOvr>
+    <a:masterClrMapping/>
+  </p:clrMapOvr>
+  <p:timing>
+    <p:tnLst>
+      <p:par>
+        <p:cTn id="1" dur="indefinite" restart="never" nodeType="tmRoot">
+          <p:childTnLst>
+            <p:seq concurrent="1" nextAc="seek">
+              <p:cTn id="2" dur="indefinite" nodeType="mainSeq">
+                <p:childTnLst>
+                  <p:par>
+                    <p:cTn id="3" fill="hold">
+                      <p:stCondLst>
+                        <p:cond delay="indefinite"/>
+                      </p:stCondLst>
+                      <p:childTnLst>
+                        <p:par>
+                          <p:cTn id="4" fill="hold">
+                            <p:stCondLst>
+                              <p:cond delay="0"/>
+                            </p:stCondLst>
+                            <p:childTnLst>
+                              <p:par>
+                                <p:cTn id="5" presetID="42" presetClass="entr" presetSubtype="0" fill="hold" nodeType="clickEffect">
+                                  <p:stCondLst>
+                                    <p:cond delay="0"/>
+                                  </p:stCondLst>
+                                  <p:childTnLst>
+                                    <p:set>
+                                      <p:cBhvr>
+                                        <p:cTn id="6" dur="1" fill="hold">
+                                          <p:stCondLst>
+                                            <p:cond delay="0"/>
+                                          </p:stCondLst>
+                                        </p:cTn>
+                                        <p:tgtEl>
+                                          <p:spTgt spid="4"/>
+                                        </p:tgtEl>
+                                        <p:attrNameLst>
+                                          <p:attrName>style.visibility</p:attrName>
+                                        </p:attrNameLst>
+                                      </p:cBhvr>
+                                      <p:to>
+                                        <p:strVal val="visible"/>
+                                      </p:to>
+                                    </p:set>
+                                    <p:animEffect transition="in" filter="fade">
+                                      <p:cBhvr>
+                                        <p:cTn id="7" dur="250"/>
+                                        <p:tgtEl>
+                                          <p:spTgt spid="4"/>
+                                        </p:tgtEl>
+                                      </p:cBhvr>
+                                    </p:animEffect>
+                                    <p:anim calcmode="lin" valueType="num">
+                                      <p:cBhvr>
+                                        <p:cTn id="8" dur="250" fill="hold"/>
+                                        <p:tgtEl>
+                                          <p:spTgt spid="4"/>
+                                        </p:tgtEl>
+                                        <p:attrNameLst>
+                                          <p:attrName>ppt_x</p:attrName>
+                                        </p:attrNameLst>
+                                      </p:cBhvr>
+                                      <p:tavLst>
+                                        <p:tav tm="0">
+                                          <p:val>
+                                            <p:strVal val="#ppt_x"/>
+                                          </p:val>
+                                        </p:tav>
+                                        <p:tav tm="100000">
+                                          <p:val>
+                                            <p:strVal val="#ppt_x"/>
+                                          </p:val>
+                                        </p:tav>
+                                      </p:tavLst>
+                                    </p:anim>
+                                    <p:anim calcmode="lin" valueType="num">
+                                      <p:cBhvr>
+                                        <p:cTn id="9" dur="250" fill="hold"/>
+                                        <p:tgtEl>
+                                          <p:spTgt spid="4"/>
+                                        </p:tgtEl>
+                                        <p:attrNameLst>
+                                          <p:attrName>ppt_y</p:attrName>
+                                        </p:attrNameLst>
+                                      </p:cBhvr>
+                                      <p:tavLst>
+                                        <p:tav tm="0">
+                                          <p:val>
+                                            <p:strVal val="#ppt_y+.1"/>
+                                          </p:val>
+                                        </p:tav>
+                                        <p:tav tm="100000">
+                                          <p:val>
+                                            <p:strVal val="#ppt_y"/>
+                                          </p:val>
+                                        </p:tav>
+                                      </p:tavLst>
+                                    </p:anim>
+                                  </p:childTnLst>
+                                </p:cTn>
+                              </p:par>
+                            </p:childTnLst>
+                          </p:cTn>
+                        </p:par>
+                        <p:par>
+                          <p:cTn id="10" fill="hold">
+                            <p:stCondLst>
+                              <p:cond delay="250"/>
+                            </p:stCondLst>
+                            <p:childTnLst>
+                              <p:par>
+                                <p:cTn id="11" presetID="22" presetClass="entr" presetSubtype="8" fill="hold" grpId="0" nodeType="afterEffect">
+                                  <p:stCondLst>
+                                    <p:cond delay="250"/>
+                                  </p:stCondLst>
+                                  <p:childTnLst>
+                                    <p:set>
+                                      <p:cBhvr>
+                                        <p:cTn id="12" dur="1" fill="hold">
+                                          <p:stCondLst>
+                                            <p:cond delay="0"/>
+                                          </p:stCondLst>
+                                        </p:cTn>
+                                        <p:tgtEl>
+                                          <p:spTgt spid="5"/>
+                                        </p:tgtEl>
+                                        <p:attrNameLst>
+                                          <p:attrName>style.visibility</p:attrName>
+                                        </p:attrNameLst>
+                                      </p:cBhvr>
+                                      <p:to>
+                                        <p:strVal val="visible"/>
+                                      </p:to>
+                                    </p:set>
+                                    <p:animEffect transition="in" filter="wipe(left)">
+                                      <p:cBhvr>
+                                        <p:cTn id="13" dur="750"/>
+                                        <p:tgtEl>
+                                          <p:spTgt spid="5"/>
+                                        </p:tgtEl>
+                                      </p:cBhvr>
+                                    </p:animEffect>
+                                  </p:childTnLst>
+                                </p:cTn>
+                              </p:par>
+                            </p:childTnLst>
+                          </p:cTn>
+                        </p:par>
+                      </p:childTnLst>
+                    </p:cTn>
+                  </p:par>
+                </p:childTnLst>
+              </p:cTn>
+              <p:prevCondLst>
+                <p:cond evt="onPrev" delay="0">
+                  <p:tgtEl>
+                    <p:sldTgt/>
+                  </p:tgtEl>
+                </p:cond>
+              </p:prevCondLst>
+              <p:nextCondLst>
+                <p:cond evt="onNext" delay="0">
+                  <p:tgtEl>
+                    <p:sldTgt/>
+                  </p:tgtEl>
+                </p:cond>
+              </p:nextCondLst>
+            </p:seq>
+          </p:childTnLst>
+        </p:cTn>
+      </p:par>
+    </p:tnLst>
+    <p:bldLst>
+      <p:bldP spid="5" grpId="0" animBg="1"/>
+    </p:bldLst>
+  </p:timing>
+</p:sld>
+</file>
+
+<file path=ppt/slides/slide11.xml><?xml version="1.0" encoding="utf-8"?>
+<p:sld xmlns:a="http://schemas.openxmlformats.org/drawingml/2006/main" xmlns:r="http://schemas.openxmlformats.org/officeDocument/2006/relationships" xmlns:p="http://schemas.openxmlformats.org/presentationml/2006/main">
+  <p:cSld>
+    <p:spTree>
+      <p:nvGrpSpPr>
+        <p:cNvPr id="1" name=""/>
+        <p:cNvGrpSpPr/>
+        <p:nvPr/>
+      </p:nvGrpSpPr>
+      <p:grpSpPr>
+        <a:xfrm>
+          <a:off x="0" y="0"/>
+          <a:ext cx="0" cy="0"/>
+          <a:chOff x="0" y="0"/>
+          <a:chExt cx="0" cy="0"/>
+        </a:xfrm>
+      </p:grpSpPr>
+      <p:sp>
+        <p:nvSpPr>
+          <p:cNvPr id="2" name="タイトル 1">
+            <a:extLst>
+              <a:ext uri="{FF2B5EF4-FFF2-40B4-BE49-F238E27FC236}">
+                <a16:creationId xmlns:a16="http://schemas.microsoft.com/office/drawing/2014/main" id="{58FB9281-4C25-4769-87DC-43071C315B0B}"/>
+              </a:ext>
+            </a:extLst>
+          </p:cNvPr>
+          <p:cNvSpPr>
+            <a:spLocks noGrp="1"/>
+          </p:cNvSpPr>
+          <p:nvPr>
+            <p:ph type="title"/>
+          </p:nvPr>
+        </p:nvSpPr>
+        <p:spPr/>
+        <p:txBody>
+          <a:bodyPr/>
+          <a:lstStyle/>
+          <a:p>
+            <a:r>
+              <a:rPr lang="ja-JP" altLang="en-US" dirty="0">
+                <a:ln>
+                  <a:solidFill>
+                    <a:schemeClr val="tx1"/>
+                  </a:solidFill>
+                </a:ln>
+                <a:solidFill>
+                  <a:schemeClr val="accent6">
+                    <a:lumMod val="75000"/>
+                  </a:schemeClr>
+                </a:solidFill>
+                <a:latin typeface="HGP明朝E" panose="02020900000000000000" pitchFamily="18" charset="-128"/>
+                <a:ea typeface="HGP明朝E" panose="02020900000000000000" pitchFamily="18" charset="-128"/>
+              </a:rPr>
+              <a:t>ウェイクワード</a:t>
+            </a:r>
+            <a:endParaRPr kumimoji="1" lang="ja-JP" altLang="en-US" dirty="0"/>
+          </a:p>
+        </p:txBody>
+      </p:sp>
+      <p:pic>
+        <p:nvPicPr>
+          <p:cNvPr id="5" name="図 4">
+            <a:extLst>
+              <a:ext uri="{FF2B5EF4-FFF2-40B4-BE49-F238E27FC236}">
+                <a16:creationId xmlns:a16="http://schemas.microsoft.com/office/drawing/2014/main" id="{F2135DE1-62E5-43A7-9BA1-74CEBCF9703E}"/>
+              </a:ext>
+            </a:extLst>
+          </p:cNvPr>
+          <p:cNvPicPr>
+            <a:picLocks noChangeAspect="1"/>
+          </p:cNvPicPr>
+          <p:nvPr/>
+        </p:nvPicPr>
+        <p:blipFill>
+          <a:blip r:embed="rId2">
+            <a:extLst>
+              <a:ext uri="{28A0092B-C50C-407E-A947-70E740481C1C}">
+                <a14:useLocalDpi xmlns:a14="http://schemas.microsoft.com/office/drawing/2010/main" val="0"/>
+              </a:ext>
+            </a:extLst>
+          </a:blip>
+          <a:stretch>
+            <a:fillRect/>
+          </a:stretch>
+        </p:blipFill>
+        <p:spPr>
+          <a:xfrm>
+            <a:off x="838200" y="1291553"/>
+            <a:ext cx="8318859" cy="5201322"/>
+          </a:xfrm>
+          <a:prstGeom prst="rect">
+            <a:avLst/>
+          </a:prstGeom>
+        </p:spPr>
+      </p:pic>
+      <p:cxnSp>
+        <p:nvCxnSpPr>
+          <p:cNvPr id="7" name="直線コネクタ 6">
+            <a:extLst>
+              <a:ext uri="{FF2B5EF4-FFF2-40B4-BE49-F238E27FC236}">
+                <a16:creationId xmlns:a16="http://schemas.microsoft.com/office/drawing/2014/main" id="{F4F34E4C-324C-490B-84FF-88CFBABD4E11}"/>
+              </a:ext>
+            </a:extLst>
+          </p:cNvPr>
+          <p:cNvCxnSpPr/>
+          <p:nvPr/>
+        </p:nvCxnSpPr>
+        <p:spPr>
+          <a:xfrm>
+            <a:off x="3959326" y="1545322"/>
+            <a:ext cx="755650" cy="0"/>
+          </a:xfrm>
+          <a:prstGeom prst="line">
+            <a:avLst/>
+          </a:prstGeom>
+          <a:ln w="38100">
+            <a:solidFill>
+              <a:srgbClr val="FF0000"/>
+            </a:solidFill>
+          </a:ln>
+        </p:spPr>
+        <p:style>
+          <a:lnRef idx="1">
+            <a:schemeClr val="accent1"/>
+          </a:lnRef>
+          <a:fillRef idx="0">
+            <a:schemeClr val="accent1"/>
+          </a:fillRef>
+          <a:effectRef idx="0">
+            <a:schemeClr val="accent1"/>
+          </a:effectRef>
+          <a:fontRef idx="minor">
+            <a:schemeClr val="tx1"/>
+          </a:fontRef>
+        </p:style>
+      </p:cxnSp>
+      <p:sp>
+        <p:nvSpPr>
+          <p:cNvPr id="3" name="吹き出し: 角を丸めた四角形 2">
+            <a:extLst>
+              <a:ext uri="{FF2B5EF4-FFF2-40B4-BE49-F238E27FC236}">
+                <a16:creationId xmlns:a16="http://schemas.microsoft.com/office/drawing/2014/main" id="{EA599385-0C9C-4B5E-8EA4-7E9C7F49EE25}"/>
+              </a:ext>
+            </a:extLst>
+          </p:cNvPr>
+          <p:cNvSpPr/>
+          <p:nvPr/>
+        </p:nvSpPr>
+        <p:spPr>
+          <a:xfrm>
+            <a:off x="4337151" y="452387"/>
+            <a:ext cx="3651817" cy="693801"/>
+          </a:xfrm>
+          <a:prstGeom prst="wedgeRoundRectCallout">
+            <a:avLst>
+              <a:gd name="adj1" fmla="val -39547"/>
+              <a:gd name="adj2" fmla="val 83310"/>
+              <a:gd name="adj3" fmla="val 16667"/>
+            </a:avLst>
+          </a:prstGeom>
+          <a:solidFill>
+            <a:schemeClr val="bg1"/>
+          </a:solidFill>
+        </p:spPr>
+        <p:style>
+          <a:lnRef idx="2">
+            <a:schemeClr val="accent1">
+              <a:shade val="50000"/>
+            </a:schemeClr>
+          </a:lnRef>
+          <a:fillRef idx="1">
+            <a:schemeClr val="accent1"/>
+          </a:fillRef>
+          <a:effectRef idx="0">
+            <a:schemeClr val="accent1"/>
+          </a:effectRef>
+          <a:fontRef idx="minor">
+            <a:schemeClr val="lt1"/>
+          </a:fontRef>
+        </p:style>
+        <p:txBody>
+          <a:bodyPr rtlCol="0" anchor="ctr"/>
+          <a:lstStyle/>
+          <a:p>
+            <a:pPr algn="ctr"/>
+            <a:r>
+              <a:rPr kumimoji="1" lang="ja-JP" altLang="en-US" sz="2800" dirty="0">
+                <a:solidFill>
+                  <a:sysClr val="windowText" lastClr="000000"/>
+                </a:solidFill>
+              </a:rPr>
+              <a:t>ねぇよしえ</a:t>
+            </a:r>
+          </a:p>
+        </p:txBody>
+      </p:sp>
+    </p:spTree>
+    <p:extLst>
+      <p:ext uri="{BB962C8B-B14F-4D97-AF65-F5344CB8AC3E}">
+        <p14:creationId xmlns:p14="http://schemas.microsoft.com/office/powerpoint/2010/main" val="3060558462"/>
+      </p:ext>
+    </p:extLst>
+  </p:cSld>
+  <p:clrMapOvr>
+    <a:masterClrMapping/>
+  </p:clrMapOvr>
+</p:sld>
+</file>
+
+<file path=ppt/slides/slide12.xml><?xml version="1.0" encoding="utf-8"?>
+<p:sld xmlns:a="http://schemas.openxmlformats.org/drawingml/2006/main" xmlns:r="http://schemas.openxmlformats.org/officeDocument/2006/relationships" xmlns:p="http://schemas.openxmlformats.org/presentationml/2006/main">
+  <p:cSld>
+    <p:spTree>
+      <p:nvGrpSpPr>
+        <p:cNvPr id="1" name=""/>
+        <p:cNvGrpSpPr/>
+        <p:nvPr/>
+      </p:nvGrpSpPr>
+      <p:grpSpPr>
+        <a:xfrm>
+          <a:off x="0" y="0"/>
+          <a:ext cx="0" cy="0"/>
+          <a:chOff x="0" y="0"/>
+          <a:chExt cx="0" cy="0"/>
+        </a:xfrm>
+      </p:grpSpPr>
+      <p:sp>
+        <p:nvSpPr>
           <p:cNvPr id="35" name="タイトル 34">
             <a:extLst>
               <a:ext uri="{FF2B5EF4-FFF2-40B4-BE49-F238E27FC236}">
@@ -4575,7 +5204,7 @@
 </p:sld>
 </file>
 
-<file path=ppt/slides/slide11.xml><?xml version="1.0" encoding="utf-8"?>
+<file path=ppt/slides/slide13.xml><?xml version="1.0" encoding="utf-8"?>
 <p:sld xmlns:a="http://schemas.openxmlformats.org/drawingml/2006/main" xmlns:r="http://schemas.openxmlformats.org/officeDocument/2006/relationships" xmlns:p="http://schemas.openxmlformats.org/presentationml/2006/main">
   <p:cSld>
     <p:spTree>
@@ -4712,787 +5341,6 @@
     <p:extLst>
       <p:ext uri="{BB962C8B-B14F-4D97-AF65-F5344CB8AC3E}">
         <p14:creationId xmlns:p14="http://schemas.microsoft.com/office/powerpoint/2010/main" val="485649647"/>
-      </p:ext>
-    </p:extLst>
-  </p:cSld>
-  <p:clrMapOvr>
-    <a:masterClrMapping/>
-  </p:clrMapOvr>
-</p:sld>
-</file>
-
-<file path=ppt/slides/slide12.xml><?xml version="1.0" encoding="utf-8"?>
-<p:sld xmlns:a="http://schemas.openxmlformats.org/drawingml/2006/main" xmlns:r="http://schemas.openxmlformats.org/officeDocument/2006/relationships" xmlns:p="http://schemas.openxmlformats.org/presentationml/2006/main">
-  <p:cSld>
-    <p:spTree>
-      <p:nvGrpSpPr>
-        <p:cNvPr id="1" name=""/>
-        <p:cNvGrpSpPr/>
-        <p:nvPr/>
-      </p:nvGrpSpPr>
-      <p:grpSpPr>
-        <a:xfrm>
-          <a:off x="0" y="0"/>
-          <a:ext cx="0" cy="0"/>
-          <a:chOff x="0" y="0"/>
-          <a:chExt cx="0" cy="0"/>
-        </a:xfrm>
-      </p:grpSpPr>
-      <p:sp>
-        <p:nvSpPr>
-          <p:cNvPr id="2" name="タイトル 1">
-            <a:extLst>
-              <a:ext uri="{FF2B5EF4-FFF2-40B4-BE49-F238E27FC236}">
-                <a16:creationId xmlns:a16="http://schemas.microsoft.com/office/drawing/2014/main" id="{83802C4E-2E3E-4349-846A-F90F72A28924}"/>
-              </a:ext>
-            </a:extLst>
-          </p:cNvPr>
-          <p:cNvSpPr>
-            <a:spLocks noGrp="1"/>
-          </p:cNvSpPr>
-          <p:nvPr>
-            <p:ph type="title"/>
-          </p:nvPr>
-        </p:nvSpPr>
-        <p:spPr/>
-        <p:txBody>
-          <a:bodyPr/>
-          <a:lstStyle/>
-          <a:p>
-            <a:r>
-              <a:rPr kumimoji="1" lang="ja-JP" altLang="en-US" dirty="0">
-                <a:ln>
-                  <a:solidFill>
-                    <a:schemeClr val="tx1"/>
-                  </a:solidFill>
-                </a:ln>
-                <a:solidFill>
-                  <a:schemeClr val="accent6">
-                    <a:lumMod val="75000"/>
-                  </a:schemeClr>
-                </a:solidFill>
-                <a:latin typeface="HGP明朝E" panose="02020900000000000000" pitchFamily="18" charset="-128"/>
-                <a:ea typeface="HGP明朝E" panose="02020900000000000000" pitchFamily="18" charset="-128"/>
-              </a:rPr>
-              <a:t>スクレイピング</a:t>
-            </a:r>
-          </a:p>
-        </p:txBody>
-      </p:sp>
-      <p:sp>
-        <p:nvSpPr>
-          <p:cNvPr id="5" name="正方形/長方形 4">
-            <a:extLst>
-              <a:ext uri="{FF2B5EF4-FFF2-40B4-BE49-F238E27FC236}">
-                <a16:creationId xmlns:a16="http://schemas.microsoft.com/office/drawing/2014/main" id="{C00C05B2-7221-4496-A116-94B0D8E45A2D}"/>
-              </a:ext>
-            </a:extLst>
-          </p:cNvPr>
-          <p:cNvSpPr/>
-          <p:nvPr/>
-        </p:nvSpPr>
-        <p:spPr>
-          <a:xfrm>
-            <a:off x="9508067" y="0"/>
-            <a:ext cx="2683933" cy="1593908"/>
-          </a:xfrm>
-          <a:prstGeom prst="rect">
-            <a:avLst/>
-          </a:prstGeom>
-          <a:solidFill>
-            <a:schemeClr val="accent6">
-              <a:lumMod val="60000"/>
-              <a:lumOff val="40000"/>
-            </a:schemeClr>
-          </a:solidFill>
-        </p:spPr>
-        <p:style>
-          <a:lnRef idx="2">
-            <a:schemeClr val="accent1">
-              <a:shade val="50000"/>
-            </a:schemeClr>
-          </a:lnRef>
-          <a:fillRef idx="1">
-            <a:schemeClr val="accent1"/>
-          </a:fillRef>
-          <a:effectRef idx="0">
-            <a:schemeClr val="accent1"/>
-          </a:effectRef>
-          <a:fontRef idx="minor">
-            <a:schemeClr val="lt1"/>
-          </a:fontRef>
-        </p:style>
-        <p:txBody>
-          <a:bodyPr rtlCol="0" anchor="ctr"/>
-          <a:lstStyle/>
-          <a:p>
-            <a:pPr algn="ctr"/>
-            <a:endParaRPr kumimoji="1" lang="ja-JP" altLang="en-US"/>
-          </a:p>
-        </p:txBody>
-      </p:sp>
-      <p:sp>
-        <p:nvSpPr>
-          <p:cNvPr id="6" name="コンテンツ プレースホルダー 2">
-            <a:extLst>
-              <a:ext uri="{FF2B5EF4-FFF2-40B4-BE49-F238E27FC236}">
-                <a16:creationId xmlns:a16="http://schemas.microsoft.com/office/drawing/2014/main" id="{CFC63819-6285-402F-B4F7-D5B34217A0AF}"/>
-              </a:ext>
-            </a:extLst>
-          </p:cNvPr>
-          <p:cNvSpPr>
-            <a:spLocks noGrp="1"/>
-          </p:cNvSpPr>
-          <p:nvPr>
-            <p:ph idx="1"/>
-          </p:nvPr>
-        </p:nvSpPr>
-        <p:spPr>
-          <a:xfrm>
-            <a:off x="793075" y="1741386"/>
-            <a:ext cx="10515600" cy="4351338"/>
-          </a:xfrm>
-        </p:spPr>
-        <p:txBody>
-          <a:bodyPr>
-            <a:normAutofit/>
-          </a:bodyPr>
-          <a:lstStyle/>
-          <a:p>
-            <a:pPr marL="0" indent="0">
-              <a:buNone/>
-            </a:pPr>
-            <a:r>
-              <a:rPr kumimoji="1" lang="ja-JP" altLang="en-US" sz="3600" dirty="0"/>
-              <a:t>出力するデータを取得</a:t>
-            </a:r>
-            <a:endParaRPr kumimoji="1" lang="en-US" altLang="ja-JP" sz="3600" dirty="0"/>
-          </a:p>
-          <a:p>
-            <a:endParaRPr kumimoji="1" lang="en-US" altLang="ja-JP" sz="3600" dirty="0"/>
-          </a:p>
-        </p:txBody>
-      </p:sp>
-      <p:sp>
-        <p:nvSpPr>
-          <p:cNvPr id="7" name="テキスト ボックス 6">
-            <a:extLst>
-              <a:ext uri="{FF2B5EF4-FFF2-40B4-BE49-F238E27FC236}">
-                <a16:creationId xmlns:a16="http://schemas.microsoft.com/office/drawing/2014/main" id="{538A1AC8-CE4F-4286-A880-D105B44A2385}"/>
-              </a:ext>
-            </a:extLst>
-          </p:cNvPr>
-          <p:cNvSpPr txBox="1"/>
-          <p:nvPr/>
-        </p:nvSpPr>
-        <p:spPr>
-          <a:xfrm>
-            <a:off x="692459" y="2418724"/>
-            <a:ext cx="8275471" cy="1477328"/>
-          </a:xfrm>
-          <a:prstGeom prst="rect">
-            <a:avLst/>
-          </a:prstGeom>
-          <a:noFill/>
-        </p:spPr>
-        <p:txBody>
-          <a:bodyPr wrap="square" rtlCol="0">
-            <a:spAutoFit/>
-          </a:bodyPr>
-          <a:lstStyle/>
-          <a:p>
-            <a:pPr>
-              <a:buClr>
-                <a:schemeClr val="tx1"/>
-              </a:buClr>
-            </a:pPr>
-            <a:r>
-              <a:rPr lang="en-US" altLang="ja-JP" sz="4000" b="1" dirty="0">
-                <a:ln>
-                  <a:solidFill>
-                    <a:schemeClr val="tx1"/>
-                  </a:solidFill>
-                </a:ln>
-                <a:solidFill>
-                  <a:schemeClr val="accent6">
-                    <a:lumMod val="75000"/>
-                  </a:schemeClr>
-                </a:solidFill>
-              </a:rPr>
-              <a:t>BeautifulSoup4</a:t>
-            </a:r>
-            <a:endParaRPr lang="en-US" altLang="ja-JP" sz="4000" dirty="0">
-              <a:solidFill>
-                <a:schemeClr val="accent6">
-                  <a:lumMod val="75000"/>
-                </a:schemeClr>
-              </a:solidFill>
-            </a:endParaRPr>
-          </a:p>
-          <a:p>
-            <a:pPr lvl="1">
-              <a:buClr>
-                <a:schemeClr val="tx1"/>
-              </a:buClr>
-            </a:pPr>
-            <a:r>
-              <a:rPr lang="en-US" altLang="ja-JP" sz="3200" b="1" dirty="0">
-                <a:ln>
-                  <a:solidFill>
-                    <a:schemeClr val="tx1"/>
-                  </a:solidFill>
-                </a:ln>
-                <a:solidFill>
-                  <a:schemeClr val="accent6">
-                    <a:lumMod val="75000"/>
-                  </a:schemeClr>
-                </a:solidFill>
-              </a:rPr>
-              <a:t>HTML</a:t>
-            </a:r>
-            <a:r>
-              <a:rPr lang="ja-JP" altLang="en-US" sz="3200" dirty="0"/>
-              <a:t>から</a:t>
-            </a:r>
-            <a:r>
-              <a:rPr lang="ja-JP" altLang="en-US" sz="3200" b="1" dirty="0">
-                <a:ln>
-                  <a:solidFill>
-                    <a:schemeClr val="tx1"/>
-                  </a:solidFill>
-                </a:ln>
-                <a:solidFill>
-                  <a:schemeClr val="accent6">
-                    <a:lumMod val="75000"/>
-                  </a:schemeClr>
-                </a:solidFill>
-              </a:rPr>
-              <a:t>テキストデータ</a:t>
-            </a:r>
-            <a:r>
-              <a:rPr lang="ja-JP" altLang="en-US" sz="3200" dirty="0"/>
-              <a:t>を取得</a:t>
-            </a:r>
-            <a:endParaRPr lang="en-US" altLang="ja-JP" sz="3600" dirty="0"/>
-          </a:p>
-          <a:p>
-            <a:endParaRPr kumimoji="1" lang="ja-JP" altLang="en-US" dirty="0"/>
-          </a:p>
-        </p:txBody>
-      </p:sp>
-      <p:sp>
-        <p:nvSpPr>
-          <p:cNvPr id="8" name="矢印: 右 7">
-            <a:extLst>
-              <a:ext uri="{FF2B5EF4-FFF2-40B4-BE49-F238E27FC236}">
-                <a16:creationId xmlns:a16="http://schemas.microsoft.com/office/drawing/2014/main" id="{862C1834-9D92-43CD-9628-AF124AD70118}"/>
-              </a:ext>
-            </a:extLst>
-          </p:cNvPr>
-          <p:cNvSpPr/>
-          <p:nvPr/>
-        </p:nvSpPr>
-        <p:spPr>
-          <a:xfrm>
-            <a:off x="7443192" y="2785840"/>
-            <a:ext cx="555596" cy="2005845"/>
-          </a:xfrm>
-          <a:prstGeom prst="rightArrow">
-            <a:avLst/>
-          </a:prstGeom>
-          <a:solidFill>
-            <a:srgbClr val="C00000"/>
-          </a:solidFill>
-          <a:ln w="28575">
-            <a:solidFill>
-              <a:srgbClr val="283F19"/>
-            </a:solidFill>
-          </a:ln>
-        </p:spPr>
-        <p:style>
-          <a:lnRef idx="2">
-            <a:schemeClr val="accent1">
-              <a:shade val="50000"/>
-            </a:schemeClr>
-          </a:lnRef>
-          <a:fillRef idx="1">
-            <a:schemeClr val="accent1"/>
-          </a:fillRef>
-          <a:effectRef idx="0">
-            <a:schemeClr val="accent1"/>
-          </a:effectRef>
-          <a:fontRef idx="minor">
-            <a:schemeClr val="lt1"/>
-          </a:fontRef>
-        </p:style>
-        <p:txBody>
-          <a:bodyPr rtlCol="0" anchor="ctr"/>
-          <a:lstStyle/>
-          <a:p>
-            <a:pPr algn="ctr"/>
-            <a:endParaRPr kumimoji="1" lang="ja-JP" altLang="en-US">
-              <a:solidFill>
-                <a:srgbClr val="C00000"/>
-              </a:solidFill>
-            </a:endParaRPr>
-          </a:p>
-        </p:txBody>
-      </p:sp>
-      <p:sp>
-        <p:nvSpPr>
-          <p:cNvPr id="9" name="テキスト ボックス 8">
-            <a:extLst>
-              <a:ext uri="{FF2B5EF4-FFF2-40B4-BE49-F238E27FC236}">
-                <a16:creationId xmlns:a16="http://schemas.microsoft.com/office/drawing/2014/main" id="{4217C848-CB0A-4C73-BDB3-9782232899C0}"/>
-              </a:ext>
-            </a:extLst>
-          </p:cNvPr>
-          <p:cNvSpPr txBox="1"/>
-          <p:nvPr/>
-        </p:nvSpPr>
-        <p:spPr>
-          <a:xfrm>
-            <a:off x="7927763" y="3185950"/>
-            <a:ext cx="3865483" cy="1077218"/>
-          </a:xfrm>
-          <a:prstGeom prst="rect">
-            <a:avLst/>
-          </a:prstGeom>
-          <a:noFill/>
-        </p:spPr>
-        <p:txBody>
-          <a:bodyPr wrap="square" rtlCol="0">
-            <a:spAutoFit/>
-          </a:bodyPr>
-          <a:lstStyle/>
-          <a:p>
-            <a:r>
-              <a:rPr kumimoji="1" lang="ja-JP" altLang="en-US" sz="3200" b="1" dirty="0">
-                <a:ln>
-                  <a:solidFill>
-                    <a:schemeClr val="tx1"/>
-                  </a:solidFill>
-                </a:ln>
-                <a:solidFill>
-                  <a:schemeClr val="accent6">
-                    <a:lumMod val="75000"/>
-                  </a:schemeClr>
-                </a:solidFill>
-              </a:rPr>
-              <a:t>テキストファイルに</a:t>
-            </a:r>
-            <a:endParaRPr kumimoji="1" lang="en-US" altLang="ja-JP" sz="3200" b="1" dirty="0">
-              <a:ln>
-                <a:solidFill>
-                  <a:schemeClr val="tx1"/>
-                </a:solidFill>
-              </a:ln>
-              <a:solidFill>
-                <a:schemeClr val="accent6">
-                  <a:lumMod val="75000"/>
-                </a:schemeClr>
-              </a:solidFill>
-            </a:endParaRPr>
-          </a:p>
-          <a:p>
-            <a:r>
-              <a:rPr lang="ja-JP" altLang="en-US" sz="3200" b="1" dirty="0">
-                <a:ln>
-                  <a:solidFill>
-                    <a:schemeClr val="tx1"/>
-                  </a:solidFill>
-                </a:ln>
-                <a:solidFill>
-                  <a:schemeClr val="accent6">
-                    <a:lumMod val="75000"/>
-                  </a:schemeClr>
-                </a:solidFill>
-              </a:rPr>
-              <a:t>書き込み</a:t>
-            </a:r>
-            <a:endParaRPr kumimoji="1" lang="ja-JP" altLang="en-US" sz="3200" b="1" dirty="0">
-              <a:ln>
-                <a:solidFill>
-                  <a:schemeClr val="tx1"/>
-                </a:solidFill>
-              </a:ln>
-              <a:solidFill>
-                <a:schemeClr val="accent6">
-                  <a:lumMod val="75000"/>
-                </a:schemeClr>
-              </a:solidFill>
-            </a:endParaRPr>
-          </a:p>
-        </p:txBody>
-      </p:sp>
-      <p:sp>
-        <p:nvSpPr>
-          <p:cNvPr id="10" name="テキスト ボックス 9">
-            <a:extLst>
-              <a:ext uri="{FF2B5EF4-FFF2-40B4-BE49-F238E27FC236}">
-                <a16:creationId xmlns:a16="http://schemas.microsoft.com/office/drawing/2014/main" id="{60BB61A1-22F8-412D-9E71-B87F444BE6C0}"/>
-              </a:ext>
-            </a:extLst>
-          </p:cNvPr>
-          <p:cNvSpPr txBox="1"/>
-          <p:nvPr/>
-        </p:nvSpPr>
-        <p:spPr>
-          <a:xfrm>
-            <a:off x="692459" y="3957130"/>
-            <a:ext cx="9346130" cy="1600438"/>
-          </a:xfrm>
-          <a:prstGeom prst="rect">
-            <a:avLst/>
-          </a:prstGeom>
-          <a:noFill/>
-        </p:spPr>
-        <p:txBody>
-          <a:bodyPr wrap="square" rtlCol="0">
-            <a:spAutoFit/>
-          </a:bodyPr>
-          <a:lstStyle/>
-          <a:p>
-            <a:pPr>
-              <a:buClr>
-                <a:schemeClr val="tx1"/>
-              </a:buClr>
-            </a:pPr>
-            <a:r>
-              <a:rPr lang="en-US" altLang="ja-JP" sz="4000" b="1" dirty="0">
-                <a:ln>
-                  <a:solidFill>
-                    <a:schemeClr val="tx1"/>
-                  </a:solidFill>
-                </a:ln>
-                <a:solidFill>
-                  <a:schemeClr val="accent6">
-                    <a:lumMod val="75000"/>
-                  </a:schemeClr>
-                </a:solidFill>
-              </a:rPr>
-              <a:t>Datetime</a:t>
-            </a:r>
-            <a:r>
-              <a:rPr lang="ja-JP" altLang="en-US" sz="4000" b="1" dirty="0">
-                <a:ln>
-                  <a:solidFill>
-                    <a:schemeClr val="tx1"/>
-                  </a:solidFill>
-                </a:ln>
-                <a:solidFill>
-                  <a:schemeClr val="accent6">
-                    <a:lumMod val="75000"/>
-                  </a:schemeClr>
-                </a:solidFill>
-              </a:rPr>
-              <a:t>モジュール</a:t>
-            </a:r>
-            <a:endParaRPr lang="en-US" altLang="ja-JP" sz="4000" b="1" dirty="0">
-              <a:ln>
-                <a:solidFill>
-                  <a:schemeClr val="tx1"/>
-                </a:solidFill>
-              </a:ln>
-              <a:solidFill>
-                <a:schemeClr val="accent6">
-                  <a:lumMod val="75000"/>
-                </a:schemeClr>
-              </a:solidFill>
-            </a:endParaRPr>
-          </a:p>
-          <a:p>
-            <a:pPr>
-              <a:buClr>
-                <a:schemeClr val="tx1"/>
-              </a:buClr>
-            </a:pPr>
-            <a:r>
-              <a:rPr lang="ja-JP" altLang="en-US" sz="4000" b="1" dirty="0">
-                <a:ln>
-                  <a:solidFill>
-                    <a:schemeClr val="tx1"/>
-                  </a:solidFill>
-                </a:ln>
-                <a:solidFill>
-                  <a:schemeClr val="accent6">
-                    <a:lumMod val="50000"/>
-                  </a:schemeClr>
-                </a:solidFill>
-              </a:rPr>
-              <a:t>　</a:t>
-            </a:r>
-            <a:r>
-              <a:rPr lang="ja-JP" altLang="en-US" sz="3200" b="1" dirty="0">
-                <a:ln>
-                  <a:solidFill>
-                    <a:schemeClr val="tx1"/>
-                  </a:solidFill>
-                </a:ln>
-                <a:solidFill>
-                  <a:schemeClr val="accent6">
-                    <a:lumMod val="75000"/>
-                  </a:schemeClr>
-                </a:solidFill>
-              </a:rPr>
-              <a:t>日時</a:t>
-            </a:r>
-            <a:r>
-              <a:rPr lang="ja-JP" altLang="en-US" sz="3200" dirty="0"/>
-              <a:t>を取得</a:t>
-            </a:r>
-            <a:endParaRPr lang="en-US" altLang="ja-JP" sz="3200" dirty="0"/>
-          </a:p>
-          <a:p>
-            <a:endParaRPr kumimoji="1" lang="ja-JP" altLang="en-US" dirty="0"/>
-          </a:p>
-        </p:txBody>
-      </p:sp>
-    </p:spTree>
-    <p:extLst>
-      <p:ext uri="{BB962C8B-B14F-4D97-AF65-F5344CB8AC3E}">
-        <p14:creationId xmlns:p14="http://schemas.microsoft.com/office/powerpoint/2010/main" val="3049315379"/>
-      </p:ext>
-    </p:extLst>
-  </p:cSld>
-  <p:clrMapOvr>
-    <a:masterClrMapping/>
-  </p:clrMapOvr>
-</p:sld>
-</file>
-
-<file path=ppt/slides/slide13.xml><?xml version="1.0" encoding="utf-8"?>
-<p:sld xmlns:a="http://schemas.openxmlformats.org/drawingml/2006/main" xmlns:r="http://schemas.openxmlformats.org/officeDocument/2006/relationships" xmlns:p="http://schemas.openxmlformats.org/presentationml/2006/main">
-  <p:cSld>
-    <p:spTree>
-      <p:nvGrpSpPr>
-        <p:cNvPr id="1" name=""/>
-        <p:cNvGrpSpPr/>
-        <p:nvPr/>
-      </p:nvGrpSpPr>
-      <p:grpSpPr>
-        <a:xfrm>
-          <a:off x="0" y="0"/>
-          <a:ext cx="0" cy="0"/>
-          <a:chOff x="0" y="0"/>
-          <a:chExt cx="0" cy="0"/>
-        </a:xfrm>
-      </p:grpSpPr>
-      <p:sp>
-        <p:nvSpPr>
-          <p:cNvPr id="2" name="タイトル 1">
-            <a:extLst>
-              <a:ext uri="{FF2B5EF4-FFF2-40B4-BE49-F238E27FC236}">
-                <a16:creationId xmlns:a16="http://schemas.microsoft.com/office/drawing/2014/main" id="{1C67901B-E49E-40E4-9D6B-4679D612BE2A}"/>
-              </a:ext>
-            </a:extLst>
-          </p:cNvPr>
-          <p:cNvSpPr>
-            <a:spLocks noGrp="1"/>
-          </p:cNvSpPr>
-          <p:nvPr>
-            <p:ph type="title"/>
-          </p:nvPr>
-        </p:nvSpPr>
-        <p:spPr/>
-        <p:txBody>
-          <a:bodyPr/>
-          <a:lstStyle/>
-          <a:p>
-            <a:pPr lvl="0"/>
-            <a:r>
-              <a:rPr kumimoji="1" lang="ja-JP" altLang="en-US" dirty="0">
-                <a:ln>
-                  <a:solidFill>
-                    <a:sysClr val="windowText" lastClr="000000"/>
-                  </a:solidFill>
-                </a:ln>
-                <a:solidFill>
-                  <a:schemeClr val="accent6">
-                    <a:lumMod val="75000"/>
-                  </a:schemeClr>
-                </a:solidFill>
-                <a:latin typeface="HGP明朝E" panose="02020900000000000000" pitchFamily="18" charset="-128"/>
-                <a:ea typeface="HGP明朝E" panose="02020900000000000000" pitchFamily="18" charset="-128"/>
-              </a:rPr>
-              <a:t>工夫した点・処理</a:t>
-            </a:r>
-            <a:r>
-              <a:rPr lang="ja-JP" altLang="en-US" dirty="0">
-                <a:ln>
-                  <a:solidFill>
-                    <a:sysClr val="windowText" lastClr="000000"/>
-                  </a:solidFill>
-                </a:ln>
-                <a:solidFill>
-                  <a:schemeClr val="accent6">
-                    <a:lumMod val="75000"/>
-                  </a:schemeClr>
-                </a:solidFill>
-                <a:latin typeface="HGP明朝E" panose="02020900000000000000" pitchFamily="18" charset="-128"/>
-                <a:ea typeface="HGP明朝E" panose="02020900000000000000" pitchFamily="18" charset="-128"/>
-              </a:rPr>
-              <a:t>の短縮</a:t>
-            </a:r>
-            <a:endParaRPr kumimoji="1" lang="ja-JP" altLang="en-US" dirty="0">
-              <a:ln>
-                <a:solidFill>
-                  <a:sysClr val="windowText" lastClr="000000"/>
-                </a:solidFill>
-              </a:ln>
-              <a:solidFill>
-                <a:schemeClr val="accent6">
-                  <a:lumMod val="75000"/>
-                </a:schemeClr>
-              </a:solidFill>
-              <a:latin typeface="HGP明朝E" panose="02020900000000000000" pitchFamily="18" charset="-128"/>
-              <a:ea typeface="HGP明朝E" panose="02020900000000000000" pitchFamily="18" charset="-128"/>
-            </a:endParaRPr>
-          </a:p>
-        </p:txBody>
-      </p:sp>
-      <p:sp>
-        <p:nvSpPr>
-          <p:cNvPr id="3" name="コンテンツ プレースホルダー 2">
-            <a:extLst>
-              <a:ext uri="{FF2B5EF4-FFF2-40B4-BE49-F238E27FC236}">
-                <a16:creationId xmlns:a16="http://schemas.microsoft.com/office/drawing/2014/main" id="{FBCA876A-9915-41E9-B91A-EDEAEF221F59}"/>
-              </a:ext>
-            </a:extLst>
-          </p:cNvPr>
-          <p:cNvSpPr>
-            <a:spLocks noGrp="1"/>
-          </p:cNvSpPr>
-          <p:nvPr>
-            <p:ph idx="1"/>
-          </p:nvPr>
-        </p:nvSpPr>
-        <p:spPr>
-          <a:xfrm>
-            <a:off x="838200" y="1959033"/>
-            <a:ext cx="10515600" cy="4351338"/>
-          </a:xfrm>
-        </p:spPr>
-        <p:txBody>
-          <a:bodyPr/>
-          <a:lstStyle/>
-          <a:p>
-            <a:pPr marL="0" indent="0">
-              <a:buClr>
-                <a:schemeClr val="tx1"/>
-              </a:buClr>
-              <a:buNone/>
-            </a:pPr>
-            <a:r>
-              <a:rPr lang="en-US" altLang="ja-JP" dirty="0"/>
-              <a:t>【</a:t>
-            </a:r>
-            <a:r>
-              <a:rPr lang="ja-JP" altLang="en-US" b="1" dirty="0"/>
-              <a:t>問題点</a:t>
-            </a:r>
-            <a:r>
-              <a:rPr lang="en-US" altLang="ja-JP" dirty="0"/>
-              <a:t>】</a:t>
-            </a:r>
-            <a:r>
-              <a:rPr lang="ja-JP" altLang="en-US" dirty="0"/>
-              <a:t>長文のスクレイピングは時間がかかる</a:t>
-            </a:r>
-            <a:endParaRPr lang="en-US" altLang="ja-JP" dirty="0"/>
-          </a:p>
-          <a:p>
-            <a:pPr marL="0" indent="0">
-              <a:buClr>
-                <a:schemeClr val="tx1"/>
-              </a:buClr>
-              <a:buNone/>
-            </a:pPr>
-            <a:endParaRPr lang="en-US" altLang="ja-JP" dirty="0"/>
-          </a:p>
-          <a:p>
-            <a:pPr marL="0" indent="0">
-              <a:buClr>
-                <a:schemeClr val="tx1"/>
-              </a:buClr>
-              <a:buNone/>
-            </a:pPr>
-            <a:r>
-              <a:rPr kumimoji="1" lang="en-US" altLang="ja-JP" dirty="0"/>
-              <a:t>【</a:t>
-            </a:r>
-            <a:r>
-              <a:rPr kumimoji="1" lang="ja-JP" altLang="en-US" b="1" dirty="0"/>
-              <a:t>解決策</a:t>
-            </a:r>
-            <a:r>
-              <a:rPr kumimoji="1" lang="en-US" altLang="ja-JP" dirty="0"/>
-              <a:t>】</a:t>
-            </a:r>
-            <a:r>
-              <a:rPr kumimoji="1" lang="ja-JP" altLang="en-US" dirty="0"/>
-              <a:t>起動時に実行して、個別に保存</a:t>
-            </a:r>
-            <a:endParaRPr kumimoji="1" lang="en-US" altLang="ja-JP" dirty="0"/>
-          </a:p>
-        </p:txBody>
-      </p:sp>
-      <p:sp>
-        <p:nvSpPr>
-          <p:cNvPr id="7" name="正方形/長方形 6">
-            <a:extLst>
-              <a:ext uri="{FF2B5EF4-FFF2-40B4-BE49-F238E27FC236}">
-                <a16:creationId xmlns:a16="http://schemas.microsoft.com/office/drawing/2014/main" id="{862A2D94-AAD8-4EAC-B86B-F0BA5C60401A}"/>
-              </a:ext>
-            </a:extLst>
-          </p:cNvPr>
-          <p:cNvSpPr/>
-          <p:nvPr/>
-        </p:nvSpPr>
-        <p:spPr>
-          <a:xfrm>
-            <a:off x="9508067" y="0"/>
-            <a:ext cx="2683933" cy="1593908"/>
-          </a:xfrm>
-          <a:prstGeom prst="rect">
-            <a:avLst/>
-          </a:prstGeom>
-          <a:solidFill>
-            <a:schemeClr val="accent6">
-              <a:lumMod val="60000"/>
-              <a:lumOff val="40000"/>
-            </a:schemeClr>
-          </a:solidFill>
-        </p:spPr>
-        <p:style>
-          <a:lnRef idx="2">
-            <a:schemeClr val="accent1">
-              <a:shade val="50000"/>
-            </a:schemeClr>
-          </a:lnRef>
-          <a:fillRef idx="1">
-            <a:schemeClr val="accent1"/>
-          </a:fillRef>
-          <a:effectRef idx="0">
-            <a:schemeClr val="accent1"/>
-          </a:effectRef>
-          <a:fontRef idx="minor">
-            <a:schemeClr val="lt1"/>
-          </a:fontRef>
-        </p:style>
-        <p:txBody>
-          <a:bodyPr rtlCol="0" anchor="ctr"/>
-          <a:lstStyle/>
-          <a:p>
-            <a:pPr algn="ctr"/>
-            <a:endParaRPr kumimoji="1" lang="ja-JP" altLang="en-US"/>
-          </a:p>
-        </p:txBody>
-      </p:sp>
-    </p:spTree>
-    <p:extLst>
-      <p:ext uri="{BB962C8B-B14F-4D97-AF65-F5344CB8AC3E}">
-        <p14:creationId xmlns:p14="http://schemas.microsoft.com/office/powerpoint/2010/main" val="558572616"/>
       </p:ext>
     </p:extLst>
   </p:cSld>
@@ -5524,6 +5372,696 @@
           <p:cNvPr id="2" name="タイトル 1">
             <a:extLst>
               <a:ext uri="{FF2B5EF4-FFF2-40B4-BE49-F238E27FC236}">
+                <a16:creationId xmlns:a16="http://schemas.microsoft.com/office/drawing/2014/main" id="{83802C4E-2E3E-4349-846A-F90F72A28924}"/>
+              </a:ext>
+            </a:extLst>
+          </p:cNvPr>
+          <p:cNvSpPr>
+            <a:spLocks noGrp="1"/>
+          </p:cNvSpPr>
+          <p:nvPr>
+            <p:ph type="title"/>
+          </p:nvPr>
+        </p:nvSpPr>
+        <p:spPr/>
+        <p:txBody>
+          <a:bodyPr/>
+          <a:lstStyle/>
+          <a:p>
+            <a:r>
+              <a:rPr kumimoji="1" lang="ja-JP" altLang="en-US" dirty="0">
+                <a:ln>
+                  <a:solidFill>
+                    <a:schemeClr val="tx1"/>
+                  </a:solidFill>
+                </a:ln>
+                <a:solidFill>
+                  <a:schemeClr val="accent6">
+                    <a:lumMod val="75000"/>
+                  </a:schemeClr>
+                </a:solidFill>
+                <a:latin typeface="HGP明朝E" panose="02020900000000000000" pitchFamily="18" charset="-128"/>
+                <a:ea typeface="HGP明朝E" panose="02020900000000000000" pitchFamily="18" charset="-128"/>
+              </a:rPr>
+              <a:t>スクレイピング</a:t>
+            </a:r>
+          </a:p>
+        </p:txBody>
+      </p:sp>
+      <p:sp>
+        <p:nvSpPr>
+          <p:cNvPr id="5" name="正方形/長方形 4">
+            <a:extLst>
+              <a:ext uri="{FF2B5EF4-FFF2-40B4-BE49-F238E27FC236}">
+                <a16:creationId xmlns:a16="http://schemas.microsoft.com/office/drawing/2014/main" id="{C00C05B2-7221-4496-A116-94B0D8E45A2D}"/>
+              </a:ext>
+            </a:extLst>
+          </p:cNvPr>
+          <p:cNvSpPr/>
+          <p:nvPr/>
+        </p:nvSpPr>
+        <p:spPr>
+          <a:xfrm>
+            <a:off x="9508067" y="0"/>
+            <a:ext cx="2683933" cy="1593908"/>
+          </a:xfrm>
+          <a:prstGeom prst="rect">
+            <a:avLst/>
+          </a:prstGeom>
+          <a:solidFill>
+            <a:schemeClr val="accent6">
+              <a:lumMod val="60000"/>
+              <a:lumOff val="40000"/>
+            </a:schemeClr>
+          </a:solidFill>
+        </p:spPr>
+        <p:style>
+          <a:lnRef idx="2">
+            <a:schemeClr val="accent1">
+              <a:shade val="50000"/>
+            </a:schemeClr>
+          </a:lnRef>
+          <a:fillRef idx="1">
+            <a:schemeClr val="accent1"/>
+          </a:fillRef>
+          <a:effectRef idx="0">
+            <a:schemeClr val="accent1"/>
+          </a:effectRef>
+          <a:fontRef idx="minor">
+            <a:schemeClr val="lt1"/>
+          </a:fontRef>
+        </p:style>
+        <p:txBody>
+          <a:bodyPr rtlCol="0" anchor="ctr"/>
+          <a:lstStyle/>
+          <a:p>
+            <a:pPr algn="ctr"/>
+            <a:endParaRPr kumimoji="1" lang="ja-JP" altLang="en-US"/>
+          </a:p>
+        </p:txBody>
+      </p:sp>
+      <p:sp>
+        <p:nvSpPr>
+          <p:cNvPr id="6" name="コンテンツ プレースホルダー 2">
+            <a:extLst>
+              <a:ext uri="{FF2B5EF4-FFF2-40B4-BE49-F238E27FC236}">
+                <a16:creationId xmlns:a16="http://schemas.microsoft.com/office/drawing/2014/main" id="{CFC63819-6285-402F-B4F7-D5B34217A0AF}"/>
+              </a:ext>
+            </a:extLst>
+          </p:cNvPr>
+          <p:cNvSpPr>
+            <a:spLocks noGrp="1"/>
+          </p:cNvSpPr>
+          <p:nvPr>
+            <p:ph idx="1"/>
+          </p:nvPr>
+        </p:nvSpPr>
+        <p:spPr>
+          <a:xfrm>
+            <a:off x="793075" y="1741386"/>
+            <a:ext cx="10515600" cy="4351338"/>
+          </a:xfrm>
+        </p:spPr>
+        <p:txBody>
+          <a:bodyPr>
+            <a:normAutofit/>
+          </a:bodyPr>
+          <a:lstStyle/>
+          <a:p>
+            <a:pPr marL="0" indent="0">
+              <a:buNone/>
+            </a:pPr>
+            <a:r>
+              <a:rPr kumimoji="1" lang="ja-JP" altLang="en-US" sz="3600" dirty="0"/>
+              <a:t>出力するデータを取得</a:t>
+            </a:r>
+            <a:endParaRPr kumimoji="1" lang="en-US" altLang="ja-JP" sz="3600" dirty="0"/>
+          </a:p>
+          <a:p>
+            <a:endParaRPr kumimoji="1" lang="en-US" altLang="ja-JP" sz="3600" dirty="0"/>
+          </a:p>
+        </p:txBody>
+      </p:sp>
+      <p:sp>
+        <p:nvSpPr>
+          <p:cNvPr id="7" name="テキスト ボックス 6">
+            <a:extLst>
+              <a:ext uri="{FF2B5EF4-FFF2-40B4-BE49-F238E27FC236}">
+                <a16:creationId xmlns:a16="http://schemas.microsoft.com/office/drawing/2014/main" id="{538A1AC8-CE4F-4286-A880-D105B44A2385}"/>
+              </a:ext>
+            </a:extLst>
+          </p:cNvPr>
+          <p:cNvSpPr txBox="1"/>
+          <p:nvPr/>
+        </p:nvSpPr>
+        <p:spPr>
+          <a:xfrm>
+            <a:off x="692459" y="2418724"/>
+            <a:ext cx="8275471" cy="1477328"/>
+          </a:xfrm>
+          <a:prstGeom prst="rect">
+            <a:avLst/>
+          </a:prstGeom>
+          <a:noFill/>
+        </p:spPr>
+        <p:txBody>
+          <a:bodyPr wrap="square" rtlCol="0">
+            <a:spAutoFit/>
+          </a:bodyPr>
+          <a:lstStyle/>
+          <a:p>
+            <a:pPr>
+              <a:buClr>
+                <a:schemeClr val="tx1"/>
+              </a:buClr>
+            </a:pPr>
+            <a:r>
+              <a:rPr lang="en-US" altLang="ja-JP" sz="4000" dirty="0"/>
+              <a:t>BeautifulSoup4</a:t>
+            </a:r>
+          </a:p>
+          <a:p>
+            <a:pPr lvl="1">
+              <a:buClr>
+                <a:schemeClr val="tx1"/>
+              </a:buClr>
+            </a:pPr>
+            <a:r>
+              <a:rPr lang="en-US" altLang="ja-JP" sz="3200" b="1" dirty="0">
+                <a:ln>
+                  <a:solidFill>
+                    <a:schemeClr val="tx1"/>
+                  </a:solidFill>
+                </a:ln>
+                <a:solidFill>
+                  <a:schemeClr val="accent6">
+                    <a:lumMod val="75000"/>
+                  </a:schemeClr>
+                </a:solidFill>
+              </a:rPr>
+              <a:t>HTML</a:t>
+            </a:r>
+            <a:r>
+              <a:rPr lang="ja-JP" altLang="en-US" sz="3200" dirty="0"/>
+              <a:t>から</a:t>
+            </a:r>
+            <a:r>
+              <a:rPr lang="ja-JP" altLang="en-US" sz="3200" b="1" dirty="0">
+                <a:ln>
+                  <a:solidFill>
+                    <a:schemeClr val="tx1"/>
+                  </a:solidFill>
+                </a:ln>
+                <a:solidFill>
+                  <a:schemeClr val="accent6">
+                    <a:lumMod val="75000"/>
+                  </a:schemeClr>
+                </a:solidFill>
+              </a:rPr>
+              <a:t>テキストデータ</a:t>
+            </a:r>
+            <a:r>
+              <a:rPr lang="ja-JP" altLang="en-US" sz="3200" dirty="0"/>
+              <a:t>を取得</a:t>
+            </a:r>
+            <a:endParaRPr lang="en-US" altLang="ja-JP" sz="3600" dirty="0"/>
+          </a:p>
+          <a:p>
+            <a:endParaRPr kumimoji="1" lang="ja-JP" altLang="en-US" dirty="0"/>
+          </a:p>
+        </p:txBody>
+      </p:sp>
+      <p:sp>
+        <p:nvSpPr>
+          <p:cNvPr id="8" name="矢印: 右 7">
+            <a:extLst>
+              <a:ext uri="{FF2B5EF4-FFF2-40B4-BE49-F238E27FC236}">
+                <a16:creationId xmlns:a16="http://schemas.microsoft.com/office/drawing/2014/main" id="{862C1834-9D92-43CD-9628-AF124AD70118}"/>
+              </a:ext>
+            </a:extLst>
+          </p:cNvPr>
+          <p:cNvSpPr/>
+          <p:nvPr/>
+        </p:nvSpPr>
+        <p:spPr>
+          <a:xfrm>
+            <a:off x="7443192" y="2785840"/>
+            <a:ext cx="555596" cy="2005845"/>
+          </a:xfrm>
+          <a:prstGeom prst="rightArrow">
+            <a:avLst/>
+          </a:prstGeom>
+          <a:solidFill>
+            <a:srgbClr val="C00000"/>
+          </a:solidFill>
+          <a:ln w="28575">
+            <a:solidFill>
+              <a:srgbClr val="283F19"/>
+            </a:solidFill>
+          </a:ln>
+        </p:spPr>
+        <p:style>
+          <a:lnRef idx="2">
+            <a:schemeClr val="accent1">
+              <a:shade val="50000"/>
+            </a:schemeClr>
+          </a:lnRef>
+          <a:fillRef idx="1">
+            <a:schemeClr val="accent1"/>
+          </a:fillRef>
+          <a:effectRef idx="0">
+            <a:schemeClr val="accent1"/>
+          </a:effectRef>
+          <a:fontRef idx="minor">
+            <a:schemeClr val="lt1"/>
+          </a:fontRef>
+        </p:style>
+        <p:txBody>
+          <a:bodyPr rtlCol="0" anchor="ctr"/>
+          <a:lstStyle/>
+          <a:p>
+            <a:pPr algn="ctr"/>
+            <a:endParaRPr kumimoji="1" lang="ja-JP" altLang="en-US">
+              <a:solidFill>
+                <a:srgbClr val="C00000"/>
+              </a:solidFill>
+            </a:endParaRPr>
+          </a:p>
+        </p:txBody>
+      </p:sp>
+      <p:sp>
+        <p:nvSpPr>
+          <p:cNvPr id="10" name="テキスト ボックス 9">
+            <a:extLst>
+              <a:ext uri="{FF2B5EF4-FFF2-40B4-BE49-F238E27FC236}">
+                <a16:creationId xmlns:a16="http://schemas.microsoft.com/office/drawing/2014/main" id="{60BB61A1-22F8-412D-9E71-B87F444BE6C0}"/>
+              </a:ext>
+            </a:extLst>
+          </p:cNvPr>
+          <p:cNvSpPr txBox="1"/>
+          <p:nvPr/>
+        </p:nvSpPr>
+        <p:spPr>
+          <a:xfrm>
+            <a:off x="692459" y="3957130"/>
+            <a:ext cx="9346130" cy="1600438"/>
+          </a:xfrm>
+          <a:prstGeom prst="rect">
+            <a:avLst/>
+          </a:prstGeom>
+          <a:noFill/>
+        </p:spPr>
+        <p:txBody>
+          <a:bodyPr wrap="square" rtlCol="0">
+            <a:spAutoFit/>
+          </a:bodyPr>
+          <a:lstStyle/>
+          <a:p>
+            <a:pPr>
+              <a:buClr>
+                <a:schemeClr val="tx1"/>
+              </a:buClr>
+            </a:pPr>
+            <a:r>
+              <a:rPr lang="en-US" altLang="ja-JP" sz="4000" dirty="0">
+                <a:solidFill>
+                  <a:sysClr val="windowText" lastClr="000000"/>
+                </a:solidFill>
+              </a:rPr>
+              <a:t>Datetime</a:t>
+            </a:r>
+            <a:r>
+              <a:rPr lang="ja-JP" altLang="en-US" sz="4000" dirty="0">
+                <a:solidFill>
+                  <a:sysClr val="windowText" lastClr="000000"/>
+                </a:solidFill>
+              </a:rPr>
+              <a:t>モジュール</a:t>
+            </a:r>
+            <a:endParaRPr lang="en-US" altLang="ja-JP" sz="4000" dirty="0">
+              <a:solidFill>
+                <a:sysClr val="windowText" lastClr="000000"/>
+              </a:solidFill>
+            </a:endParaRPr>
+          </a:p>
+          <a:p>
+            <a:pPr>
+              <a:buClr>
+                <a:schemeClr val="tx1"/>
+              </a:buClr>
+            </a:pPr>
+            <a:r>
+              <a:rPr lang="ja-JP" altLang="en-US" sz="4000" b="1" dirty="0">
+                <a:ln>
+                  <a:solidFill>
+                    <a:schemeClr val="tx1"/>
+                  </a:solidFill>
+                </a:ln>
+                <a:solidFill>
+                  <a:schemeClr val="accent6">
+                    <a:lumMod val="50000"/>
+                  </a:schemeClr>
+                </a:solidFill>
+              </a:rPr>
+              <a:t>　</a:t>
+            </a:r>
+            <a:r>
+              <a:rPr lang="ja-JP" altLang="en-US" sz="3200" b="1" dirty="0">
+                <a:ln>
+                  <a:solidFill>
+                    <a:schemeClr val="tx1"/>
+                  </a:solidFill>
+                </a:ln>
+                <a:solidFill>
+                  <a:schemeClr val="accent6">
+                    <a:lumMod val="75000"/>
+                  </a:schemeClr>
+                </a:solidFill>
+              </a:rPr>
+              <a:t>日時</a:t>
+            </a:r>
+            <a:r>
+              <a:rPr lang="ja-JP" altLang="en-US" sz="3200" dirty="0"/>
+              <a:t>を取得</a:t>
+            </a:r>
+            <a:endParaRPr lang="en-US" altLang="ja-JP" sz="3200" dirty="0"/>
+          </a:p>
+          <a:p>
+            <a:endParaRPr kumimoji="1" lang="ja-JP" altLang="en-US" dirty="0"/>
+          </a:p>
+        </p:txBody>
+      </p:sp>
+      <p:sp>
+        <p:nvSpPr>
+          <p:cNvPr id="3" name="テキスト ボックス 2">
+            <a:extLst>
+              <a:ext uri="{FF2B5EF4-FFF2-40B4-BE49-F238E27FC236}">
+                <a16:creationId xmlns:a16="http://schemas.microsoft.com/office/drawing/2014/main" id="{DD1DF69A-9BCD-4514-8C10-E5571DE143C9}"/>
+              </a:ext>
+            </a:extLst>
+          </p:cNvPr>
+          <p:cNvSpPr txBox="1"/>
+          <p:nvPr/>
+        </p:nvSpPr>
+        <p:spPr>
+          <a:xfrm>
+            <a:off x="7998788" y="3157388"/>
+            <a:ext cx="3888412" cy="1200329"/>
+          </a:xfrm>
+          <a:prstGeom prst="rect">
+            <a:avLst/>
+          </a:prstGeom>
+          <a:noFill/>
+        </p:spPr>
+        <p:txBody>
+          <a:bodyPr wrap="square" rtlCol="0">
+            <a:spAutoFit/>
+          </a:bodyPr>
+          <a:lstStyle/>
+          <a:p>
+            <a:r>
+              <a:rPr kumimoji="1" lang="ja-JP" altLang="en-US" sz="3600" b="1" dirty="0"/>
+              <a:t>テキストファイルに書き込み</a:t>
+            </a:r>
+          </a:p>
+        </p:txBody>
+      </p:sp>
+    </p:spTree>
+    <p:extLst>
+      <p:ext uri="{BB962C8B-B14F-4D97-AF65-F5344CB8AC3E}">
+        <p14:creationId xmlns:p14="http://schemas.microsoft.com/office/powerpoint/2010/main" val="3049315379"/>
+      </p:ext>
+    </p:extLst>
+  </p:cSld>
+  <p:clrMapOvr>
+    <a:masterClrMapping/>
+  </p:clrMapOvr>
+</p:sld>
+</file>
+
+<file path=ppt/slides/slide15.xml><?xml version="1.0" encoding="utf-8"?>
+<p:sld xmlns:a="http://schemas.openxmlformats.org/drawingml/2006/main" xmlns:r="http://schemas.openxmlformats.org/officeDocument/2006/relationships" xmlns:p="http://schemas.openxmlformats.org/presentationml/2006/main">
+  <p:cSld>
+    <p:spTree>
+      <p:nvGrpSpPr>
+        <p:cNvPr id="1" name=""/>
+        <p:cNvGrpSpPr/>
+        <p:nvPr/>
+      </p:nvGrpSpPr>
+      <p:grpSpPr>
+        <a:xfrm>
+          <a:off x="0" y="0"/>
+          <a:ext cx="0" cy="0"/>
+          <a:chOff x="0" y="0"/>
+          <a:chExt cx="0" cy="0"/>
+        </a:xfrm>
+      </p:grpSpPr>
+      <p:sp>
+        <p:nvSpPr>
+          <p:cNvPr id="2" name="タイトル 1">
+            <a:extLst>
+              <a:ext uri="{FF2B5EF4-FFF2-40B4-BE49-F238E27FC236}">
+                <a16:creationId xmlns:a16="http://schemas.microsoft.com/office/drawing/2014/main" id="{1C67901B-E49E-40E4-9D6B-4679D612BE2A}"/>
+              </a:ext>
+            </a:extLst>
+          </p:cNvPr>
+          <p:cNvSpPr>
+            <a:spLocks noGrp="1"/>
+          </p:cNvSpPr>
+          <p:nvPr>
+            <p:ph type="title"/>
+          </p:nvPr>
+        </p:nvSpPr>
+        <p:spPr/>
+        <p:txBody>
+          <a:bodyPr/>
+          <a:lstStyle/>
+          <a:p>
+            <a:pPr lvl="0"/>
+            <a:r>
+              <a:rPr kumimoji="1" lang="ja-JP" altLang="en-US" dirty="0">
+                <a:ln>
+                  <a:solidFill>
+                    <a:sysClr val="windowText" lastClr="000000"/>
+                  </a:solidFill>
+                </a:ln>
+                <a:solidFill>
+                  <a:schemeClr val="accent6">
+                    <a:lumMod val="75000"/>
+                  </a:schemeClr>
+                </a:solidFill>
+                <a:latin typeface="HGP明朝E" panose="02020900000000000000" pitchFamily="18" charset="-128"/>
+                <a:ea typeface="HGP明朝E" panose="02020900000000000000" pitchFamily="18" charset="-128"/>
+              </a:rPr>
+              <a:t>工夫した点・処理</a:t>
+            </a:r>
+            <a:r>
+              <a:rPr lang="ja-JP" altLang="en-US" dirty="0">
+                <a:ln>
+                  <a:solidFill>
+                    <a:sysClr val="windowText" lastClr="000000"/>
+                  </a:solidFill>
+                </a:ln>
+                <a:solidFill>
+                  <a:schemeClr val="accent6">
+                    <a:lumMod val="75000"/>
+                  </a:schemeClr>
+                </a:solidFill>
+                <a:latin typeface="HGP明朝E" panose="02020900000000000000" pitchFamily="18" charset="-128"/>
+                <a:ea typeface="HGP明朝E" panose="02020900000000000000" pitchFamily="18" charset="-128"/>
+              </a:rPr>
+              <a:t>の短縮</a:t>
+            </a:r>
+            <a:endParaRPr kumimoji="1" lang="ja-JP" altLang="en-US" dirty="0">
+              <a:ln>
+                <a:solidFill>
+                  <a:sysClr val="windowText" lastClr="000000"/>
+                </a:solidFill>
+              </a:ln>
+              <a:solidFill>
+                <a:schemeClr val="accent6">
+                  <a:lumMod val="75000"/>
+                </a:schemeClr>
+              </a:solidFill>
+              <a:latin typeface="HGP明朝E" panose="02020900000000000000" pitchFamily="18" charset="-128"/>
+              <a:ea typeface="HGP明朝E" panose="02020900000000000000" pitchFamily="18" charset="-128"/>
+            </a:endParaRPr>
+          </a:p>
+        </p:txBody>
+      </p:sp>
+      <p:sp>
+        <p:nvSpPr>
+          <p:cNvPr id="3" name="コンテンツ プレースホルダー 2">
+            <a:extLst>
+              <a:ext uri="{FF2B5EF4-FFF2-40B4-BE49-F238E27FC236}">
+                <a16:creationId xmlns:a16="http://schemas.microsoft.com/office/drawing/2014/main" id="{FBCA876A-9915-41E9-B91A-EDEAEF221F59}"/>
+              </a:ext>
+            </a:extLst>
+          </p:cNvPr>
+          <p:cNvSpPr>
+            <a:spLocks noGrp="1"/>
+          </p:cNvSpPr>
+          <p:nvPr>
+            <p:ph idx="1"/>
+          </p:nvPr>
+        </p:nvSpPr>
+        <p:spPr>
+          <a:xfrm>
+            <a:off x="838200" y="1959033"/>
+            <a:ext cx="10515600" cy="4351338"/>
+          </a:xfrm>
+        </p:spPr>
+        <p:txBody>
+          <a:bodyPr/>
+          <a:lstStyle/>
+          <a:p>
+            <a:pPr marL="0" indent="0">
+              <a:buClr>
+                <a:schemeClr val="tx1"/>
+              </a:buClr>
+              <a:buNone/>
+            </a:pPr>
+            <a:r>
+              <a:rPr lang="en-US" altLang="ja-JP" dirty="0"/>
+              <a:t>【</a:t>
+            </a:r>
+            <a:r>
+              <a:rPr lang="ja-JP" altLang="en-US" b="1" dirty="0"/>
+              <a:t>問題点</a:t>
+            </a:r>
+            <a:r>
+              <a:rPr lang="en-US" altLang="ja-JP" dirty="0"/>
+              <a:t>】</a:t>
+            </a:r>
+            <a:r>
+              <a:rPr lang="ja-JP" altLang="en-US" dirty="0"/>
+              <a:t>長文のスクレイピングは時間がかかる</a:t>
+            </a:r>
+            <a:endParaRPr lang="en-US" altLang="ja-JP" dirty="0"/>
+          </a:p>
+          <a:p>
+            <a:pPr marL="0" indent="0">
+              <a:buClr>
+                <a:schemeClr val="tx1"/>
+              </a:buClr>
+              <a:buNone/>
+            </a:pPr>
+            <a:endParaRPr lang="en-US" altLang="ja-JP" dirty="0"/>
+          </a:p>
+          <a:p>
+            <a:pPr marL="0" indent="0">
+              <a:buClr>
+                <a:schemeClr val="tx1"/>
+              </a:buClr>
+              <a:buNone/>
+            </a:pPr>
+            <a:r>
+              <a:rPr kumimoji="1" lang="en-US" altLang="ja-JP" dirty="0"/>
+              <a:t>【</a:t>
+            </a:r>
+            <a:r>
+              <a:rPr kumimoji="1" lang="ja-JP" altLang="en-US" b="1" dirty="0"/>
+              <a:t>解決策</a:t>
+            </a:r>
+            <a:r>
+              <a:rPr kumimoji="1" lang="en-US" altLang="ja-JP" dirty="0"/>
+              <a:t>】</a:t>
+            </a:r>
+            <a:r>
+              <a:rPr kumimoji="1" lang="ja-JP" altLang="en-US" dirty="0"/>
+              <a:t>起動時に実行して、個別に保存</a:t>
+            </a:r>
+            <a:endParaRPr kumimoji="1" lang="en-US" altLang="ja-JP" dirty="0"/>
+          </a:p>
+        </p:txBody>
+      </p:sp>
+      <p:sp>
+        <p:nvSpPr>
+          <p:cNvPr id="7" name="正方形/長方形 6">
+            <a:extLst>
+              <a:ext uri="{FF2B5EF4-FFF2-40B4-BE49-F238E27FC236}">
+                <a16:creationId xmlns:a16="http://schemas.microsoft.com/office/drawing/2014/main" id="{862A2D94-AAD8-4EAC-B86B-F0BA5C60401A}"/>
+              </a:ext>
+            </a:extLst>
+          </p:cNvPr>
+          <p:cNvSpPr/>
+          <p:nvPr/>
+        </p:nvSpPr>
+        <p:spPr>
+          <a:xfrm>
+            <a:off x="9508067" y="0"/>
+            <a:ext cx="2683933" cy="1593908"/>
+          </a:xfrm>
+          <a:prstGeom prst="rect">
+            <a:avLst/>
+          </a:prstGeom>
+          <a:solidFill>
+            <a:schemeClr val="accent6">
+              <a:lumMod val="60000"/>
+              <a:lumOff val="40000"/>
+            </a:schemeClr>
+          </a:solidFill>
+        </p:spPr>
+        <p:style>
+          <a:lnRef idx="2">
+            <a:schemeClr val="accent1">
+              <a:shade val="50000"/>
+            </a:schemeClr>
+          </a:lnRef>
+          <a:fillRef idx="1">
+            <a:schemeClr val="accent1"/>
+          </a:fillRef>
+          <a:effectRef idx="0">
+            <a:schemeClr val="accent1"/>
+          </a:effectRef>
+          <a:fontRef idx="minor">
+            <a:schemeClr val="lt1"/>
+          </a:fontRef>
+        </p:style>
+        <p:txBody>
+          <a:bodyPr rtlCol="0" anchor="ctr"/>
+          <a:lstStyle/>
+          <a:p>
+            <a:pPr algn="ctr"/>
+            <a:endParaRPr kumimoji="1" lang="ja-JP" altLang="en-US"/>
+          </a:p>
+        </p:txBody>
+      </p:sp>
+    </p:spTree>
+    <p:extLst>
+      <p:ext uri="{BB962C8B-B14F-4D97-AF65-F5344CB8AC3E}">
+        <p14:creationId xmlns:p14="http://schemas.microsoft.com/office/powerpoint/2010/main" val="558572616"/>
+      </p:ext>
+    </p:extLst>
+  </p:cSld>
+  <p:clrMapOvr>
+    <a:masterClrMapping/>
+  </p:clrMapOvr>
+</p:sld>
+</file>
+
+<file path=ppt/slides/slide16.xml><?xml version="1.0" encoding="utf-8"?>
+<p:sld xmlns:a="http://schemas.openxmlformats.org/drawingml/2006/main" xmlns:r="http://schemas.openxmlformats.org/officeDocument/2006/relationships" xmlns:p="http://schemas.openxmlformats.org/presentationml/2006/main">
+  <p:cSld>
+    <p:spTree>
+      <p:nvGrpSpPr>
+        <p:cNvPr id="1" name=""/>
+        <p:cNvGrpSpPr/>
+        <p:nvPr/>
+      </p:nvGrpSpPr>
+      <p:grpSpPr>
+        <a:xfrm>
+          <a:off x="0" y="0"/>
+          <a:ext cx="0" cy="0"/>
+          <a:chOff x="0" y="0"/>
+          <a:chExt cx="0" cy="0"/>
+        </a:xfrm>
+      </p:grpSpPr>
+      <p:sp>
+        <p:nvSpPr>
+          <p:cNvPr id="2" name="タイトル 1">
+            <a:extLst>
+              <a:ext uri="{FF2B5EF4-FFF2-40B4-BE49-F238E27FC236}">
                 <a16:creationId xmlns:a16="http://schemas.microsoft.com/office/drawing/2014/main" id="{1C67901B-E49E-40E4-9D6B-4679D612BE2A}"/>
               </a:ext>
             </a:extLst>
@@ -5999,7 +6537,7 @@
 </p:sld>
 </file>
 
-<file path=ppt/slides/slide15.xml><?xml version="1.0" encoding="utf-8"?>
+<file path=ppt/slides/slide17.xml><?xml version="1.0" encoding="utf-8"?>
 <p:sld xmlns:a="http://schemas.openxmlformats.org/drawingml/2006/main" xmlns:r="http://schemas.openxmlformats.org/officeDocument/2006/relationships" xmlns:p="http://schemas.openxmlformats.org/presentationml/2006/main">
   <p:cSld>
     <p:spTree>
@@ -6016,35 +6554,6 @@
           <a:chExt cx="0" cy="0"/>
         </a:xfrm>
       </p:grpSpPr>
-      <p:sp>
-        <p:nvSpPr>
-          <p:cNvPr id="2" name="タイトル 1">
-            <a:extLst>
-              <a:ext uri="{FF2B5EF4-FFF2-40B4-BE49-F238E27FC236}">
-                <a16:creationId xmlns:a16="http://schemas.microsoft.com/office/drawing/2014/main" id="{1C67901B-E49E-40E4-9D6B-4679D612BE2A}"/>
-              </a:ext>
-            </a:extLst>
-          </p:cNvPr>
-          <p:cNvSpPr>
-            <a:spLocks noGrp="1"/>
-          </p:cNvSpPr>
-          <p:nvPr>
-            <p:ph type="title"/>
-          </p:nvPr>
-        </p:nvSpPr>
-        <p:spPr/>
-        <p:txBody>
-          <a:bodyPr/>
-          <a:lstStyle/>
-          <a:p>
-            <a:pPr lvl="0"/>
-            <a:r>
-              <a:rPr kumimoji="1" lang="ja-JP" altLang="en-US" dirty="0"/>
-              <a:t>工夫した点</a:t>
-            </a:r>
-          </a:p>
-        </p:txBody>
-      </p:sp>
       <p:sp>
         <p:nvSpPr>
           <p:cNvPr id="7" name="正方形/長方形 6">
@@ -6695,6 +7204,54 @@
           </a:p>
         </p:txBody>
       </p:sp>
+      <p:sp>
+        <p:nvSpPr>
+          <p:cNvPr id="14" name="タイトル 1">
+            <a:extLst>
+              <a:ext uri="{FF2B5EF4-FFF2-40B4-BE49-F238E27FC236}">
+                <a16:creationId xmlns:a16="http://schemas.microsoft.com/office/drawing/2014/main" id="{8CF352F8-A903-47C2-83C2-9710446A09DE}"/>
+              </a:ext>
+            </a:extLst>
+          </p:cNvPr>
+          <p:cNvSpPr>
+            <a:spLocks noGrp="1"/>
+          </p:cNvSpPr>
+          <p:nvPr>
+            <p:ph type="title"/>
+          </p:nvPr>
+        </p:nvSpPr>
+        <p:spPr>
+          <a:xfrm>
+            <a:off x="838200" y="365125"/>
+            <a:ext cx="10515600" cy="1325563"/>
+          </a:xfrm>
+        </p:spPr>
+        <p:txBody>
+          <a:bodyPr/>
+          <a:lstStyle/>
+          <a:p>
+            <a:pPr lvl="0"/>
+            <a:r>
+              <a:rPr lang="ja-JP" altLang="en-US" dirty="0">
+                <a:ln>
+                  <a:solidFill>
+                    <a:sysClr val="windowText" lastClr="000000"/>
+                  </a:solidFill>
+                </a:ln>
+                <a:solidFill>
+                  <a:schemeClr val="accent6">
+                    <a:lumMod val="75000"/>
+                  </a:schemeClr>
+                </a:solidFill>
+                <a:latin typeface="HGP明朝E" panose="02020900000000000000" pitchFamily="18" charset="-128"/>
+                <a:ea typeface="HGP明朝E" panose="02020900000000000000" pitchFamily="18" charset="-128"/>
+              </a:rPr>
+              <a:t>工夫した点・処理の短縮</a:t>
+            </a:r>
+            <a:endParaRPr kumimoji="1" lang="ja-JP" altLang="en-US" dirty="0"/>
+          </a:p>
+        </p:txBody>
+      </p:sp>
     </p:spTree>
     <p:extLst>
       <p:ext uri="{BB962C8B-B14F-4D97-AF65-F5344CB8AC3E}">
@@ -6711,7 +7268,7 @@
 </p:sld>
 </file>
 
-<file path=ppt/slides/slide16.xml><?xml version="1.0" encoding="utf-8"?>
+<file path=ppt/slides/slide18.xml><?xml version="1.0" encoding="utf-8"?>
 <p:sld xmlns:a="http://schemas.openxmlformats.org/drawingml/2006/main" xmlns:r="http://schemas.openxmlformats.org/officeDocument/2006/relationships" xmlns:p="http://schemas.openxmlformats.org/presentationml/2006/main">
   <p:cSld>
     <p:spTree>
@@ -6924,7 +7481,7 @@
 </p:sld>
 </file>
 
-<file path=ppt/slides/slide17.xml><?xml version="1.0" encoding="utf-8"?>
+<file path=ppt/slides/slide19.xml><?xml version="1.0" encoding="utf-8"?>
 <p:sld xmlns:a="http://schemas.openxmlformats.org/drawingml/2006/main" xmlns:r="http://schemas.openxmlformats.org/officeDocument/2006/relationships" xmlns:p="http://schemas.openxmlformats.org/presentationml/2006/main">
   <p:cSld>
     <p:spTree>
@@ -7516,296 +8073,6 @@
 </p:sld>
 </file>
 
-<file path=ppt/slides/slide18.xml><?xml version="1.0" encoding="utf-8"?>
-<p:sld xmlns:a="http://schemas.openxmlformats.org/drawingml/2006/main" xmlns:r="http://schemas.openxmlformats.org/officeDocument/2006/relationships" xmlns:p="http://schemas.openxmlformats.org/presentationml/2006/main">
-  <p:cSld>
-    <p:spTree>
-      <p:nvGrpSpPr>
-        <p:cNvPr id="1" name=""/>
-        <p:cNvGrpSpPr/>
-        <p:nvPr/>
-      </p:nvGrpSpPr>
-      <p:grpSpPr>
-        <a:xfrm>
-          <a:off x="0" y="0"/>
-          <a:ext cx="0" cy="0"/>
-          <a:chOff x="0" y="0"/>
-          <a:chExt cx="0" cy="0"/>
-        </a:xfrm>
-      </p:grpSpPr>
-      <p:sp>
-        <p:nvSpPr>
-          <p:cNvPr id="2" name="テキスト ボックス 1">
-            <a:extLst>
-              <a:ext uri="{FF2B5EF4-FFF2-40B4-BE49-F238E27FC236}">
-                <a16:creationId xmlns:a16="http://schemas.microsoft.com/office/drawing/2014/main" id="{4FE6CD02-F126-4943-968D-16E2630CA349}"/>
-              </a:ext>
-            </a:extLst>
-          </p:cNvPr>
-          <p:cNvSpPr txBox="1"/>
-          <p:nvPr/>
-        </p:nvSpPr>
-        <p:spPr>
-          <a:xfrm>
-            <a:off x="1905803" y="2767280"/>
-            <a:ext cx="12666845" cy="1323439"/>
-          </a:xfrm>
-          <a:prstGeom prst="rect">
-            <a:avLst/>
-          </a:prstGeom>
-          <a:noFill/>
-        </p:spPr>
-        <p:txBody>
-          <a:bodyPr wrap="square" rtlCol="0">
-            <a:spAutoFit/>
-          </a:bodyPr>
-          <a:lstStyle/>
-          <a:p>
-            <a:r>
-              <a:rPr kumimoji="1" lang="ja-JP" altLang="en-US" sz="8000" b="1" dirty="0">
-                <a:ln>
-                  <a:solidFill>
-                    <a:schemeClr val="tx1"/>
-                  </a:solidFill>
-                </a:ln>
-                <a:solidFill>
-                  <a:schemeClr val="accent6">
-                    <a:lumMod val="50000"/>
-                  </a:schemeClr>
-                </a:solidFill>
-                <a:latin typeface="HGP明朝E" panose="02020900000000000000" pitchFamily="18" charset="-128"/>
-                <a:ea typeface="HGP明朝E" panose="02020900000000000000" pitchFamily="18" charset="-128"/>
-              </a:rPr>
-              <a:t>デモンストレーション</a:t>
-            </a:r>
-            <a:endParaRPr kumimoji="1" lang="ja-JP" altLang="en-US" sz="8000" b="1" dirty="0">
-              <a:solidFill>
-                <a:srgbClr val="FF0066"/>
-              </a:solidFill>
-            </a:endParaRPr>
-          </a:p>
-        </p:txBody>
-      </p:sp>
-      <p:sp>
-        <p:nvSpPr>
-          <p:cNvPr id="4" name="正方形/長方形 3">
-            <a:extLst>
-              <a:ext uri="{FF2B5EF4-FFF2-40B4-BE49-F238E27FC236}">
-                <a16:creationId xmlns:a16="http://schemas.microsoft.com/office/drawing/2014/main" id="{A8D22BB9-479E-46EB-92AC-F73D96D2CB00}"/>
-              </a:ext>
-            </a:extLst>
-          </p:cNvPr>
-          <p:cNvSpPr/>
-          <p:nvPr/>
-        </p:nvSpPr>
-        <p:spPr>
-          <a:xfrm>
-            <a:off x="9508067" y="0"/>
-            <a:ext cx="2683933" cy="1593908"/>
-          </a:xfrm>
-          <a:prstGeom prst="rect">
-            <a:avLst/>
-          </a:prstGeom>
-          <a:solidFill>
-            <a:schemeClr val="accent6">
-              <a:lumMod val="60000"/>
-              <a:lumOff val="40000"/>
-            </a:schemeClr>
-          </a:solidFill>
-        </p:spPr>
-        <p:style>
-          <a:lnRef idx="2">
-            <a:schemeClr val="accent1">
-              <a:shade val="50000"/>
-            </a:schemeClr>
-          </a:lnRef>
-          <a:fillRef idx="1">
-            <a:schemeClr val="accent1"/>
-          </a:fillRef>
-          <a:effectRef idx="0">
-            <a:schemeClr val="accent1"/>
-          </a:effectRef>
-          <a:fontRef idx="minor">
-            <a:schemeClr val="lt1"/>
-          </a:fontRef>
-        </p:style>
-        <p:txBody>
-          <a:bodyPr rtlCol="0" anchor="ctr"/>
-          <a:lstStyle/>
-          <a:p>
-            <a:pPr algn="ctr"/>
-            <a:endParaRPr kumimoji="1" lang="ja-JP" altLang="en-US"/>
-          </a:p>
-        </p:txBody>
-      </p:sp>
-    </p:spTree>
-    <p:extLst>
-      <p:ext uri="{BB962C8B-B14F-4D97-AF65-F5344CB8AC3E}">
-        <p14:creationId xmlns:p14="http://schemas.microsoft.com/office/powerpoint/2010/main" val="683761575"/>
-      </p:ext>
-    </p:extLst>
-  </p:cSld>
-  <p:clrMapOvr>
-    <a:masterClrMapping/>
-  </p:clrMapOvr>
-</p:sld>
-</file>
-
-<file path=ppt/slides/slide19.xml><?xml version="1.0" encoding="utf-8"?>
-<p:sld xmlns:a="http://schemas.openxmlformats.org/drawingml/2006/main" xmlns:r="http://schemas.openxmlformats.org/officeDocument/2006/relationships" xmlns:p="http://schemas.openxmlformats.org/presentationml/2006/main">
-  <p:cSld>
-    <p:spTree>
-      <p:nvGrpSpPr>
-        <p:cNvPr id="1" name=""/>
-        <p:cNvGrpSpPr/>
-        <p:nvPr/>
-      </p:nvGrpSpPr>
-      <p:grpSpPr>
-        <a:xfrm>
-          <a:off x="0" y="0"/>
-          <a:ext cx="0" cy="0"/>
-          <a:chOff x="0" y="0"/>
-          <a:chExt cx="0" cy="0"/>
-        </a:xfrm>
-      </p:grpSpPr>
-      <p:sp>
-        <p:nvSpPr>
-          <p:cNvPr id="2" name="タイトル 1">
-            <a:extLst>
-              <a:ext uri="{FF2B5EF4-FFF2-40B4-BE49-F238E27FC236}">
-                <a16:creationId xmlns:a16="http://schemas.microsoft.com/office/drawing/2014/main" id="{6ADE3D2E-3C6C-4DCF-BB23-6DC8807A41E4}"/>
-              </a:ext>
-            </a:extLst>
-          </p:cNvPr>
-          <p:cNvSpPr>
-            <a:spLocks noGrp="1"/>
-          </p:cNvSpPr>
-          <p:nvPr>
-            <p:ph type="title"/>
-          </p:nvPr>
-        </p:nvSpPr>
-        <p:spPr/>
-        <p:txBody>
-          <a:bodyPr/>
-          <a:lstStyle/>
-          <a:p>
-            <a:r>
-              <a:rPr kumimoji="1" lang="ja-JP" altLang="en-US" dirty="0"/>
-              <a:t>今後の計画</a:t>
-            </a:r>
-          </a:p>
-        </p:txBody>
-      </p:sp>
-      <p:sp>
-        <p:nvSpPr>
-          <p:cNvPr id="3" name="コンテンツ プレースホルダー 2">
-            <a:extLst>
-              <a:ext uri="{FF2B5EF4-FFF2-40B4-BE49-F238E27FC236}">
-                <a16:creationId xmlns:a16="http://schemas.microsoft.com/office/drawing/2014/main" id="{B491E88A-B097-44C6-89CB-25D69502E8EA}"/>
-              </a:ext>
-            </a:extLst>
-          </p:cNvPr>
-          <p:cNvSpPr>
-            <a:spLocks noGrp="1"/>
-          </p:cNvSpPr>
-          <p:nvPr>
-            <p:ph idx="1"/>
-          </p:nvPr>
-        </p:nvSpPr>
-        <p:spPr/>
-        <p:txBody>
-          <a:bodyPr/>
-          <a:lstStyle/>
-          <a:p>
-            <a:r>
-              <a:rPr kumimoji="1" lang="ja-JP" altLang="en-US" dirty="0"/>
-              <a:t>先のスプリントの予定</a:t>
-            </a:r>
-            <a:endParaRPr kumimoji="1" lang="en-US" altLang="ja-JP" dirty="0"/>
-          </a:p>
-          <a:p>
-            <a:pPr lvl="1"/>
-            <a:r>
-              <a:rPr kumimoji="1" lang="ja-JP" altLang="en-US" dirty="0"/>
-              <a:t>機能拡張</a:t>
-            </a:r>
-            <a:endParaRPr kumimoji="1" lang="en-US" altLang="ja-JP" dirty="0"/>
-          </a:p>
-          <a:p>
-            <a:pPr lvl="1"/>
-            <a:r>
-              <a:rPr kumimoji="1" lang="ja-JP" altLang="en-US" dirty="0"/>
-              <a:t>外見構築</a:t>
-            </a:r>
-            <a:endParaRPr kumimoji="1" lang="en-US" altLang="ja-JP" dirty="0"/>
-          </a:p>
-        </p:txBody>
-      </p:sp>
-      <p:sp>
-        <p:nvSpPr>
-          <p:cNvPr id="5" name="正方形/長方形 4">
-            <a:extLst>
-              <a:ext uri="{FF2B5EF4-FFF2-40B4-BE49-F238E27FC236}">
-                <a16:creationId xmlns:a16="http://schemas.microsoft.com/office/drawing/2014/main" id="{17E6CB9E-FCA3-4C48-A411-903186BAF346}"/>
-              </a:ext>
-            </a:extLst>
-          </p:cNvPr>
-          <p:cNvSpPr/>
-          <p:nvPr/>
-        </p:nvSpPr>
-        <p:spPr>
-          <a:xfrm>
-            <a:off x="9508067" y="0"/>
-            <a:ext cx="2683933" cy="1593908"/>
-          </a:xfrm>
-          <a:prstGeom prst="rect">
-            <a:avLst/>
-          </a:prstGeom>
-          <a:solidFill>
-            <a:schemeClr val="accent6">
-              <a:lumMod val="60000"/>
-              <a:lumOff val="40000"/>
-            </a:schemeClr>
-          </a:solidFill>
-        </p:spPr>
-        <p:style>
-          <a:lnRef idx="2">
-            <a:schemeClr val="accent1">
-              <a:shade val="50000"/>
-            </a:schemeClr>
-          </a:lnRef>
-          <a:fillRef idx="1">
-            <a:schemeClr val="accent1"/>
-          </a:fillRef>
-          <a:effectRef idx="0">
-            <a:schemeClr val="accent1"/>
-          </a:effectRef>
-          <a:fontRef idx="minor">
-            <a:schemeClr val="lt1"/>
-          </a:fontRef>
-        </p:style>
-        <p:txBody>
-          <a:bodyPr rtlCol="0" anchor="ctr"/>
-          <a:lstStyle/>
-          <a:p>
-            <a:pPr algn="ctr"/>
-            <a:endParaRPr kumimoji="1" lang="ja-JP" altLang="en-US"/>
-          </a:p>
-        </p:txBody>
-      </p:sp>
-    </p:spTree>
-    <p:extLst>
-      <p:ext uri="{BB962C8B-B14F-4D97-AF65-F5344CB8AC3E}">
-        <p14:creationId xmlns:p14="http://schemas.microsoft.com/office/powerpoint/2010/main" val="1064961073"/>
-      </p:ext>
-    </p:extLst>
-  </p:cSld>
-  <p:clrMapOvr>
-    <a:masterClrMapping/>
-  </p:clrMapOvr>
-</p:sld>
-</file>
-
 <file path=ppt/slides/slide2.xml><?xml version="1.0" encoding="utf-8"?>
 <p:sld xmlns:a="http://schemas.openxmlformats.org/drawingml/2006/main" xmlns:r="http://schemas.openxmlformats.org/officeDocument/2006/relationships" xmlns:p="http://schemas.openxmlformats.org/presentationml/2006/main">
   <p:cSld>
@@ -7928,7 +8195,7 @@
           <a:lstStyle/>
           <a:p>
             <a:r>
-              <a:rPr kumimoji="1" lang="en-US" altLang="ja-JP" sz="2800" b="1" dirty="0" err="1"/>
+              <a:rPr kumimoji="1" lang="en-US" altLang="ja-JP" sz="2800" b="1" dirty="0"/>
               <a:t>YoSiE</a:t>
             </a:r>
             <a:endParaRPr kumimoji="1" lang="ja-JP" altLang="en-US" sz="2800" b="1" dirty="0"/>
@@ -8618,6 +8885,362 @@
       </p:grpSpPr>
       <p:sp>
         <p:nvSpPr>
+          <p:cNvPr id="2" name="テキスト ボックス 1">
+            <a:extLst>
+              <a:ext uri="{FF2B5EF4-FFF2-40B4-BE49-F238E27FC236}">
+                <a16:creationId xmlns:a16="http://schemas.microsoft.com/office/drawing/2014/main" id="{4FE6CD02-F126-4943-968D-16E2630CA349}"/>
+              </a:ext>
+            </a:extLst>
+          </p:cNvPr>
+          <p:cNvSpPr txBox="1"/>
+          <p:nvPr/>
+        </p:nvSpPr>
+        <p:spPr>
+          <a:xfrm>
+            <a:off x="1905803" y="2767280"/>
+            <a:ext cx="12666845" cy="1323439"/>
+          </a:xfrm>
+          <a:prstGeom prst="rect">
+            <a:avLst/>
+          </a:prstGeom>
+          <a:noFill/>
+        </p:spPr>
+        <p:txBody>
+          <a:bodyPr wrap="square" rtlCol="0">
+            <a:spAutoFit/>
+          </a:bodyPr>
+          <a:lstStyle/>
+          <a:p>
+            <a:r>
+              <a:rPr kumimoji="1" lang="ja-JP" altLang="en-US" sz="8000" b="1" dirty="0">
+                <a:ln>
+                  <a:solidFill>
+                    <a:schemeClr val="tx1"/>
+                  </a:solidFill>
+                </a:ln>
+                <a:solidFill>
+                  <a:schemeClr val="accent6">
+                    <a:lumMod val="50000"/>
+                  </a:schemeClr>
+                </a:solidFill>
+                <a:latin typeface="HGP明朝E" panose="02020900000000000000" pitchFamily="18" charset="-128"/>
+                <a:ea typeface="HGP明朝E" panose="02020900000000000000" pitchFamily="18" charset="-128"/>
+              </a:rPr>
+              <a:t>デモンストレーション</a:t>
+            </a:r>
+            <a:endParaRPr kumimoji="1" lang="ja-JP" altLang="en-US" sz="8000" b="1" dirty="0">
+              <a:solidFill>
+                <a:srgbClr val="FF0066"/>
+              </a:solidFill>
+            </a:endParaRPr>
+          </a:p>
+        </p:txBody>
+      </p:sp>
+      <p:sp>
+        <p:nvSpPr>
+          <p:cNvPr id="4" name="正方形/長方形 3">
+            <a:extLst>
+              <a:ext uri="{FF2B5EF4-FFF2-40B4-BE49-F238E27FC236}">
+                <a16:creationId xmlns:a16="http://schemas.microsoft.com/office/drawing/2014/main" id="{A8D22BB9-479E-46EB-92AC-F73D96D2CB00}"/>
+              </a:ext>
+            </a:extLst>
+          </p:cNvPr>
+          <p:cNvSpPr/>
+          <p:nvPr/>
+        </p:nvSpPr>
+        <p:spPr>
+          <a:xfrm>
+            <a:off x="9508067" y="0"/>
+            <a:ext cx="2683933" cy="1593908"/>
+          </a:xfrm>
+          <a:prstGeom prst="rect">
+            <a:avLst/>
+          </a:prstGeom>
+          <a:solidFill>
+            <a:schemeClr val="accent6">
+              <a:lumMod val="60000"/>
+              <a:lumOff val="40000"/>
+            </a:schemeClr>
+          </a:solidFill>
+        </p:spPr>
+        <p:style>
+          <a:lnRef idx="2">
+            <a:schemeClr val="accent1">
+              <a:shade val="50000"/>
+            </a:schemeClr>
+          </a:lnRef>
+          <a:fillRef idx="1">
+            <a:schemeClr val="accent1"/>
+          </a:fillRef>
+          <a:effectRef idx="0">
+            <a:schemeClr val="accent1"/>
+          </a:effectRef>
+          <a:fontRef idx="minor">
+            <a:schemeClr val="lt1"/>
+          </a:fontRef>
+        </p:style>
+        <p:txBody>
+          <a:bodyPr rtlCol="0" anchor="ctr"/>
+          <a:lstStyle/>
+          <a:p>
+            <a:pPr algn="ctr"/>
+            <a:endParaRPr kumimoji="1" lang="ja-JP" altLang="en-US"/>
+          </a:p>
+        </p:txBody>
+      </p:sp>
+    </p:spTree>
+    <p:extLst>
+      <p:ext uri="{BB962C8B-B14F-4D97-AF65-F5344CB8AC3E}">
+        <p14:creationId xmlns:p14="http://schemas.microsoft.com/office/powerpoint/2010/main" val="683761575"/>
+      </p:ext>
+    </p:extLst>
+  </p:cSld>
+  <p:clrMapOvr>
+    <a:masterClrMapping/>
+  </p:clrMapOvr>
+</p:sld>
+</file>
+
+<file path=ppt/slides/slide21.xml><?xml version="1.0" encoding="utf-8"?>
+<p:sld xmlns:a="http://schemas.openxmlformats.org/drawingml/2006/main" xmlns:r="http://schemas.openxmlformats.org/officeDocument/2006/relationships" xmlns:p="http://schemas.openxmlformats.org/presentationml/2006/main">
+  <p:cSld>
+    <p:spTree>
+      <p:nvGrpSpPr>
+        <p:cNvPr id="1" name=""/>
+        <p:cNvGrpSpPr/>
+        <p:nvPr/>
+      </p:nvGrpSpPr>
+      <p:grpSpPr>
+        <a:xfrm>
+          <a:off x="0" y="0"/>
+          <a:ext cx="0" cy="0"/>
+          <a:chOff x="0" y="0"/>
+          <a:chExt cx="0" cy="0"/>
+        </a:xfrm>
+      </p:grpSpPr>
+      <p:sp>
+        <p:nvSpPr>
+          <p:cNvPr id="2" name="タイトル 1">
+            <a:extLst>
+              <a:ext uri="{FF2B5EF4-FFF2-40B4-BE49-F238E27FC236}">
+                <a16:creationId xmlns:a16="http://schemas.microsoft.com/office/drawing/2014/main" id="{6ADE3D2E-3C6C-4DCF-BB23-6DC8807A41E4}"/>
+              </a:ext>
+            </a:extLst>
+          </p:cNvPr>
+          <p:cNvSpPr>
+            <a:spLocks noGrp="1"/>
+          </p:cNvSpPr>
+          <p:nvPr>
+            <p:ph type="title"/>
+          </p:nvPr>
+        </p:nvSpPr>
+        <p:spPr/>
+        <p:txBody>
+          <a:bodyPr/>
+          <a:lstStyle/>
+          <a:p>
+            <a:r>
+              <a:rPr kumimoji="1" lang="ja-JP" altLang="en-US" dirty="0">
+                <a:ln>
+                  <a:solidFill>
+                    <a:schemeClr val="tx1"/>
+                  </a:solidFill>
+                </a:ln>
+                <a:solidFill>
+                  <a:schemeClr val="accent6">
+                    <a:lumMod val="75000"/>
+                  </a:schemeClr>
+                </a:solidFill>
+                <a:latin typeface="HGP明朝E" panose="02020900000000000000" pitchFamily="18" charset="-128"/>
+                <a:ea typeface="HGP明朝E" panose="02020900000000000000" pitchFamily="18" charset="-128"/>
+              </a:rPr>
+              <a:t>今後の計画</a:t>
+            </a:r>
+          </a:p>
+        </p:txBody>
+      </p:sp>
+      <p:sp>
+        <p:nvSpPr>
+          <p:cNvPr id="3" name="コンテンツ プレースホルダー 2">
+            <a:extLst>
+              <a:ext uri="{FF2B5EF4-FFF2-40B4-BE49-F238E27FC236}">
+                <a16:creationId xmlns:a16="http://schemas.microsoft.com/office/drawing/2014/main" id="{B491E88A-B097-44C6-89CB-25D69502E8EA}"/>
+              </a:ext>
+            </a:extLst>
+          </p:cNvPr>
+          <p:cNvSpPr>
+            <a:spLocks noGrp="1"/>
+          </p:cNvSpPr>
+          <p:nvPr>
+            <p:ph idx="1"/>
+          </p:nvPr>
+        </p:nvSpPr>
+        <p:spPr/>
+        <p:txBody>
+          <a:bodyPr/>
+          <a:lstStyle/>
+          <a:p>
+            <a:r>
+              <a:rPr kumimoji="1" lang="ja-JP" altLang="en-US" sz="3200" dirty="0"/>
+              <a:t>機能拡張</a:t>
+            </a:r>
+            <a:endParaRPr lang="en-US" altLang="ja-JP" sz="3200" dirty="0"/>
+          </a:p>
+          <a:p>
+            <a:pPr lvl="1"/>
+            <a:r>
+              <a:rPr kumimoji="1" lang="ja-JP" altLang="en-US" sz="2800" dirty="0"/>
+              <a:t>スクレイピング</a:t>
+            </a:r>
+            <a:endParaRPr kumimoji="1" lang="en-US" altLang="ja-JP" sz="2800" dirty="0"/>
+          </a:p>
+          <a:p>
+            <a:pPr lvl="2"/>
+            <a:r>
+              <a:rPr lang="ja-JP" altLang="en-US" sz="2400" dirty="0"/>
+              <a:t>起動時 </a:t>
+            </a:r>
+            <a:r>
+              <a:rPr lang="ja-JP" altLang="en-US" sz="2400" b="1" dirty="0"/>
+              <a:t>＋ </a:t>
+            </a:r>
+            <a:r>
+              <a:rPr lang="ja-JP" altLang="en-US" sz="2400" dirty="0"/>
+              <a:t>一定時間ごとに実行</a:t>
+            </a:r>
+            <a:endParaRPr lang="en-US" altLang="ja-JP" sz="2400" dirty="0"/>
+          </a:p>
+          <a:p>
+            <a:pPr lvl="2"/>
+            <a:r>
+              <a:rPr kumimoji="1" lang="ja-JP" altLang="en-US" sz="2400" dirty="0"/>
+              <a:t>音声ファイルの保存</a:t>
+            </a:r>
+            <a:endParaRPr lang="en-US" altLang="ja-JP" sz="2400" dirty="0"/>
+          </a:p>
+          <a:p>
+            <a:pPr lvl="1"/>
+            <a:r>
+              <a:rPr lang="en-US" altLang="ja-JP" sz="2800" dirty="0"/>
+              <a:t>AI</a:t>
+            </a:r>
+            <a:r>
+              <a:rPr lang="ja-JP" altLang="en-US" sz="2800" dirty="0"/>
+              <a:t>の精度を上げる</a:t>
+            </a:r>
+            <a:endParaRPr kumimoji="1" lang="en-US" altLang="ja-JP" sz="2800" dirty="0"/>
+          </a:p>
+          <a:p>
+            <a:r>
+              <a:rPr kumimoji="1" lang="ja-JP" altLang="en-US" sz="3200" dirty="0"/>
+              <a:t>外見作成</a:t>
+            </a:r>
+            <a:endParaRPr kumimoji="1" lang="en-US" altLang="ja-JP" sz="3200" dirty="0"/>
+          </a:p>
+          <a:p>
+            <a:pPr lvl="1"/>
+            <a:r>
+              <a:rPr lang="ja-JP" altLang="en-US" sz="2800" dirty="0"/>
+              <a:t>こけしをどう作るか</a:t>
+            </a:r>
+            <a:endParaRPr lang="en-US" altLang="ja-JP" sz="2800" dirty="0"/>
+          </a:p>
+          <a:p>
+            <a:endParaRPr lang="en-US" altLang="ja-JP" dirty="0"/>
+          </a:p>
+          <a:p>
+            <a:pPr lvl="1"/>
+            <a:endParaRPr kumimoji="1" lang="en-US" altLang="ja-JP" dirty="0"/>
+          </a:p>
+          <a:p>
+            <a:endParaRPr lang="en-US" altLang="ja-JP" dirty="0"/>
+          </a:p>
+        </p:txBody>
+      </p:sp>
+      <p:sp>
+        <p:nvSpPr>
+          <p:cNvPr id="5" name="正方形/長方形 4">
+            <a:extLst>
+              <a:ext uri="{FF2B5EF4-FFF2-40B4-BE49-F238E27FC236}">
+                <a16:creationId xmlns:a16="http://schemas.microsoft.com/office/drawing/2014/main" id="{17E6CB9E-FCA3-4C48-A411-903186BAF346}"/>
+              </a:ext>
+            </a:extLst>
+          </p:cNvPr>
+          <p:cNvSpPr/>
+          <p:nvPr/>
+        </p:nvSpPr>
+        <p:spPr>
+          <a:xfrm>
+            <a:off x="9508067" y="0"/>
+            <a:ext cx="2683933" cy="1593908"/>
+          </a:xfrm>
+          <a:prstGeom prst="rect">
+            <a:avLst/>
+          </a:prstGeom>
+          <a:solidFill>
+            <a:schemeClr val="accent6">
+              <a:lumMod val="60000"/>
+              <a:lumOff val="40000"/>
+            </a:schemeClr>
+          </a:solidFill>
+        </p:spPr>
+        <p:style>
+          <a:lnRef idx="2">
+            <a:schemeClr val="accent1">
+              <a:shade val="50000"/>
+            </a:schemeClr>
+          </a:lnRef>
+          <a:fillRef idx="1">
+            <a:schemeClr val="accent1"/>
+          </a:fillRef>
+          <a:effectRef idx="0">
+            <a:schemeClr val="accent1"/>
+          </a:effectRef>
+          <a:fontRef idx="minor">
+            <a:schemeClr val="lt1"/>
+          </a:fontRef>
+        </p:style>
+        <p:txBody>
+          <a:bodyPr rtlCol="0" anchor="ctr"/>
+          <a:lstStyle/>
+          <a:p>
+            <a:pPr algn="ctr"/>
+            <a:endParaRPr kumimoji="1" lang="ja-JP" altLang="en-US"/>
+          </a:p>
+        </p:txBody>
+      </p:sp>
+    </p:spTree>
+    <p:extLst>
+      <p:ext uri="{BB962C8B-B14F-4D97-AF65-F5344CB8AC3E}">
+        <p14:creationId xmlns:p14="http://schemas.microsoft.com/office/powerpoint/2010/main" val="1064961073"/>
+      </p:ext>
+    </p:extLst>
+  </p:cSld>
+  <p:clrMapOvr>
+    <a:masterClrMapping/>
+  </p:clrMapOvr>
+</p:sld>
+</file>
+
+<file path=ppt/slides/slide22.xml><?xml version="1.0" encoding="utf-8"?>
+<p:sld xmlns:a="http://schemas.openxmlformats.org/drawingml/2006/main" xmlns:r="http://schemas.openxmlformats.org/officeDocument/2006/relationships" xmlns:p="http://schemas.openxmlformats.org/presentationml/2006/main">
+  <p:cSld>
+    <p:spTree>
+      <p:nvGrpSpPr>
+        <p:cNvPr id="1" name=""/>
+        <p:cNvGrpSpPr/>
+        <p:nvPr/>
+      </p:nvGrpSpPr>
+      <p:grpSpPr>
+        <a:xfrm>
+          <a:off x="0" y="0"/>
+          <a:ext cx="0" cy="0"/>
+          <a:chOff x="0" y="0"/>
+          <a:chExt cx="0" cy="0"/>
+        </a:xfrm>
+      </p:grpSpPr>
+      <p:sp>
+        <p:nvSpPr>
           <p:cNvPr id="2" name="タイトル 1">
             <a:extLst>
               <a:ext uri="{FF2B5EF4-FFF2-40B4-BE49-F238E27FC236}">
@@ -8806,7 +9429,7 @@
         </p:nvSpPr>
         <p:spPr>
           <a:xfrm>
-            <a:off x="3224463" y="4034592"/>
+            <a:off x="3176336" y="4583232"/>
             <a:ext cx="2743200" cy="741945"/>
           </a:xfrm>
           <a:prstGeom prst="roundRect">
@@ -8860,7 +9483,7 @@
         </p:nvSpPr>
         <p:spPr>
           <a:xfrm>
-            <a:off x="6252410" y="4034592"/>
+            <a:off x="6204283" y="4583232"/>
             <a:ext cx="2743200" cy="741945"/>
           </a:xfrm>
           <a:prstGeom prst="roundRect">
@@ -8914,7 +9537,7 @@
         </p:nvSpPr>
         <p:spPr>
           <a:xfrm>
-            <a:off x="9256295" y="4034592"/>
+            <a:off x="9208168" y="4583232"/>
             <a:ext cx="2743200" cy="741945"/>
           </a:xfrm>
           <a:prstGeom prst="roundRect">
@@ -8973,7 +9596,7 @@
         </p:nvSpPr>
         <p:spPr>
           <a:xfrm>
-            <a:off x="3236494" y="4034592"/>
+            <a:off x="3188367" y="4583232"/>
             <a:ext cx="2743200" cy="741945"/>
           </a:xfrm>
           <a:prstGeom prst="roundRect">
@@ -9027,7 +9650,7 @@
         </p:nvSpPr>
         <p:spPr>
           <a:xfrm>
-            <a:off x="6264441" y="4034592"/>
+            <a:off x="6216314" y="4583232"/>
             <a:ext cx="2743200" cy="741945"/>
           </a:xfrm>
           <a:prstGeom prst="roundRect">
@@ -9081,7 +9704,7 @@
         </p:nvSpPr>
         <p:spPr>
           <a:xfrm>
-            <a:off x="9268326" y="2193758"/>
+            <a:off x="9220199" y="2742398"/>
             <a:ext cx="2743200" cy="1744579"/>
           </a:xfrm>
           <a:prstGeom prst="roundRect">
@@ -9151,7 +9774,7 @@
         </p:nvSpPr>
         <p:spPr>
           <a:xfrm>
-            <a:off x="196516" y="2193758"/>
+            <a:off x="148389" y="2742398"/>
             <a:ext cx="2743200" cy="1744579"/>
           </a:xfrm>
           <a:prstGeom prst="roundRect">
@@ -9221,7 +9844,7 @@
         </p:nvSpPr>
         <p:spPr>
           <a:xfrm>
-            <a:off x="3224463" y="2193758"/>
+            <a:off x="3176336" y="2742398"/>
             <a:ext cx="2743200" cy="1744579"/>
           </a:xfrm>
           <a:prstGeom prst="roundRect">
@@ -9291,7 +9914,7 @@
         </p:nvSpPr>
         <p:spPr>
           <a:xfrm>
-            <a:off x="6252410" y="2193758"/>
+            <a:off x="6204283" y="2742398"/>
             <a:ext cx="2743200" cy="1744579"/>
           </a:xfrm>
           <a:prstGeom prst="roundRect">
@@ -9354,7 +9977,7 @@
         </p:nvSpPr>
         <p:spPr>
           <a:xfrm>
-            <a:off x="208547" y="4071567"/>
+            <a:off x="160420" y="4620207"/>
             <a:ext cx="2743200" cy="741945"/>
           </a:xfrm>
           <a:prstGeom prst="roundRect">
@@ -9413,7 +10036,7 @@
         </p:nvSpPr>
         <p:spPr>
           <a:xfrm>
-            <a:off x="3224463" y="4034592"/>
+            <a:off x="3176336" y="4583232"/>
             <a:ext cx="2743200" cy="741945"/>
           </a:xfrm>
           <a:prstGeom prst="roundRect">
@@ -9472,7 +10095,7 @@
         </p:nvSpPr>
         <p:spPr>
           <a:xfrm>
-            <a:off x="6252410" y="4034592"/>
+            <a:off x="6204283" y="4583232"/>
             <a:ext cx="2743200" cy="741945"/>
           </a:xfrm>
           <a:prstGeom prst="roundRect">
@@ -9531,7 +10154,7 @@
         </p:nvSpPr>
         <p:spPr>
           <a:xfrm>
-            <a:off x="2807369" y="2575636"/>
+            <a:off x="2759242" y="3124276"/>
             <a:ext cx="549441" cy="1085977"/>
           </a:xfrm>
           <a:prstGeom prst="rightArrow">
@@ -9587,7 +10210,7 @@
         </p:nvSpPr>
         <p:spPr>
           <a:xfrm>
-            <a:off x="5847347" y="2580084"/>
+            <a:off x="5799220" y="3128724"/>
             <a:ext cx="549441" cy="1085977"/>
           </a:xfrm>
           <a:prstGeom prst="rightArrow">
@@ -9643,7 +10266,7 @@
         </p:nvSpPr>
         <p:spPr>
           <a:xfrm>
-            <a:off x="8851232" y="2587668"/>
+            <a:off x="8803105" y="3136308"/>
             <a:ext cx="549441" cy="1085977"/>
           </a:xfrm>
           <a:prstGeom prst="rightArrow">
@@ -9864,6 +10487,13 @@
               <a:rPr kumimoji="1" lang="en-US" altLang="ja-JP" dirty="0"/>
               <a:t>)</a:t>
             </a:r>
+          </a:p>
+          <a:p>
+            <a:r>
+              <a:rPr lang="ja-JP" altLang="en-US" dirty="0"/>
+              <a:t>マイクから入力された音声をテキストに変換</a:t>
+            </a:r>
+            <a:endParaRPr kumimoji="1" lang="en-US" altLang="ja-JP" dirty="0"/>
           </a:p>
           <a:p>
             <a:r>
@@ -10399,133 +11029,6 @@
       </p:grpSpPr>
       <p:sp>
         <p:nvSpPr>
-          <p:cNvPr id="2" name="タイトル 1">
-            <a:extLst>
-              <a:ext uri="{FF2B5EF4-FFF2-40B4-BE49-F238E27FC236}">
-                <a16:creationId xmlns:a16="http://schemas.microsoft.com/office/drawing/2014/main" id="{30510270-B89B-4147-8B81-16A39D4DCD9B}"/>
-              </a:ext>
-            </a:extLst>
-          </p:cNvPr>
-          <p:cNvSpPr>
-            <a:spLocks noGrp="1"/>
-          </p:cNvSpPr>
-          <p:nvPr>
-            <p:ph type="title"/>
-          </p:nvPr>
-        </p:nvSpPr>
-        <p:spPr>
-          <a:xfrm>
-            <a:off x="241434" y="492244"/>
-            <a:ext cx="10515600" cy="1325563"/>
-          </a:xfrm>
-        </p:spPr>
-        <p:txBody>
-          <a:bodyPr/>
-          <a:lstStyle/>
-          <a:p>
-            <a:r>
-              <a:rPr kumimoji="1" lang="ja-JP" altLang="en-US" dirty="0">
-                <a:ln>
-                  <a:solidFill>
-                    <a:schemeClr val="tx1"/>
-                  </a:solidFill>
-                </a:ln>
-                <a:solidFill>
-                  <a:schemeClr val="accent6">
-                    <a:lumMod val="75000"/>
-                  </a:schemeClr>
-                </a:solidFill>
-                <a:latin typeface="HGP明朝E" panose="02020900000000000000" pitchFamily="18" charset="-128"/>
-                <a:ea typeface="HGP明朝E" panose="02020900000000000000" pitchFamily="18" charset="-128"/>
-              </a:rPr>
-              <a:t>コードの構造</a:t>
-            </a:r>
-            <a:br>
-              <a:rPr kumimoji="1" lang="en-US" altLang="ja-JP" dirty="0">
-                <a:ln>
-                  <a:solidFill>
-                    <a:schemeClr val="tx1"/>
-                  </a:solidFill>
-                </a:ln>
-                <a:solidFill>
-                  <a:schemeClr val="accent6">
-                    <a:lumMod val="75000"/>
-                  </a:schemeClr>
-                </a:solidFill>
-                <a:latin typeface="HGP明朝E" panose="02020900000000000000" pitchFamily="18" charset="-128"/>
-                <a:ea typeface="HGP明朝E" panose="02020900000000000000" pitchFamily="18" charset="-128"/>
-              </a:rPr>
-            </a:br>
-            <a:r>
-              <a:rPr kumimoji="1" lang="en-US" altLang="ja-JP" dirty="0">
-                <a:ln>
-                  <a:solidFill>
-                    <a:schemeClr val="tx1"/>
-                  </a:solidFill>
-                </a:ln>
-                <a:solidFill>
-                  <a:schemeClr val="accent6">
-                    <a:lumMod val="75000"/>
-                  </a:schemeClr>
-                </a:solidFill>
-                <a:latin typeface="HGP明朝E" panose="02020900000000000000" pitchFamily="18" charset="-128"/>
-                <a:ea typeface="HGP明朝E" panose="02020900000000000000" pitchFamily="18" charset="-128"/>
-              </a:rPr>
-              <a:t>(Julius_</a:t>
-            </a:r>
-            <a:r>
-              <a:rPr lang="en-US" altLang="ja-JP" dirty="0">
-                <a:ln>
-                  <a:solidFill>
-                    <a:schemeClr val="tx1"/>
-                  </a:solidFill>
-                </a:ln>
-                <a:solidFill>
-                  <a:schemeClr val="accent6">
-                    <a:lumMod val="75000"/>
-                  </a:schemeClr>
-                </a:solidFill>
-                <a:latin typeface="HGP明朝E" panose="02020900000000000000" pitchFamily="18" charset="-128"/>
-                <a:ea typeface="HGP明朝E" panose="02020900000000000000" pitchFamily="18" charset="-128"/>
-              </a:rPr>
-              <a:t>Python.py</a:t>
-            </a:r>
-            <a:r>
-              <a:rPr kumimoji="1" lang="en-US" altLang="ja-JP" dirty="0">
-                <a:ln>
-                  <a:solidFill>
-                    <a:schemeClr val="tx1"/>
-                  </a:solidFill>
-                </a:ln>
-                <a:solidFill>
-                  <a:schemeClr val="accent6">
-                    <a:lumMod val="75000"/>
-                  </a:schemeClr>
-                </a:solidFill>
-                <a:latin typeface="HGP明朝E" panose="02020900000000000000" pitchFamily="18" charset="-128"/>
-                <a:ea typeface="HGP明朝E" panose="02020900000000000000" pitchFamily="18" charset="-128"/>
-              </a:rPr>
-              <a:t>)</a:t>
-            </a:r>
-            <a:endParaRPr kumimoji="1" lang="ja-JP" altLang="en-US" dirty="0">
-              <a:ln>
-                <a:solidFill>
-                  <a:schemeClr val="tx1"/>
-                </a:solidFill>
-              </a:ln>
-              <a:solidFill>
-                <a:schemeClr val="accent6">
-                  <a:lumMod val="75000"/>
-                </a:schemeClr>
-              </a:solidFill>
-              <a:latin typeface="HGP明朝E" panose="02020900000000000000" pitchFamily="18" charset="-128"/>
-              <a:ea typeface="HGP明朝E" panose="02020900000000000000" pitchFamily="18" charset="-128"/>
-            </a:endParaRPr>
-          </a:p>
-        </p:txBody>
-      </p:sp>
-      <p:sp>
-        <p:nvSpPr>
           <p:cNvPr id="5" name="正方形/長方形 4">
             <a:extLst>
               <a:ext uri="{FF2B5EF4-FFF2-40B4-BE49-F238E27FC236}">
@@ -10590,7 +11093,7 @@
         </p:nvSpPr>
         <p:spPr>
           <a:xfrm>
-            <a:off x="4915570" y="1437395"/>
+            <a:off x="3504262" y="1831471"/>
             <a:ext cx="4331368" cy="628442"/>
           </a:xfrm>
           <a:prstGeom prst="rect">
@@ -10688,7 +11191,7 @@
         </p:nvSpPr>
         <p:spPr>
           <a:xfrm>
-            <a:off x="4915570" y="2367129"/>
+            <a:off x="3510281" y="2776608"/>
             <a:ext cx="4331367" cy="659274"/>
           </a:xfrm>
           <a:prstGeom prst="rect">
@@ -10746,7 +11249,7 @@
         </p:nvSpPr>
         <p:spPr>
           <a:xfrm>
-            <a:off x="4915570" y="3327696"/>
+            <a:off x="3510281" y="3737175"/>
             <a:ext cx="4325349" cy="659274"/>
           </a:xfrm>
           <a:prstGeom prst="rect">
@@ -10804,7 +11307,7 @@
         </p:nvSpPr>
         <p:spPr>
           <a:xfrm>
-            <a:off x="4921589" y="4288263"/>
+            <a:off x="3516300" y="4697742"/>
             <a:ext cx="4325348" cy="658449"/>
           </a:xfrm>
           <a:prstGeom prst="rect">
@@ -10892,7 +11395,7 @@
         </p:nvSpPr>
         <p:spPr>
           <a:xfrm>
-            <a:off x="4921587" y="5248005"/>
+            <a:off x="3516298" y="5657484"/>
             <a:ext cx="4337384" cy="658449"/>
           </a:xfrm>
           <a:prstGeom prst="rect">
@@ -10924,6 +11427,16 @@
           <a:p>
             <a:pPr algn="ctr"/>
             <a:r>
+              <a:rPr lang="ja-JP" altLang="en-US" b="1" dirty="0">
+                <a:solidFill>
+                  <a:schemeClr val="accent6">
+                    <a:lumMod val="50000"/>
+                  </a:schemeClr>
+                </a:solidFill>
+              </a:rPr>
+              <a:t>取得したデータを音声</a:t>
+            </a:r>
+            <a:r>
               <a:rPr kumimoji="1" lang="ja-JP" altLang="en-US" b="1" dirty="0">
                 <a:solidFill>
                   <a:schemeClr val="accent6">
@@ -10931,7 +11444,7 @@
                   </a:schemeClr>
                 </a:solidFill>
               </a:rPr>
-              <a:t>スクレイピング結果出力</a:t>
+              <a:t>出力</a:t>
             </a:r>
           </a:p>
         </p:txBody>
@@ -10947,14 +11460,13 @@
           </p:cNvPr>
           <p:cNvCxnSpPr>
             <a:cxnSpLocks/>
-            <a:stCxn id="8" idx="2"/>
             <a:endCxn id="9" idx="0"/>
           </p:cNvCxnSpPr>
           <p:nvPr/>
         </p:nvCxnSpPr>
         <p:spPr>
           <a:xfrm>
-            <a:off x="7081254" y="2065837"/>
+            <a:off x="5675965" y="2475316"/>
             <a:ext cx="0" cy="301292"/>
           </a:xfrm>
           <a:prstGeom prst="straightConnector1">
@@ -11002,7 +11514,7 @@
         </p:nvCxnSpPr>
         <p:spPr>
           <a:xfrm flipH="1">
-            <a:off x="7078245" y="3026403"/>
+            <a:off x="5672956" y="3435882"/>
             <a:ext cx="3009" cy="301293"/>
           </a:xfrm>
           <a:prstGeom prst="straightConnector1">
@@ -11050,7 +11562,7 @@
         </p:nvCxnSpPr>
         <p:spPr>
           <a:xfrm>
-            <a:off x="7078245" y="3986970"/>
+            <a:off x="5672956" y="4396449"/>
             <a:ext cx="6018" cy="301293"/>
           </a:xfrm>
           <a:prstGeom prst="straightConnector1">
@@ -11098,7 +11610,7 @@
         </p:nvCxnSpPr>
         <p:spPr>
           <a:xfrm>
-            <a:off x="7084263" y="4946712"/>
+            <a:off x="5678974" y="5356191"/>
             <a:ext cx="6016" cy="301293"/>
           </a:xfrm>
           <a:prstGeom prst="straightConnector1">
@@ -11142,7 +11654,7 @@
         </p:nvSpPr>
         <p:spPr>
           <a:xfrm>
-            <a:off x="8754652" y="3883942"/>
+            <a:off x="7349363" y="4293421"/>
             <a:ext cx="2459859" cy="1179095"/>
           </a:xfrm>
           <a:prstGeom prst="wedgeEllipseCallout">
@@ -11213,7 +11725,7 @@
         </p:nvSpPr>
         <p:spPr>
           <a:xfrm>
-            <a:off x="8754652" y="5117266"/>
+            <a:off x="7349363" y="5526745"/>
             <a:ext cx="2552276" cy="1219624"/>
           </a:xfrm>
           <a:prstGeom prst="wedgeEllipseCallout">
@@ -11308,7 +11820,7 @@
         </p:nvCxnSpPr>
         <p:spPr>
           <a:xfrm rot="10800000">
-            <a:off x="4915571" y="2696766"/>
+            <a:off x="3510282" y="3106245"/>
             <a:ext cx="6017" cy="2880464"/>
           </a:xfrm>
           <a:prstGeom prst="curvedConnector3">
@@ -11342,10 +11854,10 @@
       </p:cxnSp>
       <p:sp>
         <p:nvSpPr>
-          <p:cNvPr id="46" name="正方形/長方形 45">
-            <a:extLst>
-              <a:ext uri="{FF2B5EF4-FFF2-40B4-BE49-F238E27FC236}">
-                <a16:creationId xmlns:a16="http://schemas.microsoft.com/office/drawing/2014/main" id="{B6E3FC31-DF1A-4F3A-B76E-53B3EEFCA795}"/>
+          <p:cNvPr id="4" name="正方形/長方形 3">
+            <a:extLst>
+              <a:ext uri="{FF2B5EF4-FFF2-40B4-BE49-F238E27FC236}">
+                <a16:creationId xmlns:a16="http://schemas.microsoft.com/office/drawing/2014/main" id="{D2C1BF43-3F13-4942-95D6-7E86BB340B89}"/>
               </a:ext>
             </a:extLst>
           </p:cNvPr>
@@ -11354,115 +11866,73 @@
         </p:nvSpPr>
         <p:spPr>
           <a:xfrm>
-            <a:off x="4915570" y="492244"/>
-            <a:ext cx="4331368" cy="628442"/>
+            <a:off x="3432835" y="1481987"/>
+            <a:ext cx="2148345" cy="369332"/>
           </a:xfrm>
           <a:prstGeom prst="rect">
             <a:avLst/>
           </a:prstGeom>
-          <a:solidFill>
-            <a:schemeClr val="bg1"/>
-          </a:solidFill>
         </p:spPr>
-        <p:style>
-          <a:lnRef idx="2">
-            <a:schemeClr val="accent1">
-              <a:shade val="50000"/>
-            </a:schemeClr>
-          </a:lnRef>
-          <a:fillRef idx="1">
-            <a:schemeClr val="accent1"/>
-          </a:fillRef>
-          <a:effectRef idx="0">
-            <a:schemeClr val="accent1"/>
-          </a:effectRef>
-          <a:fontRef idx="minor">
-            <a:schemeClr val="lt1"/>
-          </a:fontRef>
-        </p:style>
-        <p:txBody>
-          <a:bodyPr rtlCol="0" anchor="ctr"/>
-          <a:lstStyle/>
-          <a:p>
-            <a:pPr algn="ctr"/>
-            <a:r>
-              <a:rPr kumimoji="1" lang="en-US" altLang="ja-JP" b="1" dirty="0">
+        <p:txBody>
+          <a:bodyPr wrap="none">
+            <a:spAutoFit/>
+          </a:bodyPr>
+          <a:lstStyle/>
+          <a:p>
+            <a:r>
+              <a:rPr lang="en-US" altLang="ja-JP" b="1" dirty="0"/>
+              <a:t>julius_python2.py</a:t>
+            </a:r>
+            <a:endParaRPr lang="ja-JP" altLang="en-US" b="1" dirty="0"/>
+          </a:p>
+        </p:txBody>
+      </p:sp>
+      <p:sp>
+        <p:nvSpPr>
+          <p:cNvPr id="7" name="タイトル 6">
+            <a:extLst>
+              <a:ext uri="{FF2B5EF4-FFF2-40B4-BE49-F238E27FC236}">
+                <a16:creationId xmlns:a16="http://schemas.microsoft.com/office/drawing/2014/main" id="{16236DA4-53A3-44AB-81AD-3B882D2DCE55}"/>
+              </a:ext>
+            </a:extLst>
+          </p:cNvPr>
+          <p:cNvSpPr>
+            <a:spLocks noGrp="1"/>
+          </p:cNvSpPr>
+          <p:nvPr>
+            <p:ph type="title"/>
+          </p:nvPr>
+        </p:nvSpPr>
+        <p:spPr>
+          <a:xfrm>
+            <a:off x="838200" y="359129"/>
+            <a:ext cx="10515600" cy="1325563"/>
+          </a:xfrm>
+        </p:spPr>
+        <p:txBody>
+          <a:bodyPr/>
+          <a:lstStyle/>
+          <a:p>
+            <a:r>
+              <a:rPr lang="ja-JP" altLang="en-US" dirty="0">
+                <a:ln>
+                  <a:solidFill>
+                    <a:schemeClr val="tx1"/>
+                  </a:solidFill>
+                </a:ln>
                 <a:solidFill>
                   <a:schemeClr val="accent6">
-                    <a:lumMod val="50000"/>
+                    <a:lumMod val="75000"/>
                   </a:schemeClr>
                 </a:solidFill>
+                <a:latin typeface="HGP明朝E" panose="02020900000000000000" pitchFamily="18" charset="-128"/>
+                <a:ea typeface="HGP明朝E" panose="02020900000000000000" pitchFamily="18" charset="-128"/>
               </a:rPr>
-              <a:t>Julius</a:t>
-            </a:r>
-            <a:r>
-              <a:rPr kumimoji="1" lang="ja-JP" altLang="en-US" b="1" dirty="0">
-                <a:solidFill>
-                  <a:schemeClr val="accent6">
-                    <a:lumMod val="50000"/>
-                  </a:schemeClr>
-                </a:solidFill>
-              </a:rPr>
-              <a:t>サーバを起動</a:t>
-            </a:r>
-            <a:endParaRPr kumimoji="1" lang="en-US" altLang="ja-JP" b="1" dirty="0">
-              <a:solidFill>
-                <a:schemeClr val="accent6">
-                  <a:lumMod val="50000"/>
-                </a:schemeClr>
-              </a:solidFill>
-            </a:endParaRPr>
-          </a:p>
-        </p:txBody>
-      </p:sp>
-      <p:cxnSp>
-        <p:nvCxnSpPr>
-          <p:cNvPr id="47" name="直線矢印コネクタ 46">
-            <a:extLst>
-              <a:ext uri="{FF2B5EF4-FFF2-40B4-BE49-F238E27FC236}">
-                <a16:creationId xmlns:a16="http://schemas.microsoft.com/office/drawing/2014/main" id="{E57AA5EB-1FCB-41EB-9E1D-B0C993DB1EC1}"/>
-              </a:ext>
-            </a:extLst>
-          </p:cNvPr>
-          <p:cNvCxnSpPr>
-            <a:cxnSpLocks/>
-            <a:stCxn id="46" idx="2"/>
-            <a:endCxn id="8" idx="0"/>
-          </p:cNvCxnSpPr>
-          <p:nvPr/>
-        </p:nvCxnSpPr>
-        <p:spPr>
-          <a:xfrm>
-            <a:off x="7081254" y="1120686"/>
-            <a:ext cx="0" cy="316709"/>
-          </a:xfrm>
-          <a:prstGeom prst="straightConnector1">
-            <a:avLst/>
-          </a:prstGeom>
-          <a:ln w="76200">
-            <a:solidFill>
-              <a:schemeClr val="accent6">
-                <a:lumMod val="75000"/>
-              </a:schemeClr>
-            </a:solidFill>
-            <a:tailEnd type="triangle"/>
-          </a:ln>
-        </p:spPr>
-        <p:style>
-          <a:lnRef idx="1">
-            <a:schemeClr val="accent1"/>
-          </a:lnRef>
-          <a:fillRef idx="0">
-            <a:schemeClr val="accent1"/>
-          </a:fillRef>
-          <a:effectRef idx="0">
-            <a:schemeClr val="accent1"/>
-          </a:effectRef>
-          <a:fontRef idx="minor">
-            <a:schemeClr val="tx1"/>
-          </a:fontRef>
-        </p:style>
-      </p:cxnSp>
+              <a:t>プログラムの構造</a:t>
+            </a:r>
+          </a:p>
+        </p:txBody>
+      </p:sp>
     </p:spTree>
     <p:extLst>
       <p:ext uri="{BB962C8B-B14F-4D97-AF65-F5344CB8AC3E}">
@@ -11523,10 +11993,36 @@
           <a:lstStyle/>
           <a:p>
             <a:r>
-              <a:rPr lang="ja-JP" altLang="en-US" dirty="0"/>
+              <a:rPr lang="ja-JP" altLang="en-US" dirty="0">
+                <a:ln>
+                  <a:solidFill>
+                    <a:schemeClr val="tx1"/>
+                  </a:solidFill>
+                </a:ln>
+                <a:solidFill>
+                  <a:schemeClr val="accent6">
+                    <a:lumMod val="75000"/>
+                  </a:schemeClr>
+                </a:solidFill>
+                <a:latin typeface="HGP明朝E" panose="02020900000000000000" pitchFamily="18" charset="-128"/>
+                <a:ea typeface="HGP明朝E" panose="02020900000000000000" pitchFamily="18" charset="-128"/>
+              </a:rPr>
               <a:t>記述文法音声認識</a:t>
             </a:r>
-            <a:endParaRPr kumimoji="1" lang="ja-JP" altLang="en-US" dirty="0"/>
+            <a:endParaRPr kumimoji="1" lang="ja-JP" altLang="en-US" dirty="0">
+              <a:ln>
+                <a:solidFill>
+                  <a:schemeClr val="tx1"/>
+                </a:solidFill>
+              </a:ln>
+              <a:solidFill>
+                <a:schemeClr val="accent6">
+                  <a:lumMod val="75000"/>
+                </a:schemeClr>
+              </a:solidFill>
+              <a:latin typeface="HGP明朝E" panose="02020900000000000000" pitchFamily="18" charset="-128"/>
+              <a:ea typeface="HGP明朝E" panose="02020900000000000000" pitchFamily="18" charset="-128"/>
+            </a:endParaRPr>
           </a:p>
         </p:txBody>
       </p:sp>
@@ -12005,35 +12501,6 @@
           <a:chExt cx="0" cy="0"/>
         </a:xfrm>
       </p:grpSpPr>
-      <p:sp>
-        <p:nvSpPr>
-          <p:cNvPr id="2" name="タイトル 1">
-            <a:extLst>
-              <a:ext uri="{FF2B5EF4-FFF2-40B4-BE49-F238E27FC236}">
-                <a16:creationId xmlns:a16="http://schemas.microsoft.com/office/drawing/2014/main" id="{29E445BA-95B9-4DFC-B2B2-A28402DE7BC5}"/>
-              </a:ext>
-            </a:extLst>
-          </p:cNvPr>
-          <p:cNvSpPr>
-            <a:spLocks noGrp="1"/>
-          </p:cNvSpPr>
-          <p:nvPr>
-            <p:ph type="title"/>
-          </p:nvPr>
-        </p:nvSpPr>
-        <p:spPr/>
-        <p:txBody>
-          <a:bodyPr/>
-          <a:lstStyle/>
-          <a:p>
-            <a:r>
-              <a:rPr lang="ja-JP" altLang="en-US" dirty="0"/>
-              <a:t>記述文法音声認識</a:t>
-            </a:r>
-            <a:endParaRPr kumimoji="1" lang="ja-JP" altLang="en-US" dirty="0"/>
-          </a:p>
-        </p:txBody>
-      </p:sp>
       <p:pic>
         <p:nvPicPr>
           <p:cNvPr id="4" name="図 3">
@@ -12070,6 +12537,66 @@
           </a:prstGeom>
         </p:spPr>
       </p:pic>
+      <p:sp>
+        <p:nvSpPr>
+          <p:cNvPr id="6" name="タイトル 1">
+            <a:extLst>
+              <a:ext uri="{FF2B5EF4-FFF2-40B4-BE49-F238E27FC236}">
+                <a16:creationId xmlns:a16="http://schemas.microsoft.com/office/drawing/2014/main" id="{94B65FFB-2D4E-479C-9AAE-4169715CEBD8}"/>
+              </a:ext>
+            </a:extLst>
+          </p:cNvPr>
+          <p:cNvSpPr>
+            <a:spLocks noGrp="1"/>
+          </p:cNvSpPr>
+          <p:nvPr>
+            <p:ph type="title"/>
+          </p:nvPr>
+        </p:nvSpPr>
+        <p:spPr>
+          <a:xfrm>
+            <a:off x="838200" y="365125"/>
+            <a:ext cx="10515600" cy="1325563"/>
+          </a:xfrm>
+        </p:spPr>
+        <p:txBody>
+          <a:bodyPr/>
+          <a:lstStyle/>
+          <a:p>
+            <a:r>
+              <a:rPr lang="ja-JP" altLang="en-US" dirty="0">
+                <a:ln>
+                  <a:solidFill>
+                    <a:schemeClr val="tx1"/>
+                  </a:solidFill>
+                </a:ln>
+                <a:solidFill>
+                  <a:schemeClr val="accent6">
+                    <a:lumMod val="75000"/>
+                  </a:schemeClr>
+                </a:solidFill>
+                <a:latin typeface="HGP明朝E" panose="02020900000000000000" pitchFamily="18" charset="-128"/>
+                <a:ea typeface="HGP明朝E" panose="02020900000000000000" pitchFamily="18" charset="-128"/>
+              </a:rPr>
+              <a:t>記述文法音声認識</a:t>
+            </a:r>
+            <a:endParaRPr kumimoji="1" lang="ja-JP" altLang="en-US" dirty="0">
+              <a:ln>
+                <a:solidFill>
+                  <a:schemeClr val="tx1"/>
+                </a:solidFill>
+              </a:ln>
+              <a:solidFill>
+                <a:schemeClr val="accent6">
+                  <a:lumMod val="75000"/>
+                </a:schemeClr>
+              </a:solidFill>
+              <a:latin typeface="HGP明朝E" panose="02020900000000000000" pitchFamily="18" charset="-128"/>
+              <a:ea typeface="HGP明朝E" panose="02020900000000000000" pitchFamily="18" charset="-128"/>
+            </a:endParaRPr>
+          </a:p>
+        </p:txBody>
+      </p:sp>
     </p:spTree>
     <p:extLst>
       <p:ext uri="{BB962C8B-B14F-4D97-AF65-F5344CB8AC3E}">
@@ -12080,13 +12607,13 @@
   <p:clrMapOvr>
     <a:masterClrMapping/>
   </p:clrMapOvr>
-  <mc:AlternateContent xmlns:mc="http://schemas.openxmlformats.org/markup-compatibility/2006">
-    <mc:Choice xmlns:p14="http://schemas.microsoft.com/office/powerpoint/2010/main" Requires="p14">
+  <mc:AlternateContent xmlns:mc="http://schemas.openxmlformats.org/markup-compatibility/2006" xmlns:p14="http://schemas.microsoft.com/office/powerpoint/2010/main">
+    <mc:Choice Requires="p14">
       <p:transition p14:dur="250" advClick="0" advTm="0">
         <p:fade/>
       </p:transition>
     </mc:Choice>
-    <mc:Fallback>
+    <mc:Fallback xmlns="">
       <p:transition advClick="0" advTm="0">
         <p:fade/>
       </p:transition>
@@ -12112,34 +12639,6 @@
           <a:chExt cx="0" cy="0"/>
         </a:xfrm>
       </p:grpSpPr>
-      <p:sp>
-        <p:nvSpPr>
-          <p:cNvPr id="2" name="タイトル 1">
-            <a:extLst>
-              <a:ext uri="{FF2B5EF4-FFF2-40B4-BE49-F238E27FC236}">
-                <a16:creationId xmlns:a16="http://schemas.microsoft.com/office/drawing/2014/main" id="{A83EBD25-4870-412B-8882-1C97B13A9979}"/>
-              </a:ext>
-            </a:extLst>
-          </p:cNvPr>
-          <p:cNvSpPr>
-            <a:spLocks noGrp="1"/>
-          </p:cNvSpPr>
-          <p:nvPr>
-            <p:ph type="title"/>
-          </p:nvPr>
-        </p:nvSpPr>
-        <p:spPr/>
-        <p:txBody>
-          <a:bodyPr/>
-          <a:lstStyle/>
-          <a:p>
-            <a:r>
-              <a:rPr kumimoji="1" lang="ja-JP" altLang="en-US" dirty="0"/>
-              <a:t>記述文法音声認識</a:t>
-            </a:r>
-          </a:p>
-        </p:txBody>
-      </p:sp>
       <p:pic>
         <p:nvPicPr>
           <p:cNvPr id="7" name="図 6">
@@ -12329,6 +12828,66 @@
           <a:p>
             <a:pPr algn="ctr"/>
             <a:endParaRPr kumimoji="1" lang="ja-JP" altLang="en-US"/>
+          </a:p>
+        </p:txBody>
+      </p:sp>
+      <p:sp>
+        <p:nvSpPr>
+          <p:cNvPr id="12" name="タイトル 1">
+            <a:extLst>
+              <a:ext uri="{FF2B5EF4-FFF2-40B4-BE49-F238E27FC236}">
+                <a16:creationId xmlns:a16="http://schemas.microsoft.com/office/drawing/2014/main" id="{9ECAE41C-6518-4426-AEFE-96AED1B397B4}"/>
+              </a:ext>
+            </a:extLst>
+          </p:cNvPr>
+          <p:cNvSpPr>
+            <a:spLocks noGrp="1"/>
+          </p:cNvSpPr>
+          <p:nvPr>
+            <p:ph type="title"/>
+          </p:nvPr>
+        </p:nvSpPr>
+        <p:spPr>
+          <a:xfrm>
+            <a:off x="838200" y="365125"/>
+            <a:ext cx="10515600" cy="1325563"/>
+          </a:xfrm>
+        </p:spPr>
+        <p:txBody>
+          <a:bodyPr/>
+          <a:lstStyle/>
+          <a:p>
+            <a:r>
+              <a:rPr lang="ja-JP" altLang="en-US" dirty="0">
+                <a:ln>
+                  <a:solidFill>
+                    <a:schemeClr val="tx1"/>
+                  </a:solidFill>
+                </a:ln>
+                <a:solidFill>
+                  <a:schemeClr val="accent6">
+                    <a:lumMod val="75000"/>
+                  </a:schemeClr>
+                </a:solidFill>
+                <a:latin typeface="HGP明朝E" panose="02020900000000000000" pitchFamily="18" charset="-128"/>
+                <a:ea typeface="HGP明朝E" panose="02020900000000000000" pitchFamily="18" charset="-128"/>
+              </a:rPr>
+              <a:t>記述文法音声認識</a:t>
+            </a:r>
+            <a:endParaRPr kumimoji="1" lang="ja-JP" altLang="en-US" dirty="0">
+              <a:ln>
+                <a:solidFill>
+                  <a:schemeClr val="tx1"/>
+                </a:solidFill>
+              </a:ln>
+              <a:solidFill>
+                <a:schemeClr val="accent6">
+                  <a:lumMod val="75000"/>
+                </a:schemeClr>
+              </a:solidFill>
+              <a:latin typeface="HGP明朝E" panose="02020900000000000000" pitchFamily="18" charset="-128"/>
+              <a:ea typeface="HGP明朝E" panose="02020900000000000000" pitchFamily="18" charset="-128"/>
+            </a:endParaRPr>
           </a:p>
         </p:txBody>
       </p:sp>

--- a/presentation/第二回プレゼン_アウトライン.pptx
+++ b/presentation/第二回プレゼン_アウトライン.pptx
@@ -5,7 +5,7 @@
     <p:sldMasterId id="2147483648" r:id="rId1"/>
   </p:sldMasterIdLst>
   <p:notesMasterIdLst>
-    <p:notesMasterId r:id="rId24"/>
+    <p:notesMasterId r:id="rId25"/>
   </p:notesMasterIdLst>
   <p:sldIdLst>
     <p:sldId id="256" r:id="rId2"/>
@@ -19,17 +19,18 @@
     <p:sldId id="282" r:id="rId10"/>
     <p:sldId id="286" r:id="rId11"/>
     <p:sldId id="287" r:id="rId12"/>
-    <p:sldId id="277" r:id="rId13"/>
-    <p:sldId id="269" r:id="rId14"/>
-    <p:sldId id="266" r:id="rId15"/>
-    <p:sldId id="280" r:id="rId16"/>
+    <p:sldId id="288" r:id="rId13"/>
+    <p:sldId id="277" r:id="rId14"/>
+    <p:sldId id="269" r:id="rId15"/>
+    <p:sldId id="266" r:id="rId16"/>
     <p:sldId id="272" r:id="rId17"/>
     <p:sldId id="279" r:id="rId18"/>
     <p:sldId id="259" r:id="rId19"/>
     <p:sldId id="273" r:id="rId20"/>
     <p:sldId id="276" r:id="rId21"/>
     <p:sldId id="267" r:id="rId22"/>
-    <p:sldId id="275" r:id="rId23"/>
+    <p:sldId id="289" r:id="rId23"/>
+    <p:sldId id="275" r:id="rId24"/>
   </p:sldIdLst>
   <p:sldSz cx="12192000" cy="6858000"/>
   <p:notesSz cx="6858000" cy="9144000"/>
@@ -218,7 +219,7 @@
           <a:p>
             <a:fld id="{D3FBB20C-20C4-49AD-85A3-C66C862503B5}" type="datetimeFigureOut">
               <a:rPr kumimoji="1" lang="ja-JP" altLang="en-US" smtClean="0"/>
-              <a:t>2021/12/1</a:t>
+              <a:t>2021/12/4</a:t>
             </a:fld>
             <a:endParaRPr kumimoji="1" lang="ja-JP" altLang="en-US"/>
           </a:p>
@@ -561,7 +562,19 @@
           <a:bodyPr/>
           <a:lstStyle/>
           <a:p>
-            <a:endParaRPr kumimoji="1" lang="ja-JP" altLang="en-US" dirty="0"/>
+            <a:r>
+              <a:rPr kumimoji="1" lang="ja-JP" altLang="en-US" dirty="0"/>
+              <a:t>これから</a:t>
+            </a:r>
+            <a:r>
+              <a:rPr kumimoji="1" lang="en-US" altLang="ja-JP" dirty="0"/>
+              <a:t>AI</a:t>
+            </a:r>
+            <a:r>
+              <a:rPr kumimoji="1" lang="ja-JP" altLang="en-US" dirty="0"/>
+              <a:t>スピーカー開発の発表を始めます。よろしくお願いします。</a:t>
+            </a:r>
+            <a:endParaRPr kumimoji="1" lang="en-US" altLang="ja-JP" dirty="0"/>
           </a:p>
         </p:txBody>
       </p:sp>
@@ -580,9 +593,9 @@
           <a:bodyPr/>
           <a:lstStyle/>
           <a:p>
-            <a:fld id="{9DAB6BB4-6322-4797-9820-4A78B14C1A63}" type="slidenum">
+            <a:fld id="{1A2E7C28-4903-4521-8E60-0F80C627678B}" type="slidenum">
               <a:rPr kumimoji="1" lang="ja-JP" altLang="en-US" smtClean="0"/>
-              <a:t>2</a:t>
+              <a:t>1</a:t>
             </a:fld>
             <a:endParaRPr kumimoji="1" lang="ja-JP" altLang="en-US"/>
           </a:p>
@@ -591,7 +604,1198 @@
     </p:spTree>
     <p:extLst>
       <p:ext uri="{BB962C8B-B14F-4D97-AF65-F5344CB8AC3E}">
-        <p14:creationId xmlns:p14="http://schemas.microsoft.com/office/powerpoint/2010/main" val="3135516046"/>
+        <p14:creationId xmlns:p14="http://schemas.microsoft.com/office/powerpoint/2010/main" val="477070188"/>
+      </p:ext>
+    </p:extLst>
+  </p:cSld>
+  <p:clrMapOvr>
+    <a:masterClrMapping/>
+  </p:clrMapOvr>
+</p:notes>
+</file>
+
+<file path=ppt/notesSlides/notesSlide10.xml><?xml version="1.0" encoding="utf-8"?>
+<p:notes xmlns:a="http://schemas.openxmlformats.org/drawingml/2006/main" xmlns:r="http://schemas.openxmlformats.org/officeDocument/2006/relationships" xmlns:p="http://schemas.openxmlformats.org/presentationml/2006/main">
+  <p:cSld>
+    <p:spTree>
+      <p:nvGrpSpPr>
+        <p:cNvPr id="1" name=""/>
+        <p:cNvGrpSpPr/>
+        <p:nvPr/>
+      </p:nvGrpSpPr>
+      <p:grpSpPr>
+        <a:xfrm>
+          <a:off x="0" y="0"/>
+          <a:ext cx="0" cy="0"/>
+          <a:chOff x="0" y="0"/>
+          <a:chExt cx="0" cy="0"/>
+        </a:xfrm>
+      </p:grpSpPr>
+      <p:sp>
+        <p:nvSpPr>
+          <p:cNvPr id="2" name="スライド イメージ プレースホルダー 1"/>
+          <p:cNvSpPr>
+            <a:spLocks noGrp="1" noRot="1" noChangeAspect="1"/>
+          </p:cNvSpPr>
+          <p:nvPr>
+            <p:ph type="sldImg"/>
+          </p:nvPr>
+        </p:nvSpPr>
+        <p:spPr/>
+      </p:sp>
+      <p:sp>
+        <p:nvSpPr>
+          <p:cNvPr id="3" name="ノート プレースホルダー 2"/>
+          <p:cNvSpPr>
+            <a:spLocks noGrp="1"/>
+          </p:cNvSpPr>
+          <p:nvPr>
+            <p:ph type="body" idx="1"/>
+          </p:nvPr>
+        </p:nvSpPr>
+        <p:spPr/>
+        <p:txBody>
+          <a:bodyPr/>
+          <a:lstStyle/>
+          <a:p>
+            <a:r>
+              <a:rPr kumimoji="1" lang="ja-JP" altLang="en-US" dirty="0"/>
+              <a:t>ウェイクワードの認識は、先ほど紹介した文章パターンそれぞれに「ねぇ</a:t>
+            </a:r>
+            <a:r>
+              <a:rPr kumimoji="1" lang="en-US" altLang="ja-JP" dirty="0" err="1"/>
+              <a:t>YoSiE</a:t>
+            </a:r>
+            <a:r>
+              <a:rPr kumimoji="1" lang="ja-JP" altLang="en-US" dirty="0"/>
+              <a:t>」という認識を追加しています</a:t>
+            </a:r>
+          </a:p>
+        </p:txBody>
+      </p:sp>
+      <p:sp>
+        <p:nvSpPr>
+          <p:cNvPr id="4" name="スライド番号プレースホルダー 3"/>
+          <p:cNvSpPr>
+            <a:spLocks noGrp="1"/>
+          </p:cNvSpPr>
+          <p:nvPr>
+            <p:ph type="sldNum" sz="quarter" idx="5"/>
+          </p:nvPr>
+        </p:nvSpPr>
+        <p:spPr/>
+        <p:txBody>
+          <a:bodyPr/>
+          <a:lstStyle/>
+          <a:p>
+            <a:fld id="{1A2E7C28-4903-4521-8E60-0F80C627678B}" type="slidenum">
+              <a:rPr kumimoji="1" lang="ja-JP" altLang="en-US" smtClean="0"/>
+              <a:t>11</a:t>
+            </a:fld>
+            <a:endParaRPr kumimoji="1" lang="ja-JP" altLang="en-US"/>
+          </a:p>
+        </p:txBody>
+      </p:sp>
+    </p:spTree>
+    <p:extLst>
+      <p:ext uri="{BB962C8B-B14F-4D97-AF65-F5344CB8AC3E}">
+        <p14:creationId xmlns:p14="http://schemas.microsoft.com/office/powerpoint/2010/main" val="838133524"/>
+      </p:ext>
+    </p:extLst>
+  </p:cSld>
+  <p:clrMapOvr>
+    <a:masterClrMapping/>
+  </p:clrMapOvr>
+</p:notes>
+</file>
+
+<file path=ppt/notesSlides/notesSlide11.xml><?xml version="1.0" encoding="utf-8"?>
+<p:notes xmlns:a="http://schemas.openxmlformats.org/drawingml/2006/main" xmlns:r="http://schemas.openxmlformats.org/officeDocument/2006/relationships" xmlns:p="http://schemas.openxmlformats.org/presentationml/2006/main">
+  <p:cSld>
+    <p:spTree>
+      <p:nvGrpSpPr>
+        <p:cNvPr id="1" name=""/>
+        <p:cNvGrpSpPr/>
+        <p:nvPr/>
+      </p:nvGrpSpPr>
+      <p:grpSpPr>
+        <a:xfrm>
+          <a:off x="0" y="0"/>
+          <a:ext cx="0" cy="0"/>
+          <a:chOff x="0" y="0"/>
+          <a:chExt cx="0" cy="0"/>
+        </a:xfrm>
+      </p:grpSpPr>
+      <p:sp>
+        <p:nvSpPr>
+          <p:cNvPr id="2" name="スライド イメージ プレースホルダー 1"/>
+          <p:cNvSpPr>
+            <a:spLocks noGrp="1" noRot="1" noChangeAspect="1"/>
+          </p:cNvSpPr>
+          <p:nvPr>
+            <p:ph type="sldImg"/>
+          </p:nvPr>
+        </p:nvSpPr>
+        <p:spPr/>
+      </p:sp>
+      <p:sp>
+        <p:nvSpPr>
+          <p:cNvPr id="3" name="ノート プレースホルダー 2"/>
+          <p:cNvSpPr>
+            <a:spLocks noGrp="1"/>
+          </p:cNvSpPr>
+          <p:nvPr>
+            <p:ph type="body" idx="1"/>
+          </p:nvPr>
+        </p:nvSpPr>
+        <p:spPr/>
+        <p:txBody>
+          <a:bodyPr/>
+          <a:lstStyle/>
+          <a:p>
+            <a:r>
+              <a:rPr kumimoji="1" lang="ja-JP" altLang="en-US" dirty="0"/>
+              <a:t>ウェイクワードが含まれているかどうかの判断は</a:t>
+            </a:r>
+            <a:r>
+              <a:rPr kumimoji="1" lang="en-US" altLang="ja-JP" dirty="0"/>
+              <a:t>if</a:t>
+            </a:r>
+            <a:r>
+              <a:rPr kumimoji="1" lang="ja-JP" altLang="en-US" dirty="0"/>
+              <a:t>文で処理しています。</a:t>
+            </a:r>
+            <a:endParaRPr kumimoji="1" lang="en-US" altLang="ja-JP" dirty="0"/>
+          </a:p>
+        </p:txBody>
+      </p:sp>
+      <p:sp>
+        <p:nvSpPr>
+          <p:cNvPr id="4" name="スライド番号プレースホルダー 3"/>
+          <p:cNvSpPr>
+            <a:spLocks noGrp="1"/>
+          </p:cNvSpPr>
+          <p:nvPr>
+            <p:ph type="sldNum" sz="quarter" idx="5"/>
+          </p:nvPr>
+        </p:nvSpPr>
+        <p:spPr/>
+        <p:txBody>
+          <a:bodyPr/>
+          <a:lstStyle/>
+          <a:p>
+            <a:fld id="{1A2E7C28-4903-4521-8E60-0F80C627678B}" type="slidenum">
+              <a:rPr kumimoji="1" lang="ja-JP" altLang="en-US" smtClean="0"/>
+              <a:t>12</a:t>
+            </a:fld>
+            <a:endParaRPr kumimoji="1" lang="ja-JP" altLang="en-US"/>
+          </a:p>
+        </p:txBody>
+      </p:sp>
+    </p:spTree>
+    <p:extLst>
+      <p:ext uri="{BB962C8B-B14F-4D97-AF65-F5344CB8AC3E}">
+        <p14:creationId xmlns:p14="http://schemas.microsoft.com/office/powerpoint/2010/main" val="1664766409"/>
+      </p:ext>
+    </p:extLst>
+  </p:cSld>
+  <p:clrMapOvr>
+    <a:masterClrMapping/>
+  </p:clrMapOvr>
+</p:notes>
+</file>
+
+<file path=ppt/notesSlides/notesSlide12.xml><?xml version="1.0" encoding="utf-8"?>
+<p:notes xmlns:a="http://schemas.openxmlformats.org/drawingml/2006/main" xmlns:r="http://schemas.openxmlformats.org/officeDocument/2006/relationships" xmlns:p="http://schemas.openxmlformats.org/presentationml/2006/main">
+  <p:cSld>
+    <p:spTree>
+      <p:nvGrpSpPr>
+        <p:cNvPr id="1" name=""/>
+        <p:cNvGrpSpPr/>
+        <p:nvPr/>
+      </p:nvGrpSpPr>
+      <p:grpSpPr>
+        <a:xfrm>
+          <a:off x="0" y="0"/>
+          <a:ext cx="0" cy="0"/>
+          <a:chOff x="0" y="0"/>
+          <a:chExt cx="0" cy="0"/>
+        </a:xfrm>
+      </p:grpSpPr>
+      <p:sp>
+        <p:nvSpPr>
+          <p:cNvPr id="2" name="スライド イメージ プレースホルダー 1"/>
+          <p:cNvSpPr>
+            <a:spLocks noGrp="1" noRot="1" noChangeAspect="1"/>
+          </p:cNvSpPr>
+          <p:nvPr>
+            <p:ph type="sldImg"/>
+          </p:nvPr>
+        </p:nvSpPr>
+        <p:spPr/>
+      </p:sp>
+      <p:sp>
+        <p:nvSpPr>
+          <p:cNvPr id="3" name="ノート プレースホルダー 2"/>
+          <p:cNvSpPr>
+            <a:spLocks noGrp="1"/>
+          </p:cNvSpPr>
+          <p:nvPr>
+            <p:ph type="body" idx="1"/>
+          </p:nvPr>
+        </p:nvSpPr>
+        <p:spPr/>
+        <p:txBody>
+          <a:bodyPr/>
+          <a:lstStyle/>
+          <a:p>
+            <a:r>
+              <a:rPr kumimoji="1" lang="ja-JP" altLang="en-US" dirty="0"/>
+              <a:t>次はスクレイピングについてです。</a:t>
+            </a:r>
+            <a:endParaRPr kumimoji="1" lang="en-US" altLang="ja-JP" dirty="0"/>
+          </a:p>
+          <a:p>
+            <a:r>
+              <a:rPr kumimoji="1" lang="ja-JP" altLang="en-US" dirty="0"/>
+              <a:t>スクレイピングというのは</a:t>
+            </a:r>
+            <a:r>
+              <a:rPr kumimoji="1" lang="en-US" altLang="ja-JP" dirty="0"/>
+              <a:t>Web</a:t>
+            </a:r>
+            <a:r>
+              <a:rPr kumimoji="1" lang="ja-JP" altLang="en-US" dirty="0"/>
+              <a:t>ページからテキストデータを抽出する技術のことで、</a:t>
+            </a:r>
+            <a:endParaRPr kumimoji="1" lang="en-US" altLang="ja-JP" dirty="0"/>
+          </a:p>
+          <a:p>
+            <a:r>
+              <a:rPr kumimoji="1" lang="en-US" altLang="ja-JP" dirty="0"/>
+              <a:t>Python</a:t>
+            </a:r>
+            <a:r>
+              <a:rPr kumimoji="1" lang="ja-JP" altLang="en-US" dirty="0"/>
+              <a:t>の</a:t>
+            </a:r>
+            <a:r>
+              <a:rPr kumimoji="1" lang="en-US" altLang="ja-JP" dirty="0"/>
+              <a:t>BeautifulSoup4</a:t>
+            </a:r>
+            <a:r>
+              <a:rPr kumimoji="1" lang="ja-JP" altLang="en-US" dirty="0"/>
+              <a:t>というライブラリを使用して天気予報・ニュース・星座占いの内容をスクレイピングをしています。</a:t>
+            </a:r>
+            <a:endParaRPr kumimoji="1" lang="en-US" altLang="ja-JP" dirty="0"/>
+          </a:p>
+          <a:p>
+            <a:r>
+              <a:rPr kumimoji="1" lang="ja-JP" altLang="en-US" dirty="0"/>
+              <a:t>日時に関しては、スクレイピングではなく、</a:t>
+            </a:r>
+            <a:r>
+              <a:rPr kumimoji="1" lang="en-US" altLang="ja-JP" dirty="0"/>
+              <a:t>Datetime</a:t>
+            </a:r>
+            <a:r>
+              <a:rPr kumimoji="1" lang="ja-JP" altLang="en-US" dirty="0"/>
+              <a:t>モジュールで取得したデータを使用しています。</a:t>
+            </a:r>
+            <a:endParaRPr kumimoji="1" lang="en-US" altLang="ja-JP" dirty="0"/>
+          </a:p>
+          <a:p>
+            <a:r>
+              <a:rPr kumimoji="1" lang="ja-JP" altLang="en-US" dirty="0"/>
+              <a:t>こうして取得したテキストデータを、出力用のテキストファイルに書き込みます。</a:t>
+            </a:r>
+          </a:p>
+        </p:txBody>
+      </p:sp>
+      <p:sp>
+        <p:nvSpPr>
+          <p:cNvPr id="4" name="スライド番号プレースホルダー 3"/>
+          <p:cNvSpPr>
+            <a:spLocks noGrp="1"/>
+          </p:cNvSpPr>
+          <p:nvPr>
+            <p:ph type="sldNum" sz="quarter" idx="5"/>
+          </p:nvPr>
+        </p:nvSpPr>
+        <p:spPr/>
+        <p:txBody>
+          <a:bodyPr/>
+          <a:lstStyle/>
+          <a:p>
+            <a:fld id="{1A2E7C28-4903-4521-8E60-0F80C627678B}" type="slidenum">
+              <a:rPr kumimoji="1" lang="ja-JP" altLang="en-US" smtClean="0"/>
+              <a:t>15</a:t>
+            </a:fld>
+            <a:endParaRPr kumimoji="1" lang="ja-JP" altLang="en-US"/>
+          </a:p>
+        </p:txBody>
+      </p:sp>
+    </p:spTree>
+    <p:extLst>
+      <p:ext uri="{BB962C8B-B14F-4D97-AF65-F5344CB8AC3E}">
+        <p14:creationId xmlns:p14="http://schemas.microsoft.com/office/powerpoint/2010/main" val="3851854577"/>
+      </p:ext>
+    </p:extLst>
+  </p:cSld>
+  <p:clrMapOvr>
+    <a:masterClrMapping/>
+  </p:clrMapOvr>
+</p:notes>
+</file>
+
+<file path=ppt/notesSlides/notesSlide13.xml><?xml version="1.0" encoding="utf-8"?>
+<p:notes xmlns:a="http://schemas.openxmlformats.org/drawingml/2006/main" xmlns:r="http://schemas.openxmlformats.org/officeDocument/2006/relationships" xmlns:p="http://schemas.openxmlformats.org/presentationml/2006/main">
+  <p:cSld>
+    <p:spTree>
+      <p:nvGrpSpPr>
+        <p:cNvPr id="1" name=""/>
+        <p:cNvGrpSpPr/>
+        <p:nvPr/>
+      </p:nvGrpSpPr>
+      <p:grpSpPr>
+        <a:xfrm>
+          <a:off x="0" y="0"/>
+          <a:ext cx="0" cy="0"/>
+          <a:chOff x="0" y="0"/>
+          <a:chExt cx="0" cy="0"/>
+        </a:xfrm>
+      </p:grpSpPr>
+      <p:sp>
+        <p:nvSpPr>
+          <p:cNvPr id="2" name="スライド イメージ プレースホルダー 1"/>
+          <p:cNvSpPr>
+            <a:spLocks noGrp="1" noRot="1" noChangeAspect="1"/>
+          </p:cNvSpPr>
+          <p:nvPr>
+            <p:ph type="sldImg"/>
+          </p:nvPr>
+        </p:nvSpPr>
+        <p:spPr/>
+      </p:sp>
+      <p:sp>
+        <p:nvSpPr>
+          <p:cNvPr id="3" name="ノート プレースホルダー 2"/>
+          <p:cNvSpPr>
+            <a:spLocks noGrp="1"/>
+          </p:cNvSpPr>
+          <p:nvPr>
+            <p:ph type="body" idx="1"/>
+          </p:nvPr>
+        </p:nvSpPr>
+        <p:spPr/>
+        <p:txBody>
+          <a:bodyPr/>
+          <a:lstStyle/>
+          <a:p>
+            <a:r>
+              <a:rPr kumimoji="1" lang="ja-JP" altLang="en-US" dirty="0"/>
+              <a:t>スクレイピングの処理で工夫した点は、処理をどう短縮するか、という点です。</a:t>
+            </a:r>
+            <a:endParaRPr kumimoji="1" lang="en-US" altLang="ja-JP" dirty="0"/>
+          </a:p>
+          <a:p>
+            <a:r>
+              <a:rPr kumimoji="1" lang="ja-JP" altLang="en-US" dirty="0"/>
+              <a:t>天気・ニュース・星座占いは抽出する文章量が多いため、機能を呼び出すたびに実行していて一つのファイルに上書き保存をしていると、その度処理に時間がかかってしまいます。</a:t>
+            </a:r>
+            <a:endParaRPr kumimoji="1" lang="en-US" altLang="ja-JP" dirty="0"/>
+          </a:p>
+          <a:p>
+            <a:endParaRPr kumimoji="1" lang="ja-JP" altLang="en-US" dirty="0"/>
+          </a:p>
+        </p:txBody>
+      </p:sp>
+      <p:sp>
+        <p:nvSpPr>
+          <p:cNvPr id="4" name="スライド番号プレースホルダー 3"/>
+          <p:cNvSpPr>
+            <a:spLocks noGrp="1"/>
+          </p:cNvSpPr>
+          <p:nvPr>
+            <p:ph type="sldNum" sz="quarter" idx="5"/>
+          </p:nvPr>
+        </p:nvSpPr>
+        <p:spPr/>
+        <p:txBody>
+          <a:bodyPr/>
+          <a:lstStyle/>
+          <a:p>
+            <a:fld id="{1A2E7C28-4903-4521-8E60-0F80C627678B}" type="slidenum">
+              <a:rPr kumimoji="1" lang="ja-JP" altLang="en-US" smtClean="0"/>
+              <a:t>16</a:t>
+            </a:fld>
+            <a:endParaRPr kumimoji="1" lang="ja-JP" altLang="en-US"/>
+          </a:p>
+        </p:txBody>
+      </p:sp>
+    </p:spTree>
+    <p:extLst>
+      <p:ext uri="{BB962C8B-B14F-4D97-AF65-F5344CB8AC3E}">
+        <p14:creationId xmlns:p14="http://schemas.microsoft.com/office/powerpoint/2010/main" val="2498847539"/>
+      </p:ext>
+    </p:extLst>
+  </p:cSld>
+  <p:clrMapOvr>
+    <a:masterClrMapping/>
+  </p:clrMapOvr>
+</p:notes>
+</file>
+
+<file path=ppt/notesSlides/notesSlide14.xml><?xml version="1.0" encoding="utf-8"?>
+<p:notes xmlns:a="http://schemas.openxmlformats.org/drawingml/2006/main" xmlns:r="http://schemas.openxmlformats.org/officeDocument/2006/relationships" xmlns:p="http://schemas.openxmlformats.org/presentationml/2006/main">
+  <p:cSld>
+    <p:spTree>
+      <p:nvGrpSpPr>
+        <p:cNvPr id="1" name=""/>
+        <p:cNvGrpSpPr/>
+        <p:nvPr/>
+      </p:nvGrpSpPr>
+      <p:grpSpPr>
+        <a:xfrm>
+          <a:off x="0" y="0"/>
+          <a:ext cx="0" cy="0"/>
+          <a:chOff x="0" y="0"/>
+          <a:chExt cx="0" cy="0"/>
+        </a:xfrm>
+      </p:grpSpPr>
+      <p:sp>
+        <p:nvSpPr>
+          <p:cNvPr id="2" name="スライド イメージ プレースホルダー 1"/>
+          <p:cNvSpPr>
+            <a:spLocks noGrp="1" noRot="1" noChangeAspect="1"/>
+          </p:cNvSpPr>
+          <p:nvPr>
+            <p:ph type="sldImg"/>
+          </p:nvPr>
+        </p:nvSpPr>
+        <p:spPr/>
+      </p:sp>
+      <p:sp>
+        <p:nvSpPr>
+          <p:cNvPr id="3" name="ノート プレースホルダー 2"/>
+          <p:cNvSpPr>
+            <a:spLocks noGrp="1"/>
+          </p:cNvSpPr>
+          <p:nvPr>
+            <p:ph type="body" idx="1"/>
+          </p:nvPr>
+        </p:nvSpPr>
+        <p:spPr/>
+        <p:txBody>
+          <a:bodyPr/>
+          <a:lstStyle/>
+          <a:p>
+            <a:pPr marL="0" marR="0" lvl="0" indent="0" algn="l" defTabSz="914400" rtl="0" eaLnBrk="1" fontAlgn="auto" latinLnBrk="0" hangingPunct="1">
+              <a:lnSpc>
+                <a:spcPct val="100000"/>
+              </a:lnSpc>
+              <a:spcBef>
+                <a:spcPts val="0"/>
+              </a:spcBef>
+              <a:spcAft>
+                <a:spcPts val="0"/>
+              </a:spcAft>
+              <a:buClrTx/>
+              <a:buSzTx/>
+              <a:buFontTx/>
+              <a:buNone/>
+              <a:tabLst/>
+              <a:defRPr/>
+            </a:pPr>
+            <a:r>
+              <a:rPr kumimoji="1" lang="ja-JP" altLang="en-US" dirty="0"/>
+              <a:t>そこで、</a:t>
+            </a:r>
+            <a:r>
+              <a:rPr kumimoji="1" lang="en-US" altLang="ja-JP" dirty="0"/>
+              <a:t>Raspberry Pi</a:t>
+            </a:r>
+            <a:r>
+              <a:rPr kumimoji="1" lang="ja-JP" altLang="en-US" dirty="0"/>
+              <a:t>の起動時にスクレイピングを実行して、それぞれ個別のテキストファイルに保存しておく、という方法に切り替えました。</a:t>
+            </a:r>
+            <a:endParaRPr kumimoji="1" lang="en-US" altLang="ja-JP" dirty="0"/>
+          </a:p>
+          <a:p>
+            <a:pPr marL="0" marR="0" lvl="0" indent="0" algn="l" defTabSz="914400" rtl="0" eaLnBrk="1" fontAlgn="auto" latinLnBrk="0" hangingPunct="1">
+              <a:lnSpc>
+                <a:spcPct val="100000"/>
+              </a:lnSpc>
+              <a:spcBef>
+                <a:spcPts val="0"/>
+              </a:spcBef>
+              <a:spcAft>
+                <a:spcPts val="0"/>
+              </a:spcAft>
+              <a:buClrTx/>
+              <a:buSzTx/>
+              <a:buFontTx/>
+              <a:buNone/>
+              <a:tabLst/>
+              <a:defRPr/>
+            </a:pPr>
+            <a:r>
+              <a:rPr kumimoji="1" lang="ja-JP" altLang="en-US" dirty="0"/>
+              <a:t>こうすることで、処理の待ち時間を短縮することができます。</a:t>
+            </a:r>
+            <a:endParaRPr kumimoji="1" lang="en-US" altLang="ja-JP" dirty="0"/>
+          </a:p>
+          <a:p>
+            <a:pPr marL="0" marR="0" lvl="0" indent="0" algn="l" defTabSz="914400" rtl="0" eaLnBrk="1" fontAlgn="auto" latinLnBrk="0" hangingPunct="1">
+              <a:lnSpc>
+                <a:spcPct val="100000"/>
+              </a:lnSpc>
+              <a:spcBef>
+                <a:spcPts val="0"/>
+              </a:spcBef>
+              <a:spcAft>
+                <a:spcPts val="0"/>
+              </a:spcAft>
+              <a:buClrTx/>
+              <a:buSzTx/>
+              <a:buFontTx/>
+              <a:buNone/>
+              <a:tabLst/>
+              <a:defRPr/>
+            </a:pPr>
+            <a:r>
+              <a:rPr kumimoji="1" lang="ja-JP" altLang="en-US" dirty="0"/>
+              <a:t>欠点としては、起動時にのみスクレイピングを行うので、起動後に更新された</a:t>
+            </a:r>
+            <a:r>
+              <a:rPr kumimoji="1" lang="en-US" altLang="ja-JP" dirty="0"/>
+              <a:t>Web</a:t>
+            </a:r>
+            <a:r>
+              <a:rPr kumimoji="1" lang="ja-JP" altLang="en-US" dirty="0"/>
+              <a:t>ページの内容が取得できない、という点があります。</a:t>
+            </a:r>
+            <a:endParaRPr kumimoji="1" lang="en-US" altLang="ja-JP" dirty="0"/>
+          </a:p>
+          <a:p>
+            <a:pPr marL="0" marR="0" lvl="0" indent="0" algn="l" defTabSz="914400" rtl="0" eaLnBrk="1" fontAlgn="auto" latinLnBrk="0" hangingPunct="1">
+              <a:lnSpc>
+                <a:spcPct val="100000"/>
+              </a:lnSpc>
+              <a:spcBef>
+                <a:spcPts val="0"/>
+              </a:spcBef>
+              <a:spcAft>
+                <a:spcPts val="0"/>
+              </a:spcAft>
+              <a:buClrTx/>
+              <a:buSzTx/>
+              <a:buFontTx/>
+              <a:buNone/>
+              <a:tabLst/>
+              <a:defRPr/>
+            </a:pPr>
+            <a:r>
+              <a:rPr kumimoji="1" lang="ja-JP" altLang="en-US" dirty="0"/>
+              <a:t>これに関しては、今後対処していく予定です。</a:t>
+            </a:r>
+          </a:p>
+          <a:p>
+            <a:endParaRPr kumimoji="1" lang="ja-JP" altLang="en-US" dirty="0"/>
+          </a:p>
+        </p:txBody>
+      </p:sp>
+      <p:sp>
+        <p:nvSpPr>
+          <p:cNvPr id="4" name="スライド番号プレースホルダー 3"/>
+          <p:cNvSpPr>
+            <a:spLocks noGrp="1"/>
+          </p:cNvSpPr>
+          <p:nvPr>
+            <p:ph type="sldNum" sz="quarter" idx="5"/>
+          </p:nvPr>
+        </p:nvSpPr>
+        <p:spPr/>
+        <p:txBody>
+          <a:bodyPr/>
+          <a:lstStyle/>
+          <a:p>
+            <a:fld id="{1A2E7C28-4903-4521-8E60-0F80C627678B}" type="slidenum">
+              <a:rPr kumimoji="1" lang="ja-JP" altLang="en-US" smtClean="0"/>
+              <a:t>17</a:t>
+            </a:fld>
+            <a:endParaRPr kumimoji="1" lang="ja-JP" altLang="en-US"/>
+          </a:p>
+        </p:txBody>
+      </p:sp>
+    </p:spTree>
+    <p:extLst>
+      <p:ext uri="{BB962C8B-B14F-4D97-AF65-F5344CB8AC3E}">
+        <p14:creationId xmlns:p14="http://schemas.microsoft.com/office/powerpoint/2010/main" val="1985256100"/>
+      </p:ext>
+    </p:extLst>
+  </p:cSld>
+  <p:clrMapOvr>
+    <a:masterClrMapping/>
+  </p:clrMapOvr>
+</p:notes>
+</file>
+
+<file path=ppt/notesSlides/notesSlide15.xml><?xml version="1.0" encoding="utf-8"?>
+<p:notes xmlns:a="http://schemas.openxmlformats.org/drawingml/2006/main" xmlns:r="http://schemas.openxmlformats.org/officeDocument/2006/relationships" xmlns:p="http://schemas.openxmlformats.org/presentationml/2006/main">
+  <p:cSld>
+    <p:spTree>
+      <p:nvGrpSpPr>
+        <p:cNvPr id="1" name=""/>
+        <p:cNvGrpSpPr/>
+        <p:nvPr/>
+      </p:nvGrpSpPr>
+      <p:grpSpPr>
+        <a:xfrm>
+          <a:off x="0" y="0"/>
+          <a:ext cx="0" cy="0"/>
+          <a:chOff x="0" y="0"/>
+          <a:chExt cx="0" cy="0"/>
+        </a:xfrm>
+      </p:grpSpPr>
+      <p:sp>
+        <p:nvSpPr>
+          <p:cNvPr id="2" name="スライド イメージ プレースホルダー 1"/>
+          <p:cNvSpPr>
+            <a:spLocks noGrp="1" noRot="1" noChangeAspect="1"/>
+          </p:cNvSpPr>
+          <p:nvPr>
+            <p:ph type="sldImg"/>
+          </p:nvPr>
+        </p:nvSpPr>
+        <p:spPr/>
+      </p:sp>
+      <p:sp>
+        <p:nvSpPr>
+          <p:cNvPr id="3" name="ノート プレースホルダー 2"/>
+          <p:cNvSpPr>
+            <a:spLocks noGrp="1"/>
+          </p:cNvSpPr>
+          <p:nvPr>
+            <p:ph type="body" idx="1"/>
+          </p:nvPr>
+        </p:nvSpPr>
+        <p:spPr/>
+        <p:txBody>
+          <a:bodyPr/>
+          <a:lstStyle/>
+          <a:p>
+            <a:r>
+              <a:rPr kumimoji="1" lang="ja-JP" altLang="en-US" dirty="0"/>
+              <a:t>最後は</a:t>
+            </a:r>
+            <a:r>
+              <a:rPr kumimoji="1" lang="en-US" altLang="ja-JP" dirty="0" err="1"/>
+              <a:t>OpenJTalk</a:t>
+            </a:r>
+            <a:r>
+              <a:rPr kumimoji="1" lang="ja-JP" altLang="en-US" dirty="0"/>
+              <a:t>です。</a:t>
+            </a:r>
+            <a:endParaRPr kumimoji="1" lang="en-US" altLang="ja-JP" dirty="0"/>
+          </a:p>
+          <a:p>
+            <a:r>
+              <a:rPr kumimoji="1" lang="en-US" altLang="ja-JP" dirty="0" err="1"/>
+              <a:t>OpenJTalk</a:t>
+            </a:r>
+            <a:r>
+              <a:rPr kumimoji="1" lang="ja-JP" altLang="en-US" dirty="0"/>
+              <a:t>は日本語用の音声合成システムのオープンソースソフトウェアで、</a:t>
+            </a:r>
+            <a:endParaRPr kumimoji="1" lang="en-US" altLang="ja-JP" dirty="0"/>
+          </a:p>
+          <a:p>
+            <a:r>
+              <a:rPr kumimoji="1" lang="ja-JP" altLang="en-US" dirty="0"/>
+              <a:t>ボイスサンプル・声質や速度などのパラメータを設定することで、理想の音声を出力することができます。</a:t>
+            </a:r>
+            <a:endParaRPr kumimoji="1" lang="en-US" altLang="ja-JP" dirty="0"/>
+          </a:p>
+          <a:p>
+            <a:r>
+              <a:rPr kumimoji="1" lang="ja-JP" altLang="en-US" dirty="0"/>
+              <a:t>今お見せしているのは、★</a:t>
+            </a:r>
+            <a:r>
+              <a:rPr kumimoji="1" lang="en-US" altLang="ja-JP" dirty="0"/>
+              <a:t>result.txt</a:t>
+            </a:r>
+            <a:r>
+              <a:rPr kumimoji="1" lang="ja-JP" altLang="en-US" dirty="0"/>
+              <a:t>というテキストファイルの内容を音声出力するシェルスクリプトです。</a:t>
+            </a:r>
+            <a:endParaRPr kumimoji="1" lang="en-US" altLang="ja-JP" dirty="0"/>
+          </a:p>
+          <a:p>
+            <a:endParaRPr kumimoji="1" lang="ja-JP" altLang="en-US" dirty="0"/>
+          </a:p>
+        </p:txBody>
+      </p:sp>
+      <p:sp>
+        <p:nvSpPr>
+          <p:cNvPr id="4" name="スライド番号プレースホルダー 3"/>
+          <p:cNvSpPr>
+            <a:spLocks noGrp="1"/>
+          </p:cNvSpPr>
+          <p:nvPr>
+            <p:ph type="sldNum" sz="quarter" idx="5"/>
+          </p:nvPr>
+        </p:nvSpPr>
+        <p:spPr/>
+        <p:txBody>
+          <a:bodyPr/>
+          <a:lstStyle/>
+          <a:p>
+            <a:fld id="{1A2E7C28-4903-4521-8E60-0F80C627678B}" type="slidenum">
+              <a:rPr kumimoji="1" lang="ja-JP" altLang="en-US" smtClean="0"/>
+              <a:t>18</a:t>
+            </a:fld>
+            <a:endParaRPr kumimoji="1" lang="ja-JP" altLang="en-US"/>
+          </a:p>
+        </p:txBody>
+      </p:sp>
+    </p:spTree>
+    <p:extLst>
+      <p:ext uri="{BB962C8B-B14F-4D97-AF65-F5344CB8AC3E}">
+        <p14:creationId xmlns:p14="http://schemas.microsoft.com/office/powerpoint/2010/main" val="2285038393"/>
+      </p:ext>
+    </p:extLst>
+  </p:cSld>
+  <p:clrMapOvr>
+    <a:masterClrMapping/>
+  </p:clrMapOvr>
+</p:notes>
+</file>
+
+<file path=ppt/notesSlides/notesSlide16.xml><?xml version="1.0" encoding="utf-8"?>
+<p:notes xmlns:a="http://schemas.openxmlformats.org/drawingml/2006/main" xmlns:r="http://schemas.openxmlformats.org/officeDocument/2006/relationships" xmlns:p="http://schemas.openxmlformats.org/presentationml/2006/main">
+  <p:cSld>
+    <p:spTree>
+      <p:nvGrpSpPr>
+        <p:cNvPr id="1" name=""/>
+        <p:cNvGrpSpPr/>
+        <p:nvPr/>
+      </p:nvGrpSpPr>
+      <p:grpSpPr>
+        <a:xfrm>
+          <a:off x="0" y="0"/>
+          <a:ext cx="0" cy="0"/>
+          <a:chOff x="0" y="0"/>
+          <a:chExt cx="0" cy="0"/>
+        </a:xfrm>
+      </p:grpSpPr>
+      <p:sp>
+        <p:nvSpPr>
+          <p:cNvPr id="2" name="スライド イメージ プレースホルダー 1"/>
+          <p:cNvSpPr>
+            <a:spLocks noGrp="1" noRot="1" noChangeAspect="1"/>
+          </p:cNvSpPr>
+          <p:nvPr>
+            <p:ph type="sldImg"/>
+          </p:nvPr>
+        </p:nvSpPr>
+        <p:spPr/>
+      </p:sp>
+      <p:sp>
+        <p:nvSpPr>
+          <p:cNvPr id="3" name="ノート プレースホルダー 2"/>
+          <p:cNvSpPr>
+            <a:spLocks noGrp="1"/>
+          </p:cNvSpPr>
+          <p:nvPr>
+            <p:ph type="body" idx="1"/>
+          </p:nvPr>
+        </p:nvSpPr>
+        <p:spPr/>
+        <p:txBody>
+          <a:bodyPr/>
+          <a:lstStyle/>
+          <a:p>
+            <a:r>
+              <a:rPr kumimoji="1" lang="ja-JP" altLang="en-US" dirty="0"/>
+              <a:t>以前まではこの★</a:t>
+            </a:r>
+            <a:r>
+              <a:rPr kumimoji="1" lang="en-US" altLang="ja-JP" dirty="0"/>
+              <a:t>result.txt</a:t>
+            </a:r>
+            <a:r>
+              <a:rPr kumimoji="1" lang="ja-JP" altLang="en-US" dirty="0"/>
+              <a:t>というテキストファイルにスクレイピングの結果を上書き保存して、それを読み上げしていたのですが、</a:t>
+            </a:r>
+            <a:endParaRPr kumimoji="1" lang="en-US" altLang="ja-JP" dirty="0"/>
+          </a:p>
+          <a:p>
+            <a:r>
+              <a:rPr kumimoji="1" lang="ja-JP" altLang="en-US" dirty="0"/>
+              <a:t>先ほど説明した通り、現在はテキストファイルを個別に分けているため、★音声出力を行うシェルスクリプトも</a:t>
+            </a:r>
+            <a:r>
+              <a:rPr kumimoji="1" lang="en-US" altLang="ja-JP" dirty="0"/>
+              <a:t>4</a:t>
+            </a:r>
+            <a:r>
+              <a:rPr kumimoji="1" lang="ja-JP" altLang="en-US" dirty="0" err="1"/>
+              <a:t>つに</a:t>
+            </a:r>
+            <a:r>
+              <a:rPr kumimoji="1" lang="ja-JP" altLang="en-US" dirty="0"/>
+              <a:t>分けてあります。</a:t>
+            </a:r>
+          </a:p>
+        </p:txBody>
+      </p:sp>
+      <p:sp>
+        <p:nvSpPr>
+          <p:cNvPr id="4" name="スライド番号プレースホルダー 3"/>
+          <p:cNvSpPr>
+            <a:spLocks noGrp="1"/>
+          </p:cNvSpPr>
+          <p:nvPr>
+            <p:ph type="sldNum" sz="quarter" idx="5"/>
+          </p:nvPr>
+        </p:nvSpPr>
+        <p:spPr/>
+        <p:txBody>
+          <a:bodyPr/>
+          <a:lstStyle/>
+          <a:p>
+            <a:fld id="{1A2E7C28-4903-4521-8E60-0F80C627678B}" type="slidenum">
+              <a:rPr kumimoji="1" lang="ja-JP" altLang="en-US" smtClean="0"/>
+              <a:t>19</a:t>
+            </a:fld>
+            <a:endParaRPr kumimoji="1" lang="ja-JP" altLang="en-US"/>
+          </a:p>
+        </p:txBody>
+      </p:sp>
+    </p:spTree>
+    <p:extLst>
+      <p:ext uri="{BB962C8B-B14F-4D97-AF65-F5344CB8AC3E}">
+        <p14:creationId xmlns:p14="http://schemas.microsoft.com/office/powerpoint/2010/main" val="271621818"/>
+      </p:ext>
+    </p:extLst>
+  </p:cSld>
+  <p:clrMapOvr>
+    <a:masterClrMapping/>
+  </p:clrMapOvr>
+</p:notes>
+</file>
+
+<file path=ppt/notesSlides/notesSlide17.xml><?xml version="1.0" encoding="utf-8"?>
+<p:notes xmlns:a="http://schemas.openxmlformats.org/drawingml/2006/main" xmlns:r="http://schemas.openxmlformats.org/officeDocument/2006/relationships" xmlns:p="http://schemas.openxmlformats.org/presentationml/2006/main">
+  <p:cSld>
+    <p:spTree>
+      <p:nvGrpSpPr>
+        <p:cNvPr id="1" name=""/>
+        <p:cNvGrpSpPr/>
+        <p:nvPr/>
+      </p:nvGrpSpPr>
+      <p:grpSpPr>
+        <a:xfrm>
+          <a:off x="0" y="0"/>
+          <a:ext cx="0" cy="0"/>
+          <a:chOff x="0" y="0"/>
+          <a:chExt cx="0" cy="0"/>
+        </a:xfrm>
+      </p:grpSpPr>
+      <p:sp>
+        <p:nvSpPr>
+          <p:cNvPr id="2" name="スライド イメージ プレースホルダー 1"/>
+          <p:cNvSpPr>
+            <a:spLocks noGrp="1" noRot="1" noChangeAspect="1"/>
+          </p:cNvSpPr>
+          <p:nvPr>
+            <p:ph type="sldImg"/>
+          </p:nvPr>
+        </p:nvSpPr>
+        <p:spPr/>
+      </p:sp>
+      <p:sp>
+        <p:nvSpPr>
+          <p:cNvPr id="3" name="ノート プレースホルダー 2"/>
+          <p:cNvSpPr>
+            <a:spLocks noGrp="1"/>
+          </p:cNvSpPr>
+          <p:nvPr>
+            <p:ph type="body" idx="1"/>
+          </p:nvPr>
+        </p:nvSpPr>
+        <p:spPr/>
+        <p:txBody>
+          <a:bodyPr/>
+          <a:lstStyle/>
+          <a:p>
+            <a:r>
+              <a:rPr kumimoji="1" lang="ja-JP" altLang="en-US" dirty="0"/>
+              <a:t>それでは、これからデモンストレーションに移ります。</a:t>
+            </a:r>
+            <a:endParaRPr kumimoji="1" lang="en-US" altLang="ja-JP" dirty="0"/>
+          </a:p>
+          <a:p>
+            <a:r>
+              <a:rPr kumimoji="1" lang="ja-JP" altLang="en-US" dirty="0"/>
+              <a:t>実際に</a:t>
+            </a:r>
+            <a:r>
+              <a:rPr kumimoji="1" lang="en-US" altLang="ja-JP" dirty="0" err="1"/>
+              <a:t>YoSiE</a:t>
+            </a:r>
+            <a:r>
+              <a:rPr kumimoji="1" lang="ja-JP" altLang="en-US" dirty="0"/>
+              <a:t>を動かしているところをお見せします。</a:t>
+            </a:r>
+            <a:endParaRPr kumimoji="1" lang="en-US" altLang="ja-JP" dirty="0"/>
+          </a:p>
+        </p:txBody>
+      </p:sp>
+      <p:sp>
+        <p:nvSpPr>
+          <p:cNvPr id="4" name="スライド番号プレースホルダー 3"/>
+          <p:cNvSpPr>
+            <a:spLocks noGrp="1"/>
+          </p:cNvSpPr>
+          <p:nvPr>
+            <p:ph type="sldNum" sz="quarter" idx="5"/>
+          </p:nvPr>
+        </p:nvSpPr>
+        <p:spPr/>
+        <p:txBody>
+          <a:bodyPr/>
+          <a:lstStyle/>
+          <a:p>
+            <a:fld id="{1A2E7C28-4903-4521-8E60-0F80C627678B}" type="slidenum">
+              <a:rPr kumimoji="1" lang="ja-JP" altLang="en-US" smtClean="0"/>
+              <a:t>20</a:t>
+            </a:fld>
+            <a:endParaRPr kumimoji="1" lang="ja-JP" altLang="en-US"/>
+          </a:p>
+        </p:txBody>
+      </p:sp>
+    </p:spTree>
+    <p:extLst>
+      <p:ext uri="{BB962C8B-B14F-4D97-AF65-F5344CB8AC3E}">
+        <p14:creationId xmlns:p14="http://schemas.microsoft.com/office/powerpoint/2010/main" val="4148485458"/>
+      </p:ext>
+    </p:extLst>
+  </p:cSld>
+  <p:clrMapOvr>
+    <a:masterClrMapping/>
+  </p:clrMapOvr>
+</p:notes>
+</file>
+
+<file path=ppt/notesSlides/notesSlide18.xml><?xml version="1.0" encoding="utf-8"?>
+<p:notes xmlns:a="http://schemas.openxmlformats.org/drawingml/2006/main" xmlns:r="http://schemas.openxmlformats.org/officeDocument/2006/relationships" xmlns:p="http://schemas.openxmlformats.org/presentationml/2006/main">
+  <p:cSld>
+    <p:spTree>
+      <p:nvGrpSpPr>
+        <p:cNvPr id="1" name=""/>
+        <p:cNvGrpSpPr/>
+        <p:nvPr/>
+      </p:nvGrpSpPr>
+      <p:grpSpPr>
+        <a:xfrm>
+          <a:off x="0" y="0"/>
+          <a:ext cx="0" cy="0"/>
+          <a:chOff x="0" y="0"/>
+          <a:chExt cx="0" cy="0"/>
+        </a:xfrm>
+      </p:grpSpPr>
+      <p:sp>
+        <p:nvSpPr>
+          <p:cNvPr id="2" name="スライド イメージ プレースホルダー 1"/>
+          <p:cNvSpPr>
+            <a:spLocks noGrp="1" noRot="1" noChangeAspect="1"/>
+          </p:cNvSpPr>
+          <p:nvPr>
+            <p:ph type="sldImg"/>
+          </p:nvPr>
+        </p:nvSpPr>
+        <p:spPr/>
+      </p:sp>
+      <p:sp>
+        <p:nvSpPr>
+          <p:cNvPr id="3" name="ノート プレースホルダー 2"/>
+          <p:cNvSpPr>
+            <a:spLocks noGrp="1"/>
+          </p:cNvSpPr>
+          <p:nvPr>
+            <p:ph type="body" idx="1"/>
+          </p:nvPr>
+        </p:nvSpPr>
+        <p:spPr/>
+        <p:txBody>
+          <a:bodyPr/>
+          <a:lstStyle/>
+          <a:p>
+            <a:r>
+              <a:rPr kumimoji="1" lang="ja-JP" altLang="en-US" dirty="0"/>
+              <a:t>今後の計画はこの通りです。</a:t>
+            </a:r>
+            <a:endParaRPr kumimoji="1" lang="en-US" altLang="ja-JP" dirty="0"/>
+          </a:p>
+          <a:p>
+            <a:r>
+              <a:rPr kumimoji="1" lang="ja-JP" altLang="en-US" dirty="0"/>
+              <a:t>外見のおおまかな構造は決まっていますが、こけし自体と土台をどう作るかは検討中です。</a:t>
+            </a:r>
+            <a:endParaRPr kumimoji="1" lang="en-US" altLang="ja-JP" dirty="0"/>
+          </a:p>
+          <a:p>
+            <a:r>
+              <a:rPr kumimoji="1" lang="ja-JP" altLang="en-US" dirty="0"/>
+              <a:t>現在有力な案は、石粉粘土で作るという案です。</a:t>
+            </a:r>
+            <a:endParaRPr kumimoji="1" lang="en-US" altLang="ja-JP" dirty="0"/>
+          </a:p>
+          <a:p>
+            <a:r>
+              <a:rPr kumimoji="1" lang="en-US" altLang="ja-JP" dirty="0" err="1"/>
+              <a:t>Tech_Students</a:t>
+            </a:r>
+            <a:r>
+              <a:rPr kumimoji="1" lang="ja-JP" altLang="en-US" dirty="0"/>
+              <a:t>に進捗を投稿していきますので、外見の完成をお楽しみに。</a:t>
+            </a:r>
+            <a:endParaRPr kumimoji="1" lang="en-US" altLang="ja-JP" dirty="0"/>
+          </a:p>
+        </p:txBody>
+      </p:sp>
+      <p:sp>
+        <p:nvSpPr>
+          <p:cNvPr id="4" name="スライド番号プレースホルダー 3"/>
+          <p:cNvSpPr>
+            <a:spLocks noGrp="1"/>
+          </p:cNvSpPr>
+          <p:nvPr>
+            <p:ph type="sldNum" sz="quarter" idx="5"/>
+          </p:nvPr>
+        </p:nvSpPr>
+        <p:spPr/>
+        <p:txBody>
+          <a:bodyPr/>
+          <a:lstStyle/>
+          <a:p>
+            <a:fld id="{1A2E7C28-4903-4521-8E60-0F80C627678B}" type="slidenum">
+              <a:rPr kumimoji="1" lang="ja-JP" altLang="en-US" smtClean="0"/>
+              <a:t>21</a:t>
+            </a:fld>
+            <a:endParaRPr kumimoji="1" lang="ja-JP" altLang="en-US"/>
+          </a:p>
+        </p:txBody>
+      </p:sp>
+    </p:spTree>
+    <p:extLst>
+      <p:ext uri="{BB962C8B-B14F-4D97-AF65-F5344CB8AC3E}">
+        <p14:creationId xmlns:p14="http://schemas.microsoft.com/office/powerpoint/2010/main" val="929478742"/>
+      </p:ext>
+    </p:extLst>
+  </p:cSld>
+  <p:clrMapOvr>
+    <a:masterClrMapping/>
+  </p:clrMapOvr>
+</p:notes>
+</file>
+
+<file path=ppt/notesSlides/notesSlide19.xml><?xml version="1.0" encoding="utf-8"?>
+<p:notes xmlns:a="http://schemas.openxmlformats.org/drawingml/2006/main" xmlns:r="http://schemas.openxmlformats.org/officeDocument/2006/relationships" xmlns:p="http://schemas.openxmlformats.org/presentationml/2006/main">
+  <p:cSld>
+    <p:spTree>
+      <p:nvGrpSpPr>
+        <p:cNvPr id="1" name=""/>
+        <p:cNvGrpSpPr/>
+        <p:nvPr/>
+      </p:nvGrpSpPr>
+      <p:grpSpPr>
+        <a:xfrm>
+          <a:off x="0" y="0"/>
+          <a:ext cx="0" cy="0"/>
+          <a:chOff x="0" y="0"/>
+          <a:chExt cx="0" cy="0"/>
+        </a:xfrm>
+      </p:grpSpPr>
+      <p:sp>
+        <p:nvSpPr>
+          <p:cNvPr id="2" name="スライド イメージ プレースホルダー 1"/>
+          <p:cNvSpPr>
+            <a:spLocks noGrp="1" noRot="1" noChangeAspect="1"/>
+          </p:cNvSpPr>
+          <p:nvPr>
+            <p:ph type="sldImg"/>
+          </p:nvPr>
+        </p:nvSpPr>
+        <p:spPr/>
+      </p:sp>
+      <p:sp>
+        <p:nvSpPr>
+          <p:cNvPr id="3" name="ノート プレースホルダー 2"/>
+          <p:cNvSpPr>
+            <a:spLocks noGrp="1"/>
+          </p:cNvSpPr>
+          <p:nvPr>
+            <p:ph type="body" idx="1"/>
+          </p:nvPr>
+        </p:nvSpPr>
+        <p:spPr/>
+        <p:txBody>
+          <a:bodyPr/>
+          <a:lstStyle/>
+          <a:p>
+            <a:r>
+              <a:rPr kumimoji="1" lang="ja-JP" altLang="en-US" dirty="0"/>
+              <a:t>これで</a:t>
+            </a:r>
+            <a:r>
+              <a:rPr kumimoji="1" lang="en-US" altLang="ja-JP" dirty="0"/>
+              <a:t>AI</a:t>
+            </a:r>
+            <a:r>
+              <a:rPr kumimoji="1" lang="ja-JP" altLang="en-US" dirty="0"/>
+              <a:t>スピーカー開発の発表を終わります。</a:t>
+            </a:r>
+            <a:endParaRPr kumimoji="1" lang="en-US" altLang="ja-JP" dirty="0"/>
+          </a:p>
+          <a:p>
+            <a:r>
+              <a:rPr kumimoji="1" lang="ja-JP" altLang="en-US" dirty="0"/>
+              <a:t>これより、質疑応答に移ります。</a:t>
+            </a:r>
+          </a:p>
+        </p:txBody>
+      </p:sp>
+      <p:sp>
+        <p:nvSpPr>
+          <p:cNvPr id="4" name="スライド番号プレースホルダー 3"/>
+          <p:cNvSpPr>
+            <a:spLocks noGrp="1"/>
+          </p:cNvSpPr>
+          <p:nvPr>
+            <p:ph type="sldNum" sz="quarter" idx="5"/>
+          </p:nvPr>
+        </p:nvSpPr>
+        <p:spPr/>
+        <p:txBody>
+          <a:bodyPr/>
+          <a:lstStyle/>
+          <a:p>
+            <a:fld id="{1A2E7C28-4903-4521-8E60-0F80C627678B}" type="slidenum">
+              <a:rPr kumimoji="1" lang="ja-JP" altLang="en-US" smtClean="0"/>
+              <a:t>22</a:t>
+            </a:fld>
+            <a:endParaRPr kumimoji="1" lang="ja-JP" altLang="en-US"/>
+          </a:p>
+        </p:txBody>
+      </p:sp>
+    </p:spTree>
+    <p:extLst>
+      <p:ext uri="{BB962C8B-B14F-4D97-AF65-F5344CB8AC3E}">
+        <p14:creationId xmlns:p14="http://schemas.microsoft.com/office/powerpoint/2010/main" val="3992716668"/>
       </p:ext>
     </p:extLst>
   </p:cSld>
@@ -645,7 +1849,101 @@
           <a:bodyPr/>
           <a:lstStyle/>
           <a:p>
-            <a:endParaRPr kumimoji="1" lang="ja-JP" altLang="en-US" dirty="0"/>
+            <a:r>
+              <a:rPr kumimoji="1" lang="ja-JP" altLang="en-US" dirty="0"/>
+              <a:t>まずはプロジェクトの全体像について説明します。</a:t>
+            </a:r>
+            <a:endParaRPr kumimoji="1" lang="en-US" altLang="ja-JP" dirty="0"/>
+          </a:p>
+          <a:p>
+            <a:r>
+              <a:rPr kumimoji="1" lang="ja-JP" altLang="en-US" dirty="0"/>
+              <a:t>私たちが作っているのは</a:t>
+            </a:r>
+            <a:r>
+              <a:rPr kumimoji="1" lang="en-US" altLang="ja-JP" dirty="0"/>
+              <a:t>AI</a:t>
+            </a:r>
+            <a:r>
+              <a:rPr kumimoji="1" lang="ja-JP" altLang="en-US" dirty="0"/>
+              <a:t>スピーカーで、既製品の例には</a:t>
+            </a:r>
+            <a:r>
+              <a:rPr kumimoji="1" lang="en-US" altLang="ja-JP" dirty="0"/>
+              <a:t>Google home</a:t>
+            </a:r>
+            <a:r>
+              <a:rPr kumimoji="1" lang="ja-JP" altLang="en-US" dirty="0"/>
+              <a:t>や</a:t>
+            </a:r>
+            <a:r>
+              <a:rPr kumimoji="1" lang="en-US" altLang="ja-JP" dirty="0"/>
+              <a:t>Alexa</a:t>
+            </a:r>
+            <a:r>
+              <a:rPr kumimoji="1" lang="ja-JP" altLang="en-US" dirty="0"/>
+              <a:t>などがあり、私たちもそれに倣って</a:t>
+            </a:r>
+            <a:r>
+              <a:rPr kumimoji="1" lang="en-US" altLang="ja-JP" dirty="0"/>
+              <a:t>AI</a:t>
+            </a:r>
+            <a:r>
+              <a:rPr kumimoji="1" lang="ja-JP" altLang="en-US" dirty="0"/>
+              <a:t>スピーカーに名前を付けました。</a:t>
+            </a:r>
+            <a:endParaRPr kumimoji="1" lang="en-US" altLang="ja-JP" dirty="0"/>
+          </a:p>
+          <a:p>
+            <a:r>
+              <a:rPr kumimoji="1" lang="ja-JP" altLang="en-US" dirty="0"/>
+              <a:t>私たちが作っている</a:t>
+            </a:r>
+            <a:r>
+              <a:rPr kumimoji="1" lang="en-US" altLang="ja-JP" dirty="0"/>
+              <a:t>AI</a:t>
+            </a:r>
+            <a:r>
+              <a:rPr kumimoji="1" lang="ja-JP" altLang="en-US" dirty="0"/>
+              <a:t>スピーカーの名前は、★“</a:t>
+            </a:r>
+            <a:r>
+              <a:rPr kumimoji="1" lang="en-US" altLang="ja-JP" dirty="0" err="1"/>
+              <a:t>YoSiE</a:t>
+            </a:r>
+            <a:r>
+              <a:rPr kumimoji="1" lang="ja-JP" altLang="en-US" dirty="0"/>
+              <a:t>”といいます。</a:t>
+            </a:r>
+            <a:endParaRPr kumimoji="1" lang="en-US" altLang="ja-JP" dirty="0"/>
+          </a:p>
+          <a:p>
+            <a:r>
+              <a:rPr kumimoji="1" lang="ja-JP" altLang="en-US" dirty="0"/>
+              <a:t>機能の例として、★「今日の天気は？」と問いかけると、★天気予報を読み上げてくれます。</a:t>
+            </a:r>
+            <a:endParaRPr kumimoji="1" lang="en-US" altLang="ja-JP" dirty="0"/>
+          </a:p>
+          <a:p>
+            <a:r>
+              <a:rPr kumimoji="1" lang="ja-JP" altLang="en-US" dirty="0"/>
+              <a:t>現在実装している機能は、天気予報・ニュース・日時・星座占いの４つの読み上げです。</a:t>
+            </a:r>
+            <a:endParaRPr kumimoji="1" lang="en-US" altLang="ja-JP" dirty="0"/>
+          </a:p>
+          <a:p>
+            <a:r>
+              <a:rPr kumimoji="1" lang="ja-JP" altLang="en-US" dirty="0"/>
+              <a:t>ハードウェアの本体には、★</a:t>
+            </a:r>
+            <a:r>
+              <a:rPr kumimoji="1" lang="en-US" altLang="ja-JP" dirty="0"/>
+              <a:t>Raspberry Pi</a:t>
+            </a:r>
+            <a:r>
+              <a:rPr kumimoji="1" lang="ja-JP" altLang="en-US" dirty="0"/>
+              <a:t>を使用しています。</a:t>
+            </a:r>
           </a:p>
         </p:txBody>
       </p:sp>
@@ -664,6 +1962,557 @@
           <a:bodyPr/>
           <a:lstStyle/>
           <a:p>
+            <a:fld id="{9DAB6BB4-6322-4797-9820-4A78B14C1A63}" type="slidenum">
+              <a:rPr kumimoji="1" lang="ja-JP" altLang="en-US" smtClean="0"/>
+              <a:t>2</a:t>
+            </a:fld>
+            <a:endParaRPr kumimoji="1" lang="ja-JP" altLang="en-US"/>
+          </a:p>
+        </p:txBody>
+      </p:sp>
+    </p:spTree>
+    <p:extLst>
+      <p:ext uri="{BB962C8B-B14F-4D97-AF65-F5344CB8AC3E}">
+        <p14:creationId xmlns:p14="http://schemas.microsoft.com/office/powerpoint/2010/main" val="3135516046"/>
+      </p:ext>
+    </p:extLst>
+  </p:cSld>
+  <p:clrMapOvr>
+    <a:masterClrMapping/>
+  </p:clrMapOvr>
+</p:notes>
+</file>
+
+<file path=ppt/notesSlides/notesSlide3.xml><?xml version="1.0" encoding="utf-8"?>
+<p:notes xmlns:a="http://schemas.openxmlformats.org/drawingml/2006/main" xmlns:r="http://schemas.openxmlformats.org/officeDocument/2006/relationships" xmlns:p="http://schemas.openxmlformats.org/presentationml/2006/main">
+  <p:cSld>
+    <p:spTree>
+      <p:nvGrpSpPr>
+        <p:cNvPr id="1" name=""/>
+        <p:cNvGrpSpPr/>
+        <p:nvPr/>
+      </p:nvGrpSpPr>
+      <p:grpSpPr>
+        <a:xfrm>
+          <a:off x="0" y="0"/>
+          <a:ext cx="0" cy="0"/>
+          <a:chOff x="0" y="0"/>
+          <a:chExt cx="0" cy="0"/>
+        </a:xfrm>
+      </p:grpSpPr>
+      <p:sp>
+        <p:nvSpPr>
+          <p:cNvPr id="2" name="スライド イメージ プレースホルダー 1"/>
+          <p:cNvSpPr>
+            <a:spLocks noGrp="1" noRot="1" noChangeAspect="1"/>
+          </p:cNvSpPr>
+          <p:nvPr>
+            <p:ph type="sldImg"/>
+          </p:nvPr>
+        </p:nvSpPr>
+        <p:spPr/>
+      </p:sp>
+      <p:sp>
+        <p:nvSpPr>
+          <p:cNvPr id="3" name="ノート プレースホルダー 2"/>
+          <p:cNvSpPr>
+            <a:spLocks noGrp="1"/>
+          </p:cNvSpPr>
+          <p:nvPr>
+            <p:ph type="body" idx="1"/>
+          </p:nvPr>
+        </p:nvSpPr>
+        <p:spPr/>
+        <p:txBody>
+          <a:bodyPr/>
+          <a:lstStyle/>
+          <a:p>
+            <a:r>
+              <a:rPr kumimoji="1" lang="ja-JP" altLang="en-US" dirty="0"/>
+              <a:t>主な要素技術と処理の流れについて説明します。</a:t>
+            </a:r>
+            <a:endParaRPr kumimoji="1" lang="en-US" altLang="ja-JP" dirty="0"/>
+          </a:p>
+          <a:p>
+            <a:r>
+              <a:rPr kumimoji="1" lang="en-US" altLang="ja-JP" dirty="0" err="1"/>
+              <a:t>YoSiE</a:t>
+            </a:r>
+            <a:r>
+              <a:rPr kumimoji="1" lang="ja-JP" altLang="en-US" dirty="0"/>
+              <a:t>に使用している主な要素技術は御覧の</a:t>
+            </a:r>
+            <a:r>
+              <a:rPr kumimoji="1" lang="en-US" altLang="ja-JP" dirty="0"/>
+              <a:t>4</a:t>
+            </a:r>
+            <a:r>
+              <a:rPr kumimoji="1" lang="ja-JP" altLang="en-US" dirty="0"/>
+              <a:t>つで、</a:t>
+            </a:r>
+            <a:endParaRPr kumimoji="1" lang="en-US" altLang="ja-JP" dirty="0"/>
+          </a:p>
+          <a:p>
+            <a:r>
+              <a:rPr kumimoji="1" lang="en-US" altLang="ja-JP" dirty="0"/>
+              <a:t>Julius</a:t>
+            </a:r>
+            <a:r>
+              <a:rPr kumimoji="1" lang="ja-JP" altLang="en-US" dirty="0"/>
+              <a:t>で音声認識を行い、</a:t>
+            </a:r>
+            <a:endParaRPr kumimoji="1" lang="en-US" altLang="ja-JP" dirty="0"/>
+          </a:p>
+          <a:p>
+            <a:r>
+              <a:rPr kumimoji="1" lang="ja-JP" altLang="en-US" dirty="0"/>
+              <a:t>取得したデータを</a:t>
+            </a:r>
+            <a:r>
+              <a:rPr kumimoji="1" lang="en-US" altLang="ja-JP" dirty="0" err="1"/>
+              <a:t>fastText</a:t>
+            </a:r>
+            <a:r>
+              <a:rPr kumimoji="1" lang="ja-JP" altLang="en-US" dirty="0"/>
+              <a:t>でテキスト分類し、機能を判別します。</a:t>
+            </a:r>
+            <a:endParaRPr kumimoji="1" lang="en-US" altLang="ja-JP" dirty="0"/>
+          </a:p>
+          <a:p>
+            <a:r>
+              <a:rPr kumimoji="1" lang="ja-JP" altLang="en-US" dirty="0"/>
+              <a:t>それではここから、各要素技術について説明していきます。</a:t>
+            </a:r>
+            <a:endParaRPr kumimoji="1" lang="en-US" altLang="ja-JP" dirty="0"/>
+          </a:p>
+          <a:p>
+            <a:r>
+              <a:rPr kumimoji="1" lang="ja-JP" altLang="en-US" dirty="0"/>
+              <a:t>判別した機能に基づいてスクレイピングで出力するテキストデータを取得し、</a:t>
+            </a:r>
+            <a:endParaRPr kumimoji="1" lang="en-US" altLang="ja-JP" dirty="0"/>
+          </a:p>
+          <a:p>
+            <a:r>
+              <a:rPr kumimoji="1" lang="ja-JP" altLang="en-US" dirty="0"/>
+              <a:t>それを</a:t>
+            </a:r>
+            <a:r>
+              <a:rPr kumimoji="1" lang="en-US" altLang="ja-JP" dirty="0" err="1"/>
+              <a:t>OpenJTalk</a:t>
+            </a:r>
+            <a:r>
+              <a:rPr kumimoji="1" lang="ja-JP" altLang="en-US" dirty="0"/>
+              <a:t>で音声出力する、といった流れです。</a:t>
+            </a:r>
+          </a:p>
+        </p:txBody>
+      </p:sp>
+      <p:sp>
+        <p:nvSpPr>
+          <p:cNvPr id="4" name="スライド番号プレースホルダー 3"/>
+          <p:cNvSpPr>
+            <a:spLocks noGrp="1"/>
+          </p:cNvSpPr>
+          <p:nvPr>
+            <p:ph type="sldNum" sz="quarter" idx="5"/>
+          </p:nvPr>
+        </p:nvSpPr>
+        <p:spPr/>
+        <p:txBody>
+          <a:bodyPr/>
+          <a:lstStyle/>
+          <a:p>
+            <a:fld id="{1A2E7C28-4903-4521-8E60-0F80C627678B}" type="slidenum">
+              <a:rPr kumimoji="1" lang="ja-JP" altLang="en-US" smtClean="0"/>
+              <a:t>3</a:t>
+            </a:fld>
+            <a:endParaRPr kumimoji="1" lang="ja-JP" altLang="en-US"/>
+          </a:p>
+        </p:txBody>
+      </p:sp>
+    </p:spTree>
+    <p:extLst>
+      <p:ext uri="{BB962C8B-B14F-4D97-AF65-F5344CB8AC3E}">
+        <p14:creationId xmlns:p14="http://schemas.microsoft.com/office/powerpoint/2010/main" val="1513791740"/>
+      </p:ext>
+    </p:extLst>
+  </p:cSld>
+  <p:clrMapOvr>
+    <a:masterClrMapping/>
+  </p:clrMapOvr>
+</p:notes>
+</file>
+
+<file path=ppt/notesSlides/notesSlide4.xml><?xml version="1.0" encoding="utf-8"?>
+<p:notes xmlns:a="http://schemas.openxmlformats.org/drawingml/2006/main" xmlns:r="http://schemas.openxmlformats.org/officeDocument/2006/relationships" xmlns:p="http://schemas.openxmlformats.org/presentationml/2006/main">
+  <p:cSld>
+    <p:spTree>
+      <p:nvGrpSpPr>
+        <p:cNvPr id="1" name=""/>
+        <p:cNvGrpSpPr/>
+        <p:nvPr/>
+      </p:nvGrpSpPr>
+      <p:grpSpPr>
+        <a:xfrm>
+          <a:off x="0" y="0"/>
+          <a:ext cx="0" cy="0"/>
+          <a:chOff x="0" y="0"/>
+          <a:chExt cx="0" cy="0"/>
+        </a:xfrm>
+      </p:grpSpPr>
+      <p:sp>
+        <p:nvSpPr>
+          <p:cNvPr id="2" name="スライド イメージ プレースホルダー 1"/>
+          <p:cNvSpPr>
+            <a:spLocks noGrp="1" noRot="1" noChangeAspect="1"/>
+          </p:cNvSpPr>
+          <p:nvPr>
+            <p:ph type="sldImg"/>
+          </p:nvPr>
+        </p:nvSpPr>
+        <p:spPr/>
+      </p:sp>
+      <p:sp>
+        <p:nvSpPr>
+          <p:cNvPr id="3" name="ノート プレースホルダー 2"/>
+          <p:cNvSpPr>
+            <a:spLocks noGrp="1"/>
+          </p:cNvSpPr>
+          <p:nvPr>
+            <p:ph type="body" idx="1"/>
+          </p:nvPr>
+        </p:nvSpPr>
+        <p:spPr/>
+        <p:txBody>
+          <a:bodyPr/>
+          <a:lstStyle/>
+          <a:p>
+            <a:r>
+              <a:rPr kumimoji="1" lang="ja-JP" altLang="en-US" dirty="0"/>
+              <a:t>まずは</a:t>
+            </a:r>
+            <a:r>
+              <a:rPr kumimoji="1" lang="en-US" altLang="ja-JP" dirty="0"/>
+              <a:t>Julius</a:t>
+            </a:r>
+            <a:r>
+              <a:rPr kumimoji="1" lang="ja-JP" altLang="en-US" dirty="0"/>
+              <a:t>についてです。</a:t>
+            </a:r>
+            <a:endParaRPr kumimoji="1" lang="en-US" altLang="ja-JP" dirty="0"/>
+          </a:p>
+          <a:p>
+            <a:r>
+              <a:rPr kumimoji="1" lang="en-US" altLang="ja-JP" dirty="0"/>
+              <a:t>Julius</a:t>
+            </a:r>
+            <a:r>
+              <a:rPr kumimoji="1" lang="ja-JP" altLang="en-US" dirty="0"/>
+              <a:t>は音声認識を行うオープンソースソフトウェアで、マイクから入力された音声を、テキストデータに変換してくれます。</a:t>
+            </a:r>
+            <a:endParaRPr kumimoji="1" lang="en-US" altLang="ja-JP" dirty="0"/>
+          </a:p>
+          <a:p>
+            <a:r>
+              <a:rPr kumimoji="1" lang="en-US" altLang="ja-JP" dirty="0" err="1"/>
+              <a:t>YoSiE</a:t>
+            </a:r>
+            <a:r>
+              <a:rPr kumimoji="1" lang="ja-JP" altLang="en-US" dirty="0"/>
+              <a:t>では、★</a:t>
+            </a:r>
+            <a:r>
+              <a:rPr kumimoji="1" lang="en-US" altLang="ja-JP" dirty="0"/>
+              <a:t>Julius</a:t>
+            </a:r>
+            <a:r>
+              <a:rPr kumimoji="1" lang="ja-JP" altLang="en-US" dirty="0"/>
+              <a:t>を</a:t>
+            </a:r>
+            <a:r>
+              <a:rPr kumimoji="1" lang="en-US" altLang="ja-JP" dirty="0"/>
+              <a:t>Python</a:t>
+            </a:r>
+            <a:r>
+              <a:rPr kumimoji="1" lang="ja-JP" altLang="en-US" dirty="0"/>
+              <a:t>と連携させて利用しています。</a:t>
+            </a:r>
+          </a:p>
+        </p:txBody>
+      </p:sp>
+      <p:sp>
+        <p:nvSpPr>
+          <p:cNvPr id="4" name="スライド番号プレースホルダー 3"/>
+          <p:cNvSpPr>
+            <a:spLocks noGrp="1"/>
+          </p:cNvSpPr>
+          <p:nvPr>
+            <p:ph type="sldNum" sz="quarter" idx="5"/>
+          </p:nvPr>
+        </p:nvSpPr>
+        <p:spPr/>
+        <p:txBody>
+          <a:bodyPr/>
+          <a:lstStyle/>
+          <a:p>
+            <a:fld id="{1A2E7C28-4903-4521-8E60-0F80C627678B}" type="slidenum">
+              <a:rPr kumimoji="1" lang="ja-JP" altLang="en-US" smtClean="0"/>
+              <a:t>4</a:t>
+            </a:fld>
+            <a:endParaRPr kumimoji="1" lang="ja-JP" altLang="en-US"/>
+          </a:p>
+        </p:txBody>
+      </p:sp>
+    </p:spTree>
+    <p:extLst>
+      <p:ext uri="{BB962C8B-B14F-4D97-AF65-F5344CB8AC3E}">
+        <p14:creationId xmlns:p14="http://schemas.microsoft.com/office/powerpoint/2010/main" val="716643765"/>
+      </p:ext>
+    </p:extLst>
+  </p:cSld>
+  <p:clrMapOvr>
+    <a:masterClrMapping/>
+  </p:clrMapOvr>
+</p:notes>
+</file>
+
+<file path=ppt/notesSlides/notesSlide5.xml><?xml version="1.0" encoding="utf-8"?>
+<p:notes xmlns:a="http://schemas.openxmlformats.org/drawingml/2006/main" xmlns:r="http://schemas.openxmlformats.org/officeDocument/2006/relationships" xmlns:p="http://schemas.openxmlformats.org/presentationml/2006/main">
+  <p:cSld>
+    <p:spTree>
+      <p:nvGrpSpPr>
+        <p:cNvPr id="1" name=""/>
+        <p:cNvGrpSpPr/>
+        <p:nvPr/>
+      </p:nvGrpSpPr>
+      <p:grpSpPr>
+        <a:xfrm>
+          <a:off x="0" y="0"/>
+          <a:ext cx="0" cy="0"/>
+          <a:chOff x="0" y="0"/>
+          <a:chExt cx="0" cy="0"/>
+        </a:xfrm>
+      </p:grpSpPr>
+      <p:sp>
+        <p:nvSpPr>
+          <p:cNvPr id="2" name="スライド イメージ プレースホルダー 1"/>
+          <p:cNvSpPr>
+            <a:spLocks noGrp="1" noRot="1" noChangeAspect="1"/>
+          </p:cNvSpPr>
+          <p:nvPr>
+            <p:ph type="sldImg"/>
+          </p:nvPr>
+        </p:nvSpPr>
+        <p:spPr/>
+      </p:sp>
+      <p:sp>
+        <p:nvSpPr>
+          <p:cNvPr id="3" name="ノート プレースホルダー 2"/>
+          <p:cNvSpPr>
+            <a:spLocks noGrp="1"/>
+          </p:cNvSpPr>
+          <p:nvPr>
+            <p:ph type="body" idx="1"/>
+          </p:nvPr>
+        </p:nvSpPr>
+        <p:spPr/>
+        <p:txBody>
+          <a:bodyPr/>
+          <a:lstStyle/>
+          <a:p>
+            <a:r>
+              <a:rPr kumimoji="1" lang="en-US" altLang="ja-JP" dirty="0"/>
+              <a:t>Julius</a:t>
+            </a:r>
+            <a:r>
+              <a:rPr kumimoji="1" lang="ja-JP" altLang="en-US" dirty="0"/>
+              <a:t>と</a:t>
+            </a:r>
+            <a:r>
+              <a:rPr kumimoji="1" lang="en-US" altLang="ja-JP" dirty="0"/>
+              <a:t>Python</a:t>
+            </a:r>
+            <a:r>
+              <a:rPr kumimoji="1" lang="ja-JP" altLang="en-US" dirty="0"/>
+              <a:t>の連携については、御覧の図の通りです。</a:t>
+            </a:r>
+            <a:endParaRPr kumimoji="1" lang="en-US" altLang="ja-JP" dirty="0"/>
+          </a:p>
+          <a:p>
+            <a:r>
+              <a:rPr kumimoji="1" lang="ja-JP" altLang="en-US" dirty="0"/>
+              <a:t>まず</a:t>
+            </a:r>
+            <a:r>
+              <a:rPr kumimoji="1" lang="en-US" altLang="ja-JP" dirty="0"/>
+              <a:t>Julius</a:t>
+            </a:r>
+            <a:r>
+              <a:rPr kumimoji="1" lang="ja-JP" altLang="en-US" dirty="0"/>
+              <a:t>サーバを起動させておき、そのあとで</a:t>
+            </a:r>
+            <a:r>
+              <a:rPr kumimoji="1" lang="en-US" altLang="ja-JP" dirty="0"/>
+              <a:t>Python</a:t>
+            </a:r>
+            <a:r>
+              <a:rPr kumimoji="1" lang="ja-JP" altLang="en-US" dirty="0"/>
+              <a:t>プログラムを実行させます。</a:t>
+            </a:r>
+            <a:endParaRPr kumimoji="1" lang="en-US" altLang="ja-JP" dirty="0"/>
+          </a:p>
+          <a:p>
+            <a:r>
+              <a:rPr kumimoji="1" lang="ja-JP" altLang="en-US" dirty="0"/>
+              <a:t>簡単に言えば、</a:t>
+            </a:r>
+            <a:r>
+              <a:rPr kumimoji="1" lang="en-US" altLang="ja-JP" dirty="0"/>
+              <a:t>Julius</a:t>
+            </a:r>
+            <a:r>
+              <a:rPr kumimoji="1" lang="ja-JP" altLang="en-US" dirty="0"/>
+              <a:t>で行った音声認識の結果を、</a:t>
+            </a:r>
+            <a:r>
+              <a:rPr kumimoji="1" lang="en-US" altLang="ja-JP" dirty="0"/>
+              <a:t>Python</a:t>
+            </a:r>
+            <a:r>
+              <a:rPr kumimoji="1" lang="ja-JP" altLang="en-US" dirty="0"/>
+              <a:t>でテキストデータとして扱う、ということです。</a:t>
+            </a:r>
+          </a:p>
+        </p:txBody>
+      </p:sp>
+      <p:sp>
+        <p:nvSpPr>
+          <p:cNvPr id="4" name="スライド番号プレースホルダー 3"/>
+          <p:cNvSpPr>
+            <a:spLocks noGrp="1"/>
+          </p:cNvSpPr>
+          <p:nvPr>
+            <p:ph type="sldNum" sz="quarter" idx="5"/>
+          </p:nvPr>
+        </p:nvSpPr>
+        <p:spPr/>
+        <p:txBody>
+          <a:bodyPr/>
+          <a:lstStyle/>
+          <a:p>
+            <a:fld id="{1A2E7C28-4903-4521-8E60-0F80C627678B}" type="slidenum">
+              <a:rPr kumimoji="1" lang="ja-JP" altLang="en-US" smtClean="0"/>
+              <a:t>5</a:t>
+            </a:fld>
+            <a:endParaRPr kumimoji="1" lang="ja-JP" altLang="en-US"/>
+          </a:p>
+        </p:txBody>
+      </p:sp>
+    </p:spTree>
+    <p:extLst>
+      <p:ext uri="{BB962C8B-B14F-4D97-AF65-F5344CB8AC3E}">
+        <p14:creationId xmlns:p14="http://schemas.microsoft.com/office/powerpoint/2010/main" val="3807156665"/>
+      </p:ext>
+    </p:extLst>
+  </p:cSld>
+  <p:clrMapOvr>
+    <a:masterClrMapping/>
+  </p:clrMapOvr>
+</p:notes>
+</file>
+
+<file path=ppt/notesSlides/notesSlide6.xml><?xml version="1.0" encoding="utf-8"?>
+<p:notes xmlns:a="http://schemas.openxmlformats.org/drawingml/2006/main" xmlns:r="http://schemas.openxmlformats.org/officeDocument/2006/relationships" xmlns:p="http://schemas.openxmlformats.org/presentationml/2006/main">
+  <p:cSld>
+    <p:spTree>
+      <p:nvGrpSpPr>
+        <p:cNvPr id="1" name=""/>
+        <p:cNvGrpSpPr/>
+        <p:nvPr/>
+      </p:nvGrpSpPr>
+      <p:grpSpPr>
+        <a:xfrm>
+          <a:off x="0" y="0"/>
+          <a:ext cx="0" cy="0"/>
+          <a:chOff x="0" y="0"/>
+          <a:chExt cx="0" cy="0"/>
+        </a:xfrm>
+      </p:grpSpPr>
+      <p:sp>
+        <p:nvSpPr>
+          <p:cNvPr id="2" name="スライド イメージ プレースホルダー 1"/>
+          <p:cNvSpPr>
+            <a:spLocks noGrp="1" noRot="1" noChangeAspect="1"/>
+          </p:cNvSpPr>
+          <p:nvPr>
+            <p:ph type="sldImg"/>
+          </p:nvPr>
+        </p:nvSpPr>
+        <p:spPr/>
+      </p:sp>
+      <p:sp>
+        <p:nvSpPr>
+          <p:cNvPr id="3" name="ノート プレースホルダー 2"/>
+          <p:cNvSpPr>
+            <a:spLocks noGrp="1"/>
+          </p:cNvSpPr>
+          <p:nvPr>
+            <p:ph type="body" idx="1"/>
+          </p:nvPr>
+        </p:nvSpPr>
+        <p:spPr/>
+        <p:txBody>
+          <a:bodyPr/>
+          <a:lstStyle/>
+          <a:p>
+            <a:r>
+              <a:rPr kumimoji="1" lang="en-US" altLang="ja-JP" dirty="0"/>
+              <a:t>Julius</a:t>
+            </a:r>
+            <a:r>
+              <a:rPr kumimoji="1" lang="ja-JP" altLang="en-US" dirty="0"/>
+              <a:t>の音声認識の精度を上げる方法に記述文法音声というものがあり、辞書ファイルというファイルに認識させたい単語や文章パターンを登録することで、その文章のみを認識してくれる、というものです。</a:t>
+            </a:r>
+            <a:endParaRPr kumimoji="1" lang="en-US" altLang="ja-JP" dirty="0"/>
+          </a:p>
+          <a:p>
+            <a:r>
+              <a:rPr kumimoji="1" lang="ja-JP" altLang="en-US" dirty="0"/>
+              <a:t>これにより、認識させたい文章パターンを大量に登録して、想定される質問の認識精度を上げています。</a:t>
+            </a:r>
+            <a:endParaRPr kumimoji="1" lang="en-US" altLang="ja-JP" dirty="0"/>
+          </a:p>
+          <a:p>
+            <a:r>
+              <a:rPr kumimoji="1" lang="ja-JP" altLang="en-US" dirty="0"/>
+              <a:t>今ご覧になっているテキストデータは、辞書ファイルのうちの語彙ファイルというもので、これの一部分を抜き出して説明したいと思います。★★</a:t>
+            </a:r>
+            <a:endParaRPr kumimoji="1" lang="en-US" altLang="ja-JP" dirty="0"/>
+          </a:p>
+          <a:p>
+            <a:endParaRPr kumimoji="1" lang="en-US" altLang="ja-JP" dirty="0"/>
+          </a:p>
+          <a:p>
+            <a:endParaRPr kumimoji="1" lang="ja-JP" altLang="en-US" dirty="0"/>
+          </a:p>
+        </p:txBody>
+      </p:sp>
+      <p:sp>
+        <p:nvSpPr>
+          <p:cNvPr id="4" name="スライド番号プレースホルダー 3"/>
+          <p:cNvSpPr>
+            <a:spLocks noGrp="1"/>
+          </p:cNvSpPr>
+          <p:nvPr>
+            <p:ph type="sldNum" sz="quarter" idx="5"/>
+          </p:nvPr>
+        </p:nvSpPr>
+        <p:spPr/>
+        <p:txBody>
+          <a:bodyPr/>
+          <a:lstStyle/>
+          <a:p>
             <a:fld id="{1A2E7C28-4903-4521-8E60-0F80C627678B}" type="slidenum">
               <a:rPr kumimoji="1" lang="ja-JP" altLang="en-US" smtClean="0"/>
               <a:t>6</a:t>
@@ -676,6 +2525,384 @@
     <p:extLst>
       <p:ext uri="{BB962C8B-B14F-4D97-AF65-F5344CB8AC3E}">
         <p14:creationId xmlns:p14="http://schemas.microsoft.com/office/powerpoint/2010/main" val="1894952482"/>
+      </p:ext>
+    </p:extLst>
+  </p:cSld>
+  <p:clrMapOvr>
+    <a:masterClrMapping/>
+  </p:clrMapOvr>
+</p:notes>
+</file>
+
+<file path=ppt/notesSlides/notesSlide7.xml><?xml version="1.0" encoding="utf-8"?>
+<p:notes xmlns:a="http://schemas.openxmlformats.org/drawingml/2006/main" xmlns:r="http://schemas.openxmlformats.org/officeDocument/2006/relationships" xmlns:p="http://schemas.openxmlformats.org/presentationml/2006/main">
+  <p:cSld>
+    <p:spTree>
+      <p:nvGrpSpPr>
+        <p:cNvPr id="1" name=""/>
+        <p:cNvGrpSpPr/>
+        <p:nvPr/>
+      </p:nvGrpSpPr>
+      <p:grpSpPr>
+        <a:xfrm>
+          <a:off x="0" y="0"/>
+          <a:ext cx="0" cy="0"/>
+          <a:chOff x="0" y="0"/>
+          <a:chExt cx="0" cy="0"/>
+        </a:xfrm>
+      </p:grpSpPr>
+      <p:sp>
+        <p:nvSpPr>
+          <p:cNvPr id="2" name="スライド イメージ プレースホルダー 1"/>
+          <p:cNvSpPr>
+            <a:spLocks noGrp="1" noRot="1" noChangeAspect="1"/>
+          </p:cNvSpPr>
+          <p:nvPr>
+            <p:ph type="sldImg"/>
+          </p:nvPr>
+        </p:nvSpPr>
+        <p:spPr/>
+      </p:sp>
+      <p:sp>
+        <p:nvSpPr>
+          <p:cNvPr id="3" name="ノート プレースホルダー 2"/>
+          <p:cNvSpPr>
+            <a:spLocks noGrp="1"/>
+          </p:cNvSpPr>
+          <p:nvPr>
+            <p:ph type="body" idx="1"/>
+          </p:nvPr>
+        </p:nvSpPr>
+        <p:spPr/>
+        <p:txBody>
+          <a:bodyPr/>
+          <a:lstStyle/>
+          <a:p>
+            <a:r>
+              <a:rPr kumimoji="1" lang="ja-JP" altLang="en-US" dirty="0"/>
+              <a:t>こちらは</a:t>
+            </a:r>
+            <a:r>
+              <a:rPr kumimoji="1" lang="en-US" altLang="ja-JP" dirty="0"/>
+              <a:t>12</a:t>
+            </a:r>
+            <a:r>
+              <a:rPr kumimoji="1" lang="ja-JP" altLang="en-US" dirty="0"/>
+              <a:t>星座の単語を登録してる部分です。星座占いに関する文章を認識するために登録しています。</a:t>
+            </a:r>
+            <a:endParaRPr kumimoji="1" lang="en-US" altLang="ja-JP" dirty="0"/>
+          </a:p>
+          <a:p>
+            <a:r>
+              <a:rPr kumimoji="1" lang="ja-JP" altLang="en-US" dirty="0"/>
+              <a:t>★一番上に書かれているのがラベル名で、関連する単語を一つのラベルにまとめて扱っています。</a:t>
+            </a:r>
+            <a:endParaRPr kumimoji="1" lang="en-US" altLang="ja-JP" dirty="0"/>
+          </a:p>
+          <a:p>
+            <a:r>
+              <a:rPr kumimoji="1" lang="ja-JP" altLang="en-US" dirty="0"/>
+              <a:t>★次に、左側に書いているのが、認識したい単語を記述していて、</a:t>
+            </a:r>
+            <a:endParaRPr kumimoji="1" lang="en-US" altLang="ja-JP" dirty="0"/>
+          </a:p>
+          <a:p>
+            <a:r>
+              <a:rPr kumimoji="1" lang="ja-JP" altLang="en-US" dirty="0"/>
+              <a:t>★その右側に、読み仮名をアルファベット表記にしたものが記述されています。</a:t>
+            </a:r>
+          </a:p>
+        </p:txBody>
+      </p:sp>
+      <p:sp>
+        <p:nvSpPr>
+          <p:cNvPr id="4" name="スライド番号プレースホルダー 3"/>
+          <p:cNvSpPr>
+            <a:spLocks noGrp="1"/>
+          </p:cNvSpPr>
+          <p:nvPr>
+            <p:ph type="sldNum" sz="quarter" idx="5"/>
+          </p:nvPr>
+        </p:nvSpPr>
+        <p:spPr/>
+        <p:txBody>
+          <a:bodyPr/>
+          <a:lstStyle/>
+          <a:p>
+            <a:fld id="{1A2E7C28-4903-4521-8E60-0F80C627678B}" type="slidenum">
+              <a:rPr kumimoji="1" lang="ja-JP" altLang="en-US" smtClean="0"/>
+              <a:t>8</a:t>
+            </a:fld>
+            <a:endParaRPr kumimoji="1" lang="ja-JP" altLang="en-US"/>
+          </a:p>
+        </p:txBody>
+      </p:sp>
+    </p:spTree>
+    <p:extLst>
+      <p:ext uri="{BB962C8B-B14F-4D97-AF65-F5344CB8AC3E}">
+        <p14:creationId xmlns:p14="http://schemas.microsoft.com/office/powerpoint/2010/main" val="1467259946"/>
+      </p:ext>
+    </p:extLst>
+  </p:cSld>
+  <p:clrMapOvr>
+    <a:masterClrMapping/>
+  </p:clrMapOvr>
+</p:notes>
+</file>
+
+<file path=ppt/notesSlides/notesSlide8.xml><?xml version="1.0" encoding="utf-8"?>
+<p:notes xmlns:a="http://schemas.openxmlformats.org/drawingml/2006/main" xmlns:r="http://schemas.openxmlformats.org/officeDocument/2006/relationships" xmlns:p="http://schemas.openxmlformats.org/presentationml/2006/main">
+  <p:cSld>
+    <p:spTree>
+      <p:nvGrpSpPr>
+        <p:cNvPr id="1" name=""/>
+        <p:cNvGrpSpPr/>
+        <p:nvPr/>
+      </p:nvGrpSpPr>
+      <p:grpSpPr>
+        <a:xfrm>
+          <a:off x="0" y="0"/>
+          <a:ext cx="0" cy="0"/>
+          <a:chOff x="0" y="0"/>
+          <a:chExt cx="0" cy="0"/>
+        </a:xfrm>
+      </p:grpSpPr>
+      <p:sp>
+        <p:nvSpPr>
+          <p:cNvPr id="2" name="スライド イメージ プレースホルダー 1"/>
+          <p:cNvSpPr>
+            <a:spLocks noGrp="1" noRot="1" noChangeAspect="1"/>
+          </p:cNvSpPr>
+          <p:nvPr>
+            <p:ph type="sldImg"/>
+          </p:nvPr>
+        </p:nvSpPr>
+        <p:spPr/>
+      </p:sp>
+      <p:sp>
+        <p:nvSpPr>
+          <p:cNvPr id="3" name="ノート プレースホルダー 2"/>
+          <p:cNvSpPr>
+            <a:spLocks noGrp="1"/>
+          </p:cNvSpPr>
+          <p:nvPr>
+            <p:ph type="body" idx="1"/>
+          </p:nvPr>
+        </p:nvSpPr>
+        <p:spPr/>
+        <p:txBody>
+          <a:bodyPr/>
+          <a:lstStyle/>
+          <a:p>
+            <a:r>
+              <a:rPr kumimoji="1" lang="ja-JP" altLang="en-US" dirty="0"/>
+              <a:t>そして、これが辞書ファイルのうちの構文ファイルというもので、先ほど紹介したラベル名を組み合わせて文章パターンを構成しています。</a:t>
+            </a:r>
+            <a:endParaRPr kumimoji="1" lang="en-US" altLang="ja-JP" dirty="0"/>
+          </a:p>
+          <a:p>
+            <a:r>
+              <a:rPr kumimoji="1" lang="ja-JP" altLang="en-US" dirty="0"/>
+              <a:t>辞書ファイルの詳しい説明に関しては、</a:t>
+            </a:r>
+            <a:r>
+              <a:rPr kumimoji="1" lang="en-US" altLang="ja-JP" dirty="0"/>
+              <a:t>Google classroom</a:t>
+            </a:r>
+            <a:r>
+              <a:rPr kumimoji="1" lang="ja-JP" altLang="en-US" dirty="0"/>
+              <a:t>の</a:t>
+            </a:r>
+            <a:r>
+              <a:rPr kumimoji="1" lang="en-US" altLang="ja-JP" dirty="0" err="1"/>
+              <a:t>Tech_students</a:t>
+            </a:r>
+            <a:r>
+              <a:rPr kumimoji="1" lang="ja-JP" altLang="en-US" dirty="0"/>
+              <a:t>に投稿してあるので、興味のある方はそちらを覗いてみてください。</a:t>
+            </a:r>
+          </a:p>
+        </p:txBody>
+      </p:sp>
+      <p:sp>
+        <p:nvSpPr>
+          <p:cNvPr id="4" name="スライド番号プレースホルダー 3"/>
+          <p:cNvSpPr>
+            <a:spLocks noGrp="1"/>
+          </p:cNvSpPr>
+          <p:nvPr>
+            <p:ph type="sldNum" sz="quarter" idx="5"/>
+          </p:nvPr>
+        </p:nvSpPr>
+        <p:spPr/>
+        <p:txBody>
+          <a:bodyPr/>
+          <a:lstStyle/>
+          <a:p>
+            <a:fld id="{1A2E7C28-4903-4521-8E60-0F80C627678B}" type="slidenum">
+              <a:rPr kumimoji="1" lang="ja-JP" altLang="en-US" smtClean="0"/>
+              <a:t>9</a:t>
+            </a:fld>
+            <a:endParaRPr kumimoji="1" lang="ja-JP" altLang="en-US"/>
+          </a:p>
+        </p:txBody>
+      </p:sp>
+    </p:spTree>
+    <p:extLst>
+      <p:ext uri="{BB962C8B-B14F-4D97-AF65-F5344CB8AC3E}">
+        <p14:creationId xmlns:p14="http://schemas.microsoft.com/office/powerpoint/2010/main" val="2168743056"/>
+      </p:ext>
+    </p:extLst>
+  </p:cSld>
+  <p:clrMapOvr>
+    <a:masterClrMapping/>
+  </p:clrMapOvr>
+</p:notes>
+</file>
+
+<file path=ppt/notesSlides/notesSlide9.xml><?xml version="1.0" encoding="utf-8"?>
+<p:notes xmlns:a="http://schemas.openxmlformats.org/drawingml/2006/main" xmlns:r="http://schemas.openxmlformats.org/officeDocument/2006/relationships" xmlns:p="http://schemas.openxmlformats.org/presentationml/2006/main">
+  <p:cSld>
+    <p:spTree>
+      <p:nvGrpSpPr>
+        <p:cNvPr id="1" name=""/>
+        <p:cNvGrpSpPr/>
+        <p:nvPr/>
+      </p:nvGrpSpPr>
+      <p:grpSpPr>
+        <a:xfrm>
+          <a:off x="0" y="0"/>
+          <a:ext cx="0" cy="0"/>
+          <a:chOff x="0" y="0"/>
+          <a:chExt cx="0" cy="0"/>
+        </a:xfrm>
+      </p:grpSpPr>
+      <p:sp>
+        <p:nvSpPr>
+          <p:cNvPr id="2" name="スライド イメージ プレースホルダー 1"/>
+          <p:cNvSpPr>
+            <a:spLocks noGrp="1" noRot="1" noChangeAspect="1"/>
+          </p:cNvSpPr>
+          <p:nvPr>
+            <p:ph type="sldImg"/>
+          </p:nvPr>
+        </p:nvSpPr>
+        <p:spPr/>
+      </p:sp>
+      <p:sp>
+        <p:nvSpPr>
+          <p:cNvPr id="3" name="ノート プレースホルダー 2"/>
+          <p:cNvSpPr>
+            <a:spLocks noGrp="1"/>
+          </p:cNvSpPr>
+          <p:nvPr>
+            <p:ph type="body" idx="1"/>
+          </p:nvPr>
+        </p:nvSpPr>
+        <p:spPr/>
+        <p:txBody>
+          <a:bodyPr/>
+          <a:lstStyle/>
+          <a:p>
+            <a:r>
+              <a:rPr kumimoji="1" lang="ja-JP" altLang="en-US" dirty="0"/>
+              <a:t>次に、要素技術とは少し離れますが、ウェイクワードについて説明します。</a:t>
+            </a:r>
+            <a:endParaRPr kumimoji="1" lang="en-US" altLang="ja-JP" dirty="0"/>
+          </a:p>
+          <a:p>
+            <a:r>
+              <a:rPr kumimoji="1" lang="ja-JP" altLang="en-US" dirty="0"/>
+              <a:t>ウェイクワードとは、</a:t>
+            </a:r>
+            <a:r>
+              <a:rPr kumimoji="1" lang="en-US" altLang="ja-JP" dirty="0"/>
+              <a:t>AI</a:t>
+            </a:r>
+            <a:r>
+              <a:rPr kumimoji="1" lang="ja-JP" altLang="en-US" dirty="0"/>
+              <a:t>スピーカーや</a:t>
+            </a:r>
+            <a:r>
+              <a:rPr kumimoji="1" lang="en-US" altLang="ja-JP" dirty="0"/>
+              <a:t>AI</a:t>
+            </a:r>
+            <a:r>
+              <a:rPr kumimoji="1" lang="ja-JP" altLang="en-US" dirty="0"/>
+              <a:t>アシスタントを起動する際の合言葉のようなもので、</a:t>
+            </a:r>
+            <a:endParaRPr kumimoji="1" lang="en-US" altLang="ja-JP" dirty="0"/>
+          </a:p>
+          <a:p>
+            <a:r>
+              <a:rPr kumimoji="1" lang="ja-JP" altLang="en-US" dirty="0"/>
+              <a:t>有名なものだと「</a:t>
+            </a:r>
+            <a:r>
+              <a:rPr kumimoji="1" lang="en-US" altLang="ja-JP" dirty="0" err="1"/>
+              <a:t>OK,Google</a:t>
+            </a:r>
+            <a:r>
+              <a:rPr kumimoji="1" lang="ja-JP" altLang="en-US" dirty="0"/>
+              <a:t>」や「</a:t>
+            </a:r>
+            <a:r>
+              <a:rPr kumimoji="1" lang="en-US" altLang="ja-JP" dirty="0" err="1"/>
+              <a:t>Hey,Siri</a:t>
+            </a:r>
+            <a:r>
+              <a:rPr kumimoji="1" lang="ja-JP" altLang="en-US" dirty="0"/>
+              <a:t>」などがあります。</a:t>
+            </a:r>
+            <a:endParaRPr kumimoji="1" lang="en-US" altLang="ja-JP" dirty="0"/>
+          </a:p>
+          <a:p>
+            <a:r>
+              <a:rPr kumimoji="1" lang="en-US" altLang="ja-JP" dirty="0" err="1"/>
+              <a:t>YoSiE</a:t>
+            </a:r>
+            <a:r>
+              <a:rPr kumimoji="1" lang="ja-JP" altLang="en-US" dirty="0"/>
+              <a:t>のウェイクワードは、★「ねぇ</a:t>
+            </a:r>
+            <a:r>
+              <a:rPr kumimoji="1" lang="en-US" altLang="ja-JP" dirty="0" err="1"/>
+              <a:t>YoSiE</a:t>
+            </a:r>
+            <a:r>
+              <a:rPr kumimoji="1" lang="ja-JP" altLang="en-US" dirty="0"/>
+              <a:t>」です</a:t>
+            </a:r>
+          </a:p>
+        </p:txBody>
+      </p:sp>
+      <p:sp>
+        <p:nvSpPr>
+          <p:cNvPr id="4" name="スライド番号プレースホルダー 3"/>
+          <p:cNvSpPr>
+            <a:spLocks noGrp="1"/>
+          </p:cNvSpPr>
+          <p:nvPr>
+            <p:ph type="sldNum" sz="quarter" idx="5"/>
+          </p:nvPr>
+        </p:nvSpPr>
+        <p:spPr/>
+        <p:txBody>
+          <a:bodyPr/>
+          <a:lstStyle/>
+          <a:p>
+            <a:fld id="{1A2E7C28-4903-4521-8E60-0F80C627678B}" type="slidenum">
+              <a:rPr kumimoji="1" lang="ja-JP" altLang="en-US" smtClean="0"/>
+              <a:t>10</a:t>
+            </a:fld>
+            <a:endParaRPr kumimoji="1" lang="ja-JP" altLang="en-US"/>
+          </a:p>
+        </p:txBody>
+      </p:sp>
+    </p:spTree>
+    <p:extLst>
+      <p:ext uri="{BB962C8B-B14F-4D97-AF65-F5344CB8AC3E}">
+        <p14:creationId xmlns:p14="http://schemas.microsoft.com/office/powerpoint/2010/main" val="3647188465"/>
       </p:ext>
     </p:extLst>
   </p:cSld>
@@ -832,7 +3059,7 @@
           <a:p>
             <a:fld id="{C63D219B-6862-4E6A-9F9E-C4C4759712F9}" type="datetimeFigureOut">
               <a:rPr kumimoji="1" lang="ja-JP" altLang="en-US" smtClean="0"/>
-              <a:t>2021/12/1</a:t>
+              <a:t>2021/12/4</a:t>
             </a:fld>
             <a:endParaRPr kumimoji="1" lang="ja-JP" altLang="en-US"/>
           </a:p>
@@ -1062,7 +3289,7 @@
           <a:p>
             <a:fld id="{C63D219B-6862-4E6A-9F9E-C4C4759712F9}" type="datetimeFigureOut">
               <a:rPr kumimoji="1" lang="ja-JP" altLang="en-US" smtClean="0"/>
-              <a:t>2021/12/1</a:t>
+              <a:t>2021/12/4</a:t>
             </a:fld>
             <a:endParaRPr kumimoji="1" lang="ja-JP" altLang="en-US"/>
           </a:p>
@@ -1302,7 +3529,7 @@
           <a:p>
             <a:fld id="{C63D219B-6862-4E6A-9F9E-C4C4759712F9}" type="datetimeFigureOut">
               <a:rPr kumimoji="1" lang="ja-JP" altLang="en-US" smtClean="0"/>
-              <a:t>2021/12/1</a:t>
+              <a:t>2021/12/4</a:t>
             </a:fld>
             <a:endParaRPr kumimoji="1" lang="ja-JP" altLang="en-US"/>
           </a:p>
@@ -1532,7 +3759,7 @@
           <a:p>
             <a:fld id="{C63D219B-6862-4E6A-9F9E-C4C4759712F9}" type="datetimeFigureOut">
               <a:rPr kumimoji="1" lang="ja-JP" altLang="en-US" smtClean="0"/>
-              <a:t>2021/12/1</a:t>
+              <a:t>2021/12/4</a:t>
             </a:fld>
             <a:endParaRPr kumimoji="1" lang="ja-JP" altLang="en-US"/>
           </a:p>
@@ -1807,7 +4034,7 @@
           <a:p>
             <a:fld id="{C63D219B-6862-4E6A-9F9E-C4C4759712F9}" type="datetimeFigureOut">
               <a:rPr kumimoji="1" lang="ja-JP" altLang="en-US" smtClean="0"/>
-              <a:t>2021/12/1</a:t>
+              <a:t>2021/12/4</a:t>
             </a:fld>
             <a:endParaRPr kumimoji="1" lang="ja-JP" altLang="en-US"/>
           </a:p>
@@ -2136,7 +4363,7 @@
           <a:p>
             <a:fld id="{C63D219B-6862-4E6A-9F9E-C4C4759712F9}" type="datetimeFigureOut">
               <a:rPr kumimoji="1" lang="ja-JP" altLang="en-US" smtClean="0"/>
-              <a:t>2021/12/1</a:t>
+              <a:t>2021/12/4</a:t>
             </a:fld>
             <a:endParaRPr kumimoji="1" lang="ja-JP" altLang="en-US"/>
           </a:p>
@@ -2612,7 +4839,7 @@
           <a:p>
             <a:fld id="{C63D219B-6862-4E6A-9F9E-C4C4759712F9}" type="datetimeFigureOut">
               <a:rPr kumimoji="1" lang="ja-JP" altLang="en-US" smtClean="0"/>
-              <a:t>2021/12/1</a:t>
+              <a:t>2021/12/4</a:t>
             </a:fld>
             <a:endParaRPr kumimoji="1" lang="ja-JP" altLang="en-US"/>
           </a:p>
@@ -2753,7 +4980,7 @@
           <a:p>
             <a:fld id="{C63D219B-6862-4E6A-9F9E-C4C4759712F9}" type="datetimeFigureOut">
               <a:rPr kumimoji="1" lang="ja-JP" altLang="en-US" smtClean="0"/>
-              <a:t>2021/12/1</a:t>
+              <a:t>2021/12/4</a:t>
             </a:fld>
             <a:endParaRPr kumimoji="1" lang="ja-JP" altLang="en-US"/>
           </a:p>
@@ -2866,7 +5093,7 @@
           <a:p>
             <a:fld id="{C63D219B-6862-4E6A-9F9E-C4C4759712F9}" type="datetimeFigureOut">
               <a:rPr kumimoji="1" lang="ja-JP" altLang="en-US" smtClean="0"/>
-              <a:t>2021/12/1</a:t>
+              <a:t>2021/12/4</a:t>
             </a:fld>
             <a:endParaRPr kumimoji="1" lang="ja-JP" altLang="en-US"/>
           </a:p>
@@ -3209,7 +5436,7 @@
           <a:p>
             <a:fld id="{C63D219B-6862-4E6A-9F9E-C4C4759712F9}" type="datetimeFigureOut">
               <a:rPr kumimoji="1" lang="ja-JP" altLang="en-US" smtClean="0"/>
-              <a:t>2021/12/1</a:t>
+              <a:t>2021/12/4</a:t>
             </a:fld>
             <a:endParaRPr kumimoji="1" lang="ja-JP" altLang="en-US"/>
           </a:p>
@@ -3497,7 +5724,7 @@
           <a:p>
             <a:fld id="{C63D219B-6862-4E6A-9F9E-C4C4759712F9}" type="datetimeFigureOut">
               <a:rPr kumimoji="1" lang="ja-JP" altLang="en-US" smtClean="0"/>
-              <a:t>2021/12/1</a:t>
+              <a:t>2021/12/4</a:t>
             </a:fld>
             <a:endParaRPr kumimoji="1" lang="ja-JP" altLang="en-US"/>
           </a:p>
@@ -3794,7 +6021,7 @@
           <a:p>
             <a:fld id="{C63D219B-6862-4E6A-9F9E-C4C4759712F9}" type="datetimeFigureOut">
               <a:rPr kumimoji="1" lang="ja-JP" altLang="en-US" smtClean="0"/>
-              <a:t>2021/12/1</a:t>
+              <a:t>2021/12/4</a:t>
             </a:fld>
             <a:endParaRPr kumimoji="1" lang="ja-JP" altLang="en-US"/>
           </a:p>
@@ -4565,7 +6792,7 @@
           <p:nvPr/>
         </p:nvPicPr>
         <p:blipFill>
-          <a:blip r:embed="rId2"/>
+          <a:blip r:embed="rId3"/>
           <a:stretch>
             <a:fillRect/>
           </a:stretch>
@@ -4654,6 +6881,58 @@
                 <a:schemeClr val="tx1"/>
               </a:solidFill>
             </a:endParaRPr>
+          </a:p>
+        </p:txBody>
+      </p:sp>
+      <p:sp>
+        <p:nvSpPr>
+          <p:cNvPr id="6" name="正方形/長方形 5">
+            <a:extLst>
+              <a:ext uri="{FF2B5EF4-FFF2-40B4-BE49-F238E27FC236}">
+                <a16:creationId xmlns:a16="http://schemas.microsoft.com/office/drawing/2014/main" id="{156833EA-72A4-4B74-B960-40830263201F}"/>
+              </a:ext>
+            </a:extLst>
+          </p:cNvPr>
+          <p:cNvSpPr/>
+          <p:nvPr/>
+        </p:nvSpPr>
+        <p:spPr>
+          <a:xfrm>
+            <a:off x="9508067" y="0"/>
+            <a:ext cx="2683933" cy="1593908"/>
+          </a:xfrm>
+          <a:prstGeom prst="rect">
+            <a:avLst/>
+          </a:prstGeom>
+          <a:solidFill>
+            <a:schemeClr val="accent6">
+              <a:lumMod val="60000"/>
+              <a:lumOff val="40000"/>
+            </a:schemeClr>
+          </a:solidFill>
+        </p:spPr>
+        <p:style>
+          <a:lnRef idx="2">
+            <a:schemeClr val="accent1">
+              <a:shade val="50000"/>
+            </a:schemeClr>
+          </a:lnRef>
+          <a:fillRef idx="1">
+            <a:schemeClr val="accent1"/>
+          </a:fillRef>
+          <a:effectRef idx="0">
+            <a:schemeClr val="accent1"/>
+          </a:effectRef>
+          <a:fontRef idx="minor">
+            <a:schemeClr val="lt1"/>
+          </a:fontRef>
+        </p:style>
+        <p:txBody>
+          <a:bodyPr rtlCol="0" anchor="ctr"/>
+          <a:lstStyle/>
+          <a:p>
+            <a:pPr algn="ctr"/>
+            <a:endParaRPr kumimoji="1" lang="ja-JP" altLang="en-US"/>
           </a:p>
         </p:txBody>
       </p:sp>
@@ -4920,7 +7199,7 @@
           <p:nvPr/>
         </p:nvPicPr>
         <p:blipFill>
-          <a:blip r:embed="rId2">
+          <a:blip r:embed="rId3">
             <a:extLst>
               <a:ext uri="{28A0092B-C50C-407E-A947-70E740481C1C}">
                 <a14:useLocalDpi xmlns:a14="http://schemas.microsoft.com/office/drawing/2010/main" val="0"/>
@@ -4933,8 +7212,8 @@
         </p:blipFill>
         <p:spPr>
           <a:xfrm>
-            <a:off x="838200" y="1291553"/>
-            <a:ext cx="8318859" cy="5201322"/>
+            <a:off x="1055914" y="1291553"/>
+            <a:ext cx="8902830" cy="5566447"/>
           </a:xfrm>
           <a:prstGeom prst="rect">
             <a:avLst/>
@@ -4955,7 +7234,7 @@
         </p:nvCxnSpPr>
         <p:spPr>
           <a:xfrm>
-            <a:off x="3959326" y="1545322"/>
+            <a:off x="4409269" y="1559836"/>
             <a:ext cx="755650" cy="0"/>
           </a:xfrm>
           <a:prstGeom prst="line">
@@ -5037,8 +7316,73 @@
                   <a:sysClr val="windowText" lastClr="000000"/>
                 </a:solidFill>
               </a:rPr>
-              <a:t>ねぇよしえ</a:t>
-            </a:r>
+              <a:t>ねぇ</a:t>
+            </a:r>
+            <a:r>
+              <a:rPr kumimoji="1" lang="en-US" altLang="ja-JP" sz="2800" dirty="0" err="1">
+                <a:solidFill>
+                  <a:sysClr val="windowText" lastClr="000000"/>
+                </a:solidFill>
+              </a:rPr>
+              <a:t>YoSiE</a:t>
+            </a:r>
+            <a:endParaRPr kumimoji="1" lang="ja-JP" altLang="en-US" sz="2800" dirty="0">
+              <a:solidFill>
+                <a:sysClr val="windowText" lastClr="000000"/>
+              </a:solidFill>
+            </a:endParaRPr>
+          </a:p>
+        </p:txBody>
+      </p:sp>
+      <p:sp>
+        <p:nvSpPr>
+          <p:cNvPr id="6" name="正方形/長方形 5">
+            <a:extLst>
+              <a:ext uri="{FF2B5EF4-FFF2-40B4-BE49-F238E27FC236}">
+                <a16:creationId xmlns:a16="http://schemas.microsoft.com/office/drawing/2014/main" id="{651517AA-C0F4-4E23-B777-CE0928A09B85}"/>
+              </a:ext>
+            </a:extLst>
+          </p:cNvPr>
+          <p:cNvSpPr/>
+          <p:nvPr/>
+        </p:nvSpPr>
+        <p:spPr>
+          <a:xfrm>
+            <a:off x="9508067" y="0"/>
+            <a:ext cx="2683933" cy="1593908"/>
+          </a:xfrm>
+          <a:prstGeom prst="rect">
+            <a:avLst/>
+          </a:prstGeom>
+          <a:solidFill>
+            <a:schemeClr val="accent6">
+              <a:lumMod val="60000"/>
+              <a:lumOff val="40000"/>
+            </a:schemeClr>
+          </a:solidFill>
+        </p:spPr>
+        <p:style>
+          <a:lnRef idx="2">
+            <a:schemeClr val="accent1">
+              <a:shade val="50000"/>
+            </a:schemeClr>
+          </a:lnRef>
+          <a:fillRef idx="1">
+            <a:schemeClr val="accent1"/>
+          </a:fillRef>
+          <a:effectRef idx="0">
+            <a:schemeClr val="accent1"/>
+          </a:effectRef>
+          <a:fontRef idx="minor">
+            <a:schemeClr val="lt1"/>
+          </a:fontRef>
+        </p:style>
+        <p:txBody>
+          <a:bodyPr rtlCol="0" anchor="ctr"/>
+          <a:lstStyle/>
+          <a:p>
+            <a:pPr algn="ctr"/>
+            <a:endParaRPr kumimoji="1" lang="ja-JP" altLang="en-US"/>
           </a:p>
         </p:txBody>
       </p:sp>
@@ -5074,6 +7418,723 @@
       </p:grpSpPr>
       <p:sp>
         <p:nvSpPr>
+          <p:cNvPr id="2" name="タイトル 1">
+            <a:extLst>
+              <a:ext uri="{FF2B5EF4-FFF2-40B4-BE49-F238E27FC236}">
+                <a16:creationId xmlns:a16="http://schemas.microsoft.com/office/drawing/2014/main" id="{8043A0DA-A292-4EF8-B353-B9D366894C2F}"/>
+              </a:ext>
+            </a:extLst>
+          </p:cNvPr>
+          <p:cNvSpPr>
+            <a:spLocks noGrp="1"/>
+          </p:cNvSpPr>
+          <p:nvPr>
+            <p:ph type="title"/>
+          </p:nvPr>
+        </p:nvSpPr>
+        <p:spPr/>
+        <p:txBody>
+          <a:bodyPr/>
+          <a:lstStyle/>
+          <a:p>
+            <a:r>
+              <a:rPr lang="ja-JP" altLang="en-US">
+                <a:ln>
+                  <a:solidFill>
+                    <a:schemeClr val="tx1"/>
+                  </a:solidFill>
+                </a:ln>
+                <a:solidFill>
+                  <a:schemeClr val="accent6">
+                    <a:lumMod val="75000"/>
+                  </a:schemeClr>
+                </a:solidFill>
+                <a:latin typeface="HGP明朝E" panose="02020900000000000000" pitchFamily="18" charset="-128"/>
+                <a:ea typeface="HGP明朝E" panose="02020900000000000000" pitchFamily="18" charset="-128"/>
+              </a:rPr>
+              <a:t>ウェイクワード</a:t>
+            </a:r>
+            <a:endParaRPr kumimoji="1" lang="ja-JP" altLang="en-US" dirty="0"/>
+          </a:p>
+        </p:txBody>
+      </p:sp>
+      <p:sp>
+        <p:nvSpPr>
+          <p:cNvPr id="4" name="フローチャート: 処理 3">
+            <a:extLst>
+              <a:ext uri="{FF2B5EF4-FFF2-40B4-BE49-F238E27FC236}">
+                <a16:creationId xmlns:a16="http://schemas.microsoft.com/office/drawing/2014/main" id="{0ED64F6A-E6E7-4B38-9586-8367FFFB501C}"/>
+              </a:ext>
+            </a:extLst>
+          </p:cNvPr>
+          <p:cNvSpPr/>
+          <p:nvPr/>
+        </p:nvSpPr>
+        <p:spPr>
+          <a:xfrm>
+            <a:off x="4303485" y="1194765"/>
+            <a:ext cx="3585029" cy="798286"/>
+          </a:xfrm>
+          <a:prstGeom prst="flowChartProcess">
+            <a:avLst/>
+          </a:prstGeom>
+          <a:solidFill>
+            <a:schemeClr val="accent6">
+              <a:lumMod val="75000"/>
+            </a:schemeClr>
+          </a:solidFill>
+          <a:ln>
+            <a:solidFill>
+              <a:schemeClr val="accent6">
+                <a:lumMod val="50000"/>
+              </a:schemeClr>
+            </a:solidFill>
+          </a:ln>
+        </p:spPr>
+        <p:style>
+          <a:lnRef idx="2">
+            <a:schemeClr val="accent1">
+              <a:shade val="50000"/>
+            </a:schemeClr>
+          </a:lnRef>
+          <a:fillRef idx="1">
+            <a:schemeClr val="accent1"/>
+          </a:fillRef>
+          <a:effectRef idx="0">
+            <a:schemeClr val="accent1"/>
+          </a:effectRef>
+          <a:fontRef idx="minor">
+            <a:schemeClr val="lt1"/>
+          </a:fontRef>
+        </p:style>
+        <p:txBody>
+          <a:bodyPr rtlCol="0" anchor="ctr"/>
+          <a:lstStyle/>
+          <a:p>
+            <a:pPr algn="ctr"/>
+            <a:r>
+              <a:rPr kumimoji="1" lang="ja-JP" altLang="en-US" sz="2400" b="1" dirty="0">
+                <a:solidFill>
+                  <a:schemeClr val="bg1"/>
+                </a:solidFill>
+              </a:rPr>
+              <a:t>音声認識</a:t>
+            </a:r>
+          </a:p>
+        </p:txBody>
+      </p:sp>
+      <p:sp>
+        <p:nvSpPr>
+          <p:cNvPr id="5" name="フローチャート: 処理 4">
+            <a:extLst>
+              <a:ext uri="{FF2B5EF4-FFF2-40B4-BE49-F238E27FC236}">
+                <a16:creationId xmlns:a16="http://schemas.microsoft.com/office/drawing/2014/main" id="{62F3DBE6-425C-46AC-97BC-558B056D6C9A}"/>
+              </a:ext>
+            </a:extLst>
+          </p:cNvPr>
+          <p:cNvSpPr/>
+          <p:nvPr/>
+        </p:nvSpPr>
+        <p:spPr>
+          <a:xfrm>
+            <a:off x="4303485" y="2400244"/>
+            <a:ext cx="3585029" cy="798286"/>
+          </a:xfrm>
+          <a:prstGeom prst="flowChartProcess">
+            <a:avLst/>
+          </a:prstGeom>
+          <a:solidFill>
+            <a:schemeClr val="accent6">
+              <a:lumMod val="75000"/>
+            </a:schemeClr>
+          </a:solidFill>
+          <a:ln>
+            <a:solidFill>
+              <a:schemeClr val="accent6">
+                <a:lumMod val="50000"/>
+              </a:schemeClr>
+            </a:solidFill>
+          </a:ln>
+        </p:spPr>
+        <p:style>
+          <a:lnRef idx="2">
+            <a:schemeClr val="accent1">
+              <a:shade val="50000"/>
+            </a:schemeClr>
+          </a:lnRef>
+          <a:fillRef idx="1">
+            <a:schemeClr val="accent1"/>
+          </a:fillRef>
+          <a:effectRef idx="0">
+            <a:schemeClr val="accent1"/>
+          </a:effectRef>
+          <a:fontRef idx="minor">
+            <a:schemeClr val="lt1"/>
+          </a:fontRef>
+        </p:style>
+        <p:txBody>
+          <a:bodyPr rtlCol="0" anchor="ctr"/>
+          <a:lstStyle/>
+          <a:p>
+            <a:pPr algn="ctr"/>
+            <a:r>
+              <a:rPr kumimoji="1" lang="ja-JP" altLang="en-US" sz="2400" b="1" dirty="0">
+                <a:solidFill>
+                  <a:schemeClr val="bg1"/>
+                </a:solidFill>
+              </a:rPr>
+              <a:t>テキストデータ</a:t>
+            </a:r>
+            <a:endParaRPr kumimoji="1" lang="en-US" altLang="ja-JP" sz="2400" b="1" dirty="0">
+              <a:solidFill>
+                <a:schemeClr val="bg1"/>
+              </a:solidFill>
+            </a:endParaRPr>
+          </a:p>
+          <a:p>
+            <a:pPr algn="ctr"/>
+            <a:r>
+              <a:rPr lang="ja-JP" altLang="en-US" sz="2400" b="1" dirty="0">
+                <a:solidFill>
+                  <a:schemeClr val="bg1"/>
+                </a:solidFill>
+              </a:rPr>
+              <a:t>取得</a:t>
+            </a:r>
+            <a:endParaRPr lang="en-US" altLang="ja-JP" sz="2400" b="1" dirty="0">
+              <a:solidFill>
+                <a:schemeClr val="bg1"/>
+              </a:solidFill>
+            </a:endParaRPr>
+          </a:p>
+        </p:txBody>
+      </p:sp>
+      <p:sp>
+        <p:nvSpPr>
+          <p:cNvPr id="6" name="フローチャート: 判断 5">
+            <a:extLst>
+              <a:ext uri="{FF2B5EF4-FFF2-40B4-BE49-F238E27FC236}">
+                <a16:creationId xmlns:a16="http://schemas.microsoft.com/office/drawing/2014/main" id="{EE1892F3-6966-49F5-8676-69DA87CBEB91}"/>
+              </a:ext>
+            </a:extLst>
+          </p:cNvPr>
+          <p:cNvSpPr/>
+          <p:nvPr/>
+        </p:nvSpPr>
+        <p:spPr>
+          <a:xfrm>
+            <a:off x="4303485" y="3616948"/>
+            <a:ext cx="3585029" cy="1490436"/>
+          </a:xfrm>
+          <a:prstGeom prst="flowChartDecision">
+            <a:avLst/>
+          </a:prstGeom>
+          <a:solidFill>
+            <a:schemeClr val="accent6">
+              <a:lumMod val="75000"/>
+            </a:schemeClr>
+          </a:solidFill>
+          <a:ln>
+            <a:solidFill>
+              <a:schemeClr val="accent6">
+                <a:lumMod val="50000"/>
+              </a:schemeClr>
+            </a:solidFill>
+          </a:ln>
+        </p:spPr>
+        <p:style>
+          <a:lnRef idx="2">
+            <a:schemeClr val="accent1">
+              <a:shade val="50000"/>
+            </a:schemeClr>
+          </a:lnRef>
+          <a:fillRef idx="1">
+            <a:schemeClr val="accent1"/>
+          </a:fillRef>
+          <a:effectRef idx="0">
+            <a:schemeClr val="accent1"/>
+          </a:effectRef>
+          <a:fontRef idx="minor">
+            <a:schemeClr val="lt1"/>
+          </a:fontRef>
+        </p:style>
+        <p:txBody>
+          <a:bodyPr rtlCol="0" anchor="ctr"/>
+          <a:lstStyle/>
+          <a:p>
+            <a:pPr algn="ctr"/>
+            <a:r>
+              <a:rPr kumimoji="1" lang="ja-JP" altLang="en-US" b="1" dirty="0">
+                <a:solidFill>
+                  <a:schemeClr val="bg1"/>
+                </a:solidFill>
+              </a:rPr>
+              <a:t>「ねぇ</a:t>
+            </a:r>
+            <a:r>
+              <a:rPr kumimoji="1" lang="en-US" altLang="ja-JP" b="1" dirty="0" err="1">
+                <a:solidFill>
+                  <a:schemeClr val="bg1"/>
+                </a:solidFill>
+              </a:rPr>
+              <a:t>YoSiE</a:t>
+            </a:r>
+            <a:r>
+              <a:rPr kumimoji="1" lang="ja-JP" altLang="en-US" b="1" dirty="0">
+                <a:solidFill>
+                  <a:schemeClr val="bg1"/>
+                </a:solidFill>
+              </a:rPr>
+              <a:t>」</a:t>
+            </a:r>
+            <a:endParaRPr kumimoji="1" lang="en-US" altLang="ja-JP" b="1" dirty="0">
+              <a:solidFill>
+                <a:schemeClr val="bg1"/>
+              </a:solidFill>
+            </a:endParaRPr>
+          </a:p>
+          <a:p>
+            <a:pPr algn="ctr"/>
+            <a:r>
+              <a:rPr lang="ja-JP" altLang="en-US" b="1" dirty="0">
+                <a:solidFill>
+                  <a:schemeClr val="bg1"/>
+                </a:solidFill>
+              </a:rPr>
+              <a:t>が含まれている</a:t>
+            </a:r>
+            <a:endParaRPr kumimoji="1" lang="ja-JP" altLang="en-US" b="1" dirty="0">
+              <a:solidFill>
+                <a:schemeClr val="bg1"/>
+              </a:solidFill>
+            </a:endParaRPr>
+          </a:p>
+        </p:txBody>
+      </p:sp>
+      <p:sp>
+        <p:nvSpPr>
+          <p:cNvPr id="7" name="正方形/長方形 6">
+            <a:extLst>
+              <a:ext uri="{FF2B5EF4-FFF2-40B4-BE49-F238E27FC236}">
+                <a16:creationId xmlns:a16="http://schemas.microsoft.com/office/drawing/2014/main" id="{26588E20-72C3-4B20-8CBE-48DB02E7CAE6}"/>
+              </a:ext>
+            </a:extLst>
+          </p:cNvPr>
+          <p:cNvSpPr/>
+          <p:nvPr/>
+        </p:nvSpPr>
+        <p:spPr>
+          <a:xfrm>
+            <a:off x="9508067" y="0"/>
+            <a:ext cx="2683933" cy="1593908"/>
+          </a:xfrm>
+          <a:prstGeom prst="rect">
+            <a:avLst/>
+          </a:prstGeom>
+          <a:solidFill>
+            <a:schemeClr val="accent6">
+              <a:lumMod val="60000"/>
+              <a:lumOff val="40000"/>
+            </a:schemeClr>
+          </a:solidFill>
+        </p:spPr>
+        <p:style>
+          <a:lnRef idx="2">
+            <a:schemeClr val="accent1">
+              <a:shade val="50000"/>
+            </a:schemeClr>
+          </a:lnRef>
+          <a:fillRef idx="1">
+            <a:schemeClr val="accent1"/>
+          </a:fillRef>
+          <a:effectRef idx="0">
+            <a:schemeClr val="accent1"/>
+          </a:effectRef>
+          <a:fontRef idx="minor">
+            <a:schemeClr val="lt1"/>
+          </a:fontRef>
+        </p:style>
+        <p:txBody>
+          <a:bodyPr rtlCol="0" anchor="ctr"/>
+          <a:lstStyle/>
+          <a:p>
+            <a:pPr algn="ctr"/>
+            <a:endParaRPr kumimoji="1" lang="ja-JP" altLang="en-US"/>
+          </a:p>
+        </p:txBody>
+      </p:sp>
+      <p:sp>
+        <p:nvSpPr>
+          <p:cNvPr id="8" name="フローチャート: 処理 7">
+            <a:extLst>
+              <a:ext uri="{FF2B5EF4-FFF2-40B4-BE49-F238E27FC236}">
+                <a16:creationId xmlns:a16="http://schemas.microsoft.com/office/drawing/2014/main" id="{C43CB210-CB8C-470D-93A5-D3BD037CE097}"/>
+              </a:ext>
+            </a:extLst>
+          </p:cNvPr>
+          <p:cNvSpPr/>
+          <p:nvPr/>
+        </p:nvSpPr>
+        <p:spPr>
+          <a:xfrm>
+            <a:off x="4303485" y="5612888"/>
+            <a:ext cx="3585029" cy="798286"/>
+          </a:xfrm>
+          <a:prstGeom prst="flowChartProcess">
+            <a:avLst/>
+          </a:prstGeom>
+          <a:solidFill>
+            <a:schemeClr val="accent6">
+              <a:lumMod val="75000"/>
+            </a:schemeClr>
+          </a:solidFill>
+          <a:ln>
+            <a:solidFill>
+              <a:schemeClr val="accent6">
+                <a:lumMod val="50000"/>
+              </a:schemeClr>
+            </a:solidFill>
+          </a:ln>
+        </p:spPr>
+        <p:style>
+          <a:lnRef idx="2">
+            <a:schemeClr val="accent1">
+              <a:shade val="50000"/>
+            </a:schemeClr>
+          </a:lnRef>
+          <a:fillRef idx="1">
+            <a:schemeClr val="accent1"/>
+          </a:fillRef>
+          <a:effectRef idx="0">
+            <a:schemeClr val="accent1"/>
+          </a:effectRef>
+          <a:fontRef idx="minor">
+            <a:schemeClr val="lt1"/>
+          </a:fontRef>
+        </p:style>
+        <p:txBody>
+          <a:bodyPr rtlCol="0" anchor="ctr"/>
+          <a:lstStyle/>
+          <a:p>
+            <a:pPr algn="ctr"/>
+            <a:r>
+              <a:rPr lang="ja-JP" altLang="en-US" sz="2400" b="1" dirty="0">
+                <a:solidFill>
+                  <a:schemeClr val="bg1"/>
+                </a:solidFill>
+              </a:rPr>
+              <a:t>処理を実行</a:t>
+            </a:r>
+            <a:endParaRPr lang="en-US" altLang="ja-JP" sz="2400" b="1" dirty="0">
+              <a:solidFill>
+                <a:schemeClr val="bg1"/>
+              </a:solidFill>
+            </a:endParaRPr>
+          </a:p>
+        </p:txBody>
+      </p:sp>
+      <p:cxnSp>
+        <p:nvCxnSpPr>
+          <p:cNvPr id="10" name="直線コネクタ 9">
+            <a:extLst>
+              <a:ext uri="{FF2B5EF4-FFF2-40B4-BE49-F238E27FC236}">
+                <a16:creationId xmlns:a16="http://schemas.microsoft.com/office/drawing/2014/main" id="{C70525AD-D98C-4809-8963-6124A7775513}"/>
+              </a:ext>
+            </a:extLst>
+          </p:cNvPr>
+          <p:cNvCxnSpPr>
+            <a:cxnSpLocks/>
+            <a:stCxn id="4" idx="2"/>
+            <a:endCxn id="5" idx="0"/>
+          </p:cNvCxnSpPr>
+          <p:nvPr/>
+        </p:nvCxnSpPr>
+        <p:spPr>
+          <a:xfrm>
+            <a:off x="6096000" y="1993051"/>
+            <a:ext cx="0" cy="407193"/>
+          </a:xfrm>
+          <a:prstGeom prst="line">
+            <a:avLst/>
+          </a:prstGeom>
+          <a:ln w="57150">
+            <a:solidFill>
+              <a:schemeClr val="tx1"/>
+            </a:solidFill>
+          </a:ln>
+        </p:spPr>
+        <p:style>
+          <a:lnRef idx="1">
+            <a:schemeClr val="accent1"/>
+          </a:lnRef>
+          <a:fillRef idx="0">
+            <a:schemeClr val="accent1"/>
+          </a:fillRef>
+          <a:effectRef idx="0">
+            <a:schemeClr val="accent1"/>
+          </a:effectRef>
+          <a:fontRef idx="minor">
+            <a:schemeClr val="tx1"/>
+          </a:fontRef>
+        </p:style>
+      </p:cxnSp>
+      <p:cxnSp>
+        <p:nvCxnSpPr>
+          <p:cNvPr id="13" name="直線コネクタ 12">
+            <a:extLst>
+              <a:ext uri="{FF2B5EF4-FFF2-40B4-BE49-F238E27FC236}">
+                <a16:creationId xmlns:a16="http://schemas.microsoft.com/office/drawing/2014/main" id="{97927895-908D-4A18-A995-053DCB0A5823}"/>
+              </a:ext>
+            </a:extLst>
+          </p:cNvPr>
+          <p:cNvCxnSpPr>
+            <a:cxnSpLocks/>
+            <a:stCxn id="5" idx="2"/>
+            <a:endCxn id="6" idx="0"/>
+          </p:cNvCxnSpPr>
+          <p:nvPr/>
+        </p:nvCxnSpPr>
+        <p:spPr>
+          <a:xfrm>
+            <a:off x="6096000" y="3198530"/>
+            <a:ext cx="0" cy="418418"/>
+          </a:xfrm>
+          <a:prstGeom prst="line">
+            <a:avLst/>
+          </a:prstGeom>
+          <a:ln w="57150">
+            <a:solidFill>
+              <a:schemeClr val="tx1"/>
+            </a:solidFill>
+          </a:ln>
+        </p:spPr>
+        <p:style>
+          <a:lnRef idx="1">
+            <a:schemeClr val="accent1"/>
+          </a:lnRef>
+          <a:fillRef idx="0">
+            <a:schemeClr val="accent1"/>
+          </a:fillRef>
+          <a:effectRef idx="0">
+            <a:schemeClr val="accent1"/>
+          </a:effectRef>
+          <a:fontRef idx="minor">
+            <a:schemeClr val="tx1"/>
+          </a:fontRef>
+        </p:style>
+      </p:cxnSp>
+      <p:cxnSp>
+        <p:nvCxnSpPr>
+          <p:cNvPr id="16" name="直線コネクタ 15">
+            <a:extLst>
+              <a:ext uri="{FF2B5EF4-FFF2-40B4-BE49-F238E27FC236}">
+                <a16:creationId xmlns:a16="http://schemas.microsoft.com/office/drawing/2014/main" id="{1EA5AD25-06F7-456F-B926-A7CA77713D3D}"/>
+              </a:ext>
+            </a:extLst>
+          </p:cNvPr>
+          <p:cNvCxnSpPr>
+            <a:cxnSpLocks/>
+            <a:stCxn id="8" idx="0"/>
+            <a:endCxn id="6" idx="2"/>
+          </p:cNvCxnSpPr>
+          <p:nvPr/>
+        </p:nvCxnSpPr>
+        <p:spPr>
+          <a:xfrm flipV="1">
+            <a:off x="6096000" y="5107384"/>
+            <a:ext cx="0" cy="505504"/>
+          </a:xfrm>
+          <a:prstGeom prst="line">
+            <a:avLst/>
+          </a:prstGeom>
+          <a:ln w="57150">
+            <a:solidFill>
+              <a:schemeClr val="tx1"/>
+            </a:solidFill>
+          </a:ln>
+        </p:spPr>
+        <p:style>
+          <a:lnRef idx="1">
+            <a:schemeClr val="accent1"/>
+          </a:lnRef>
+          <a:fillRef idx="0">
+            <a:schemeClr val="accent1"/>
+          </a:fillRef>
+          <a:effectRef idx="0">
+            <a:schemeClr val="accent1"/>
+          </a:effectRef>
+          <a:fontRef idx="minor">
+            <a:schemeClr val="tx1"/>
+          </a:fontRef>
+        </p:style>
+      </p:cxnSp>
+      <p:cxnSp>
+        <p:nvCxnSpPr>
+          <p:cNvPr id="20" name="コネクタ: カギ線 19">
+            <a:extLst>
+              <a:ext uri="{FF2B5EF4-FFF2-40B4-BE49-F238E27FC236}">
+                <a16:creationId xmlns:a16="http://schemas.microsoft.com/office/drawing/2014/main" id="{D4903010-0899-4A24-B91D-932EC54C6080}"/>
+              </a:ext>
+            </a:extLst>
+          </p:cNvPr>
+          <p:cNvCxnSpPr>
+            <a:cxnSpLocks/>
+            <a:stCxn id="4" idx="1"/>
+            <a:endCxn id="6" idx="1"/>
+          </p:cNvCxnSpPr>
+          <p:nvPr/>
+        </p:nvCxnSpPr>
+        <p:spPr>
+          <a:xfrm rot="10800000" flipV="1">
+            <a:off x="4303485" y="1593908"/>
+            <a:ext cx="12700" cy="2768258"/>
+          </a:xfrm>
+          <a:prstGeom prst="bentConnector3">
+            <a:avLst>
+              <a:gd name="adj1" fmla="val 4085709"/>
+            </a:avLst>
+          </a:prstGeom>
+          <a:ln w="57150">
+            <a:solidFill>
+              <a:schemeClr val="tx1"/>
+            </a:solidFill>
+          </a:ln>
+        </p:spPr>
+        <p:style>
+          <a:lnRef idx="1">
+            <a:schemeClr val="accent1"/>
+          </a:lnRef>
+          <a:fillRef idx="0">
+            <a:schemeClr val="accent1"/>
+          </a:fillRef>
+          <a:effectRef idx="0">
+            <a:schemeClr val="accent1"/>
+          </a:effectRef>
+          <a:fontRef idx="minor">
+            <a:schemeClr val="tx1"/>
+          </a:fontRef>
+        </p:style>
+      </p:cxnSp>
+      <p:sp>
+        <p:nvSpPr>
+          <p:cNvPr id="26" name="テキスト ボックス 25">
+            <a:extLst>
+              <a:ext uri="{FF2B5EF4-FFF2-40B4-BE49-F238E27FC236}">
+                <a16:creationId xmlns:a16="http://schemas.microsoft.com/office/drawing/2014/main" id="{7CEF22BC-60C4-42B7-B9FE-11F9AEC46EA1}"/>
+              </a:ext>
+            </a:extLst>
+          </p:cNvPr>
+          <p:cNvSpPr txBox="1"/>
+          <p:nvPr/>
+        </p:nvSpPr>
+        <p:spPr>
+          <a:xfrm>
+            <a:off x="6570436" y="5050755"/>
+            <a:ext cx="843642" cy="461665"/>
+          </a:xfrm>
+          <a:prstGeom prst="rect">
+            <a:avLst/>
+          </a:prstGeom>
+          <a:solidFill>
+            <a:schemeClr val="bg1"/>
+          </a:solidFill>
+          <a:ln w="28575">
+            <a:solidFill>
+              <a:schemeClr val="tx1"/>
+            </a:solidFill>
+          </a:ln>
+        </p:spPr>
+        <p:txBody>
+          <a:bodyPr wrap="square" rtlCol="0">
+            <a:spAutoFit/>
+          </a:bodyPr>
+          <a:lstStyle/>
+          <a:p>
+            <a:pPr algn="ctr"/>
+            <a:r>
+              <a:rPr kumimoji="1" lang="en-US" altLang="ja-JP" sz="2400" b="1" dirty="0"/>
+              <a:t>YES</a:t>
+            </a:r>
+            <a:endParaRPr kumimoji="1" lang="ja-JP" altLang="en-US" sz="2400" b="1" dirty="0"/>
+          </a:p>
+        </p:txBody>
+      </p:sp>
+      <p:sp>
+        <p:nvSpPr>
+          <p:cNvPr id="27" name="テキスト ボックス 26">
+            <a:extLst>
+              <a:ext uri="{FF2B5EF4-FFF2-40B4-BE49-F238E27FC236}">
+                <a16:creationId xmlns:a16="http://schemas.microsoft.com/office/drawing/2014/main" id="{263396F3-33FC-4B18-933B-598BC8DED0EE}"/>
+              </a:ext>
+            </a:extLst>
+          </p:cNvPr>
+          <p:cNvSpPr txBox="1"/>
+          <p:nvPr/>
+        </p:nvSpPr>
+        <p:spPr>
+          <a:xfrm>
+            <a:off x="3862614" y="4617405"/>
+            <a:ext cx="843642" cy="461665"/>
+          </a:xfrm>
+          <a:prstGeom prst="rect">
+            <a:avLst/>
+          </a:prstGeom>
+          <a:solidFill>
+            <a:schemeClr val="bg1"/>
+          </a:solidFill>
+          <a:ln w="28575">
+            <a:solidFill>
+              <a:schemeClr val="tx1"/>
+            </a:solidFill>
+          </a:ln>
+        </p:spPr>
+        <p:txBody>
+          <a:bodyPr wrap="square" rtlCol="0">
+            <a:spAutoFit/>
+          </a:bodyPr>
+          <a:lstStyle/>
+          <a:p>
+            <a:pPr algn="ctr"/>
+            <a:r>
+              <a:rPr kumimoji="1" lang="en-US" altLang="ja-JP" sz="2400" b="1" dirty="0"/>
+              <a:t>NO</a:t>
+            </a:r>
+            <a:endParaRPr kumimoji="1" lang="ja-JP" altLang="en-US" sz="2400" b="1" dirty="0"/>
+          </a:p>
+        </p:txBody>
+      </p:sp>
+    </p:spTree>
+    <p:extLst>
+      <p:ext uri="{BB962C8B-B14F-4D97-AF65-F5344CB8AC3E}">
+        <p14:creationId xmlns:p14="http://schemas.microsoft.com/office/powerpoint/2010/main" val="2978314621"/>
+      </p:ext>
+    </p:extLst>
+  </p:cSld>
+  <p:clrMapOvr>
+    <a:masterClrMapping/>
+  </p:clrMapOvr>
+</p:sld>
+</file>
+
+<file path=ppt/slides/slide13.xml><?xml version="1.0" encoding="utf-8"?>
+<p:sld xmlns:a="http://schemas.openxmlformats.org/drawingml/2006/main" xmlns:r="http://schemas.openxmlformats.org/officeDocument/2006/relationships" xmlns:p="http://schemas.openxmlformats.org/presentationml/2006/main">
+  <p:cSld>
+    <p:spTree>
+      <p:nvGrpSpPr>
+        <p:cNvPr id="1" name=""/>
+        <p:cNvGrpSpPr/>
+        <p:nvPr/>
+      </p:nvGrpSpPr>
+      <p:grpSpPr>
+        <a:xfrm>
+          <a:off x="0" y="0"/>
+          <a:ext cx="0" cy="0"/>
+          <a:chOff x="0" y="0"/>
+          <a:chExt cx="0" cy="0"/>
+        </a:xfrm>
+      </p:grpSpPr>
+      <p:sp>
+        <p:nvSpPr>
           <p:cNvPr id="35" name="タイトル 34">
             <a:extLst>
               <a:ext uri="{FF2B5EF4-FFF2-40B4-BE49-F238E27FC236}">
@@ -5204,7 +8265,7 @@
 </p:sld>
 </file>
 
-<file path=ppt/slides/slide13.xml><?xml version="1.0" encoding="utf-8"?>
+<file path=ppt/slides/slide14.xml><?xml version="1.0" encoding="utf-8"?>
 <p:sld xmlns:a="http://schemas.openxmlformats.org/drawingml/2006/main" xmlns:r="http://schemas.openxmlformats.org/officeDocument/2006/relationships" xmlns:p="http://schemas.openxmlformats.org/presentationml/2006/main">
   <p:cSld>
     <p:spTree>
@@ -5341,455 +8402,6 @@
     <p:extLst>
       <p:ext uri="{BB962C8B-B14F-4D97-AF65-F5344CB8AC3E}">
         <p14:creationId xmlns:p14="http://schemas.microsoft.com/office/powerpoint/2010/main" val="485649647"/>
-      </p:ext>
-    </p:extLst>
-  </p:cSld>
-  <p:clrMapOvr>
-    <a:masterClrMapping/>
-  </p:clrMapOvr>
-</p:sld>
-</file>
-
-<file path=ppt/slides/slide14.xml><?xml version="1.0" encoding="utf-8"?>
-<p:sld xmlns:a="http://schemas.openxmlformats.org/drawingml/2006/main" xmlns:r="http://schemas.openxmlformats.org/officeDocument/2006/relationships" xmlns:p="http://schemas.openxmlformats.org/presentationml/2006/main">
-  <p:cSld>
-    <p:spTree>
-      <p:nvGrpSpPr>
-        <p:cNvPr id="1" name=""/>
-        <p:cNvGrpSpPr/>
-        <p:nvPr/>
-      </p:nvGrpSpPr>
-      <p:grpSpPr>
-        <a:xfrm>
-          <a:off x="0" y="0"/>
-          <a:ext cx="0" cy="0"/>
-          <a:chOff x="0" y="0"/>
-          <a:chExt cx="0" cy="0"/>
-        </a:xfrm>
-      </p:grpSpPr>
-      <p:sp>
-        <p:nvSpPr>
-          <p:cNvPr id="2" name="タイトル 1">
-            <a:extLst>
-              <a:ext uri="{FF2B5EF4-FFF2-40B4-BE49-F238E27FC236}">
-                <a16:creationId xmlns:a16="http://schemas.microsoft.com/office/drawing/2014/main" id="{83802C4E-2E3E-4349-846A-F90F72A28924}"/>
-              </a:ext>
-            </a:extLst>
-          </p:cNvPr>
-          <p:cNvSpPr>
-            <a:spLocks noGrp="1"/>
-          </p:cNvSpPr>
-          <p:nvPr>
-            <p:ph type="title"/>
-          </p:nvPr>
-        </p:nvSpPr>
-        <p:spPr/>
-        <p:txBody>
-          <a:bodyPr/>
-          <a:lstStyle/>
-          <a:p>
-            <a:r>
-              <a:rPr kumimoji="1" lang="ja-JP" altLang="en-US" dirty="0">
-                <a:ln>
-                  <a:solidFill>
-                    <a:schemeClr val="tx1"/>
-                  </a:solidFill>
-                </a:ln>
-                <a:solidFill>
-                  <a:schemeClr val="accent6">
-                    <a:lumMod val="75000"/>
-                  </a:schemeClr>
-                </a:solidFill>
-                <a:latin typeface="HGP明朝E" panose="02020900000000000000" pitchFamily="18" charset="-128"/>
-                <a:ea typeface="HGP明朝E" panose="02020900000000000000" pitchFamily="18" charset="-128"/>
-              </a:rPr>
-              <a:t>スクレイピング</a:t>
-            </a:r>
-          </a:p>
-        </p:txBody>
-      </p:sp>
-      <p:sp>
-        <p:nvSpPr>
-          <p:cNvPr id="5" name="正方形/長方形 4">
-            <a:extLst>
-              <a:ext uri="{FF2B5EF4-FFF2-40B4-BE49-F238E27FC236}">
-                <a16:creationId xmlns:a16="http://schemas.microsoft.com/office/drawing/2014/main" id="{C00C05B2-7221-4496-A116-94B0D8E45A2D}"/>
-              </a:ext>
-            </a:extLst>
-          </p:cNvPr>
-          <p:cNvSpPr/>
-          <p:nvPr/>
-        </p:nvSpPr>
-        <p:spPr>
-          <a:xfrm>
-            <a:off x="9508067" y="0"/>
-            <a:ext cx="2683933" cy="1593908"/>
-          </a:xfrm>
-          <a:prstGeom prst="rect">
-            <a:avLst/>
-          </a:prstGeom>
-          <a:solidFill>
-            <a:schemeClr val="accent6">
-              <a:lumMod val="60000"/>
-              <a:lumOff val="40000"/>
-            </a:schemeClr>
-          </a:solidFill>
-        </p:spPr>
-        <p:style>
-          <a:lnRef idx="2">
-            <a:schemeClr val="accent1">
-              <a:shade val="50000"/>
-            </a:schemeClr>
-          </a:lnRef>
-          <a:fillRef idx="1">
-            <a:schemeClr val="accent1"/>
-          </a:fillRef>
-          <a:effectRef idx="0">
-            <a:schemeClr val="accent1"/>
-          </a:effectRef>
-          <a:fontRef idx="minor">
-            <a:schemeClr val="lt1"/>
-          </a:fontRef>
-        </p:style>
-        <p:txBody>
-          <a:bodyPr rtlCol="0" anchor="ctr"/>
-          <a:lstStyle/>
-          <a:p>
-            <a:pPr algn="ctr"/>
-            <a:endParaRPr kumimoji="1" lang="ja-JP" altLang="en-US"/>
-          </a:p>
-        </p:txBody>
-      </p:sp>
-      <p:sp>
-        <p:nvSpPr>
-          <p:cNvPr id="6" name="コンテンツ プレースホルダー 2">
-            <a:extLst>
-              <a:ext uri="{FF2B5EF4-FFF2-40B4-BE49-F238E27FC236}">
-                <a16:creationId xmlns:a16="http://schemas.microsoft.com/office/drawing/2014/main" id="{CFC63819-6285-402F-B4F7-D5B34217A0AF}"/>
-              </a:ext>
-            </a:extLst>
-          </p:cNvPr>
-          <p:cNvSpPr>
-            <a:spLocks noGrp="1"/>
-          </p:cNvSpPr>
-          <p:nvPr>
-            <p:ph idx="1"/>
-          </p:nvPr>
-        </p:nvSpPr>
-        <p:spPr>
-          <a:xfrm>
-            <a:off x="793075" y="1741386"/>
-            <a:ext cx="10515600" cy="4351338"/>
-          </a:xfrm>
-        </p:spPr>
-        <p:txBody>
-          <a:bodyPr>
-            <a:normAutofit/>
-          </a:bodyPr>
-          <a:lstStyle/>
-          <a:p>
-            <a:pPr marL="0" indent="0">
-              <a:buNone/>
-            </a:pPr>
-            <a:r>
-              <a:rPr kumimoji="1" lang="ja-JP" altLang="en-US" sz="3600" dirty="0"/>
-              <a:t>出力するデータを取得</a:t>
-            </a:r>
-            <a:endParaRPr kumimoji="1" lang="en-US" altLang="ja-JP" sz="3600" dirty="0"/>
-          </a:p>
-          <a:p>
-            <a:endParaRPr kumimoji="1" lang="en-US" altLang="ja-JP" sz="3600" dirty="0"/>
-          </a:p>
-        </p:txBody>
-      </p:sp>
-      <p:sp>
-        <p:nvSpPr>
-          <p:cNvPr id="7" name="テキスト ボックス 6">
-            <a:extLst>
-              <a:ext uri="{FF2B5EF4-FFF2-40B4-BE49-F238E27FC236}">
-                <a16:creationId xmlns:a16="http://schemas.microsoft.com/office/drawing/2014/main" id="{538A1AC8-CE4F-4286-A880-D105B44A2385}"/>
-              </a:ext>
-            </a:extLst>
-          </p:cNvPr>
-          <p:cNvSpPr txBox="1"/>
-          <p:nvPr/>
-        </p:nvSpPr>
-        <p:spPr>
-          <a:xfrm>
-            <a:off x="692459" y="2418724"/>
-            <a:ext cx="8275471" cy="1477328"/>
-          </a:xfrm>
-          <a:prstGeom prst="rect">
-            <a:avLst/>
-          </a:prstGeom>
-          <a:noFill/>
-        </p:spPr>
-        <p:txBody>
-          <a:bodyPr wrap="square" rtlCol="0">
-            <a:spAutoFit/>
-          </a:bodyPr>
-          <a:lstStyle/>
-          <a:p>
-            <a:pPr>
-              <a:buClr>
-                <a:schemeClr val="tx1"/>
-              </a:buClr>
-            </a:pPr>
-            <a:r>
-              <a:rPr lang="en-US" altLang="ja-JP" sz="4000" dirty="0"/>
-              <a:t>BeautifulSoup4</a:t>
-            </a:r>
-          </a:p>
-          <a:p>
-            <a:pPr lvl="1">
-              <a:buClr>
-                <a:schemeClr val="tx1"/>
-              </a:buClr>
-            </a:pPr>
-            <a:r>
-              <a:rPr lang="en-US" altLang="ja-JP" sz="3200" b="1" dirty="0">
-                <a:ln>
-                  <a:solidFill>
-                    <a:schemeClr val="tx1"/>
-                  </a:solidFill>
-                </a:ln>
-                <a:solidFill>
-                  <a:schemeClr val="accent6">
-                    <a:lumMod val="75000"/>
-                  </a:schemeClr>
-                </a:solidFill>
-              </a:rPr>
-              <a:t>HTML</a:t>
-            </a:r>
-            <a:r>
-              <a:rPr lang="ja-JP" altLang="en-US" sz="3200" dirty="0"/>
-              <a:t>から</a:t>
-            </a:r>
-            <a:r>
-              <a:rPr lang="ja-JP" altLang="en-US" sz="3200" b="1" dirty="0">
-                <a:ln>
-                  <a:solidFill>
-                    <a:schemeClr val="tx1"/>
-                  </a:solidFill>
-                </a:ln>
-                <a:solidFill>
-                  <a:schemeClr val="accent6">
-                    <a:lumMod val="75000"/>
-                  </a:schemeClr>
-                </a:solidFill>
-              </a:rPr>
-              <a:t>テキストデータ</a:t>
-            </a:r>
-            <a:r>
-              <a:rPr lang="ja-JP" altLang="en-US" sz="3200" dirty="0"/>
-              <a:t>を取得</a:t>
-            </a:r>
-            <a:endParaRPr lang="en-US" altLang="ja-JP" sz="3600" dirty="0"/>
-          </a:p>
-          <a:p>
-            <a:endParaRPr kumimoji="1" lang="ja-JP" altLang="en-US" dirty="0"/>
-          </a:p>
-        </p:txBody>
-      </p:sp>
-      <p:sp>
-        <p:nvSpPr>
-          <p:cNvPr id="8" name="矢印: 右 7">
-            <a:extLst>
-              <a:ext uri="{FF2B5EF4-FFF2-40B4-BE49-F238E27FC236}">
-                <a16:creationId xmlns:a16="http://schemas.microsoft.com/office/drawing/2014/main" id="{862C1834-9D92-43CD-9628-AF124AD70118}"/>
-              </a:ext>
-            </a:extLst>
-          </p:cNvPr>
-          <p:cNvSpPr/>
-          <p:nvPr/>
-        </p:nvSpPr>
-        <p:spPr>
-          <a:xfrm>
-            <a:off x="7443192" y="2785840"/>
-            <a:ext cx="555596" cy="2005845"/>
-          </a:xfrm>
-          <a:prstGeom prst="rightArrow">
-            <a:avLst/>
-          </a:prstGeom>
-          <a:solidFill>
-            <a:srgbClr val="C00000"/>
-          </a:solidFill>
-          <a:ln w="28575">
-            <a:solidFill>
-              <a:srgbClr val="283F19"/>
-            </a:solidFill>
-          </a:ln>
-        </p:spPr>
-        <p:style>
-          <a:lnRef idx="2">
-            <a:schemeClr val="accent1">
-              <a:shade val="50000"/>
-            </a:schemeClr>
-          </a:lnRef>
-          <a:fillRef idx="1">
-            <a:schemeClr val="accent1"/>
-          </a:fillRef>
-          <a:effectRef idx="0">
-            <a:schemeClr val="accent1"/>
-          </a:effectRef>
-          <a:fontRef idx="minor">
-            <a:schemeClr val="lt1"/>
-          </a:fontRef>
-        </p:style>
-        <p:txBody>
-          <a:bodyPr rtlCol="0" anchor="ctr"/>
-          <a:lstStyle/>
-          <a:p>
-            <a:pPr algn="ctr"/>
-            <a:endParaRPr kumimoji="1" lang="ja-JP" altLang="en-US">
-              <a:solidFill>
-                <a:srgbClr val="C00000"/>
-              </a:solidFill>
-            </a:endParaRPr>
-          </a:p>
-        </p:txBody>
-      </p:sp>
-      <p:sp>
-        <p:nvSpPr>
-          <p:cNvPr id="10" name="テキスト ボックス 9">
-            <a:extLst>
-              <a:ext uri="{FF2B5EF4-FFF2-40B4-BE49-F238E27FC236}">
-                <a16:creationId xmlns:a16="http://schemas.microsoft.com/office/drawing/2014/main" id="{60BB61A1-22F8-412D-9E71-B87F444BE6C0}"/>
-              </a:ext>
-            </a:extLst>
-          </p:cNvPr>
-          <p:cNvSpPr txBox="1"/>
-          <p:nvPr/>
-        </p:nvSpPr>
-        <p:spPr>
-          <a:xfrm>
-            <a:off x="692459" y="3957130"/>
-            <a:ext cx="9346130" cy="1600438"/>
-          </a:xfrm>
-          <a:prstGeom prst="rect">
-            <a:avLst/>
-          </a:prstGeom>
-          <a:noFill/>
-        </p:spPr>
-        <p:txBody>
-          <a:bodyPr wrap="square" rtlCol="0">
-            <a:spAutoFit/>
-          </a:bodyPr>
-          <a:lstStyle/>
-          <a:p>
-            <a:pPr>
-              <a:buClr>
-                <a:schemeClr val="tx1"/>
-              </a:buClr>
-            </a:pPr>
-            <a:r>
-              <a:rPr lang="en-US" altLang="ja-JP" sz="4000" dirty="0">
-                <a:solidFill>
-                  <a:sysClr val="windowText" lastClr="000000"/>
-                </a:solidFill>
-              </a:rPr>
-              <a:t>Datetime</a:t>
-            </a:r>
-            <a:r>
-              <a:rPr lang="ja-JP" altLang="en-US" sz="4000" dirty="0">
-                <a:solidFill>
-                  <a:sysClr val="windowText" lastClr="000000"/>
-                </a:solidFill>
-              </a:rPr>
-              <a:t>モジュール</a:t>
-            </a:r>
-            <a:endParaRPr lang="en-US" altLang="ja-JP" sz="4000" dirty="0">
-              <a:solidFill>
-                <a:sysClr val="windowText" lastClr="000000"/>
-              </a:solidFill>
-            </a:endParaRPr>
-          </a:p>
-          <a:p>
-            <a:pPr>
-              <a:buClr>
-                <a:schemeClr val="tx1"/>
-              </a:buClr>
-            </a:pPr>
-            <a:r>
-              <a:rPr lang="ja-JP" altLang="en-US" sz="4000" b="1" dirty="0">
-                <a:ln>
-                  <a:solidFill>
-                    <a:schemeClr val="tx1"/>
-                  </a:solidFill>
-                </a:ln>
-                <a:solidFill>
-                  <a:schemeClr val="accent6">
-                    <a:lumMod val="50000"/>
-                  </a:schemeClr>
-                </a:solidFill>
-              </a:rPr>
-              <a:t>　</a:t>
-            </a:r>
-            <a:r>
-              <a:rPr lang="ja-JP" altLang="en-US" sz="3200" b="1" dirty="0">
-                <a:ln>
-                  <a:solidFill>
-                    <a:schemeClr val="tx1"/>
-                  </a:solidFill>
-                </a:ln>
-                <a:solidFill>
-                  <a:schemeClr val="accent6">
-                    <a:lumMod val="75000"/>
-                  </a:schemeClr>
-                </a:solidFill>
-              </a:rPr>
-              <a:t>日時</a:t>
-            </a:r>
-            <a:r>
-              <a:rPr lang="ja-JP" altLang="en-US" sz="3200" dirty="0"/>
-              <a:t>を取得</a:t>
-            </a:r>
-            <a:endParaRPr lang="en-US" altLang="ja-JP" sz="3200" dirty="0"/>
-          </a:p>
-          <a:p>
-            <a:endParaRPr kumimoji="1" lang="ja-JP" altLang="en-US" dirty="0"/>
-          </a:p>
-        </p:txBody>
-      </p:sp>
-      <p:sp>
-        <p:nvSpPr>
-          <p:cNvPr id="3" name="テキスト ボックス 2">
-            <a:extLst>
-              <a:ext uri="{FF2B5EF4-FFF2-40B4-BE49-F238E27FC236}">
-                <a16:creationId xmlns:a16="http://schemas.microsoft.com/office/drawing/2014/main" id="{DD1DF69A-9BCD-4514-8C10-E5571DE143C9}"/>
-              </a:ext>
-            </a:extLst>
-          </p:cNvPr>
-          <p:cNvSpPr txBox="1"/>
-          <p:nvPr/>
-        </p:nvSpPr>
-        <p:spPr>
-          <a:xfrm>
-            <a:off x="7998788" y="3157388"/>
-            <a:ext cx="3888412" cy="1200329"/>
-          </a:xfrm>
-          <a:prstGeom prst="rect">
-            <a:avLst/>
-          </a:prstGeom>
-          <a:noFill/>
-        </p:spPr>
-        <p:txBody>
-          <a:bodyPr wrap="square" rtlCol="0">
-            <a:spAutoFit/>
-          </a:bodyPr>
-          <a:lstStyle/>
-          <a:p>
-            <a:r>
-              <a:rPr kumimoji="1" lang="ja-JP" altLang="en-US" sz="3600" b="1" dirty="0"/>
-              <a:t>テキストファイルに書き込み</a:t>
-            </a:r>
-          </a:p>
-        </p:txBody>
-      </p:sp>
-    </p:spTree>
-    <p:extLst>
-      <p:ext uri="{BB962C8B-B14F-4D97-AF65-F5344CB8AC3E}">
-        <p14:creationId xmlns:p14="http://schemas.microsoft.com/office/powerpoint/2010/main" val="3049315379"/>
       </p:ext>
     </p:extLst>
   </p:cSld>
@@ -5821,7 +8433,7 @@
           <p:cNvPr id="2" name="タイトル 1">
             <a:extLst>
               <a:ext uri="{FF2B5EF4-FFF2-40B4-BE49-F238E27FC236}">
-                <a16:creationId xmlns:a16="http://schemas.microsoft.com/office/drawing/2014/main" id="{1C67901B-E49E-40E4-9D6B-4679D612BE2A}"/>
+                <a16:creationId xmlns:a16="http://schemas.microsoft.com/office/drawing/2014/main" id="{83802C4E-2E3E-4349-846A-F90F72A28924}"/>
               </a:ext>
             </a:extLst>
           </p:cNvPr>
@@ -5837,12 +8449,11 @@
           <a:bodyPr/>
           <a:lstStyle/>
           <a:p>
-            <a:pPr lvl="0"/>
             <a:r>
               <a:rPr kumimoji="1" lang="ja-JP" altLang="en-US" dirty="0">
                 <a:ln>
                   <a:solidFill>
-                    <a:sysClr val="windowText" lastClr="000000"/>
+                    <a:schemeClr val="tx1"/>
                   </a:solidFill>
                 </a:ln>
                 <a:solidFill>
@@ -5853,134 +8464,17 @@
                 <a:latin typeface="HGP明朝E" panose="02020900000000000000" pitchFamily="18" charset="-128"/>
                 <a:ea typeface="HGP明朝E" panose="02020900000000000000" pitchFamily="18" charset="-128"/>
               </a:rPr>
-              <a:t>工夫した点・処理</a:t>
-            </a:r>
-            <a:r>
-              <a:rPr lang="ja-JP" altLang="en-US" dirty="0">
-                <a:ln>
-                  <a:solidFill>
-                    <a:sysClr val="windowText" lastClr="000000"/>
-                  </a:solidFill>
-                </a:ln>
-                <a:solidFill>
-                  <a:schemeClr val="accent6">
-                    <a:lumMod val="75000"/>
-                  </a:schemeClr>
-                </a:solidFill>
-                <a:latin typeface="HGP明朝E" panose="02020900000000000000" pitchFamily="18" charset="-128"/>
-                <a:ea typeface="HGP明朝E" panose="02020900000000000000" pitchFamily="18" charset="-128"/>
-              </a:rPr>
-              <a:t>の短縮</a:t>
-            </a:r>
-            <a:endParaRPr kumimoji="1" lang="ja-JP" altLang="en-US" dirty="0">
-              <a:ln>
-                <a:solidFill>
-                  <a:sysClr val="windowText" lastClr="000000"/>
-                </a:solidFill>
-              </a:ln>
-              <a:solidFill>
-                <a:schemeClr val="accent6">
-                  <a:lumMod val="75000"/>
-                </a:schemeClr>
-              </a:solidFill>
-              <a:latin typeface="HGP明朝E" panose="02020900000000000000" pitchFamily="18" charset="-128"/>
-              <a:ea typeface="HGP明朝E" panose="02020900000000000000" pitchFamily="18" charset="-128"/>
-            </a:endParaRPr>
-          </a:p>
-        </p:txBody>
-      </p:sp>
-      <p:sp>
-        <p:nvSpPr>
-          <p:cNvPr id="3" name="コンテンツ プレースホルダー 2">
-            <a:extLst>
-              <a:ext uri="{FF2B5EF4-FFF2-40B4-BE49-F238E27FC236}">
-                <a16:creationId xmlns:a16="http://schemas.microsoft.com/office/drawing/2014/main" id="{FBCA876A-9915-41E9-B91A-EDEAEF221F59}"/>
-              </a:ext>
-            </a:extLst>
-          </p:cNvPr>
-          <p:cNvSpPr>
-            <a:spLocks noGrp="1"/>
-          </p:cNvSpPr>
-          <p:nvPr>
-            <p:ph idx="1"/>
-          </p:nvPr>
-        </p:nvSpPr>
-        <p:spPr>
-          <a:xfrm>
-            <a:off x="838200" y="1959033"/>
-            <a:ext cx="10515600" cy="4351338"/>
-          </a:xfrm>
-        </p:spPr>
-        <p:txBody>
-          <a:bodyPr/>
-          <a:lstStyle/>
-          <a:p>
-            <a:pPr marL="0" indent="0">
-              <a:buClr>
-                <a:schemeClr val="tx1"/>
-              </a:buClr>
-              <a:buNone/>
-            </a:pPr>
-            <a:r>
-              <a:rPr lang="en-US" altLang="ja-JP" dirty="0"/>
-              <a:t>【</a:t>
-            </a:r>
-            <a:r>
-              <a:rPr lang="ja-JP" altLang="en-US" b="1" dirty="0"/>
-              <a:t>問題点</a:t>
-            </a:r>
-            <a:r>
-              <a:rPr lang="en-US" altLang="ja-JP" dirty="0"/>
-              <a:t>】</a:t>
-            </a:r>
-            <a:r>
-              <a:rPr lang="ja-JP" altLang="en-US" dirty="0"/>
-              <a:t>長文のスクレイピングは時間がかかる</a:t>
-            </a:r>
-            <a:endParaRPr lang="en-US" altLang="ja-JP" dirty="0"/>
-          </a:p>
-          <a:p>
-            <a:pPr marL="0" indent="0">
-              <a:buClr>
-                <a:schemeClr val="tx1"/>
-              </a:buClr>
-              <a:buNone/>
-            </a:pPr>
-            <a:endParaRPr lang="en-US" altLang="ja-JP" dirty="0"/>
-          </a:p>
-          <a:p>
-            <a:pPr marL="0" indent="0">
-              <a:buClr>
-                <a:schemeClr val="tx1"/>
-              </a:buClr>
-              <a:buNone/>
-            </a:pPr>
-            <a:r>
-              <a:rPr kumimoji="1" lang="en-US" altLang="ja-JP" dirty="0"/>
-              <a:t>【</a:t>
-            </a:r>
-            <a:r>
-              <a:rPr kumimoji="1" lang="ja-JP" altLang="en-US" b="1" dirty="0"/>
-              <a:t>解決策</a:t>
-            </a:r>
-            <a:r>
-              <a:rPr kumimoji="1" lang="en-US" altLang="ja-JP" dirty="0"/>
-              <a:t>】</a:t>
-            </a:r>
-            <a:r>
-              <a:rPr kumimoji="1" lang="ja-JP" altLang="en-US" dirty="0"/>
-              <a:t>起動時に実行して、個別に保存</a:t>
-            </a:r>
-            <a:endParaRPr kumimoji="1" lang="en-US" altLang="ja-JP" dirty="0"/>
-          </a:p>
-        </p:txBody>
-      </p:sp>
-      <p:sp>
-        <p:nvSpPr>
-          <p:cNvPr id="7" name="正方形/長方形 6">
-            <a:extLst>
-              <a:ext uri="{FF2B5EF4-FFF2-40B4-BE49-F238E27FC236}">
-                <a16:creationId xmlns:a16="http://schemas.microsoft.com/office/drawing/2014/main" id="{862A2D94-AAD8-4EAC-B86B-F0BA5C60401A}"/>
+              <a:t>スクレイピング</a:t>
+            </a:r>
+          </a:p>
+        </p:txBody>
+      </p:sp>
+      <p:sp>
+        <p:nvSpPr>
+          <p:cNvPr id="5" name="正方形/長方形 4">
+            <a:extLst>
+              <a:ext uri="{FF2B5EF4-FFF2-40B4-BE49-F238E27FC236}">
+                <a16:creationId xmlns:a16="http://schemas.microsoft.com/office/drawing/2014/main" id="{C00C05B2-7221-4496-A116-94B0D8E45A2D}"/>
               </a:ext>
             </a:extLst>
           </p:cNvPr>
@@ -6027,10 +8521,336 @@
           </a:p>
         </p:txBody>
       </p:sp>
+      <p:sp>
+        <p:nvSpPr>
+          <p:cNvPr id="6" name="コンテンツ プレースホルダー 2">
+            <a:extLst>
+              <a:ext uri="{FF2B5EF4-FFF2-40B4-BE49-F238E27FC236}">
+                <a16:creationId xmlns:a16="http://schemas.microsoft.com/office/drawing/2014/main" id="{CFC63819-6285-402F-B4F7-D5B34217A0AF}"/>
+              </a:ext>
+            </a:extLst>
+          </p:cNvPr>
+          <p:cNvSpPr>
+            <a:spLocks noGrp="1"/>
+          </p:cNvSpPr>
+          <p:nvPr>
+            <p:ph idx="1"/>
+          </p:nvPr>
+        </p:nvSpPr>
+        <p:spPr>
+          <a:xfrm>
+            <a:off x="793075" y="1741386"/>
+            <a:ext cx="10515600" cy="4351338"/>
+          </a:xfrm>
+        </p:spPr>
+        <p:txBody>
+          <a:bodyPr>
+            <a:normAutofit/>
+          </a:bodyPr>
+          <a:lstStyle/>
+          <a:p>
+            <a:pPr marL="0" indent="0">
+              <a:buNone/>
+            </a:pPr>
+            <a:r>
+              <a:rPr kumimoji="1" lang="ja-JP" altLang="en-US" sz="3600" dirty="0"/>
+              <a:t>出力するデータを取得</a:t>
+            </a:r>
+            <a:endParaRPr kumimoji="1" lang="en-US" altLang="ja-JP" sz="3600" dirty="0"/>
+          </a:p>
+          <a:p>
+            <a:endParaRPr kumimoji="1" lang="en-US" altLang="ja-JP" sz="3600" dirty="0"/>
+          </a:p>
+        </p:txBody>
+      </p:sp>
+      <p:sp>
+        <p:nvSpPr>
+          <p:cNvPr id="7" name="テキスト ボックス 6">
+            <a:extLst>
+              <a:ext uri="{FF2B5EF4-FFF2-40B4-BE49-F238E27FC236}">
+                <a16:creationId xmlns:a16="http://schemas.microsoft.com/office/drawing/2014/main" id="{538A1AC8-CE4F-4286-A880-D105B44A2385}"/>
+              </a:ext>
+            </a:extLst>
+          </p:cNvPr>
+          <p:cNvSpPr txBox="1"/>
+          <p:nvPr/>
+        </p:nvSpPr>
+        <p:spPr>
+          <a:xfrm>
+            <a:off x="692459" y="2418724"/>
+            <a:ext cx="8275471" cy="1477328"/>
+          </a:xfrm>
+          <a:prstGeom prst="rect">
+            <a:avLst/>
+          </a:prstGeom>
+          <a:noFill/>
+        </p:spPr>
+        <p:txBody>
+          <a:bodyPr wrap="square" rtlCol="0">
+            <a:spAutoFit/>
+          </a:bodyPr>
+          <a:lstStyle/>
+          <a:p>
+            <a:pPr>
+              <a:buClr>
+                <a:schemeClr val="tx1"/>
+              </a:buClr>
+            </a:pPr>
+            <a:r>
+              <a:rPr lang="en-US" altLang="ja-JP" sz="4000" dirty="0"/>
+              <a:t>BeautifulSoup4</a:t>
+            </a:r>
+          </a:p>
+          <a:p>
+            <a:pPr lvl="1">
+              <a:buClr>
+                <a:schemeClr val="tx1"/>
+              </a:buClr>
+            </a:pPr>
+            <a:r>
+              <a:rPr lang="en-US" altLang="ja-JP" sz="3200" b="1" dirty="0">
+                <a:ln>
+                  <a:solidFill>
+                    <a:schemeClr val="tx1"/>
+                  </a:solidFill>
+                </a:ln>
+                <a:solidFill>
+                  <a:schemeClr val="accent6">
+                    <a:lumMod val="75000"/>
+                  </a:schemeClr>
+                </a:solidFill>
+              </a:rPr>
+              <a:t>HTML</a:t>
+            </a:r>
+            <a:r>
+              <a:rPr lang="ja-JP" altLang="en-US" sz="3200" dirty="0"/>
+              <a:t>から</a:t>
+            </a:r>
+            <a:r>
+              <a:rPr lang="ja-JP" altLang="en-US" sz="3200" b="1" dirty="0">
+                <a:ln>
+                  <a:solidFill>
+                    <a:schemeClr val="tx1"/>
+                  </a:solidFill>
+                </a:ln>
+                <a:solidFill>
+                  <a:schemeClr val="accent6">
+                    <a:lumMod val="75000"/>
+                  </a:schemeClr>
+                </a:solidFill>
+              </a:rPr>
+              <a:t>テキストデータ</a:t>
+            </a:r>
+            <a:r>
+              <a:rPr lang="ja-JP" altLang="en-US" sz="3200" dirty="0"/>
+              <a:t>を取得</a:t>
+            </a:r>
+            <a:endParaRPr lang="en-US" altLang="ja-JP" sz="3600" dirty="0"/>
+          </a:p>
+          <a:p>
+            <a:endParaRPr kumimoji="1" lang="ja-JP" altLang="en-US" dirty="0"/>
+          </a:p>
+        </p:txBody>
+      </p:sp>
+      <p:sp>
+        <p:nvSpPr>
+          <p:cNvPr id="8" name="矢印: 右 7">
+            <a:extLst>
+              <a:ext uri="{FF2B5EF4-FFF2-40B4-BE49-F238E27FC236}">
+                <a16:creationId xmlns:a16="http://schemas.microsoft.com/office/drawing/2014/main" id="{862C1834-9D92-43CD-9628-AF124AD70118}"/>
+              </a:ext>
+            </a:extLst>
+          </p:cNvPr>
+          <p:cNvSpPr/>
+          <p:nvPr/>
+        </p:nvSpPr>
+        <p:spPr>
+          <a:xfrm>
+            <a:off x="7443192" y="2785840"/>
+            <a:ext cx="555596" cy="2005845"/>
+          </a:xfrm>
+          <a:prstGeom prst="rightArrow">
+            <a:avLst/>
+          </a:prstGeom>
+          <a:solidFill>
+            <a:srgbClr val="C00000"/>
+          </a:solidFill>
+          <a:ln w="28575">
+            <a:solidFill>
+              <a:srgbClr val="283F19"/>
+            </a:solidFill>
+          </a:ln>
+        </p:spPr>
+        <p:style>
+          <a:lnRef idx="2">
+            <a:schemeClr val="accent1">
+              <a:shade val="50000"/>
+            </a:schemeClr>
+          </a:lnRef>
+          <a:fillRef idx="1">
+            <a:schemeClr val="accent1"/>
+          </a:fillRef>
+          <a:effectRef idx="0">
+            <a:schemeClr val="accent1"/>
+          </a:effectRef>
+          <a:fontRef idx="minor">
+            <a:schemeClr val="lt1"/>
+          </a:fontRef>
+        </p:style>
+        <p:txBody>
+          <a:bodyPr rtlCol="0" anchor="ctr"/>
+          <a:lstStyle/>
+          <a:p>
+            <a:pPr algn="ctr"/>
+            <a:endParaRPr kumimoji="1" lang="ja-JP" altLang="en-US">
+              <a:solidFill>
+                <a:srgbClr val="C00000"/>
+              </a:solidFill>
+            </a:endParaRPr>
+          </a:p>
+        </p:txBody>
+      </p:sp>
+      <p:sp>
+        <p:nvSpPr>
+          <p:cNvPr id="10" name="テキスト ボックス 9">
+            <a:extLst>
+              <a:ext uri="{FF2B5EF4-FFF2-40B4-BE49-F238E27FC236}">
+                <a16:creationId xmlns:a16="http://schemas.microsoft.com/office/drawing/2014/main" id="{60BB61A1-22F8-412D-9E71-B87F444BE6C0}"/>
+              </a:ext>
+            </a:extLst>
+          </p:cNvPr>
+          <p:cNvSpPr txBox="1"/>
+          <p:nvPr/>
+        </p:nvSpPr>
+        <p:spPr>
+          <a:xfrm>
+            <a:off x="692459" y="3957130"/>
+            <a:ext cx="9346130" cy="1600438"/>
+          </a:xfrm>
+          <a:prstGeom prst="rect">
+            <a:avLst/>
+          </a:prstGeom>
+          <a:noFill/>
+        </p:spPr>
+        <p:txBody>
+          <a:bodyPr wrap="square" rtlCol="0">
+            <a:spAutoFit/>
+          </a:bodyPr>
+          <a:lstStyle/>
+          <a:p>
+            <a:pPr>
+              <a:buClr>
+                <a:schemeClr val="tx1"/>
+              </a:buClr>
+            </a:pPr>
+            <a:r>
+              <a:rPr lang="en-US" altLang="ja-JP" sz="4000" dirty="0">
+                <a:solidFill>
+                  <a:sysClr val="windowText" lastClr="000000"/>
+                </a:solidFill>
+              </a:rPr>
+              <a:t>Datetime</a:t>
+            </a:r>
+            <a:r>
+              <a:rPr lang="ja-JP" altLang="en-US" sz="4000" dirty="0">
+                <a:solidFill>
+                  <a:sysClr val="windowText" lastClr="000000"/>
+                </a:solidFill>
+              </a:rPr>
+              <a:t>モジュール</a:t>
+            </a:r>
+            <a:endParaRPr lang="en-US" altLang="ja-JP" sz="4000" dirty="0">
+              <a:solidFill>
+                <a:sysClr val="windowText" lastClr="000000"/>
+              </a:solidFill>
+            </a:endParaRPr>
+          </a:p>
+          <a:p>
+            <a:pPr>
+              <a:buClr>
+                <a:schemeClr val="tx1"/>
+              </a:buClr>
+            </a:pPr>
+            <a:r>
+              <a:rPr lang="ja-JP" altLang="en-US" sz="4000" b="1" dirty="0">
+                <a:ln>
+                  <a:solidFill>
+                    <a:schemeClr val="tx1"/>
+                  </a:solidFill>
+                </a:ln>
+                <a:solidFill>
+                  <a:schemeClr val="accent6">
+                    <a:lumMod val="50000"/>
+                  </a:schemeClr>
+                </a:solidFill>
+              </a:rPr>
+              <a:t>　</a:t>
+            </a:r>
+            <a:r>
+              <a:rPr lang="ja-JP" altLang="en-US" sz="3200" b="1" dirty="0">
+                <a:ln>
+                  <a:solidFill>
+                    <a:schemeClr val="tx1"/>
+                  </a:solidFill>
+                </a:ln>
+                <a:solidFill>
+                  <a:schemeClr val="accent6">
+                    <a:lumMod val="75000"/>
+                  </a:schemeClr>
+                </a:solidFill>
+              </a:rPr>
+              <a:t>日時</a:t>
+            </a:r>
+            <a:r>
+              <a:rPr lang="ja-JP" altLang="en-US" sz="3200" dirty="0"/>
+              <a:t>を取得</a:t>
+            </a:r>
+            <a:endParaRPr lang="en-US" altLang="ja-JP" sz="3200" dirty="0"/>
+          </a:p>
+          <a:p>
+            <a:endParaRPr kumimoji="1" lang="ja-JP" altLang="en-US" dirty="0"/>
+          </a:p>
+        </p:txBody>
+      </p:sp>
+      <p:sp>
+        <p:nvSpPr>
+          <p:cNvPr id="3" name="テキスト ボックス 2">
+            <a:extLst>
+              <a:ext uri="{FF2B5EF4-FFF2-40B4-BE49-F238E27FC236}">
+                <a16:creationId xmlns:a16="http://schemas.microsoft.com/office/drawing/2014/main" id="{DD1DF69A-9BCD-4514-8C10-E5571DE143C9}"/>
+              </a:ext>
+            </a:extLst>
+          </p:cNvPr>
+          <p:cNvSpPr txBox="1"/>
+          <p:nvPr/>
+        </p:nvSpPr>
+        <p:spPr>
+          <a:xfrm>
+            <a:off x="7998788" y="3157388"/>
+            <a:ext cx="3888412" cy="1200329"/>
+          </a:xfrm>
+          <a:prstGeom prst="rect">
+            <a:avLst/>
+          </a:prstGeom>
+          <a:noFill/>
+        </p:spPr>
+        <p:txBody>
+          <a:bodyPr wrap="square" rtlCol="0">
+            <a:spAutoFit/>
+          </a:bodyPr>
+          <a:lstStyle/>
+          <a:p>
+            <a:r>
+              <a:rPr kumimoji="1" lang="ja-JP" altLang="en-US" sz="3600" b="1" dirty="0"/>
+              <a:t>テキストファイルに書き込み</a:t>
+            </a:r>
+          </a:p>
+        </p:txBody>
+      </p:sp>
     </p:spTree>
     <p:extLst>
       <p:ext uri="{BB962C8B-B14F-4D97-AF65-F5344CB8AC3E}">
-        <p14:creationId xmlns:p14="http://schemas.microsoft.com/office/powerpoint/2010/main" val="558572616"/>
+        <p14:creationId xmlns:p14="http://schemas.microsoft.com/office/powerpoint/2010/main" val="3049315379"/>
       </p:ext>
     </p:extLst>
   </p:cSld>
@@ -6521,6 +9341,58 @@
                 </a:schemeClr>
               </a:solidFill>
             </a:endParaRPr>
+          </a:p>
+        </p:txBody>
+      </p:sp>
+      <p:sp>
+        <p:nvSpPr>
+          <p:cNvPr id="3" name="正方形/長方形 2">
+            <a:extLst>
+              <a:ext uri="{FF2B5EF4-FFF2-40B4-BE49-F238E27FC236}">
+                <a16:creationId xmlns:a16="http://schemas.microsoft.com/office/drawing/2014/main" id="{FAB16456-F7D9-4DF3-A957-9BD94DE863CE}"/>
+              </a:ext>
+            </a:extLst>
+          </p:cNvPr>
+          <p:cNvSpPr/>
+          <p:nvPr/>
+        </p:nvSpPr>
+        <p:spPr>
+          <a:xfrm>
+            <a:off x="648739" y="1752562"/>
+            <a:ext cx="9212778" cy="584775"/>
+          </a:xfrm>
+          <a:prstGeom prst="rect">
+            <a:avLst/>
+          </a:prstGeom>
+        </p:spPr>
+        <p:txBody>
+          <a:bodyPr wrap="none">
+            <a:spAutoFit/>
+          </a:bodyPr>
+          <a:lstStyle/>
+          <a:p>
+            <a:pPr>
+              <a:buClr>
+                <a:schemeClr val="tx1"/>
+              </a:buClr>
+            </a:pPr>
+            <a:r>
+              <a:rPr lang="en-US" altLang="ja-JP" sz="3200" dirty="0"/>
+              <a:t>【</a:t>
+            </a:r>
+            <a:r>
+              <a:rPr lang="ja-JP" altLang="en-US" sz="2800" b="1" dirty="0"/>
+              <a:t>問題点</a:t>
+            </a:r>
+            <a:r>
+              <a:rPr lang="en-US" altLang="ja-JP" sz="3200" dirty="0"/>
+              <a:t>】</a:t>
+            </a:r>
+            <a:r>
+              <a:rPr lang="ja-JP" altLang="en-US" sz="3200" dirty="0"/>
+              <a:t>長文のスクレイピングは時間がかかる</a:t>
+            </a:r>
+            <a:endParaRPr lang="en-US" altLang="ja-JP" sz="3200" dirty="0"/>
           </a:p>
         </p:txBody>
       </p:sp>
@@ -6620,7 +9492,7 @@
         </p:nvSpPr>
         <p:spPr>
           <a:xfrm>
-            <a:off x="1838422" y="1769462"/>
+            <a:off x="2070650" y="2335519"/>
             <a:ext cx="2329315" cy="673769"/>
           </a:xfrm>
           <a:prstGeom prst="roundRect">
@@ -6690,7 +9562,7 @@
         </p:nvSpPr>
         <p:spPr>
           <a:xfrm>
-            <a:off x="4331368" y="4421221"/>
+            <a:off x="4563596" y="4987278"/>
             <a:ext cx="2954956" cy="890337"/>
           </a:xfrm>
           <a:prstGeom prst="rightArrow">
@@ -6747,7 +9619,7 @@
         </p:nvSpPr>
         <p:spPr>
           <a:xfrm>
-            <a:off x="7449954" y="4503328"/>
+            <a:off x="7682182" y="5069385"/>
             <a:ext cx="2800951" cy="673769"/>
           </a:xfrm>
           <a:prstGeom prst="roundRect">
@@ -6822,7 +9694,7 @@
         </p:nvSpPr>
         <p:spPr>
           <a:xfrm>
-            <a:off x="1838423" y="2780115"/>
+            <a:off x="2070651" y="3346172"/>
             <a:ext cx="2329315" cy="1412507"/>
           </a:xfrm>
           <a:prstGeom prst="roundRect">
@@ -6914,7 +9786,7 @@
         </p:nvSpPr>
         <p:spPr>
           <a:xfrm>
-            <a:off x="1838423" y="4529506"/>
+            <a:off x="2070651" y="5095563"/>
             <a:ext cx="2329315" cy="673769"/>
           </a:xfrm>
           <a:prstGeom prst="roundRect">
@@ -6976,7 +9848,7 @@
         </p:nvSpPr>
         <p:spPr>
           <a:xfrm>
-            <a:off x="7449954" y="2780115"/>
+            <a:off x="7682182" y="3346172"/>
             <a:ext cx="2800951" cy="1412507"/>
           </a:xfrm>
           <a:prstGeom prst="roundRect">
@@ -7087,7 +9959,7 @@
         </p:nvSpPr>
         <p:spPr>
           <a:xfrm>
-            <a:off x="4331368" y="2945331"/>
+            <a:off x="4563596" y="3511388"/>
             <a:ext cx="2954956" cy="1055587"/>
           </a:xfrm>
           <a:prstGeom prst="rightArrow">
@@ -7125,7 +9997,7 @@
             <a:pPr algn="ctr"/>
             <a:r>
               <a:rPr lang="ja-JP" altLang="en-US" b="1" dirty="0"/>
-              <a:t>起動時</a:t>
+              <a:t>起動時に</a:t>
             </a:r>
             <a:r>
               <a:rPr kumimoji="1" lang="ja-JP" altLang="en-US" b="1" dirty="0"/>
@@ -7148,7 +10020,7 @@
         </p:nvSpPr>
         <p:spPr>
           <a:xfrm>
-            <a:off x="7449954" y="1795640"/>
+            <a:off x="7682182" y="2361697"/>
             <a:ext cx="2800951" cy="673769"/>
           </a:xfrm>
           <a:prstGeom prst="roundRect">
@@ -7249,6 +10121,58 @@
               <a:t>工夫した点・処理の短縮</a:t>
             </a:r>
             <a:endParaRPr kumimoji="1" lang="ja-JP" altLang="en-US" dirty="0"/>
+          </a:p>
+        </p:txBody>
+      </p:sp>
+      <p:sp>
+        <p:nvSpPr>
+          <p:cNvPr id="2" name="正方形/長方形 1">
+            <a:extLst>
+              <a:ext uri="{FF2B5EF4-FFF2-40B4-BE49-F238E27FC236}">
+                <a16:creationId xmlns:a16="http://schemas.microsoft.com/office/drawing/2014/main" id="{05053AC4-1076-4E17-9429-011226C36E60}"/>
+              </a:ext>
+            </a:extLst>
+          </p:cNvPr>
+          <p:cNvSpPr/>
+          <p:nvPr/>
+        </p:nvSpPr>
+        <p:spPr>
+          <a:xfrm>
+            <a:off x="736600" y="1593908"/>
+            <a:ext cx="7007046" cy="523220"/>
+          </a:xfrm>
+          <a:prstGeom prst="rect">
+            <a:avLst/>
+          </a:prstGeom>
+        </p:spPr>
+        <p:txBody>
+          <a:bodyPr wrap="none">
+            <a:spAutoFit/>
+          </a:bodyPr>
+          <a:lstStyle/>
+          <a:p>
+            <a:pPr>
+              <a:buClr>
+                <a:schemeClr val="tx1"/>
+              </a:buClr>
+            </a:pPr>
+            <a:r>
+              <a:rPr lang="en-US" altLang="ja-JP" sz="2800" dirty="0"/>
+              <a:t>【</a:t>
+            </a:r>
+            <a:r>
+              <a:rPr lang="ja-JP" altLang="en-US" sz="2800" b="1" dirty="0"/>
+              <a:t>解決策</a:t>
+            </a:r>
+            <a:r>
+              <a:rPr lang="en-US" altLang="ja-JP" sz="2800" dirty="0"/>
+              <a:t>】</a:t>
+            </a:r>
+            <a:r>
+              <a:rPr lang="ja-JP" altLang="en-US" sz="2800" dirty="0"/>
+              <a:t>起動時に実行して、個別に保存</a:t>
+            </a:r>
+            <a:endParaRPr lang="en-US" altLang="ja-JP" sz="2800" dirty="0"/>
           </a:p>
         </p:txBody>
       </p:sp>
@@ -7447,7 +10371,7 @@
           <p:nvPr/>
         </p:nvPicPr>
         <p:blipFill>
-          <a:blip r:embed="rId2">
+          <a:blip r:embed="rId3">
             <a:extLst>
               <a:ext uri="{28A0092B-C50C-407E-A947-70E740481C1C}">
                 <a14:useLocalDpi xmlns:a14="http://schemas.microsoft.com/office/drawing/2010/main" val="0"/>
@@ -7468,6 +10392,47 @@
           </a:prstGeom>
         </p:spPr>
       </p:pic>
+      <p:cxnSp>
+        <p:nvCxnSpPr>
+          <p:cNvPr id="7" name="直線コネクタ 6">
+            <a:extLst>
+              <a:ext uri="{FF2B5EF4-FFF2-40B4-BE49-F238E27FC236}">
+                <a16:creationId xmlns:a16="http://schemas.microsoft.com/office/drawing/2014/main" id="{CCB2BCCE-098D-4626-A0DD-3FDB0ECD80F9}"/>
+              </a:ext>
+            </a:extLst>
+          </p:cNvPr>
+          <p:cNvCxnSpPr/>
+          <p:nvPr/>
+        </p:nvCxnSpPr>
+        <p:spPr>
+          <a:xfrm>
+            <a:off x="3831772" y="4673600"/>
+            <a:ext cx="1625600" cy="0"/>
+          </a:xfrm>
+          <a:prstGeom prst="line">
+            <a:avLst/>
+          </a:prstGeom>
+          <a:ln w="57150">
+            <a:solidFill>
+              <a:srgbClr val="FF0000"/>
+            </a:solidFill>
+          </a:ln>
+        </p:spPr>
+        <p:style>
+          <a:lnRef idx="1">
+            <a:schemeClr val="accent1"/>
+          </a:lnRef>
+          <a:fillRef idx="0">
+            <a:schemeClr val="accent1"/>
+          </a:fillRef>
+          <a:effectRef idx="0">
+            <a:schemeClr val="accent1"/>
+          </a:effectRef>
+          <a:fontRef idx="minor">
+            <a:schemeClr val="tx1"/>
+          </a:fontRef>
+        </p:style>
+      </p:cxnSp>
     </p:spTree>
     <p:extLst>
       <p:ext uri="{BB962C8B-B14F-4D97-AF65-F5344CB8AC3E}">
@@ -7478,6 +10443,89 @@
   <p:clrMapOvr>
     <a:masterClrMapping/>
   </p:clrMapOvr>
+  <p:timing>
+    <p:tnLst>
+      <p:par>
+        <p:cTn id="1" dur="indefinite" restart="never" nodeType="tmRoot">
+          <p:childTnLst>
+            <p:seq concurrent="1" nextAc="seek">
+              <p:cTn id="2" dur="indefinite" nodeType="mainSeq">
+                <p:childTnLst>
+                  <p:par>
+                    <p:cTn id="3" fill="hold">
+                      <p:stCondLst>
+                        <p:cond delay="indefinite"/>
+                      </p:stCondLst>
+                      <p:childTnLst>
+                        <p:par>
+                          <p:cTn id="4" fill="hold">
+                            <p:stCondLst>
+                              <p:cond delay="0"/>
+                            </p:stCondLst>
+                            <p:childTnLst>
+                              <p:par>
+                                <p:cTn id="5" presetID="22" presetClass="entr" presetSubtype="8" fill="hold" nodeType="clickEffect">
+                                  <p:stCondLst>
+                                    <p:cond delay="0"/>
+                                  </p:stCondLst>
+                                  <p:childTnLst>
+                                    <p:set>
+                                      <p:cBhvr>
+                                        <p:cTn id="6" dur="1" fill="hold">
+                                          <p:stCondLst>
+                                            <p:cond delay="0"/>
+                                          </p:stCondLst>
+                                        </p:cTn>
+                                        <p:tgtEl>
+                                          <p:spTgt spid="7"/>
+                                        </p:tgtEl>
+                                        <p:attrNameLst>
+                                          <p:attrName>style.visibility</p:attrName>
+                                        </p:attrNameLst>
+                                      </p:cBhvr>
+                                      <p:to>
+                                        <p:strVal val="visible"/>
+                                      </p:to>
+                                    </p:set>
+                                    <p:animEffect transition="in" filter="wipe(left)">
+                                      <p:cBhvr>
+                                        <p:cTn id="7" dur="500"/>
+                                        <p:tgtEl>
+                                          <p:spTgt spid="7"/>
+                                        </p:tgtEl>
+                                      </p:cBhvr>
+                                    </p:animEffect>
+                                  </p:childTnLst>
+                                </p:cTn>
+                              </p:par>
+                            </p:childTnLst>
+                          </p:cTn>
+                        </p:par>
+                      </p:childTnLst>
+                    </p:cTn>
+                  </p:par>
+                </p:childTnLst>
+              </p:cTn>
+              <p:prevCondLst>
+                <p:cond evt="onPrev" delay="0">
+                  <p:tgtEl>
+                    <p:sldTgt/>
+                  </p:tgtEl>
+                </p:cond>
+              </p:prevCondLst>
+              <p:nextCondLst>
+                <p:cond evt="onNext" delay="0">
+                  <p:tgtEl>
+                    <p:sldTgt/>
+                  </p:tgtEl>
+                </p:cond>
+              </p:nextCondLst>
+            </p:seq>
+          </p:childTnLst>
+        </p:cTn>
+      </p:par>
+    </p:tnLst>
+  </p:timing>
 </p:sld>
 </file>
 
@@ -7498,49 +10546,6 @@
           <a:chExt cx="0" cy="0"/>
         </a:xfrm>
       </p:grpSpPr>
-      <p:sp>
-        <p:nvSpPr>
-          <p:cNvPr id="2" name="タイトル 1">
-            <a:extLst>
-              <a:ext uri="{FF2B5EF4-FFF2-40B4-BE49-F238E27FC236}">
-                <a16:creationId xmlns:a16="http://schemas.microsoft.com/office/drawing/2014/main" id="{FEAD6D5F-D76B-4EE6-82B1-70D02DFF75FA}"/>
-              </a:ext>
-            </a:extLst>
-          </p:cNvPr>
-          <p:cNvSpPr>
-            <a:spLocks noGrp="1"/>
-          </p:cNvSpPr>
-          <p:nvPr>
-            <p:ph type="title"/>
-          </p:nvPr>
-        </p:nvSpPr>
-        <p:spPr/>
-        <p:txBody>
-          <a:bodyPr/>
-          <a:lstStyle/>
-          <a:p>
-            <a:pPr lvl="0"/>
-            <a:r>
-              <a:rPr lang="ja-JP" altLang="en-US" dirty="0">
-                <a:ln>
-                  <a:solidFill>
-                    <a:sysClr val="windowText" lastClr="000000"/>
-                  </a:solidFill>
-                </a:ln>
-                <a:solidFill>
-                  <a:schemeClr val="accent6">
-                    <a:lumMod val="75000"/>
-                  </a:schemeClr>
-                </a:solidFill>
-                <a:latin typeface="HGP明朝E" panose="02020900000000000000" pitchFamily="18" charset="-128"/>
-                <a:ea typeface="HGP明朝E" panose="02020900000000000000" pitchFamily="18" charset="-128"/>
-              </a:rPr>
-              <a:t>工夫した点・処理を分割</a:t>
-            </a:r>
-            <a:endParaRPr kumimoji="1" lang="ja-JP" altLang="en-US" dirty="0"/>
-          </a:p>
-        </p:txBody>
-      </p:sp>
       <p:sp>
         <p:nvSpPr>
           <p:cNvPr id="5" name="正方形/長方形 4">
@@ -7608,7 +10613,7 @@
           <p:nvPr/>
         </p:nvPicPr>
         <p:blipFill>
-          <a:blip r:embed="rId2">
+          <a:blip r:embed="rId3">
             <a:extLst>
               <a:ext uri="{28A0092B-C50C-407E-A947-70E740481C1C}">
                 <a14:useLocalDpi xmlns:a14="http://schemas.microsoft.com/office/drawing/2010/main" val="0"/>
@@ -7643,7 +10648,7 @@
         </p:nvSpPr>
         <p:spPr>
           <a:xfrm>
-            <a:off x="3786230" y="4223634"/>
+            <a:off x="3759673" y="4245866"/>
             <a:ext cx="1837194" cy="569199"/>
           </a:xfrm>
           <a:prstGeom prst="rect">
@@ -7863,6 +10868,66 @@
           <a:p>
             <a:pPr algn="ctr"/>
             <a:endParaRPr kumimoji="1" lang="ja-JP" altLang="en-US"/>
+          </a:p>
+        </p:txBody>
+      </p:sp>
+      <p:sp>
+        <p:nvSpPr>
+          <p:cNvPr id="11" name="タイトル 1">
+            <a:extLst>
+              <a:ext uri="{FF2B5EF4-FFF2-40B4-BE49-F238E27FC236}">
+                <a16:creationId xmlns:a16="http://schemas.microsoft.com/office/drawing/2014/main" id="{784DE2D6-5BF6-4AAE-ABB9-75CF47E1BAD5}"/>
+              </a:ext>
+            </a:extLst>
+          </p:cNvPr>
+          <p:cNvSpPr>
+            <a:spLocks noGrp="1"/>
+          </p:cNvSpPr>
+          <p:nvPr>
+            <p:ph type="title"/>
+          </p:nvPr>
+        </p:nvSpPr>
+        <p:spPr>
+          <a:xfrm>
+            <a:off x="838200" y="365125"/>
+            <a:ext cx="10515600" cy="1325563"/>
+          </a:xfrm>
+        </p:spPr>
+        <p:txBody>
+          <a:bodyPr/>
+          <a:lstStyle/>
+          <a:p>
+            <a:r>
+              <a:rPr kumimoji="1" lang="en-US" altLang="ja-JP" dirty="0">
+                <a:ln>
+                  <a:solidFill>
+                    <a:sysClr val="windowText" lastClr="000000"/>
+                  </a:solidFill>
+                </a:ln>
+                <a:solidFill>
+                  <a:schemeClr val="accent6">
+                    <a:lumMod val="75000"/>
+                  </a:schemeClr>
+                </a:solidFill>
+                <a:latin typeface="HGP明朝E" panose="02020900000000000000" pitchFamily="18" charset="-128"/>
+                <a:ea typeface="HGP明朝E" panose="02020900000000000000" pitchFamily="18" charset="-128"/>
+              </a:rPr>
+              <a:t>OpenJTalk</a:t>
+            </a:r>
+            <a:endParaRPr kumimoji="1" lang="ja-JP" altLang="en-US" dirty="0">
+              <a:ln>
+                <a:solidFill>
+                  <a:sysClr val="windowText" lastClr="000000"/>
+                </a:solidFill>
+              </a:ln>
+              <a:solidFill>
+                <a:schemeClr val="accent6">
+                  <a:lumMod val="75000"/>
+                </a:schemeClr>
+              </a:solidFill>
+              <a:latin typeface="HGP明朝E" panose="02020900000000000000" pitchFamily="18" charset="-128"/>
+              <a:ea typeface="HGP明朝E" panose="02020900000000000000" pitchFamily="18" charset="-128"/>
+            </a:endParaRPr>
           </a:p>
         </p:txBody>
       </p:sp>
@@ -7984,33 +11049,15 @@
                                   </p:childTnLst>
                                 </p:cTn>
                               </p:par>
-                            </p:childTnLst>
-                          </p:cTn>
-                        </p:par>
-                      </p:childTnLst>
-                    </p:cTn>
-                  </p:par>
-                  <p:par>
-                    <p:cTn id="13" fill="hold">
-                      <p:stCondLst>
-                        <p:cond delay="indefinite"/>
-                      </p:stCondLst>
-                      <p:childTnLst>
-                        <p:par>
-                          <p:cTn id="14" fill="hold">
-                            <p:stCondLst>
-                              <p:cond delay="0"/>
-                            </p:stCondLst>
-                            <p:childTnLst>
                               <p:par>
-                                <p:cTn id="15" presetID="10" presetClass="entr" presetSubtype="0" fill="hold" grpId="0" nodeType="clickEffect">
+                                <p:cTn id="13" presetID="10" presetClass="entr" presetSubtype="0" fill="hold" grpId="0" nodeType="withEffect">
                                   <p:stCondLst>
                                     <p:cond delay="0"/>
                                   </p:stCondLst>
                                   <p:childTnLst>
                                     <p:set>
                                       <p:cBhvr>
-                                        <p:cTn id="16" dur="1" fill="hold">
+                                        <p:cTn id="14" dur="1" fill="hold">
                                           <p:stCondLst>
                                             <p:cond delay="0"/>
                                           </p:stCondLst>
@@ -8028,7 +11075,7 @@
                                     </p:set>
                                     <p:animEffect transition="in" filter="fade">
                                       <p:cBhvr>
-                                        <p:cTn id="17" dur="500"/>
+                                        <p:cTn id="15" dur="500"/>
                                         <p:tgtEl>
                                           <p:spTgt spid="9"/>
                                         </p:tgtEl>
@@ -8168,42 +11215,6 @@
       </p:pic>
       <p:sp>
         <p:nvSpPr>
-          <p:cNvPr id="6" name="テキスト ボックス 5">
-            <a:extLst>
-              <a:ext uri="{FF2B5EF4-FFF2-40B4-BE49-F238E27FC236}">
-                <a16:creationId xmlns:a16="http://schemas.microsoft.com/office/drawing/2014/main" id="{5F954F9D-585C-4117-B68F-D2C78AC9AF80}"/>
-              </a:ext>
-            </a:extLst>
-          </p:cNvPr>
-          <p:cNvSpPr txBox="1"/>
-          <p:nvPr/>
-        </p:nvSpPr>
-        <p:spPr>
-          <a:xfrm>
-            <a:off x="6580456" y="5450725"/>
-            <a:ext cx="2457742" cy="523220"/>
-          </a:xfrm>
-          <a:prstGeom prst="rect">
-            <a:avLst/>
-          </a:prstGeom>
-          <a:noFill/>
-        </p:spPr>
-        <p:txBody>
-          <a:bodyPr wrap="square" rtlCol="0">
-            <a:spAutoFit/>
-          </a:bodyPr>
-          <a:lstStyle/>
-          <a:p>
-            <a:r>
-              <a:rPr kumimoji="1" lang="en-US" altLang="ja-JP" sz="2800" b="1" dirty="0"/>
-              <a:t>YoSiE</a:t>
-            </a:r>
-            <a:endParaRPr kumimoji="1" lang="ja-JP" altLang="en-US" sz="2800" b="1" dirty="0"/>
-          </a:p>
-        </p:txBody>
-      </p:sp>
-      <p:sp>
-        <p:nvSpPr>
           <p:cNvPr id="8" name="吹き出し: 円形 7">
             <a:extLst>
               <a:ext uri="{FF2B5EF4-FFF2-40B4-BE49-F238E27FC236}">
@@ -8284,13 +11295,22 @@
         </p:nvSpPr>
         <p:spPr>
           <a:xfrm>
-            <a:off x="3281675" y="5450725"/>
-            <a:ext cx="1934817" cy="523220"/>
+            <a:off x="2998947" y="5497846"/>
+            <a:ext cx="1688105" cy="707886"/>
           </a:xfrm>
           <a:prstGeom prst="rect">
             <a:avLst/>
           </a:prstGeom>
-          <a:noFill/>
+          <a:solidFill>
+            <a:schemeClr val="bg1"/>
+          </a:solidFill>
+          <a:ln w="38100">
+            <a:solidFill>
+              <a:schemeClr val="accent6">
+                <a:lumMod val="50000"/>
+              </a:schemeClr>
+            </a:solidFill>
+          </a:ln>
         </p:spPr>
         <p:txBody>
           <a:bodyPr wrap="square" rtlCol="0">
@@ -8298,8 +11318,9 @@
           </a:bodyPr>
           <a:lstStyle/>
           <a:p>
-            <a:r>
-              <a:rPr kumimoji="1" lang="en-US" altLang="ja-JP" sz="2800" b="1" dirty="0"/>
+            <a:pPr algn="ctr"/>
+            <a:r>
+              <a:rPr kumimoji="1" lang="en-US" altLang="ja-JP" sz="4000" b="1" dirty="0"/>
               <a:t>USER</a:t>
             </a:r>
             <a:endParaRPr kumimoji="1" lang="ja-JP" altLang="en-US" sz="2800" b="1" dirty="0"/>
@@ -8458,7 +11479,7 @@
         </p:blipFill>
         <p:spPr>
           <a:xfrm>
-            <a:off x="6096000" y="3803081"/>
+            <a:off x="6088658" y="3811492"/>
             <a:ext cx="3257306" cy="1797608"/>
           </a:xfrm>
           <a:prstGeom prst="rect">
@@ -8618,6 +11639,137 @@
           <a:p>
             <a:pPr algn="ctr"/>
             <a:endParaRPr kumimoji="1" lang="ja-JP" altLang="en-US"/>
+          </a:p>
+        </p:txBody>
+      </p:sp>
+      <p:pic>
+        <p:nvPicPr>
+          <p:cNvPr id="7" name="図 6">
+            <a:extLst>
+              <a:ext uri="{FF2B5EF4-FFF2-40B4-BE49-F238E27FC236}">
+                <a16:creationId xmlns:a16="http://schemas.microsoft.com/office/drawing/2014/main" id="{3F2595A0-15AB-4F05-8579-CB39029800CB}"/>
+              </a:ext>
+            </a:extLst>
+          </p:cNvPr>
+          <p:cNvPicPr>
+            <a:picLocks noChangeAspect="1"/>
+          </p:cNvPicPr>
+          <p:nvPr/>
+        </p:nvPicPr>
+        <p:blipFill>
+          <a:blip r:embed="rId8">
+            <a:extLst>
+              <a:ext uri="{28A0092B-C50C-407E-A947-70E740481C1C}">
+                <a14:useLocalDpi xmlns:a14="http://schemas.microsoft.com/office/drawing/2010/main" val="0"/>
+              </a:ext>
+            </a:extLst>
+          </a:blip>
+          <a:stretch>
+            <a:fillRect/>
+          </a:stretch>
+        </p:blipFill>
+        <p:spPr>
+          <a:xfrm>
+            <a:off x="7809327" y="2949275"/>
+            <a:ext cx="3611032" cy="1998136"/>
+          </a:xfrm>
+          <a:prstGeom prst="rect">
+            <a:avLst/>
+          </a:prstGeom>
+          <a:ln w="19050">
+            <a:solidFill>
+              <a:schemeClr val="tx1"/>
+            </a:solidFill>
+          </a:ln>
+        </p:spPr>
+      </p:pic>
+      <p:sp>
+        <p:nvSpPr>
+          <p:cNvPr id="10" name="テキスト ボックス 9">
+            <a:extLst>
+              <a:ext uri="{FF2B5EF4-FFF2-40B4-BE49-F238E27FC236}">
+                <a16:creationId xmlns:a16="http://schemas.microsoft.com/office/drawing/2014/main" id="{AFB4F147-DCA5-4E27-B29F-976247809DDE}"/>
+              </a:ext>
+            </a:extLst>
+          </p:cNvPr>
+          <p:cNvSpPr txBox="1"/>
+          <p:nvPr/>
+        </p:nvSpPr>
+        <p:spPr>
+          <a:xfrm>
+            <a:off x="7809327" y="4947410"/>
+            <a:ext cx="3611032" cy="400110"/>
+          </a:xfrm>
+          <a:prstGeom prst="rect">
+            <a:avLst/>
+          </a:prstGeom>
+          <a:solidFill>
+            <a:schemeClr val="bg1"/>
+          </a:solidFill>
+          <a:ln>
+            <a:solidFill>
+              <a:schemeClr val="tx1"/>
+            </a:solidFill>
+          </a:ln>
+        </p:spPr>
+        <p:txBody>
+          <a:bodyPr wrap="square" rtlCol="0">
+            <a:spAutoFit/>
+          </a:bodyPr>
+          <a:lstStyle/>
+          <a:p>
+            <a:pPr algn="ctr"/>
+            <a:r>
+              <a:rPr kumimoji="1" lang="en-US" altLang="ja-JP" sz="2000" b="1" dirty="0"/>
+              <a:t>Raspberry Pi</a:t>
+            </a:r>
+            <a:endParaRPr kumimoji="1" lang="ja-JP" altLang="en-US" sz="2000" b="1" dirty="0"/>
+          </a:p>
+        </p:txBody>
+      </p:sp>
+      <p:sp>
+        <p:nvSpPr>
+          <p:cNvPr id="6" name="テキスト ボックス 5">
+            <a:extLst>
+              <a:ext uri="{FF2B5EF4-FFF2-40B4-BE49-F238E27FC236}">
+                <a16:creationId xmlns:a16="http://schemas.microsoft.com/office/drawing/2014/main" id="{5F954F9D-585C-4117-B68F-D2C78AC9AF80}"/>
+              </a:ext>
+            </a:extLst>
+          </p:cNvPr>
+          <p:cNvSpPr txBox="1"/>
+          <p:nvPr/>
+        </p:nvSpPr>
+        <p:spPr>
+          <a:xfrm>
+            <a:off x="6190464" y="5497846"/>
+            <a:ext cx="1934817" cy="707886"/>
+          </a:xfrm>
+          <a:prstGeom prst="rect">
+            <a:avLst/>
+          </a:prstGeom>
+          <a:solidFill>
+            <a:schemeClr val="bg1"/>
+          </a:solidFill>
+          <a:ln w="38100">
+            <a:solidFill>
+              <a:schemeClr val="accent6">
+                <a:lumMod val="50000"/>
+              </a:schemeClr>
+            </a:solidFill>
+          </a:ln>
+        </p:spPr>
+        <p:txBody>
+          <a:bodyPr wrap="square" rtlCol="0">
+            <a:spAutoFit/>
+          </a:bodyPr>
+          <a:lstStyle/>
+          <a:p>
+            <a:pPr algn="ctr"/>
+            <a:r>
+              <a:rPr kumimoji="1" lang="en-US" altLang="ja-JP" sz="4000" b="1" dirty="0"/>
+              <a:t>YoSiE</a:t>
+            </a:r>
+            <a:endParaRPr kumimoji="1" lang="ja-JP" altLang="en-US" sz="4000" b="1" dirty="0"/>
           </a:p>
         </p:txBody>
       </p:sp>
@@ -8652,14 +11804,50 @@
                             </p:stCondLst>
                             <p:childTnLst>
                               <p:par>
-                                <p:cTn id="5" presetID="53" presetClass="entr" presetSubtype="16" fill="hold" grpId="0" nodeType="clickEffect">
+                                <p:cTn id="5" presetID="6" presetClass="emph" presetSubtype="0" autoRev="1" fill="hold" grpId="0" nodeType="clickEffect">
+                                  <p:stCondLst>
+                                    <p:cond delay="0"/>
+                                  </p:stCondLst>
+                                  <p:childTnLst>
+                                    <p:animScale>
+                                      <p:cBhvr>
+                                        <p:cTn id="6" dur="500" fill="hold"/>
+                                        <p:tgtEl>
+                                          <p:spTgt spid="6"/>
+                                        </p:tgtEl>
+                                      </p:cBhvr>
+                                      <p:by x="150000" y="150000"/>
+                                    </p:animScale>
+                                  </p:childTnLst>
+                                </p:cTn>
+                              </p:par>
+                            </p:childTnLst>
+                          </p:cTn>
+                        </p:par>
+                      </p:childTnLst>
+                    </p:cTn>
+                  </p:par>
+                  <p:par>
+                    <p:cTn id="7" fill="hold">
+                      <p:stCondLst>
+                        <p:cond delay="indefinite"/>
+                      </p:stCondLst>
+                      <p:childTnLst>
+                        <p:par>
+                          <p:cTn id="8" fill="hold">
+                            <p:stCondLst>
+                              <p:cond delay="0"/>
+                            </p:stCondLst>
+                            <p:childTnLst>
+                              <p:par>
+                                <p:cTn id="9" presetID="53" presetClass="entr" presetSubtype="16" fill="hold" grpId="0" nodeType="clickEffect">
                                   <p:stCondLst>
                                     <p:cond delay="0"/>
                                   </p:stCondLst>
                                   <p:childTnLst>
                                     <p:set>
                                       <p:cBhvr>
-                                        <p:cTn id="6" dur="1" fill="hold">
+                                        <p:cTn id="10" dur="1" fill="hold">
                                           <p:stCondLst>
                                             <p:cond delay="0"/>
                                           </p:stCondLst>
@@ -8677,7 +11865,7 @@
                                     </p:set>
                                     <p:anim calcmode="lin" valueType="num">
                                       <p:cBhvr>
-                                        <p:cTn id="7" dur="500" fill="hold"/>
+                                        <p:cTn id="11" dur="500" fill="hold"/>
                                         <p:tgtEl>
                                           <p:spTgt spid="8"/>
                                         </p:tgtEl>
@@ -8700,7 +11888,7 @@
                                     </p:anim>
                                     <p:anim calcmode="lin" valueType="num">
                                       <p:cBhvr>
-                                        <p:cTn id="8" dur="500" fill="hold"/>
+                                        <p:cTn id="12" dur="500" fill="hold"/>
                                         <p:tgtEl>
                                           <p:spTgt spid="8"/>
                                         </p:tgtEl>
@@ -8723,7 +11911,7 @@
                                     </p:anim>
                                     <p:animEffect transition="in" filter="fade">
                                       <p:cBhvr>
-                                        <p:cTn id="9" dur="500"/>
+                                        <p:cTn id="13" dur="500"/>
                                         <p:tgtEl>
                                           <p:spTgt spid="8"/>
                                         </p:tgtEl>
@@ -8739,26 +11927,26 @@
                     </p:cTn>
                   </p:par>
                   <p:par>
-                    <p:cTn id="10" fill="hold">
+                    <p:cTn id="14" fill="hold">
                       <p:stCondLst>
                         <p:cond delay="indefinite"/>
                       </p:stCondLst>
                       <p:childTnLst>
                         <p:par>
-                          <p:cTn id="11" fill="hold">
+                          <p:cTn id="15" fill="hold">
                             <p:stCondLst>
                               <p:cond delay="0"/>
                             </p:stCondLst>
                             <p:childTnLst>
                               <p:par>
-                                <p:cTn id="12" presetID="53" presetClass="entr" presetSubtype="16" fill="hold" grpId="0" nodeType="clickEffect">
+                                <p:cTn id="16" presetID="53" presetClass="entr" presetSubtype="16" fill="hold" grpId="0" nodeType="clickEffect">
                                   <p:stCondLst>
                                     <p:cond delay="0"/>
                                   </p:stCondLst>
                                   <p:childTnLst>
                                     <p:set>
                                       <p:cBhvr>
-                                        <p:cTn id="13" dur="1" fill="hold">
+                                        <p:cTn id="17" dur="1" fill="hold">
                                           <p:stCondLst>
                                             <p:cond delay="0"/>
                                           </p:stCondLst>
@@ -8776,7 +11964,7 @@
                                     </p:set>
                                     <p:anim calcmode="lin" valueType="num">
                                       <p:cBhvr>
-                                        <p:cTn id="14" dur="500" fill="hold"/>
+                                        <p:cTn id="18" dur="500" fill="hold"/>
                                         <p:tgtEl>
                                           <p:spTgt spid="13"/>
                                         </p:tgtEl>
@@ -8799,7 +11987,7 @@
                                     </p:anim>
                                     <p:anim calcmode="lin" valueType="num">
                                       <p:cBhvr>
-                                        <p:cTn id="15" dur="500" fill="hold"/>
+                                        <p:cTn id="19" dur="500" fill="hold"/>
                                         <p:tgtEl>
                                           <p:spTgt spid="13"/>
                                         </p:tgtEl>
@@ -8822,9 +12010,97 @@
                                     </p:anim>
                                     <p:animEffect transition="in" filter="fade">
                                       <p:cBhvr>
-                                        <p:cTn id="16" dur="500"/>
+                                        <p:cTn id="20" dur="500"/>
                                         <p:tgtEl>
                                           <p:spTgt spid="13"/>
+                                        </p:tgtEl>
+                                      </p:cBhvr>
+                                    </p:animEffect>
+                                  </p:childTnLst>
+                                </p:cTn>
+                              </p:par>
+                            </p:childTnLst>
+                          </p:cTn>
+                        </p:par>
+                      </p:childTnLst>
+                    </p:cTn>
+                  </p:par>
+                  <p:par>
+                    <p:cTn id="21" fill="hold">
+                      <p:stCondLst>
+                        <p:cond delay="indefinite"/>
+                      </p:stCondLst>
+                      <p:childTnLst>
+                        <p:par>
+                          <p:cTn id="22" fill="hold">
+                            <p:stCondLst>
+                              <p:cond delay="0"/>
+                            </p:stCondLst>
+                            <p:childTnLst>
+                              <p:par>
+                                <p:cTn id="23" presetID="10" presetClass="entr" presetSubtype="0" fill="hold" nodeType="clickEffect">
+                                  <p:stCondLst>
+                                    <p:cond delay="0"/>
+                                  </p:stCondLst>
+                                  <p:childTnLst>
+                                    <p:set>
+                                      <p:cBhvr>
+                                        <p:cTn id="24" dur="1" fill="hold">
+                                          <p:stCondLst>
+                                            <p:cond delay="0"/>
+                                          </p:stCondLst>
+                                        </p:cTn>
+                                        <p:tgtEl>
+                                          <p:spTgt spid="7"/>
+                                        </p:tgtEl>
+                                        <p:attrNameLst>
+                                          <p:attrName>style.visibility</p:attrName>
+                                        </p:attrNameLst>
+                                      </p:cBhvr>
+                                      <p:to>
+                                        <p:strVal val="visible"/>
+                                      </p:to>
+                                    </p:set>
+                                    <p:animEffect transition="in" filter="fade">
+                                      <p:cBhvr>
+                                        <p:cTn id="25" dur="500"/>
+                                        <p:tgtEl>
+                                          <p:spTgt spid="7"/>
+                                        </p:tgtEl>
+                                      </p:cBhvr>
+                                    </p:animEffect>
+                                  </p:childTnLst>
+                                </p:cTn>
+                              </p:par>
+                              <p:par>
+                                <p:cTn id="26" presetID="10" presetClass="entr" presetSubtype="0" fill="hold" grpId="0" nodeType="withEffect">
+                                  <p:stCondLst>
+                                    <p:cond delay="0"/>
+                                  </p:stCondLst>
+                                  <p:childTnLst>
+                                    <p:set>
+                                      <p:cBhvr>
+                                        <p:cTn id="27" dur="1" fill="hold">
+                                          <p:stCondLst>
+                                            <p:cond delay="0"/>
+                                          </p:stCondLst>
+                                        </p:cTn>
+                                        <p:tgtEl>
+                                          <p:spTgt spid="10"/>
+                                        </p:tgtEl>
+                                        <p:attrNameLst>
+                                          <p:attrName>style.visibility</p:attrName>
+                                        </p:attrNameLst>
+                                      </p:cBhvr>
+                                      <p:to>
+                                        <p:strVal val="visible"/>
+                                      </p:to>
+                                    </p:set>
+                                    <p:animEffect transition="in" filter="fade">
+                                      <p:cBhvr>
+                                        <p:cTn id="28" dur="500"/>
+                                        <p:tgtEl>
+                                          <p:spTgt spid="10"/>
                                         </p:tgtEl>
                                       </p:cBhvr>
                                     </p:animEffect>
@@ -8861,6 +12137,8 @@
     <p:bldLst>
       <p:bldP spid="8" grpId="0" animBg="1"/>
       <p:bldP spid="13" grpId="0" animBg="1"/>
+      <p:bldP spid="10" grpId="0" animBg="1"/>
+      <p:bldP spid="6" grpId="0" animBg="1"/>
     </p:bldLst>
   </p:timing>
 </p:sld>
@@ -9114,7 +12392,15 @@
             <a:pPr lvl="2"/>
             <a:r>
               <a:rPr kumimoji="1" lang="ja-JP" altLang="en-US" sz="2400" dirty="0"/>
-              <a:t>音声ファイルの保存</a:t>
+              <a:t>音声ファイル</a:t>
+            </a:r>
+            <a:r>
+              <a:rPr lang="ja-JP" altLang="en-US" sz="2400" dirty="0"/>
+              <a:t>を</a:t>
+            </a:r>
+            <a:r>
+              <a:rPr kumimoji="1" lang="ja-JP" altLang="en-US" sz="2400" dirty="0"/>
+              <a:t>保存</a:t>
             </a:r>
             <a:endParaRPr lang="en-US" altLang="ja-JP" sz="2400" dirty="0"/>
           </a:p>
@@ -9241,6 +12527,98 @@
       </p:grpSpPr>
       <p:sp>
         <p:nvSpPr>
+          <p:cNvPr id="2" name="テキスト ボックス 1">
+            <a:extLst>
+              <a:ext uri="{FF2B5EF4-FFF2-40B4-BE49-F238E27FC236}">
+                <a16:creationId xmlns:a16="http://schemas.microsoft.com/office/drawing/2014/main" id="{48BB6840-FFA8-4AC8-A5F8-8DEC3A149E9A}"/>
+              </a:ext>
+            </a:extLst>
+          </p:cNvPr>
+          <p:cNvSpPr txBox="1"/>
+          <p:nvPr/>
+        </p:nvSpPr>
+        <p:spPr>
+          <a:xfrm>
+            <a:off x="914400" y="2321004"/>
+            <a:ext cx="12017828" cy="1107996"/>
+          </a:xfrm>
+          <a:prstGeom prst="rect">
+            <a:avLst/>
+          </a:prstGeom>
+          <a:noFill/>
+        </p:spPr>
+        <p:txBody>
+          <a:bodyPr wrap="square" rtlCol="0">
+            <a:spAutoFit/>
+          </a:bodyPr>
+          <a:lstStyle/>
+          <a:p>
+            <a:r>
+              <a:rPr lang="ja-JP" altLang="en-US" sz="6600" b="1" dirty="0">
+                <a:ln>
+                  <a:solidFill>
+                    <a:sysClr val="windowText" lastClr="000000"/>
+                  </a:solidFill>
+                </a:ln>
+                <a:solidFill>
+                  <a:schemeClr val="accent6">
+                    <a:lumMod val="75000"/>
+                  </a:schemeClr>
+                </a:solidFill>
+                <a:latin typeface="HGP明朝E" panose="02020900000000000000" pitchFamily="18" charset="-128"/>
+                <a:ea typeface="HGP明朝E" panose="02020900000000000000" pitchFamily="18" charset="-128"/>
+              </a:rPr>
+              <a:t>ご清聴ありがとうございました</a:t>
+            </a:r>
+            <a:endParaRPr kumimoji="1" lang="ja-JP" altLang="en-US" sz="6600" b="1" dirty="0">
+              <a:ln>
+                <a:solidFill>
+                  <a:sysClr val="windowText" lastClr="000000"/>
+                </a:solidFill>
+              </a:ln>
+              <a:solidFill>
+                <a:schemeClr val="accent6">
+                  <a:lumMod val="75000"/>
+                </a:schemeClr>
+              </a:solidFill>
+              <a:latin typeface="HGP明朝E" panose="02020900000000000000" pitchFamily="18" charset="-128"/>
+              <a:ea typeface="HGP明朝E" panose="02020900000000000000" pitchFamily="18" charset="-128"/>
+            </a:endParaRPr>
+          </a:p>
+        </p:txBody>
+      </p:sp>
+    </p:spTree>
+    <p:extLst>
+      <p:ext uri="{BB962C8B-B14F-4D97-AF65-F5344CB8AC3E}">
+        <p14:creationId xmlns:p14="http://schemas.microsoft.com/office/powerpoint/2010/main" val="3704342000"/>
+      </p:ext>
+    </p:extLst>
+  </p:cSld>
+  <p:clrMapOvr>
+    <a:masterClrMapping/>
+  </p:clrMapOvr>
+</p:sld>
+</file>
+
+<file path=ppt/slides/slide23.xml><?xml version="1.0" encoding="utf-8"?>
+<p:sld xmlns:a="http://schemas.openxmlformats.org/drawingml/2006/main" xmlns:r="http://schemas.openxmlformats.org/officeDocument/2006/relationships" xmlns:p="http://schemas.openxmlformats.org/presentationml/2006/main">
+  <p:cSld>
+    <p:spTree>
+      <p:nvGrpSpPr>
+        <p:cNvPr id="1" name=""/>
+        <p:cNvGrpSpPr/>
+        <p:nvPr/>
+      </p:nvGrpSpPr>
+      <p:grpSpPr>
+        <a:xfrm>
+          <a:off x="0" y="0"/>
+          <a:ext cx="0" cy="0"/>
+          <a:chOff x="0" y="0"/>
+          <a:chExt cx="0" cy="0"/>
+        </a:xfrm>
+      </p:grpSpPr>
+      <p:sp>
+        <p:nvSpPr>
           <p:cNvPr id="2" name="タイトル 1">
             <a:extLst>
               <a:ext uri="{FF2B5EF4-FFF2-40B4-BE49-F238E27FC236}">
@@ -10491,7 +13869,7 @@
           <a:p>
             <a:r>
               <a:rPr lang="ja-JP" altLang="en-US" dirty="0"/>
-              <a:t>マイクから入力された音声をテキストに変換</a:t>
+              <a:t>音声をテキストに変換</a:t>
             </a:r>
             <a:endParaRPr kumimoji="1" lang="en-US" altLang="ja-JP" dirty="0"/>
           </a:p>
@@ -10705,13 +14083,13 @@
           <p:nvPr/>
         </p:nvPicPr>
         <p:blipFill>
-          <a:blip r:embed="rId2">
+          <a:blip r:embed="rId3">
             <a:extLst>
               <a:ext uri="{28A0092B-C50C-407E-A947-70E740481C1C}">
                 <a14:useLocalDpi xmlns:a14="http://schemas.microsoft.com/office/drawing/2010/main" val="0"/>
               </a:ext>
               <a:ext uri="{96DAC541-7B7A-43D3-8B79-37D633B846F1}">
-                <asvg:svgBlip xmlns:asvg="http://schemas.microsoft.com/office/drawing/2016/SVG/main" r:embed="rId3"/>
+                <asvg:svgBlip xmlns:asvg="http://schemas.microsoft.com/office/drawing/2016/SVG/main" r:embed="rId4"/>
               </a:ext>
             </a:extLst>
           </a:blip>
@@ -10758,9 +14136,6 @@
                     <p:cTn id="3" fill="hold">
                       <p:stCondLst>
                         <p:cond delay="indefinite"/>
-                        <p:cond evt="onBegin" delay="0">
-                          <p:tn val="2"/>
-                        </p:cond>
                       </p:stCondLst>
                       <p:childTnLst>
                         <p:par>
@@ -10770,7 +14145,7 @@
                             </p:stCondLst>
                             <p:childTnLst>
                               <p:par>
-                                <p:cTn id="5" presetID="42" presetClass="entr" presetSubtype="0" fill="hold" grpId="0" nodeType="withEffect">
+                                <p:cTn id="5" presetID="14" presetClass="entr" presetSubtype="10" fill="hold" grpId="0" nodeType="clickEffect">
                                   <p:stCondLst>
                                     <p:cond delay="0"/>
                                   </p:stCondLst>
@@ -10793,72 +14168,26 @@
                                         <p:strVal val="visible"/>
                                       </p:to>
                                     </p:set>
-                                    <p:animEffect transition="in" filter="fade">
+                                    <p:animEffect transition="in" filter="randombar(horizontal)">
                                       <p:cBhvr>
-                                        <p:cTn id="7" dur="1000"/>
+                                        <p:cTn id="7" dur="500"/>
                                         <p:tgtEl>
                                           <p:spTgt spid="6"/>
                                         </p:tgtEl>
                                       </p:cBhvr>
                                     </p:animEffect>
-                                    <p:anim calcmode="lin" valueType="num">
-                                      <p:cBhvr>
-                                        <p:cTn id="8" dur="1000" fill="hold"/>
-                                        <p:tgtEl>
-                                          <p:spTgt spid="6"/>
-                                        </p:tgtEl>
-                                        <p:attrNameLst>
-                                          <p:attrName>ppt_x</p:attrName>
-                                        </p:attrNameLst>
-                                      </p:cBhvr>
-                                      <p:tavLst>
-                                        <p:tav tm="0">
-                                          <p:val>
-                                            <p:strVal val="#ppt_x"/>
-                                          </p:val>
-                                        </p:tav>
-                                        <p:tav tm="100000">
-                                          <p:val>
-                                            <p:strVal val="#ppt_x"/>
-                                          </p:val>
-                                        </p:tav>
-                                      </p:tavLst>
-                                    </p:anim>
-                                    <p:anim calcmode="lin" valueType="num">
-                                      <p:cBhvr>
-                                        <p:cTn id="9" dur="1000" fill="hold"/>
-                                        <p:tgtEl>
-                                          <p:spTgt spid="6"/>
-                                        </p:tgtEl>
-                                        <p:attrNameLst>
-                                          <p:attrName>ppt_y</p:attrName>
-                                        </p:attrNameLst>
-                                      </p:cBhvr>
-                                      <p:tavLst>
-                                        <p:tav tm="0">
-                                          <p:val>
-                                            <p:strVal val="#ppt_y+.1"/>
-                                          </p:val>
-                                        </p:tav>
-                                        <p:tav tm="100000">
-                                          <p:val>
-                                            <p:strVal val="#ppt_y"/>
-                                          </p:val>
-                                        </p:tav>
-                                      </p:tavLst>
-                                    </p:anim>
                                   </p:childTnLst>
                                 </p:cTn>
                               </p:par>
                               <p:par>
-                                <p:cTn id="10" presetID="42" presetClass="entr" presetSubtype="0" fill="hold" grpId="0" nodeType="withEffect">
+                                <p:cTn id="8" presetID="14" presetClass="entr" presetSubtype="10" fill="hold" grpId="0" nodeType="withEffect">
                                   <p:stCondLst>
                                     <p:cond delay="0"/>
                                   </p:stCondLst>
                                   <p:childTnLst>
                                     <p:set>
                                       <p:cBhvr>
-                                        <p:cTn id="11" dur="1" fill="hold">
+                                        <p:cTn id="9" dur="1" fill="hold">
                                           <p:stCondLst>
                                             <p:cond delay="0"/>
                                           </p:stCondLst>
@@ -10874,81 +14203,26 @@
                                         <p:strVal val="visible"/>
                                       </p:to>
                                     </p:set>
-                                    <p:animEffect transition="in" filter="fade">
+                                    <p:animEffect transition="in" filter="randombar(horizontal)">
                                       <p:cBhvr>
-                                        <p:cTn id="12" dur="1000"/>
+                                        <p:cTn id="10" dur="500"/>
                                         <p:tgtEl>
                                           <p:spTgt spid="7"/>
                                         </p:tgtEl>
                                       </p:cBhvr>
                                     </p:animEffect>
-                                    <p:anim calcmode="lin" valueType="num">
-                                      <p:cBhvr>
-                                        <p:cTn id="13" dur="1000" fill="hold"/>
-                                        <p:tgtEl>
-                                          <p:spTgt spid="7"/>
-                                        </p:tgtEl>
-                                        <p:attrNameLst>
-                                          <p:attrName>ppt_x</p:attrName>
-                                        </p:attrNameLst>
-                                      </p:cBhvr>
-                                      <p:tavLst>
-                                        <p:tav tm="0">
-                                          <p:val>
-                                            <p:strVal val="#ppt_x"/>
-                                          </p:val>
-                                        </p:tav>
-                                        <p:tav tm="100000">
-                                          <p:val>
-                                            <p:strVal val="#ppt_x"/>
-                                          </p:val>
-                                        </p:tav>
-                                      </p:tavLst>
-                                    </p:anim>
-                                    <p:anim calcmode="lin" valueType="num">
-                                      <p:cBhvr>
-                                        <p:cTn id="14" dur="1000" fill="hold"/>
-                                        <p:tgtEl>
-                                          <p:spTgt spid="7"/>
-                                        </p:tgtEl>
-                                        <p:attrNameLst>
-                                          <p:attrName>ppt_y</p:attrName>
-                                        </p:attrNameLst>
-                                      </p:cBhvr>
-                                      <p:tavLst>
-                                        <p:tav tm="0">
-                                          <p:val>
-                                            <p:strVal val="#ppt_y+.1"/>
-                                          </p:val>
-                                        </p:tav>
-                                        <p:tav tm="100000">
-                                          <p:val>
-                                            <p:strVal val="#ppt_y"/>
-                                          </p:val>
-                                        </p:tav>
-                                      </p:tavLst>
-                                    </p:anim>
                                   </p:childTnLst>
                                 </p:cTn>
                               </p:par>
-                            </p:childTnLst>
-                          </p:cTn>
-                        </p:par>
-                        <p:par>
-                          <p:cTn id="15" fill="hold">
-                            <p:stCondLst>
-                              <p:cond delay="1000"/>
-                            </p:stCondLst>
-                            <p:childTnLst>
                               <p:par>
-                                <p:cTn id="16" presetID="14" presetClass="entr" presetSubtype="10" fill="hold" nodeType="afterEffect">
+                                <p:cTn id="11" presetID="14" presetClass="entr" presetSubtype="10" fill="hold" nodeType="withEffect">
                                   <p:stCondLst>
                                     <p:cond delay="0"/>
                                   </p:stCondLst>
                                   <p:childTnLst>
                                     <p:set>
                                       <p:cBhvr>
-                                        <p:cTn id="17" dur="1" fill="hold">
+                                        <p:cTn id="12" dur="1" fill="hold">
                                           <p:stCondLst>
                                             <p:cond delay="0"/>
                                           </p:stCondLst>
@@ -10966,7 +14240,7 @@
                                     </p:set>
                                     <p:animEffect transition="in" filter="randombar(horizontal)">
                                       <p:cBhvr>
-                                        <p:cTn id="18" dur="500"/>
+                                        <p:cTn id="13" dur="500"/>
                                         <p:tgtEl>
                                           <p:spTgt spid="8"/>
                                         </p:tgtEl>
@@ -11041,7 +14315,7 @@
         </p:nvSpPr>
         <p:spPr>
           <a:xfrm>
-            <a:off x="9508067" y="0"/>
+            <a:off x="9508067" y="14514"/>
             <a:ext cx="2683933" cy="1593908"/>
           </a:xfrm>
           <a:prstGeom prst="rect">
@@ -11093,7 +14367,7 @@
         </p:nvSpPr>
         <p:spPr>
           <a:xfrm>
-            <a:off x="3504262" y="1831471"/>
+            <a:off x="3662681" y="2967657"/>
             <a:ext cx="4331368" cy="628442"/>
           </a:xfrm>
           <a:prstGeom prst="rect">
@@ -11191,7 +14465,7 @@
         </p:nvSpPr>
         <p:spPr>
           <a:xfrm>
-            <a:off x="3510281" y="2776608"/>
+            <a:off x="3656663" y="4085619"/>
             <a:ext cx="4331367" cy="659274"/>
           </a:xfrm>
           <a:prstGeom prst="rect">
@@ -11230,8 +14504,15 @@
                   </a:schemeClr>
                 </a:solidFill>
               </a:rPr>
-              <a:t>サーバからデータを取得</a:t>
-            </a:r>
+              <a:t>音声認識</a:t>
+            </a:r>
+            <a:endParaRPr kumimoji="1" lang="en-US" altLang="ja-JP" b="1" dirty="0">
+              <a:solidFill>
+                <a:schemeClr val="accent6">
+                  <a:lumMod val="50000"/>
+                </a:schemeClr>
+              </a:solidFill>
+            </a:endParaRPr>
           </a:p>
         </p:txBody>
       </p:sp>
@@ -11249,7 +14530,7 @@
         </p:nvSpPr>
         <p:spPr>
           <a:xfrm>
-            <a:off x="3510281" y="3737175"/>
+            <a:off x="3656663" y="5238974"/>
             <a:ext cx="4325349" cy="659274"/>
           </a:xfrm>
           <a:prstGeom prst="rect">
@@ -11281,24 +14562,238 @@
           <a:p>
             <a:pPr algn="ctr"/>
             <a:r>
-              <a:rPr kumimoji="1" lang="ja-JP" altLang="en-US" b="1" dirty="0">
+              <a:rPr lang="ja-JP" altLang="en-US" b="1">
                 <a:solidFill>
                   <a:schemeClr val="accent6">
                     <a:lumMod val="50000"/>
                   </a:schemeClr>
                 </a:solidFill>
               </a:rPr>
-              <a:t>文字データに変換</a:t>
-            </a:r>
-          </a:p>
-        </p:txBody>
-      </p:sp>
-      <p:sp>
-        <p:nvSpPr>
-          <p:cNvPr id="11" name="正方形/長方形 10">
-            <a:extLst>
-              <a:ext uri="{FF2B5EF4-FFF2-40B4-BE49-F238E27FC236}">
-                <a16:creationId xmlns:a16="http://schemas.microsoft.com/office/drawing/2014/main" id="{69A4858F-755D-44A9-8569-3D23BC0DD3B1}"/>
+              <a:t>サーバからデータを取得</a:t>
+            </a:r>
+            <a:endParaRPr lang="ja-JP" altLang="en-US" b="1" dirty="0">
+              <a:solidFill>
+                <a:schemeClr val="accent6">
+                  <a:lumMod val="50000"/>
+                </a:schemeClr>
+              </a:solidFill>
+            </a:endParaRPr>
+          </a:p>
+        </p:txBody>
+      </p:sp>
+      <p:cxnSp>
+        <p:nvCxnSpPr>
+          <p:cNvPr id="13" name="直線矢印コネクタ 12">
+            <a:extLst>
+              <a:ext uri="{FF2B5EF4-FFF2-40B4-BE49-F238E27FC236}">
+                <a16:creationId xmlns:a16="http://schemas.microsoft.com/office/drawing/2014/main" id="{863D539B-DE0C-4589-B512-A43519BB23AD}"/>
+              </a:ext>
+            </a:extLst>
+          </p:cNvPr>
+          <p:cNvCxnSpPr>
+            <a:cxnSpLocks/>
+            <a:stCxn id="8" idx="2"/>
+            <a:endCxn id="9" idx="0"/>
+          </p:cNvCxnSpPr>
+          <p:nvPr/>
+        </p:nvCxnSpPr>
+        <p:spPr>
+          <a:xfrm flipH="1">
+            <a:off x="5822347" y="3596099"/>
+            <a:ext cx="6018" cy="489520"/>
+          </a:xfrm>
+          <a:prstGeom prst="straightConnector1">
+            <a:avLst/>
+          </a:prstGeom>
+          <a:ln w="76200">
+            <a:solidFill>
+              <a:schemeClr val="accent6">
+                <a:lumMod val="75000"/>
+              </a:schemeClr>
+            </a:solidFill>
+            <a:tailEnd type="triangle"/>
+          </a:ln>
+        </p:spPr>
+        <p:style>
+          <a:lnRef idx="1">
+            <a:schemeClr val="accent1"/>
+          </a:lnRef>
+          <a:fillRef idx="0">
+            <a:schemeClr val="accent1"/>
+          </a:fillRef>
+          <a:effectRef idx="0">
+            <a:schemeClr val="accent1"/>
+          </a:effectRef>
+          <a:fontRef idx="minor">
+            <a:schemeClr val="tx1"/>
+          </a:fontRef>
+        </p:style>
+      </p:cxnSp>
+      <p:cxnSp>
+        <p:nvCxnSpPr>
+          <p:cNvPr id="14" name="直線矢印コネクタ 13">
+            <a:extLst>
+              <a:ext uri="{FF2B5EF4-FFF2-40B4-BE49-F238E27FC236}">
+                <a16:creationId xmlns:a16="http://schemas.microsoft.com/office/drawing/2014/main" id="{F815D4FC-9874-4B0B-A573-A6C1A12E0799}"/>
+              </a:ext>
+            </a:extLst>
+          </p:cNvPr>
+          <p:cNvCxnSpPr>
+            <a:cxnSpLocks/>
+            <a:stCxn id="20" idx="2"/>
+            <a:endCxn id="8" idx="0"/>
+          </p:cNvCxnSpPr>
+          <p:nvPr/>
+        </p:nvCxnSpPr>
+        <p:spPr>
+          <a:xfrm>
+            <a:off x="5825356" y="2113107"/>
+            <a:ext cx="3009" cy="854550"/>
+          </a:xfrm>
+          <a:prstGeom prst="straightConnector1">
+            <a:avLst/>
+          </a:prstGeom>
+          <a:ln w="76200">
+            <a:solidFill>
+              <a:schemeClr val="accent6">
+                <a:lumMod val="75000"/>
+              </a:schemeClr>
+            </a:solidFill>
+            <a:tailEnd type="triangle"/>
+          </a:ln>
+        </p:spPr>
+        <p:style>
+          <a:lnRef idx="1">
+            <a:schemeClr val="accent1"/>
+          </a:lnRef>
+          <a:fillRef idx="0">
+            <a:schemeClr val="accent1"/>
+          </a:fillRef>
+          <a:effectRef idx="0">
+            <a:schemeClr val="accent1"/>
+          </a:effectRef>
+          <a:fontRef idx="minor">
+            <a:schemeClr val="tx1"/>
+          </a:fontRef>
+        </p:style>
+      </p:cxnSp>
+      <p:cxnSp>
+        <p:nvCxnSpPr>
+          <p:cNvPr id="15" name="直線矢印コネクタ 14">
+            <a:extLst>
+              <a:ext uri="{FF2B5EF4-FFF2-40B4-BE49-F238E27FC236}">
+                <a16:creationId xmlns:a16="http://schemas.microsoft.com/office/drawing/2014/main" id="{520EC643-11B6-4758-ADD1-92FBBA747172}"/>
+              </a:ext>
+            </a:extLst>
+          </p:cNvPr>
+          <p:cNvCxnSpPr>
+            <a:cxnSpLocks/>
+            <a:stCxn id="9" idx="2"/>
+            <a:endCxn id="10" idx="0"/>
+          </p:cNvCxnSpPr>
+          <p:nvPr/>
+        </p:nvCxnSpPr>
+        <p:spPr>
+          <a:xfrm flipH="1">
+            <a:off x="5819338" y="4744893"/>
+            <a:ext cx="3009" cy="494081"/>
+          </a:xfrm>
+          <a:prstGeom prst="straightConnector1">
+            <a:avLst/>
+          </a:prstGeom>
+          <a:ln w="76200">
+            <a:solidFill>
+              <a:schemeClr val="accent6">
+                <a:lumMod val="75000"/>
+              </a:schemeClr>
+            </a:solidFill>
+            <a:tailEnd type="triangle"/>
+          </a:ln>
+        </p:spPr>
+        <p:style>
+          <a:lnRef idx="1">
+            <a:schemeClr val="accent1"/>
+          </a:lnRef>
+          <a:fillRef idx="0">
+            <a:schemeClr val="accent1"/>
+          </a:fillRef>
+          <a:effectRef idx="0">
+            <a:schemeClr val="accent1"/>
+          </a:effectRef>
+          <a:fontRef idx="minor">
+            <a:schemeClr val="tx1"/>
+          </a:fontRef>
+        </p:style>
+      </p:cxnSp>
+      <p:sp>
+        <p:nvSpPr>
+          <p:cNvPr id="7" name="タイトル 6">
+            <a:extLst>
+              <a:ext uri="{FF2B5EF4-FFF2-40B4-BE49-F238E27FC236}">
+                <a16:creationId xmlns:a16="http://schemas.microsoft.com/office/drawing/2014/main" id="{16236DA4-53A3-44AB-81AD-3B882D2DCE55}"/>
+              </a:ext>
+            </a:extLst>
+          </p:cNvPr>
+          <p:cNvSpPr>
+            <a:spLocks noGrp="1"/>
+          </p:cNvSpPr>
+          <p:nvPr>
+            <p:ph type="title"/>
+          </p:nvPr>
+        </p:nvSpPr>
+        <p:spPr>
+          <a:xfrm>
+            <a:off x="838200" y="359129"/>
+            <a:ext cx="10515600" cy="1325563"/>
+          </a:xfrm>
+        </p:spPr>
+        <p:txBody>
+          <a:bodyPr/>
+          <a:lstStyle/>
+          <a:p>
+            <a:r>
+              <a:rPr lang="en-US" altLang="ja-JP" dirty="0">
+                <a:ln>
+                  <a:solidFill>
+                    <a:schemeClr val="tx1"/>
+                  </a:solidFill>
+                </a:ln>
+                <a:solidFill>
+                  <a:schemeClr val="accent6">
+                    <a:lumMod val="75000"/>
+                  </a:schemeClr>
+                </a:solidFill>
+                <a:latin typeface="HGP明朝E" panose="02020900000000000000" pitchFamily="18" charset="-128"/>
+                <a:ea typeface="HGP明朝E" panose="02020900000000000000" pitchFamily="18" charset="-128"/>
+              </a:rPr>
+              <a:t>Python</a:t>
+            </a:r>
+            <a:r>
+              <a:rPr lang="ja-JP" altLang="en-US" dirty="0">
+                <a:ln>
+                  <a:solidFill>
+                    <a:schemeClr val="tx1"/>
+                  </a:solidFill>
+                </a:ln>
+                <a:solidFill>
+                  <a:schemeClr val="accent6">
+                    <a:lumMod val="75000"/>
+                  </a:schemeClr>
+                </a:solidFill>
+                <a:latin typeface="HGP明朝E" panose="02020900000000000000" pitchFamily="18" charset="-128"/>
+                <a:ea typeface="HGP明朝E" panose="02020900000000000000" pitchFamily="18" charset="-128"/>
+              </a:rPr>
+              <a:t>との連携</a:t>
+            </a:r>
+          </a:p>
+        </p:txBody>
+      </p:sp>
+      <p:sp>
+        <p:nvSpPr>
+          <p:cNvPr id="20" name="正方形/長方形 19">
+            <a:extLst>
+              <a:ext uri="{FF2B5EF4-FFF2-40B4-BE49-F238E27FC236}">
+                <a16:creationId xmlns:a16="http://schemas.microsoft.com/office/drawing/2014/main" id="{FB8B81E6-7CF0-4CD1-9227-7CCB13E84C75}"/>
               </a:ext>
             </a:extLst>
           </p:cNvPr>
@@ -11307,8 +14802,8 @@
         </p:nvSpPr>
         <p:spPr>
           <a:xfrm>
-            <a:off x="3516300" y="4697742"/>
-            <a:ext cx="4325348" cy="658449"/>
+            <a:off x="3662681" y="1453833"/>
+            <a:ext cx="4325349" cy="659274"/>
           </a:xfrm>
           <a:prstGeom prst="rect">
             <a:avLst/>
@@ -11346,7 +14841,7 @@
                   </a:schemeClr>
                 </a:solidFill>
               </a:rPr>
-              <a:t>AI</a:t>
+              <a:t>Julius</a:t>
             </a:r>
             <a:r>
               <a:rPr kumimoji="1" lang="ja-JP" altLang="en-US" b="1" dirty="0">
@@ -11356,37 +14851,17 @@
                   </a:schemeClr>
                 </a:solidFill>
               </a:rPr>
-              <a:t>（</a:t>
-            </a:r>
-            <a:r>
-              <a:rPr kumimoji="1" lang="en-US" altLang="ja-JP" b="1" dirty="0">
-                <a:solidFill>
-                  <a:schemeClr val="accent6">
-                    <a:lumMod val="50000"/>
-                  </a:schemeClr>
-                </a:solidFill>
-              </a:rPr>
-              <a:t>if</a:t>
-            </a:r>
-            <a:r>
-              <a:rPr kumimoji="1" lang="ja-JP" altLang="en-US" b="1" dirty="0">
-                <a:solidFill>
-                  <a:schemeClr val="accent6">
-                    <a:lumMod val="50000"/>
-                  </a:schemeClr>
-                </a:solidFill>
-              </a:rPr>
-              <a:t>文）で分類</a:t>
-            </a:r>
-          </a:p>
-        </p:txBody>
-      </p:sp>
-      <p:sp>
-        <p:nvSpPr>
-          <p:cNvPr id="12" name="正方形/長方形 11">
-            <a:extLst>
-              <a:ext uri="{FF2B5EF4-FFF2-40B4-BE49-F238E27FC236}">
-                <a16:creationId xmlns:a16="http://schemas.microsoft.com/office/drawing/2014/main" id="{144A6A93-CCFC-4DA4-A5EB-31A5F271A55C}"/>
+              <a:t>サーバを起動</a:t>
+            </a:r>
+          </a:p>
+        </p:txBody>
+      </p:sp>
+      <p:sp>
+        <p:nvSpPr>
+          <p:cNvPr id="30" name="正方形/長方形 29">
+            <a:extLst>
+              <a:ext uri="{FF2B5EF4-FFF2-40B4-BE49-F238E27FC236}">
+                <a16:creationId xmlns:a16="http://schemas.microsoft.com/office/drawing/2014/main" id="{6E1CA5D4-A51E-457C-BE26-313D0CEFB033}"/>
               </a:ext>
             </a:extLst>
           </p:cNvPr>
@@ -11395,15 +14870,20 @@
         </p:nvSpPr>
         <p:spPr>
           <a:xfrm>
-            <a:off x="3516298" y="5657484"/>
-            <a:ext cx="4337384" cy="658449"/>
+            <a:off x="3254644" y="2650211"/>
+            <a:ext cx="5129939" cy="3431276"/>
           </a:xfrm>
           <a:prstGeom prst="rect">
             <a:avLst/>
           </a:prstGeom>
-          <a:solidFill>
-            <a:schemeClr val="bg1"/>
-          </a:solidFill>
+          <a:noFill/>
+          <a:ln w="76200">
+            <a:solidFill>
+              <a:schemeClr val="accent6">
+                <a:lumMod val="50000"/>
+              </a:schemeClr>
+            </a:solidFill>
+          </a:ln>
         </p:spPr>
         <p:style>
           <a:lnRef idx="2">
@@ -11426,510 +14906,53 @@
           <a:lstStyle/>
           <a:p>
             <a:pPr algn="ctr"/>
-            <a:r>
-              <a:rPr lang="ja-JP" altLang="en-US" b="1" dirty="0">
-                <a:solidFill>
-                  <a:schemeClr val="accent6">
-                    <a:lumMod val="50000"/>
-                  </a:schemeClr>
-                </a:solidFill>
-              </a:rPr>
-              <a:t>取得したデータを音声</a:t>
-            </a:r>
-            <a:r>
-              <a:rPr kumimoji="1" lang="ja-JP" altLang="en-US" b="1" dirty="0">
-                <a:solidFill>
-                  <a:schemeClr val="accent6">
-                    <a:lumMod val="50000"/>
-                  </a:schemeClr>
-                </a:solidFill>
-              </a:rPr>
-              <a:t>出力</a:t>
-            </a:r>
-          </a:p>
-        </p:txBody>
-      </p:sp>
-      <p:cxnSp>
-        <p:nvCxnSpPr>
-          <p:cNvPr id="13" name="直線矢印コネクタ 12">
-            <a:extLst>
-              <a:ext uri="{FF2B5EF4-FFF2-40B4-BE49-F238E27FC236}">
-                <a16:creationId xmlns:a16="http://schemas.microsoft.com/office/drawing/2014/main" id="{863D539B-DE0C-4589-B512-A43519BB23AD}"/>
-              </a:ext>
-            </a:extLst>
-          </p:cNvPr>
-          <p:cNvCxnSpPr>
-            <a:cxnSpLocks/>
-            <a:endCxn id="9" idx="0"/>
-          </p:cNvCxnSpPr>
+            <a:endParaRPr kumimoji="1" lang="ja-JP" altLang="en-US"/>
+          </a:p>
+        </p:txBody>
+      </p:sp>
+      <p:sp>
+        <p:nvSpPr>
+          <p:cNvPr id="31" name="テキスト ボックス 30">
+            <a:extLst>
+              <a:ext uri="{FF2B5EF4-FFF2-40B4-BE49-F238E27FC236}">
+                <a16:creationId xmlns:a16="http://schemas.microsoft.com/office/drawing/2014/main" id="{CBFCCCBF-CED3-422B-A79A-D3076B600230}"/>
+              </a:ext>
+            </a:extLst>
+          </p:cNvPr>
+          <p:cNvSpPr txBox="1"/>
           <p:nvPr/>
-        </p:nvCxnSpPr>
+        </p:nvSpPr>
         <p:spPr>
           <a:xfrm>
-            <a:off x="5675965" y="2475316"/>
-            <a:ext cx="0" cy="301292"/>
+            <a:off x="3653654" y="2452914"/>
+            <a:ext cx="1391299" cy="369332"/>
           </a:xfrm>
-          <a:prstGeom prst="straightConnector1">
+          <a:prstGeom prst="rect">
             <a:avLst/>
           </a:prstGeom>
-          <a:ln w="76200">
-            <a:solidFill>
-              <a:schemeClr val="accent6">
-                <a:lumMod val="75000"/>
-              </a:schemeClr>
-            </a:solidFill>
-            <a:tailEnd type="triangle"/>
-          </a:ln>
-        </p:spPr>
-        <p:style>
-          <a:lnRef idx="1">
-            <a:schemeClr val="accent1"/>
-          </a:lnRef>
-          <a:fillRef idx="0">
-            <a:schemeClr val="accent1"/>
-          </a:fillRef>
-          <a:effectRef idx="0">
-            <a:schemeClr val="accent1"/>
-          </a:effectRef>
-          <a:fontRef idx="minor">
-            <a:schemeClr val="tx1"/>
-          </a:fontRef>
-        </p:style>
-      </p:cxnSp>
-      <p:cxnSp>
-        <p:nvCxnSpPr>
-          <p:cNvPr id="14" name="直線矢印コネクタ 13">
-            <a:extLst>
-              <a:ext uri="{FF2B5EF4-FFF2-40B4-BE49-F238E27FC236}">
-                <a16:creationId xmlns:a16="http://schemas.microsoft.com/office/drawing/2014/main" id="{F815D4FC-9874-4B0B-A573-A6C1A12E0799}"/>
-              </a:ext>
-            </a:extLst>
-          </p:cNvPr>
-          <p:cNvCxnSpPr>
-            <a:cxnSpLocks/>
-            <a:stCxn id="9" idx="2"/>
-            <a:endCxn id="10" idx="0"/>
-          </p:cNvCxnSpPr>
-          <p:nvPr/>
-        </p:nvCxnSpPr>
-        <p:spPr>
-          <a:xfrm flipH="1">
-            <a:off x="5672956" y="3435882"/>
-            <a:ext cx="3009" cy="301293"/>
-          </a:xfrm>
-          <a:prstGeom prst="straightConnector1">
-            <a:avLst/>
-          </a:prstGeom>
-          <a:ln w="76200">
-            <a:solidFill>
-              <a:schemeClr val="accent6">
-                <a:lumMod val="75000"/>
-              </a:schemeClr>
-            </a:solidFill>
-            <a:tailEnd type="triangle"/>
-          </a:ln>
-        </p:spPr>
-        <p:style>
-          <a:lnRef idx="1">
-            <a:schemeClr val="accent1"/>
-          </a:lnRef>
-          <a:fillRef idx="0">
-            <a:schemeClr val="accent1"/>
-          </a:fillRef>
-          <a:effectRef idx="0">
-            <a:schemeClr val="accent1"/>
-          </a:effectRef>
-          <a:fontRef idx="minor">
-            <a:schemeClr val="tx1"/>
-          </a:fontRef>
-        </p:style>
-      </p:cxnSp>
-      <p:cxnSp>
-        <p:nvCxnSpPr>
-          <p:cNvPr id="15" name="直線矢印コネクタ 14">
-            <a:extLst>
-              <a:ext uri="{FF2B5EF4-FFF2-40B4-BE49-F238E27FC236}">
-                <a16:creationId xmlns:a16="http://schemas.microsoft.com/office/drawing/2014/main" id="{520EC643-11B6-4758-ADD1-92FBBA747172}"/>
-              </a:ext>
-            </a:extLst>
-          </p:cNvPr>
-          <p:cNvCxnSpPr>
-            <a:cxnSpLocks/>
-            <a:stCxn id="10" idx="2"/>
-            <a:endCxn id="11" idx="0"/>
-          </p:cNvCxnSpPr>
-          <p:nvPr/>
-        </p:nvCxnSpPr>
-        <p:spPr>
-          <a:xfrm>
-            <a:off x="5672956" y="4396449"/>
-            <a:ext cx="6018" cy="301293"/>
-          </a:xfrm>
-          <a:prstGeom prst="straightConnector1">
-            <a:avLst/>
-          </a:prstGeom>
-          <a:ln w="76200">
-            <a:solidFill>
-              <a:schemeClr val="accent6">
-                <a:lumMod val="75000"/>
-              </a:schemeClr>
-            </a:solidFill>
-            <a:tailEnd type="triangle"/>
-          </a:ln>
-        </p:spPr>
-        <p:style>
-          <a:lnRef idx="1">
-            <a:schemeClr val="accent1"/>
-          </a:lnRef>
-          <a:fillRef idx="0">
-            <a:schemeClr val="accent1"/>
-          </a:fillRef>
-          <a:effectRef idx="0">
-            <a:schemeClr val="accent1"/>
-          </a:effectRef>
-          <a:fontRef idx="minor">
-            <a:schemeClr val="tx1"/>
-          </a:fontRef>
-        </p:style>
-      </p:cxnSp>
-      <p:cxnSp>
-        <p:nvCxnSpPr>
-          <p:cNvPr id="16" name="直線矢印コネクタ 15">
-            <a:extLst>
-              <a:ext uri="{FF2B5EF4-FFF2-40B4-BE49-F238E27FC236}">
-                <a16:creationId xmlns:a16="http://schemas.microsoft.com/office/drawing/2014/main" id="{AAACB86E-20AA-4229-BB74-552C265C2ED3}"/>
-              </a:ext>
-            </a:extLst>
-          </p:cNvPr>
-          <p:cNvCxnSpPr>
-            <a:cxnSpLocks/>
-            <a:stCxn id="11" idx="2"/>
-            <a:endCxn id="12" idx="0"/>
-          </p:cNvCxnSpPr>
-          <p:nvPr/>
-        </p:nvCxnSpPr>
-        <p:spPr>
-          <a:xfrm>
-            <a:off x="5678974" y="5356191"/>
-            <a:ext cx="6016" cy="301293"/>
-          </a:xfrm>
-          <a:prstGeom prst="straightConnector1">
-            <a:avLst/>
-          </a:prstGeom>
-          <a:ln w="76200">
-            <a:solidFill>
-              <a:schemeClr val="accent6">
-                <a:lumMod val="75000"/>
-              </a:schemeClr>
-            </a:solidFill>
-            <a:tailEnd type="triangle"/>
-          </a:ln>
-        </p:spPr>
-        <p:style>
-          <a:lnRef idx="1">
-            <a:schemeClr val="accent1"/>
-          </a:lnRef>
-          <a:fillRef idx="0">
-            <a:schemeClr val="accent1"/>
-          </a:fillRef>
-          <a:effectRef idx="0">
-            <a:schemeClr val="accent1"/>
-          </a:effectRef>
-          <a:fontRef idx="minor">
-            <a:schemeClr val="tx1"/>
-          </a:fontRef>
-        </p:style>
-      </p:cxnSp>
-      <p:sp>
-        <p:nvSpPr>
-          <p:cNvPr id="17" name="吹き出し: 円形 16">
-            <a:extLst>
-              <a:ext uri="{FF2B5EF4-FFF2-40B4-BE49-F238E27FC236}">
-                <a16:creationId xmlns:a16="http://schemas.microsoft.com/office/drawing/2014/main" id="{A36D4C91-E8D7-4C0C-9CE1-229342495F3F}"/>
-              </a:ext>
-            </a:extLst>
-          </p:cNvPr>
-          <p:cNvSpPr/>
-          <p:nvPr/>
-        </p:nvSpPr>
-        <p:spPr>
-          <a:xfrm>
-            <a:off x="7349363" y="4293421"/>
-            <a:ext cx="2459859" cy="1179095"/>
-          </a:xfrm>
-          <a:prstGeom prst="wedgeEllipseCallout">
-            <a:avLst>
-              <a:gd name="adj1" fmla="val -78783"/>
-              <a:gd name="adj2" fmla="val 25582"/>
-            </a:avLst>
-          </a:prstGeom>
           <a:solidFill>
-            <a:schemeClr val="accent6">
-              <a:lumMod val="60000"/>
-              <a:lumOff val="40000"/>
-            </a:schemeClr>
+            <a:schemeClr val="bg1"/>
           </a:solidFill>
-        </p:spPr>
-        <p:style>
-          <a:lnRef idx="2">
-            <a:schemeClr val="accent1">
-              <a:shade val="50000"/>
-            </a:schemeClr>
-          </a:lnRef>
-          <a:fillRef idx="1">
-            <a:schemeClr val="accent1"/>
-          </a:fillRef>
-          <a:effectRef idx="0">
-            <a:schemeClr val="accent1"/>
-          </a:effectRef>
-          <a:fontRef idx="minor">
-            <a:schemeClr val="lt1"/>
-          </a:fontRef>
-        </p:style>
-        <p:txBody>
-          <a:bodyPr rtlCol="0" anchor="ctr"/>
-          <a:lstStyle/>
-          <a:p>
-            <a:pPr algn="ctr"/>
-            <a:r>
-              <a:rPr kumimoji="1" lang="en-US" altLang="ja-JP" b="1" dirty="0">
-                <a:solidFill>
-                  <a:schemeClr val="accent6">
-                    <a:lumMod val="50000"/>
-                  </a:schemeClr>
-                </a:solidFill>
-              </a:rPr>
-              <a:t>fastText</a:t>
-            </a:r>
-            <a:endParaRPr kumimoji="1" lang="ja-JP" altLang="en-US" b="1" dirty="0">
-              <a:solidFill>
-                <a:schemeClr val="accent6">
-                  <a:lumMod val="50000"/>
-                </a:schemeClr>
-              </a:solidFill>
-            </a:endParaRPr>
-          </a:p>
-        </p:txBody>
-      </p:sp>
-      <p:sp>
-        <p:nvSpPr>
-          <p:cNvPr id="18" name="吹き出し: 円形 17">
-            <a:extLst>
-              <a:ext uri="{FF2B5EF4-FFF2-40B4-BE49-F238E27FC236}">
-                <a16:creationId xmlns:a16="http://schemas.microsoft.com/office/drawing/2014/main" id="{F2A506E8-AC30-4356-81C3-BFBBB9953680}"/>
-              </a:ext>
-            </a:extLst>
-          </p:cNvPr>
-          <p:cNvSpPr/>
-          <p:nvPr/>
-        </p:nvSpPr>
-        <p:spPr>
-          <a:xfrm>
-            <a:off x="7349363" y="5526745"/>
-            <a:ext cx="2552276" cy="1219624"/>
-          </a:xfrm>
-          <a:prstGeom prst="wedgeEllipseCallout">
-            <a:avLst>
-              <a:gd name="adj1" fmla="val -78009"/>
-              <a:gd name="adj2" fmla="val 6002"/>
-            </a:avLst>
-          </a:prstGeom>
-          <a:solidFill>
-            <a:schemeClr val="accent6">
-              <a:lumMod val="60000"/>
-              <a:lumOff val="40000"/>
-            </a:schemeClr>
-          </a:solidFill>
-        </p:spPr>
-        <p:style>
-          <a:lnRef idx="2">
-            <a:schemeClr val="accent1">
-              <a:shade val="50000"/>
-            </a:schemeClr>
-          </a:lnRef>
-          <a:fillRef idx="1">
-            <a:schemeClr val="accent1"/>
-          </a:fillRef>
-          <a:effectRef idx="0">
-            <a:schemeClr val="accent1"/>
-          </a:effectRef>
-          <a:fontRef idx="minor">
-            <a:schemeClr val="lt1"/>
-          </a:fontRef>
-        </p:style>
-        <p:txBody>
-          <a:bodyPr rtlCol="0" anchor="ctr"/>
-          <a:lstStyle/>
-          <a:p>
-            <a:pPr algn="ctr"/>
-            <a:r>
-              <a:rPr lang="ja-JP" altLang="en-US" b="1" dirty="0">
-                <a:solidFill>
-                  <a:schemeClr val="accent6">
-                    <a:lumMod val="50000"/>
-                  </a:schemeClr>
-                </a:solidFill>
-              </a:rPr>
-              <a:t>スクレイピング</a:t>
-            </a:r>
-            <a:endParaRPr lang="en-US" altLang="ja-JP" b="1" dirty="0">
-              <a:solidFill>
-                <a:schemeClr val="accent6">
-                  <a:lumMod val="50000"/>
-                </a:schemeClr>
-              </a:solidFill>
-            </a:endParaRPr>
-          </a:p>
-          <a:p>
-            <a:pPr algn="ctr"/>
-            <a:r>
-              <a:rPr kumimoji="1" lang="en-US" altLang="ja-JP" b="1" dirty="0">
-                <a:solidFill>
-                  <a:schemeClr val="accent6">
-                    <a:lumMod val="50000"/>
-                  </a:schemeClr>
-                </a:solidFill>
-              </a:rPr>
-              <a:t>OpenJTalk</a:t>
-            </a:r>
-            <a:endParaRPr kumimoji="1" lang="ja-JP" altLang="en-US" b="1" dirty="0">
-              <a:solidFill>
-                <a:schemeClr val="accent6">
-                  <a:lumMod val="50000"/>
-                </a:schemeClr>
-              </a:solidFill>
-            </a:endParaRPr>
-          </a:p>
-        </p:txBody>
-      </p:sp>
-      <p:cxnSp>
-        <p:nvCxnSpPr>
-          <p:cNvPr id="19" name="コネクタ: 曲線 18">
-            <a:extLst>
-              <a:ext uri="{FF2B5EF4-FFF2-40B4-BE49-F238E27FC236}">
-                <a16:creationId xmlns:a16="http://schemas.microsoft.com/office/drawing/2014/main" id="{09DDA7DB-CE31-4D86-82D2-D004E5343B9D}"/>
-              </a:ext>
-            </a:extLst>
-          </p:cNvPr>
-          <p:cNvCxnSpPr>
-            <a:cxnSpLocks/>
-            <a:stCxn id="12" idx="1"/>
-            <a:endCxn id="9" idx="1"/>
-          </p:cNvCxnSpPr>
-          <p:nvPr/>
-        </p:nvCxnSpPr>
-        <p:spPr>
-          <a:xfrm rot="10800000">
-            <a:off x="3510282" y="3106245"/>
-            <a:ext cx="6017" cy="2880464"/>
-          </a:xfrm>
-          <a:prstGeom prst="curvedConnector3">
-            <a:avLst>
-              <a:gd name="adj1" fmla="val 26774639"/>
-            </a:avLst>
-          </a:prstGeom>
-          <a:ln w="76200">
+          <a:ln w="57150">
             <a:solidFill>
               <a:schemeClr val="accent6">
                 <a:lumMod val="50000"/>
               </a:schemeClr>
             </a:solidFill>
-            <a:tailEnd type="triangle"/>
           </a:ln>
         </p:spPr>
-        <p:style>
-          <a:lnRef idx="1">
-            <a:schemeClr val="accent1"/>
-          </a:lnRef>
-          <a:fillRef idx="0">
-            <a:schemeClr val="accent1"/>
-          </a:fillRef>
-          <a:effectRef idx="0">
-            <a:schemeClr val="accent1"/>
-          </a:effectRef>
-          <a:fontRef idx="minor">
-            <a:schemeClr val="tx1"/>
-          </a:fontRef>
-        </p:style>
-      </p:cxnSp>
-      <p:sp>
-        <p:nvSpPr>
-          <p:cNvPr id="4" name="正方形/長方形 3">
-            <a:extLst>
-              <a:ext uri="{FF2B5EF4-FFF2-40B4-BE49-F238E27FC236}">
-                <a16:creationId xmlns:a16="http://schemas.microsoft.com/office/drawing/2014/main" id="{D2C1BF43-3F13-4942-95D6-7E86BB340B89}"/>
-              </a:ext>
-            </a:extLst>
-          </p:cNvPr>
-          <p:cNvSpPr/>
-          <p:nvPr/>
-        </p:nvSpPr>
-        <p:spPr>
-          <a:xfrm>
-            <a:off x="3432835" y="1481987"/>
-            <a:ext cx="2148345" cy="369332"/>
-          </a:xfrm>
-          <a:prstGeom prst="rect">
-            <a:avLst/>
-          </a:prstGeom>
-        </p:spPr>
-        <p:txBody>
-          <a:bodyPr wrap="none">
+        <p:txBody>
+          <a:bodyPr wrap="square" rtlCol="0">
             <a:spAutoFit/>
           </a:bodyPr>
           <a:lstStyle/>
           <a:p>
-            <a:r>
-              <a:rPr lang="en-US" altLang="ja-JP" b="1" dirty="0"/>
-              <a:t>julius_python2.py</a:t>
-            </a:r>
-            <a:endParaRPr lang="ja-JP" altLang="en-US" b="1" dirty="0"/>
-          </a:p>
-        </p:txBody>
-      </p:sp>
-      <p:sp>
-        <p:nvSpPr>
-          <p:cNvPr id="7" name="タイトル 6">
-            <a:extLst>
-              <a:ext uri="{FF2B5EF4-FFF2-40B4-BE49-F238E27FC236}">
-                <a16:creationId xmlns:a16="http://schemas.microsoft.com/office/drawing/2014/main" id="{16236DA4-53A3-44AB-81AD-3B882D2DCE55}"/>
-              </a:ext>
-            </a:extLst>
-          </p:cNvPr>
-          <p:cNvSpPr>
-            <a:spLocks noGrp="1"/>
-          </p:cNvSpPr>
-          <p:nvPr>
-            <p:ph type="title"/>
-          </p:nvPr>
-        </p:nvSpPr>
-        <p:spPr>
-          <a:xfrm>
-            <a:off x="838200" y="359129"/>
-            <a:ext cx="10515600" cy="1325563"/>
-          </a:xfrm>
-        </p:spPr>
-        <p:txBody>
-          <a:bodyPr/>
-          <a:lstStyle/>
-          <a:p>
-            <a:r>
-              <a:rPr lang="ja-JP" altLang="en-US" dirty="0">
-                <a:ln>
-                  <a:solidFill>
-                    <a:schemeClr val="tx1"/>
-                  </a:solidFill>
-                </a:ln>
-                <a:solidFill>
-                  <a:schemeClr val="accent6">
-                    <a:lumMod val="75000"/>
-                  </a:schemeClr>
-                </a:solidFill>
-                <a:latin typeface="HGP明朝E" panose="02020900000000000000" pitchFamily="18" charset="-128"/>
-                <a:ea typeface="HGP明朝E" panose="02020900000000000000" pitchFamily="18" charset="-128"/>
-              </a:rPr>
-              <a:t>プログラムの構造</a:t>
-            </a:r>
+            <a:pPr algn="ctr"/>
+            <a:r>
+              <a:rPr kumimoji="1" lang="en-US" altLang="ja-JP" b="1" dirty="0"/>
+              <a:t>Python</a:t>
+            </a:r>
+            <a:endParaRPr kumimoji="1" lang="ja-JP" altLang="en-US" b="1" dirty="0"/>
           </a:p>
         </p:txBody>
       </p:sp>
@@ -12266,6 +15289,58 @@
           <a:p>
             <a:pPr algn="ctr"/>
             <a:endParaRPr kumimoji="1" lang="ja-JP" altLang="en-US"/>
+          </a:p>
+        </p:txBody>
+      </p:sp>
+      <p:sp>
+        <p:nvSpPr>
+          <p:cNvPr id="10" name="正方形/長方形 9">
+            <a:extLst>
+              <a:ext uri="{FF2B5EF4-FFF2-40B4-BE49-F238E27FC236}">
+                <a16:creationId xmlns:a16="http://schemas.microsoft.com/office/drawing/2014/main" id="{4889672C-71AC-4070-BB56-89AD189BCC55}"/>
+              </a:ext>
+            </a:extLst>
+          </p:cNvPr>
+          <p:cNvSpPr/>
+          <p:nvPr/>
+        </p:nvSpPr>
+        <p:spPr>
+          <a:xfrm>
+            <a:off x="9508067" y="14514"/>
+            <a:ext cx="2683933" cy="1593908"/>
+          </a:xfrm>
+          <a:prstGeom prst="rect">
+            <a:avLst/>
+          </a:prstGeom>
+          <a:solidFill>
+            <a:schemeClr val="accent6">
+              <a:lumMod val="60000"/>
+              <a:lumOff val="40000"/>
+            </a:schemeClr>
+          </a:solidFill>
+        </p:spPr>
+        <p:style>
+          <a:lnRef idx="2">
+            <a:schemeClr val="accent1">
+              <a:shade val="50000"/>
+            </a:schemeClr>
+          </a:lnRef>
+          <a:fillRef idx="1">
+            <a:schemeClr val="accent1"/>
+          </a:fillRef>
+          <a:effectRef idx="0">
+            <a:schemeClr val="accent1"/>
+          </a:effectRef>
+          <a:fontRef idx="minor">
+            <a:schemeClr val="lt1"/>
+          </a:fontRef>
+        </p:style>
+        <p:txBody>
+          <a:bodyPr rtlCol="0" anchor="ctr"/>
+          <a:lstStyle/>
+          <a:p>
+            <a:pPr algn="ctr"/>
+            <a:endParaRPr kumimoji="1" lang="ja-JP" altLang="en-US" dirty="0"/>
           </a:p>
         </p:txBody>
       </p:sp>
@@ -12597,6 +15672,58 @@
           </a:p>
         </p:txBody>
       </p:sp>
+      <p:sp>
+        <p:nvSpPr>
+          <p:cNvPr id="5" name="正方形/長方形 4">
+            <a:extLst>
+              <a:ext uri="{FF2B5EF4-FFF2-40B4-BE49-F238E27FC236}">
+                <a16:creationId xmlns:a16="http://schemas.microsoft.com/office/drawing/2014/main" id="{6D42261B-73AC-48CC-9CAB-59710F0D59CF}"/>
+              </a:ext>
+            </a:extLst>
+          </p:cNvPr>
+          <p:cNvSpPr/>
+          <p:nvPr/>
+        </p:nvSpPr>
+        <p:spPr>
+          <a:xfrm>
+            <a:off x="9508067" y="0"/>
+            <a:ext cx="2683933" cy="1593908"/>
+          </a:xfrm>
+          <a:prstGeom prst="rect">
+            <a:avLst/>
+          </a:prstGeom>
+          <a:solidFill>
+            <a:schemeClr val="accent6">
+              <a:lumMod val="60000"/>
+              <a:lumOff val="40000"/>
+            </a:schemeClr>
+          </a:solidFill>
+        </p:spPr>
+        <p:style>
+          <a:lnRef idx="2">
+            <a:schemeClr val="accent1">
+              <a:shade val="50000"/>
+            </a:schemeClr>
+          </a:lnRef>
+          <a:fillRef idx="1">
+            <a:schemeClr val="accent1"/>
+          </a:fillRef>
+          <a:effectRef idx="0">
+            <a:schemeClr val="accent1"/>
+          </a:effectRef>
+          <a:fontRef idx="minor">
+            <a:schemeClr val="lt1"/>
+          </a:fontRef>
+        </p:style>
+        <p:txBody>
+          <a:bodyPr rtlCol="0" anchor="ctr"/>
+          <a:lstStyle/>
+          <a:p>
+            <a:pPr algn="ctr"/>
+            <a:endParaRPr kumimoji="1" lang="ja-JP" altLang="en-US"/>
+          </a:p>
+        </p:txBody>
+      </p:sp>
     </p:spTree>
     <p:extLst>
       <p:ext uri="{BB962C8B-B14F-4D97-AF65-F5344CB8AC3E}">
@@ -12654,7 +15781,7 @@
           <p:nvPr/>
         </p:nvPicPr>
         <p:blipFill>
-          <a:blip r:embed="rId2">
+          <a:blip r:embed="rId3">
             <a:extLst>
               <a:ext uri="{28A0092B-C50C-407E-A947-70E740481C1C}">
                 <a14:useLocalDpi xmlns:a14="http://schemas.microsoft.com/office/drawing/2010/main" val="0"/>
@@ -12888,6 +16015,58 @@
               <a:latin typeface="HGP明朝E" panose="02020900000000000000" pitchFamily="18" charset="-128"/>
               <a:ea typeface="HGP明朝E" panose="02020900000000000000" pitchFamily="18" charset="-128"/>
             </a:endParaRPr>
+          </a:p>
+        </p:txBody>
+      </p:sp>
+      <p:sp>
+        <p:nvSpPr>
+          <p:cNvPr id="9" name="正方形/長方形 8">
+            <a:extLst>
+              <a:ext uri="{FF2B5EF4-FFF2-40B4-BE49-F238E27FC236}">
+                <a16:creationId xmlns:a16="http://schemas.microsoft.com/office/drawing/2014/main" id="{DD36A7C0-6436-4C45-B426-791D180D7E7D}"/>
+              </a:ext>
+            </a:extLst>
+          </p:cNvPr>
+          <p:cNvSpPr/>
+          <p:nvPr/>
+        </p:nvSpPr>
+        <p:spPr>
+          <a:xfrm>
+            <a:off x="9508067" y="0"/>
+            <a:ext cx="2683933" cy="1593908"/>
+          </a:xfrm>
+          <a:prstGeom prst="rect">
+            <a:avLst/>
+          </a:prstGeom>
+          <a:solidFill>
+            <a:schemeClr val="accent6">
+              <a:lumMod val="60000"/>
+              <a:lumOff val="40000"/>
+            </a:schemeClr>
+          </a:solidFill>
+        </p:spPr>
+        <p:style>
+          <a:lnRef idx="2">
+            <a:schemeClr val="accent1">
+              <a:shade val="50000"/>
+            </a:schemeClr>
+          </a:lnRef>
+          <a:fillRef idx="1">
+            <a:schemeClr val="accent1"/>
+          </a:fillRef>
+          <a:effectRef idx="0">
+            <a:schemeClr val="accent1"/>
+          </a:effectRef>
+          <a:fontRef idx="minor">
+            <a:schemeClr val="lt1"/>
+          </a:fontRef>
+        </p:style>
+        <p:txBody>
+          <a:bodyPr rtlCol="0" anchor="ctr"/>
+          <a:lstStyle/>
+          <a:p>
+            <a:pPr algn="ctr"/>
+            <a:endParaRPr kumimoji="1" lang="ja-JP" altLang="en-US"/>
           </a:p>
         </p:txBody>
       </p:sp>
@@ -13200,7 +16379,7 @@
           </p:nvPr>
         </p:nvPicPr>
         <p:blipFill>
-          <a:blip r:embed="rId2">
+          <a:blip r:embed="rId3">
             <a:extLst>
               <a:ext uri="{28A0092B-C50C-407E-A947-70E740481C1C}">
                 <a14:useLocalDpi xmlns:a14="http://schemas.microsoft.com/office/drawing/2010/main" val="0"/>
@@ -13218,6 +16397,58 @@
           </a:xfrm>
         </p:spPr>
       </p:pic>
+      <p:sp>
+        <p:nvSpPr>
+          <p:cNvPr id="3" name="正方形/長方形 2">
+            <a:extLst>
+              <a:ext uri="{FF2B5EF4-FFF2-40B4-BE49-F238E27FC236}">
+                <a16:creationId xmlns:a16="http://schemas.microsoft.com/office/drawing/2014/main" id="{E65E1ED0-6F43-4831-B379-431CFBA421BC}"/>
+              </a:ext>
+            </a:extLst>
+          </p:cNvPr>
+          <p:cNvSpPr/>
+          <p:nvPr/>
+        </p:nvSpPr>
+        <p:spPr>
+          <a:xfrm>
+            <a:off x="9508067" y="0"/>
+            <a:ext cx="2683933" cy="1593908"/>
+          </a:xfrm>
+          <a:prstGeom prst="rect">
+            <a:avLst/>
+          </a:prstGeom>
+          <a:solidFill>
+            <a:schemeClr val="accent6">
+              <a:lumMod val="60000"/>
+              <a:lumOff val="40000"/>
+            </a:schemeClr>
+          </a:solidFill>
+        </p:spPr>
+        <p:style>
+          <a:lnRef idx="2">
+            <a:schemeClr val="accent1">
+              <a:shade val="50000"/>
+            </a:schemeClr>
+          </a:lnRef>
+          <a:fillRef idx="1">
+            <a:schemeClr val="accent1"/>
+          </a:fillRef>
+          <a:effectRef idx="0">
+            <a:schemeClr val="accent1"/>
+          </a:effectRef>
+          <a:fontRef idx="minor">
+            <a:schemeClr val="lt1"/>
+          </a:fontRef>
+        </p:style>
+        <p:txBody>
+          <a:bodyPr rtlCol="0" anchor="ctr"/>
+          <a:lstStyle/>
+          <a:p>
+            <a:pPr algn="ctr"/>
+            <a:endParaRPr kumimoji="1" lang="ja-JP" altLang="en-US"/>
+          </a:p>
+        </p:txBody>
+      </p:sp>
     </p:spTree>
     <p:extLst>
       <p:ext uri="{BB962C8B-B14F-4D97-AF65-F5344CB8AC3E}">

--- a/presentation/第二回プレゼン_アウトライン.pptx
+++ b/presentation/第二回プレゼン_アウトライン.pptx
@@ -5,7 +5,7 @@
     <p:sldMasterId id="2147483648" r:id="rId1"/>
   </p:sldMasterIdLst>
   <p:notesMasterIdLst>
-    <p:notesMasterId r:id="rId24"/>
+    <p:notesMasterId r:id="rId25"/>
   </p:notesMasterIdLst>
   <p:sldIdLst>
     <p:sldId id="256" r:id="rId2"/>
@@ -19,17 +19,18 @@
     <p:sldId id="282" r:id="rId10"/>
     <p:sldId id="286" r:id="rId11"/>
     <p:sldId id="287" r:id="rId12"/>
-    <p:sldId id="277" r:id="rId13"/>
-    <p:sldId id="269" r:id="rId14"/>
-    <p:sldId id="266" r:id="rId15"/>
-    <p:sldId id="280" r:id="rId16"/>
+    <p:sldId id="288" r:id="rId13"/>
+    <p:sldId id="277" r:id="rId14"/>
+    <p:sldId id="269" r:id="rId15"/>
+    <p:sldId id="266" r:id="rId16"/>
     <p:sldId id="272" r:id="rId17"/>
     <p:sldId id="279" r:id="rId18"/>
     <p:sldId id="259" r:id="rId19"/>
     <p:sldId id="273" r:id="rId20"/>
     <p:sldId id="276" r:id="rId21"/>
     <p:sldId id="267" r:id="rId22"/>
-    <p:sldId id="275" r:id="rId23"/>
+    <p:sldId id="289" r:id="rId23"/>
+    <p:sldId id="275" r:id="rId24"/>
   </p:sldIdLst>
   <p:sldSz cx="12192000" cy="6858000"/>
   <p:notesSz cx="6858000" cy="9144000"/>
@@ -218,7 +219,7 @@
           <a:p>
             <a:fld id="{D3FBB20C-20C4-49AD-85A3-C66C862503B5}" type="datetimeFigureOut">
               <a:rPr kumimoji="1" lang="ja-JP" altLang="en-US" smtClean="0"/>
-              <a:t>2021/12/1</a:t>
+              <a:t>2021/12/7</a:t>
             </a:fld>
             <a:endParaRPr kumimoji="1" lang="ja-JP" altLang="en-US"/>
           </a:p>
@@ -561,7 +562,19 @@
           <a:bodyPr/>
           <a:lstStyle/>
           <a:p>
-            <a:endParaRPr kumimoji="1" lang="ja-JP" altLang="en-US" dirty="0"/>
+            <a:r>
+              <a:rPr kumimoji="1" lang="ja-JP" altLang="en-US" dirty="0"/>
+              <a:t>これから</a:t>
+            </a:r>
+            <a:r>
+              <a:rPr kumimoji="1" lang="en-US" altLang="ja-JP" dirty="0"/>
+              <a:t>AI</a:t>
+            </a:r>
+            <a:r>
+              <a:rPr kumimoji="1" lang="ja-JP" altLang="en-US" dirty="0"/>
+              <a:t>スピーカー開発の発表を始めます。よろしくお願いします。</a:t>
+            </a:r>
+            <a:endParaRPr kumimoji="1" lang="en-US" altLang="ja-JP" dirty="0"/>
           </a:p>
         </p:txBody>
       </p:sp>
@@ -580,9 +593,9 @@
           <a:bodyPr/>
           <a:lstStyle/>
           <a:p>
-            <a:fld id="{9DAB6BB4-6322-4797-9820-4A78B14C1A63}" type="slidenum">
+            <a:fld id="{1A2E7C28-4903-4521-8E60-0F80C627678B}" type="slidenum">
               <a:rPr kumimoji="1" lang="ja-JP" altLang="en-US" smtClean="0"/>
-              <a:t>2</a:t>
+              <a:t>1</a:t>
             </a:fld>
             <a:endParaRPr kumimoji="1" lang="ja-JP" altLang="en-US"/>
           </a:p>
@@ -591,7 +604,1198 @@
     </p:spTree>
     <p:extLst>
       <p:ext uri="{BB962C8B-B14F-4D97-AF65-F5344CB8AC3E}">
-        <p14:creationId xmlns:p14="http://schemas.microsoft.com/office/powerpoint/2010/main" val="3135516046"/>
+        <p14:creationId xmlns:p14="http://schemas.microsoft.com/office/powerpoint/2010/main" val="477070188"/>
+      </p:ext>
+    </p:extLst>
+  </p:cSld>
+  <p:clrMapOvr>
+    <a:masterClrMapping/>
+  </p:clrMapOvr>
+</p:notes>
+</file>
+
+<file path=ppt/notesSlides/notesSlide10.xml><?xml version="1.0" encoding="utf-8"?>
+<p:notes xmlns:a="http://schemas.openxmlformats.org/drawingml/2006/main" xmlns:r="http://schemas.openxmlformats.org/officeDocument/2006/relationships" xmlns:p="http://schemas.openxmlformats.org/presentationml/2006/main">
+  <p:cSld>
+    <p:spTree>
+      <p:nvGrpSpPr>
+        <p:cNvPr id="1" name=""/>
+        <p:cNvGrpSpPr/>
+        <p:nvPr/>
+      </p:nvGrpSpPr>
+      <p:grpSpPr>
+        <a:xfrm>
+          <a:off x="0" y="0"/>
+          <a:ext cx="0" cy="0"/>
+          <a:chOff x="0" y="0"/>
+          <a:chExt cx="0" cy="0"/>
+        </a:xfrm>
+      </p:grpSpPr>
+      <p:sp>
+        <p:nvSpPr>
+          <p:cNvPr id="2" name="スライド イメージ プレースホルダー 1"/>
+          <p:cNvSpPr>
+            <a:spLocks noGrp="1" noRot="1" noChangeAspect="1"/>
+          </p:cNvSpPr>
+          <p:nvPr>
+            <p:ph type="sldImg"/>
+          </p:nvPr>
+        </p:nvSpPr>
+        <p:spPr/>
+      </p:sp>
+      <p:sp>
+        <p:nvSpPr>
+          <p:cNvPr id="3" name="ノート プレースホルダー 2"/>
+          <p:cNvSpPr>
+            <a:spLocks noGrp="1"/>
+          </p:cNvSpPr>
+          <p:nvPr>
+            <p:ph type="body" idx="1"/>
+          </p:nvPr>
+        </p:nvSpPr>
+        <p:spPr/>
+        <p:txBody>
+          <a:bodyPr/>
+          <a:lstStyle/>
+          <a:p>
+            <a:r>
+              <a:rPr kumimoji="1" lang="ja-JP" altLang="en-US" dirty="0"/>
+              <a:t>ウェイクワードの認識は、先ほど紹介した文章パターンそれぞれに「ねぇ</a:t>
+            </a:r>
+            <a:r>
+              <a:rPr kumimoji="1" lang="en-US" altLang="ja-JP" dirty="0" err="1"/>
+              <a:t>YoSiE</a:t>
+            </a:r>
+            <a:r>
+              <a:rPr kumimoji="1" lang="ja-JP" altLang="en-US" dirty="0"/>
+              <a:t>」という認識を追加しています</a:t>
+            </a:r>
+          </a:p>
+        </p:txBody>
+      </p:sp>
+      <p:sp>
+        <p:nvSpPr>
+          <p:cNvPr id="4" name="スライド番号プレースホルダー 3"/>
+          <p:cNvSpPr>
+            <a:spLocks noGrp="1"/>
+          </p:cNvSpPr>
+          <p:nvPr>
+            <p:ph type="sldNum" sz="quarter" idx="5"/>
+          </p:nvPr>
+        </p:nvSpPr>
+        <p:spPr/>
+        <p:txBody>
+          <a:bodyPr/>
+          <a:lstStyle/>
+          <a:p>
+            <a:fld id="{1A2E7C28-4903-4521-8E60-0F80C627678B}" type="slidenum">
+              <a:rPr kumimoji="1" lang="ja-JP" altLang="en-US" smtClean="0"/>
+              <a:t>11</a:t>
+            </a:fld>
+            <a:endParaRPr kumimoji="1" lang="ja-JP" altLang="en-US"/>
+          </a:p>
+        </p:txBody>
+      </p:sp>
+    </p:spTree>
+    <p:extLst>
+      <p:ext uri="{BB962C8B-B14F-4D97-AF65-F5344CB8AC3E}">
+        <p14:creationId xmlns:p14="http://schemas.microsoft.com/office/powerpoint/2010/main" val="838133524"/>
+      </p:ext>
+    </p:extLst>
+  </p:cSld>
+  <p:clrMapOvr>
+    <a:masterClrMapping/>
+  </p:clrMapOvr>
+</p:notes>
+</file>
+
+<file path=ppt/notesSlides/notesSlide11.xml><?xml version="1.0" encoding="utf-8"?>
+<p:notes xmlns:a="http://schemas.openxmlformats.org/drawingml/2006/main" xmlns:r="http://schemas.openxmlformats.org/officeDocument/2006/relationships" xmlns:p="http://schemas.openxmlformats.org/presentationml/2006/main">
+  <p:cSld>
+    <p:spTree>
+      <p:nvGrpSpPr>
+        <p:cNvPr id="1" name=""/>
+        <p:cNvGrpSpPr/>
+        <p:nvPr/>
+      </p:nvGrpSpPr>
+      <p:grpSpPr>
+        <a:xfrm>
+          <a:off x="0" y="0"/>
+          <a:ext cx="0" cy="0"/>
+          <a:chOff x="0" y="0"/>
+          <a:chExt cx="0" cy="0"/>
+        </a:xfrm>
+      </p:grpSpPr>
+      <p:sp>
+        <p:nvSpPr>
+          <p:cNvPr id="2" name="スライド イメージ プレースホルダー 1"/>
+          <p:cNvSpPr>
+            <a:spLocks noGrp="1" noRot="1" noChangeAspect="1"/>
+          </p:cNvSpPr>
+          <p:nvPr>
+            <p:ph type="sldImg"/>
+          </p:nvPr>
+        </p:nvSpPr>
+        <p:spPr/>
+      </p:sp>
+      <p:sp>
+        <p:nvSpPr>
+          <p:cNvPr id="3" name="ノート プレースホルダー 2"/>
+          <p:cNvSpPr>
+            <a:spLocks noGrp="1"/>
+          </p:cNvSpPr>
+          <p:nvPr>
+            <p:ph type="body" idx="1"/>
+          </p:nvPr>
+        </p:nvSpPr>
+        <p:spPr/>
+        <p:txBody>
+          <a:bodyPr/>
+          <a:lstStyle/>
+          <a:p>
+            <a:r>
+              <a:rPr kumimoji="1" lang="ja-JP" altLang="en-US" dirty="0"/>
+              <a:t>ウェイクワードが含まれているかどうかの判断は</a:t>
+            </a:r>
+            <a:r>
+              <a:rPr kumimoji="1" lang="en-US" altLang="ja-JP" dirty="0"/>
+              <a:t>if</a:t>
+            </a:r>
+            <a:r>
+              <a:rPr kumimoji="1" lang="ja-JP" altLang="en-US" dirty="0"/>
+              <a:t>文で処理しています。</a:t>
+            </a:r>
+            <a:endParaRPr kumimoji="1" lang="en-US" altLang="ja-JP" dirty="0"/>
+          </a:p>
+        </p:txBody>
+      </p:sp>
+      <p:sp>
+        <p:nvSpPr>
+          <p:cNvPr id="4" name="スライド番号プレースホルダー 3"/>
+          <p:cNvSpPr>
+            <a:spLocks noGrp="1"/>
+          </p:cNvSpPr>
+          <p:nvPr>
+            <p:ph type="sldNum" sz="quarter" idx="5"/>
+          </p:nvPr>
+        </p:nvSpPr>
+        <p:spPr/>
+        <p:txBody>
+          <a:bodyPr/>
+          <a:lstStyle/>
+          <a:p>
+            <a:fld id="{1A2E7C28-4903-4521-8E60-0F80C627678B}" type="slidenum">
+              <a:rPr kumimoji="1" lang="ja-JP" altLang="en-US" smtClean="0"/>
+              <a:t>12</a:t>
+            </a:fld>
+            <a:endParaRPr kumimoji="1" lang="ja-JP" altLang="en-US"/>
+          </a:p>
+        </p:txBody>
+      </p:sp>
+    </p:spTree>
+    <p:extLst>
+      <p:ext uri="{BB962C8B-B14F-4D97-AF65-F5344CB8AC3E}">
+        <p14:creationId xmlns:p14="http://schemas.microsoft.com/office/powerpoint/2010/main" val="1664766409"/>
+      </p:ext>
+    </p:extLst>
+  </p:cSld>
+  <p:clrMapOvr>
+    <a:masterClrMapping/>
+  </p:clrMapOvr>
+</p:notes>
+</file>
+
+<file path=ppt/notesSlides/notesSlide12.xml><?xml version="1.0" encoding="utf-8"?>
+<p:notes xmlns:a="http://schemas.openxmlformats.org/drawingml/2006/main" xmlns:r="http://schemas.openxmlformats.org/officeDocument/2006/relationships" xmlns:p="http://schemas.openxmlformats.org/presentationml/2006/main">
+  <p:cSld>
+    <p:spTree>
+      <p:nvGrpSpPr>
+        <p:cNvPr id="1" name=""/>
+        <p:cNvGrpSpPr/>
+        <p:nvPr/>
+      </p:nvGrpSpPr>
+      <p:grpSpPr>
+        <a:xfrm>
+          <a:off x="0" y="0"/>
+          <a:ext cx="0" cy="0"/>
+          <a:chOff x="0" y="0"/>
+          <a:chExt cx="0" cy="0"/>
+        </a:xfrm>
+      </p:grpSpPr>
+      <p:sp>
+        <p:nvSpPr>
+          <p:cNvPr id="2" name="スライド イメージ プレースホルダー 1"/>
+          <p:cNvSpPr>
+            <a:spLocks noGrp="1" noRot="1" noChangeAspect="1"/>
+          </p:cNvSpPr>
+          <p:nvPr>
+            <p:ph type="sldImg"/>
+          </p:nvPr>
+        </p:nvSpPr>
+        <p:spPr/>
+      </p:sp>
+      <p:sp>
+        <p:nvSpPr>
+          <p:cNvPr id="3" name="ノート プレースホルダー 2"/>
+          <p:cNvSpPr>
+            <a:spLocks noGrp="1"/>
+          </p:cNvSpPr>
+          <p:nvPr>
+            <p:ph type="body" idx="1"/>
+          </p:nvPr>
+        </p:nvSpPr>
+        <p:spPr/>
+        <p:txBody>
+          <a:bodyPr/>
+          <a:lstStyle/>
+          <a:p>
+            <a:r>
+              <a:rPr kumimoji="1" lang="ja-JP" altLang="en-US" dirty="0"/>
+              <a:t>次はスクレイピングについてです。</a:t>
+            </a:r>
+            <a:endParaRPr kumimoji="1" lang="en-US" altLang="ja-JP" dirty="0"/>
+          </a:p>
+          <a:p>
+            <a:r>
+              <a:rPr kumimoji="1" lang="ja-JP" altLang="en-US" dirty="0"/>
+              <a:t>スクレイピングというのは</a:t>
+            </a:r>
+            <a:r>
+              <a:rPr kumimoji="1" lang="en-US" altLang="ja-JP" dirty="0"/>
+              <a:t>Web</a:t>
+            </a:r>
+            <a:r>
+              <a:rPr kumimoji="1" lang="ja-JP" altLang="en-US" dirty="0"/>
+              <a:t>ページからテキストデータを抽出する技術のことで、</a:t>
+            </a:r>
+            <a:endParaRPr kumimoji="1" lang="en-US" altLang="ja-JP" dirty="0"/>
+          </a:p>
+          <a:p>
+            <a:r>
+              <a:rPr kumimoji="1" lang="en-US" altLang="ja-JP" dirty="0"/>
+              <a:t>Python</a:t>
+            </a:r>
+            <a:r>
+              <a:rPr kumimoji="1" lang="ja-JP" altLang="en-US" dirty="0"/>
+              <a:t>の</a:t>
+            </a:r>
+            <a:r>
+              <a:rPr kumimoji="1" lang="en-US" altLang="ja-JP" dirty="0"/>
+              <a:t>BeautifulSoup4</a:t>
+            </a:r>
+            <a:r>
+              <a:rPr kumimoji="1" lang="ja-JP" altLang="en-US" dirty="0"/>
+              <a:t>というライブラリを使用して天気予報・ニュース・星座占いの内容をスクレイピングをしています。</a:t>
+            </a:r>
+            <a:endParaRPr kumimoji="1" lang="en-US" altLang="ja-JP" dirty="0"/>
+          </a:p>
+          <a:p>
+            <a:r>
+              <a:rPr kumimoji="1" lang="ja-JP" altLang="en-US" dirty="0"/>
+              <a:t>日時に関しては、スクレイピングではなく、</a:t>
+            </a:r>
+            <a:r>
+              <a:rPr kumimoji="1" lang="en-US" altLang="ja-JP" dirty="0"/>
+              <a:t>Datetime</a:t>
+            </a:r>
+            <a:r>
+              <a:rPr kumimoji="1" lang="ja-JP" altLang="en-US" dirty="0"/>
+              <a:t>モジュールで取得したデータを使用しています。</a:t>
+            </a:r>
+            <a:endParaRPr kumimoji="1" lang="en-US" altLang="ja-JP" dirty="0"/>
+          </a:p>
+          <a:p>
+            <a:r>
+              <a:rPr kumimoji="1" lang="ja-JP" altLang="en-US" dirty="0"/>
+              <a:t>こうして取得したテキストデータを、出力用のテキストファイルに書き込みます。</a:t>
+            </a:r>
+          </a:p>
+        </p:txBody>
+      </p:sp>
+      <p:sp>
+        <p:nvSpPr>
+          <p:cNvPr id="4" name="スライド番号プレースホルダー 3"/>
+          <p:cNvSpPr>
+            <a:spLocks noGrp="1"/>
+          </p:cNvSpPr>
+          <p:nvPr>
+            <p:ph type="sldNum" sz="quarter" idx="5"/>
+          </p:nvPr>
+        </p:nvSpPr>
+        <p:spPr/>
+        <p:txBody>
+          <a:bodyPr/>
+          <a:lstStyle/>
+          <a:p>
+            <a:fld id="{1A2E7C28-4903-4521-8E60-0F80C627678B}" type="slidenum">
+              <a:rPr kumimoji="1" lang="ja-JP" altLang="en-US" smtClean="0"/>
+              <a:t>15</a:t>
+            </a:fld>
+            <a:endParaRPr kumimoji="1" lang="ja-JP" altLang="en-US"/>
+          </a:p>
+        </p:txBody>
+      </p:sp>
+    </p:spTree>
+    <p:extLst>
+      <p:ext uri="{BB962C8B-B14F-4D97-AF65-F5344CB8AC3E}">
+        <p14:creationId xmlns:p14="http://schemas.microsoft.com/office/powerpoint/2010/main" val="3851854577"/>
+      </p:ext>
+    </p:extLst>
+  </p:cSld>
+  <p:clrMapOvr>
+    <a:masterClrMapping/>
+  </p:clrMapOvr>
+</p:notes>
+</file>
+
+<file path=ppt/notesSlides/notesSlide13.xml><?xml version="1.0" encoding="utf-8"?>
+<p:notes xmlns:a="http://schemas.openxmlformats.org/drawingml/2006/main" xmlns:r="http://schemas.openxmlformats.org/officeDocument/2006/relationships" xmlns:p="http://schemas.openxmlformats.org/presentationml/2006/main">
+  <p:cSld>
+    <p:spTree>
+      <p:nvGrpSpPr>
+        <p:cNvPr id="1" name=""/>
+        <p:cNvGrpSpPr/>
+        <p:nvPr/>
+      </p:nvGrpSpPr>
+      <p:grpSpPr>
+        <a:xfrm>
+          <a:off x="0" y="0"/>
+          <a:ext cx="0" cy="0"/>
+          <a:chOff x="0" y="0"/>
+          <a:chExt cx="0" cy="0"/>
+        </a:xfrm>
+      </p:grpSpPr>
+      <p:sp>
+        <p:nvSpPr>
+          <p:cNvPr id="2" name="スライド イメージ プレースホルダー 1"/>
+          <p:cNvSpPr>
+            <a:spLocks noGrp="1" noRot="1" noChangeAspect="1"/>
+          </p:cNvSpPr>
+          <p:nvPr>
+            <p:ph type="sldImg"/>
+          </p:nvPr>
+        </p:nvSpPr>
+        <p:spPr/>
+      </p:sp>
+      <p:sp>
+        <p:nvSpPr>
+          <p:cNvPr id="3" name="ノート プレースホルダー 2"/>
+          <p:cNvSpPr>
+            <a:spLocks noGrp="1"/>
+          </p:cNvSpPr>
+          <p:nvPr>
+            <p:ph type="body" idx="1"/>
+          </p:nvPr>
+        </p:nvSpPr>
+        <p:spPr/>
+        <p:txBody>
+          <a:bodyPr/>
+          <a:lstStyle/>
+          <a:p>
+            <a:r>
+              <a:rPr kumimoji="1" lang="ja-JP" altLang="en-US" dirty="0"/>
+              <a:t>スクレイピングの処理で工夫した点は、処理をどう短縮するか、という点です。</a:t>
+            </a:r>
+            <a:endParaRPr kumimoji="1" lang="en-US" altLang="ja-JP" dirty="0"/>
+          </a:p>
+          <a:p>
+            <a:r>
+              <a:rPr kumimoji="1" lang="ja-JP" altLang="en-US" dirty="0"/>
+              <a:t>天気・ニュース・星座占いは抽出する文章量が多いため、機能を呼び出すたびに実行していて一つのファイルに上書き保存をしていると、その度処理に時間がかかってしまいます。</a:t>
+            </a:r>
+            <a:endParaRPr kumimoji="1" lang="en-US" altLang="ja-JP" dirty="0"/>
+          </a:p>
+          <a:p>
+            <a:endParaRPr kumimoji="1" lang="ja-JP" altLang="en-US" dirty="0"/>
+          </a:p>
+        </p:txBody>
+      </p:sp>
+      <p:sp>
+        <p:nvSpPr>
+          <p:cNvPr id="4" name="スライド番号プレースホルダー 3"/>
+          <p:cNvSpPr>
+            <a:spLocks noGrp="1"/>
+          </p:cNvSpPr>
+          <p:nvPr>
+            <p:ph type="sldNum" sz="quarter" idx="5"/>
+          </p:nvPr>
+        </p:nvSpPr>
+        <p:spPr/>
+        <p:txBody>
+          <a:bodyPr/>
+          <a:lstStyle/>
+          <a:p>
+            <a:fld id="{1A2E7C28-4903-4521-8E60-0F80C627678B}" type="slidenum">
+              <a:rPr kumimoji="1" lang="ja-JP" altLang="en-US" smtClean="0"/>
+              <a:t>16</a:t>
+            </a:fld>
+            <a:endParaRPr kumimoji="1" lang="ja-JP" altLang="en-US"/>
+          </a:p>
+        </p:txBody>
+      </p:sp>
+    </p:spTree>
+    <p:extLst>
+      <p:ext uri="{BB962C8B-B14F-4D97-AF65-F5344CB8AC3E}">
+        <p14:creationId xmlns:p14="http://schemas.microsoft.com/office/powerpoint/2010/main" val="2498847539"/>
+      </p:ext>
+    </p:extLst>
+  </p:cSld>
+  <p:clrMapOvr>
+    <a:masterClrMapping/>
+  </p:clrMapOvr>
+</p:notes>
+</file>
+
+<file path=ppt/notesSlides/notesSlide14.xml><?xml version="1.0" encoding="utf-8"?>
+<p:notes xmlns:a="http://schemas.openxmlformats.org/drawingml/2006/main" xmlns:r="http://schemas.openxmlformats.org/officeDocument/2006/relationships" xmlns:p="http://schemas.openxmlformats.org/presentationml/2006/main">
+  <p:cSld>
+    <p:spTree>
+      <p:nvGrpSpPr>
+        <p:cNvPr id="1" name=""/>
+        <p:cNvGrpSpPr/>
+        <p:nvPr/>
+      </p:nvGrpSpPr>
+      <p:grpSpPr>
+        <a:xfrm>
+          <a:off x="0" y="0"/>
+          <a:ext cx="0" cy="0"/>
+          <a:chOff x="0" y="0"/>
+          <a:chExt cx="0" cy="0"/>
+        </a:xfrm>
+      </p:grpSpPr>
+      <p:sp>
+        <p:nvSpPr>
+          <p:cNvPr id="2" name="スライド イメージ プレースホルダー 1"/>
+          <p:cNvSpPr>
+            <a:spLocks noGrp="1" noRot="1" noChangeAspect="1"/>
+          </p:cNvSpPr>
+          <p:nvPr>
+            <p:ph type="sldImg"/>
+          </p:nvPr>
+        </p:nvSpPr>
+        <p:spPr/>
+      </p:sp>
+      <p:sp>
+        <p:nvSpPr>
+          <p:cNvPr id="3" name="ノート プレースホルダー 2"/>
+          <p:cNvSpPr>
+            <a:spLocks noGrp="1"/>
+          </p:cNvSpPr>
+          <p:nvPr>
+            <p:ph type="body" idx="1"/>
+          </p:nvPr>
+        </p:nvSpPr>
+        <p:spPr/>
+        <p:txBody>
+          <a:bodyPr/>
+          <a:lstStyle/>
+          <a:p>
+            <a:pPr marL="0" marR="0" lvl="0" indent="0" algn="l" defTabSz="914400" rtl="0" eaLnBrk="1" fontAlgn="auto" latinLnBrk="0" hangingPunct="1">
+              <a:lnSpc>
+                <a:spcPct val="100000"/>
+              </a:lnSpc>
+              <a:spcBef>
+                <a:spcPts val="0"/>
+              </a:spcBef>
+              <a:spcAft>
+                <a:spcPts val="0"/>
+              </a:spcAft>
+              <a:buClrTx/>
+              <a:buSzTx/>
+              <a:buFontTx/>
+              <a:buNone/>
+              <a:tabLst/>
+              <a:defRPr/>
+            </a:pPr>
+            <a:r>
+              <a:rPr kumimoji="1" lang="ja-JP" altLang="en-US" dirty="0"/>
+              <a:t>そこで、</a:t>
+            </a:r>
+            <a:r>
+              <a:rPr kumimoji="1" lang="en-US" altLang="ja-JP" dirty="0"/>
+              <a:t>Raspberry Pi</a:t>
+            </a:r>
+            <a:r>
+              <a:rPr kumimoji="1" lang="ja-JP" altLang="en-US" dirty="0"/>
+              <a:t>の起動時にスクレイピングを実行して、それぞれ個別のテキストファイルに保存しておく、という方法に切り替えました。</a:t>
+            </a:r>
+            <a:endParaRPr kumimoji="1" lang="en-US" altLang="ja-JP" dirty="0"/>
+          </a:p>
+          <a:p>
+            <a:pPr marL="0" marR="0" lvl="0" indent="0" algn="l" defTabSz="914400" rtl="0" eaLnBrk="1" fontAlgn="auto" latinLnBrk="0" hangingPunct="1">
+              <a:lnSpc>
+                <a:spcPct val="100000"/>
+              </a:lnSpc>
+              <a:spcBef>
+                <a:spcPts val="0"/>
+              </a:spcBef>
+              <a:spcAft>
+                <a:spcPts val="0"/>
+              </a:spcAft>
+              <a:buClrTx/>
+              <a:buSzTx/>
+              <a:buFontTx/>
+              <a:buNone/>
+              <a:tabLst/>
+              <a:defRPr/>
+            </a:pPr>
+            <a:r>
+              <a:rPr kumimoji="1" lang="ja-JP" altLang="en-US" dirty="0"/>
+              <a:t>こうすることで、処理の待ち時間を短縮することができます。</a:t>
+            </a:r>
+            <a:endParaRPr kumimoji="1" lang="en-US" altLang="ja-JP" dirty="0"/>
+          </a:p>
+          <a:p>
+            <a:pPr marL="0" marR="0" lvl="0" indent="0" algn="l" defTabSz="914400" rtl="0" eaLnBrk="1" fontAlgn="auto" latinLnBrk="0" hangingPunct="1">
+              <a:lnSpc>
+                <a:spcPct val="100000"/>
+              </a:lnSpc>
+              <a:spcBef>
+                <a:spcPts val="0"/>
+              </a:spcBef>
+              <a:spcAft>
+                <a:spcPts val="0"/>
+              </a:spcAft>
+              <a:buClrTx/>
+              <a:buSzTx/>
+              <a:buFontTx/>
+              <a:buNone/>
+              <a:tabLst/>
+              <a:defRPr/>
+            </a:pPr>
+            <a:r>
+              <a:rPr kumimoji="1" lang="ja-JP" altLang="en-US" dirty="0"/>
+              <a:t>欠点としては、起動時にのみスクレイピングを行うので、起動後に更新された</a:t>
+            </a:r>
+            <a:r>
+              <a:rPr kumimoji="1" lang="en-US" altLang="ja-JP" dirty="0"/>
+              <a:t>Web</a:t>
+            </a:r>
+            <a:r>
+              <a:rPr kumimoji="1" lang="ja-JP" altLang="en-US" dirty="0"/>
+              <a:t>ページの内容が取得できない、という点があります。</a:t>
+            </a:r>
+            <a:endParaRPr kumimoji="1" lang="en-US" altLang="ja-JP" dirty="0"/>
+          </a:p>
+          <a:p>
+            <a:pPr marL="0" marR="0" lvl="0" indent="0" algn="l" defTabSz="914400" rtl="0" eaLnBrk="1" fontAlgn="auto" latinLnBrk="0" hangingPunct="1">
+              <a:lnSpc>
+                <a:spcPct val="100000"/>
+              </a:lnSpc>
+              <a:spcBef>
+                <a:spcPts val="0"/>
+              </a:spcBef>
+              <a:spcAft>
+                <a:spcPts val="0"/>
+              </a:spcAft>
+              <a:buClrTx/>
+              <a:buSzTx/>
+              <a:buFontTx/>
+              <a:buNone/>
+              <a:tabLst/>
+              <a:defRPr/>
+            </a:pPr>
+            <a:r>
+              <a:rPr kumimoji="1" lang="ja-JP" altLang="en-US" dirty="0"/>
+              <a:t>これに関しては、今後対処していく予定です。</a:t>
+            </a:r>
+          </a:p>
+          <a:p>
+            <a:endParaRPr kumimoji="1" lang="ja-JP" altLang="en-US" dirty="0"/>
+          </a:p>
+        </p:txBody>
+      </p:sp>
+      <p:sp>
+        <p:nvSpPr>
+          <p:cNvPr id="4" name="スライド番号プレースホルダー 3"/>
+          <p:cNvSpPr>
+            <a:spLocks noGrp="1"/>
+          </p:cNvSpPr>
+          <p:nvPr>
+            <p:ph type="sldNum" sz="quarter" idx="5"/>
+          </p:nvPr>
+        </p:nvSpPr>
+        <p:spPr/>
+        <p:txBody>
+          <a:bodyPr/>
+          <a:lstStyle/>
+          <a:p>
+            <a:fld id="{1A2E7C28-4903-4521-8E60-0F80C627678B}" type="slidenum">
+              <a:rPr kumimoji="1" lang="ja-JP" altLang="en-US" smtClean="0"/>
+              <a:t>17</a:t>
+            </a:fld>
+            <a:endParaRPr kumimoji="1" lang="ja-JP" altLang="en-US"/>
+          </a:p>
+        </p:txBody>
+      </p:sp>
+    </p:spTree>
+    <p:extLst>
+      <p:ext uri="{BB962C8B-B14F-4D97-AF65-F5344CB8AC3E}">
+        <p14:creationId xmlns:p14="http://schemas.microsoft.com/office/powerpoint/2010/main" val="1985256100"/>
+      </p:ext>
+    </p:extLst>
+  </p:cSld>
+  <p:clrMapOvr>
+    <a:masterClrMapping/>
+  </p:clrMapOvr>
+</p:notes>
+</file>
+
+<file path=ppt/notesSlides/notesSlide15.xml><?xml version="1.0" encoding="utf-8"?>
+<p:notes xmlns:a="http://schemas.openxmlformats.org/drawingml/2006/main" xmlns:r="http://schemas.openxmlformats.org/officeDocument/2006/relationships" xmlns:p="http://schemas.openxmlformats.org/presentationml/2006/main">
+  <p:cSld>
+    <p:spTree>
+      <p:nvGrpSpPr>
+        <p:cNvPr id="1" name=""/>
+        <p:cNvGrpSpPr/>
+        <p:nvPr/>
+      </p:nvGrpSpPr>
+      <p:grpSpPr>
+        <a:xfrm>
+          <a:off x="0" y="0"/>
+          <a:ext cx="0" cy="0"/>
+          <a:chOff x="0" y="0"/>
+          <a:chExt cx="0" cy="0"/>
+        </a:xfrm>
+      </p:grpSpPr>
+      <p:sp>
+        <p:nvSpPr>
+          <p:cNvPr id="2" name="スライド イメージ プレースホルダー 1"/>
+          <p:cNvSpPr>
+            <a:spLocks noGrp="1" noRot="1" noChangeAspect="1"/>
+          </p:cNvSpPr>
+          <p:nvPr>
+            <p:ph type="sldImg"/>
+          </p:nvPr>
+        </p:nvSpPr>
+        <p:spPr/>
+      </p:sp>
+      <p:sp>
+        <p:nvSpPr>
+          <p:cNvPr id="3" name="ノート プレースホルダー 2"/>
+          <p:cNvSpPr>
+            <a:spLocks noGrp="1"/>
+          </p:cNvSpPr>
+          <p:nvPr>
+            <p:ph type="body" idx="1"/>
+          </p:nvPr>
+        </p:nvSpPr>
+        <p:spPr/>
+        <p:txBody>
+          <a:bodyPr/>
+          <a:lstStyle/>
+          <a:p>
+            <a:r>
+              <a:rPr kumimoji="1" lang="ja-JP" altLang="en-US" dirty="0"/>
+              <a:t>最後は</a:t>
+            </a:r>
+            <a:r>
+              <a:rPr kumimoji="1" lang="en-US" altLang="ja-JP" dirty="0" err="1"/>
+              <a:t>OpenJTalk</a:t>
+            </a:r>
+            <a:r>
+              <a:rPr kumimoji="1" lang="ja-JP" altLang="en-US" dirty="0"/>
+              <a:t>です。</a:t>
+            </a:r>
+            <a:endParaRPr kumimoji="1" lang="en-US" altLang="ja-JP" dirty="0"/>
+          </a:p>
+          <a:p>
+            <a:r>
+              <a:rPr kumimoji="1" lang="en-US" altLang="ja-JP" dirty="0" err="1"/>
+              <a:t>OpenJTalk</a:t>
+            </a:r>
+            <a:r>
+              <a:rPr kumimoji="1" lang="ja-JP" altLang="en-US" dirty="0"/>
+              <a:t>は日本語用の音声合成システムのオープンソースソフトウェアで、</a:t>
+            </a:r>
+            <a:endParaRPr kumimoji="1" lang="en-US" altLang="ja-JP" dirty="0"/>
+          </a:p>
+          <a:p>
+            <a:r>
+              <a:rPr kumimoji="1" lang="ja-JP" altLang="en-US" dirty="0"/>
+              <a:t>ボイスサンプル・声質や速度などのパラメータを設定することで、理想の音声を出力することができます。</a:t>
+            </a:r>
+            <a:endParaRPr kumimoji="1" lang="en-US" altLang="ja-JP" dirty="0"/>
+          </a:p>
+          <a:p>
+            <a:r>
+              <a:rPr kumimoji="1" lang="ja-JP" altLang="en-US" dirty="0"/>
+              <a:t>今お見せしているのは、★</a:t>
+            </a:r>
+            <a:r>
+              <a:rPr kumimoji="1" lang="en-US" altLang="ja-JP" dirty="0"/>
+              <a:t>result.txt</a:t>
+            </a:r>
+            <a:r>
+              <a:rPr kumimoji="1" lang="ja-JP" altLang="en-US" dirty="0"/>
+              <a:t>というテキストファイルの内容を音声出力するシェルスクリプトです。</a:t>
+            </a:r>
+            <a:endParaRPr kumimoji="1" lang="en-US" altLang="ja-JP" dirty="0"/>
+          </a:p>
+          <a:p>
+            <a:endParaRPr kumimoji="1" lang="ja-JP" altLang="en-US" dirty="0"/>
+          </a:p>
+        </p:txBody>
+      </p:sp>
+      <p:sp>
+        <p:nvSpPr>
+          <p:cNvPr id="4" name="スライド番号プレースホルダー 3"/>
+          <p:cNvSpPr>
+            <a:spLocks noGrp="1"/>
+          </p:cNvSpPr>
+          <p:nvPr>
+            <p:ph type="sldNum" sz="quarter" idx="5"/>
+          </p:nvPr>
+        </p:nvSpPr>
+        <p:spPr/>
+        <p:txBody>
+          <a:bodyPr/>
+          <a:lstStyle/>
+          <a:p>
+            <a:fld id="{1A2E7C28-4903-4521-8E60-0F80C627678B}" type="slidenum">
+              <a:rPr kumimoji="1" lang="ja-JP" altLang="en-US" smtClean="0"/>
+              <a:t>18</a:t>
+            </a:fld>
+            <a:endParaRPr kumimoji="1" lang="ja-JP" altLang="en-US"/>
+          </a:p>
+        </p:txBody>
+      </p:sp>
+    </p:spTree>
+    <p:extLst>
+      <p:ext uri="{BB962C8B-B14F-4D97-AF65-F5344CB8AC3E}">
+        <p14:creationId xmlns:p14="http://schemas.microsoft.com/office/powerpoint/2010/main" val="2285038393"/>
+      </p:ext>
+    </p:extLst>
+  </p:cSld>
+  <p:clrMapOvr>
+    <a:masterClrMapping/>
+  </p:clrMapOvr>
+</p:notes>
+</file>
+
+<file path=ppt/notesSlides/notesSlide16.xml><?xml version="1.0" encoding="utf-8"?>
+<p:notes xmlns:a="http://schemas.openxmlformats.org/drawingml/2006/main" xmlns:r="http://schemas.openxmlformats.org/officeDocument/2006/relationships" xmlns:p="http://schemas.openxmlformats.org/presentationml/2006/main">
+  <p:cSld>
+    <p:spTree>
+      <p:nvGrpSpPr>
+        <p:cNvPr id="1" name=""/>
+        <p:cNvGrpSpPr/>
+        <p:nvPr/>
+      </p:nvGrpSpPr>
+      <p:grpSpPr>
+        <a:xfrm>
+          <a:off x="0" y="0"/>
+          <a:ext cx="0" cy="0"/>
+          <a:chOff x="0" y="0"/>
+          <a:chExt cx="0" cy="0"/>
+        </a:xfrm>
+      </p:grpSpPr>
+      <p:sp>
+        <p:nvSpPr>
+          <p:cNvPr id="2" name="スライド イメージ プレースホルダー 1"/>
+          <p:cNvSpPr>
+            <a:spLocks noGrp="1" noRot="1" noChangeAspect="1"/>
+          </p:cNvSpPr>
+          <p:nvPr>
+            <p:ph type="sldImg"/>
+          </p:nvPr>
+        </p:nvSpPr>
+        <p:spPr/>
+      </p:sp>
+      <p:sp>
+        <p:nvSpPr>
+          <p:cNvPr id="3" name="ノート プレースホルダー 2"/>
+          <p:cNvSpPr>
+            <a:spLocks noGrp="1"/>
+          </p:cNvSpPr>
+          <p:nvPr>
+            <p:ph type="body" idx="1"/>
+          </p:nvPr>
+        </p:nvSpPr>
+        <p:spPr/>
+        <p:txBody>
+          <a:bodyPr/>
+          <a:lstStyle/>
+          <a:p>
+            <a:r>
+              <a:rPr kumimoji="1" lang="ja-JP" altLang="en-US" dirty="0"/>
+              <a:t>以前まではこの★</a:t>
+            </a:r>
+            <a:r>
+              <a:rPr kumimoji="1" lang="en-US" altLang="ja-JP" dirty="0"/>
+              <a:t>result.txt</a:t>
+            </a:r>
+            <a:r>
+              <a:rPr kumimoji="1" lang="ja-JP" altLang="en-US" dirty="0"/>
+              <a:t>というテキストファイルにスクレイピングの結果を上書き保存して、それを読み上げしていたのですが、</a:t>
+            </a:r>
+            <a:endParaRPr kumimoji="1" lang="en-US" altLang="ja-JP" dirty="0"/>
+          </a:p>
+          <a:p>
+            <a:r>
+              <a:rPr kumimoji="1" lang="ja-JP" altLang="en-US" dirty="0"/>
+              <a:t>先ほど説明した通り、現在はテキストファイルを個別に分けているため、★音声出力を行うシェルスクリプトも</a:t>
+            </a:r>
+            <a:r>
+              <a:rPr kumimoji="1" lang="en-US" altLang="ja-JP" dirty="0"/>
+              <a:t>4</a:t>
+            </a:r>
+            <a:r>
+              <a:rPr kumimoji="1" lang="ja-JP" altLang="en-US" dirty="0" err="1"/>
+              <a:t>つに</a:t>
+            </a:r>
+            <a:r>
+              <a:rPr kumimoji="1" lang="ja-JP" altLang="en-US" dirty="0"/>
+              <a:t>分けてあります。</a:t>
+            </a:r>
+          </a:p>
+        </p:txBody>
+      </p:sp>
+      <p:sp>
+        <p:nvSpPr>
+          <p:cNvPr id="4" name="スライド番号プレースホルダー 3"/>
+          <p:cNvSpPr>
+            <a:spLocks noGrp="1"/>
+          </p:cNvSpPr>
+          <p:nvPr>
+            <p:ph type="sldNum" sz="quarter" idx="5"/>
+          </p:nvPr>
+        </p:nvSpPr>
+        <p:spPr/>
+        <p:txBody>
+          <a:bodyPr/>
+          <a:lstStyle/>
+          <a:p>
+            <a:fld id="{1A2E7C28-4903-4521-8E60-0F80C627678B}" type="slidenum">
+              <a:rPr kumimoji="1" lang="ja-JP" altLang="en-US" smtClean="0"/>
+              <a:t>19</a:t>
+            </a:fld>
+            <a:endParaRPr kumimoji="1" lang="ja-JP" altLang="en-US"/>
+          </a:p>
+        </p:txBody>
+      </p:sp>
+    </p:spTree>
+    <p:extLst>
+      <p:ext uri="{BB962C8B-B14F-4D97-AF65-F5344CB8AC3E}">
+        <p14:creationId xmlns:p14="http://schemas.microsoft.com/office/powerpoint/2010/main" val="271621818"/>
+      </p:ext>
+    </p:extLst>
+  </p:cSld>
+  <p:clrMapOvr>
+    <a:masterClrMapping/>
+  </p:clrMapOvr>
+</p:notes>
+</file>
+
+<file path=ppt/notesSlides/notesSlide17.xml><?xml version="1.0" encoding="utf-8"?>
+<p:notes xmlns:a="http://schemas.openxmlformats.org/drawingml/2006/main" xmlns:r="http://schemas.openxmlformats.org/officeDocument/2006/relationships" xmlns:p="http://schemas.openxmlformats.org/presentationml/2006/main">
+  <p:cSld>
+    <p:spTree>
+      <p:nvGrpSpPr>
+        <p:cNvPr id="1" name=""/>
+        <p:cNvGrpSpPr/>
+        <p:nvPr/>
+      </p:nvGrpSpPr>
+      <p:grpSpPr>
+        <a:xfrm>
+          <a:off x="0" y="0"/>
+          <a:ext cx="0" cy="0"/>
+          <a:chOff x="0" y="0"/>
+          <a:chExt cx="0" cy="0"/>
+        </a:xfrm>
+      </p:grpSpPr>
+      <p:sp>
+        <p:nvSpPr>
+          <p:cNvPr id="2" name="スライド イメージ プレースホルダー 1"/>
+          <p:cNvSpPr>
+            <a:spLocks noGrp="1" noRot="1" noChangeAspect="1"/>
+          </p:cNvSpPr>
+          <p:nvPr>
+            <p:ph type="sldImg"/>
+          </p:nvPr>
+        </p:nvSpPr>
+        <p:spPr/>
+      </p:sp>
+      <p:sp>
+        <p:nvSpPr>
+          <p:cNvPr id="3" name="ノート プレースホルダー 2"/>
+          <p:cNvSpPr>
+            <a:spLocks noGrp="1"/>
+          </p:cNvSpPr>
+          <p:nvPr>
+            <p:ph type="body" idx="1"/>
+          </p:nvPr>
+        </p:nvSpPr>
+        <p:spPr/>
+        <p:txBody>
+          <a:bodyPr/>
+          <a:lstStyle/>
+          <a:p>
+            <a:r>
+              <a:rPr kumimoji="1" lang="ja-JP" altLang="en-US" dirty="0"/>
+              <a:t>それでは、これからデモンストレーションに移ります。</a:t>
+            </a:r>
+            <a:endParaRPr kumimoji="1" lang="en-US" altLang="ja-JP" dirty="0"/>
+          </a:p>
+          <a:p>
+            <a:r>
+              <a:rPr kumimoji="1" lang="ja-JP" altLang="en-US" dirty="0"/>
+              <a:t>実際に</a:t>
+            </a:r>
+            <a:r>
+              <a:rPr kumimoji="1" lang="en-US" altLang="ja-JP" dirty="0" err="1"/>
+              <a:t>YoSiE</a:t>
+            </a:r>
+            <a:r>
+              <a:rPr kumimoji="1" lang="ja-JP" altLang="en-US" dirty="0"/>
+              <a:t>を動かしているところをお見せします。</a:t>
+            </a:r>
+            <a:endParaRPr kumimoji="1" lang="en-US" altLang="ja-JP" dirty="0"/>
+          </a:p>
+        </p:txBody>
+      </p:sp>
+      <p:sp>
+        <p:nvSpPr>
+          <p:cNvPr id="4" name="スライド番号プレースホルダー 3"/>
+          <p:cNvSpPr>
+            <a:spLocks noGrp="1"/>
+          </p:cNvSpPr>
+          <p:nvPr>
+            <p:ph type="sldNum" sz="quarter" idx="5"/>
+          </p:nvPr>
+        </p:nvSpPr>
+        <p:spPr/>
+        <p:txBody>
+          <a:bodyPr/>
+          <a:lstStyle/>
+          <a:p>
+            <a:fld id="{1A2E7C28-4903-4521-8E60-0F80C627678B}" type="slidenum">
+              <a:rPr kumimoji="1" lang="ja-JP" altLang="en-US" smtClean="0"/>
+              <a:t>20</a:t>
+            </a:fld>
+            <a:endParaRPr kumimoji="1" lang="ja-JP" altLang="en-US"/>
+          </a:p>
+        </p:txBody>
+      </p:sp>
+    </p:spTree>
+    <p:extLst>
+      <p:ext uri="{BB962C8B-B14F-4D97-AF65-F5344CB8AC3E}">
+        <p14:creationId xmlns:p14="http://schemas.microsoft.com/office/powerpoint/2010/main" val="4148485458"/>
+      </p:ext>
+    </p:extLst>
+  </p:cSld>
+  <p:clrMapOvr>
+    <a:masterClrMapping/>
+  </p:clrMapOvr>
+</p:notes>
+</file>
+
+<file path=ppt/notesSlides/notesSlide18.xml><?xml version="1.0" encoding="utf-8"?>
+<p:notes xmlns:a="http://schemas.openxmlformats.org/drawingml/2006/main" xmlns:r="http://schemas.openxmlformats.org/officeDocument/2006/relationships" xmlns:p="http://schemas.openxmlformats.org/presentationml/2006/main">
+  <p:cSld>
+    <p:spTree>
+      <p:nvGrpSpPr>
+        <p:cNvPr id="1" name=""/>
+        <p:cNvGrpSpPr/>
+        <p:nvPr/>
+      </p:nvGrpSpPr>
+      <p:grpSpPr>
+        <a:xfrm>
+          <a:off x="0" y="0"/>
+          <a:ext cx="0" cy="0"/>
+          <a:chOff x="0" y="0"/>
+          <a:chExt cx="0" cy="0"/>
+        </a:xfrm>
+      </p:grpSpPr>
+      <p:sp>
+        <p:nvSpPr>
+          <p:cNvPr id="2" name="スライド イメージ プレースホルダー 1"/>
+          <p:cNvSpPr>
+            <a:spLocks noGrp="1" noRot="1" noChangeAspect="1"/>
+          </p:cNvSpPr>
+          <p:nvPr>
+            <p:ph type="sldImg"/>
+          </p:nvPr>
+        </p:nvSpPr>
+        <p:spPr/>
+      </p:sp>
+      <p:sp>
+        <p:nvSpPr>
+          <p:cNvPr id="3" name="ノート プレースホルダー 2"/>
+          <p:cNvSpPr>
+            <a:spLocks noGrp="1"/>
+          </p:cNvSpPr>
+          <p:nvPr>
+            <p:ph type="body" idx="1"/>
+          </p:nvPr>
+        </p:nvSpPr>
+        <p:spPr/>
+        <p:txBody>
+          <a:bodyPr/>
+          <a:lstStyle/>
+          <a:p>
+            <a:r>
+              <a:rPr kumimoji="1" lang="ja-JP" altLang="en-US" dirty="0"/>
+              <a:t>今後の計画はこの通りです。</a:t>
+            </a:r>
+            <a:endParaRPr kumimoji="1" lang="en-US" altLang="ja-JP" dirty="0"/>
+          </a:p>
+          <a:p>
+            <a:r>
+              <a:rPr kumimoji="1" lang="ja-JP" altLang="en-US" dirty="0"/>
+              <a:t>外見のおおまかな構造は決まっていますが、こけし自体と土台をどう作るかは検討中です。</a:t>
+            </a:r>
+            <a:endParaRPr kumimoji="1" lang="en-US" altLang="ja-JP" dirty="0"/>
+          </a:p>
+          <a:p>
+            <a:r>
+              <a:rPr kumimoji="1" lang="ja-JP" altLang="en-US" dirty="0"/>
+              <a:t>現在有力な案は、石粉粘土で作るという案です。</a:t>
+            </a:r>
+            <a:endParaRPr kumimoji="1" lang="en-US" altLang="ja-JP" dirty="0"/>
+          </a:p>
+          <a:p>
+            <a:r>
+              <a:rPr kumimoji="1" lang="en-US" altLang="ja-JP" dirty="0" err="1"/>
+              <a:t>Tech_Students</a:t>
+            </a:r>
+            <a:r>
+              <a:rPr kumimoji="1" lang="ja-JP" altLang="en-US" dirty="0"/>
+              <a:t>に進捗を投稿していきますので、外見の完成をお楽しみに。</a:t>
+            </a:r>
+            <a:endParaRPr kumimoji="1" lang="en-US" altLang="ja-JP" dirty="0"/>
+          </a:p>
+        </p:txBody>
+      </p:sp>
+      <p:sp>
+        <p:nvSpPr>
+          <p:cNvPr id="4" name="スライド番号プレースホルダー 3"/>
+          <p:cNvSpPr>
+            <a:spLocks noGrp="1"/>
+          </p:cNvSpPr>
+          <p:nvPr>
+            <p:ph type="sldNum" sz="quarter" idx="5"/>
+          </p:nvPr>
+        </p:nvSpPr>
+        <p:spPr/>
+        <p:txBody>
+          <a:bodyPr/>
+          <a:lstStyle/>
+          <a:p>
+            <a:fld id="{1A2E7C28-4903-4521-8E60-0F80C627678B}" type="slidenum">
+              <a:rPr kumimoji="1" lang="ja-JP" altLang="en-US" smtClean="0"/>
+              <a:t>21</a:t>
+            </a:fld>
+            <a:endParaRPr kumimoji="1" lang="ja-JP" altLang="en-US"/>
+          </a:p>
+        </p:txBody>
+      </p:sp>
+    </p:spTree>
+    <p:extLst>
+      <p:ext uri="{BB962C8B-B14F-4D97-AF65-F5344CB8AC3E}">
+        <p14:creationId xmlns:p14="http://schemas.microsoft.com/office/powerpoint/2010/main" val="929478742"/>
+      </p:ext>
+    </p:extLst>
+  </p:cSld>
+  <p:clrMapOvr>
+    <a:masterClrMapping/>
+  </p:clrMapOvr>
+</p:notes>
+</file>
+
+<file path=ppt/notesSlides/notesSlide19.xml><?xml version="1.0" encoding="utf-8"?>
+<p:notes xmlns:a="http://schemas.openxmlformats.org/drawingml/2006/main" xmlns:r="http://schemas.openxmlformats.org/officeDocument/2006/relationships" xmlns:p="http://schemas.openxmlformats.org/presentationml/2006/main">
+  <p:cSld>
+    <p:spTree>
+      <p:nvGrpSpPr>
+        <p:cNvPr id="1" name=""/>
+        <p:cNvGrpSpPr/>
+        <p:nvPr/>
+      </p:nvGrpSpPr>
+      <p:grpSpPr>
+        <a:xfrm>
+          <a:off x="0" y="0"/>
+          <a:ext cx="0" cy="0"/>
+          <a:chOff x="0" y="0"/>
+          <a:chExt cx="0" cy="0"/>
+        </a:xfrm>
+      </p:grpSpPr>
+      <p:sp>
+        <p:nvSpPr>
+          <p:cNvPr id="2" name="スライド イメージ プレースホルダー 1"/>
+          <p:cNvSpPr>
+            <a:spLocks noGrp="1" noRot="1" noChangeAspect="1"/>
+          </p:cNvSpPr>
+          <p:nvPr>
+            <p:ph type="sldImg"/>
+          </p:nvPr>
+        </p:nvSpPr>
+        <p:spPr/>
+      </p:sp>
+      <p:sp>
+        <p:nvSpPr>
+          <p:cNvPr id="3" name="ノート プレースホルダー 2"/>
+          <p:cNvSpPr>
+            <a:spLocks noGrp="1"/>
+          </p:cNvSpPr>
+          <p:nvPr>
+            <p:ph type="body" idx="1"/>
+          </p:nvPr>
+        </p:nvSpPr>
+        <p:spPr/>
+        <p:txBody>
+          <a:bodyPr/>
+          <a:lstStyle/>
+          <a:p>
+            <a:r>
+              <a:rPr kumimoji="1" lang="ja-JP" altLang="en-US" dirty="0"/>
+              <a:t>これで</a:t>
+            </a:r>
+            <a:r>
+              <a:rPr kumimoji="1" lang="en-US" altLang="ja-JP" dirty="0"/>
+              <a:t>AI</a:t>
+            </a:r>
+            <a:r>
+              <a:rPr kumimoji="1" lang="ja-JP" altLang="en-US" dirty="0"/>
+              <a:t>スピーカー開発の発表を終わります。</a:t>
+            </a:r>
+            <a:endParaRPr kumimoji="1" lang="en-US" altLang="ja-JP" dirty="0"/>
+          </a:p>
+          <a:p>
+            <a:r>
+              <a:rPr kumimoji="1" lang="ja-JP" altLang="en-US" dirty="0"/>
+              <a:t>これより、質疑応答に移ります。</a:t>
+            </a:r>
+          </a:p>
+        </p:txBody>
+      </p:sp>
+      <p:sp>
+        <p:nvSpPr>
+          <p:cNvPr id="4" name="スライド番号プレースホルダー 3"/>
+          <p:cNvSpPr>
+            <a:spLocks noGrp="1"/>
+          </p:cNvSpPr>
+          <p:nvPr>
+            <p:ph type="sldNum" sz="quarter" idx="5"/>
+          </p:nvPr>
+        </p:nvSpPr>
+        <p:spPr/>
+        <p:txBody>
+          <a:bodyPr/>
+          <a:lstStyle/>
+          <a:p>
+            <a:fld id="{1A2E7C28-4903-4521-8E60-0F80C627678B}" type="slidenum">
+              <a:rPr kumimoji="1" lang="ja-JP" altLang="en-US" smtClean="0"/>
+              <a:t>22</a:t>
+            </a:fld>
+            <a:endParaRPr kumimoji="1" lang="ja-JP" altLang="en-US"/>
+          </a:p>
+        </p:txBody>
+      </p:sp>
+    </p:spTree>
+    <p:extLst>
+      <p:ext uri="{BB962C8B-B14F-4D97-AF65-F5344CB8AC3E}">
+        <p14:creationId xmlns:p14="http://schemas.microsoft.com/office/powerpoint/2010/main" val="3992716668"/>
       </p:ext>
     </p:extLst>
   </p:cSld>
@@ -645,7 +1849,101 @@
           <a:bodyPr/>
           <a:lstStyle/>
           <a:p>
-            <a:endParaRPr kumimoji="1" lang="ja-JP" altLang="en-US" dirty="0"/>
+            <a:r>
+              <a:rPr kumimoji="1" lang="ja-JP" altLang="en-US" dirty="0"/>
+              <a:t>まずはプロジェクトの全体像について説明します。</a:t>
+            </a:r>
+            <a:endParaRPr kumimoji="1" lang="en-US" altLang="ja-JP" dirty="0"/>
+          </a:p>
+          <a:p>
+            <a:r>
+              <a:rPr kumimoji="1" lang="ja-JP" altLang="en-US" dirty="0"/>
+              <a:t>私たちが作っているのは</a:t>
+            </a:r>
+            <a:r>
+              <a:rPr kumimoji="1" lang="en-US" altLang="ja-JP" dirty="0"/>
+              <a:t>AI</a:t>
+            </a:r>
+            <a:r>
+              <a:rPr kumimoji="1" lang="ja-JP" altLang="en-US" dirty="0"/>
+              <a:t>スピーカーで、既製品の例には</a:t>
+            </a:r>
+            <a:r>
+              <a:rPr kumimoji="1" lang="en-US" altLang="ja-JP" dirty="0"/>
+              <a:t>Google home</a:t>
+            </a:r>
+            <a:r>
+              <a:rPr kumimoji="1" lang="ja-JP" altLang="en-US" dirty="0"/>
+              <a:t>や</a:t>
+            </a:r>
+            <a:r>
+              <a:rPr kumimoji="1" lang="en-US" altLang="ja-JP" dirty="0"/>
+              <a:t>Alexa</a:t>
+            </a:r>
+            <a:r>
+              <a:rPr kumimoji="1" lang="ja-JP" altLang="en-US" dirty="0"/>
+              <a:t>などがあり、私たちもそれに倣って</a:t>
+            </a:r>
+            <a:r>
+              <a:rPr kumimoji="1" lang="en-US" altLang="ja-JP" dirty="0"/>
+              <a:t>AI</a:t>
+            </a:r>
+            <a:r>
+              <a:rPr kumimoji="1" lang="ja-JP" altLang="en-US" dirty="0"/>
+              <a:t>スピーカーに名前を付けました。</a:t>
+            </a:r>
+            <a:endParaRPr kumimoji="1" lang="en-US" altLang="ja-JP" dirty="0"/>
+          </a:p>
+          <a:p>
+            <a:r>
+              <a:rPr kumimoji="1" lang="ja-JP" altLang="en-US" dirty="0"/>
+              <a:t>私たちが作っている</a:t>
+            </a:r>
+            <a:r>
+              <a:rPr kumimoji="1" lang="en-US" altLang="ja-JP" dirty="0"/>
+              <a:t>AI</a:t>
+            </a:r>
+            <a:r>
+              <a:rPr kumimoji="1" lang="ja-JP" altLang="en-US" dirty="0"/>
+              <a:t>スピーカーの名前は、★“</a:t>
+            </a:r>
+            <a:r>
+              <a:rPr kumimoji="1" lang="en-US" altLang="ja-JP" dirty="0" err="1"/>
+              <a:t>YoSiE</a:t>
+            </a:r>
+            <a:r>
+              <a:rPr kumimoji="1" lang="ja-JP" altLang="en-US" dirty="0"/>
+              <a:t>”といいます。</a:t>
+            </a:r>
+            <a:endParaRPr kumimoji="1" lang="en-US" altLang="ja-JP" dirty="0"/>
+          </a:p>
+          <a:p>
+            <a:r>
+              <a:rPr kumimoji="1" lang="ja-JP" altLang="en-US" dirty="0"/>
+              <a:t>機能の例として、★「今日の天気は？」と問いかけると、★天気予報を読み上げてくれます。</a:t>
+            </a:r>
+            <a:endParaRPr kumimoji="1" lang="en-US" altLang="ja-JP" dirty="0"/>
+          </a:p>
+          <a:p>
+            <a:r>
+              <a:rPr kumimoji="1" lang="ja-JP" altLang="en-US" dirty="0"/>
+              <a:t>現在実装している機能は、天気予報・ニュース・日時・星座占いの４つの読み上げです。</a:t>
+            </a:r>
+            <a:endParaRPr kumimoji="1" lang="en-US" altLang="ja-JP" dirty="0"/>
+          </a:p>
+          <a:p>
+            <a:r>
+              <a:rPr kumimoji="1" lang="ja-JP" altLang="en-US" dirty="0"/>
+              <a:t>ハードウェアの本体には、★</a:t>
+            </a:r>
+            <a:r>
+              <a:rPr kumimoji="1" lang="en-US" altLang="ja-JP" dirty="0"/>
+              <a:t>Raspberry Pi</a:t>
+            </a:r>
+            <a:r>
+              <a:rPr kumimoji="1" lang="ja-JP" altLang="en-US" dirty="0"/>
+              <a:t>を使用しています。</a:t>
+            </a:r>
           </a:p>
         </p:txBody>
       </p:sp>
@@ -664,6 +1962,557 @@
           <a:bodyPr/>
           <a:lstStyle/>
           <a:p>
+            <a:fld id="{9DAB6BB4-6322-4797-9820-4A78B14C1A63}" type="slidenum">
+              <a:rPr kumimoji="1" lang="ja-JP" altLang="en-US" smtClean="0"/>
+              <a:t>2</a:t>
+            </a:fld>
+            <a:endParaRPr kumimoji="1" lang="ja-JP" altLang="en-US"/>
+          </a:p>
+        </p:txBody>
+      </p:sp>
+    </p:spTree>
+    <p:extLst>
+      <p:ext uri="{BB962C8B-B14F-4D97-AF65-F5344CB8AC3E}">
+        <p14:creationId xmlns:p14="http://schemas.microsoft.com/office/powerpoint/2010/main" val="3135516046"/>
+      </p:ext>
+    </p:extLst>
+  </p:cSld>
+  <p:clrMapOvr>
+    <a:masterClrMapping/>
+  </p:clrMapOvr>
+</p:notes>
+</file>
+
+<file path=ppt/notesSlides/notesSlide3.xml><?xml version="1.0" encoding="utf-8"?>
+<p:notes xmlns:a="http://schemas.openxmlformats.org/drawingml/2006/main" xmlns:r="http://schemas.openxmlformats.org/officeDocument/2006/relationships" xmlns:p="http://schemas.openxmlformats.org/presentationml/2006/main">
+  <p:cSld>
+    <p:spTree>
+      <p:nvGrpSpPr>
+        <p:cNvPr id="1" name=""/>
+        <p:cNvGrpSpPr/>
+        <p:nvPr/>
+      </p:nvGrpSpPr>
+      <p:grpSpPr>
+        <a:xfrm>
+          <a:off x="0" y="0"/>
+          <a:ext cx="0" cy="0"/>
+          <a:chOff x="0" y="0"/>
+          <a:chExt cx="0" cy="0"/>
+        </a:xfrm>
+      </p:grpSpPr>
+      <p:sp>
+        <p:nvSpPr>
+          <p:cNvPr id="2" name="スライド イメージ プレースホルダー 1"/>
+          <p:cNvSpPr>
+            <a:spLocks noGrp="1" noRot="1" noChangeAspect="1"/>
+          </p:cNvSpPr>
+          <p:nvPr>
+            <p:ph type="sldImg"/>
+          </p:nvPr>
+        </p:nvSpPr>
+        <p:spPr/>
+      </p:sp>
+      <p:sp>
+        <p:nvSpPr>
+          <p:cNvPr id="3" name="ノート プレースホルダー 2"/>
+          <p:cNvSpPr>
+            <a:spLocks noGrp="1"/>
+          </p:cNvSpPr>
+          <p:nvPr>
+            <p:ph type="body" idx="1"/>
+          </p:nvPr>
+        </p:nvSpPr>
+        <p:spPr/>
+        <p:txBody>
+          <a:bodyPr/>
+          <a:lstStyle/>
+          <a:p>
+            <a:r>
+              <a:rPr kumimoji="1" lang="ja-JP" altLang="en-US" dirty="0"/>
+              <a:t>主な要素技術と処理の流れについて説明します。</a:t>
+            </a:r>
+            <a:endParaRPr kumimoji="1" lang="en-US" altLang="ja-JP" dirty="0"/>
+          </a:p>
+          <a:p>
+            <a:r>
+              <a:rPr kumimoji="1" lang="en-US" altLang="ja-JP" dirty="0" err="1"/>
+              <a:t>YoSiE</a:t>
+            </a:r>
+            <a:r>
+              <a:rPr kumimoji="1" lang="ja-JP" altLang="en-US" dirty="0"/>
+              <a:t>に使用している主な要素技術は御覧の</a:t>
+            </a:r>
+            <a:r>
+              <a:rPr kumimoji="1" lang="en-US" altLang="ja-JP" dirty="0"/>
+              <a:t>4</a:t>
+            </a:r>
+            <a:r>
+              <a:rPr kumimoji="1" lang="ja-JP" altLang="en-US" dirty="0"/>
+              <a:t>つで、</a:t>
+            </a:r>
+            <a:endParaRPr kumimoji="1" lang="en-US" altLang="ja-JP" dirty="0"/>
+          </a:p>
+          <a:p>
+            <a:r>
+              <a:rPr kumimoji="1" lang="en-US" altLang="ja-JP" dirty="0"/>
+              <a:t>Julius</a:t>
+            </a:r>
+            <a:r>
+              <a:rPr kumimoji="1" lang="ja-JP" altLang="en-US" dirty="0"/>
+              <a:t>で音声認識を行い、</a:t>
+            </a:r>
+            <a:endParaRPr kumimoji="1" lang="en-US" altLang="ja-JP" dirty="0"/>
+          </a:p>
+          <a:p>
+            <a:r>
+              <a:rPr kumimoji="1" lang="ja-JP" altLang="en-US" dirty="0"/>
+              <a:t>取得したデータを</a:t>
+            </a:r>
+            <a:r>
+              <a:rPr kumimoji="1" lang="en-US" altLang="ja-JP" dirty="0" err="1"/>
+              <a:t>fastText</a:t>
+            </a:r>
+            <a:r>
+              <a:rPr kumimoji="1" lang="ja-JP" altLang="en-US" dirty="0"/>
+              <a:t>でテキスト分類し、機能を判別します。</a:t>
+            </a:r>
+            <a:endParaRPr kumimoji="1" lang="en-US" altLang="ja-JP" dirty="0"/>
+          </a:p>
+          <a:p>
+            <a:r>
+              <a:rPr kumimoji="1" lang="ja-JP" altLang="en-US" dirty="0"/>
+              <a:t>それではここから、各要素技術について説明していきます。</a:t>
+            </a:r>
+            <a:endParaRPr kumimoji="1" lang="en-US" altLang="ja-JP" dirty="0"/>
+          </a:p>
+          <a:p>
+            <a:r>
+              <a:rPr kumimoji="1" lang="ja-JP" altLang="en-US" dirty="0"/>
+              <a:t>判別した機能に基づいてスクレイピングで出力するテキストデータを取得し、</a:t>
+            </a:r>
+            <a:endParaRPr kumimoji="1" lang="en-US" altLang="ja-JP" dirty="0"/>
+          </a:p>
+          <a:p>
+            <a:r>
+              <a:rPr kumimoji="1" lang="ja-JP" altLang="en-US" dirty="0"/>
+              <a:t>それを</a:t>
+            </a:r>
+            <a:r>
+              <a:rPr kumimoji="1" lang="en-US" altLang="ja-JP" dirty="0" err="1"/>
+              <a:t>OpenJTalk</a:t>
+            </a:r>
+            <a:r>
+              <a:rPr kumimoji="1" lang="ja-JP" altLang="en-US" dirty="0"/>
+              <a:t>で音声出力する、といった流れです。</a:t>
+            </a:r>
+          </a:p>
+        </p:txBody>
+      </p:sp>
+      <p:sp>
+        <p:nvSpPr>
+          <p:cNvPr id="4" name="スライド番号プレースホルダー 3"/>
+          <p:cNvSpPr>
+            <a:spLocks noGrp="1"/>
+          </p:cNvSpPr>
+          <p:nvPr>
+            <p:ph type="sldNum" sz="quarter" idx="5"/>
+          </p:nvPr>
+        </p:nvSpPr>
+        <p:spPr/>
+        <p:txBody>
+          <a:bodyPr/>
+          <a:lstStyle/>
+          <a:p>
+            <a:fld id="{1A2E7C28-4903-4521-8E60-0F80C627678B}" type="slidenum">
+              <a:rPr kumimoji="1" lang="ja-JP" altLang="en-US" smtClean="0"/>
+              <a:t>3</a:t>
+            </a:fld>
+            <a:endParaRPr kumimoji="1" lang="ja-JP" altLang="en-US"/>
+          </a:p>
+        </p:txBody>
+      </p:sp>
+    </p:spTree>
+    <p:extLst>
+      <p:ext uri="{BB962C8B-B14F-4D97-AF65-F5344CB8AC3E}">
+        <p14:creationId xmlns:p14="http://schemas.microsoft.com/office/powerpoint/2010/main" val="1513791740"/>
+      </p:ext>
+    </p:extLst>
+  </p:cSld>
+  <p:clrMapOvr>
+    <a:masterClrMapping/>
+  </p:clrMapOvr>
+</p:notes>
+</file>
+
+<file path=ppt/notesSlides/notesSlide4.xml><?xml version="1.0" encoding="utf-8"?>
+<p:notes xmlns:a="http://schemas.openxmlformats.org/drawingml/2006/main" xmlns:r="http://schemas.openxmlformats.org/officeDocument/2006/relationships" xmlns:p="http://schemas.openxmlformats.org/presentationml/2006/main">
+  <p:cSld>
+    <p:spTree>
+      <p:nvGrpSpPr>
+        <p:cNvPr id="1" name=""/>
+        <p:cNvGrpSpPr/>
+        <p:nvPr/>
+      </p:nvGrpSpPr>
+      <p:grpSpPr>
+        <a:xfrm>
+          <a:off x="0" y="0"/>
+          <a:ext cx="0" cy="0"/>
+          <a:chOff x="0" y="0"/>
+          <a:chExt cx="0" cy="0"/>
+        </a:xfrm>
+      </p:grpSpPr>
+      <p:sp>
+        <p:nvSpPr>
+          <p:cNvPr id="2" name="スライド イメージ プレースホルダー 1"/>
+          <p:cNvSpPr>
+            <a:spLocks noGrp="1" noRot="1" noChangeAspect="1"/>
+          </p:cNvSpPr>
+          <p:nvPr>
+            <p:ph type="sldImg"/>
+          </p:nvPr>
+        </p:nvSpPr>
+        <p:spPr/>
+      </p:sp>
+      <p:sp>
+        <p:nvSpPr>
+          <p:cNvPr id="3" name="ノート プレースホルダー 2"/>
+          <p:cNvSpPr>
+            <a:spLocks noGrp="1"/>
+          </p:cNvSpPr>
+          <p:nvPr>
+            <p:ph type="body" idx="1"/>
+          </p:nvPr>
+        </p:nvSpPr>
+        <p:spPr/>
+        <p:txBody>
+          <a:bodyPr/>
+          <a:lstStyle/>
+          <a:p>
+            <a:r>
+              <a:rPr kumimoji="1" lang="ja-JP" altLang="en-US" dirty="0"/>
+              <a:t>まずは</a:t>
+            </a:r>
+            <a:r>
+              <a:rPr kumimoji="1" lang="en-US" altLang="ja-JP" dirty="0"/>
+              <a:t>Julius</a:t>
+            </a:r>
+            <a:r>
+              <a:rPr kumimoji="1" lang="ja-JP" altLang="en-US" dirty="0"/>
+              <a:t>についてです。</a:t>
+            </a:r>
+            <a:endParaRPr kumimoji="1" lang="en-US" altLang="ja-JP" dirty="0"/>
+          </a:p>
+          <a:p>
+            <a:r>
+              <a:rPr kumimoji="1" lang="en-US" altLang="ja-JP" dirty="0"/>
+              <a:t>Julius</a:t>
+            </a:r>
+            <a:r>
+              <a:rPr kumimoji="1" lang="ja-JP" altLang="en-US" dirty="0"/>
+              <a:t>は音声認識を行うオープンソースソフトウェアで、マイクから入力された音声を、テキストデータに変換してくれます。</a:t>
+            </a:r>
+            <a:endParaRPr kumimoji="1" lang="en-US" altLang="ja-JP" dirty="0"/>
+          </a:p>
+          <a:p>
+            <a:r>
+              <a:rPr kumimoji="1" lang="en-US" altLang="ja-JP" dirty="0" err="1"/>
+              <a:t>YoSiE</a:t>
+            </a:r>
+            <a:r>
+              <a:rPr kumimoji="1" lang="ja-JP" altLang="en-US" dirty="0"/>
+              <a:t>では、★</a:t>
+            </a:r>
+            <a:r>
+              <a:rPr kumimoji="1" lang="en-US" altLang="ja-JP" dirty="0"/>
+              <a:t>Julius</a:t>
+            </a:r>
+            <a:r>
+              <a:rPr kumimoji="1" lang="ja-JP" altLang="en-US" dirty="0"/>
+              <a:t>を</a:t>
+            </a:r>
+            <a:r>
+              <a:rPr kumimoji="1" lang="en-US" altLang="ja-JP" dirty="0"/>
+              <a:t>Python</a:t>
+            </a:r>
+            <a:r>
+              <a:rPr kumimoji="1" lang="ja-JP" altLang="en-US" dirty="0"/>
+              <a:t>と連携させて利用しています。</a:t>
+            </a:r>
+          </a:p>
+        </p:txBody>
+      </p:sp>
+      <p:sp>
+        <p:nvSpPr>
+          <p:cNvPr id="4" name="スライド番号プレースホルダー 3"/>
+          <p:cNvSpPr>
+            <a:spLocks noGrp="1"/>
+          </p:cNvSpPr>
+          <p:nvPr>
+            <p:ph type="sldNum" sz="quarter" idx="5"/>
+          </p:nvPr>
+        </p:nvSpPr>
+        <p:spPr/>
+        <p:txBody>
+          <a:bodyPr/>
+          <a:lstStyle/>
+          <a:p>
+            <a:fld id="{1A2E7C28-4903-4521-8E60-0F80C627678B}" type="slidenum">
+              <a:rPr kumimoji="1" lang="ja-JP" altLang="en-US" smtClean="0"/>
+              <a:t>4</a:t>
+            </a:fld>
+            <a:endParaRPr kumimoji="1" lang="ja-JP" altLang="en-US"/>
+          </a:p>
+        </p:txBody>
+      </p:sp>
+    </p:spTree>
+    <p:extLst>
+      <p:ext uri="{BB962C8B-B14F-4D97-AF65-F5344CB8AC3E}">
+        <p14:creationId xmlns:p14="http://schemas.microsoft.com/office/powerpoint/2010/main" val="716643765"/>
+      </p:ext>
+    </p:extLst>
+  </p:cSld>
+  <p:clrMapOvr>
+    <a:masterClrMapping/>
+  </p:clrMapOvr>
+</p:notes>
+</file>
+
+<file path=ppt/notesSlides/notesSlide5.xml><?xml version="1.0" encoding="utf-8"?>
+<p:notes xmlns:a="http://schemas.openxmlformats.org/drawingml/2006/main" xmlns:r="http://schemas.openxmlformats.org/officeDocument/2006/relationships" xmlns:p="http://schemas.openxmlformats.org/presentationml/2006/main">
+  <p:cSld>
+    <p:spTree>
+      <p:nvGrpSpPr>
+        <p:cNvPr id="1" name=""/>
+        <p:cNvGrpSpPr/>
+        <p:nvPr/>
+      </p:nvGrpSpPr>
+      <p:grpSpPr>
+        <a:xfrm>
+          <a:off x="0" y="0"/>
+          <a:ext cx="0" cy="0"/>
+          <a:chOff x="0" y="0"/>
+          <a:chExt cx="0" cy="0"/>
+        </a:xfrm>
+      </p:grpSpPr>
+      <p:sp>
+        <p:nvSpPr>
+          <p:cNvPr id="2" name="スライド イメージ プレースホルダー 1"/>
+          <p:cNvSpPr>
+            <a:spLocks noGrp="1" noRot="1" noChangeAspect="1"/>
+          </p:cNvSpPr>
+          <p:nvPr>
+            <p:ph type="sldImg"/>
+          </p:nvPr>
+        </p:nvSpPr>
+        <p:spPr/>
+      </p:sp>
+      <p:sp>
+        <p:nvSpPr>
+          <p:cNvPr id="3" name="ノート プレースホルダー 2"/>
+          <p:cNvSpPr>
+            <a:spLocks noGrp="1"/>
+          </p:cNvSpPr>
+          <p:nvPr>
+            <p:ph type="body" idx="1"/>
+          </p:nvPr>
+        </p:nvSpPr>
+        <p:spPr/>
+        <p:txBody>
+          <a:bodyPr/>
+          <a:lstStyle/>
+          <a:p>
+            <a:r>
+              <a:rPr kumimoji="1" lang="en-US" altLang="ja-JP" dirty="0"/>
+              <a:t>Julius</a:t>
+            </a:r>
+            <a:r>
+              <a:rPr kumimoji="1" lang="ja-JP" altLang="en-US" dirty="0"/>
+              <a:t>と</a:t>
+            </a:r>
+            <a:r>
+              <a:rPr kumimoji="1" lang="en-US" altLang="ja-JP" dirty="0"/>
+              <a:t>Python</a:t>
+            </a:r>
+            <a:r>
+              <a:rPr kumimoji="1" lang="ja-JP" altLang="en-US" dirty="0"/>
+              <a:t>の連携については、御覧の図の通りです。</a:t>
+            </a:r>
+            <a:endParaRPr kumimoji="1" lang="en-US" altLang="ja-JP" dirty="0"/>
+          </a:p>
+          <a:p>
+            <a:r>
+              <a:rPr kumimoji="1" lang="ja-JP" altLang="en-US" dirty="0"/>
+              <a:t>まず</a:t>
+            </a:r>
+            <a:r>
+              <a:rPr kumimoji="1" lang="en-US" altLang="ja-JP" dirty="0"/>
+              <a:t>Julius</a:t>
+            </a:r>
+            <a:r>
+              <a:rPr kumimoji="1" lang="ja-JP" altLang="en-US" dirty="0"/>
+              <a:t>サーバを起動させておき、そのあとで</a:t>
+            </a:r>
+            <a:r>
+              <a:rPr kumimoji="1" lang="en-US" altLang="ja-JP" dirty="0"/>
+              <a:t>Python</a:t>
+            </a:r>
+            <a:r>
+              <a:rPr kumimoji="1" lang="ja-JP" altLang="en-US" dirty="0"/>
+              <a:t>プログラムを実行させます。</a:t>
+            </a:r>
+            <a:endParaRPr kumimoji="1" lang="en-US" altLang="ja-JP" dirty="0"/>
+          </a:p>
+          <a:p>
+            <a:r>
+              <a:rPr kumimoji="1" lang="ja-JP" altLang="en-US" dirty="0"/>
+              <a:t>簡単に言えば、</a:t>
+            </a:r>
+            <a:r>
+              <a:rPr kumimoji="1" lang="en-US" altLang="ja-JP" dirty="0"/>
+              <a:t>Julius</a:t>
+            </a:r>
+            <a:r>
+              <a:rPr kumimoji="1" lang="ja-JP" altLang="en-US" dirty="0"/>
+              <a:t>で行った音声認識の結果を、</a:t>
+            </a:r>
+            <a:r>
+              <a:rPr kumimoji="1" lang="en-US" altLang="ja-JP" dirty="0"/>
+              <a:t>Python</a:t>
+            </a:r>
+            <a:r>
+              <a:rPr kumimoji="1" lang="ja-JP" altLang="en-US" dirty="0"/>
+              <a:t>でテキストデータとして扱う、ということです。</a:t>
+            </a:r>
+          </a:p>
+        </p:txBody>
+      </p:sp>
+      <p:sp>
+        <p:nvSpPr>
+          <p:cNvPr id="4" name="スライド番号プレースホルダー 3"/>
+          <p:cNvSpPr>
+            <a:spLocks noGrp="1"/>
+          </p:cNvSpPr>
+          <p:nvPr>
+            <p:ph type="sldNum" sz="quarter" idx="5"/>
+          </p:nvPr>
+        </p:nvSpPr>
+        <p:spPr/>
+        <p:txBody>
+          <a:bodyPr/>
+          <a:lstStyle/>
+          <a:p>
+            <a:fld id="{1A2E7C28-4903-4521-8E60-0F80C627678B}" type="slidenum">
+              <a:rPr kumimoji="1" lang="ja-JP" altLang="en-US" smtClean="0"/>
+              <a:t>5</a:t>
+            </a:fld>
+            <a:endParaRPr kumimoji="1" lang="ja-JP" altLang="en-US"/>
+          </a:p>
+        </p:txBody>
+      </p:sp>
+    </p:spTree>
+    <p:extLst>
+      <p:ext uri="{BB962C8B-B14F-4D97-AF65-F5344CB8AC3E}">
+        <p14:creationId xmlns:p14="http://schemas.microsoft.com/office/powerpoint/2010/main" val="3807156665"/>
+      </p:ext>
+    </p:extLst>
+  </p:cSld>
+  <p:clrMapOvr>
+    <a:masterClrMapping/>
+  </p:clrMapOvr>
+</p:notes>
+</file>
+
+<file path=ppt/notesSlides/notesSlide6.xml><?xml version="1.0" encoding="utf-8"?>
+<p:notes xmlns:a="http://schemas.openxmlformats.org/drawingml/2006/main" xmlns:r="http://schemas.openxmlformats.org/officeDocument/2006/relationships" xmlns:p="http://schemas.openxmlformats.org/presentationml/2006/main">
+  <p:cSld>
+    <p:spTree>
+      <p:nvGrpSpPr>
+        <p:cNvPr id="1" name=""/>
+        <p:cNvGrpSpPr/>
+        <p:nvPr/>
+      </p:nvGrpSpPr>
+      <p:grpSpPr>
+        <a:xfrm>
+          <a:off x="0" y="0"/>
+          <a:ext cx="0" cy="0"/>
+          <a:chOff x="0" y="0"/>
+          <a:chExt cx="0" cy="0"/>
+        </a:xfrm>
+      </p:grpSpPr>
+      <p:sp>
+        <p:nvSpPr>
+          <p:cNvPr id="2" name="スライド イメージ プレースホルダー 1"/>
+          <p:cNvSpPr>
+            <a:spLocks noGrp="1" noRot="1" noChangeAspect="1"/>
+          </p:cNvSpPr>
+          <p:nvPr>
+            <p:ph type="sldImg"/>
+          </p:nvPr>
+        </p:nvSpPr>
+        <p:spPr/>
+      </p:sp>
+      <p:sp>
+        <p:nvSpPr>
+          <p:cNvPr id="3" name="ノート プレースホルダー 2"/>
+          <p:cNvSpPr>
+            <a:spLocks noGrp="1"/>
+          </p:cNvSpPr>
+          <p:nvPr>
+            <p:ph type="body" idx="1"/>
+          </p:nvPr>
+        </p:nvSpPr>
+        <p:spPr/>
+        <p:txBody>
+          <a:bodyPr/>
+          <a:lstStyle/>
+          <a:p>
+            <a:r>
+              <a:rPr kumimoji="1" lang="en-US" altLang="ja-JP" dirty="0"/>
+              <a:t>Julius</a:t>
+            </a:r>
+            <a:r>
+              <a:rPr kumimoji="1" lang="ja-JP" altLang="en-US" dirty="0"/>
+              <a:t>の音声認識の精度を上げる方法に記述文法音声というものがあり、辞書ファイルというファイルに認識させたい単語や文章パターンを登録することで、その文章のみを認識してくれる、というものです。</a:t>
+            </a:r>
+            <a:endParaRPr kumimoji="1" lang="en-US" altLang="ja-JP" dirty="0"/>
+          </a:p>
+          <a:p>
+            <a:r>
+              <a:rPr kumimoji="1" lang="ja-JP" altLang="en-US" dirty="0"/>
+              <a:t>これにより、認識させたい文章パターンを大量に登録して、想定される質問の認識精度を上げています。</a:t>
+            </a:r>
+            <a:endParaRPr kumimoji="1" lang="en-US" altLang="ja-JP" dirty="0"/>
+          </a:p>
+          <a:p>
+            <a:r>
+              <a:rPr kumimoji="1" lang="ja-JP" altLang="en-US" dirty="0"/>
+              <a:t>今ご覧になっているテキストデータは、辞書ファイルのうちの語彙ファイルというもので、これの一部分を抜き出して説明したいと思います。★★</a:t>
+            </a:r>
+            <a:endParaRPr kumimoji="1" lang="en-US" altLang="ja-JP" dirty="0"/>
+          </a:p>
+          <a:p>
+            <a:endParaRPr kumimoji="1" lang="en-US" altLang="ja-JP" dirty="0"/>
+          </a:p>
+          <a:p>
+            <a:endParaRPr kumimoji="1" lang="ja-JP" altLang="en-US" dirty="0"/>
+          </a:p>
+        </p:txBody>
+      </p:sp>
+      <p:sp>
+        <p:nvSpPr>
+          <p:cNvPr id="4" name="スライド番号プレースホルダー 3"/>
+          <p:cNvSpPr>
+            <a:spLocks noGrp="1"/>
+          </p:cNvSpPr>
+          <p:nvPr>
+            <p:ph type="sldNum" sz="quarter" idx="5"/>
+          </p:nvPr>
+        </p:nvSpPr>
+        <p:spPr/>
+        <p:txBody>
+          <a:bodyPr/>
+          <a:lstStyle/>
+          <a:p>
             <a:fld id="{1A2E7C28-4903-4521-8E60-0F80C627678B}" type="slidenum">
               <a:rPr kumimoji="1" lang="ja-JP" altLang="en-US" smtClean="0"/>
               <a:t>6</a:t>
@@ -676,6 +2525,384 @@
     <p:extLst>
       <p:ext uri="{BB962C8B-B14F-4D97-AF65-F5344CB8AC3E}">
         <p14:creationId xmlns:p14="http://schemas.microsoft.com/office/powerpoint/2010/main" val="1894952482"/>
+      </p:ext>
+    </p:extLst>
+  </p:cSld>
+  <p:clrMapOvr>
+    <a:masterClrMapping/>
+  </p:clrMapOvr>
+</p:notes>
+</file>
+
+<file path=ppt/notesSlides/notesSlide7.xml><?xml version="1.0" encoding="utf-8"?>
+<p:notes xmlns:a="http://schemas.openxmlformats.org/drawingml/2006/main" xmlns:r="http://schemas.openxmlformats.org/officeDocument/2006/relationships" xmlns:p="http://schemas.openxmlformats.org/presentationml/2006/main">
+  <p:cSld>
+    <p:spTree>
+      <p:nvGrpSpPr>
+        <p:cNvPr id="1" name=""/>
+        <p:cNvGrpSpPr/>
+        <p:nvPr/>
+      </p:nvGrpSpPr>
+      <p:grpSpPr>
+        <a:xfrm>
+          <a:off x="0" y="0"/>
+          <a:ext cx="0" cy="0"/>
+          <a:chOff x="0" y="0"/>
+          <a:chExt cx="0" cy="0"/>
+        </a:xfrm>
+      </p:grpSpPr>
+      <p:sp>
+        <p:nvSpPr>
+          <p:cNvPr id="2" name="スライド イメージ プレースホルダー 1"/>
+          <p:cNvSpPr>
+            <a:spLocks noGrp="1" noRot="1" noChangeAspect="1"/>
+          </p:cNvSpPr>
+          <p:nvPr>
+            <p:ph type="sldImg"/>
+          </p:nvPr>
+        </p:nvSpPr>
+        <p:spPr/>
+      </p:sp>
+      <p:sp>
+        <p:nvSpPr>
+          <p:cNvPr id="3" name="ノート プレースホルダー 2"/>
+          <p:cNvSpPr>
+            <a:spLocks noGrp="1"/>
+          </p:cNvSpPr>
+          <p:nvPr>
+            <p:ph type="body" idx="1"/>
+          </p:nvPr>
+        </p:nvSpPr>
+        <p:spPr/>
+        <p:txBody>
+          <a:bodyPr/>
+          <a:lstStyle/>
+          <a:p>
+            <a:r>
+              <a:rPr kumimoji="1" lang="ja-JP" altLang="en-US" dirty="0"/>
+              <a:t>こちらは</a:t>
+            </a:r>
+            <a:r>
+              <a:rPr kumimoji="1" lang="en-US" altLang="ja-JP" dirty="0"/>
+              <a:t>12</a:t>
+            </a:r>
+            <a:r>
+              <a:rPr kumimoji="1" lang="ja-JP" altLang="en-US" dirty="0"/>
+              <a:t>星座の単語を登録してる部分です。星座占いに関する文章を認識するために登録しています。</a:t>
+            </a:r>
+            <a:endParaRPr kumimoji="1" lang="en-US" altLang="ja-JP" dirty="0"/>
+          </a:p>
+          <a:p>
+            <a:r>
+              <a:rPr kumimoji="1" lang="ja-JP" altLang="en-US" dirty="0"/>
+              <a:t>★一番上に書かれているのがラベル名で、関連する単語を一つのラベルにまとめて扱っています。</a:t>
+            </a:r>
+            <a:endParaRPr kumimoji="1" lang="en-US" altLang="ja-JP" dirty="0"/>
+          </a:p>
+          <a:p>
+            <a:r>
+              <a:rPr kumimoji="1" lang="ja-JP" altLang="en-US" dirty="0"/>
+              <a:t>★次に、左側に書いているのが、認識したい単語を記述していて、</a:t>
+            </a:r>
+            <a:endParaRPr kumimoji="1" lang="en-US" altLang="ja-JP" dirty="0"/>
+          </a:p>
+          <a:p>
+            <a:r>
+              <a:rPr kumimoji="1" lang="ja-JP" altLang="en-US" dirty="0"/>
+              <a:t>★その右側に、読み仮名をアルファベット表記にしたものが記述されています。</a:t>
+            </a:r>
+          </a:p>
+        </p:txBody>
+      </p:sp>
+      <p:sp>
+        <p:nvSpPr>
+          <p:cNvPr id="4" name="スライド番号プレースホルダー 3"/>
+          <p:cNvSpPr>
+            <a:spLocks noGrp="1"/>
+          </p:cNvSpPr>
+          <p:nvPr>
+            <p:ph type="sldNum" sz="quarter" idx="5"/>
+          </p:nvPr>
+        </p:nvSpPr>
+        <p:spPr/>
+        <p:txBody>
+          <a:bodyPr/>
+          <a:lstStyle/>
+          <a:p>
+            <a:fld id="{1A2E7C28-4903-4521-8E60-0F80C627678B}" type="slidenum">
+              <a:rPr kumimoji="1" lang="ja-JP" altLang="en-US" smtClean="0"/>
+              <a:t>8</a:t>
+            </a:fld>
+            <a:endParaRPr kumimoji="1" lang="ja-JP" altLang="en-US"/>
+          </a:p>
+        </p:txBody>
+      </p:sp>
+    </p:spTree>
+    <p:extLst>
+      <p:ext uri="{BB962C8B-B14F-4D97-AF65-F5344CB8AC3E}">
+        <p14:creationId xmlns:p14="http://schemas.microsoft.com/office/powerpoint/2010/main" val="1467259946"/>
+      </p:ext>
+    </p:extLst>
+  </p:cSld>
+  <p:clrMapOvr>
+    <a:masterClrMapping/>
+  </p:clrMapOvr>
+</p:notes>
+</file>
+
+<file path=ppt/notesSlides/notesSlide8.xml><?xml version="1.0" encoding="utf-8"?>
+<p:notes xmlns:a="http://schemas.openxmlformats.org/drawingml/2006/main" xmlns:r="http://schemas.openxmlformats.org/officeDocument/2006/relationships" xmlns:p="http://schemas.openxmlformats.org/presentationml/2006/main">
+  <p:cSld>
+    <p:spTree>
+      <p:nvGrpSpPr>
+        <p:cNvPr id="1" name=""/>
+        <p:cNvGrpSpPr/>
+        <p:nvPr/>
+      </p:nvGrpSpPr>
+      <p:grpSpPr>
+        <a:xfrm>
+          <a:off x="0" y="0"/>
+          <a:ext cx="0" cy="0"/>
+          <a:chOff x="0" y="0"/>
+          <a:chExt cx="0" cy="0"/>
+        </a:xfrm>
+      </p:grpSpPr>
+      <p:sp>
+        <p:nvSpPr>
+          <p:cNvPr id="2" name="スライド イメージ プレースホルダー 1"/>
+          <p:cNvSpPr>
+            <a:spLocks noGrp="1" noRot="1" noChangeAspect="1"/>
+          </p:cNvSpPr>
+          <p:nvPr>
+            <p:ph type="sldImg"/>
+          </p:nvPr>
+        </p:nvSpPr>
+        <p:spPr/>
+      </p:sp>
+      <p:sp>
+        <p:nvSpPr>
+          <p:cNvPr id="3" name="ノート プレースホルダー 2"/>
+          <p:cNvSpPr>
+            <a:spLocks noGrp="1"/>
+          </p:cNvSpPr>
+          <p:nvPr>
+            <p:ph type="body" idx="1"/>
+          </p:nvPr>
+        </p:nvSpPr>
+        <p:spPr/>
+        <p:txBody>
+          <a:bodyPr/>
+          <a:lstStyle/>
+          <a:p>
+            <a:r>
+              <a:rPr kumimoji="1" lang="ja-JP" altLang="en-US" dirty="0"/>
+              <a:t>そして、これが辞書ファイルのうちの構文ファイルというもので、先ほど紹介したラベル名を組み合わせて文章パターンを構成しています。</a:t>
+            </a:r>
+            <a:endParaRPr kumimoji="1" lang="en-US" altLang="ja-JP" dirty="0"/>
+          </a:p>
+          <a:p>
+            <a:r>
+              <a:rPr kumimoji="1" lang="ja-JP" altLang="en-US" dirty="0"/>
+              <a:t>辞書ファイルの詳しい説明に関しては、</a:t>
+            </a:r>
+            <a:r>
+              <a:rPr kumimoji="1" lang="en-US" altLang="ja-JP" dirty="0"/>
+              <a:t>Google classroom</a:t>
+            </a:r>
+            <a:r>
+              <a:rPr kumimoji="1" lang="ja-JP" altLang="en-US" dirty="0"/>
+              <a:t>の</a:t>
+            </a:r>
+            <a:r>
+              <a:rPr kumimoji="1" lang="en-US" altLang="ja-JP" dirty="0" err="1"/>
+              <a:t>Tech_students</a:t>
+            </a:r>
+            <a:r>
+              <a:rPr kumimoji="1" lang="ja-JP" altLang="en-US" dirty="0"/>
+              <a:t>に投稿してあるので、興味のある方はそちらを覗いてみてください。</a:t>
+            </a:r>
+          </a:p>
+        </p:txBody>
+      </p:sp>
+      <p:sp>
+        <p:nvSpPr>
+          <p:cNvPr id="4" name="スライド番号プレースホルダー 3"/>
+          <p:cNvSpPr>
+            <a:spLocks noGrp="1"/>
+          </p:cNvSpPr>
+          <p:nvPr>
+            <p:ph type="sldNum" sz="quarter" idx="5"/>
+          </p:nvPr>
+        </p:nvSpPr>
+        <p:spPr/>
+        <p:txBody>
+          <a:bodyPr/>
+          <a:lstStyle/>
+          <a:p>
+            <a:fld id="{1A2E7C28-4903-4521-8E60-0F80C627678B}" type="slidenum">
+              <a:rPr kumimoji="1" lang="ja-JP" altLang="en-US" smtClean="0"/>
+              <a:t>9</a:t>
+            </a:fld>
+            <a:endParaRPr kumimoji="1" lang="ja-JP" altLang="en-US"/>
+          </a:p>
+        </p:txBody>
+      </p:sp>
+    </p:spTree>
+    <p:extLst>
+      <p:ext uri="{BB962C8B-B14F-4D97-AF65-F5344CB8AC3E}">
+        <p14:creationId xmlns:p14="http://schemas.microsoft.com/office/powerpoint/2010/main" val="2168743056"/>
+      </p:ext>
+    </p:extLst>
+  </p:cSld>
+  <p:clrMapOvr>
+    <a:masterClrMapping/>
+  </p:clrMapOvr>
+</p:notes>
+</file>
+
+<file path=ppt/notesSlides/notesSlide9.xml><?xml version="1.0" encoding="utf-8"?>
+<p:notes xmlns:a="http://schemas.openxmlformats.org/drawingml/2006/main" xmlns:r="http://schemas.openxmlformats.org/officeDocument/2006/relationships" xmlns:p="http://schemas.openxmlformats.org/presentationml/2006/main">
+  <p:cSld>
+    <p:spTree>
+      <p:nvGrpSpPr>
+        <p:cNvPr id="1" name=""/>
+        <p:cNvGrpSpPr/>
+        <p:nvPr/>
+      </p:nvGrpSpPr>
+      <p:grpSpPr>
+        <a:xfrm>
+          <a:off x="0" y="0"/>
+          <a:ext cx="0" cy="0"/>
+          <a:chOff x="0" y="0"/>
+          <a:chExt cx="0" cy="0"/>
+        </a:xfrm>
+      </p:grpSpPr>
+      <p:sp>
+        <p:nvSpPr>
+          <p:cNvPr id="2" name="スライド イメージ プレースホルダー 1"/>
+          <p:cNvSpPr>
+            <a:spLocks noGrp="1" noRot="1" noChangeAspect="1"/>
+          </p:cNvSpPr>
+          <p:nvPr>
+            <p:ph type="sldImg"/>
+          </p:nvPr>
+        </p:nvSpPr>
+        <p:spPr/>
+      </p:sp>
+      <p:sp>
+        <p:nvSpPr>
+          <p:cNvPr id="3" name="ノート プレースホルダー 2"/>
+          <p:cNvSpPr>
+            <a:spLocks noGrp="1"/>
+          </p:cNvSpPr>
+          <p:nvPr>
+            <p:ph type="body" idx="1"/>
+          </p:nvPr>
+        </p:nvSpPr>
+        <p:spPr/>
+        <p:txBody>
+          <a:bodyPr/>
+          <a:lstStyle/>
+          <a:p>
+            <a:r>
+              <a:rPr kumimoji="1" lang="ja-JP" altLang="en-US" dirty="0"/>
+              <a:t>次に、要素技術とは少し離れますが、ウェイクワードについて説明します。</a:t>
+            </a:r>
+            <a:endParaRPr kumimoji="1" lang="en-US" altLang="ja-JP" dirty="0"/>
+          </a:p>
+          <a:p>
+            <a:r>
+              <a:rPr kumimoji="1" lang="ja-JP" altLang="en-US" dirty="0"/>
+              <a:t>ウェイクワードとは、</a:t>
+            </a:r>
+            <a:r>
+              <a:rPr kumimoji="1" lang="en-US" altLang="ja-JP" dirty="0"/>
+              <a:t>AI</a:t>
+            </a:r>
+            <a:r>
+              <a:rPr kumimoji="1" lang="ja-JP" altLang="en-US" dirty="0"/>
+              <a:t>スピーカーや</a:t>
+            </a:r>
+            <a:r>
+              <a:rPr kumimoji="1" lang="en-US" altLang="ja-JP" dirty="0"/>
+              <a:t>AI</a:t>
+            </a:r>
+            <a:r>
+              <a:rPr kumimoji="1" lang="ja-JP" altLang="en-US" dirty="0"/>
+              <a:t>アシスタントを起動する際の合言葉のようなもので、</a:t>
+            </a:r>
+            <a:endParaRPr kumimoji="1" lang="en-US" altLang="ja-JP" dirty="0"/>
+          </a:p>
+          <a:p>
+            <a:r>
+              <a:rPr kumimoji="1" lang="ja-JP" altLang="en-US" dirty="0"/>
+              <a:t>有名なものだと「</a:t>
+            </a:r>
+            <a:r>
+              <a:rPr kumimoji="1" lang="en-US" altLang="ja-JP" dirty="0" err="1"/>
+              <a:t>OK,Google</a:t>
+            </a:r>
+            <a:r>
+              <a:rPr kumimoji="1" lang="ja-JP" altLang="en-US" dirty="0"/>
+              <a:t>」や「</a:t>
+            </a:r>
+            <a:r>
+              <a:rPr kumimoji="1" lang="en-US" altLang="ja-JP" dirty="0" err="1"/>
+              <a:t>Hey,Siri</a:t>
+            </a:r>
+            <a:r>
+              <a:rPr kumimoji="1" lang="ja-JP" altLang="en-US" dirty="0"/>
+              <a:t>」などがあります。</a:t>
+            </a:r>
+            <a:endParaRPr kumimoji="1" lang="en-US" altLang="ja-JP" dirty="0"/>
+          </a:p>
+          <a:p>
+            <a:r>
+              <a:rPr kumimoji="1" lang="en-US" altLang="ja-JP" dirty="0" err="1"/>
+              <a:t>YoSiE</a:t>
+            </a:r>
+            <a:r>
+              <a:rPr kumimoji="1" lang="ja-JP" altLang="en-US" dirty="0"/>
+              <a:t>のウェイクワードは、★「ねぇ</a:t>
+            </a:r>
+            <a:r>
+              <a:rPr kumimoji="1" lang="en-US" altLang="ja-JP" dirty="0" err="1"/>
+              <a:t>YoSiE</a:t>
+            </a:r>
+            <a:r>
+              <a:rPr kumimoji="1" lang="ja-JP" altLang="en-US" dirty="0"/>
+              <a:t>」です</a:t>
+            </a:r>
+          </a:p>
+        </p:txBody>
+      </p:sp>
+      <p:sp>
+        <p:nvSpPr>
+          <p:cNvPr id="4" name="スライド番号プレースホルダー 3"/>
+          <p:cNvSpPr>
+            <a:spLocks noGrp="1"/>
+          </p:cNvSpPr>
+          <p:nvPr>
+            <p:ph type="sldNum" sz="quarter" idx="5"/>
+          </p:nvPr>
+        </p:nvSpPr>
+        <p:spPr/>
+        <p:txBody>
+          <a:bodyPr/>
+          <a:lstStyle/>
+          <a:p>
+            <a:fld id="{1A2E7C28-4903-4521-8E60-0F80C627678B}" type="slidenum">
+              <a:rPr kumimoji="1" lang="ja-JP" altLang="en-US" smtClean="0"/>
+              <a:t>10</a:t>
+            </a:fld>
+            <a:endParaRPr kumimoji="1" lang="ja-JP" altLang="en-US"/>
+          </a:p>
+        </p:txBody>
+      </p:sp>
+    </p:spTree>
+    <p:extLst>
+      <p:ext uri="{BB962C8B-B14F-4D97-AF65-F5344CB8AC3E}">
+        <p14:creationId xmlns:p14="http://schemas.microsoft.com/office/powerpoint/2010/main" val="3647188465"/>
       </p:ext>
     </p:extLst>
   </p:cSld>
@@ -832,7 +3059,7 @@
           <a:p>
             <a:fld id="{C63D219B-6862-4E6A-9F9E-C4C4759712F9}" type="datetimeFigureOut">
               <a:rPr kumimoji="1" lang="ja-JP" altLang="en-US" smtClean="0"/>
-              <a:t>2021/12/1</a:t>
+              <a:t>2021/12/7</a:t>
             </a:fld>
             <a:endParaRPr kumimoji="1" lang="ja-JP" altLang="en-US"/>
           </a:p>
@@ -1062,7 +3289,7 @@
           <a:p>
             <a:fld id="{C63D219B-6862-4E6A-9F9E-C4C4759712F9}" type="datetimeFigureOut">
               <a:rPr kumimoji="1" lang="ja-JP" altLang="en-US" smtClean="0"/>
-              <a:t>2021/12/1</a:t>
+              <a:t>2021/12/7</a:t>
             </a:fld>
             <a:endParaRPr kumimoji="1" lang="ja-JP" altLang="en-US"/>
           </a:p>
@@ -1302,7 +3529,7 @@
           <a:p>
             <a:fld id="{C63D219B-6862-4E6A-9F9E-C4C4759712F9}" type="datetimeFigureOut">
               <a:rPr kumimoji="1" lang="ja-JP" altLang="en-US" smtClean="0"/>
-              <a:t>2021/12/1</a:t>
+              <a:t>2021/12/7</a:t>
             </a:fld>
             <a:endParaRPr kumimoji="1" lang="ja-JP" altLang="en-US"/>
           </a:p>
@@ -1532,7 +3759,7 @@
           <a:p>
             <a:fld id="{C63D219B-6862-4E6A-9F9E-C4C4759712F9}" type="datetimeFigureOut">
               <a:rPr kumimoji="1" lang="ja-JP" altLang="en-US" smtClean="0"/>
-              <a:t>2021/12/1</a:t>
+              <a:t>2021/12/7</a:t>
             </a:fld>
             <a:endParaRPr kumimoji="1" lang="ja-JP" altLang="en-US"/>
           </a:p>
@@ -1807,7 +4034,7 @@
           <a:p>
             <a:fld id="{C63D219B-6862-4E6A-9F9E-C4C4759712F9}" type="datetimeFigureOut">
               <a:rPr kumimoji="1" lang="ja-JP" altLang="en-US" smtClean="0"/>
-              <a:t>2021/12/1</a:t>
+              <a:t>2021/12/7</a:t>
             </a:fld>
             <a:endParaRPr kumimoji="1" lang="ja-JP" altLang="en-US"/>
           </a:p>
@@ -2136,7 +4363,7 @@
           <a:p>
             <a:fld id="{C63D219B-6862-4E6A-9F9E-C4C4759712F9}" type="datetimeFigureOut">
               <a:rPr kumimoji="1" lang="ja-JP" altLang="en-US" smtClean="0"/>
-              <a:t>2021/12/1</a:t>
+              <a:t>2021/12/7</a:t>
             </a:fld>
             <a:endParaRPr kumimoji="1" lang="ja-JP" altLang="en-US"/>
           </a:p>
@@ -2612,7 +4839,7 @@
           <a:p>
             <a:fld id="{C63D219B-6862-4E6A-9F9E-C4C4759712F9}" type="datetimeFigureOut">
               <a:rPr kumimoji="1" lang="ja-JP" altLang="en-US" smtClean="0"/>
-              <a:t>2021/12/1</a:t>
+              <a:t>2021/12/7</a:t>
             </a:fld>
             <a:endParaRPr kumimoji="1" lang="ja-JP" altLang="en-US"/>
           </a:p>
@@ -2753,7 +4980,7 @@
           <a:p>
             <a:fld id="{C63D219B-6862-4E6A-9F9E-C4C4759712F9}" type="datetimeFigureOut">
               <a:rPr kumimoji="1" lang="ja-JP" altLang="en-US" smtClean="0"/>
-              <a:t>2021/12/1</a:t>
+              <a:t>2021/12/7</a:t>
             </a:fld>
             <a:endParaRPr kumimoji="1" lang="ja-JP" altLang="en-US"/>
           </a:p>
@@ -2866,7 +5093,7 @@
           <a:p>
             <a:fld id="{C63D219B-6862-4E6A-9F9E-C4C4759712F9}" type="datetimeFigureOut">
               <a:rPr kumimoji="1" lang="ja-JP" altLang="en-US" smtClean="0"/>
-              <a:t>2021/12/1</a:t>
+              <a:t>2021/12/7</a:t>
             </a:fld>
             <a:endParaRPr kumimoji="1" lang="ja-JP" altLang="en-US"/>
           </a:p>
@@ -3209,7 +5436,7 @@
           <a:p>
             <a:fld id="{C63D219B-6862-4E6A-9F9E-C4C4759712F9}" type="datetimeFigureOut">
               <a:rPr kumimoji="1" lang="ja-JP" altLang="en-US" smtClean="0"/>
-              <a:t>2021/12/1</a:t>
+              <a:t>2021/12/7</a:t>
             </a:fld>
             <a:endParaRPr kumimoji="1" lang="ja-JP" altLang="en-US"/>
           </a:p>
@@ -3497,7 +5724,7 @@
           <a:p>
             <a:fld id="{C63D219B-6862-4E6A-9F9E-C4C4759712F9}" type="datetimeFigureOut">
               <a:rPr kumimoji="1" lang="ja-JP" altLang="en-US" smtClean="0"/>
-              <a:t>2021/12/1</a:t>
+              <a:t>2021/12/7</a:t>
             </a:fld>
             <a:endParaRPr kumimoji="1" lang="ja-JP" altLang="en-US"/>
           </a:p>
@@ -3794,7 +6021,7 @@
           <a:p>
             <a:fld id="{C63D219B-6862-4E6A-9F9E-C4C4759712F9}" type="datetimeFigureOut">
               <a:rPr kumimoji="1" lang="ja-JP" altLang="en-US" smtClean="0"/>
-              <a:t>2021/12/1</a:t>
+              <a:t>2021/12/7</a:t>
             </a:fld>
             <a:endParaRPr kumimoji="1" lang="ja-JP" altLang="en-US"/>
           </a:p>
@@ -4565,7 +6792,7 @@
           <p:nvPr/>
         </p:nvPicPr>
         <p:blipFill>
-          <a:blip r:embed="rId2"/>
+          <a:blip r:embed="rId3"/>
           <a:stretch>
             <a:fillRect/>
           </a:stretch>
@@ -4654,6 +6881,58 @@
                 <a:schemeClr val="tx1"/>
               </a:solidFill>
             </a:endParaRPr>
+          </a:p>
+        </p:txBody>
+      </p:sp>
+      <p:sp>
+        <p:nvSpPr>
+          <p:cNvPr id="6" name="正方形/長方形 5">
+            <a:extLst>
+              <a:ext uri="{FF2B5EF4-FFF2-40B4-BE49-F238E27FC236}">
+                <a16:creationId xmlns:a16="http://schemas.microsoft.com/office/drawing/2014/main" id="{156833EA-72A4-4B74-B960-40830263201F}"/>
+              </a:ext>
+            </a:extLst>
+          </p:cNvPr>
+          <p:cNvSpPr/>
+          <p:nvPr/>
+        </p:nvSpPr>
+        <p:spPr>
+          <a:xfrm>
+            <a:off x="9508067" y="0"/>
+            <a:ext cx="2683933" cy="1593908"/>
+          </a:xfrm>
+          <a:prstGeom prst="rect">
+            <a:avLst/>
+          </a:prstGeom>
+          <a:solidFill>
+            <a:schemeClr val="accent6">
+              <a:lumMod val="60000"/>
+              <a:lumOff val="40000"/>
+            </a:schemeClr>
+          </a:solidFill>
+        </p:spPr>
+        <p:style>
+          <a:lnRef idx="2">
+            <a:schemeClr val="accent1">
+              <a:shade val="50000"/>
+            </a:schemeClr>
+          </a:lnRef>
+          <a:fillRef idx="1">
+            <a:schemeClr val="accent1"/>
+          </a:fillRef>
+          <a:effectRef idx="0">
+            <a:schemeClr val="accent1"/>
+          </a:effectRef>
+          <a:fontRef idx="minor">
+            <a:schemeClr val="lt1"/>
+          </a:fontRef>
+        </p:style>
+        <p:txBody>
+          <a:bodyPr rtlCol="0" anchor="ctr"/>
+          <a:lstStyle/>
+          <a:p>
+            <a:pPr algn="ctr"/>
+            <a:endParaRPr kumimoji="1" lang="ja-JP" altLang="en-US"/>
           </a:p>
         </p:txBody>
       </p:sp>
@@ -4920,7 +7199,7 @@
           <p:nvPr/>
         </p:nvPicPr>
         <p:blipFill>
-          <a:blip r:embed="rId2">
+          <a:blip r:embed="rId3">
             <a:extLst>
               <a:ext uri="{28A0092B-C50C-407E-A947-70E740481C1C}">
                 <a14:useLocalDpi xmlns:a14="http://schemas.microsoft.com/office/drawing/2010/main" val="0"/>
@@ -4933,8 +7212,8 @@
         </p:blipFill>
         <p:spPr>
           <a:xfrm>
-            <a:off x="838200" y="1291553"/>
-            <a:ext cx="8318859" cy="5201322"/>
+            <a:off x="1055914" y="1291553"/>
+            <a:ext cx="8902830" cy="5566447"/>
           </a:xfrm>
           <a:prstGeom prst="rect">
             <a:avLst/>
@@ -4955,7 +7234,7 @@
         </p:nvCxnSpPr>
         <p:spPr>
           <a:xfrm>
-            <a:off x="3959326" y="1545322"/>
+            <a:off x="4409269" y="1559836"/>
             <a:ext cx="755650" cy="0"/>
           </a:xfrm>
           <a:prstGeom prst="line">
@@ -5037,8 +7316,73 @@
                   <a:sysClr val="windowText" lastClr="000000"/>
                 </a:solidFill>
               </a:rPr>
-              <a:t>ねぇよしえ</a:t>
-            </a:r>
+              <a:t>ねぇ</a:t>
+            </a:r>
+            <a:r>
+              <a:rPr kumimoji="1" lang="en-US" altLang="ja-JP" sz="2800" dirty="0" err="1">
+                <a:solidFill>
+                  <a:sysClr val="windowText" lastClr="000000"/>
+                </a:solidFill>
+              </a:rPr>
+              <a:t>YoSiE</a:t>
+            </a:r>
+            <a:endParaRPr kumimoji="1" lang="ja-JP" altLang="en-US" sz="2800" dirty="0">
+              <a:solidFill>
+                <a:sysClr val="windowText" lastClr="000000"/>
+              </a:solidFill>
+            </a:endParaRPr>
+          </a:p>
+        </p:txBody>
+      </p:sp>
+      <p:sp>
+        <p:nvSpPr>
+          <p:cNvPr id="6" name="正方形/長方形 5">
+            <a:extLst>
+              <a:ext uri="{FF2B5EF4-FFF2-40B4-BE49-F238E27FC236}">
+                <a16:creationId xmlns:a16="http://schemas.microsoft.com/office/drawing/2014/main" id="{651517AA-C0F4-4E23-B777-CE0928A09B85}"/>
+              </a:ext>
+            </a:extLst>
+          </p:cNvPr>
+          <p:cNvSpPr/>
+          <p:nvPr/>
+        </p:nvSpPr>
+        <p:spPr>
+          <a:xfrm>
+            <a:off x="9508067" y="0"/>
+            <a:ext cx="2683933" cy="1593908"/>
+          </a:xfrm>
+          <a:prstGeom prst="rect">
+            <a:avLst/>
+          </a:prstGeom>
+          <a:solidFill>
+            <a:schemeClr val="accent6">
+              <a:lumMod val="60000"/>
+              <a:lumOff val="40000"/>
+            </a:schemeClr>
+          </a:solidFill>
+        </p:spPr>
+        <p:style>
+          <a:lnRef idx="2">
+            <a:schemeClr val="accent1">
+              <a:shade val="50000"/>
+            </a:schemeClr>
+          </a:lnRef>
+          <a:fillRef idx="1">
+            <a:schemeClr val="accent1"/>
+          </a:fillRef>
+          <a:effectRef idx="0">
+            <a:schemeClr val="accent1"/>
+          </a:effectRef>
+          <a:fontRef idx="minor">
+            <a:schemeClr val="lt1"/>
+          </a:fontRef>
+        </p:style>
+        <p:txBody>
+          <a:bodyPr rtlCol="0" anchor="ctr"/>
+          <a:lstStyle/>
+          <a:p>
+            <a:pPr algn="ctr"/>
+            <a:endParaRPr kumimoji="1" lang="ja-JP" altLang="en-US"/>
           </a:p>
         </p:txBody>
       </p:sp>
@@ -5074,6 +7418,723 @@
       </p:grpSpPr>
       <p:sp>
         <p:nvSpPr>
+          <p:cNvPr id="2" name="タイトル 1">
+            <a:extLst>
+              <a:ext uri="{FF2B5EF4-FFF2-40B4-BE49-F238E27FC236}">
+                <a16:creationId xmlns:a16="http://schemas.microsoft.com/office/drawing/2014/main" id="{8043A0DA-A292-4EF8-B353-B9D366894C2F}"/>
+              </a:ext>
+            </a:extLst>
+          </p:cNvPr>
+          <p:cNvSpPr>
+            <a:spLocks noGrp="1"/>
+          </p:cNvSpPr>
+          <p:nvPr>
+            <p:ph type="title"/>
+          </p:nvPr>
+        </p:nvSpPr>
+        <p:spPr/>
+        <p:txBody>
+          <a:bodyPr/>
+          <a:lstStyle/>
+          <a:p>
+            <a:r>
+              <a:rPr lang="ja-JP" altLang="en-US">
+                <a:ln>
+                  <a:solidFill>
+                    <a:schemeClr val="tx1"/>
+                  </a:solidFill>
+                </a:ln>
+                <a:solidFill>
+                  <a:schemeClr val="accent6">
+                    <a:lumMod val="75000"/>
+                  </a:schemeClr>
+                </a:solidFill>
+                <a:latin typeface="HGP明朝E" panose="02020900000000000000" pitchFamily="18" charset="-128"/>
+                <a:ea typeface="HGP明朝E" panose="02020900000000000000" pitchFamily="18" charset="-128"/>
+              </a:rPr>
+              <a:t>ウェイクワード</a:t>
+            </a:r>
+            <a:endParaRPr kumimoji="1" lang="ja-JP" altLang="en-US" dirty="0"/>
+          </a:p>
+        </p:txBody>
+      </p:sp>
+      <p:sp>
+        <p:nvSpPr>
+          <p:cNvPr id="4" name="フローチャート: 処理 3">
+            <a:extLst>
+              <a:ext uri="{FF2B5EF4-FFF2-40B4-BE49-F238E27FC236}">
+                <a16:creationId xmlns:a16="http://schemas.microsoft.com/office/drawing/2014/main" id="{0ED64F6A-E6E7-4B38-9586-8367FFFB501C}"/>
+              </a:ext>
+            </a:extLst>
+          </p:cNvPr>
+          <p:cNvSpPr/>
+          <p:nvPr/>
+        </p:nvSpPr>
+        <p:spPr>
+          <a:xfrm>
+            <a:off x="4303485" y="1194765"/>
+            <a:ext cx="3585029" cy="798286"/>
+          </a:xfrm>
+          <a:prstGeom prst="flowChartProcess">
+            <a:avLst/>
+          </a:prstGeom>
+          <a:solidFill>
+            <a:schemeClr val="accent6">
+              <a:lumMod val="75000"/>
+            </a:schemeClr>
+          </a:solidFill>
+          <a:ln>
+            <a:solidFill>
+              <a:schemeClr val="accent6">
+                <a:lumMod val="50000"/>
+              </a:schemeClr>
+            </a:solidFill>
+          </a:ln>
+        </p:spPr>
+        <p:style>
+          <a:lnRef idx="2">
+            <a:schemeClr val="accent1">
+              <a:shade val="50000"/>
+            </a:schemeClr>
+          </a:lnRef>
+          <a:fillRef idx="1">
+            <a:schemeClr val="accent1"/>
+          </a:fillRef>
+          <a:effectRef idx="0">
+            <a:schemeClr val="accent1"/>
+          </a:effectRef>
+          <a:fontRef idx="minor">
+            <a:schemeClr val="lt1"/>
+          </a:fontRef>
+        </p:style>
+        <p:txBody>
+          <a:bodyPr rtlCol="0" anchor="ctr"/>
+          <a:lstStyle/>
+          <a:p>
+            <a:pPr algn="ctr"/>
+            <a:r>
+              <a:rPr kumimoji="1" lang="ja-JP" altLang="en-US" sz="2400" b="1" dirty="0">
+                <a:solidFill>
+                  <a:schemeClr val="bg1"/>
+                </a:solidFill>
+              </a:rPr>
+              <a:t>音声認識</a:t>
+            </a:r>
+          </a:p>
+        </p:txBody>
+      </p:sp>
+      <p:sp>
+        <p:nvSpPr>
+          <p:cNvPr id="5" name="フローチャート: 処理 4">
+            <a:extLst>
+              <a:ext uri="{FF2B5EF4-FFF2-40B4-BE49-F238E27FC236}">
+                <a16:creationId xmlns:a16="http://schemas.microsoft.com/office/drawing/2014/main" id="{62F3DBE6-425C-46AC-97BC-558B056D6C9A}"/>
+              </a:ext>
+            </a:extLst>
+          </p:cNvPr>
+          <p:cNvSpPr/>
+          <p:nvPr/>
+        </p:nvSpPr>
+        <p:spPr>
+          <a:xfrm>
+            <a:off x="4303485" y="2400244"/>
+            <a:ext cx="3585029" cy="798286"/>
+          </a:xfrm>
+          <a:prstGeom prst="flowChartProcess">
+            <a:avLst/>
+          </a:prstGeom>
+          <a:solidFill>
+            <a:schemeClr val="accent6">
+              <a:lumMod val="75000"/>
+            </a:schemeClr>
+          </a:solidFill>
+          <a:ln>
+            <a:solidFill>
+              <a:schemeClr val="accent6">
+                <a:lumMod val="50000"/>
+              </a:schemeClr>
+            </a:solidFill>
+          </a:ln>
+        </p:spPr>
+        <p:style>
+          <a:lnRef idx="2">
+            <a:schemeClr val="accent1">
+              <a:shade val="50000"/>
+            </a:schemeClr>
+          </a:lnRef>
+          <a:fillRef idx="1">
+            <a:schemeClr val="accent1"/>
+          </a:fillRef>
+          <a:effectRef idx="0">
+            <a:schemeClr val="accent1"/>
+          </a:effectRef>
+          <a:fontRef idx="minor">
+            <a:schemeClr val="lt1"/>
+          </a:fontRef>
+        </p:style>
+        <p:txBody>
+          <a:bodyPr rtlCol="0" anchor="ctr"/>
+          <a:lstStyle/>
+          <a:p>
+            <a:pPr algn="ctr"/>
+            <a:r>
+              <a:rPr kumimoji="1" lang="ja-JP" altLang="en-US" sz="2400" b="1" dirty="0">
+                <a:solidFill>
+                  <a:schemeClr val="bg1"/>
+                </a:solidFill>
+              </a:rPr>
+              <a:t>テキストデータ</a:t>
+            </a:r>
+            <a:endParaRPr kumimoji="1" lang="en-US" altLang="ja-JP" sz="2400" b="1" dirty="0">
+              <a:solidFill>
+                <a:schemeClr val="bg1"/>
+              </a:solidFill>
+            </a:endParaRPr>
+          </a:p>
+          <a:p>
+            <a:pPr algn="ctr"/>
+            <a:r>
+              <a:rPr lang="ja-JP" altLang="en-US" sz="2400" b="1" dirty="0">
+                <a:solidFill>
+                  <a:schemeClr val="bg1"/>
+                </a:solidFill>
+              </a:rPr>
+              <a:t>取得</a:t>
+            </a:r>
+            <a:endParaRPr lang="en-US" altLang="ja-JP" sz="2400" b="1" dirty="0">
+              <a:solidFill>
+                <a:schemeClr val="bg1"/>
+              </a:solidFill>
+            </a:endParaRPr>
+          </a:p>
+        </p:txBody>
+      </p:sp>
+      <p:sp>
+        <p:nvSpPr>
+          <p:cNvPr id="6" name="フローチャート: 判断 5">
+            <a:extLst>
+              <a:ext uri="{FF2B5EF4-FFF2-40B4-BE49-F238E27FC236}">
+                <a16:creationId xmlns:a16="http://schemas.microsoft.com/office/drawing/2014/main" id="{EE1892F3-6966-49F5-8676-69DA87CBEB91}"/>
+              </a:ext>
+            </a:extLst>
+          </p:cNvPr>
+          <p:cNvSpPr/>
+          <p:nvPr/>
+        </p:nvSpPr>
+        <p:spPr>
+          <a:xfrm>
+            <a:off x="4303485" y="3616948"/>
+            <a:ext cx="3585029" cy="1490436"/>
+          </a:xfrm>
+          <a:prstGeom prst="flowChartDecision">
+            <a:avLst/>
+          </a:prstGeom>
+          <a:solidFill>
+            <a:schemeClr val="accent6">
+              <a:lumMod val="75000"/>
+            </a:schemeClr>
+          </a:solidFill>
+          <a:ln>
+            <a:solidFill>
+              <a:schemeClr val="accent6">
+                <a:lumMod val="50000"/>
+              </a:schemeClr>
+            </a:solidFill>
+          </a:ln>
+        </p:spPr>
+        <p:style>
+          <a:lnRef idx="2">
+            <a:schemeClr val="accent1">
+              <a:shade val="50000"/>
+            </a:schemeClr>
+          </a:lnRef>
+          <a:fillRef idx="1">
+            <a:schemeClr val="accent1"/>
+          </a:fillRef>
+          <a:effectRef idx="0">
+            <a:schemeClr val="accent1"/>
+          </a:effectRef>
+          <a:fontRef idx="minor">
+            <a:schemeClr val="lt1"/>
+          </a:fontRef>
+        </p:style>
+        <p:txBody>
+          <a:bodyPr rtlCol="0" anchor="ctr"/>
+          <a:lstStyle/>
+          <a:p>
+            <a:pPr algn="ctr"/>
+            <a:r>
+              <a:rPr kumimoji="1" lang="ja-JP" altLang="en-US" b="1" dirty="0">
+                <a:solidFill>
+                  <a:schemeClr val="bg1"/>
+                </a:solidFill>
+              </a:rPr>
+              <a:t>「ねぇ</a:t>
+            </a:r>
+            <a:r>
+              <a:rPr kumimoji="1" lang="en-US" altLang="ja-JP" b="1" dirty="0" err="1">
+                <a:solidFill>
+                  <a:schemeClr val="bg1"/>
+                </a:solidFill>
+              </a:rPr>
+              <a:t>YoSiE</a:t>
+            </a:r>
+            <a:r>
+              <a:rPr kumimoji="1" lang="ja-JP" altLang="en-US" b="1" dirty="0">
+                <a:solidFill>
+                  <a:schemeClr val="bg1"/>
+                </a:solidFill>
+              </a:rPr>
+              <a:t>」</a:t>
+            </a:r>
+            <a:endParaRPr kumimoji="1" lang="en-US" altLang="ja-JP" b="1" dirty="0">
+              <a:solidFill>
+                <a:schemeClr val="bg1"/>
+              </a:solidFill>
+            </a:endParaRPr>
+          </a:p>
+          <a:p>
+            <a:pPr algn="ctr"/>
+            <a:r>
+              <a:rPr lang="ja-JP" altLang="en-US" b="1" dirty="0">
+                <a:solidFill>
+                  <a:schemeClr val="bg1"/>
+                </a:solidFill>
+              </a:rPr>
+              <a:t>が含まれている</a:t>
+            </a:r>
+            <a:endParaRPr kumimoji="1" lang="ja-JP" altLang="en-US" b="1" dirty="0">
+              <a:solidFill>
+                <a:schemeClr val="bg1"/>
+              </a:solidFill>
+            </a:endParaRPr>
+          </a:p>
+        </p:txBody>
+      </p:sp>
+      <p:sp>
+        <p:nvSpPr>
+          <p:cNvPr id="7" name="正方形/長方形 6">
+            <a:extLst>
+              <a:ext uri="{FF2B5EF4-FFF2-40B4-BE49-F238E27FC236}">
+                <a16:creationId xmlns:a16="http://schemas.microsoft.com/office/drawing/2014/main" id="{26588E20-72C3-4B20-8CBE-48DB02E7CAE6}"/>
+              </a:ext>
+            </a:extLst>
+          </p:cNvPr>
+          <p:cNvSpPr/>
+          <p:nvPr/>
+        </p:nvSpPr>
+        <p:spPr>
+          <a:xfrm>
+            <a:off x="9508067" y="0"/>
+            <a:ext cx="2683933" cy="1593908"/>
+          </a:xfrm>
+          <a:prstGeom prst="rect">
+            <a:avLst/>
+          </a:prstGeom>
+          <a:solidFill>
+            <a:schemeClr val="accent6">
+              <a:lumMod val="60000"/>
+              <a:lumOff val="40000"/>
+            </a:schemeClr>
+          </a:solidFill>
+        </p:spPr>
+        <p:style>
+          <a:lnRef idx="2">
+            <a:schemeClr val="accent1">
+              <a:shade val="50000"/>
+            </a:schemeClr>
+          </a:lnRef>
+          <a:fillRef idx="1">
+            <a:schemeClr val="accent1"/>
+          </a:fillRef>
+          <a:effectRef idx="0">
+            <a:schemeClr val="accent1"/>
+          </a:effectRef>
+          <a:fontRef idx="minor">
+            <a:schemeClr val="lt1"/>
+          </a:fontRef>
+        </p:style>
+        <p:txBody>
+          <a:bodyPr rtlCol="0" anchor="ctr"/>
+          <a:lstStyle/>
+          <a:p>
+            <a:pPr algn="ctr"/>
+            <a:endParaRPr kumimoji="1" lang="ja-JP" altLang="en-US"/>
+          </a:p>
+        </p:txBody>
+      </p:sp>
+      <p:sp>
+        <p:nvSpPr>
+          <p:cNvPr id="8" name="フローチャート: 処理 7">
+            <a:extLst>
+              <a:ext uri="{FF2B5EF4-FFF2-40B4-BE49-F238E27FC236}">
+                <a16:creationId xmlns:a16="http://schemas.microsoft.com/office/drawing/2014/main" id="{C43CB210-CB8C-470D-93A5-D3BD037CE097}"/>
+              </a:ext>
+            </a:extLst>
+          </p:cNvPr>
+          <p:cNvSpPr/>
+          <p:nvPr/>
+        </p:nvSpPr>
+        <p:spPr>
+          <a:xfrm>
+            <a:off x="4303485" y="5612888"/>
+            <a:ext cx="3585029" cy="798286"/>
+          </a:xfrm>
+          <a:prstGeom prst="flowChartProcess">
+            <a:avLst/>
+          </a:prstGeom>
+          <a:solidFill>
+            <a:schemeClr val="accent6">
+              <a:lumMod val="75000"/>
+            </a:schemeClr>
+          </a:solidFill>
+          <a:ln>
+            <a:solidFill>
+              <a:schemeClr val="accent6">
+                <a:lumMod val="50000"/>
+              </a:schemeClr>
+            </a:solidFill>
+          </a:ln>
+        </p:spPr>
+        <p:style>
+          <a:lnRef idx="2">
+            <a:schemeClr val="accent1">
+              <a:shade val="50000"/>
+            </a:schemeClr>
+          </a:lnRef>
+          <a:fillRef idx="1">
+            <a:schemeClr val="accent1"/>
+          </a:fillRef>
+          <a:effectRef idx="0">
+            <a:schemeClr val="accent1"/>
+          </a:effectRef>
+          <a:fontRef idx="minor">
+            <a:schemeClr val="lt1"/>
+          </a:fontRef>
+        </p:style>
+        <p:txBody>
+          <a:bodyPr rtlCol="0" anchor="ctr"/>
+          <a:lstStyle/>
+          <a:p>
+            <a:pPr algn="ctr"/>
+            <a:r>
+              <a:rPr lang="ja-JP" altLang="en-US" sz="2400" b="1" dirty="0">
+                <a:solidFill>
+                  <a:schemeClr val="bg1"/>
+                </a:solidFill>
+              </a:rPr>
+              <a:t>処理を実行</a:t>
+            </a:r>
+            <a:endParaRPr lang="en-US" altLang="ja-JP" sz="2400" b="1" dirty="0">
+              <a:solidFill>
+                <a:schemeClr val="bg1"/>
+              </a:solidFill>
+            </a:endParaRPr>
+          </a:p>
+        </p:txBody>
+      </p:sp>
+      <p:cxnSp>
+        <p:nvCxnSpPr>
+          <p:cNvPr id="10" name="直線コネクタ 9">
+            <a:extLst>
+              <a:ext uri="{FF2B5EF4-FFF2-40B4-BE49-F238E27FC236}">
+                <a16:creationId xmlns:a16="http://schemas.microsoft.com/office/drawing/2014/main" id="{C70525AD-D98C-4809-8963-6124A7775513}"/>
+              </a:ext>
+            </a:extLst>
+          </p:cNvPr>
+          <p:cNvCxnSpPr>
+            <a:cxnSpLocks/>
+            <a:stCxn id="4" idx="2"/>
+            <a:endCxn id="5" idx="0"/>
+          </p:cNvCxnSpPr>
+          <p:nvPr/>
+        </p:nvCxnSpPr>
+        <p:spPr>
+          <a:xfrm>
+            <a:off x="6096000" y="1993051"/>
+            <a:ext cx="0" cy="407193"/>
+          </a:xfrm>
+          <a:prstGeom prst="line">
+            <a:avLst/>
+          </a:prstGeom>
+          <a:ln w="57150">
+            <a:solidFill>
+              <a:schemeClr val="tx1"/>
+            </a:solidFill>
+          </a:ln>
+        </p:spPr>
+        <p:style>
+          <a:lnRef idx="1">
+            <a:schemeClr val="accent1"/>
+          </a:lnRef>
+          <a:fillRef idx="0">
+            <a:schemeClr val="accent1"/>
+          </a:fillRef>
+          <a:effectRef idx="0">
+            <a:schemeClr val="accent1"/>
+          </a:effectRef>
+          <a:fontRef idx="minor">
+            <a:schemeClr val="tx1"/>
+          </a:fontRef>
+        </p:style>
+      </p:cxnSp>
+      <p:cxnSp>
+        <p:nvCxnSpPr>
+          <p:cNvPr id="13" name="直線コネクタ 12">
+            <a:extLst>
+              <a:ext uri="{FF2B5EF4-FFF2-40B4-BE49-F238E27FC236}">
+                <a16:creationId xmlns:a16="http://schemas.microsoft.com/office/drawing/2014/main" id="{97927895-908D-4A18-A995-053DCB0A5823}"/>
+              </a:ext>
+            </a:extLst>
+          </p:cNvPr>
+          <p:cNvCxnSpPr>
+            <a:cxnSpLocks/>
+            <a:stCxn id="5" idx="2"/>
+            <a:endCxn id="6" idx="0"/>
+          </p:cNvCxnSpPr>
+          <p:nvPr/>
+        </p:nvCxnSpPr>
+        <p:spPr>
+          <a:xfrm>
+            <a:off x="6096000" y="3198530"/>
+            <a:ext cx="0" cy="418418"/>
+          </a:xfrm>
+          <a:prstGeom prst="line">
+            <a:avLst/>
+          </a:prstGeom>
+          <a:ln w="57150">
+            <a:solidFill>
+              <a:schemeClr val="tx1"/>
+            </a:solidFill>
+          </a:ln>
+        </p:spPr>
+        <p:style>
+          <a:lnRef idx="1">
+            <a:schemeClr val="accent1"/>
+          </a:lnRef>
+          <a:fillRef idx="0">
+            <a:schemeClr val="accent1"/>
+          </a:fillRef>
+          <a:effectRef idx="0">
+            <a:schemeClr val="accent1"/>
+          </a:effectRef>
+          <a:fontRef idx="minor">
+            <a:schemeClr val="tx1"/>
+          </a:fontRef>
+        </p:style>
+      </p:cxnSp>
+      <p:cxnSp>
+        <p:nvCxnSpPr>
+          <p:cNvPr id="16" name="直線コネクタ 15">
+            <a:extLst>
+              <a:ext uri="{FF2B5EF4-FFF2-40B4-BE49-F238E27FC236}">
+                <a16:creationId xmlns:a16="http://schemas.microsoft.com/office/drawing/2014/main" id="{1EA5AD25-06F7-456F-B926-A7CA77713D3D}"/>
+              </a:ext>
+            </a:extLst>
+          </p:cNvPr>
+          <p:cNvCxnSpPr>
+            <a:cxnSpLocks/>
+            <a:stCxn id="8" idx="0"/>
+            <a:endCxn id="6" idx="2"/>
+          </p:cNvCxnSpPr>
+          <p:nvPr/>
+        </p:nvCxnSpPr>
+        <p:spPr>
+          <a:xfrm flipV="1">
+            <a:off x="6096000" y="5107384"/>
+            <a:ext cx="0" cy="505504"/>
+          </a:xfrm>
+          <a:prstGeom prst="line">
+            <a:avLst/>
+          </a:prstGeom>
+          <a:ln w="57150">
+            <a:solidFill>
+              <a:schemeClr val="tx1"/>
+            </a:solidFill>
+          </a:ln>
+        </p:spPr>
+        <p:style>
+          <a:lnRef idx="1">
+            <a:schemeClr val="accent1"/>
+          </a:lnRef>
+          <a:fillRef idx="0">
+            <a:schemeClr val="accent1"/>
+          </a:fillRef>
+          <a:effectRef idx="0">
+            <a:schemeClr val="accent1"/>
+          </a:effectRef>
+          <a:fontRef idx="minor">
+            <a:schemeClr val="tx1"/>
+          </a:fontRef>
+        </p:style>
+      </p:cxnSp>
+      <p:cxnSp>
+        <p:nvCxnSpPr>
+          <p:cNvPr id="20" name="コネクタ: カギ線 19">
+            <a:extLst>
+              <a:ext uri="{FF2B5EF4-FFF2-40B4-BE49-F238E27FC236}">
+                <a16:creationId xmlns:a16="http://schemas.microsoft.com/office/drawing/2014/main" id="{D4903010-0899-4A24-B91D-932EC54C6080}"/>
+              </a:ext>
+            </a:extLst>
+          </p:cNvPr>
+          <p:cNvCxnSpPr>
+            <a:cxnSpLocks/>
+            <a:stCxn id="4" idx="1"/>
+            <a:endCxn id="6" idx="1"/>
+          </p:cNvCxnSpPr>
+          <p:nvPr/>
+        </p:nvCxnSpPr>
+        <p:spPr>
+          <a:xfrm rot="10800000" flipV="1">
+            <a:off x="4303485" y="1593908"/>
+            <a:ext cx="12700" cy="2768258"/>
+          </a:xfrm>
+          <a:prstGeom prst="bentConnector3">
+            <a:avLst>
+              <a:gd name="adj1" fmla="val 4085709"/>
+            </a:avLst>
+          </a:prstGeom>
+          <a:ln w="57150">
+            <a:solidFill>
+              <a:schemeClr val="tx1"/>
+            </a:solidFill>
+          </a:ln>
+        </p:spPr>
+        <p:style>
+          <a:lnRef idx="1">
+            <a:schemeClr val="accent1"/>
+          </a:lnRef>
+          <a:fillRef idx="0">
+            <a:schemeClr val="accent1"/>
+          </a:fillRef>
+          <a:effectRef idx="0">
+            <a:schemeClr val="accent1"/>
+          </a:effectRef>
+          <a:fontRef idx="minor">
+            <a:schemeClr val="tx1"/>
+          </a:fontRef>
+        </p:style>
+      </p:cxnSp>
+      <p:sp>
+        <p:nvSpPr>
+          <p:cNvPr id="26" name="テキスト ボックス 25">
+            <a:extLst>
+              <a:ext uri="{FF2B5EF4-FFF2-40B4-BE49-F238E27FC236}">
+                <a16:creationId xmlns:a16="http://schemas.microsoft.com/office/drawing/2014/main" id="{7CEF22BC-60C4-42B7-B9FE-11F9AEC46EA1}"/>
+              </a:ext>
+            </a:extLst>
+          </p:cNvPr>
+          <p:cNvSpPr txBox="1"/>
+          <p:nvPr/>
+        </p:nvSpPr>
+        <p:spPr>
+          <a:xfrm>
+            <a:off x="6570436" y="5050755"/>
+            <a:ext cx="843642" cy="461665"/>
+          </a:xfrm>
+          <a:prstGeom prst="rect">
+            <a:avLst/>
+          </a:prstGeom>
+          <a:solidFill>
+            <a:schemeClr val="bg1"/>
+          </a:solidFill>
+          <a:ln w="28575">
+            <a:solidFill>
+              <a:schemeClr val="tx1"/>
+            </a:solidFill>
+          </a:ln>
+        </p:spPr>
+        <p:txBody>
+          <a:bodyPr wrap="square" rtlCol="0">
+            <a:spAutoFit/>
+          </a:bodyPr>
+          <a:lstStyle/>
+          <a:p>
+            <a:pPr algn="ctr"/>
+            <a:r>
+              <a:rPr kumimoji="1" lang="en-US" altLang="ja-JP" sz="2400" b="1" dirty="0"/>
+              <a:t>YES</a:t>
+            </a:r>
+            <a:endParaRPr kumimoji="1" lang="ja-JP" altLang="en-US" sz="2400" b="1" dirty="0"/>
+          </a:p>
+        </p:txBody>
+      </p:sp>
+      <p:sp>
+        <p:nvSpPr>
+          <p:cNvPr id="27" name="テキスト ボックス 26">
+            <a:extLst>
+              <a:ext uri="{FF2B5EF4-FFF2-40B4-BE49-F238E27FC236}">
+                <a16:creationId xmlns:a16="http://schemas.microsoft.com/office/drawing/2014/main" id="{263396F3-33FC-4B18-933B-598BC8DED0EE}"/>
+              </a:ext>
+            </a:extLst>
+          </p:cNvPr>
+          <p:cNvSpPr txBox="1"/>
+          <p:nvPr/>
+        </p:nvSpPr>
+        <p:spPr>
+          <a:xfrm>
+            <a:off x="3862614" y="4617405"/>
+            <a:ext cx="843642" cy="461665"/>
+          </a:xfrm>
+          <a:prstGeom prst="rect">
+            <a:avLst/>
+          </a:prstGeom>
+          <a:solidFill>
+            <a:schemeClr val="bg1"/>
+          </a:solidFill>
+          <a:ln w="28575">
+            <a:solidFill>
+              <a:schemeClr val="tx1"/>
+            </a:solidFill>
+          </a:ln>
+        </p:spPr>
+        <p:txBody>
+          <a:bodyPr wrap="square" rtlCol="0">
+            <a:spAutoFit/>
+          </a:bodyPr>
+          <a:lstStyle/>
+          <a:p>
+            <a:pPr algn="ctr"/>
+            <a:r>
+              <a:rPr kumimoji="1" lang="en-US" altLang="ja-JP" sz="2400" b="1" dirty="0"/>
+              <a:t>NO</a:t>
+            </a:r>
+            <a:endParaRPr kumimoji="1" lang="ja-JP" altLang="en-US" sz="2400" b="1" dirty="0"/>
+          </a:p>
+        </p:txBody>
+      </p:sp>
+    </p:spTree>
+    <p:extLst>
+      <p:ext uri="{BB962C8B-B14F-4D97-AF65-F5344CB8AC3E}">
+        <p14:creationId xmlns:p14="http://schemas.microsoft.com/office/powerpoint/2010/main" val="2978314621"/>
+      </p:ext>
+    </p:extLst>
+  </p:cSld>
+  <p:clrMapOvr>
+    <a:masterClrMapping/>
+  </p:clrMapOvr>
+</p:sld>
+</file>
+
+<file path=ppt/slides/slide13.xml><?xml version="1.0" encoding="utf-8"?>
+<p:sld xmlns:a="http://schemas.openxmlformats.org/drawingml/2006/main" xmlns:r="http://schemas.openxmlformats.org/officeDocument/2006/relationships" xmlns:p="http://schemas.openxmlformats.org/presentationml/2006/main">
+  <p:cSld>
+    <p:spTree>
+      <p:nvGrpSpPr>
+        <p:cNvPr id="1" name=""/>
+        <p:cNvGrpSpPr/>
+        <p:nvPr/>
+      </p:nvGrpSpPr>
+      <p:grpSpPr>
+        <a:xfrm>
+          <a:off x="0" y="0"/>
+          <a:ext cx="0" cy="0"/>
+          <a:chOff x="0" y="0"/>
+          <a:chExt cx="0" cy="0"/>
+        </a:xfrm>
+      </p:grpSpPr>
+      <p:sp>
+        <p:nvSpPr>
           <p:cNvPr id="35" name="タイトル 34">
             <a:extLst>
               <a:ext uri="{FF2B5EF4-FFF2-40B4-BE49-F238E27FC236}">
@@ -5204,7 +8265,7 @@
 </p:sld>
 </file>
 
-<file path=ppt/slides/slide13.xml><?xml version="1.0" encoding="utf-8"?>
+<file path=ppt/slides/slide14.xml><?xml version="1.0" encoding="utf-8"?>
 <p:sld xmlns:a="http://schemas.openxmlformats.org/drawingml/2006/main" xmlns:r="http://schemas.openxmlformats.org/officeDocument/2006/relationships" xmlns:p="http://schemas.openxmlformats.org/presentationml/2006/main">
   <p:cSld>
     <p:spTree>
@@ -5341,455 +8402,6 @@
     <p:extLst>
       <p:ext uri="{BB962C8B-B14F-4D97-AF65-F5344CB8AC3E}">
         <p14:creationId xmlns:p14="http://schemas.microsoft.com/office/powerpoint/2010/main" val="485649647"/>
-      </p:ext>
-    </p:extLst>
-  </p:cSld>
-  <p:clrMapOvr>
-    <a:masterClrMapping/>
-  </p:clrMapOvr>
-</p:sld>
-</file>
-
-<file path=ppt/slides/slide14.xml><?xml version="1.0" encoding="utf-8"?>
-<p:sld xmlns:a="http://schemas.openxmlformats.org/drawingml/2006/main" xmlns:r="http://schemas.openxmlformats.org/officeDocument/2006/relationships" xmlns:p="http://schemas.openxmlformats.org/presentationml/2006/main">
-  <p:cSld>
-    <p:spTree>
-      <p:nvGrpSpPr>
-        <p:cNvPr id="1" name=""/>
-        <p:cNvGrpSpPr/>
-        <p:nvPr/>
-      </p:nvGrpSpPr>
-      <p:grpSpPr>
-        <a:xfrm>
-          <a:off x="0" y="0"/>
-          <a:ext cx="0" cy="0"/>
-          <a:chOff x="0" y="0"/>
-          <a:chExt cx="0" cy="0"/>
-        </a:xfrm>
-      </p:grpSpPr>
-      <p:sp>
-        <p:nvSpPr>
-          <p:cNvPr id="2" name="タイトル 1">
-            <a:extLst>
-              <a:ext uri="{FF2B5EF4-FFF2-40B4-BE49-F238E27FC236}">
-                <a16:creationId xmlns:a16="http://schemas.microsoft.com/office/drawing/2014/main" id="{83802C4E-2E3E-4349-846A-F90F72A28924}"/>
-              </a:ext>
-            </a:extLst>
-          </p:cNvPr>
-          <p:cNvSpPr>
-            <a:spLocks noGrp="1"/>
-          </p:cNvSpPr>
-          <p:nvPr>
-            <p:ph type="title"/>
-          </p:nvPr>
-        </p:nvSpPr>
-        <p:spPr/>
-        <p:txBody>
-          <a:bodyPr/>
-          <a:lstStyle/>
-          <a:p>
-            <a:r>
-              <a:rPr kumimoji="1" lang="ja-JP" altLang="en-US" dirty="0">
-                <a:ln>
-                  <a:solidFill>
-                    <a:schemeClr val="tx1"/>
-                  </a:solidFill>
-                </a:ln>
-                <a:solidFill>
-                  <a:schemeClr val="accent6">
-                    <a:lumMod val="75000"/>
-                  </a:schemeClr>
-                </a:solidFill>
-                <a:latin typeface="HGP明朝E" panose="02020900000000000000" pitchFamily="18" charset="-128"/>
-                <a:ea typeface="HGP明朝E" panose="02020900000000000000" pitchFamily="18" charset="-128"/>
-              </a:rPr>
-              <a:t>スクレイピング</a:t>
-            </a:r>
-          </a:p>
-        </p:txBody>
-      </p:sp>
-      <p:sp>
-        <p:nvSpPr>
-          <p:cNvPr id="5" name="正方形/長方形 4">
-            <a:extLst>
-              <a:ext uri="{FF2B5EF4-FFF2-40B4-BE49-F238E27FC236}">
-                <a16:creationId xmlns:a16="http://schemas.microsoft.com/office/drawing/2014/main" id="{C00C05B2-7221-4496-A116-94B0D8E45A2D}"/>
-              </a:ext>
-            </a:extLst>
-          </p:cNvPr>
-          <p:cNvSpPr/>
-          <p:nvPr/>
-        </p:nvSpPr>
-        <p:spPr>
-          <a:xfrm>
-            <a:off x="9508067" y="0"/>
-            <a:ext cx="2683933" cy="1593908"/>
-          </a:xfrm>
-          <a:prstGeom prst="rect">
-            <a:avLst/>
-          </a:prstGeom>
-          <a:solidFill>
-            <a:schemeClr val="accent6">
-              <a:lumMod val="60000"/>
-              <a:lumOff val="40000"/>
-            </a:schemeClr>
-          </a:solidFill>
-        </p:spPr>
-        <p:style>
-          <a:lnRef idx="2">
-            <a:schemeClr val="accent1">
-              <a:shade val="50000"/>
-            </a:schemeClr>
-          </a:lnRef>
-          <a:fillRef idx="1">
-            <a:schemeClr val="accent1"/>
-          </a:fillRef>
-          <a:effectRef idx="0">
-            <a:schemeClr val="accent1"/>
-          </a:effectRef>
-          <a:fontRef idx="minor">
-            <a:schemeClr val="lt1"/>
-          </a:fontRef>
-        </p:style>
-        <p:txBody>
-          <a:bodyPr rtlCol="0" anchor="ctr"/>
-          <a:lstStyle/>
-          <a:p>
-            <a:pPr algn="ctr"/>
-            <a:endParaRPr kumimoji="1" lang="ja-JP" altLang="en-US"/>
-          </a:p>
-        </p:txBody>
-      </p:sp>
-      <p:sp>
-        <p:nvSpPr>
-          <p:cNvPr id="6" name="コンテンツ プレースホルダー 2">
-            <a:extLst>
-              <a:ext uri="{FF2B5EF4-FFF2-40B4-BE49-F238E27FC236}">
-                <a16:creationId xmlns:a16="http://schemas.microsoft.com/office/drawing/2014/main" id="{CFC63819-6285-402F-B4F7-D5B34217A0AF}"/>
-              </a:ext>
-            </a:extLst>
-          </p:cNvPr>
-          <p:cNvSpPr>
-            <a:spLocks noGrp="1"/>
-          </p:cNvSpPr>
-          <p:nvPr>
-            <p:ph idx="1"/>
-          </p:nvPr>
-        </p:nvSpPr>
-        <p:spPr>
-          <a:xfrm>
-            <a:off x="793075" y="1741386"/>
-            <a:ext cx="10515600" cy="4351338"/>
-          </a:xfrm>
-        </p:spPr>
-        <p:txBody>
-          <a:bodyPr>
-            <a:normAutofit/>
-          </a:bodyPr>
-          <a:lstStyle/>
-          <a:p>
-            <a:pPr marL="0" indent="0">
-              <a:buNone/>
-            </a:pPr>
-            <a:r>
-              <a:rPr kumimoji="1" lang="ja-JP" altLang="en-US" sz="3600" dirty="0"/>
-              <a:t>出力するデータを取得</a:t>
-            </a:r>
-            <a:endParaRPr kumimoji="1" lang="en-US" altLang="ja-JP" sz="3600" dirty="0"/>
-          </a:p>
-          <a:p>
-            <a:endParaRPr kumimoji="1" lang="en-US" altLang="ja-JP" sz="3600" dirty="0"/>
-          </a:p>
-        </p:txBody>
-      </p:sp>
-      <p:sp>
-        <p:nvSpPr>
-          <p:cNvPr id="7" name="テキスト ボックス 6">
-            <a:extLst>
-              <a:ext uri="{FF2B5EF4-FFF2-40B4-BE49-F238E27FC236}">
-                <a16:creationId xmlns:a16="http://schemas.microsoft.com/office/drawing/2014/main" id="{538A1AC8-CE4F-4286-A880-D105B44A2385}"/>
-              </a:ext>
-            </a:extLst>
-          </p:cNvPr>
-          <p:cNvSpPr txBox="1"/>
-          <p:nvPr/>
-        </p:nvSpPr>
-        <p:spPr>
-          <a:xfrm>
-            <a:off x="692459" y="2418724"/>
-            <a:ext cx="8275471" cy="1477328"/>
-          </a:xfrm>
-          <a:prstGeom prst="rect">
-            <a:avLst/>
-          </a:prstGeom>
-          <a:noFill/>
-        </p:spPr>
-        <p:txBody>
-          <a:bodyPr wrap="square" rtlCol="0">
-            <a:spAutoFit/>
-          </a:bodyPr>
-          <a:lstStyle/>
-          <a:p>
-            <a:pPr>
-              <a:buClr>
-                <a:schemeClr val="tx1"/>
-              </a:buClr>
-            </a:pPr>
-            <a:r>
-              <a:rPr lang="en-US" altLang="ja-JP" sz="4000" dirty="0"/>
-              <a:t>BeautifulSoup4</a:t>
-            </a:r>
-          </a:p>
-          <a:p>
-            <a:pPr lvl="1">
-              <a:buClr>
-                <a:schemeClr val="tx1"/>
-              </a:buClr>
-            </a:pPr>
-            <a:r>
-              <a:rPr lang="en-US" altLang="ja-JP" sz="3200" b="1" dirty="0">
-                <a:ln>
-                  <a:solidFill>
-                    <a:schemeClr val="tx1"/>
-                  </a:solidFill>
-                </a:ln>
-                <a:solidFill>
-                  <a:schemeClr val="accent6">
-                    <a:lumMod val="75000"/>
-                  </a:schemeClr>
-                </a:solidFill>
-              </a:rPr>
-              <a:t>HTML</a:t>
-            </a:r>
-            <a:r>
-              <a:rPr lang="ja-JP" altLang="en-US" sz="3200" dirty="0"/>
-              <a:t>から</a:t>
-            </a:r>
-            <a:r>
-              <a:rPr lang="ja-JP" altLang="en-US" sz="3200" b="1" dirty="0">
-                <a:ln>
-                  <a:solidFill>
-                    <a:schemeClr val="tx1"/>
-                  </a:solidFill>
-                </a:ln>
-                <a:solidFill>
-                  <a:schemeClr val="accent6">
-                    <a:lumMod val="75000"/>
-                  </a:schemeClr>
-                </a:solidFill>
-              </a:rPr>
-              <a:t>テキストデータ</a:t>
-            </a:r>
-            <a:r>
-              <a:rPr lang="ja-JP" altLang="en-US" sz="3200" dirty="0"/>
-              <a:t>を取得</a:t>
-            </a:r>
-            <a:endParaRPr lang="en-US" altLang="ja-JP" sz="3600" dirty="0"/>
-          </a:p>
-          <a:p>
-            <a:endParaRPr kumimoji="1" lang="ja-JP" altLang="en-US" dirty="0"/>
-          </a:p>
-        </p:txBody>
-      </p:sp>
-      <p:sp>
-        <p:nvSpPr>
-          <p:cNvPr id="8" name="矢印: 右 7">
-            <a:extLst>
-              <a:ext uri="{FF2B5EF4-FFF2-40B4-BE49-F238E27FC236}">
-                <a16:creationId xmlns:a16="http://schemas.microsoft.com/office/drawing/2014/main" id="{862C1834-9D92-43CD-9628-AF124AD70118}"/>
-              </a:ext>
-            </a:extLst>
-          </p:cNvPr>
-          <p:cNvSpPr/>
-          <p:nvPr/>
-        </p:nvSpPr>
-        <p:spPr>
-          <a:xfrm>
-            <a:off x="7443192" y="2785840"/>
-            <a:ext cx="555596" cy="2005845"/>
-          </a:xfrm>
-          <a:prstGeom prst="rightArrow">
-            <a:avLst/>
-          </a:prstGeom>
-          <a:solidFill>
-            <a:srgbClr val="C00000"/>
-          </a:solidFill>
-          <a:ln w="28575">
-            <a:solidFill>
-              <a:srgbClr val="283F19"/>
-            </a:solidFill>
-          </a:ln>
-        </p:spPr>
-        <p:style>
-          <a:lnRef idx="2">
-            <a:schemeClr val="accent1">
-              <a:shade val="50000"/>
-            </a:schemeClr>
-          </a:lnRef>
-          <a:fillRef idx="1">
-            <a:schemeClr val="accent1"/>
-          </a:fillRef>
-          <a:effectRef idx="0">
-            <a:schemeClr val="accent1"/>
-          </a:effectRef>
-          <a:fontRef idx="minor">
-            <a:schemeClr val="lt1"/>
-          </a:fontRef>
-        </p:style>
-        <p:txBody>
-          <a:bodyPr rtlCol="0" anchor="ctr"/>
-          <a:lstStyle/>
-          <a:p>
-            <a:pPr algn="ctr"/>
-            <a:endParaRPr kumimoji="1" lang="ja-JP" altLang="en-US">
-              <a:solidFill>
-                <a:srgbClr val="C00000"/>
-              </a:solidFill>
-            </a:endParaRPr>
-          </a:p>
-        </p:txBody>
-      </p:sp>
-      <p:sp>
-        <p:nvSpPr>
-          <p:cNvPr id="10" name="テキスト ボックス 9">
-            <a:extLst>
-              <a:ext uri="{FF2B5EF4-FFF2-40B4-BE49-F238E27FC236}">
-                <a16:creationId xmlns:a16="http://schemas.microsoft.com/office/drawing/2014/main" id="{60BB61A1-22F8-412D-9E71-B87F444BE6C0}"/>
-              </a:ext>
-            </a:extLst>
-          </p:cNvPr>
-          <p:cNvSpPr txBox="1"/>
-          <p:nvPr/>
-        </p:nvSpPr>
-        <p:spPr>
-          <a:xfrm>
-            <a:off x="692459" y="3957130"/>
-            <a:ext cx="9346130" cy="1600438"/>
-          </a:xfrm>
-          <a:prstGeom prst="rect">
-            <a:avLst/>
-          </a:prstGeom>
-          <a:noFill/>
-        </p:spPr>
-        <p:txBody>
-          <a:bodyPr wrap="square" rtlCol="0">
-            <a:spAutoFit/>
-          </a:bodyPr>
-          <a:lstStyle/>
-          <a:p>
-            <a:pPr>
-              <a:buClr>
-                <a:schemeClr val="tx1"/>
-              </a:buClr>
-            </a:pPr>
-            <a:r>
-              <a:rPr lang="en-US" altLang="ja-JP" sz="4000" dirty="0">
-                <a:solidFill>
-                  <a:sysClr val="windowText" lastClr="000000"/>
-                </a:solidFill>
-              </a:rPr>
-              <a:t>Datetime</a:t>
-            </a:r>
-            <a:r>
-              <a:rPr lang="ja-JP" altLang="en-US" sz="4000" dirty="0">
-                <a:solidFill>
-                  <a:sysClr val="windowText" lastClr="000000"/>
-                </a:solidFill>
-              </a:rPr>
-              <a:t>モジュール</a:t>
-            </a:r>
-            <a:endParaRPr lang="en-US" altLang="ja-JP" sz="4000" dirty="0">
-              <a:solidFill>
-                <a:sysClr val="windowText" lastClr="000000"/>
-              </a:solidFill>
-            </a:endParaRPr>
-          </a:p>
-          <a:p>
-            <a:pPr>
-              <a:buClr>
-                <a:schemeClr val="tx1"/>
-              </a:buClr>
-            </a:pPr>
-            <a:r>
-              <a:rPr lang="ja-JP" altLang="en-US" sz="4000" b="1" dirty="0">
-                <a:ln>
-                  <a:solidFill>
-                    <a:schemeClr val="tx1"/>
-                  </a:solidFill>
-                </a:ln>
-                <a:solidFill>
-                  <a:schemeClr val="accent6">
-                    <a:lumMod val="50000"/>
-                  </a:schemeClr>
-                </a:solidFill>
-              </a:rPr>
-              <a:t>　</a:t>
-            </a:r>
-            <a:r>
-              <a:rPr lang="ja-JP" altLang="en-US" sz="3200" b="1" dirty="0">
-                <a:ln>
-                  <a:solidFill>
-                    <a:schemeClr val="tx1"/>
-                  </a:solidFill>
-                </a:ln>
-                <a:solidFill>
-                  <a:schemeClr val="accent6">
-                    <a:lumMod val="75000"/>
-                  </a:schemeClr>
-                </a:solidFill>
-              </a:rPr>
-              <a:t>日時</a:t>
-            </a:r>
-            <a:r>
-              <a:rPr lang="ja-JP" altLang="en-US" sz="3200" dirty="0"/>
-              <a:t>を取得</a:t>
-            </a:r>
-            <a:endParaRPr lang="en-US" altLang="ja-JP" sz="3200" dirty="0"/>
-          </a:p>
-          <a:p>
-            <a:endParaRPr kumimoji="1" lang="ja-JP" altLang="en-US" dirty="0"/>
-          </a:p>
-        </p:txBody>
-      </p:sp>
-      <p:sp>
-        <p:nvSpPr>
-          <p:cNvPr id="3" name="テキスト ボックス 2">
-            <a:extLst>
-              <a:ext uri="{FF2B5EF4-FFF2-40B4-BE49-F238E27FC236}">
-                <a16:creationId xmlns:a16="http://schemas.microsoft.com/office/drawing/2014/main" id="{DD1DF69A-9BCD-4514-8C10-E5571DE143C9}"/>
-              </a:ext>
-            </a:extLst>
-          </p:cNvPr>
-          <p:cNvSpPr txBox="1"/>
-          <p:nvPr/>
-        </p:nvSpPr>
-        <p:spPr>
-          <a:xfrm>
-            <a:off x="7998788" y="3157388"/>
-            <a:ext cx="3888412" cy="1200329"/>
-          </a:xfrm>
-          <a:prstGeom prst="rect">
-            <a:avLst/>
-          </a:prstGeom>
-          <a:noFill/>
-        </p:spPr>
-        <p:txBody>
-          <a:bodyPr wrap="square" rtlCol="0">
-            <a:spAutoFit/>
-          </a:bodyPr>
-          <a:lstStyle/>
-          <a:p>
-            <a:r>
-              <a:rPr kumimoji="1" lang="ja-JP" altLang="en-US" sz="3600" b="1" dirty="0"/>
-              <a:t>テキストファイルに書き込み</a:t>
-            </a:r>
-          </a:p>
-        </p:txBody>
-      </p:sp>
-    </p:spTree>
-    <p:extLst>
-      <p:ext uri="{BB962C8B-B14F-4D97-AF65-F5344CB8AC3E}">
-        <p14:creationId xmlns:p14="http://schemas.microsoft.com/office/powerpoint/2010/main" val="3049315379"/>
       </p:ext>
     </p:extLst>
   </p:cSld>
@@ -5821,7 +8433,7 @@
           <p:cNvPr id="2" name="タイトル 1">
             <a:extLst>
               <a:ext uri="{FF2B5EF4-FFF2-40B4-BE49-F238E27FC236}">
-                <a16:creationId xmlns:a16="http://schemas.microsoft.com/office/drawing/2014/main" id="{1C67901B-E49E-40E4-9D6B-4679D612BE2A}"/>
+                <a16:creationId xmlns:a16="http://schemas.microsoft.com/office/drawing/2014/main" id="{83802C4E-2E3E-4349-846A-F90F72A28924}"/>
               </a:ext>
             </a:extLst>
           </p:cNvPr>
@@ -5837,12 +8449,11 @@
           <a:bodyPr/>
           <a:lstStyle/>
           <a:p>
-            <a:pPr lvl="0"/>
             <a:r>
               <a:rPr kumimoji="1" lang="ja-JP" altLang="en-US" dirty="0">
                 <a:ln>
                   <a:solidFill>
-                    <a:sysClr val="windowText" lastClr="000000"/>
+                    <a:schemeClr val="tx1"/>
                   </a:solidFill>
                 </a:ln>
                 <a:solidFill>
@@ -5853,134 +8464,17 @@
                 <a:latin typeface="HGP明朝E" panose="02020900000000000000" pitchFamily="18" charset="-128"/>
                 <a:ea typeface="HGP明朝E" panose="02020900000000000000" pitchFamily="18" charset="-128"/>
               </a:rPr>
-              <a:t>工夫した点・処理</a:t>
-            </a:r>
-            <a:r>
-              <a:rPr lang="ja-JP" altLang="en-US" dirty="0">
-                <a:ln>
-                  <a:solidFill>
-                    <a:sysClr val="windowText" lastClr="000000"/>
-                  </a:solidFill>
-                </a:ln>
-                <a:solidFill>
-                  <a:schemeClr val="accent6">
-                    <a:lumMod val="75000"/>
-                  </a:schemeClr>
-                </a:solidFill>
-                <a:latin typeface="HGP明朝E" panose="02020900000000000000" pitchFamily="18" charset="-128"/>
-                <a:ea typeface="HGP明朝E" panose="02020900000000000000" pitchFamily="18" charset="-128"/>
-              </a:rPr>
-              <a:t>の短縮</a:t>
-            </a:r>
-            <a:endParaRPr kumimoji="1" lang="ja-JP" altLang="en-US" dirty="0">
-              <a:ln>
-                <a:solidFill>
-                  <a:sysClr val="windowText" lastClr="000000"/>
-                </a:solidFill>
-              </a:ln>
-              <a:solidFill>
-                <a:schemeClr val="accent6">
-                  <a:lumMod val="75000"/>
-                </a:schemeClr>
-              </a:solidFill>
-              <a:latin typeface="HGP明朝E" panose="02020900000000000000" pitchFamily="18" charset="-128"/>
-              <a:ea typeface="HGP明朝E" panose="02020900000000000000" pitchFamily="18" charset="-128"/>
-            </a:endParaRPr>
-          </a:p>
-        </p:txBody>
-      </p:sp>
-      <p:sp>
-        <p:nvSpPr>
-          <p:cNvPr id="3" name="コンテンツ プレースホルダー 2">
-            <a:extLst>
-              <a:ext uri="{FF2B5EF4-FFF2-40B4-BE49-F238E27FC236}">
-                <a16:creationId xmlns:a16="http://schemas.microsoft.com/office/drawing/2014/main" id="{FBCA876A-9915-41E9-B91A-EDEAEF221F59}"/>
-              </a:ext>
-            </a:extLst>
-          </p:cNvPr>
-          <p:cNvSpPr>
-            <a:spLocks noGrp="1"/>
-          </p:cNvSpPr>
-          <p:nvPr>
-            <p:ph idx="1"/>
-          </p:nvPr>
-        </p:nvSpPr>
-        <p:spPr>
-          <a:xfrm>
-            <a:off x="838200" y="1959033"/>
-            <a:ext cx="10515600" cy="4351338"/>
-          </a:xfrm>
-        </p:spPr>
-        <p:txBody>
-          <a:bodyPr/>
-          <a:lstStyle/>
-          <a:p>
-            <a:pPr marL="0" indent="0">
-              <a:buClr>
-                <a:schemeClr val="tx1"/>
-              </a:buClr>
-              <a:buNone/>
-            </a:pPr>
-            <a:r>
-              <a:rPr lang="en-US" altLang="ja-JP" dirty="0"/>
-              <a:t>【</a:t>
-            </a:r>
-            <a:r>
-              <a:rPr lang="ja-JP" altLang="en-US" b="1" dirty="0"/>
-              <a:t>問題点</a:t>
-            </a:r>
-            <a:r>
-              <a:rPr lang="en-US" altLang="ja-JP" dirty="0"/>
-              <a:t>】</a:t>
-            </a:r>
-            <a:r>
-              <a:rPr lang="ja-JP" altLang="en-US" dirty="0"/>
-              <a:t>長文のスクレイピングは時間がかかる</a:t>
-            </a:r>
-            <a:endParaRPr lang="en-US" altLang="ja-JP" dirty="0"/>
-          </a:p>
-          <a:p>
-            <a:pPr marL="0" indent="0">
-              <a:buClr>
-                <a:schemeClr val="tx1"/>
-              </a:buClr>
-              <a:buNone/>
-            </a:pPr>
-            <a:endParaRPr lang="en-US" altLang="ja-JP" dirty="0"/>
-          </a:p>
-          <a:p>
-            <a:pPr marL="0" indent="0">
-              <a:buClr>
-                <a:schemeClr val="tx1"/>
-              </a:buClr>
-              <a:buNone/>
-            </a:pPr>
-            <a:r>
-              <a:rPr kumimoji="1" lang="en-US" altLang="ja-JP" dirty="0"/>
-              <a:t>【</a:t>
-            </a:r>
-            <a:r>
-              <a:rPr kumimoji="1" lang="ja-JP" altLang="en-US" b="1" dirty="0"/>
-              <a:t>解決策</a:t>
-            </a:r>
-            <a:r>
-              <a:rPr kumimoji="1" lang="en-US" altLang="ja-JP" dirty="0"/>
-              <a:t>】</a:t>
-            </a:r>
-            <a:r>
-              <a:rPr kumimoji="1" lang="ja-JP" altLang="en-US" dirty="0"/>
-              <a:t>起動時に実行して、個別に保存</a:t>
-            </a:r>
-            <a:endParaRPr kumimoji="1" lang="en-US" altLang="ja-JP" dirty="0"/>
-          </a:p>
-        </p:txBody>
-      </p:sp>
-      <p:sp>
-        <p:nvSpPr>
-          <p:cNvPr id="7" name="正方形/長方形 6">
-            <a:extLst>
-              <a:ext uri="{FF2B5EF4-FFF2-40B4-BE49-F238E27FC236}">
-                <a16:creationId xmlns:a16="http://schemas.microsoft.com/office/drawing/2014/main" id="{862A2D94-AAD8-4EAC-B86B-F0BA5C60401A}"/>
+              <a:t>スクレイピング</a:t>
+            </a:r>
+          </a:p>
+        </p:txBody>
+      </p:sp>
+      <p:sp>
+        <p:nvSpPr>
+          <p:cNvPr id="5" name="正方形/長方形 4">
+            <a:extLst>
+              <a:ext uri="{FF2B5EF4-FFF2-40B4-BE49-F238E27FC236}">
+                <a16:creationId xmlns:a16="http://schemas.microsoft.com/office/drawing/2014/main" id="{C00C05B2-7221-4496-A116-94B0D8E45A2D}"/>
               </a:ext>
             </a:extLst>
           </p:cNvPr>
@@ -6027,10 +8521,336 @@
           </a:p>
         </p:txBody>
       </p:sp>
+      <p:sp>
+        <p:nvSpPr>
+          <p:cNvPr id="6" name="コンテンツ プレースホルダー 2">
+            <a:extLst>
+              <a:ext uri="{FF2B5EF4-FFF2-40B4-BE49-F238E27FC236}">
+                <a16:creationId xmlns:a16="http://schemas.microsoft.com/office/drawing/2014/main" id="{CFC63819-6285-402F-B4F7-D5B34217A0AF}"/>
+              </a:ext>
+            </a:extLst>
+          </p:cNvPr>
+          <p:cNvSpPr>
+            <a:spLocks noGrp="1"/>
+          </p:cNvSpPr>
+          <p:nvPr>
+            <p:ph idx="1"/>
+          </p:nvPr>
+        </p:nvSpPr>
+        <p:spPr>
+          <a:xfrm>
+            <a:off x="793075" y="1741386"/>
+            <a:ext cx="10515600" cy="4351338"/>
+          </a:xfrm>
+        </p:spPr>
+        <p:txBody>
+          <a:bodyPr>
+            <a:normAutofit/>
+          </a:bodyPr>
+          <a:lstStyle/>
+          <a:p>
+            <a:pPr marL="0" indent="0">
+              <a:buNone/>
+            </a:pPr>
+            <a:r>
+              <a:rPr kumimoji="1" lang="ja-JP" altLang="en-US" sz="3600" dirty="0"/>
+              <a:t>出力するデータを取得</a:t>
+            </a:r>
+            <a:endParaRPr kumimoji="1" lang="en-US" altLang="ja-JP" sz="3600" dirty="0"/>
+          </a:p>
+          <a:p>
+            <a:endParaRPr kumimoji="1" lang="en-US" altLang="ja-JP" sz="3600" dirty="0"/>
+          </a:p>
+        </p:txBody>
+      </p:sp>
+      <p:sp>
+        <p:nvSpPr>
+          <p:cNvPr id="7" name="テキスト ボックス 6">
+            <a:extLst>
+              <a:ext uri="{FF2B5EF4-FFF2-40B4-BE49-F238E27FC236}">
+                <a16:creationId xmlns:a16="http://schemas.microsoft.com/office/drawing/2014/main" id="{538A1AC8-CE4F-4286-A880-D105B44A2385}"/>
+              </a:ext>
+            </a:extLst>
+          </p:cNvPr>
+          <p:cNvSpPr txBox="1"/>
+          <p:nvPr/>
+        </p:nvSpPr>
+        <p:spPr>
+          <a:xfrm>
+            <a:off x="692459" y="2418724"/>
+            <a:ext cx="8275471" cy="1477328"/>
+          </a:xfrm>
+          <a:prstGeom prst="rect">
+            <a:avLst/>
+          </a:prstGeom>
+          <a:noFill/>
+        </p:spPr>
+        <p:txBody>
+          <a:bodyPr wrap="square" rtlCol="0">
+            <a:spAutoFit/>
+          </a:bodyPr>
+          <a:lstStyle/>
+          <a:p>
+            <a:pPr>
+              <a:buClr>
+                <a:schemeClr val="tx1"/>
+              </a:buClr>
+            </a:pPr>
+            <a:r>
+              <a:rPr lang="en-US" altLang="ja-JP" sz="4000" dirty="0"/>
+              <a:t>BeautifulSoup4</a:t>
+            </a:r>
+          </a:p>
+          <a:p>
+            <a:pPr lvl="1">
+              <a:buClr>
+                <a:schemeClr val="tx1"/>
+              </a:buClr>
+            </a:pPr>
+            <a:r>
+              <a:rPr lang="en-US" altLang="ja-JP" sz="3200" b="1" dirty="0">
+                <a:ln>
+                  <a:solidFill>
+                    <a:schemeClr val="tx1"/>
+                  </a:solidFill>
+                </a:ln>
+                <a:solidFill>
+                  <a:schemeClr val="accent6">
+                    <a:lumMod val="75000"/>
+                  </a:schemeClr>
+                </a:solidFill>
+              </a:rPr>
+              <a:t>HTML</a:t>
+            </a:r>
+            <a:r>
+              <a:rPr lang="ja-JP" altLang="en-US" sz="3200" dirty="0"/>
+              <a:t>から</a:t>
+            </a:r>
+            <a:r>
+              <a:rPr lang="ja-JP" altLang="en-US" sz="3200" b="1" dirty="0">
+                <a:ln>
+                  <a:solidFill>
+                    <a:schemeClr val="tx1"/>
+                  </a:solidFill>
+                </a:ln>
+                <a:solidFill>
+                  <a:schemeClr val="accent6">
+                    <a:lumMod val="75000"/>
+                  </a:schemeClr>
+                </a:solidFill>
+              </a:rPr>
+              <a:t>テキストデータ</a:t>
+            </a:r>
+            <a:r>
+              <a:rPr lang="ja-JP" altLang="en-US" sz="3200" dirty="0"/>
+              <a:t>を取得</a:t>
+            </a:r>
+            <a:endParaRPr lang="en-US" altLang="ja-JP" sz="3600" dirty="0"/>
+          </a:p>
+          <a:p>
+            <a:endParaRPr kumimoji="1" lang="ja-JP" altLang="en-US" dirty="0"/>
+          </a:p>
+        </p:txBody>
+      </p:sp>
+      <p:sp>
+        <p:nvSpPr>
+          <p:cNvPr id="8" name="矢印: 右 7">
+            <a:extLst>
+              <a:ext uri="{FF2B5EF4-FFF2-40B4-BE49-F238E27FC236}">
+                <a16:creationId xmlns:a16="http://schemas.microsoft.com/office/drawing/2014/main" id="{862C1834-9D92-43CD-9628-AF124AD70118}"/>
+              </a:ext>
+            </a:extLst>
+          </p:cNvPr>
+          <p:cNvSpPr/>
+          <p:nvPr/>
+        </p:nvSpPr>
+        <p:spPr>
+          <a:xfrm>
+            <a:off x="7443192" y="2785840"/>
+            <a:ext cx="555596" cy="2005845"/>
+          </a:xfrm>
+          <a:prstGeom prst="rightArrow">
+            <a:avLst/>
+          </a:prstGeom>
+          <a:solidFill>
+            <a:srgbClr val="C00000"/>
+          </a:solidFill>
+          <a:ln w="28575">
+            <a:solidFill>
+              <a:srgbClr val="283F19"/>
+            </a:solidFill>
+          </a:ln>
+        </p:spPr>
+        <p:style>
+          <a:lnRef idx="2">
+            <a:schemeClr val="accent1">
+              <a:shade val="50000"/>
+            </a:schemeClr>
+          </a:lnRef>
+          <a:fillRef idx="1">
+            <a:schemeClr val="accent1"/>
+          </a:fillRef>
+          <a:effectRef idx="0">
+            <a:schemeClr val="accent1"/>
+          </a:effectRef>
+          <a:fontRef idx="minor">
+            <a:schemeClr val="lt1"/>
+          </a:fontRef>
+        </p:style>
+        <p:txBody>
+          <a:bodyPr rtlCol="0" anchor="ctr"/>
+          <a:lstStyle/>
+          <a:p>
+            <a:pPr algn="ctr"/>
+            <a:endParaRPr kumimoji="1" lang="ja-JP" altLang="en-US">
+              <a:solidFill>
+                <a:srgbClr val="C00000"/>
+              </a:solidFill>
+            </a:endParaRPr>
+          </a:p>
+        </p:txBody>
+      </p:sp>
+      <p:sp>
+        <p:nvSpPr>
+          <p:cNvPr id="10" name="テキスト ボックス 9">
+            <a:extLst>
+              <a:ext uri="{FF2B5EF4-FFF2-40B4-BE49-F238E27FC236}">
+                <a16:creationId xmlns:a16="http://schemas.microsoft.com/office/drawing/2014/main" id="{60BB61A1-22F8-412D-9E71-B87F444BE6C0}"/>
+              </a:ext>
+            </a:extLst>
+          </p:cNvPr>
+          <p:cNvSpPr txBox="1"/>
+          <p:nvPr/>
+        </p:nvSpPr>
+        <p:spPr>
+          <a:xfrm>
+            <a:off x="692459" y="3957130"/>
+            <a:ext cx="9346130" cy="1600438"/>
+          </a:xfrm>
+          <a:prstGeom prst="rect">
+            <a:avLst/>
+          </a:prstGeom>
+          <a:noFill/>
+        </p:spPr>
+        <p:txBody>
+          <a:bodyPr wrap="square" rtlCol="0">
+            <a:spAutoFit/>
+          </a:bodyPr>
+          <a:lstStyle/>
+          <a:p>
+            <a:pPr>
+              <a:buClr>
+                <a:schemeClr val="tx1"/>
+              </a:buClr>
+            </a:pPr>
+            <a:r>
+              <a:rPr lang="en-US" altLang="ja-JP" sz="4000" dirty="0">
+                <a:solidFill>
+                  <a:sysClr val="windowText" lastClr="000000"/>
+                </a:solidFill>
+              </a:rPr>
+              <a:t>Datetime</a:t>
+            </a:r>
+            <a:r>
+              <a:rPr lang="ja-JP" altLang="en-US" sz="4000" dirty="0">
+                <a:solidFill>
+                  <a:sysClr val="windowText" lastClr="000000"/>
+                </a:solidFill>
+              </a:rPr>
+              <a:t>モジュール</a:t>
+            </a:r>
+            <a:endParaRPr lang="en-US" altLang="ja-JP" sz="4000" dirty="0">
+              <a:solidFill>
+                <a:sysClr val="windowText" lastClr="000000"/>
+              </a:solidFill>
+            </a:endParaRPr>
+          </a:p>
+          <a:p>
+            <a:pPr>
+              <a:buClr>
+                <a:schemeClr val="tx1"/>
+              </a:buClr>
+            </a:pPr>
+            <a:r>
+              <a:rPr lang="ja-JP" altLang="en-US" sz="4000" b="1" dirty="0">
+                <a:ln>
+                  <a:solidFill>
+                    <a:schemeClr val="tx1"/>
+                  </a:solidFill>
+                </a:ln>
+                <a:solidFill>
+                  <a:schemeClr val="accent6">
+                    <a:lumMod val="50000"/>
+                  </a:schemeClr>
+                </a:solidFill>
+              </a:rPr>
+              <a:t>　</a:t>
+            </a:r>
+            <a:r>
+              <a:rPr lang="ja-JP" altLang="en-US" sz="3200" b="1" dirty="0">
+                <a:ln>
+                  <a:solidFill>
+                    <a:schemeClr val="tx1"/>
+                  </a:solidFill>
+                </a:ln>
+                <a:solidFill>
+                  <a:schemeClr val="accent6">
+                    <a:lumMod val="75000"/>
+                  </a:schemeClr>
+                </a:solidFill>
+              </a:rPr>
+              <a:t>日時</a:t>
+            </a:r>
+            <a:r>
+              <a:rPr lang="ja-JP" altLang="en-US" sz="3200" dirty="0"/>
+              <a:t>を取得</a:t>
+            </a:r>
+            <a:endParaRPr lang="en-US" altLang="ja-JP" sz="3200" dirty="0"/>
+          </a:p>
+          <a:p>
+            <a:endParaRPr kumimoji="1" lang="ja-JP" altLang="en-US" dirty="0"/>
+          </a:p>
+        </p:txBody>
+      </p:sp>
+      <p:sp>
+        <p:nvSpPr>
+          <p:cNvPr id="3" name="テキスト ボックス 2">
+            <a:extLst>
+              <a:ext uri="{FF2B5EF4-FFF2-40B4-BE49-F238E27FC236}">
+                <a16:creationId xmlns:a16="http://schemas.microsoft.com/office/drawing/2014/main" id="{DD1DF69A-9BCD-4514-8C10-E5571DE143C9}"/>
+              </a:ext>
+            </a:extLst>
+          </p:cNvPr>
+          <p:cNvSpPr txBox="1"/>
+          <p:nvPr/>
+        </p:nvSpPr>
+        <p:spPr>
+          <a:xfrm>
+            <a:off x="7998788" y="3157388"/>
+            <a:ext cx="3888412" cy="1200329"/>
+          </a:xfrm>
+          <a:prstGeom prst="rect">
+            <a:avLst/>
+          </a:prstGeom>
+          <a:noFill/>
+        </p:spPr>
+        <p:txBody>
+          <a:bodyPr wrap="square" rtlCol="0">
+            <a:spAutoFit/>
+          </a:bodyPr>
+          <a:lstStyle/>
+          <a:p>
+            <a:r>
+              <a:rPr kumimoji="1" lang="ja-JP" altLang="en-US" sz="3600" b="1" dirty="0"/>
+              <a:t>テキストファイルに書き込み</a:t>
+            </a:r>
+          </a:p>
+        </p:txBody>
+      </p:sp>
     </p:spTree>
     <p:extLst>
       <p:ext uri="{BB962C8B-B14F-4D97-AF65-F5344CB8AC3E}">
-        <p14:creationId xmlns:p14="http://schemas.microsoft.com/office/powerpoint/2010/main" val="558572616"/>
+        <p14:creationId xmlns:p14="http://schemas.microsoft.com/office/powerpoint/2010/main" val="3049315379"/>
       </p:ext>
     </p:extLst>
   </p:cSld>
@@ -6521,6 +9341,58 @@
                 </a:schemeClr>
               </a:solidFill>
             </a:endParaRPr>
+          </a:p>
+        </p:txBody>
+      </p:sp>
+      <p:sp>
+        <p:nvSpPr>
+          <p:cNvPr id="3" name="正方形/長方形 2">
+            <a:extLst>
+              <a:ext uri="{FF2B5EF4-FFF2-40B4-BE49-F238E27FC236}">
+                <a16:creationId xmlns:a16="http://schemas.microsoft.com/office/drawing/2014/main" id="{FAB16456-F7D9-4DF3-A957-9BD94DE863CE}"/>
+              </a:ext>
+            </a:extLst>
+          </p:cNvPr>
+          <p:cNvSpPr/>
+          <p:nvPr/>
+        </p:nvSpPr>
+        <p:spPr>
+          <a:xfrm>
+            <a:off x="648739" y="1752562"/>
+            <a:ext cx="9212778" cy="584775"/>
+          </a:xfrm>
+          <a:prstGeom prst="rect">
+            <a:avLst/>
+          </a:prstGeom>
+        </p:spPr>
+        <p:txBody>
+          <a:bodyPr wrap="none">
+            <a:spAutoFit/>
+          </a:bodyPr>
+          <a:lstStyle/>
+          <a:p>
+            <a:pPr>
+              <a:buClr>
+                <a:schemeClr val="tx1"/>
+              </a:buClr>
+            </a:pPr>
+            <a:r>
+              <a:rPr lang="en-US" altLang="ja-JP" sz="3200" dirty="0"/>
+              <a:t>【</a:t>
+            </a:r>
+            <a:r>
+              <a:rPr lang="ja-JP" altLang="en-US" sz="2800" b="1" dirty="0"/>
+              <a:t>問題点</a:t>
+            </a:r>
+            <a:r>
+              <a:rPr lang="en-US" altLang="ja-JP" sz="3200" dirty="0"/>
+              <a:t>】</a:t>
+            </a:r>
+            <a:r>
+              <a:rPr lang="ja-JP" altLang="en-US" sz="3200" dirty="0"/>
+              <a:t>長文のスクレイピングは時間がかかる</a:t>
+            </a:r>
+            <a:endParaRPr lang="en-US" altLang="ja-JP" sz="3200" dirty="0"/>
           </a:p>
         </p:txBody>
       </p:sp>
@@ -6620,7 +9492,7 @@
         </p:nvSpPr>
         <p:spPr>
           <a:xfrm>
-            <a:off x="1838422" y="1769462"/>
+            <a:off x="2070650" y="2335519"/>
             <a:ext cx="2329315" cy="673769"/>
           </a:xfrm>
           <a:prstGeom prst="roundRect">
@@ -6690,7 +9562,7 @@
         </p:nvSpPr>
         <p:spPr>
           <a:xfrm>
-            <a:off x="4331368" y="4421221"/>
+            <a:off x="4563596" y="4987278"/>
             <a:ext cx="2954956" cy="890337"/>
           </a:xfrm>
           <a:prstGeom prst="rightArrow">
@@ -6747,7 +9619,7 @@
         </p:nvSpPr>
         <p:spPr>
           <a:xfrm>
-            <a:off x="7449954" y="4503328"/>
+            <a:off x="7682182" y="5069385"/>
             <a:ext cx="2800951" cy="673769"/>
           </a:xfrm>
           <a:prstGeom prst="roundRect">
@@ -6822,7 +9694,7 @@
         </p:nvSpPr>
         <p:spPr>
           <a:xfrm>
-            <a:off x="1838423" y="2780115"/>
+            <a:off x="2070651" y="3346172"/>
             <a:ext cx="2329315" cy="1412507"/>
           </a:xfrm>
           <a:prstGeom prst="roundRect">
@@ -6914,7 +9786,7 @@
         </p:nvSpPr>
         <p:spPr>
           <a:xfrm>
-            <a:off x="1838423" y="4529506"/>
+            <a:off x="2070651" y="5095563"/>
             <a:ext cx="2329315" cy="673769"/>
           </a:xfrm>
           <a:prstGeom prst="roundRect">
@@ -6976,7 +9848,7 @@
         </p:nvSpPr>
         <p:spPr>
           <a:xfrm>
-            <a:off x="7449954" y="2780115"/>
+            <a:off x="7682182" y="3346172"/>
             <a:ext cx="2800951" cy="1412507"/>
           </a:xfrm>
           <a:prstGeom prst="roundRect">
@@ -7087,7 +9959,7 @@
         </p:nvSpPr>
         <p:spPr>
           <a:xfrm>
-            <a:off x="4331368" y="2945331"/>
+            <a:off x="4563596" y="3511388"/>
             <a:ext cx="2954956" cy="1055587"/>
           </a:xfrm>
           <a:prstGeom prst="rightArrow">
@@ -7125,7 +9997,7 @@
             <a:pPr algn="ctr"/>
             <a:r>
               <a:rPr lang="ja-JP" altLang="en-US" b="1" dirty="0"/>
-              <a:t>起動時</a:t>
+              <a:t>起動時に</a:t>
             </a:r>
             <a:r>
               <a:rPr kumimoji="1" lang="ja-JP" altLang="en-US" b="1" dirty="0"/>
@@ -7148,7 +10020,7 @@
         </p:nvSpPr>
         <p:spPr>
           <a:xfrm>
-            <a:off x="7449954" y="1795640"/>
+            <a:off x="7682182" y="2361697"/>
             <a:ext cx="2800951" cy="673769"/>
           </a:xfrm>
           <a:prstGeom prst="roundRect">
@@ -7249,6 +10121,58 @@
               <a:t>工夫した点・処理の短縮</a:t>
             </a:r>
             <a:endParaRPr kumimoji="1" lang="ja-JP" altLang="en-US" dirty="0"/>
+          </a:p>
+        </p:txBody>
+      </p:sp>
+      <p:sp>
+        <p:nvSpPr>
+          <p:cNvPr id="2" name="正方形/長方形 1">
+            <a:extLst>
+              <a:ext uri="{FF2B5EF4-FFF2-40B4-BE49-F238E27FC236}">
+                <a16:creationId xmlns:a16="http://schemas.microsoft.com/office/drawing/2014/main" id="{05053AC4-1076-4E17-9429-011226C36E60}"/>
+              </a:ext>
+            </a:extLst>
+          </p:cNvPr>
+          <p:cNvSpPr/>
+          <p:nvPr/>
+        </p:nvSpPr>
+        <p:spPr>
+          <a:xfrm>
+            <a:off x="736600" y="1593908"/>
+            <a:ext cx="7007046" cy="523220"/>
+          </a:xfrm>
+          <a:prstGeom prst="rect">
+            <a:avLst/>
+          </a:prstGeom>
+        </p:spPr>
+        <p:txBody>
+          <a:bodyPr wrap="none">
+            <a:spAutoFit/>
+          </a:bodyPr>
+          <a:lstStyle/>
+          <a:p>
+            <a:pPr>
+              <a:buClr>
+                <a:schemeClr val="tx1"/>
+              </a:buClr>
+            </a:pPr>
+            <a:r>
+              <a:rPr lang="en-US" altLang="ja-JP" sz="2800" dirty="0"/>
+              <a:t>【</a:t>
+            </a:r>
+            <a:r>
+              <a:rPr lang="ja-JP" altLang="en-US" sz="2800" b="1" dirty="0"/>
+              <a:t>解決策</a:t>
+            </a:r>
+            <a:r>
+              <a:rPr lang="en-US" altLang="ja-JP" sz="2800" dirty="0"/>
+              <a:t>】</a:t>
+            </a:r>
+            <a:r>
+              <a:rPr lang="ja-JP" altLang="en-US" sz="2800" dirty="0"/>
+              <a:t>起動時に実行して、個別に保存</a:t>
+            </a:r>
+            <a:endParaRPr lang="en-US" altLang="ja-JP" sz="2800" dirty="0"/>
           </a:p>
         </p:txBody>
       </p:sp>
@@ -7447,7 +10371,7 @@
           <p:nvPr/>
         </p:nvPicPr>
         <p:blipFill>
-          <a:blip r:embed="rId2">
+          <a:blip r:embed="rId3">
             <a:extLst>
               <a:ext uri="{28A0092B-C50C-407E-A947-70E740481C1C}">
                 <a14:useLocalDpi xmlns:a14="http://schemas.microsoft.com/office/drawing/2010/main" val="0"/>
@@ -7468,6 +10392,47 @@
           </a:prstGeom>
         </p:spPr>
       </p:pic>
+      <p:cxnSp>
+        <p:nvCxnSpPr>
+          <p:cNvPr id="7" name="直線コネクタ 6">
+            <a:extLst>
+              <a:ext uri="{FF2B5EF4-FFF2-40B4-BE49-F238E27FC236}">
+                <a16:creationId xmlns:a16="http://schemas.microsoft.com/office/drawing/2014/main" id="{CCB2BCCE-098D-4626-A0DD-3FDB0ECD80F9}"/>
+              </a:ext>
+            </a:extLst>
+          </p:cNvPr>
+          <p:cNvCxnSpPr/>
+          <p:nvPr/>
+        </p:nvCxnSpPr>
+        <p:spPr>
+          <a:xfrm>
+            <a:off x="3831772" y="4673600"/>
+            <a:ext cx="1625600" cy="0"/>
+          </a:xfrm>
+          <a:prstGeom prst="line">
+            <a:avLst/>
+          </a:prstGeom>
+          <a:ln w="57150">
+            <a:solidFill>
+              <a:srgbClr val="FF0000"/>
+            </a:solidFill>
+          </a:ln>
+        </p:spPr>
+        <p:style>
+          <a:lnRef idx="1">
+            <a:schemeClr val="accent1"/>
+          </a:lnRef>
+          <a:fillRef idx="0">
+            <a:schemeClr val="accent1"/>
+          </a:fillRef>
+          <a:effectRef idx="0">
+            <a:schemeClr val="accent1"/>
+          </a:effectRef>
+          <a:fontRef idx="minor">
+            <a:schemeClr val="tx1"/>
+          </a:fontRef>
+        </p:style>
+      </p:cxnSp>
     </p:spTree>
     <p:extLst>
       <p:ext uri="{BB962C8B-B14F-4D97-AF65-F5344CB8AC3E}">
@@ -7478,6 +10443,89 @@
   <p:clrMapOvr>
     <a:masterClrMapping/>
   </p:clrMapOvr>
+  <p:timing>
+    <p:tnLst>
+      <p:par>
+        <p:cTn id="1" dur="indefinite" restart="never" nodeType="tmRoot">
+          <p:childTnLst>
+            <p:seq concurrent="1" nextAc="seek">
+              <p:cTn id="2" dur="indefinite" nodeType="mainSeq">
+                <p:childTnLst>
+                  <p:par>
+                    <p:cTn id="3" fill="hold">
+                      <p:stCondLst>
+                        <p:cond delay="indefinite"/>
+                      </p:stCondLst>
+                      <p:childTnLst>
+                        <p:par>
+                          <p:cTn id="4" fill="hold">
+                            <p:stCondLst>
+                              <p:cond delay="0"/>
+                            </p:stCondLst>
+                            <p:childTnLst>
+                              <p:par>
+                                <p:cTn id="5" presetID="22" presetClass="entr" presetSubtype="8" fill="hold" nodeType="clickEffect">
+                                  <p:stCondLst>
+                                    <p:cond delay="0"/>
+                                  </p:stCondLst>
+                                  <p:childTnLst>
+                                    <p:set>
+                                      <p:cBhvr>
+                                        <p:cTn id="6" dur="1" fill="hold">
+                                          <p:stCondLst>
+                                            <p:cond delay="0"/>
+                                          </p:stCondLst>
+                                        </p:cTn>
+                                        <p:tgtEl>
+                                          <p:spTgt spid="7"/>
+                                        </p:tgtEl>
+                                        <p:attrNameLst>
+                                          <p:attrName>style.visibility</p:attrName>
+                                        </p:attrNameLst>
+                                      </p:cBhvr>
+                                      <p:to>
+                                        <p:strVal val="visible"/>
+                                      </p:to>
+                                    </p:set>
+                                    <p:animEffect transition="in" filter="wipe(left)">
+                                      <p:cBhvr>
+                                        <p:cTn id="7" dur="500"/>
+                                        <p:tgtEl>
+                                          <p:spTgt spid="7"/>
+                                        </p:tgtEl>
+                                      </p:cBhvr>
+                                    </p:animEffect>
+                                  </p:childTnLst>
+                                </p:cTn>
+                              </p:par>
+                            </p:childTnLst>
+                          </p:cTn>
+                        </p:par>
+                      </p:childTnLst>
+                    </p:cTn>
+                  </p:par>
+                </p:childTnLst>
+              </p:cTn>
+              <p:prevCondLst>
+                <p:cond evt="onPrev" delay="0">
+                  <p:tgtEl>
+                    <p:sldTgt/>
+                  </p:tgtEl>
+                </p:cond>
+              </p:prevCondLst>
+              <p:nextCondLst>
+                <p:cond evt="onNext" delay="0">
+                  <p:tgtEl>
+                    <p:sldTgt/>
+                  </p:tgtEl>
+                </p:cond>
+              </p:nextCondLst>
+            </p:seq>
+          </p:childTnLst>
+        </p:cTn>
+      </p:par>
+    </p:tnLst>
+  </p:timing>
 </p:sld>
 </file>
 
@@ -7498,49 +10546,6 @@
           <a:chExt cx="0" cy="0"/>
         </a:xfrm>
       </p:grpSpPr>
-      <p:sp>
-        <p:nvSpPr>
-          <p:cNvPr id="2" name="タイトル 1">
-            <a:extLst>
-              <a:ext uri="{FF2B5EF4-FFF2-40B4-BE49-F238E27FC236}">
-                <a16:creationId xmlns:a16="http://schemas.microsoft.com/office/drawing/2014/main" id="{FEAD6D5F-D76B-4EE6-82B1-70D02DFF75FA}"/>
-              </a:ext>
-            </a:extLst>
-          </p:cNvPr>
-          <p:cNvSpPr>
-            <a:spLocks noGrp="1"/>
-          </p:cNvSpPr>
-          <p:nvPr>
-            <p:ph type="title"/>
-          </p:nvPr>
-        </p:nvSpPr>
-        <p:spPr/>
-        <p:txBody>
-          <a:bodyPr/>
-          <a:lstStyle/>
-          <a:p>
-            <a:pPr lvl="0"/>
-            <a:r>
-              <a:rPr lang="ja-JP" altLang="en-US" dirty="0">
-                <a:ln>
-                  <a:solidFill>
-                    <a:sysClr val="windowText" lastClr="000000"/>
-                  </a:solidFill>
-                </a:ln>
-                <a:solidFill>
-                  <a:schemeClr val="accent6">
-                    <a:lumMod val="75000"/>
-                  </a:schemeClr>
-                </a:solidFill>
-                <a:latin typeface="HGP明朝E" panose="02020900000000000000" pitchFamily="18" charset="-128"/>
-                <a:ea typeface="HGP明朝E" panose="02020900000000000000" pitchFamily="18" charset="-128"/>
-              </a:rPr>
-              <a:t>工夫した点・処理を分割</a:t>
-            </a:r>
-            <a:endParaRPr kumimoji="1" lang="ja-JP" altLang="en-US" dirty="0"/>
-          </a:p>
-        </p:txBody>
-      </p:sp>
       <p:sp>
         <p:nvSpPr>
           <p:cNvPr id="5" name="正方形/長方形 4">
@@ -7608,7 +10613,7 @@
           <p:nvPr/>
         </p:nvPicPr>
         <p:blipFill>
-          <a:blip r:embed="rId2">
+          <a:blip r:embed="rId3">
             <a:extLst>
               <a:ext uri="{28A0092B-C50C-407E-A947-70E740481C1C}">
                 <a14:useLocalDpi xmlns:a14="http://schemas.microsoft.com/office/drawing/2010/main" val="0"/>
@@ -7643,7 +10648,7 @@
         </p:nvSpPr>
         <p:spPr>
           <a:xfrm>
-            <a:off x="3786230" y="4223634"/>
+            <a:off x="3759673" y="4245866"/>
             <a:ext cx="1837194" cy="569199"/>
           </a:xfrm>
           <a:prstGeom prst="rect">
@@ -7863,6 +10868,66 @@
           <a:p>
             <a:pPr algn="ctr"/>
             <a:endParaRPr kumimoji="1" lang="ja-JP" altLang="en-US"/>
+          </a:p>
+        </p:txBody>
+      </p:sp>
+      <p:sp>
+        <p:nvSpPr>
+          <p:cNvPr id="11" name="タイトル 1">
+            <a:extLst>
+              <a:ext uri="{FF2B5EF4-FFF2-40B4-BE49-F238E27FC236}">
+                <a16:creationId xmlns:a16="http://schemas.microsoft.com/office/drawing/2014/main" id="{784DE2D6-5BF6-4AAE-ABB9-75CF47E1BAD5}"/>
+              </a:ext>
+            </a:extLst>
+          </p:cNvPr>
+          <p:cNvSpPr>
+            <a:spLocks noGrp="1"/>
+          </p:cNvSpPr>
+          <p:nvPr>
+            <p:ph type="title"/>
+          </p:nvPr>
+        </p:nvSpPr>
+        <p:spPr>
+          <a:xfrm>
+            <a:off x="838200" y="365125"/>
+            <a:ext cx="10515600" cy="1325563"/>
+          </a:xfrm>
+        </p:spPr>
+        <p:txBody>
+          <a:bodyPr/>
+          <a:lstStyle/>
+          <a:p>
+            <a:r>
+              <a:rPr kumimoji="1" lang="en-US" altLang="ja-JP" dirty="0">
+                <a:ln>
+                  <a:solidFill>
+                    <a:sysClr val="windowText" lastClr="000000"/>
+                  </a:solidFill>
+                </a:ln>
+                <a:solidFill>
+                  <a:schemeClr val="accent6">
+                    <a:lumMod val="75000"/>
+                  </a:schemeClr>
+                </a:solidFill>
+                <a:latin typeface="HGP明朝E" panose="02020900000000000000" pitchFamily="18" charset="-128"/>
+                <a:ea typeface="HGP明朝E" panose="02020900000000000000" pitchFamily="18" charset="-128"/>
+              </a:rPr>
+              <a:t>OpenJTalk</a:t>
+            </a:r>
+            <a:endParaRPr kumimoji="1" lang="ja-JP" altLang="en-US" dirty="0">
+              <a:ln>
+                <a:solidFill>
+                  <a:sysClr val="windowText" lastClr="000000"/>
+                </a:solidFill>
+              </a:ln>
+              <a:solidFill>
+                <a:schemeClr val="accent6">
+                  <a:lumMod val="75000"/>
+                </a:schemeClr>
+              </a:solidFill>
+              <a:latin typeface="HGP明朝E" panose="02020900000000000000" pitchFamily="18" charset="-128"/>
+              <a:ea typeface="HGP明朝E" panose="02020900000000000000" pitchFamily="18" charset="-128"/>
+            </a:endParaRPr>
           </a:p>
         </p:txBody>
       </p:sp>
@@ -7984,33 +11049,15 @@
                                   </p:childTnLst>
                                 </p:cTn>
                               </p:par>
-                            </p:childTnLst>
-                          </p:cTn>
-                        </p:par>
-                      </p:childTnLst>
-                    </p:cTn>
-                  </p:par>
-                  <p:par>
-                    <p:cTn id="13" fill="hold">
-                      <p:stCondLst>
-                        <p:cond delay="indefinite"/>
-                      </p:stCondLst>
-                      <p:childTnLst>
-                        <p:par>
-                          <p:cTn id="14" fill="hold">
-                            <p:stCondLst>
-                              <p:cond delay="0"/>
-                            </p:stCondLst>
-                            <p:childTnLst>
                               <p:par>
-                                <p:cTn id="15" presetID="10" presetClass="entr" presetSubtype="0" fill="hold" grpId="0" nodeType="clickEffect">
+                                <p:cTn id="13" presetID="10" presetClass="entr" presetSubtype="0" fill="hold" grpId="0" nodeType="withEffect">
                                   <p:stCondLst>
                                     <p:cond delay="0"/>
                                   </p:stCondLst>
                                   <p:childTnLst>
                                     <p:set>
                                       <p:cBhvr>
-                                        <p:cTn id="16" dur="1" fill="hold">
+                                        <p:cTn id="14" dur="1" fill="hold">
                                           <p:stCondLst>
                                             <p:cond delay="0"/>
                                           </p:stCondLst>
@@ -8028,7 +11075,7 @@
                                     </p:set>
                                     <p:animEffect transition="in" filter="fade">
                                       <p:cBhvr>
-                                        <p:cTn id="17" dur="500"/>
+                                        <p:cTn id="15" dur="500"/>
                                         <p:tgtEl>
                                           <p:spTgt spid="9"/>
                                         </p:tgtEl>
@@ -8168,42 +11215,6 @@
       </p:pic>
       <p:sp>
         <p:nvSpPr>
-          <p:cNvPr id="6" name="テキスト ボックス 5">
-            <a:extLst>
-              <a:ext uri="{FF2B5EF4-FFF2-40B4-BE49-F238E27FC236}">
-                <a16:creationId xmlns:a16="http://schemas.microsoft.com/office/drawing/2014/main" id="{5F954F9D-585C-4117-B68F-D2C78AC9AF80}"/>
-              </a:ext>
-            </a:extLst>
-          </p:cNvPr>
-          <p:cNvSpPr txBox="1"/>
-          <p:nvPr/>
-        </p:nvSpPr>
-        <p:spPr>
-          <a:xfrm>
-            <a:off x="6580456" y="5450725"/>
-            <a:ext cx="2457742" cy="523220"/>
-          </a:xfrm>
-          <a:prstGeom prst="rect">
-            <a:avLst/>
-          </a:prstGeom>
-          <a:noFill/>
-        </p:spPr>
-        <p:txBody>
-          <a:bodyPr wrap="square" rtlCol="0">
-            <a:spAutoFit/>
-          </a:bodyPr>
-          <a:lstStyle/>
-          <a:p>
-            <a:r>
-              <a:rPr kumimoji="1" lang="en-US" altLang="ja-JP" sz="2800" b="1" dirty="0"/>
-              <a:t>YoSiE</a:t>
-            </a:r>
-            <a:endParaRPr kumimoji="1" lang="ja-JP" altLang="en-US" sz="2800" b="1" dirty="0"/>
-          </a:p>
-        </p:txBody>
-      </p:sp>
-      <p:sp>
-        <p:nvSpPr>
           <p:cNvPr id="8" name="吹き出し: 円形 7">
             <a:extLst>
               <a:ext uri="{FF2B5EF4-FFF2-40B4-BE49-F238E27FC236}">
@@ -8284,13 +11295,22 @@
         </p:nvSpPr>
         <p:spPr>
           <a:xfrm>
-            <a:off x="3281675" y="5450725"/>
-            <a:ext cx="1934817" cy="523220"/>
+            <a:off x="2998947" y="5497846"/>
+            <a:ext cx="1688105" cy="707886"/>
           </a:xfrm>
           <a:prstGeom prst="rect">
             <a:avLst/>
           </a:prstGeom>
-          <a:noFill/>
+          <a:solidFill>
+            <a:schemeClr val="bg1"/>
+          </a:solidFill>
+          <a:ln w="38100">
+            <a:solidFill>
+              <a:schemeClr val="accent6">
+                <a:lumMod val="50000"/>
+              </a:schemeClr>
+            </a:solidFill>
+          </a:ln>
         </p:spPr>
         <p:txBody>
           <a:bodyPr wrap="square" rtlCol="0">
@@ -8298,8 +11318,9 @@
           </a:bodyPr>
           <a:lstStyle/>
           <a:p>
-            <a:r>
-              <a:rPr kumimoji="1" lang="en-US" altLang="ja-JP" sz="2800" b="1" dirty="0"/>
+            <a:pPr algn="ctr"/>
+            <a:r>
+              <a:rPr kumimoji="1" lang="en-US" altLang="ja-JP" sz="4000" b="1" dirty="0"/>
               <a:t>USER</a:t>
             </a:r>
             <a:endParaRPr kumimoji="1" lang="ja-JP" altLang="en-US" sz="2800" b="1" dirty="0"/>
@@ -8458,7 +11479,7 @@
         </p:blipFill>
         <p:spPr>
           <a:xfrm>
-            <a:off x="6096000" y="3803081"/>
+            <a:off x="6088658" y="3811492"/>
             <a:ext cx="3257306" cy="1797608"/>
           </a:xfrm>
           <a:prstGeom prst="rect">
@@ -8618,6 +11639,137 @@
           <a:p>
             <a:pPr algn="ctr"/>
             <a:endParaRPr kumimoji="1" lang="ja-JP" altLang="en-US"/>
+          </a:p>
+        </p:txBody>
+      </p:sp>
+      <p:pic>
+        <p:nvPicPr>
+          <p:cNvPr id="7" name="図 6">
+            <a:extLst>
+              <a:ext uri="{FF2B5EF4-FFF2-40B4-BE49-F238E27FC236}">
+                <a16:creationId xmlns:a16="http://schemas.microsoft.com/office/drawing/2014/main" id="{3F2595A0-15AB-4F05-8579-CB39029800CB}"/>
+              </a:ext>
+            </a:extLst>
+          </p:cNvPr>
+          <p:cNvPicPr>
+            <a:picLocks noChangeAspect="1"/>
+          </p:cNvPicPr>
+          <p:nvPr/>
+        </p:nvPicPr>
+        <p:blipFill>
+          <a:blip r:embed="rId8">
+            <a:extLst>
+              <a:ext uri="{28A0092B-C50C-407E-A947-70E740481C1C}">
+                <a14:useLocalDpi xmlns:a14="http://schemas.microsoft.com/office/drawing/2010/main" val="0"/>
+              </a:ext>
+            </a:extLst>
+          </a:blip>
+          <a:stretch>
+            <a:fillRect/>
+          </a:stretch>
+        </p:blipFill>
+        <p:spPr>
+          <a:xfrm>
+            <a:off x="7809327" y="2949275"/>
+            <a:ext cx="3611032" cy="1998136"/>
+          </a:xfrm>
+          <a:prstGeom prst="rect">
+            <a:avLst/>
+          </a:prstGeom>
+          <a:ln w="19050">
+            <a:solidFill>
+              <a:schemeClr val="tx1"/>
+            </a:solidFill>
+          </a:ln>
+        </p:spPr>
+      </p:pic>
+      <p:sp>
+        <p:nvSpPr>
+          <p:cNvPr id="10" name="テキスト ボックス 9">
+            <a:extLst>
+              <a:ext uri="{FF2B5EF4-FFF2-40B4-BE49-F238E27FC236}">
+                <a16:creationId xmlns:a16="http://schemas.microsoft.com/office/drawing/2014/main" id="{AFB4F147-DCA5-4E27-B29F-976247809DDE}"/>
+              </a:ext>
+            </a:extLst>
+          </p:cNvPr>
+          <p:cNvSpPr txBox="1"/>
+          <p:nvPr/>
+        </p:nvSpPr>
+        <p:spPr>
+          <a:xfrm>
+            <a:off x="7809327" y="4947410"/>
+            <a:ext cx="3611032" cy="400110"/>
+          </a:xfrm>
+          <a:prstGeom prst="rect">
+            <a:avLst/>
+          </a:prstGeom>
+          <a:solidFill>
+            <a:schemeClr val="bg1"/>
+          </a:solidFill>
+          <a:ln>
+            <a:solidFill>
+              <a:schemeClr val="tx1"/>
+            </a:solidFill>
+          </a:ln>
+        </p:spPr>
+        <p:txBody>
+          <a:bodyPr wrap="square" rtlCol="0">
+            <a:spAutoFit/>
+          </a:bodyPr>
+          <a:lstStyle/>
+          <a:p>
+            <a:pPr algn="ctr"/>
+            <a:r>
+              <a:rPr kumimoji="1" lang="en-US" altLang="ja-JP" sz="2000" b="1" dirty="0"/>
+              <a:t>Raspberry Pi</a:t>
+            </a:r>
+            <a:endParaRPr kumimoji="1" lang="ja-JP" altLang="en-US" sz="2000" b="1" dirty="0"/>
+          </a:p>
+        </p:txBody>
+      </p:sp>
+      <p:sp>
+        <p:nvSpPr>
+          <p:cNvPr id="6" name="テキスト ボックス 5">
+            <a:extLst>
+              <a:ext uri="{FF2B5EF4-FFF2-40B4-BE49-F238E27FC236}">
+                <a16:creationId xmlns:a16="http://schemas.microsoft.com/office/drawing/2014/main" id="{5F954F9D-585C-4117-B68F-D2C78AC9AF80}"/>
+              </a:ext>
+            </a:extLst>
+          </p:cNvPr>
+          <p:cNvSpPr txBox="1"/>
+          <p:nvPr/>
+        </p:nvSpPr>
+        <p:spPr>
+          <a:xfrm>
+            <a:off x="6190464" y="5497846"/>
+            <a:ext cx="1934817" cy="707886"/>
+          </a:xfrm>
+          <a:prstGeom prst="rect">
+            <a:avLst/>
+          </a:prstGeom>
+          <a:solidFill>
+            <a:schemeClr val="bg1"/>
+          </a:solidFill>
+          <a:ln w="38100">
+            <a:solidFill>
+              <a:schemeClr val="accent6">
+                <a:lumMod val="50000"/>
+              </a:schemeClr>
+            </a:solidFill>
+          </a:ln>
+        </p:spPr>
+        <p:txBody>
+          <a:bodyPr wrap="square" rtlCol="0">
+            <a:spAutoFit/>
+          </a:bodyPr>
+          <a:lstStyle/>
+          <a:p>
+            <a:pPr algn="ctr"/>
+            <a:r>
+              <a:rPr kumimoji="1" lang="en-US" altLang="ja-JP" sz="4000" b="1" dirty="0"/>
+              <a:t>YoSiE</a:t>
+            </a:r>
+            <a:endParaRPr kumimoji="1" lang="ja-JP" altLang="en-US" sz="4000" b="1" dirty="0"/>
           </a:p>
         </p:txBody>
       </p:sp>
@@ -8652,14 +11804,50 @@
                             </p:stCondLst>
                             <p:childTnLst>
                               <p:par>
-                                <p:cTn id="5" presetID="53" presetClass="entr" presetSubtype="16" fill="hold" grpId="0" nodeType="clickEffect">
+                                <p:cTn id="5" presetID="6" presetClass="emph" presetSubtype="0" autoRev="1" fill="hold" grpId="0" nodeType="clickEffect">
+                                  <p:stCondLst>
+                                    <p:cond delay="0"/>
+                                  </p:stCondLst>
+                                  <p:childTnLst>
+                                    <p:animScale>
+                                      <p:cBhvr>
+                                        <p:cTn id="6" dur="500" fill="hold"/>
+                                        <p:tgtEl>
+                                          <p:spTgt spid="6"/>
+                                        </p:tgtEl>
+                                      </p:cBhvr>
+                                      <p:by x="150000" y="150000"/>
+                                    </p:animScale>
+                                  </p:childTnLst>
+                                </p:cTn>
+                              </p:par>
+                            </p:childTnLst>
+                          </p:cTn>
+                        </p:par>
+                      </p:childTnLst>
+                    </p:cTn>
+                  </p:par>
+                  <p:par>
+                    <p:cTn id="7" fill="hold">
+                      <p:stCondLst>
+                        <p:cond delay="indefinite"/>
+                      </p:stCondLst>
+                      <p:childTnLst>
+                        <p:par>
+                          <p:cTn id="8" fill="hold">
+                            <p:stCondLst>
+                              <p:cond delay="0"/>
+                            </p:stCondLst>
+                            <p:childTnLst>
+                              <p:par>
+                                <p:cTn id="9" presetID="53" presetClass="entr" presetSubtype="16" fill="hold" grpId="0" nodeType="clickEffect">
                                   <p:stCondLst>
                                     <p:cond delay="0"/>
                                   </p:stCondLst>
                                   <p:childTnLst>
                                     <p:set>
                                       <p:cBhvr>
-                                        <p:cTn id="6" dur="1" fill="hold">
+                                        <p:cTn id="10" dur="1" fill="hold">
                                           <p:stCondLst>
                                             <p:cond delay="0"/>
                                           </p:stCondLst>
@@ -8677,7 +11865,7 @@
                                     </p:set>
                                     <p:anim calcmode="lin" valueType="num">
                                       <p:cBhvr>
-                                        <p:cTn id="7" dur="500" fill="hold"/>
+                                        <p:cTn id="11" dur="500" fill="hold"/>
                                         <p:tgtEl>
                                           <p:spTgt spid="8"/>
                                         </p:tgtEl>
@@ -8700,7 +11888,7 @@
                                     </p:anim>
                                     <p:anim calcmode="lin" valueType="num">
                                       <p:cBhvr>
-                                        <p:cTn id="8" dur="500" fill="hold"/>
+                                        <p:cTn id="12" dur="500" fill="hold"/>
                                         <p:tgtEl>
                                           <p:spTgt spid="8"/>
                                         </p:tgtEl>
@@ -8723,7 +11911,7 @@
                                     </p:anim>
                                     <p:animEffect transition="in" filter="fade">
                                       <p:cBhvr>
-                                        <p:cTn id="9" dur="500"/>
+                                        <p:cTn id="13" dur="500"/>
                                         <p:tgtEl>
                                           <p:spTgt spid="8"/>
                                         </p:tgtEl>
@@ -8739,26 +11927,26 @@
                     </p:cTn>
                   </p:par>
                   <p:par>
-                    <p:cTn id="10" fill="hold">
+                    <p:cTn id="14" fill="hold">
                       <p:stCondLst>
                         <p:cond delay="indefinite"/>
                       </p:stCondLst>
                       <p:childTnLst>
                         <p:par>
-                          <p:cTn id="11" fill="hold">
+                          <p:cTn id="15" fill="hold">
                             <p:stCondLst>
                               <p:cond delay="0"/>
                             </p:stCondLst>
                             <p:childTnLst>
                               <p:par>
-                                <p:cTn id="12" presetID="53" presetClass="entr" presetSubtype="16" fill="hold" grpId="0" nodeType="clickEffect">
+                                <p:cTn id="16" presetID="53" presetClass="entr" presetSubtype="16" fill="hold" grpId="0" nodeType="clickEffect">
                                   <p:stCondLst>
                                     <p:cond delay="0"/>
                                   </p:stCondLst>
                                   <p:childTnLst>
                                     <p:set>
                                       <p:cBhvr>
-                                        <p:cTn id="13" dur="1" fill="hold">
+                                        <p:cTn id="17" dur="1" fill="hold">
                                           <p:stCondLst>
                                             <p:cond delay="0"/>
                                           </p:stCondLst>
@@ -8776,7 +11964,7 @@
                                     </p:set>
                                     <p:anim calcmode="lin" valueType="num">
                                       <p:cBhvr>
-                                        <p:cTn id="14" dur="500" fill="hold"/>
+                                        <p:cTn id="18" dur="500" fill="hold"/>
                                         <p:tgtEl>
                                           <p:spTgt spid="13"/>
                                         </p:tgtEl>
@@ -8799,7 +11987,7 @@
                                     </p:anim>
                                     <p:anim calcmode="lin" valueType="num">
                                       <p:cBhvr>
-                                        <p:cTn id="15" dur="500" fill="hold"/>
+                                        <p:cTn id="19" dur="500" fill="hold"/>
                                         <p:tgtEl>
                                           <p:spTgt spid="13"/>
                                         </p:tgtEl>
@@ -8822,9 +12010,97 @@
                                     </p:anim>
                                     <p:animEffect transition="in" filter="fade">
                                       <p:cBhvr>
-                                        <p:cTn id="16" dur="500"/>
+                                        <p:cTn id="20" dur="500"/>
                                         <p:tgtEl>
                                           <p:spTgt spid="13"/>
+                                        </p:tgtEl>
+                                      </p:cBhvr>
+                                    </p:animEffect>
+                                  </p:childTnLst>
+                                </p:cTn>
+                              </p:par>
+                            </p:childTnLst>
+                          </p:cTn>
+                        </p:par>
+                      </p:childTnLst>
+                    </p:cTn>
+                  </p:par>
+                  <p:par>
+                    <p:cTn id="21" fill="hold">
+                      <p:stCondLst>
+                        <p:cond delay="indefinite"/>
+                      </p:stCondLst>
+                      <p:childTnLst>
+                        <p:par>
+                          <p:cTn id="22" fill="hold">
+                            <p:stCondLst>
+                              <p:cond delay="0"/>
+                            </p:stCondLst>
+                            <p:childTnLst>
+                              <p:par>
+                                <p:cTn id="23" presetID="10" presetClass="entr" presetSubtype="0" fill="hold" nodeType="clickEffect">
+                                  <p:stCondLst>
+                                    <p:cond delay="0"/>
+                                  </p:stCondLst>
+                                  <p:childTnLst>
+                                    <p:set>
+                                      <p:cBhvr>
+                                        <p:cTn id="24" dur="1" fill="hold">
+                                          <p:stCondLst>
+                                            <p:cond delay="0"/>
+                                          </p:stCondLst>
+                                        </p:cTn>
+                                        <p:tgtEl>
+                                          <p:spTgt spid="7"/>
+                                        </p:tgtEl>
+                                        <p:attrNameLst>
+                                          <p:attrName>style.visibility</p:attrName>
+                                        </p:attrNameLst>
+                                      </p:cBhvr>
+                                      <p:to>
+                                        <p:strVal val="visible"/>
+                                      </p:to>
+                                    </p:set>
+                                    <p:animEffect transition="in" filter="fade">
+                                      <p:cBhvr>
+                                        <p:cTn id="25" dur="500"/>
+                                        <p:tgtEl>
+                                          <p:spTgt spid="7"/>
+                                        </p:tgtEl>
+                                      </p:cBhvr>
+                                    </p:animEffect>
+                                  </p:childTnLst>
+                                </p:cTn>
+                              </p:par>
+                              <p:par>
+                                <p:cTn id="26" presetID="10" presetClass="entr" presetSubtype="0" fill="hold" grpId="0" nodeType="withEffect">
+                                  <p:stCondLst>
+                                    <p:cond delay="0"/>
+                                  </p:stCondLst>
+                                  <p:childTnLst>
+                                    <p:set>
+                                      <p:cBhvr>
+                                        <p:cTn id="27" dur="1" fill="hold">
+                                          <p:stCondLst>
+                                            <p:cond delay="0"/>
+                                          </p:stCondLst>
+                                        </p:cTn>
+                                        <p:tgtEl>
+                                          <p:spTgt spid="10"/>
+                                        </p:tgtEl>
+                                        <p:attrNameLst>
+                                          <p:attrName>style.visibility</p:attrName>
+                                        </p:attrNameLst>
+                                      </p:cBhvr>
+                                      <p:to>
+                                        <p:strVal val="visible"/>
+                                      </p:to>
+                                    </p:set>
+                                    <p:animEffect transition="in" filter="fade">
+                                      <p:cBhvr>
+                                        <p:cTn id="28" dur="500"/>
+                                        <p:tgtEl>
+                                          <p:spTgt spid="10"/>
                                         </p:tgtEl>
                                       </p:cBhvr>
                                     </p:animEffect>
@@ -8861,6 +12137,8 @@
     <p:bldLst>
       <p:bldP spid="8" grpId="0" animBg="1"/>
       <p:bldP spid="13" grpId="0" animBg="1"/>
+      <p:bldP spid="10" grpId="0" animBg="1"/>
+      <p:bldP spid="6" grpId="0" animBg="1"/>
     </p:bldLst>
   </p:timing>
 </p:sld>
@@ -9114,7 +12392,15 @@
             <a:pPr lvl="2"/>
             <a:r>
               <a:rPr kumimoji="1" lang="ja-JP" altLang="en-US" sz="2400" dirty="0"/>
-              <a:t>音声ファイルの保存</a:t>
+              <a:t>音声ファイル</a:t>
+            </a:r>
+            <a:r>
+              <a:rPr lang="ja-JP" altLang="en-US" sz="2400" dirty="0"/>
+              <a:t>を</a:t>
+            </a:r>
+            <a:r>
+              <a:rPr kumimoji="1" lang="ja-JP" altLang="en-US" sz="2400" dirty="0"/>
+              <a:t>保存</a:t>
             </a:r>
             <a:endParaRPr lang="en-US" altLang="ja-JP" sz="2400" dirty="0"/>
           </a:p>
@@ -9241,6 +12527,98 @@
       </p:grpSpPr>
       <p:sp>
         <p:nvSpPr>
+          <p:cNvPr id="2" name="テキスト ボックス 1">
+            <a:extLst>
+              <a:ext uri="{FF2B5EF4-FFF2-40B4-BE49-F238E27FC236}">
+                <a16:creationId xmlns:a16="http://schemas.microsoft.com/office/drawing/2014/main" id="{48BB6840-FFA8-4AC8-A5F8-8DEC3A149E9A}"/>
+              </a:ext>
+            </a:extLst>
+          </p:cNvPr>
+          <p:cNvSpPr txBox="1"/>
+          <p:nvPr/>
+        </p:nvSpPr>
+        <p:spPr>
+          <a:xfrm>
+            <a:off x="914400" y="2321004"/>
+            <a:ext cx="12017828" cy="1107996"/>
+          </a:xfrm>
+          <a:prstGeom prst="rect">
+            <a:avLst/>
+          </a:prstGeom>
+          <a:noFill/>
+        </p:spPr>
+        <p:txBody>
+          <a:bodyPr wrap="square" rtlCol="0">
+            <a:spAutoFit/>
+          </a:bodyPr>
+          <a:lstStyle/>
+          <a:p>
+            <a:r>
+              <a:rPr lang="ja-JP" altLang="en-US" sz="6600" b="1" dirty="0">
+                <a:ln>
+                  <a:solidFill>
+                    <a:sysClr val="windowText" lastClr="000000"/>
+                  </a:solidFill>
+                </a:ln>
+                <a:solidFill>
+                  <a:schemeClr val="accent6">
+                    <a:lumMod val="75000"/>
+                  </a:schemeClr>
+                </a:solidFill>
+                <a:latin typeface="HGP明朝E" panose="02020900000000000000" pitchFamily="18" charset="-128"/>
+                <a:ea typeface="HGP明朝E" panose="02020900000000000000" pitchFamily="18" charset="-128"/>
+              </a:rPr>
+              <a:t>ご清聴ありがとうございました</a:t>
+            </a:r>
+            <a:endParaRPr kumimoji="1" lang="ja-JP" altLang="en-US" sz="6600" b="1" dirty="0">
+              <a:ln>
+                <a:solidFill>
+                  <a:sysClr val="windowText" lastClr="000000"/>
+                </a:solidFill>
+              </a:ln>
+              <a:solidFill>
+                <a:schemeClr val="accent6">
+                  <a:lumMod val="75000"/>
+                </a:schemeClr>
+              </a:solidFill>
+              <a:latin typeface="HGP明朝E" panose="02020900000000000000" pitchFamily="18" charset="-128"/>
+              <a:ea typeface="HGP明朝E" panose="02020900000000000000" pitchFamily="18" charset="-128"/>
+            </a:endParaRPr>
+          </a:p>
+        </p:txBody>
+      </p:sp>
+    </p:spTree>
+    <p:extLst>
+      <p:ext uri="{BB962C8B-B14F-4D97-AF65-F5344CB8AC3E}">
+        <p14:creationId xmlns:p14="http://schemas.microsoft.com/office/powerpoint/2010/main" val="3704342000"/>
+      </p:ext>
+    </p:extLst>
+  </p:cSld>
+  <p:clrMapOvr>
+    <a:masterClrMapping/>
+  </p:clrMapOvr>
+</p:sld>
+</file>
+
+<file path=ppt/slides/slide23.xml><?xml version="1.0" encoding="utf-8"?>
+<p:sld xmlns:a="http://schemas.openxmlformats.org/drawingml/2006/main" xmlns:r="http://schemas.openxmlformats.org/officeDocument/2006/relationships" xmlns:p="http://schemas.openxmlformats.org/presentationml/2006/main">
+  <p:cSld>
+    <p:spTree>
+      <p:nvGrpSpPr>
+        <p:cNvPr id="1" name=""/>
+        <p:cNvGrpSpPr/>
+        <p:nvPr/>
+      </p:nvGrpSpPr>
+      <p:grpSpPr>
+        <a:xfrm>
+          <a:off x="0" y="0"/>
+          <a:ext cx="0" cy="0"/>
+          <a:chOff x="0" y="0"/>
+          <a:chExt cx="0" cy="0"/>
+        </a:xfrm>
+      </p:grpSpPr>
+      <p:sp>
+        <p:nvSpPr>
           <p:cNvPr id="2" name="タイトル 1">
             <a:extLst>
               <a:ext uri="{FF2B5EF4-FFF2-40B4-BE49-F238E27FC236}">
@@ -10491,7 +13869,7 @@
           <a:p>
             <a:r>
               <a:rPr lang="ja-JP" altLang="en-US" dirty="0"/>
-              <a:t>マイクから入力された音声をテキストに変換</a:t>
+              <a:t>音声をテキストに変換</a:t>
             </a:r>
             <a:endParaRPr kumimoji="1" lang="en-US" altLang="ja-JP" dirty="0"/>
           </a:p>
@@ -10705,13 +14083,13 @@
           <p:nvPr/>
         </p:nvPicPr>
         <p:blipFill>
-          <a:blip r:embed="rId2">
+          <a:blip r:embed="rId3">
             <a:extLst>
               <a:ext uri="{28A0092B-C50C-407E-A947-70E740481C1C}">
                 <a14:useLocalDpi xmlns:a14="http://schemas.microsoft.com/office/drawing/2010/main" val="0"/>
               </a:ext>
               <a:ext uri="{96DAC541-7B7A-43D3-8B79-37D633B846F1}">
-                <asvg:svgBlip xmlns:asvg="http://schemas.microsoft.com/office/drawing/2016/SVG/main" r:embed="rId3"/>
+                <asvg:svgBlip xmlns:asvg="http://schemas.microsoft.com/office/drawing/2016/SVG/main" r:embed="rId4"/>
               </a:ext>
             </a:extLst>
           </a:blip>
@@ -10758,9 +14136,6 @@
                     <p:cTn id="3" fill="hold">
                       <p:stCondLst>
                         <p:cond delay="indefinite"/>
-                        <p:cond evt="onBegin" delay="0">
-                          <p:tn val="2"/>
-                        </p:cond>
                       </p:stCondLst>
                       <p:childTnLst>
                         <p:par>
@@ -10770,7 +14145,7 @@
                             </p:stCondLst>
                             <p:childTnLst>
                               <p:par>
-                                <p:cTn id="5" presetID="42" presetClass="entr" presetSubtype="0" fill="hold" grpId="0" nodeType="withEffect">
+                                <p:cTn id="5" presetID="14" presetClass="entr" presetSubtype="10" fill="hold" grpId="0" nodeType="clickEffect">
                                   <p:stCondLst>
                                     <p:cond delay="0"/>
                                   </p:stCondLst>
@@ -10793,72 +14168,26 @@
                                         <p:strVal val="visible"/>
                                       </p:to>
                                     </p:set>
-                                    <p:animEffect transition="in" filter="fade">
+                                    <p:animEffect transition="in" filter="randombar(horizontal)">
                                       <p:cBhvr>
-                                        <p:cTn id="7" dur="1000"/>
+                                        <p:cTn id="7" dur="500"/>
                                         <p:tgtEl>
                                           <p:spTgt spid="6"/>
                                         </p:tgtEl>
                                       </p:cBhvr>
                                     </p:animEffect>
-                                    <p:anim calcmode="lin" valueType="num">
-                                      <p:cBhvr>
-                                        <p:cTn id="8" dur="1000" fill="hold"/>
-                                        <p:tgtEl>
-                                          <p:spTgt spid="6"/>
-                                        </p:tgtEl>
-                                        <p:attrNameLst>
-                                          <p:attrName>ppt_x</p:attrName>
-                                        </p:attrNameLst>
-                                      </p:cBhvr>
-                                      <p:tavLst>
-                                        <p:tav tm="0">
-                                          <p:val>
-                                            <p:strVal val="#ppt_x"/>
-                                          </p:val>
-                                        </p:tav>
-                                        <p:tav tm="100000">
-                                          <p:val>
-                                            <p:strVal val="#ppt_x"/>
-                                          </p:val>
-                                        </p:tav>
-                                      </p:tavLst>
-                                    </p:anim>
-                                    <p:anim calcmode="lin" valueType="num">
-                                      <p:cBhvr>
-                                        <p:cTn id="9" dur="1000" fill="hold"/>
-                                        <p:tgtEl>
-                                          <p:spTgt spid="6"/>
-                                        </p:tgtEl>
-                                        <p:attrNameLst>
-                                          <p:attrName>ppt_y</p:attrName>
-                                        </p:attrNameLst>
-                                      </p:cBhvr>
-                                      <p:tavLst>
-                                        <p:tav tm="0">
-                                          <p:val>
-                                            <p:strVal val="#ppt_y+.1"/>
-                                          </p:val>
-                                        </p:tav>
-                                        <p:tav tm="100000">
-                                          <p:val>
-                                            <p:strVal val="#ppt_y"/>
-                                          </p:val>
-                                        </p:tav>
-                                      </p:tavLst>
-                                    </p:anim>
                                   </p:childTnLst>
                                 </p:cTn>
                               </p:par>
                               <p:par>
-                                <p:cTn id="10" presetID="42" presetClass="entr" presetSubtype="0" fill="hold" grpId="0" nodeType="withEffect">
+                                <p:cTn id="8" presetID="14" presetClass="entr" presetSubtype="10" fill="hold" grpId="0" nodeType="withEffect">
                                   <p:stCondLst>
                                     <p:cond delay="0"/>
                                   </p:stCondLst>
                                   <p:childTnLst>
                                     <p:set>
                                       <p:cBhvr>
-                                        <p:cTn id="11" dur="1" fill="hold">
+                                        <p:cTn id="9" dur="1" fill="hold">
                                           <p:stCondLst>
                                             <p:cond delay="0"/>
                                           </p:stCondLst>
@@ -10874,81 +14203,26 @@
                                         <p:strVal val="visible"/>
                                       </p:to>
                                     </p:set>
-                                    <p:animEffect transition="in" filter="fade">
+                                    <p:animEffect transition="in" filter="randombar(horizontal)">
                                       <p:cBhvr>
-                                        <p:cTn id="12" dur="1000"/>
+                                        <p:cTn id="10" dur="500"/>
                                         <p:tgtEl>
                                           <p:spTgt spid="7"/>
                                         </p:tgtEl>
                                       </p:cBhvr>
                                     </p:animEffect>
-                                    <p:anim calcmode="lin" valueType="num">
-                                      <p:cBhvr>
-                                        <p:cTn id="13" dur="1000" fill="hold"/>
-                                        <p:tgtEl>
-                                          <p:spTgt spid="7"/>
-                                        </p:tgtEl>
-                                        <p:attrNameLst>
-                                          <p:attrName>ppt_x</p:attrName>
-                                        </p:attrNameLst>
-                                      </p:cBhvr>
-                                      <p:tavLst>
-                                        <p:tav tm="0">
-                                          <p:val>
-                                            <p:strVal val="#ppt_x"/>
-                                          </p:val>
-                                        </p:tav>
-                                        <p:tav tm="100000">
-                                          <p:val>
-                                            <p:strVal val="#ppt_x"/>
-                                          </p:val>
-                                        </p:tav>
-                                      </p:tavLst>
-                                    </p:anim>
-                                    <p:anim calcmode="lin" valueType="num">
-                                      <p:cBhvr>
-                                        <p:cTn id="14" dur="1000" fill="hold"/>
-                                        <p:tgtEl>
-                                          <p:spTgt spid="7"/>
-                                        </p:tgtEl>
-                                        <p:attrNameLst>
-                                          <p:attrName>ppt_y</p:attrName>
-                                        </p:attrNameLst>
-                                      </p:cBhvr>
-                                      <p:tavLst>
-                                        <p:tav tm="0">
-                                          <p:val>
-                                            <p:strVal val="#ppt_y+.1"/>
-                                          </p:val>
-                                        </p:tav>
-                                        <p:tav tm="100000">
-                                          <p:val>
-                                            <p:strVal val="#ppt_y"/>
-                                          </p:val>
-                                        </p:tav>
-                                      </p:tavLst>
-                                    </p:anim>
                                   </p:childTnLst>
                                 </p:cTn>
                               </p:par>
-                            </p:childTnLst>
-                          </p:cTn>
-                        </p:par>
-                        <p:par>
-                          <p:cTn id="15" fill="hold">
-                            <p:stCondLst>
-                              <p:cond delay="1000"/>
-                            </p:stCondLst>
-                            <p:childTnLst>
                               <p:par>
-                                <p:cTn id="16" presetID="14" presetClass="entr" presetSubtype="10" fill="hold" nodeType="afterEffect">
+                                <p:cTn id="11" presetID="14" presetClass="entr" presetSubtype="10" fill="hold" nodeType="withEffect">
                                   <p:stCondLst>
                                     <p:cond delay="0"/>
                                   </p:stCondLst>
                                   <p:childTnLst>
                                     <p:set>
                                       <p:cBhvr>
-                                        <p:cTn id="17" dur="1" fill="hold">
+                                        <p:cTn id="12" dur="1" fill="hold">
                                           <p:stCondLst>
                                             <p:cond delay="0"/>
                                           </p:stCondLst>
@@ -10966,7 +14240,7 @@
                                     </p:set>
                                     <p:animEffect transition="in" filter="randombar(horizontal)">
                                       <p:cBhvr>
-                                        <p:cTn id="18" dur="500"/>
+                                        <p:cTn id="13" dur="500"/>
                                         <p:tgtEl>
                                           <p:spTgt spid="8"/>
                                         </p:tgtEl>
@@ -11041,7 +14315,7 @@
         </p:nvSpPr>
         <p:spPr>
           <a:xfrm>
-            <a:off x="9508067" y="0"/>
+            <a:off x="9508067" y="14514"/>
             <a:ext cx="2683933" cy="1593908"/>
           </a:xfrm>
           <a:prstGeom prst="rect">
@@ -11093,7 +14367,7 @@
         </p:nvSpPr>
         <p:spPr>
           <a:xfrm>
-            <a:off x="3504262" y="1831471"/>
+            <a:off x="3662681" y="2967657"/>
             <a:ext cx="4331368" cy="628442"/>
           </a:xfrm>
           <a:prstGeom prst="rect">
@@ -11191,7 +14465,7 @@
         </p:nvSpPr>
         <p:spPr>
           <a:xfrm>
-            <a:off x="3510281" y="2776608"/>
+            <a:off x="3656663" y="4085619"/>
             <a:ext cx="4331367" cy="659274"/>
           </a:xfrm>
           <a:prstGeom prst="rect">
@@ -11230,8 +14504,15 @@
                   </a:schemeClr>
                 </a:solidFill>
               </a:rPr>
-              <a:t>サーバからデータを取得</a:t>
-            </a:r>
+              <a:t>音声認識</a:t>
+            </a:r>
+            <a:endParaRPr kumimoji="1" lang="en-US" altLang="ja-JP" b="1" dirty="0">
+              <a:solidFill>
+                <a:schemeClr val="accent6">
+                  <a:lumMod val="50000"/>
+                </a:schemeClr>
+              </a:solidFill>
+            </a:endParaRPr>
           </a:p>
         </p:txBody>
       </p:sp>
@@ -11249,7 +14530,7 @@
         </p:nvSpPr>
         <p:spPr>
           <a:xfrm>
-            <a:off x="3510281" y="3737175"/>
+            <a:off x="3656663" y="5238974"/>
             <a:ext cx="4325349" cy="659274"/>
           </a:xfrm>
           <a:prstGeom prst="rect">
@@ -11281,24 +14562,238 @@
           <a:p>
             <a:pPr algn="ctr"/>
             <a:r>
-              <a:rPr kumimoji="1" lang="ja-JP" altLang="en-US" b="1" dirty="0">
+              <a:rPr lang="ja-JP" altLang="en-US" b="1">
                 <a:solidFill>
                   <a:schemeClr val="accent6">
                     <a:lumMod val="50000"/>
                   </a:schemeClr>
                 </a:solidFill>
               </a:rPr>
-              <a:t>文字データに変換</a:t>
-            </a:r>
-          </a:p>
-        </p:txBody>
-      </p:sp>
-      <p:sp>
-        <p:nvSpPr>
-          <p:cNvPr id="11" name="正方形/長方形 10">
-            <a:extLst>
-              <a:ext uri="{FF2B5EF4-FFF2-40B4-BE49-F238E27FC236}">
-                <a16:creationId xmlns:a16="http://schemas.microsoft.com/office/drawing/2014/main" id="{69A4858F-755D-44A9-8569-3D23BC0DD3B1}"/>
+              <a:t>サーバからデータを取得</a:t>
+            </a:r>
+            <a:endParaRPr lang="ja-JP" altLang="en-US" b="1" dirty="0">
+              <a:solidFill>
+                <a:schemeClr val="accent6">
+                  <a:lumMod val="50000"/>
+                </a:schemeClr>
+              </a:solidFill>
+            </a:endParaRPr>
+          </a:p>
+        </p:txBody>
+      </p:sp>
+      <p:cxnSp>
+        <p:nvCxnSpPr>
+          <p:cNvPr id="13" name="直線矢印コネクタ 12">
+            <a:extLst>
+              <a:ext uri="{FF2B5EF4-FFF2-40B4-BE49-F238E27FC236}">
+                <a16:creationId xmlns:a16="http://schemas.microsoft.com/office/drawing/2014/main" id="{863D539B-DE0C-4589-B512-A43519BB23AD}"/>
+              </a:ext>
+            </a:extLst>
+          </p:cNvPr>
+          <p:cNvCxnSpPr>
+            <a:cxnSpLocks/>
+            <a:stCxn id="8" idx="2"/>
+            <a:endCxn id="9" idx="0"/>
+          </p:cNvCxnSpPr>
+          <p:nvPr/>
+        </p:nvCxnSpPr>
+        <p:spPr>
+          <a:xfrm flipH="1">
+            <a:off x="5822347" y="3596099"/>
+            <a:ext cx="6018" cy="489520"/>
+          </a:xfrm>
+          <a:prstGeom prst="straightConnector1">
+            <a:avLst/>
+          </a:prstGeom>
+          <a:ln w="76200">
+            <a:solidFill>
+              <a:schemeClr val="accent6">
+                <a:lumMod val="75000"/>
+              </a:schemeClr>
+            </a:solidFill>
+            <a:tailEnd type="triangle"/>
+          </a:ln>
+        </p:spPr>
+        <p:style>
+          <a:lnRef idx="1">
+            <a:schemeClr val="accent1"/>
+          </a:lnRef>
+          <a:fillRef idx="0">
+            <a:schemeClr val="accent1"/>
+          </a:fillRef>
+          <a:effectRef idx="0">
+            <a:schemeClr val="accent1"/>
+          </a:effectRef>
+          <a:fontRef idx="minor">
+            <a:schemeClr val="tx1"/>
+          </a:fontRef>
+        </p:style>
+      </p:cxnSp>
+      <p:cxnSp>
+        <p:nvCxnSpPr>
+          <p:cNvPr id="14" name="直線矢印コネクタ 13">
+            <a:extLst>
+              <a:ext uri="{FF2B5EF4-FFF2-40B4-BE49-F238E27FC236}">
+                <a16:creationId xmlns:a16="http://schemas.microsoft.com/office/drawing/2014/main" id="{F815D4FC-9874-4B0B-A573-A6C1A12E0799}"/>
+              </a:ext>
+            </a:extLst>
+          </p:cNvPr>
+          <p:cNvCxnSpPr>
+            <a:cxnSpLocks/>
+            <a:stCxn id="20" idx="2"/>
+            <a:endCxn id="8" idx="0"/>
+          </p:cNvCxnSpPr>
+          <p:nvPr/>
+        </p:nvCxnSpPr>
+        <p:spPr>
+          <a:xfrm>
+            <a:off x="5825356" y="2113107"/>
+            <a:ext cx="3009" cy="854550"/>
+          </a:xfrm>
+          <a:prstGeom prst="straightConnector1">
+            <a:avLst/>
+          </a:prstGeom>
+          <a:ln w="76200">
+            <a:solidFill>
+              <a:schemeClr val="accent6">
+                <a:lumMod val="75000"/>
+              </a:schemeClr>
+            </a:solidFill>
+            <a:tailEnd type="triangle"/>
+          </a:ln>
+        </p:spPr>
+        <p:style>
+          <a:lnRef idx="1">
+            <a:schemeClr val="accent1"/>
+          </a:lnRef>
+          <a:fillRef idx="0">
+            <a:schemeClr val="accent1"/>
+          </a:fillRef>
+          <a:effectRef idx="0">
+            <a:schemeClr val="accent1"/>
+          </a:effectRef>
+          <a:fontRef idx="minor">
+            <a:schemeClr val="tx1"/>
+          </a:fontRef>
+        </p:style>
+      </p:cxnSp>
+      <p:cxnSp>
+        <p:nvCxnSpPr>
+          <p:cNvPr id="15" name="直線矢印コネクタ 14">
+            <a:extLst>
+              <a:ext uri="{FF2B5EF4-FFF2-40B4-BE49-F238E27FC236}">
+                <a16:creationId xmlns:a16="http://schemas.microsoft.com/office/drawing/2014/main" id="{520EC643-11B6-4758-ADD1-92FBBA747172}"/>
+              </a:ext>
+            </a:extLst>
+          </p:cNvPr>
+          <p:cNvCxnSpPr>
+            <a:cxnSpLocks/>
+            <a:stCxn id="9" idx="2"/>
+            <a:endCxn id="10" idx="0"/>
+          </p:cNvCxnSpPr>
+          <p:nvPr/>
+        </p:nvCxnSpPr>
+        <p:spPr>
+          <a:xfrm flipH="1">
+            <a:off x="5819338" y="4744893"/>
+            <a:ext cx="3009" cy="494081"/>
+          </a:xfrm>
+          <a:prstGeom prst="straightConnector1">
+            <a:avLst/>
+          </a:prstGeom>
+          <a:ln w="76200">
+            <a:solidFill>
+              <a:schemeClr val="accent6">
+                <a:lumMod val="75000"/>
+              </a:schemeClr>
+            </a:solidFill>
+            <a:tailEnd type="triangle"/>
+          </a:ln>
+        </p:spPr>
+        <p:style>
+          <a:lnRef idx="1">
+            <a:schemeClr val="accent1"/>
+          </a:lnRef>
+          <a:fillRef idx="0">
+            <a:schemeClr val="accent1"/>
+          </a:fillRef>
+          <a:effectRef idx="0">
+            <a:schemeClr val="accent1"/>
+          </a:effectRef>
+          <a:fontRef idx="minor">
+            <a:schemeClr val="tx1"/>
+          </a:fontRef>
+        </p:style>
+      </p:cxnSp>
+      <p:sp>
+        <p:nvSpPr>
+          <p:cNvPr id="7" name="タイトル 6">
+            <a:extLst>
+              <a:ext uri="{FF2B5EF4-FFF2-40B4-BE49-F238E27FC236}">
+                <a16:creationId xmlns:a16="http://schemas.microsoft.com/office/drawing/2014/main" id="{16236DA4-53A3-44AB-81AD-3B882D2DCE55}"/>
+              </a:ext>
+            </a:extLst>
+          </p:cNvPr>
+          <p:cNvSpPr>
+            <a:spLocks noGrp="1"/>
+          </p:cNvSpPr>
+          <p:nvPr>
+            <p:ph type="title"/>
+          </p:nvPr>
+        </p:nvSpPr>
+        <p:spPr>
+          <a:xfrm>
+            <a:off x="838200" y="359129"/>
+            <a:ext cx="10515600" cy="1325563"/>
+          </a:xfrm>
+        </p:spPr>
+        <p:txBody>
+          <a:bodyPr/>
+          <a:lstStyle/>
+          <a:p>
+            <a:r>
+              <a:rPr lang="en-US" altLang="ja-JP" dirty="0">
+                <a:ln>
+                  <a:solidFill>
+                    <a:schemeClr val="tx1"/>
+                  </a:solidFill>
+                </a:ln>
+                <a:solidFill>
+                  <a:schemeClr val="accent6">
+                    <a:lumMod val="75000"/>
+                  </a:schemeClr>
+                </a:solidFill>
+                <a:latin typeface="HGP明朝E" panose="02020900000000000000" pitchFamily="18" charset="-128"/>
+                <a:ea typeface="HGP明朝E" panose="02020900000000000000" pitchFamily="18" charset="-128"/>
+              </a:rPr>
+              <a:t>Python</a:t>
+            </a:r>
+            <a:r>
+              <a:rPr lang="ja-JP" altLang="en-US" dirty="0">
+                <a:ln>
+                  <a:solidFill>
+                    <a:schemeClr val="tx1"/>
+                  </a:solidFill>
+                </a:ln>
+                <a:solidFill>
+                  <a:schemeClr val="accent6">
+                    <a:lumMod val="75000"/>
+                  </a:schemeClr>
+                </a:solidFill>
+                <a:latin typeface="HGP明朝E" panose="02020900000000000000" pitchFamily="18" charset="-128"/>
+                <a:ea typeface="HGP明朝E" panose="02020900000000000000" pitchFamily="18" charset="-128"/>
+              </a:rPr>
+              <a:t>との連携</a:t>
+            </a:r>
+          </a:p>
+        </p:txBody>
+      </p:sp>
+      <p:sp>
+        <p:nvSpPr>
+          <p:cNvPr id="20" name="正方形/長方形 19">
+            <a:extLst>
+              <a:ext uri="{FF2B5EF4-FFF2-40B4-BE49-F238E27FC236}">
+                <a16:creationId xmlns:a16="http://schemas.microsoft.com/office/drawing/2014/main" id="{FB8B81E6-7CF0-4CD1-9227-7CCB13E84C75}"/>
               </a:ext>
             </a:extLst>
           </p:cNvPr>
@@ -11307,8 +14802,8 @@
         </p:nvSpPr>
         <p:spPr>
           <a:xfrm>
-            <a:off x="3516300" y="4697742"/>
-            <a:ext cx="4325348" cy="658449"/>
+            <a:off x="3662681" y="1453833"/>
+            <a:ext cx="4325349" cy="659274"/>
           </a:xfrm>
           <a:prstGeom prst="rect">
             <a:avLst/>
@@ -11346,7 +14841,7 @@
                   </a:schemeClr>
                 </a:solidFill>
               </a:rPr>
-              <a:t>AI</a:t>
+              <a:t>Julius</a:t>
             </a:r>
             <a:r>
               <a:rPr kumimoji="1" lang="ja-JP" altLang="en-US" b="1" dirty="0">
@@ -11356,37 +14851,17 @@
                   </a:schemeClr>
                 </a:solidFill>
               </a:rPr>
-              <a:t>（</a:t>
-            </a:r>
-            <a:r>
-              <a:rPr kumimoji="1" lang="en-US" altLang="ja-JP" b="1" dirty="0">
-                <a:solidFill>
-                  <a:schemeClr val="accent6">
-                    <a:lumMod val="50000"/>
-                  </a:schemeClr>
-                </a:solidFill>
-              </a:rPr>
-              <a:t>if</a:t>
-            </a:r>
-            <a:r>
-              <a:rPr kumimoji="1" lang="ja-JP" altLang="en-US" b="1" dirty="0">
-                <a:solidFill>
-                  <a:schemeClr val="accent6">
-                    <a:lumMod val="50000"/>
-                  </a:schemeClr>
-                </a:solidFill>
-              </a:rPr>
-              <a:t>文）で分類</a:t>
-            </a:r>
-          </a:p>
-        </p:txBody>
-      </p:sp>
-      <p:sp>
-        <p:nvSpPr>
-          <p:cNvPr id="12" name="正方形/長方形 11">
-            <a:extLst>
-              <a:ext uri="{FF2B5EF4-FFF2-40B4-BE49-F238E27FC236}">
-                <a16:creationId xmlns:a16="http://schemas.microsoft.com/office/drawing/2014/main" id="{144A6A93-CCFC-4DA4-A5EB-31A5F271A55C}"/>
+              <a:t>サーバを起動</a:t>
+            </a:r>
+          </a:p>
+        </p:txBody>
+      </p:sp>
+      <p:sp>
+        <p:nvSpPr>
+          <p:cNvPr id="30" name="正方形/長方形 29">
+            <a:extLst>
+              <a:ext uri="{FF2B5EF4-FFF2-40B4-BE49-F238E27FC236}">
+                <a16:creationId xmlns:a16="http://schemas.microsoft.com/office/drawing/2014/main" id="{6E1CA5D4-A51E-457C-BE26-313D0CEFB033}"/>
               </a:ext>
             </a:extLst>
           </p:cNvPr>
@@ -11395,15 +14870,20 @@
         </p:nvSpPr>
         <p:spPr>
           <a:xfrm>
-            <a:off x="3516298" y="5657484"/>
-            <a:ext cx="4337384" cy="658449"/>
+            <a:off x="3254644" y="2650211"/>
+            <a:ext cx="5129939" cy="3431276"/>
           </a:xfrm>
           <a:prstGeom prst="rect">
             <a:avLst/>
           </a:prstGeom>
-          <a:solidFill>
-            <a:schemeClr val="bg1"/>
-          </a:solidFill>
+          <a:noFill/>
+          <a:ln w="76200">
+            <a:solidFill>
+              <a:schemeClr val="accent6">
+                <a:lumMod val="50000"/>
+              </a:schemeClr>
+            </a:solidFill>
+          </a:ln>
         </p:spPr>
         <p:style>
           <a:lnRef idx="2">
@@ -11426,510 +14906,53 @@
           <a:lstStyle/>
           <a:p>
             <a:pPr algn="ctr"/>
-            <a:r>
-              <a:rPr lang="ja-JP" altLang="en-US" b="1" dirty="0">
-                <a:solidFill>
-                  <a:schemeClr val="accent6">
-                    <a:lumMod val="50000"/>
-                  </a:schemeClr>
-                </a:solidFill>
-              </a:rPr>
-              <a:t>取得したデータを音声</a:t>
-            </a:r>
-            <a:r>
-              <a:rPr kumimoji="1" lang="ja-JP" altLang="en-US" b="1" dirty="0">
-                <a:solidFill>
-                  <a:schemeClr val="accent6">
-                    <a:lumMod val="50000"/>
-                  </a:schemeClr>
-                </a:solidFill>
-              </a:rPr>
-              <a:t>出力</a:t>
-            </a:r>
-          </a:p>
-        </p:txBody>
-      </p:sp>
-      <p:cxnSp>
-        <p:nvCxnSpPr>
-          <p:cNvPr id="13" name="直線矢印コネクタ 12">
-            <a:extLst>
-              <a:ext uri="{FF2B5EF4-FFF2-40B4-BE49-F238E27FC236}">
-                <a16:creationId xmlns:a16="http://schemas.microsoft.com/office/drawing/2014/main" id="{863D539B-DE0C-4589-B512-A43519BB23AD}"/>
-              </a:ext>
-            </a:extLst>
-          </p:cNvPr>
-          <p:cNvCxnSpPr>
-            <a:cxnSpLocks/>
-            <a:endCxn id="9" idx="0"/>
-          </p:cNvCxnSpPr>
+            <a:endParaRPr kumimoji="1" lang="ja-JP" altLang="en-US"/>
+          </a:p>
+        </p:txBody>
+      </p:sp>
+      <p:sp>
+        <p:nvSpPr>
+          <p:cNvPr id="31" name="テキスト ボックス 30">
+            <a:extLst>
+              <a:ext uri="{FF2B5EF4-FFF2-40B4-BE49-F238E27FC236}">
+                <a16:creationId xmlns:a16="http://schemas.microsoft.com/office/drawing/2014/main" id="{CBFCCCBF-CED3-422B-A79A-D3076B600230}"/>
+              </a:ext>
+            </a:extLst>
+          </p:cNvPr>
+          <p:cNvSpPr txBox="1"/>
           <p:nvPr/>
-        </p:nvCxnSpPr>
+        </p:nvSpPr>
         <p:spPr>
           <a:xfrm>
-            <a:off x="5675965" y="2475316"/>
-            <a:ext cx="0" cy="301292"/>
+            <a:off x="3653654" y="2452914"/>
+            <a:ext cx="1391299" cy="369332"/>
           </a:xfrm>
-          <a:prstGeom prst="straightConnector1">
+          <a:prstGeom prst="rect">
             <a:avLst/>
           </a:prstGeom>
-          <a:ln w="76200">
-            <a:solidFill>
-              <a:schemeClr val="accent6">
-                <a:lumMod val="75000"/>
-              </a:schemeClr>
-            </a:solidFill>
-            <a:tailEnd type="triangle"/>
-          </a:ln>
-        </p:spPr>
-        <p:style>
-          <a:lnRef idx="1">
-            <a:schemeClr val="accent1"/>
-          </a:lnRef>
-          <a:fillRef idx="0">
-            <a:schemeClr val="accent1"/>
-          </a:fillRef>
-          <a:effectRef idx="0">
-            <a:schemeClr val="accent1"/>
-          </a:effectRef>
-          <a:fontRef idx="minor">
-            <a:schemeClr val="tx1"/>
-          </a:fontRef>
-        </p:style>
-      </p:cxnSp>
-      <p:cxnSp>
-        <p:nvCxnSpPr>
-          <p:cNvPr id="14" name="直線矢印コネクタ 13">
-            <a:extLst>
-              <a:ext uri="{FF2B5EF4-FFF2-40B4-BE49-F238E27FC236}">
-                <a16:creationId xmlns:a16="http://schemas.microsoft.com/office/drawing/2014/main" id="{F815D4FC-9874-4B0B-A573-A6C1A12E0799}"/>
-              </a:ext>
-            </a:extLst>
-          </p:cNvPr>
-          <p:cNvCxnSpPr>
-            <a:cxnSpLocks/>
-            <a:stCxn id="9" idx="2"/>
-            <a:endCxn id="10" idx="0"/>
-          </p:cNvCxnSpPr>
-          <p:nvPr/>
-        </p:nvCxnSpPr>
-        <p:spPr>
-          <a:xfrm flipH="1">
-            <a:off x="5672956" y="3435882"/>
-            <a:ext cx="3009" cy="301293"/>
-          </a:xfrm>
-          <a:prstGeom prst="straightConnector1">
-            <a:avLst/>
-          </a:prstGeom>
-          <a:ln w="76200">
-            <a:solidFill>
-              <a:schemeClr val="accent6">
-                <a:lumMod val="75000"/>
-              </a:schemeClr>
-            </a:solidFill>
-            <a:tailEnd type="triangle"/>
-          </a:ln>
-        </p:spPr>
-        <p:style>
-          <a:lnRef idx="1">
-            <a:schemeClr val="accent1"/>
-          </a:lnRef>
-          <a:fillRef idx="0">
-            <a:schemeClr val="accent1"/>
-          </a:fillRef>
-          <a:effectRef idx="0">
-            <a:schemeClr val="accent1"/>
-          </a:effectRef>
-          <a:fontRef idx="minor">
-            <a:schemeClr val="tx1"/>
-          </a:fontRef>
-        </p:style>
-      </p:cxnSp>
-      <p:cxnSp>
-        <p:nvCxnSpPr>
-          <p:cNvPr id="15" name="直線矢印コネクタ 14">
-            <a:extLst>
-              <a:ext uri="{FF2B5EF4-FFF2-40B4-BE49-F238E27FC236}">
-                <a16:creationId xmlns:a16="http://schemas.microsoft.com/office/drawing/2014/main" id="{520EC643-11B6-4758-ADD1-92FBBA747172}"/>
-              </a:ext>
-            </a:extLst>
-          </p:cNvPr>
-          <p:cNvCxnSpPr>
-            <a:cxnSpLocks/>
-            <a:stCxn id="10" idx="2"/>
-            <a:endCxn id="11" idx="0"/>
-          </p:cNvCxnSpPr>
-          <p:nvPr/>
-        </p:nvCxnSpPr>
-        <p:spPr>
-          <a:xfrm>
-            <a:off x="5672956" y="4396449"/>
-            <a:ext cx="6018" cy="301293"/>
-          </a:xfrm>
-          <a:prstGeom prst="straightConnector1">
-            <a:avLst/>
-          </a:prstGeom>
-          <a:ln w="76200">
-            <a:solidFill>
-              <a:schemeClr val="accent6">
-                <a:lumMod val="75000"/>
-              </a:schemeClr>
-            </a:solidFill>
-            <a:tailEnd type="triangle"/>
-          </a:ln>
-        </p:spPr>
-        <p:style>
-          <a:lnRef idx="1">
-            <a:schemeClr val="accent1"/>
-          </a:lnRef>
-          <a:fillRef idx="0">
-            <a:schemeClr val="accent1"/>
-          </a:fillRef>
-          <a:effectRef idx="0">
-            <a:schemeClr val="accent1"/>
-          </a:effectRef>
-          <a:fontRef idx="minor">
-            <a:schemeClr val="tx1"/>
-          </a:fontRef>
-        </p:style>
-      </p:cxnSp>
-      <p:cxnSp>
-        <p:nvCxnSpPr>
-          <p:cNvPr id="16" name="直線矢印コネクタ 15">
-            <a:extLst>
-              <a:ext uri="{FF2B5EF4-FFF2-40B4-BE49-F238E27FC236}">
-                <a16:creationId xmlns:a16="http://schemas.microsoft.com/office/drawing/2014/main" id="{AAACB86E-20AA-4229-BB74-552C265C2ED3}"/>
-              </a:ext>
-            </a:extLst>
-          </p:cNvPr>
-          <p:cNvCxnSpPr>
-            <a:cxnSpLocks/>
-            <a:stCxn id="11" idx="2"/>
-            <a:endCxn id="12" idx="0"/>
-          </p:cNvCxnSpPr>
-          <p:nvPr/>
-        </p:nvCxnSpPr>
-        <p:spPr>
-          <a:xfrm>
-            <a:off x="5678974" y="5356191"/>
-            <a:ext cx="6016" cy="301293"/>
-          </a:xfrm>
-          <a:prstGeom prst="straightConnector1">
-            <a:avLst/>
-          </a:prstGeom>
-          <a:ln w="76200">
-            <a:solidFill>
-              <a:schemeClr val="accent6">
-                <a:lumMod val="75000"/>
-              </a:schemeClr>
-            </a:solidFill>
-            <a:tailEnd type="triangle"/>
-          </a:ln>
-        </p:spPr>
-        <p:style>
-          <a:lnRef idx="1">
-            <a:schemeClr val="accent1"/>
-          </a:lnRef>
-          <a:fillRef idx="0">
-            <a:schemeClr val="accent1"/>
-          </a:fillRef>
-          <a:effectRef idx="0">
-            <a:schemeClr val="accent1"/>
-          </a:effectRef>
-          <a:fontRef idx="minor">
-            <a:schemeClr val="tx1"/>
-          </a:fontRef>
-        </p:style>
-      </p:cxnSp>
-      <p:sp>
-        <p:nvSpPr>
-          <p:cNvPr id="17" name="吹き出し: 円形 16">
-            <a:extLst>
-              <a:ext uri="{FF2B5EF4-FFF2-40B4-BE49-F238E27FC236}">
-                <a16:creationId xmlns:a16="http://schemas.microsoft.com/office/drawing/2014/main" id="{A36D4C91-E8D7-4C0C-9CE1-229342495F3F}"/>
-              </a:ext>
-            </a:extLst>
-          </p:cNvPr>
-          <p:cNvSpPr/>
-          <p:nvPr/>
-        </p:nvSpPr>
-        <p:spPr>
-          <a:xfrm>
-            <a:off x="7349363" y="4293421"/>
-            <a:ext cx="2459859" cy="1179095"/>
-          </a:xfrm>
-          <a:prstGeom prst="wedgeEllipseCallout">
-            <a:avLst>
-              <a:gd name="adj1" fmla="val -78783"/>
-              <a:gd name="adj2" fmla="val 25582"/>
-            </a:avLst>
-          </a:prstGeom>
           <a:solidFill>
-            <a:schemeClr val="accent6">
-              <a:lumMod val="60000"/>
-              <a:lumOff val="40000"/>
-            </a:schemeClr>
+            <a:schemeClr val="bg1"/>
           </a:solidFill>
-        </p:spPr>
-        <p:style>
-          <a:lnRef idx="2">
-            <a:schemeClr val="accent1">
-              <a:shade val="50000"/>
-            </a:schemeClr>
-          </a:lnRef>
-          <a:fillRef idx="1">
-            <a:schemeClr val="accent1"/>
-          </a:fillRef>
-          <a:effectRef idx="0">
-            <a:schemeClr val="accent1"/>
-          </a:effectRef>
-          <a:fontRef idx="minor">
-            <a:schemeClr val="lt1"/>
-          </a:fontRef>
-        </p:style>
-        <p:txBody>
-          <a:bodyPr rtlCol="0" anchor="ctr"/>
-          <a:lstStyle/>
-          <a:p>
-            <a:pPr algn="ctr"/>
-            <a:r>
-              <a:rPr kumimoji="1" lang="en-US" altLang="ja-JP" b="1" dirty="0">
-                <a:solidFill>
-                  <a:schemeClr val="accent6">
-                    <a:lumMod val="50000"/>
-                  </a:schemeClr>
-                </a:solidFill>
-              </a:rPr>
-              <a:t>fastText</a:t>
-            </a:r>
-            <a:endParaRPr kumimoji="1" lang="ja-JP" altLang="en-US" b="1" dirty="0">
-              <a:solidFill>
-                <a:schemeClr val="accent6">
-                  <a:lumMod val="50000"/>
-                </a:schemeClr>
-              </a:solidFill>
-            </a:endParaRPr>
-          </a:p>
-        </p:txBody>
-      </p:sp>
-      <p:sp>
-        <p:nvSpPr>
-          <p:cNvPr id="18" name="吹き出し: 円形 17">
-            <a:extLst>
-              <a:ext uri="{FF2B5EF4-FFF2-40B4-BE49-F238E27FC236}">
-                <a16:creationId xmlns:a16="http://schemas.microsoft.com/office/drawing/2014/main" id="{F2A506E8-AC30-4356-81C3-BFBBB9953680}"/>
-              </a:ext>
-            </a:extLst>
-          </p:cNvPr>
-          <p:cNvSpPr/>
-          <p:nvPr/>
-        </p:nvSpPr>
-        <p:spPr>
-          <a:xfrm>
-            <a:off x="7349363" y="5526745"/>
-            <a:ext cx="2552276" cy="1219624"/>
-          </a:xfrm>
-          <a:prstGeom prst="wedgeEllipseCallout">
-            <a:avLst>
-              <a:gd name="adj1" fmla="val -78009"/>
-              <a:gd name="adj2" fmla="val 6002"/>
-            </a:avLst>
-          </a:prstGeom>
-          <a:solidFill>
-            <a:schemeClr val="accent6">
-              <a:lumMod val="60000"/>
-              <a:lumOff val="40000"/>
-            </a:schemeClr>
-          </a:solidFill>
-        </p:spPr>
-        <p:style>
-          <a:lnRef idx="2">
-            <a:schemeClr val="accent1">
-              <a:shade val="50000"/>
-            </a:schemeClr>
-          </a:lnRef>
-          <a:fillRef idx="1">
-            <a:schemeClr val="accent1"/>
-          </a:fillRef>
-          <a:effectRef idx="0">
-            <a:schemeClr val="accent1"/>
-          </a:effectRef>
-          <a:fontRef idx="minor">
-            <a:schemeClr val="lt1"/>
-          </a:fontRef>
-        </p:style>
-        <p:txBody>
-          <a:bodyPr rtlCol="0" anchor="ctr"/>
-          <a:lstStyle/>
-          <a:p>
-            <a:pPr algn="ctr"/>
-            <a:r>
-              <a:rPr lang="ja-JP" altLang="en-US" b="1" dirty="0">
-                <a:solidFill>
-                  <a:schemeClr val="accent6">
-                    <a:lumMod val="50000"/>
-                  </a:schemeClr>
-                </a:solidFill>
-              </a:rPr>
-              <a:t>スクレイピング</a:t>
-            </a:r>
-            <a:endParaRPr lang="en-US" altLang="ja-JP" b="1" dirty="0">
-              <a:solidFill>
-                <a:schemeClr val="accent6">
-                  <a:lumMod val="50000"/>
-                </a:schemeClr>
-              </a:solidFill>
-            </a:endParaRPr>
-          </a:p>
-          <a:p>
-            <a:pPr algn="ctr"/>
-            <a:r>
-              <a:rPr kumimoji="1" lang="en-US" altLang="ja-JP" b="1" dirty="0">
-                <a:solidFill>
-                  <a:schemeClr val="accent6">
-                    <a:lumMod val="50000"/>
-                  </a:schemeClr>
-                </a:solidFill>
-              </a:rPr>
-              <a:t>OpenJTalk</a:t>
-            </a:r>
-            <a:endParaRPr kumimoji="1" lang="ja-JP" altLang="en-US" b="1" dirty="0">
-              <a:solidFill>
-                <a:schemeClr val="accent6">
-                  <a:lumMod val="50000"/>
-                </a:schemeClr>
-              </a:solidFill>
-            </a:endParaRPr>
-          </a:p>
-        </p:txBody>
-      </p:sp>
-      <p:cxnSp>
-        <p:nvCxnSpPr>
-          <p:cNvPr id="19" name="コネクタ: 曲線 18">
-            <a:extLst>
-              <a:ext uri="{FF2B5EF4-FFF2-40B4-BE49-F238E27FC236}">
-                <a16:creationId xmlns:a16="http://schemas.microsoft.com/office/drawing/2014/main" id="{09DDA7DB-CE31-4D86-82D2-D004E5343B9D}"/>
-              </a:ext>
-            </a:extLst>
-          </p:cNvPr>
-          <p:cNvCxnSpPr>
-            <a:cxnSpLocks/>
-            <a:stCxn id="12" idx="1"/>
-            <a:endCxn id="9" idx="1"/>
-          </p:cNvCxnSpPr>
-          <p:nvPr/>
-        </p:nvCxnSpPr>
-        <p:spPr>
-          <a:xfrm rot="10800000">
-            <a:off x="3510282" y="3106245"/>
-            <a:ext cx="6017" cy="2880464"/>
-          </a:xfrm>
-          <a:prstGeom prst="curvedConnector3">
-            <a:avLst>
-              <a:gd name="adj1" fmla="val 26774639"/>
-            </a:avLst>
-          </a:prstGeom>
-          <a:ln w="76200">
+          <a:ln w="57150">
             <a:solidFill>
               <a:schemeClr val="accent6">
                 <a:lumMod val="50000"/>
               </a:schemeClr>
             </a:solidFill>
-            <a:tailEnd type="triangle"/>
           </a:ln>
         </p:spPr>
-        <p:style>
-          <a:lnRef idx="1">
-            <a:schemeClr val="accent1"/>
-          </a:lnRef>
-          <a:fillRef idx="0">
-            <a:schemeClr val="accent1"/>
-          </a:fillRef>
-          <a:effectRef idx="0">
-            <a:schemeClr val="accent1"/>
-          </a:effectRef>
-          <a:fontRef idx="minor">
-            <a:schemeClr val="tx1"/>
-          </a:fontRef>
-        </p:style>
-      </p:cxnSp>
-      <p:sp>
-        <p:nvSpPr>
-          <p:cNvPr id="4" name="正方形/長方形 3">
-            <a:extLst>
-              <a:ext uri="{FF2B5EF4-FFF2-40B4-BE49-F238E27FC236}">
-                <a16:creationId xmlns:a16="http://schemas.microsoft.com/office/drawing/2014/main" id="{D2C1BF43-3F13-4942-95D6-7E86BB340B89}"/>
-              </a:ext>
-            </a:extLst>
-          </p:cNvPr>
-          <p:cNvSpPr/>
-          <p:nvPr/>
-        </p:nvSpPr>
-        <p:spPr>
-          <a:xfrm>
-            <a:off x="3432835" y="1481987"/>
-            <a:ext cx="2148345" cy="369332"/>
-          </a:xfrm>
-          <a:prstGeom prst="rect">
-            <a:avLst/>
-          </a:prstGeom>
-        </p:spPr>
-        <p:txBody>
-          <a:bodyPr wrap="none">
+        <p:txBody>
+          <a:bodyPr wrap="square" rtlCol="0">
             <a:spAutoFit/>
           </a:bodyPr>
           <a:lstStyle/>
           <a:p>
-            <a:r>
-              <a:rPr lang="en-US" altLang="ja-JP" b="1" dirty="0"/>
-              <a:t>julius_python2.py</a:t>
-            </a:r>
-            <a:endParaRPr lang="ja-JP" altLang="en-US" b="1" dirty="0"/>
-          </a:p>
-        </p:txBody>
-      </p:sp>
-      <p:sp>
-        <p:nvSpPr>
-          <p:cNvPr id="7" name="タイトル 6">
-            <a:extLst>
-              <a:ext uri="{FF2B5EF4-FFF2-40B4-BE49-F238E27FC236}">
-                <a16:creationId xmlns:a16="http://schemas.microsoft.com/office/drawing/2014/main" id="{16236DA4-53A3-44AB-81AD-3B882D2DCE55}"/>
-              </a:ext>
-            </a:extLst>
-          </p:cNvPr>
-          <p:cNvSpPr>
-            <a:spLocks noGrp="1"/>
-          </p:cNvSpPr>
-          <p:nvPr>
-            <p:ph type="title"/>
-          </p:nvPr>
-        </p:nvSpPr>
-        <p:spPr>
-          <a:xfrm>
-            <a:off x="838200" y="359129"/>
-            <a:ext cx="10515600" cy="1325563"/>
-          </a:xfrm>
-        </p:spPr>
-        <p:txBody>
-          <a:bodyPr/>
-          <a:lstStyle/>
-          <a:p>
-            <a:r>
-              <a:rPr lang="ja-JP" altLang="en-US" dirty="0">
-                <a:ln>
-                  <a:solidFill>
-                    <a:schemeClr val="tx1"/>
-                  </a:solidFill>
-                </a:ln>
-                <a:solidFill>
-                  <a:schemeClr val="accent6">
-                    <a:lumMod val="75000"/>
-                  </a:schemeClr>
-                </a:solidFill>
-                <a:latin typeface="HGP明朝E" panose="02020900000000000000" pitchFamily="18" charset="-128"/>
-                <a:ea typeface="HGP明朝E" panose="02020900000000000000" pitchFamily="18" charset="-128"/>
-              </a:rPr>
-              <a:t>プログラムの構造</a:t>
-            </a:r>
+            <a:pPr algn="ctr"/>
+            <a:r>
+              <a:rPr kumimoji="1" lang="en-US" altLang="ja-JP" b="1" dirty="0"/>
+              <a:t>Python</a:t>
+            </a:r>
+            <a:endParaRPr kumimoji="1" lang="ja-JP" altLang="en-US" b="1" dirty="0"/>
           </a:p>
         </p:txBody>
       </p:sp>
@@ -12266,6 +15289,58 @@
           <a:p>
             <a:pPr algn="ctr"/>
             <a:endParaRPr kumimoji="1" lang="ja-JP" altLang="en-US"/>
+          </a:p>
+        </p:txBody>
+      </p:sp>
+      <p:sp>
+        <p:nvSpPr>
+          <p:cNvPr id="10" name="正方形/長方形 9">
+            <a:extLst>
+              <a:ext uri="{FF2B5EF4-FFF2-40B4-BE49-F238E27FC236}">
+                <a16:creationId xmlns:a16="http://schemas.microsoft.com/office/drawing/2014/main" id="{4889672C-71AC-4070-BB56-89AD189BCC55}"/>
+              </a:ext>
+            </a:extLst>
+          </p:cNvPr>
+          <p:cNvSpPr/>
+          <p:nvPr/>
+        </p:nvSpPr>
+        <p:spPr>
+          <a:xfrm>
+            <a:off x="9508067" y="14514"/>
+            <a:ext cx="2683933" cy="1593908"/>
+          </a:xfrm>
+          <a:prstGeom prst="rect">
+            <a:avLst/>
+          </a:prstGeom>
+          <a:solidFill>
+            <a:schemeClr val="accent6">
+              <a:lumMod val="60000"/>
+              <a:lumOff val="40000"/>
+            </a:schemeClr>
+          </a:solidFill>
+        </p:spPr>
+        <p:style>
+          <a:lnRef idx="2">
+            <a:schemeClr val="accent1">
+              <a:shade val="50000"/>
+            </a:schemeClr>
+          </a:lnRef>
+          <a:fillRef idx="1">
+            <a:schemeClr val="accent1"/>
+          </a:fillRef>
+          <a:effectRef idx="0">
+            <a:schemeClr val="accent1"/>
+          </a:effectRef>
+          <a:fontRef idx="minor">
+            <a:schemeClr val="lt1"/>
+          </a:fontRef>
+        </p:style>
+        <p:txBody>
+          <a:bodyPr rtlCol="0" anchor="ctr"/>
+          <a:lstStyle/>
+          <a:p>
+            <a:pPr algn="ctr"/>
+            <a:endParaRPr kumimoji="1" lang="ja-JP" altLang="en-US" dirty="0"/>
           </a:p>
         </p:txBody>
       </p:sp>
@@ -12597,6 +15672,58 @@
           </a:p>
         </p:txBody>
       </p:sp>
+      <p:sp>
+        <p:nvSpPr>
+          <p:cNvPr id="5" name="正方形/長方形 4">
+            <a:extLst>
+              <a:ext uri="{FF2B5EF4-FFF2-40B4-BE49-F238E27FC236}">
+                <a16:creationId xmlns:a16="http://schemas.microsoft.com/office/drawing/2014/main" id="{6D42261B-73AC-48CC-9CAB-59710F0D59CF}"/>
+              </a:ext>
+            </a:extLst>
+          </p:cNvPr>
+          <p:cNvSpPr/>
+          <p:nvPr/>
+        </p:nvSpPr>
+        <p:spPr>
+          <a:xfrm>
+            <a:off x="9508067" y="0"/>
+            <a:ext cx="2683933" cy="1593908"/>
+          </a:xfrm>
+          <a:prstGeom prst="rect">
+            <a:avLst/>
+          </a:prstGeom>
+          <a:solidFill>
+            <a:schemeClr val="accent6">
+              <a:lumMod val="60000"/>
+              <a:lumOff val="40000"/>
+            </a:schemeClr>
+          </a:solidFill>
+        </p:spPr>
+        <p:style>
+          <a:lnRef idx="2">
+            <a:schemeClr val="accent1">
+              <a:shade val="50000"/>
+            </a:schemeClr>
+          </a:lnRef>
+          <a:fillRef idx="1">
+            <a:schemeClr val="accent1"/>
+          </a:fillRef>
+          <a:effectRef idx="0">
+            <a:schemeClr val="accent1"/>
+          </a:effectRef>
+          <a:fontRef idx="minor">
+            <a:schemeClr val="lt1"/>
+          </a:fontRef>
+        </p:style>
+        <p:txBody>
+          <a:bodyPr rtlCol="0" anchor="ctr"/>
+          <a:lstStyle/>
+          <a:p>
+            <a:pPr algn="ctr"/>
+            <a:endParaRPr kumimoji="1" lang="ja-JP" altLang="en-US"/>
+          </a:p>
+        </p:txBody>
+      </p:sp>
     </p:spTree>
     <p:extLst>
       <p:ext uri="{BB962C8B-B14F-4D97-AF65-F5344CB8AC3E}">
@@ -12654,7 +15781,7 @@
           <p:nvPr/>
         </p:nvPicPr>
         <p:blipFill>
-          <a:blip r:embed="rId2">
+          <a:blip r:embed="rId3">
             <a:extLst>
               <a:ext uri="{28A0092B-C50C-407E-A947-70E740481C1C}">
                 <a14:useLocalDpi xmlns:a14="http://schemas.microsoft.com/office/drawing/2010/main" val="0"/>
@@ -12888,6 +16015,58 @@
               <a:latin typeface="HGP明朝E" panose="02020900000000000000" pitchFamily="18" charset="-128"/>
               <a:ea typeface="HGP明朝E" panose="02020900000000000000" pitchFamily="18" charset="-128"/>
             </a:endParaRPr>
+          </a:p>
+        </p:txBody>
+      </p:sp>
+      <p:sp>
+        <p:nvSpPr>
+          <p:cNvPr id="9" name="正方形/長方形 8">
+            <a:extLst>
+              <a:ext uri="{FF2B5EF4-FFF2-40B4-BE49-F238E27FC236}">
+                <a16:creationId xmlns:a16="http://schemas.microsoft.com/office/drawing/2014/main" id="{DD36A7C0-6436-4C45-B426-791D180D7E7D}"/>
+              </a:ext>
+            </a:extLst>
+          </p:cNvPr>
+          <p:cNvSpPr/>
+          <p:nvPr/>
+        </p:nvSpPr>
+        <p:spPr>
+          <a:xfrm>
+            <a:off x="9508067" y="0"/>
+            <a:ext cx="2683933" cy="1593908"/>
+          </a:xfrm>
+          <a:prstGeom prst="rect">
+            <a:avLst/>
+          </a:prstGeom>
+          <a:solidFill>
+            <a:schemeClr val="accent6">
+              <a:lumMod val="60000"/>
+              <a:lumOff val="40000"/>
+            </a:schemeClr>
+          </a:solidFill>
+        </p:spPr>
+        <p:style>
+          <a:lnRef idx="2">
+            <a:schemeClr val="accent1">
+              <a:shade val="50000"/>
+            </a:schemeClr>
+          </a:lnRef>
+          <a:fillRef idx="1">
+            <a:schemeClr val="accent1"/>
+          </a:fillRef>
+          <a:effectRef idx="0">
+            <a:schemeClr val="accent1"/>
+          </a:effectRef>
+          <a:fontRef idx="minor">
+            <a:schemeClr val="lt1"/>
+          </a:fontRef>
+        </p:style>
+        <p:txBody>
+          <a:bodyPr rtlCol="0" anchor="ctr"/>
+          <a:lstStyle/>
+          <a:p>
+            <a:pPr algn="ctr"/>
+            <a:endParaRPr kumimoji="1" lang="ja-JP" altLang="en-US"/>
           </a:p>
         </p:txBody>
       </p:sp>
@@ -13200,7 +16379,7 @@
           </p:nvPr>
         </p:nvPicPr>
         <p:blipFill>
-          <a:blip r:embed="rId2">
+          <a:blip r:embed="rId3">
             <a:extLst>
               <a:ext uri="{28A0092B-C50C-407E-A947-70E740481C1C}">
                 <a14:useLocalDpi xmlns:a14="http://schemas.microsoft.com/office/drawing/2010/main" val="0"/>
@@ -13218,6 +16397,58 @@
           </a:xfrm>
         </p:spPr>
       </p:pic>
+      <p:sp>
+        <p:nvSpPr>
+          <p:cNvPr id="3" name="正方形/長方形 2">
+            <a:extLst>
+              <a:ext uri="{FF2B5EF4-FFF2-40B4-BE49-F238E27FC236}">
+                <a16:creationId xmlns:a16="http://schemas.microsoft.com/office/drawing/2014/main" id="{E65E1ED0-6F43-4831-B379-431CFBA421BC}"/>
+              </a:ext>
+            </a:extLst>
+          </p:cNvPr>
+          <p:cNvSpPr/>
+          <p:nvPr/>
+        </p:nvSpPr>
+        <p:spPr>
+          <a:xfrm>
+            <a:off x="9508067" y="0"/>
+            <a:ext cx="2683933" cy="1593908"/>
+          </a:xfrm>
+          <a:prstGeom prst="rect">
+            <a:avLst/>
+          </a:prstGeom>
+          <a:solidFill>
+            <a:schemeClr val="accent6">
+              <a:lumMod val="60000"/>
+              <a:lumOff val="40000"/>
+            </a:schemeClr>
+          </a:solidFill>
+        </p:spPr>
+        <p:style>
+          <a:lnRef idx="2">
+            <a:schemeClr val="accent1">
+              <a:shade val="50000"/>
+            </a:schemeClr>
+          </a:lnRef>
+          <a:fillRef idx="1">
+            <a:schemeClr val="accent1"/>
+          </a:fillRef>
+          <a:effectRef idx="0">
+            <a:schemeClr val="accent1"/>
+          </a:effectRef>
+          <a:fontRef idx="minor">
+            <a:schemeClr val="lt1"/>
+          </a:fontRef>
+        </p:style>
+        <p:txBody>
+          <a:bodyPr rtlCol="0" anchor="ctr"/>
+          <a:lstStyle/>
+          <a:p>
+            <a:pPr algn="ctr"/>
+            <a:endParaRPr kumimoji="1" lang="ja-JP" altLang="en-US"/>
+          </a:p>
+        </p:txBody>
+      </p:sp>
     </p:spTree>
     <p:extLst>
       <p:ext uri="{BB962C8B-B14F-4D97-AF65-F5344CB8AC3E}">

--- a/presentation/第二回プレゼン_アウトライン.pptx
+++ b/presentation/第二回プレゼン_アウトライン.pptx
@@ -2088,7 +2088,7 @@
           <a:p>
             <a:r>
               <a:rPr kumimoji="1" lang="ja-JP" altLang="en-US" dirty="0"/>
-              <a:t>判別した機能に基づいてスクレイピングで出力するテキストデータを取得し、</a:t>
+              <a:t>判別した機能に基づいてスクレイピング等で出力するテキストデータを取得し、</a:t>
             </a:r>
             <a:endParaRPr kumimoji="1" lang="en-US" altLang="ja-JP" dirty="0"/>
           </a:p>
@@ -8450,7 +8450,7 @@
           <a:lstStyle/>
           <a:p>
             <a:r>
-              <a:rPr kumimoji="1" lang="ja-JP" altLang="en-US" dirty="0">
+              <a:rPr lang="ja-JP" altLang="en-US" b="1" dirty="0">
                 <a:ln>
                   <a:solidFill>
                     <a:schemeClr val="tx1"/>
@@ -8461,11 +8461,25 @@
                     <a:lumMod val="75000"/>
                   </a:schemeClr>
                 </a:solidFill>
-                <a:latin typeface="HGP明朝E" panose="02020900000000000000" pitchFamily="18" charset="-128"/>
-                <a:ea typeface="HGP明朝E" panose="02020900000000000000" pitchFamily="18" charset="-128"/>
+                <a:latin typeface="HGS明朝E" panose="02020900000000000000" pitchFamily="18" charset="-128"/>
+                <a:ea typeface="HGS明朝E" panose="02020900000000000000" pitchFamily="18" charset="-128"/>
               </a:rPr>
-              <a:t>スクレイピング</a:t>
-            </a:r>
+              <a:t>出力するデータを取得</a:t>
+            </a:r>
+            <a:endParaRPr kumimoji="1" lang="ja-JP" altLang="en-US" b="1" dirty="0">
+              <a:ln>
+                <a:solidFill>
+                  <a:schemeClr val="tx1"/>
+                </a:solidFill>
+              </a:ln>
+              <a:solidFill>
+                <a:schemeClr val="accent6">
+                  <a:lumMod val="75000"/>
+                </a:schemeClr>
+              </a:solidFill>
+              <a:latin typeface="HGS明朝E" panose="02020900000000000000" pitchFamily="18" charset="-128"/>
+              <a:ea typeface="HGS明朝E" panose="02020900000000000000" pitchFamily="18" charset="-128"/>
+            </a:endParaRPr>
           </a:p>
         </p:txBody>
       </p:sp>
@@ -8523,62 +8537,20 @@
       </p:sp>
       <p:sp>
         <p:nvSpPr>
-          <p:cNvPr id="6" name="コンテンツ プレースホルダー 2">
-            <a:extLst>
-              <a:ext uri="{FF2B5EF4-FFF2-40B4-BE49-F238E27FC236}">
-                <a16:creationId xmlns:a16="http://schemas.microsoft.com/office/drawing/2014/main" id="{CFC63819-6285-402F-B4F7-D5B34217A0AF}"/>
-              </a:ext>
-            </a:extLst>
-          </p:cNvPr>
-          <p:cNvSpPr>
-            <a:spLocks noGrp="1"/>
-          </p:cNvSpPr>
-          <p:nvPr>
-            <p:ph idx="1"/>
-          </p:nvPr>
+          <p:cNvPr id="7" name="テキスト ボックス 6">
+            <a:extLst>
+              <a:ext uri="{FF2B5EF4-FFF2-40B4-BE49-F238E27FC236}">
+                <a16:creationId xmlns:a16="http://schemas.microsoft.com/office/drawing/2014/main" id="{538A1AC8-CE4F-4286-A880-D105B44A2385}"/>
+              </a:ext>
+            </a:extLst>
+          </p:cNvPr>
+          <p:cNvSpPr txBox="1"/>
+          <p:nvPr/>
         </p:nvSpPr>
         <p:spPr>
           <a:xfrm>
-            <a:off x="793075" y="1741386"/>
-            <a:ext cx="10515600" cy="4351338"/>
-          </a:xfrm>
-        </p:spPr>
-        <p:txBody>
-          <a:bodyPr>
-            <a:normAutofit/>
-          </a:bodyPr>
-          <a:lstStyle/>
-          <a:p>
-            <a:pPr marL="0" indent="0">
-              <a:buNone/>
-            </a:pPr>
-            <a:r>
-              <a:rPr kumimoji="1" lang="ja-JP" altLang="en-US" sz="3600" dirty="0"/>
-              <a:t>出力するデータを取得</a:t>
-            </a:r>
-            <a:endParaRPr kumimoji="1" lang="en-US" altLang="ja-JP" sz="3600" dirty="0"/>
-          </a:p>
-          <a:p>
-            <a:endParaRPr kumimoji="1" lang="en-US" altLang="ja-JP" sz="3600" dirty="0"/>
-          </a:p>
-        </p:txBody>
-      </p:sp>
-      <p:sp>
-        <p:nvSpPr>
-          <p:cNvPr id="7" name="テキスト ボックス 6">
-            <a:extLst>
-              <a:ext uri="{FF2B5EF4-FFF2-40B4-BE49-F238E27FC236}">
-                <a16:creationId xmlns:a16="http://schemas.microsoft.com/office/drawing/2014/main" id="{538A1AC8-CE4F-4286-A880-D105B44A2385}"/>
-              </a:ext>
-            </a:extLst>
-          </p:cNvPr>
-          <p:cNvSpPr txBox="1"/>
-          <p:nvPr/>
-        </p:nvSpPr>
-        <p:spPr>
-          <a:xfrm>
-            <a:off x="692459" y="2418724"/>
-            <a:ext cx="8275471" cy="1477328"/>
+            <a:off x="644124" y="1901627"/>
+            <a:ext cx="8275471" cy="3385542"/>
           </a:xfrm>
           <a:prstGeom prst="rect">
             <a:avLst/>
@@ -8597,18 +8569,99 @@
               </a:buClr>
             </a:pPr>
             <a:r>
-              <a:rPr lang="en-US" altLang="ja-JP" sz="4000" dirty="0"/>
-              <a:t>BeautifulSoup4</a:t>
-            </a:r>
-          </a:p>
-          <a:p>
-            <a:pPr lvl="1">
+              <a:rPr lang="ja-JP" altLang="en-US" sz="4000" b="1" dirty="0"/>
+              <a:t>・スクレイピング</a:t>
+            </a:r>
+            <a:endParaRPr lang="en-US" altLang="ja-JP" sz="4000" b="1" dirty="0"/>
+          </a:p>
+          <a:p>
+            <a:pPr>
               <a:buClr>
                 <a:schemeClr val="tx1"/>
               </a:buClr>
             </a:pPr>
             <a:r>
-              <a:rPr lang="en-US" altLang="ja-JP" sz="3200" b="1" dirty="0">
+              <a:rPr lang="ja-JP" altLang="en-US" sz="4000" dirty="0"/>
+              <a:t> </a:t>
+            </a:r>
+            <a:r>
+              <a:rPr lang="en-US" altLang="ja-JP" sz="4000" dirty="0"/>
+              <a:t>【</a:t>
+            </a:r>
+            <a:r>
+              <a:rPr lang="en-US" altLang="ja-JP" sz="3600" dirty="0"/>
+              <a:t>BeautifulSoup4】</a:t>
+            </a:r>
+            <a:endParaRPr lang="en-US" altLang="ja-JP" sz="4000" dirty="0"/>
+          </a:p>
+          <a:p>
+            <a:pPr>
+              <a:buClr>
+                <a:schemeClr val="tx1"/>
+              </a:buClr>
+            </a:pPr>
+            <a:r>
+              <a:rPr lang="ja-JP" altLang="en-US" sz="4000" dirty="0">
+                <a:latin typeface="+mn-ea"/>
+              </a:rPr>
+              <a:t>　</a:t>
+            </a:r>
+            <a:r>
+              <a:rPr lang="en-US" altLang="ja-JP" sz="3200" dirty="0">
+                <a:latin typeface="+mn-ea"/>
+              </a:rPr>
+              <a:t>HTML</a:t>
+            </a:r>
+            <a:r>
+              <a:rPr lang="ja-JP" altLang="en-US" sz="3200" dirty="0"/>
+              <a:t>からテキストデータを取得</a:t>
+            </a:r>
+            <a:endParaRPr lang="en-US" altLang="ja-JP" sz="3200" dirty="0"/>
+          </a:p>
+          <a:p>
+            <a:pPr>
+              <a:buClr>
+                <a:schemeClr val="tx1"/>
+              </a:buClr>
+            </a:pPr>
+            <a:r>
+              <a:rPr lang="ja-JP" altLang="en-US" sz="4000" b="1" dirty="0">
+                <a:solidFill>
+                  <a:sysClr val="windowText" lastClr="000000"/>
+                </a:solidFill>
+              </a:rPr>
+              <a:t>・</a:t>
+            </a:r>
+            <a:r>
+              <a:rPr lang="en-US" altLang="ja-JP" sz="4000" b="1" dirty="0">
+                <a:solidFill>
+                  <a:sysClr val="windowText" lastClr="000000"/>
+                </a:solidFill>
+              </a:rPr>
+              <a:t>Datetime</a:t>
+            </a:r>
+            <a:r>
+              <a:rPr lang="ja-JP" altLang="en-US" sz="4000" b="1" dirty="0">
+                <a:solidFill>
+                  <a:sysClr val="windowText" lastClr="000000"/>
+                </a:solidFill>
+              </a:rPr>
+              <a:t>モジュール</a:t>
+            </a:r>
+            <a:endParaRPr lang="en-US" altLang="ja-JP" sz="4000" b="1" dirty="0">
+              <a:solidFill>
+                <a:sysClr val="windowText" lastClr="000000"/>
+              </a:solidFill>
+            </a:endParaRPr>
+          </a:p>
+          <a:p>
+            <a:pPr>
+              <a:buClr>
+                <a:schemeClr val="tx1"/>
+              </a:buClr>
+            </a:pPr>
+            <a:r>
+              <a:rPr lang="ja-JP" altLang="en-US" sz="3600" b="1" dirty="0">
                 <a:ln>
                   <a:solidFill>
                     <a:schemeClr val="tx1"/>
@@ -8616,34 +8669,15 @@
                 </a:ln>
                 <a:solidFill>
                   <a:schemeClr val="accent6">
-                    <a:lumMod val="75000"/>
+                    <a:lumMod val="50000"/>
                   </a:schemeClr>
                 </a:solidFill>
               </a:rPr>
-              <a:t>HTML</a:t>
-            </a:r>
-            <a:r>
-              <a:rPr lang="ja-JP" altLang="en-US" sz="3200" dirty="0"/>
-              <a:t>から</a:t>
-            </a:r>
-            <a:r>
-              <a:rPr lang="ja-JP" altLang="en-US" sz="3200" b="1" dirty="0">
-                <a:ln>
-                  <a:solidFill>
-                    <a:schemeClr val="tx1"/>
-                  </a:solidFill>
-                </a:ln>
-                <a:solidFill>
-                  <a:schemeClr val="accent6">
-                    <a:lumMod val="75000"/>
-                  </a:schemeClr>
-                </a:solidFill>
-              </a:rPr>
-              <a:t>テキストデータ</a:t>
-            </a:r>
-            <a:r>
-              <a:rPr lang="ja-JP" altLang="en-US" sz="3200" dirty="0"/>
-              <a:t>を取得</a:t>
+              <a:t>　</a:t>
+            </a:r>
+            <a:r>
+              <a:rPr lang="ja-JP" altLang="en-US" sz="2800" dirty="0"/>
+              <a:t>日時を取得</a:t>
             </a:r>
             <a:endParaRPr lang="en-US" altLang="ja-JP" sz="3600" dirty="0"/>
           </a:p>
@@ -8666,7 +8700,7 @@
         </p:nvSpPr>
         <p:spPr>
           <a:xfrm>
-            <a:off x="7443192" y="2785840"/>
+            <a:off x="7410141" y="2576520"/>
             <a:ext cx="555596" cy="2005845"/>
           </a:xfrm>
           <a:prstGeom prst="rightArrow">
@@ -8712,10 +8746,10 @@
       </p:sp>
       <p:sp>
         <p:nvSpPr>
-          <p:cNvPr id="10" name="テキスト ボックス 9">
-            <a:extLst>
-              <a:ext uri="{FF2B5EF4-FFF2-40B4-BE49-F238E27FC236}">
-                <a16:creationId xmlns:a16="http://schemas.microsoft.com/office/drawing/2014/main" id="{60BB61A1-22F8-412D-9E71-B87F444BE6C0}"/>
+          <p:cNvPr id="3" name="テキスト ボックス 2">
+            <a:extLst>
+              <a:ext uri="{FF2B5EF4-FFF2-40B4-BE49-F238E27FC236}">
+                <a16:creationId xmlns:a16="http://schemas.microsoft.com/office/drawing/2014/main" id="{DD1DF69A-9BCD-4514-8C10-E5571DE143C9}"/>
               </a:ext>
             </a:extLst>
           </p:cNvPr>
@@ -8724,109 +8758,7 @@
         </p:nvSpPr>
         <p:spPr>
           <a:xfrm>
-            <a:off x="692459" y="3957130"/>
-            <a:ext cx="9346130" cy="1600438"/>
-          </a:xfrm>
-          <a:prstGeom prst="rect">
-            <a:avLst/>
-          </a:prstGeom>
-          <a:noFill/>
-        </p:spPr>
-        <p:txBody>
-          <a:bodyPr wrap="square" rtlCol="0">
-            <a:spAutoFit/>
-          </a:bodyPr>
-          <a:lstStyle/>
-          <a:p>
-            <a:pPr>
-              <a:buClr>
-                <a:schemeClr val="tx1"/>
-              </a:buClr>
-            </a:pPr>
-            <a:r>
-              <a:rPr lang="en-US" altLang="ja-JP" sz="4000" dirty="0">
-                <a:solidFill>
-                  <a:sysClr val="windowText" lastClr="000000"/>
-                </a:solidFill>
-              </a:rPr>
-              <a:t>Datetime</a:t>
-            </a:r>
-            <a:r>
-              <a:rPr lang="ja-JP" altLang="en-US" sz="4000" dirty="0">
-                <a:solidFill>
-                  <a:sysClr val="windowText" lastClr="000000"/>
-                </a:solidFill>
-              </a:rPr>
-              <a:t>モジュール</a:t>
-            </a:r>
-            <a:endParaRPr lang="en-US" altLang="ja-JP" sz="4000" dirty="0">
-              <a:solidFill>
-                <a:sysClr val="windowText" lastClr="000000"/>
-              </a:solidFill>
-            </a:endParaRPr>
-          </a:p>
-          <a:p>
-            <a:pPr>
-              <a:buClr>
-                <a:schemeClr val="tx1"/>
-              </a:buClr>
-            </a:pPr>
-            <a:r>
-              <a:rPr lang="ja-JP" altLang="en-US" sz="4000" b="1" dirty="0">
-                <a:ln>
-                  <a:solidFill>
-                    <a:schemeClr val="tx1"/>
-                  </a:solidFill>
-                </a:ln>
-                <a:solidFill>
-                  <a:schemeClr val="accent6">
-                    <a:lumMod val="50000"/>
-                  </a:schemeClr>
-                </a:solidFill>
-              </a:rPr>
-              <a:t>　</a:t>
-            </a:r>
-            <a:r>
-              <a:rPr lang="ja-JP" altLang="en-US" sz="3200" b="1" dirty="0">
-                <a:ln>
-                  <a:solidFill>
-                    <a:schemeClr val="tx1"/>
-                  </a:solidFill>
-                </a:ln>
-                <a:solidFill>
-                  <a:schemeClr val="accent6">
-                    <a:lumMod val="75000"/>
-                  </a:schemeClr>
-                </a:solidFill>
-              </a:rPr>
-              <a:t>日時</a:t>
-            </a:r>
-            <a:r>
-              <a:rPr lang="ja-JP" altLang="en-US" sz="3200" dirty="0"/>
-              <a:t>を取得</a:t>
-            </a:r>
-            <a:endParaRPr lang="en-US" altLang="ja-JP" sz="3200" dirty="0"/>
-          </a:p>
-          <a:p>
-            <a:endParaRPr kumimoji="1" lang="ja-JP" altLang="en-US" dirty="0"/>
-          </a:p>
-        </p:txBody>
-      </p:sp>
-      <p:sp>
-        <p:nvSpPr>
-          <p:cNvPr id="3" name="テキスト ボックス 2">
-            <a:extLst>
-              <a:ext uri="{FF2B5EF4-FFF2-40B4-BE49-F238E27FC236}">
-                <a16:creationId xmlns:a16="http://schemas.microsoft.com/office/drawing/2014/main" id="{DD1DF69A-9BCD-4514-8C10-E5571DE143C9}"/>
-              </a:ext>
-            </a:extLst>
-          </p:cNvPr>
-          <p:cNvSpPr txBox="1"/>
-          <p:nvPr/>
-        </p:nvSpPr>
-        <p:spPr>
-          <a:xfrm>
-            <a:off x="7998788" y="3157388"/>
+            <a:off x="7965737" y="2948068"/>
             <a:ext cx="3888412" cy="1200329"/>
           </a:xfrm>
           <a:prstGeom prst="rect">

--- a/presentation/第二回プレゼン_アウトライン.pptx
+++ b/presentation/第二回プレゼン_アウトライン.pptx
@@ -5,7 +5,7 @@
     <p:sldMasterId id="2147483648" r:id="rId1"/>
   </p:sldMasterIdLst>
   <p:notesMasterIdLst>
-    <p:notesMasterId r:id="rId25"/>
+    <p:notesMasterId r:id="rId26"/>
   </p:notesMasterIdLst>
   <p:sldIdLst>
     <p:sldId id="256" r:id="rId2"/>
@@ -13,24 +13,25 @@
     <p:sldId id="274" r:id="rId4"/>
     <p:sldId id="261" r:id="rId5"/>
     <p:sldId id="268" r:id="rId6"/>
-    <p:sldId id="284" r:id="rId7"/>
-    <p:sldId id="285" r:id="rId8"/>
-    <p:sldId id="281" r:id="rId9"/>
-    <p:sldId id="282" r:id="rId10"/>
-    <p:sldId id="286" r:id="rId11"/>
-    <p:sldId id="287" r:id="rId12"/>
-    <p:sldId id="288" r:id="rId13"/>
-    <p:sldId id="277" r:id="rId14"/>
-    <p:sldId id="269" r:id="rId15"/>
-    <p:sldId id="266" r:id="rId16"/>
-    <p:sldId id="272" r:id="rId17"/>
-    <p:sldId id="279" r:id="rId18"/>
-    <p:sldId id="259" r:id="rId19"/>
-    <p:sldId id="273" r:id="rId20"/>
-    <p:sldId id="276" r:id="rId21"/>
-    <p:sldId id="267" r:id="rId22"/>
-    <p:sldId id="289" r:id="rId23"/>
-    <p:sldId id="275" r:id="rId24"/>
+    <p:sldId id="290" r:id="rId7"/>
+    <p:sldId id="284" r:id="rId8"/>
+    <p:sldId id="285" r:id="rId9"/>
+    <p:sldId id="281" r:id="rId10"/>
+    <p:sldId id="282" r:id="rId11"/>
+    <p:sldId id="286" r:id="rId12"/>
+    <p:sldId id="287" r:id="rId13"/>
+    <p:sldId id="288" r:id="rId14"/>
+    <p:sldId id="277" r:id="rId15"/>
+    <p:sldId id="269" r:id="rId16"/>
+    <p:sldId id="266" r:id="rId17"/>
+    <p:sldId id="272" r:id="rId18"/>
+    <p:sldId id="279" r:id="rId19"/>
+    <p:sldId id="259" r:id="rId20"/>
+    <p:sldId id="273" r:id="rId21"/>
+    <p:sldId id="276" r:id="rId22"/>
+    <p:sldId id="267" r:id="rId23"/>
+    <p:sldId id="289" r:id="rId24"/>
+    <p:sldId id="275" r:id="rId25"/>
   </p:sldIdLst>
   <p:sldSz cx="12192000" cy="6858000"/>
   <p:notesSz cx="6858000" cy="9144000"/>
@@ -660,15 +661,72 @@
           <a:p>
             <a:r>
               <a:rPr kumimoji="1" lang="ja-JP" altLang="en-US" dirty="0"/>
-              <a:t>ウェイクワードの認識は、先ほど紹介した文章パターンそれぞれに「ねぇ</a:t>
-            </a:r>
+              <a:t>次に、要素技術とは少し離れますが、ウェイクワードについて説明します。</a:t>
+            </a:r>
+            <a:endParaRPr kumimoji="1" lang="en-US" altLang="ja-JP" dirty="0"/>
+          </a:p>
+          <a:p>
+            <a:r>
+              <a:rPr kumimoji="1" lang="ja-JP" altLang="en-US" dirty="0"/>
+              <a:t>ウェイクワードとは、</a:t>
+            </a:r>
+            <a:r>
+              <a:rPr kumimoji="1" lang="en-US" altLang="ja-JP" dirty="0"/>
+              <a:t>AI</a:t>
+            </a:r>
+            <a:r>
+              <a:rPr kumimoji="1" lang="ja-JP" altLang="en-US" dirty="0"/>
+              <a:t>スピーカーや</a:t>
+            </a:r>
+            <a:r>
+              <a:rPr kumimoji="1" lang="en-US" altLang="ja-JP" dirty="0"/>
+              <a:t>AI</a:t>
+            </a:r>
+            <a:r>
+              <a:rPr kumimoji="1" lang="ja-JP" altLang="en-US" dirty="0"/>
+              <a:t>アシスタントを起動する際の合言葉のようなもので、</a:t>
+            </a:r>
+            <a:endParaRPr kumimoji="1" lang="en-US" altLang="ja-JP" dirty="0"/>
+          </a:p>
+          <a:p>
+            <a:r>
+              <a:rPr kumimoji="1" lang="ja-JP" altLang="en-US" dirty="0"/>
+              <a:t>有名なものだと「</a:t>
+            </a:r>
+            <a:r>
+              <a:rPr kumimoji="1" lang="en-US" altLang="ja-JP" dirty="0" err="1"/>
+              <a:t>OK,Google</a:t>
+            </a:r>
+            <a:r>
+              <a:rPr kumimoji="1" lang="ja-JP" altLang="en-US" dirty="0"/>
+              <a:t>」や「</a:t>
+            </a:r>
+            <a:r>
+              <a:rPr kumimoji="1" lang="en-US" altLang="ja-JP" dirty="0" err="1"/>
+              <a:t>Hey,Siri</a:t>
+            </a:r>
+            <a:r>
+              <a:rPr kumimoji="1" lang="ja-JP" altLang="en-US" dirty="0"/>
+              <a:t>」などがあります。</a:t>
+            </a:r>
+            <a:endParaRPr kumimoji="1" lang="en-US" altLang="ja-JP" dirty="0"/>
+          </a:p>
+          <a:p>
             <a:r>
               <a:rPr kumimoji="1" lang="en-US" altLang="ja-JP" dirty="0" err="1"/>
               <a:t>YoSiE</a:t>
             </a:r>
             <a:r>
               <a:rPr kumimoji="1" lang="ja-JP" altLang="en-US" dirty="0"/>
-              <a:t>」という認識を追加しています</a:t>
+              <a:t>のウェイクワードは、★「ねぇ</a:t>
+            </a:r>
+            <a:r>
+              <a:rPr kumimoji="1" lang="en-US" altLang="ja-JP" dirty="0" err="1"/>
+              <a:t>YoSiE</a:t>
+            </a:r>
+            <a:r>
+              <a:rPr kumimoji="1" lang="ja-JP" altLang="en-US" dirty="0"/>
+              <a:t>」です</a:t>
             </a:r>
           </a:p>
         </p:txBody>
@@ -699,7 +757,7 @@
     </p:spTree>
     <p:extLst>
       <p:ext uri="{BB962C8B-B14F-4D97-AF65-F5344CB8AC3E}">
-        <p14:creationId xmlns:p14="http://schemas.microsoft.com/office/powerpoint/2010/main" val="838133524"/>
+        <p14:creationId xmlns:p14="http://schemas.microsoft.com/office/powerpoint/2010/main" val="3647188465"/>
       </p:ext>
     </p:extLst>
   </p:cSld>
@@ -755,17 +813,16 @@
           <a:p>
             <a:r>
               <a:rPr kumimoji="1" lang="ja-JP" altLang="en-US" dirty="0"/>
-              <a:t>ウェイクワードが含まれているかどうかの判断は</a:t>
-            </a:r>
-            <a:r>
-              <a:rPr kumimoji="1" lang="en-US" altLang="ja-JP" dirty="0"/>
-              <a:t>if</a:t>
+              <a:t>ウェイクワードの認識は、先ほど紹介した文章パターンそれぞれに「ねぇ</a:t>
+            </a:r>
+            <a:r>
+              <a:rPr kumimoji="1" lang="en-US" altLang="ja-JP" dirty="0" err="1"/>
+              <a:t>YoSiE</a:t>
             </a:r>
             <a:r>
               <a:rPr kumimoji="1" lang="ja-JP" altLang="en-US" dirty="0"/>
-              <a:t>文で処理しています。</a:t>
-            </a:r>
-            <a:endParaRPr kumimoji="1" lang="en-US" altLang="ja-JP" dirty="0"/>
+              <a:t>」という認識を追加しています</a:t>
+            </a:r>
           </a:p>
         </p:txBody>
       </p:sp>
@@ -795,7 +852,7 @@
     </p:spTree>
     <p:extLst>
       <p:ext uri="{BB962C8B-B14F-4D97-AF65-F5344CB8AC3E}">
-        <p14:creationId xmlns:p14="http://schemas.microsoft.com/office/powerpoint/2010/main" val="1664766409"/>
+        <p14:creationId xmlns:p14="http://schemas.microsoft.com/office/powerpoint/2010/main" val="838133524"/>
       </p:ext>
     </p:extLst>
   </p:cSld>
@@ -851,64 +908,17 @@
           <a:p>
             <a:r>
               <a:rPr kumimoji="1" lang="ja-JP" altLang="en-US" dirty="0"/>
-              <a:t>次はスクレイピングについてです。</a:t>
+              <a:t>ウェイクワードが含まれているかどうかの判断は</a:t>
+            </a:r>
+            <a:r>
+              <a:rPr kumimoji="1" lang="en-US" altLang="ja-JP" dirty="0"/>
+              <a:t>if</a:t>
+            </a:r>
+            <a:r>
+              <a:rPr kumimoji="1" lang="ja-JP" altLang="en-US" dirty="0"/>
+              <a:t>文で処理しています。</a:t>
             </a:r>
             <a:endParaRPr kumimoji="1" lang="en-US" altLang="ja-JP" dirty="0"/>
-          </a:p>
-          <a:p>
-            <a:r>
-              <a:rPr kumimoji="1" lang="ja-JP" altLang="en-US" dirty="0"/>
-              <a:t>スクレイピングというのは</a:t>
-            </a:r>
-            <a:r>
-              <a:rPr kumimoji="1" lang="en-US" altLang="ja-JP" dirty="0"/>
-              <a:t>Web</a:t>
-            </a:r>
-            <a:r>
-              <a:rPr kumimoji="1" lang="ja-JP" altLang="en-US" dirty="0"/>
-              <a:t>ページからテキストデータを抽出する技術のことで、</a:t>
-            </a:r>
-            <a:endParaRPr kumimoji="1" lang="en-US" altLang="ja-JP" dirty="0"/>
-          </a:p>
-          <a:p>
-            <a:r>
-              <a:rPr kumimoji="1" lang="en-US" altLang="ja-JP" dirty="0"/>
-              <a:t>Python</a:t>
-            </a:r>
-            <a:r>
-              <a:rPr kumimoji="1" lang="ja-JP" altLang="en-US" dirty="0"/>
-              <a:t>の</a:t>
-            </a:r>
-            <a:r>
-              <a:rPr kumimoji="1" lang="en-US" altLang="ja-JP" dirty="0"/>
-              <a:t>BeautifulSoup4</a:t>
-            </a:r>
-            <a:r>
-              <a:rPr kumimoji="1" lang="ja-JP" altLang="en-US" dirty="0"/>
-              <a:t>というライブラリを使用して天気予報・ニュース・星座占いの内容をスクレイピングをしています。</a:t>
-            </a:r>
-            <a:endParaRPr kumimoji="1" lang="en-US" altLang="ja-JP" dirty="0"/>
-          </a:p>
-          <a:p>
-            <a:r>
-              <a:rPr kumimoji="1" lang="ja-JP" altLang="en-US" dirty="0"/>
-              <a:t>日時に関しては、スクレイピングではなく、</a:t>
-            </a:r>
-            <a:r>
-              <a:rPr kumimoji="1" lang="en-US" altLang="ja-JP" dirty="0"/>
-              <a:t>Datetime</a:t>
-            </a:r>
-            <a:r>
-              <a:rPr kumimoji="1" lang="ja-JP" altLang="en-US" dirty="0"/>
-              <a:t>モジュールで取得したデータを使用しています。</a:t>
-            </a:r>
-            <a:endParaRPr kumimoji="1" lang="en-US" altLang="ja-JP" dirty="0"/>
-          </a:p>
-          <a:p>
-            <a:r>
-              <a:rPr kumimoji="1" lang="ja-JP" altLang="en-US" dirty="0"/>
-              <a:t>こうして取得したテキストデータを、出力用のテキストファイルに書き込みます。</a:t>
-            </a:r>
           </a:p>
         </p:txBody>
       </p:sp>
@@ -929,7 +939,7 @@
           <a:p>
             <a:fld id="{1A2E7C28-4903-4521-8E60-0F80C627678B}" type="slidenum">
               <a:rPr kumimoji="1" lang="ja-JP" altLang="en-US" smtClean="0"/>
-              <a:t>15</a:t>
+              <a:t>13</a:t>
             </a:fld>
             <a:endParaRPr kumimoji="1" lang="ja-JP" altLang="en-US"/>
           </a:p>
@@ -938,7 +948,7 @@
     </p:spTree>
     <p:extLst>
       <p:ext uri="{BB962C8B-B14F-4D97-AF65-F5344CB8AC3E}">
-        <p14:creationId xmlns:p14="http://schemas.microsoft.com/office/powerpoint/2010/main" val="3851854577"/>
+        <p14:creationId xmlns:p14="http://schemas.microsoft.com/office/powerpoint/2010/main" val="1664766409"/>
       </p:ext>
     </p:extLst>
   </p:cSld>
@@ -994,19 +1004,79 @@
           <a:p>
             <a:r>
               <a:rPr kumimoji="1" lang="ja-JP" altLang="en-US" dirty="0"/>
-              <a:t>スクレイピングの処理で工夫した点は、処理をどう短縮するか、という点です。</a:t>
+              <a:t>次は出力するデータの取得についてです。</a:t>
             </a:r>
             <a:endParaRPr kumimoji="1" lang="en-US" altLang="ja-JP" dirty="0"/>
           </a:p>
           <a:p>
             <a:r>
               <a:rPr kumimoji="1" lang="ja-JP" altLang="en-US" dirty="0"/>
-              <a:t>天気・ニュース・星座占いは抽出する文章量が多いため、機能を呼び出すたびに実行していて一つのファイルに上書き保存をしていると、その度処理に時間がかかってしまいます。</a:t>
+              <a:t>天気予報・ニュース・星座占いのデータはスクレイピングという技術で取得し、</a:t>
             </a:r>
             <a:endParaRPr kumimoji="1" lang="en-US" altLang="ja-JP" dirty="0"/>
           </a:p>
           <a:p>
-            <a:endParaRPr kumimoji="1" lang="ja-JP" altLang="en-US" dirty="0"/>
+            <a:r>
+              <a:rPr kumimoji="1" lang="ja-JP" altLang="en-US" dirty="0"/>
+              <a:t>日時は</a:t>
+            </a:r>
+            <a:r>
+              <a:rPr kumimoji="1" lang="en-US" altLang="ja-JP" dirty="0"/>
+              <a:t>Python</a:t>
+            </a:r>
+            <a:r>
+              <a:rPr kumimoji="1" lang="ja-JP" altLang="en-US" dirty="0"/>
+              <a:t>の</a:t>
+            </a:r>
+            <a:r>
+              <a:rPr kumimoji="1" lang="en-US" altLang="ja-JP" dirty="0"/>
+              <a:t>Datetime</a:t>
+            </a:r>
+            <a:r>
+              <a:rPr kumimoji="1" lang="ja-JP" altLang="en-US" dirty="0"/>
+              <a:t>モジュールを利用して取得しています。</a:t>
+            </a:r>
+            <a:endParaRPr kumimoji="1" lang="en-US" altLang="ja-JP" dirty="0"/>
+          </a:p>
+          <a:p>
+            <a:r>
+              <a:rPr kumimoji="1" lang="ja-JP" altLang="en-US" dirty="0"/>
+              <a:t>スクレイピングというのは</a:t>
+            </a:r>
+            <a:r>
+              <a:rPr kumimoji="1" lang="en-US" altLang="ja-JP" dirty="0"/>
+              <a:t>Web</a:t>
+            </a:r>
+            <a:r>
+              <a:rPr kumimoji="1" lang="ja-JP" altLang="en-US" dirty="0"/>
+              <a:t>ページからテキストデータを抽出する技術のことで、</a:t>
+            </a:r>
+            <a:endParaRPr kumimoji="1" lang="en-US" altLang="ja-JP" dirty="0"/>
+          </a:p>
+          <a:p>
+            <a:r>
+              <a:rPr kumimoji="1" lang="en-US" altLang="ja-JP" dirty="0"/>
+              <a:t>Python</a:t>
+            </a:r>
+            <a:r>
+              <a:rPr kumimoji="1" lang="ja-JP" altLang="en-US" dirty="0"/>
+              <a:t>の</a:t>
+            </a:r>
+            <a:r>
+              <a:rPr kumimoji="1" lang="en-US" altLang="ja-JP" dirty="0"/>
+              <a:t>BeautifulSoup4</a:t>
+            </a:r>
+            <a:r>
+              <a:rPr kumimoji="1" lang="ja-JP" altLang="en-US" dirty="0"/>
+              <a:t>というスクレイピングができるライブラリを使用しています。</a:t>
+            </a:r>
+            <a:endParaRPr kumimoji="1" lang="en-US" altLang="ja-JP" dirty="0"/>
+          </a:p>
+          <a:p>
+            <a:r>
+              <a:rPr kumimoji="1" lang="ja-JP" altLang="en-US" dirty="0"/>
+              <a:t>こうして取得した出力するデータを、出力用のテキストファイルに書き込みます。</a:t>
+            </a:r>
           </a:p>
         </p:txBody>
       </p:sp>
@@ -1036,7 +1106,7 @@
     </p:spTree>
     <p:extLst>
       <p:ext uri="{BB962C8B-B14F-4D97-AF65-F5344CB8AC3E}">
-        <p14:creationId xmlns:p14="http://schemas.microsoft.com/office/powerpoint/2010/main" val="2498847539"/>
+        <p14:creationId xmlns:p14="http://schemas.microsoft.com/office/powerpoint/2010/main" val="3851854577"/>
       </p:ext>
     </p:extLst>
   </p:cSld>
@@ -1090,115 +1160,18 @@
           <a:bodyPr/>
           <a:lstStyle/>
           <a:p>
-            <a:pPr marL="0" marR="0" lvl="0" indent="0" algn="l" defTabSz="914400" rtl="0" eaLnBrk="1" fontAlgn="auto" latinLnBrk="0" hangingPunct="1">
-              <a:lnSpc>
-                <a:spcPct val="100000"/>
-              </a:lnSpc>
-              <a:spcBef>
-                <a:spcPts val="0"/>
-              </a:spcBef>
-              <a:spcAft>
-                <a:spcPts val="0"/>
-              </a:spcAft>
-              <a:buClrTx/>
-              <a:buSzTx/>
-              <a:buFontTx/>
-              <a:buNone/>
-              <a:tabLst/>
-              <a:defRPr/>
-            </a:pPr>
             <a:r>
               <a:rPr kumimoji="1" lang="ja-JP" altLang="en-US" dirty="0"/>
-              <a:t>そこで、</a:t>
-            </a:r>
-            <a:r>
-              <a:rPr kumimoji="1" lang="en-US" altLang="ja-JP" dirty="0"/>
-              <a:t>Raspberry Pi</a:t>
-            </a:r>
+              <a:t>スクレイピングの処理で工夫した点は、処理をどう短縮するか、という点です。</a:t>
+            </a:r>
+            <a:endParaRPr kumimoji="1" lang="en-US" altLang="ja-JP" dirty="0"/>
+          </a:p>
+          <a:p>
             <a:r>
               <a:rPr kumimoji="1" lang="ja-JP" altLang="en-US" dirty="0"/>
-              <a:t>の起動時にスクレイピングを実行して、それぞれ個別のテキストファイルに保存しておく、という方法に切り替えました。</a:t>
+              <a:t>天気・ニュース・星座占いは抽出する文章量が多いため、機能を呼び出すたびに実行していて一つのファイルに上書き保存をしていると、その度処理に時間がかかってしまいます。</a:t>
             </a:r>
             <a:endParaRPr kumimoji="1" lang="en-US" altLang="ja-JP" dirty="0"/>
-          </a:p>
-          <a:p>
-            <a:pPr marL="0" marR="0" lvl="0" indent="0" algn="l" defTabSz="914400" rtl="0" eaLnBrk="1" fontAlgn="auto" latinLnBrk="0" hangingPunct="1">
-              <a:lnSpc>
-                <a:spcPct val="100000"/>
-              </a:lnSpc>
-              <a:spcBef>
-                <a:spcPts val="0"/>
-              </a:spcBef>
-              <a:spcAft>
-                <a:spcPts val="0"/>
-              </a:spcAft>
-              <a:buClrTx/>
-              <a:buSzTx/>
-              <a:buFontTx/>
-              <a:buNone/>
-              <a:tabLst/>
-              <a:defRPr/>
-            </a:pPr>
-            <a:r>
-              <a:rPr kumimoji="1" lang="ja-JP" altLang="en-US" dirty="0"/>
-              <a:t>こうすることで、処理の待ち時間を短縮することができます。</a:t>
-            </a:r>
-            <a:endParaRPr kumimoji="1" lang="en-US" altLang="ja-JP" dirty="0"/>
-          </a:p>
-          <a:p>
-            <a:pPr marL="0" marR="0" lvl="0" indent="0" algn="l" defTabSz="914400" rtl="0" eaLnBrk="1" fontAlgn="auto" latinLnBrk="0" hangingPunct="1">
-              <a:lnSpc>
-                <a:spcPct val="100000"/>
-              </a:lnSpc>
-              <a:spcBef>
-                <a:spcPts val="0"/>
-              </a:spcBef>
-              <a:spcAft>
-                <a:spcPts val="0"/>
-              </a:spcAft>
-              <a:buClrTx/>
-              <a:buSzTx/>
-              <a:buFontTx/>
-              <a:buNone/>
-              <a:tabLst/>
-              <a:defRPr/>
-            </a:pPr>
-            <a:r>
-              <a:rPr kumimoji="1" lang="ja-JP" altLang="en-US" dirty="0"/>
-              <a:t>欠点としては、起動時にのみスクレイピングを行うので、起動後に更新された</a:t>
-            </a:r>
-            <a:r>
-              <a:rPr kumimoji="1" lang="en-US" altLang="ja-JP" dirty="0"/>
-              <a:t>Web</a:t>
-            </a:r>
-            <a:r>
-              <a:rPr kumimoji="1" lang="ja-JP" altLang="en-US" dirty="0"/>
-              <a:t>ページの内容が取得できない、という点があります。</a:t>
-            </a:r>
-            <a:endParaRPr kumimoji="1" lang="en-US" altLang="ja-JP" dirty="0"/>
-          </a:p>
-          <a:p>
-            <a:pPr marL="0" marR="0" lvl="0" indent="0" algn="l" defTabSz="914400" rtl="0" eaLnBrk="1" fontAlgn="auto" latinLnBrk="0" hangingPunct="1">
-              <a:lnSpc>
-                <a:spcPct val="100000"/>
-              </a:lnSpc>
-              <a:spcBef>
-                <a:spcPts val="0"/>
-              </a:spcBef>
-              <a:spcAft>
-                <a:spcPts val="0"/>
-              </a:spcAft>
-              <a:buClrTx/>
-              <a:buSzTx/>
-              <a:buFontTx/>
-              <a:buNone/>
-              <a:tabLst/>
-              <a:defRPr/>
-            </a:pPr>
-            <a:r>
-              <a:rPr kumimoji="1" lang="ja-JP" altLang="en-US" dirty="0"/>
-              <a:t>これに関しては、今後対処していく予定です。</a:t>
-            </a:r>
           </a:p>
           <a:p>
             <a:endParaRPr kumimoji="1" lang="ja-JP" altLang="en-US" dirty="0"/>
@@ -1231,7 +1204,7 @@
     </p:spTree>
     <p:extLst>
       <p:ext uri="{BB962C8B-B14F-4D97-AF65-F5344CB8AC3E}">
-        <p14:creationId xmlns:p14="http://schemas.microsoft.com/office/powerpoint/2010/main" val="1985256100"/>
+        <p14:creationId xmlns:p14="http://schemas.microsoft.com/office/powerpoint/2010/main" val="2498847539"/>
       </p:ext>
     </p:extLst>
   </p:cSld>
@@ -1285,52 +1258,115 @@
           <a:bodyPr/>
           <a:lstStyle/>
           <a:p>
+            <a:pPr marL="0" marR="0" lvl="0" indent="0" algn="l" defTabSz="914400" rtl="0" eaLnBrk="1" fontAlgn="auto" latinLnBrk="0" hangingPunct="1">
+              <a:lnSpc>
+                <a:spcPct val="100000"/>
+              </a:lnSpc>
+              <a:spcBef>
+                <a:spcPts val="0"/>
+              </a:spcBef>
+              <a:spcAft>
+                <a:spcPts val="0"/>
+              </a:spcAft>
+              <a:buClrTx/>
+              <a:buSzTx/>
+              <a:buFontTx/>
+              <a:buNone/>
+              <a:tabLst/>
+              <a:defRPr/>
+            </a:pPr>
             <a:r>
               <a:rPr kumimoji="1" lang="ja-JP" altLang="en-US" dirty="0"/>
-              <a:t>最後は</a:t>
-            </a:r>
-            <a:r>
-              <a:rPr kumimoji="1" lang="en-US" altLang="ja-JP" dirty="0" err="1"/>
-              <a:t>OpenJTalk</a:t>
+              <a:t>そこで、</a:t>
+            </a:r>
+            <a:r>
+              <a:rPr kumimoji="1" lang="en-US" altLang="ja-JP" dirty="0"/>
+              <a:t>Raspberry Pi</a:t>
             </a:r>
             <a:r>
               <a:rPr kumimoji="1" lang="ja-JP" altLang="en-US" dirty="0"/>
-              <a:t>です。</a:t>
+              <a:t>の起動時にスクレイピングを実行して、それぞれ個別のテキストファイルに保存しておく、という方法に切り替えました。</a:t>
             </a:r>
             <a:endParaRPr kumimoji="1" lang="en-US" altLang="ja-JP" dirty="0"/>
           </a:p>
           <a:p>
-            <a:r>
-              <a:rPr kumimoji="1" lang="en-US" altLang="ja-JP" dirty="0" err="1"/>
-              <a:t>OpenJTalk</a:t>
-            </a:r>
+            <a:pPr marL="0" marR="0" lvl="0" indent="0" algn="l" defTabSz="914400" rtl="0" eaLnBrk="1" fontAlgn="auto" latinLnBrk="0" hangingPunct="1">
+              <a:lnSpc>
+                <a:spcPct val="100000"/>
+              </a:lnSpc>
+              <a:spcBef>
+                <a:spcPts val="0"/>
+              </a:spcBef>
+              <a:spcAft>
+                <a:spcPts val="0"/>
+              </a:spcAft>
+              <a:buClrTx/>
+              <a:buSzTx/>
+              <a:buFontTx/>
+              <a:buNone/>
+              <a:tabLst/>
+              <a:defRPr/>
+            </a:pPr>
             <a:r>
               <a:rPr kumimoji="1" lang="ja-JP" altLang="en-US" dirty="0"/>
-              <a:t>は日本語用の音声合成システムのオープンソースソフトウェアで、</a:t>
+              <a:t>こうすることで、処理の待ち時間を短縮することができます。</a:t>
             </a:r>
             <a:endParaRPr kumimoji="1" lang="en-US" altLang="ja-JP" dirty="0"/>
           </a:p>
           <a:p>
+            <a:pPr marL="0" marR="0" lvl="0" indent="0" algn="l" defTabSz="914400" rtl="0" eaLnBrk="1" fontAlgn="auto" latinLnBrk="0" hangingPunct="1">
+              <a:lnSpc>
+                <a:spcPct val="100000"/>
+              </a:lnSpc>
+              <a:spcBef>
+                <a:spcPts val="0"/>
+              </a:spcBef>
+              <a:spcAft>
+                <a:spcPts val="0"/>
+              </a:spcAft>
+              <a:buClrTx/>
+              <a:buSzTx/>
+              <a:buFontTx/>
+              <a:buNone/>
+              <a:tabLst/>
+              <a:defRPr/>
+            </a:pPr>
             <a:r>
               <a:rPr kumimoji="1" lang="ja-JP" altLang="en-US" dirty="0"/>
-              <a:t>ボイスサンプル・声質や速度などのパラメータを設定することで、理想の音声を出力することができます。</a:t>
+              <a:t>欠点としては、起動時にのみスクレイピングを行うので、起動後に更新された</a:t>
+            </a:r>
+            <a:r>
+              <a:rPr kumimoji="1" lang="en-US" altLang="ja-JP" dirty="0"/>
+              <a:t>Web</a:t>
+            </a:r>
+            <a:r>
+              <a:rPr kumimoji="1" lang="ja-JP" altLang="en-US" dirty="0"/>
+              <a:t>ページの内容が取得できない、という点があります。</a:t>
             </a:r>
             <a:endParaRPr kumimoji="1" lang="en-US" altLang="ja-JP" dirty="0"/>
           </a:p>
           <a:p>
+            <a:pPr marL="0" marR="0" lvl="0" indent="0" algn="l" defTabSz="914400" rtl="0" eaLnBrk="1" fontAlgn="auto" latinLnBrk="0" hangingPunct="1">
+              <a:lnSpc>
+                <a:spcPct val="100000"/>
+              </a:lnSpc>
+              <a:spcBef>
+                <a:spcPts val="0"/>
+              </a:spcBef>
+              <a:spcAft>
+                <a:spcPts val="0"/>
+              </a:spcAft>
+              <a:buClrTx/>
+              <a:buSzTx/>
+              <a:buFontTx/>
+              <a:buNone/>
+              <a:tabLst/>
+              <a:defRPr/>
+            </a:pPr>
             <a:r>
               <a:rPr kumimoji="1" lang="ja-JP" altLang="en-US" dirty="0"/>
-              <a:t>今お見せしているのは、★</a:t>
-            </a:r>
-            <a:r>
-              <a:rPr kumimoji="1" lang="en-US" altLang="ja-JP" dirty="0"/>
-              <a:t>result.txt</a:t>
-            </a:r>
-            <a:r>
-              <a:rPr kumimoji="1" lang="ja-JP" altLang="en-US" dirty="0"/>
-              <a:t>というテキストファイルの内容を音声出力するシェルスクリプトです。</a:t>
-            </a:r>
-            <a:endParaRPr kumimoji="1" lang="en-US" altLang="ja-JP" dirty="0"/>
+              <a:t>これに関しては、今後対処していく予定です。</a:t>
+            </a:r>
           </a:p>
           <a:p>
             <a:endParaRPr kumimoji="1" lang="ja-JP" altLang="en-US" dirty="0"/>
@@ -1363,7 +1399,7 @@
     </p:spTree>
     <p:extLst>
       <p:ext uri="{BB962C8B-B14F-4D97-AF65-F5344CB8AC3E}">
-        <p14:creationId xmlns:p14="http://schemas.microsoft.com/office/powerpoint/2010/main" val="2285038393"/>
+        <p14:creationId xmlns:p14="http://schemas.microsoft.com/office/powerpoint/2010/main" val="1985256100"/>
       </p:ext>
     </p:extLst>
   </p:cSld>
@@ -1419,7 +1455,40 @@
           <a:p>
             <a:r>
               <a:rPr kumimoji="1" lang="ja-JP" altLang="en-US" dirty="0"/>
-              <a:t>以前まではこの★</a:t>
+              <a:t>最後は</a:t>
+            </a:r>
+            <a:r>
+              <a:rPr kumimoji="1" lang="en-US" altLang="ja-JP" dirty="0" err="1"/>
+              <a:t>OpenJTalk</a:t>
+            </a:r>
+            <a:r>
+              <a:rPr kumimoji="1" lang="ja-JP" altLang="en-US" dirty="0"/>
+              <a:t>です。</a:t>
+            </a:r>
+            <a:endParaRPr kumimoji="1" lang="en-US" altLang="ja-JP" dirty="0"/>
+          </a:p>
+          <a:p>
+            <a:r>
+              <a:rPr kumimoji="1" lang="en-US" altLang="ja-JP" dirty="0" err="1"/>
+              <a:t>OpenJTalk</a:t>
+            </a:r>
+            <a:r>
+              <a:rPr kumimoji="1" lang="ja-JP" altLang="en-US" dirty="0"/>
+              <a:t>は日本語用の音声合成システムのオープンソースソフトウェアで、</a:t>
+            </a:r>
+            <a:endParaRPr kumimoji="1" lang="en-US" altLang="ja-JP" dirty="0"/>
+          </a:p>
+          <a:p>
+            <a:r>
+              <a:rPr kumimoji="1" lang="ja-JP" altLang="en-US" dirty="0"/>
+              <a:t>ボイスサンプル・声質や速度などのパラメータを設定することで、理想の音声を出力することができます。</a:t>
+            </a:r>
+            <a:endParaRPr kumimoji="1" lang="en-US" altLang="ja-JP" dirty="0"/>
+          </a:p>
+          <a:p>
+            <a:r>
+              <a:rPr kumimoji="1" lang="ja-JP" altLang="en-US" dirty="0"/>
+              <a:t>今お見せしているのは、★</a:t>
             </a:r>
             <a:r>
               <a:rPr kumimoji="1" lang="en-US" altLang="ja-JP" dirty="0"/>
@@ -1427,27 +1496,12 @@
             </a:r>
             <a:r>
               <a:rPr kumimoji="1" lang="ja-JP" altLang="en-US" dirty="0"/>
-              <a:t>というテキストファイルにスクレイピングの結果を上書き保存して、それを読み上げしていたのですが、</a:t>
+              <a:t>というテキストファイルの内容を音声出力するシェルスクリプトです。</a:t>
             </a:r>
             <a:endParaRPr kumimoji="1" lang="en-US" altLang="ja-JP" dirty="0"/>
           </a:p>
           <a:p>
-            <a:r>
-              <a:rPr kumimoji="1" lang="ja-JP" altLang="en-US" dirty="0"/>
-              <a:t>先ほど説明した通り、現在はテキストファイルを個別に分けているため、★音声出力を行うシェルスクリプトも</a:t>
-            </a:r>
-            <a:r>
-              <a:rPr kumimoji="1" lang="en-US" altLang="ja-JP" dirty="0"/>
-              <a:t>4</a:t>
-            </a:r>
-            <a:r>
-              <a:rPr kumimoji="1" lang="ja-JP" altLang="en-US" dirty="0" err="1"/>
-              <a:t>つに</a:t>
-            </a:r>
-            <a:r>
-              <a:rPr kumimoji="1" lang="ja-JP" altLang="en-US" dirty="0"/>
-              <a:t>分けてあります。</a:t>
-            </a:r>
+            <a:endParaRPr kumimoji="1" lang="ja-JP" altLang="en-US" dirty="0"/>
           </a:p>
         </p:txBody>
       </p:sp>
@@ -1477,7 +1531,7 @@
     </p:spTree>
     <p:extLst>
       <p:ext uri="{BB962C8B-B14F-4D97-AF65-F5344CB8AC3E}">
-        <p14:creationId xmlns:p14="http://schemas.microsoft.com/office/powerpoint/2010/main" val="271621818"/>
+        <p14:creationId xmlns:p14="http://schemas.microsoft.com/office/powerpoint/2010/main" val="2285038393"/>
       </p:ext>
     </p:extLst>
   </p:cSld>
@@ -1533,24 +1587,35 @@
           <a:p>
             <a:r>
               <a:rPr kumimoji="1" lang="ja-JP" altLang="en-US" dirty="0"/>
-              <a:t>それでは、これからデモンストレーションに移ります。</a:t>
+              <a:t>以前まではこの★</a:t>
+            </a:r>
+            <a:r>
+              <a:rPr kumimoji="1" lang="en-US" altLang="ja-JP" dirty="0"/>
+              <a:t>result.txt</a:t>
+            </a:r>
+            <a:r>
+              <a:rPr kumimoji="1" lang="ja-JP" altLang="en-US" dirty="0"/>
+              <a:t>というテキストファイルにスクレイピングの結果を上書き保存して、それを読み上げしていたのですが、</a:t>
             </a:r>
             <a:endParaRPr kumimoji="1" lang="en-US" altLang="ja-JP" dirty="0"/>
           </a:p>
           <a:p>
             <a:r>
               <a:rPr kumimoji="1" lang="ja-JP" altLang="en-US" dirty="0"/>
-              <a:t>実際に</a:t>
-            </a:r>
-            <a:r>
-              <a:rPr kumimoji="1" lang="en-US" altLang="ja-JP" dirty="0" err="1"/>
-              <a:t>YoSiE</a:t>
+              <a:t>先ほど説明した通り、現在はテキストファイルを個別に分けているため、★音声出力を行うシェルスクリプトも</a:t>
+            </a:r>
+            <a:r>
+              <a:rPr kumimoji="1" lang="en-US" altLang="ja-JP" dirty="0"/>
+              <a:t>4</a:t>
+            </a:r>
+            <a:r>
+              <a:rPr kumimoji="1" lang="ja-JP" altLang="en-US" dirty="0" err="1"/>
+              <a:t>つに</a:t>
             </a:r>
             <a:r>
               <a:rPr kumimoji="1" lang="ja-JP" altLang="en-US" dirty="0"/>
-              <a:t>を動かしているところをお見せします。</a:t>
-            </a:r>
-            <a:endParaRPr kumimoji="1" lang="en-US" altLang="ja-JP" dirty="0"/>
+              <a:t>分けてあります。</a:t>
+            </a:r>
           </a:p>
         </p:txBody>
       </p:sp>
@@ -1580,7 +1645,7 @@
     </p:spTree>
     <p:extLst>
       <p:ext uri="{BB962C8B-B14F-4D97-AF65-F5344CB8AC3E}">
-        <p14:creationId xmlns:p14="http://schemas.microsoft.com/office/powerpoint/2010/main" val="4148485458"/>
+        <p14:creationId xmlns:p14="http://schemas.microsoft.com/office/powerpoint/2010/main" val="271621818"/>
       </p:ext>
     </p:extLst>
   </p:cSld>
@@ -1636,32 +1701,22 @@
           <a:p>
             <a:r>
               <a:rPr kumimoji="1" lang="ja-JP" altLang="en-US" dirty="0"/>
-              <a:t>今後の計画はこの通りです。</a:t>
+              <a:t>それでは、これからデモンストレーションに移ります。</a:t>
             </a:r>
             <a:endParaRPr kumimoji="1" lang="en-US" altLang="ja-JP" dirty="0"/>
           </a:p>
           <a:p>
             <a:r>
               <a:rPr kumimoji="1" lang="ja-JP" altLang="en-US" dirty="0"/>
-              <a:t>外見のおおまかな構造は決まっていますが、こけし自体と土台をどう作るかは検討中です。</a:t>
-            </a:r>
-            <a:endParaRPr kumimoji="1" lang="en-US" altLang="ja-JP" dirty="0"/>
-          </a:p>
-          <a:p>
+              <a:t>実際に</a:t>
+            </a:r>
+            <a:r>
+              <a:rPr kumimoji="1" lang="en-US" altLang="ja-JP" dirty="0" err="1"/>
+              <a:t>YoSiE</a:t>
+            </a:r>
             <a:r>
               <a:rPr kumimoji="1" lang="ja-JP" altLang="en-US" dirty="0"/>
-              <a:t>現在有力な案は、石粉粘土で作るという案です。</a:t>
-            </a:r>
-            <a:endParaRPr kumimoji="1" lang="en-US" altLang="ja-JP" dirty="0"/>
-          </a:p>
-          <a:p>
-            <a:r>
-              <a:rPr kumimoji="1" lang="en-US" altLang="ja-JP" dirty="0" err="1"/>
-              <a:t>Tech_Students</a:t>
-            </a:r>
-            <a:r>
-              <a:rPr kumimoji="1" lang="ja-JP" altLang="en-US" dirty="0"/>
-              <a:t>に進捗を投稿していきますので、外見の完成をお楽しみに。</a:t>
+              <a:t>を動かしているところをお見せします。</a:t>
             </a:r>
             <a:endParaRPr kumimoji="1" lang="en-US" altLang="ja-JP" dirty="0"/>
           </a:p>
@@ -1693,7 +1748,7 @@
     </p:spTree>
     <p:extLst>
       <p:ext uri="{BB962C8B-B14F-4D97-AF65-F5344CB8AC3E}">
-        <p14:creationId xmlns:p14="http://schemas.microsoft.com/office/powerpoint/2010/main" val="929478742"/>
+        <p14:creationId xmlns:p14="http://schemas.microsoft.com/office/powerpoint/2010/main" val="4148485458"/>
       </p:ext>
     </p:extLst>
   </p:cSld>
@@ -1749,23 +1804,34 @@
           <a:p>
             <a:r>
               <a:rPr kumimoji="1" lang="ja-JP" altLang="en-US" dirty="0"/>
-              <a:t>これで</a:t>
-            </a:r>
-            <a:r>
-              <a:rPr kumimoji="1" lang="en-US" altLang="ja-JP" dirty="0"/>
-              <a:t>AI</a:t>
-            </a:r>
+              <a:t>今後の計画はこの通りです。</a:t>
+            </a:r>
+            <a:endParaRPr kumimoji="1" lang="en-US" altLang="ja-JP" dirty="0"/>
+          </a:p>
+          <a:p>
             <a:r>
               <a:rPr kumimoji="1" lang="ja-JP" altLang="en-US" dirty="0"/>
-              <a:t>スピーカー開発の発表を終わります。</a:t>
+              <a:t>外見のおおまかな構造は決まっていますが、こけし自体と土台をどう作るかは検討中です。</a:t>
             </a:r>
             <a:endParaRPr kumimoji="1" lang="en-US" altLang="ja-JP" dirty="0"/>
           </a:p>
           <a:p>
             <a:r>
               <a:rPr kumimoji="1" lang="ja-JP" altLang="en-US" dirty="0"/>
-              <a:t>これより、質疑応答に移ります。</a:t>
-            </a:r>
+              <a:t>現在有力な案は、石粉粘土で作るという案です。</a:t>
+            </a:r>
+            <a:endParaRPr kumimoji="1" lang="en-US" altLang="ja-JP" dirty="0"/>
+          </a:p>
+          <a:p>
+            <a:r>
+              <a:rPr kumimoji="1" lang="en-US" altLang="ja-JP" dirty="0" err="1"/>
+              <a:t>Tech_Students</a:t>
+            </a:r>
+            <a:r>
+              <a:rPr kumimoji="1" lang="ja-JP" altLang="en-US" dirty="0"/>
+              <a:t>に進捗を投稿していきますので、外見の完成をお楽しみに。</a:t>
+            </a:r>
+            <a:endParaRPr kumimoji="1" lang="en-US" altLang="ja-JP" dirty="0"/>
           </a:p>
         </p:txBody>
       </p:sp>
@@ -1795,7 +1861,7 @@
     </p:spTree>
     <p:extLst>
       <p:ext uri="{BB962C8B-B14F-4D97-AF65-F5344CB8AC3E}">
-        <p14:creationId xmlns:p14="http://schemas.microsoft.com/office/powerpoint/2010/main" val="3992716668"/>
+        <p14:creationId xmlns:p14="http://schemas.microsoft.com/office/powerpoint/2010/main" val="929478742"/>
       </p:ext>
     </p:extLst>
   </p:cSld>
@@ -1974,6 +2040,108 @@
     <p:extLst>
       <p:ext uri="{BB962C8B-B14F-4D97-AF65-F5344CB8AC3E}">
         <p14:creationId xmlns:p14="http://schemas.microsoft.com/office/powerpoint/2010/main" val="3135516046"/>
+      </p:ext>
+    </p:extLst>
+  </p:cSld>
+  <p:clrMapOvr>
+    <a:masterClrMapping/>
+  </p:clrMapOvr>
+</p:notes>
+</file>
+
+<file path=ppt/notesSlides/notesSlide20.xml><?xml version="1.0" encoding="utf-8"?>
+<p:notes xmlns:a="http://schemas.openxmlformats.org/drawingml/2006/main" xmlns:r="http://schemas.openxmlformats.org/officeDocument/2006/relationships" xmlns:p="http://schemas.openxmlformats.org/presentationml/2006/main">
+  <p:cSld>
+    <p:spTree>
+      <p:nvGrpSpPr>
+        <p:cNvPr id="1" name=""/>
+        <p:cNvGrpSpPr/>
+        <p:nvPr/>
+      </p:nvGrpSpPr>
+      <p:grpSpPr>
+        <a:xfrm>
+          <a:off x="0" y="0"/>
+          <a:ext cx="0" cy="0"/>
+          <a:chOff x="0" y="0"/>
+          <a:chExt cx="0" cy="0"/>
+        </a:xfrm>
+      </p:grpSpPr>
+      <p:sp>
+        <p:nvSpPr>
+          <p:cNvPr id="2" name="スライド イメージ プレースホルダー 1"/>
+          <p:cNvSpPr>
+            <a:spLocks noGrp="1" noRot="1" noChangeAspect="1"/>
+          </p:cNvSpPr>
+          <p:nvPr>
+            <p:ph type="sldImg"/>
+          </p:nvPr>
+        </p:nvSpPr>
+        <p:spPr/>
+      </p:sp>
+      <p:sp>
+        <p:nvSpPr>
+          <p:cNvPr id="3" name="ノート プレースホルダー 2"/>
+          <p:cNvSpPr>
+            <a:spLocks noGrp="1"/>
+          </p:cNvSpPr>
+          <p:nvPr>
+            <p:ph type="body" idx="1"/>
+          </p:nvPr>
+        </p:nvSpPr>
+        <p:spPr/>
+        <p:txBody>
+          <a:bodyPr/>
+          <a:lstStyle/>
+          <a:p>
+            <a:r>
+              <a:rPr kumimoji="1" lang="ja-JP" altLang="en-US" dirty="0"/>
+              <a:t>これで</a:t>
+            </a:r>
+            <a:r>
+              <a:rPr kumimoji="1" lang="en-US" altLang="ja-JP" dirty="0"/>
+              <a:t>AI</a:t>
+            </a:r>
+            <a:r>
+              <a:rPr kumimoji="1" lang="ja-JP" altLang="en-US" dirty="0"/>
+              <a:t>スピーカー開発の発表を終わります。</a:t>
+            </a:r>
+            <a:endParaRPr kumimoji="1" lang="en-US" altLang="ja-JP" dirty="0"/>
+          </a:p>
+          <a:p>
+            <a:r>
+              <a:rPr kumimoji="1" lang="ja-JP" altLang="en-US" dirty="0"/>
+              <a:t>これより、質疑応答に移ります。</a:t>
+            </a:r>
+          </a:p>
+        </p:txBody>
+      </p:sp>
+      <p:sp>
+        <p:nvSpPr>
+          <p:cNvPr id="4" name="スライド番号プレースホルダー 3"/>
+          <p:cNvSpPr>
+            <a:spLocks noGrp="1"/>
+          </p:cNvSpPr>
+          <p:nvPr>
+            <p:ph type="sldNum" sz="quarter" idx="5"/>
+          </p:nvPr>
+        </p:nvSpPr>
+        <p:spPr/>
+        <p:txBody>
+          <a:bodyPr/>
+          <a:lstStyle/>
+          <a:p>
+            <a:fld id="{1A2E7C28-4903-4521-8E60-0F80C627678B}" type="slidenum">
+              <a:rPr kumimoji="1" lang="ja-JP" altLang="en-US" smtClean="0"/>
+              <a:t>23</a:t>
+            </a:fld>
+            <a:endParaRPr kumimoji="1" lang="ja-JP" altLang="en-US"/>
+          </a:p>
+        </p:txBody>
+      </p:sp>
+    </p:spTree>
+    <p:extLst>
+      <p:ext uri="{BB962C8B-B14F-4D97-AF65-F5344CB8AC3E}">
+        <p14:creationId xmlns:p14="http://schemas.microsoft.com/office/powerpoint/2010/main" val="3992716668"/>
       </p:ext>
     </p:extLst>
   </p:cSld>
@@ -2472,29 +2640,92 @@
             </a:r>
             <a:r>
               <a:rPr kumimoji="1" lang="ja-JP" altLang="en-US" dirty="0"/>
-              <a:t>の音声認識の精度を上げる方法に記述文法音声というものがあり、辞書ファイルというファイルに認識させたい単語や文章パターンを登録することで、その文章のみを認識してくれる、というものです。</a:t>
+              <a:t>で音声認識を行うには、辞書データが必要です。</a:t>
             </a:r>
             <a:endParaRPr kumimoji="1" lang="en-US" altLang="ja-JP" dirty="0"/>
           </a:p>
           <a:p>
             <a:r>
               <a:rPr kumimoji="1" lang="ja-JP" altLang="en-US" dirty="0"/>
-              <a:t>これにより、認識させたい文章パターンを大量に登録して、想定される質問の認識精度を上げています。</a:t>
+              <a:t>デフォルトではディクテーションキットという、</a:t>
+            </a:r>
+            <a:r>
+              <a:rPr kumimoji="1" lang="en-US" altLang="ja-JP" dirty="0"/>
+              <a:t>Julius</a:t>
+            </a:r>
+            <a:r>
+              <a:rPr kumimoji="1" lang="ja-JP" altLang="en-US" dirty="0" err="1"/>
+              <a:t>が提</a:t>
+            </a:r>
+            <a:r>
+              <a:rPr kumimoji="1" lang="ja-JP" altLang="en-US" dirty="0"/>
+              <a:t>供している辞書データが設定されています。</a:t>
             </a:r>
             <a:endParaRPr kumimoji="1" lang="en-US" altLang="ja-JP" dirty="0"/>
           </a:p>
           <a:p>
             <a:r>
               <a:rPr kumimoji="1" lang="ja-JP" altLang="en-US" dirty="0"/>
-              <a:t>今ご覧になっているテキストデータは、辞書ファイルのうちの語彙ファイルというもので、これの一部分を抜き出して説明したいと思います。★★</a:t>
+              <a:t>このディクテーションキットは認識できる単語の量が非常に多いですが、その分認識の精度が低く、理想通りの結果が出にくいという難点があります。</a:t>
             </a:r>
             <a:endParaRPr kumimoji="1" lang="en-US" altLang="ja-JP" dirty="0"/>
           </a:p>
           <a:p>
+            <a:r>
+              <a:rPr kumimoji="1" lang="ja-JP" altLang="en-US" dirty="0"/>
+              <a:t>一方で、記述文法音声認識という辞書データを自作する方法もあり、こちらでは作成した辞書データによって特定の単語を高精度で認識することができます。</a:t>
+            </a:r>
             <a:endParaRPr kumimoji="1" lang="en-US" altLang="ja-JP" dirty="0"/>
           </a:p>
           <a:p>
-            <a:endParaRPr kumimoji="1" lang="ja-JP" altLang="en-US" dirty="0"/>
+            <a:r>
+              <a:rPr kumimoji="1" lang="ja-JP" altLang="en-US" dirty="0"/>
+              <a:t>ただし、辞書データに書いた単語以外を認識しないので、認識できる単語の量は辞書データの量に比例します。</a:t>
+            </a:r>
+            <a:endParaRPr kumimoji="1" lang="en-US" altLang="ja-JP" dirty="0"/>
+          </a:p>
+          <a:p>
+            <a:endParaRPr kumimoji="1" lang="en-US" altLang="ja-JP" dirty="0"/>
+          </a:p>
+          <a:p>
+            <a:r>
+              <a:rPr kumimoji="1" lang="ja-JP" altLang="en-US" dirty="0"/>
+              <a:t>今回のプロジェクトでは、認識した文章を</a:t>
+            </a:r>
+            <a:r>
+              <a:rPr kumimoji="1" lang="en-US" altLang="ja-JP" dirty="0"/>
+              <a:t>AI</a:t>
+            </a:r>
+            <a:r>
+              <a:rPr kumimoji="1" lang="ja-JP" altLang="en-US" dirty="0"/>
+              <a:t>でテキスト分類するため、認識した文章が意味の通る文章でなければなりません。</a:t>
+            </a:r>
+            <a:endParaRPr kumimoji="1" lang="en-US" altLang="ja-JP" dirty="0"/>
+          </a:p>
+          <a:p>
+            <a:r>
+              <a:rPr kumimoji="1" lang="ja-JP" altLang="en-US" dirty="0"/>
+              <a:t>そのため、★記述文法音声認識を採用しています。</a:t>
+            </a:r>
+            <a:endParaRPr kumimoji="1" lang="en-US" altLang="ja-JP" dirty="0"/>
+          </a:p>
+          <a:p>
+            <a:r>
+              <a:rPr kumimoji="1" lang="en-US" altLang="ja-JP" dirty="0"/>
+              <a:t>AI</a:t>
+            </a:r>
+            <a:r>
+              <a:rPr kumimoji="1" lang="ja-JP" altLang="en-US" dirty="0"/>
+              <a:t>スピーカーへ投げかける台詞のパターンを考え、必要となる単語を洗い出して辞書データを作成しました。</a:t>
+            </a:r>
+            <a:endParaRPr kumimoji="1" lang="en-US" altLang="ja-JP" dirty="0"/>
+          </a:p>
+          <a:p>
+            <a:r>
+              <a:rPr kumimoji="1" lang="ja-JP" altLang="en-US" dirty="0"/>
+              <a:t>次に、記述文法音声認識で作成した辞書データについて説明します。</a:t>
+            </a:r>
+            <a:endParaRPr kumimoji="1" lang="en-US" altLang="ja-JP" dirty="0"/>
           </a:p>
         </p:txBody>
       </p:sp>
@@ -2524,7 +2755,7 @@
     </p:spTree>
     <p:extLst>
       <p:ext uri="{BB962C8B-B14F-4D97-AF65-F5344CB8AC3E}">
-        <p14:creationId xmlns:p14="http://schemas.microsoft.com/office/powerpoint/2010/main" val="1894952482"/>
+        <p14:creationId xmlns:p14="http://schemas.microsoft.com/office/powerpoint/2010/main" val="1691898917"/>
       </p:ext>
     </p:extLst>
   </p:cSld>
@@ -2580,37 +2811,15 @@
           <a:p>
             <a:r>
               <a:rPr kumimoji="1" lang="ja-JP" altLang="en-US" dirty="0"/>
-              <a:t>こちらは</a:t>
-            </a:r>
-            <a:r>
-              <a:rPr kumimoji="1" lang="en-US" altLang="ja-JP" dirty="0"/>
-              <a:t>12</a:t>
-            </a:r>
-            <a:r>
-              <a:rPr kumimoji="1" lang="ja-JP" altLang="en-US" dirty="0"/>
-              <a:t>星座の単語を登録してる部分です。星座占いに関する文章を認識するために登録しています。</a:t>
+              <a:t>今ご覧になっているテキストデータは、辞書ファイルのうちの語彙ファイルというもので、これの一部分を抜き出して説明したいと思います。★★</a:t>
             </a:r>
             <a:endParaRPr kumimoji="1" lang="en-US" altLang="ja-JP" dirty="0"/>
           </a:p>
           <a:p>
-            <a:r>
-              <a:rPr kumimoji="1" lang="ja-JP" altLang="en-US" dirty="0"/>
-              <a:t>★一番上に書かれているのがラベル名で、関連する単語を一つのラベルにまとめて扱っています。</a:t>
-            </a:r>
             <a:endParaRPr kumimoji="1" lang="en-US" altLang="ja-JP" dirty="0"/>
           </a:p>
           <a:p>
-            <a:r>
-              <a:rPr kumimoji="1" lang="ja-JP" altLang="en-US" dirty="0"/>
-              <a:t>★次に、左側に書いているのが、認識したい単語を記述していて、</a:t>
-            </a:r>
-            <a:endParaRPr kumimoji="1" lang="en-US" altLang="ja-JP" dirty="0"/>
-          </a:p>
-          <a:p>
-            <a:r>
-              <a:rPr kumimoji="1" lang="ja-JP" altLang="en-US" dirty="0"/>
-              <a:t>★その右側に、読み仮名をアルファベット表記にしたものが記述されています。</a:t>
-            </a:r>
+            <a:endParaRPr kumimoji="1" lang="ja-JP" altLang="en-US" dirty="0"/>
           </a:p>
         </p:txBody>
       </p:sp>
@@ -2631,7 +2840,7 @@
           <a:p>
             <a:fld id="{1A2E7C28-4903-4521-8E60-0F80C627678B}" type="slidenum">
               <a:rPr kumimoji="1" lang="ja-JP" altLang="en-US" smtClean="0"/>
-              <a:t>8</a:t>
+              <a:t>7</a:t>
             </a:fld>
             <a:endParaRPr kumimoji="1" lang="ja-JP" altLang="en-US"/>
           </a:p>
@@ -2640,7 +2849,7 @@
     </p:spTree>
     <p:extLst>
       <p:ext uri="{BB962C8B-B14F-4D97-AF65-F5344CB8AC3E}">
-        <p14:creationId xmlns:p14="http://schemas.microsoft.com/office/powerpoint/2010/main" val="1467259946"/>
+        <p14:creationId xmlns:p14="http://schemas.microsoft.com/office/powerpoint/2010/main" val="1894952482"/>
       </p:ext>
     </p:extLst>
   </p:cSld>
@@ -2696,30 +2905,36 @@
           <a:p>
             <a:r>
               <a:rPr kumimoji="1" lang="ja-JP" altLang="en-US" dirty="0"/>
-              <a:t>そして、これが辞書ファイルのうちの構文ファイルというもので、先ほど紹介したラベル名を組み合わせて文章パターンを構成しています。</a:t>
+              <a:t>こちらは</a:t>
+            </a:r>
+            <a:r>
+              <a:rPr kumimoji="1" lang="en-US" altLang="ja-JP" dirty="0"/>
+              <a:t>12</a:t>
+            </a:r>
+            <a:r>
+              <a:rPr kumimoji="1" lang="ja-JP" altLang="en-US" dirty="0"/>
+              <a:t>星座の単語を登録してる部分です。星座占いに関する文章を認識するために登録しています。</a:t>
             </a:r>
             <a:endParaRPr kumimoji="1" lang="en-US" altLang="ja-JP" dirty="0"/>
           </a:p>
           <a:p>
             <a:r>
               <a:rPr kumimoji="1" lang="ja-JP" altLang="en-US" dirty="0"/>
-              <a:t>辞書ファイルの詳しい説明に関しては、</a:t>
-            </a:r>
-            <a:r>
-              <a:rPr kumimoji="1" lang="en-US" altLang="ja-JP" dirty="0"/>
-              <a:t>Google classroom</a:t>
-            </a:r>
+              <a:t>★一番上に書かれているのがラベル名で、関連する単語を一つのラベルにまとめて扱っています。</a:t>
+            </a:r>
+            <a:endParaRPr kumimoji="1" lang="en-US" altLang="ja-JP" dirty="0"/>
+          </a:p>
+          <a:p>
             <a:r>
               <a:rPr kumimoji="1" lang="ja-JP" altLang="en-US" dirty="0"/>
-              <a:t>の</a:t>
-            </a:r>
-            <a:r>
-              <a:rPr kumimoji="1" lang="en-US" altLang="ja-JP" dirty="0" err="1"/>
-              <a:t>Tech_students</a:t>
-            </a:r>
+              <a:t>★次に、左側に書いているのが、認識したい単語を記述していて、</a:t>
+            </a:r>
+            <a:endParaRPr kumimoji="1" lang="en-US" altLang="ja-JP" dirty="0"/>
+          </a:p>
+          <a:p>
             <a:r>
               <a:rPr kumimoji="1" lang="ja-JP" altLang="en-US" dirty="0"/>
-              <a:t>に投稿してあるので、興味のある方はそちらを覗いてみてください。</a:t>
+              <a:t>★その右側に、読み仮名をアルファベット表記にしたものが記述されています。</a:t>
             </a:r>
           </a:p>
         </p:txBody>
@@ -2750,7 +2965,7 @@
     </p:spTree>
     <p:extLst>
       <p:ext uri="{BB962C8B-B14F-4D97-AF65-F5344CB8AC3E}">
-        <p14:creationId xmlns:p14="http://schemas.microsoft.com/office/powerpoint/2010/main" val="2168743056"/>
+        <p14:creationId xmlns:p14="http://schemas.microsoft.com/office/powerpoint/2010/main" val="1467259946"/>
       </p:ext>
     </p:extLst>
   </p:cSld>
@@ -2806,72 +3021,30 @@
           <a:p>
             <a:r>
               <a:rPr kumimoji="1" lang="ja-JP" altLang="en-US" dirty="0"/>
-              <a:t>次に、要素技術とは少し離れますが、ウェイクワードについて説明します。</a:t>
+              <a:t>そして、これが辞書ファイルのうちの構文ファイルというもので、先ほど紹介したラベル名を組み合わせて文章パターンを構成しています。</a:t>
             </a:r>
             <a:endParaRPr kumimoji="1" lang="en-US" altLang="ja-JP" dirty="0"/>
           </a:p>
           <a:p>
             <a:r>
               <a:rPr kumimoji="1" lang="ja-JP" altLang="en-US" dirty="0"/>
-              <a:t>ウェイクワードとは、</a:t>
+              <a:t>辞書ファイルの詳しい説明に関しては、</a:t>
             </a:r>
             <a:r>
               <a:rPr kumimoji="1" lang="en-US" altLang="ja-JP" dirty="0"/>
-              <a:t>AI</a:t>
+              <a:t>Google classroom</a:t>
             </a:r>
             <a:r>
               <a:rPr kumimoji="1" lang="ja-JP" altLang="en-US" dirty="0"/>
-              <a:t>スピーカーや</a:t>
-            </a:r>
-            <a:r>
-              <a:rPr kumimoji="1" lang="en-US" altLang="ja-JP" dirty="0"/>
-              <a:t>AI</a:t>
+              <a:t>の</a:t>
+            </a:r>
+            <a:r>
+              <a:rPr kumimoji="1" lang="en-US" altLang="ja-JP" dirty="0" err="1"/>
+              <a:t>Tech_students</a:t>
             </a:r>
             <a:r>
               <a:rPr kumimoji="1" lang="ja-JP" altLang="en-US" dirty="0"/>
-              <a:t>アシスタントを起動する際の合言葉のようなもので、</a:t>
-            </a:r>
-            <a:endParaRPr kumimoji="1" lang="en-US" altLang="ja-JP" dirty="0"/>
-          </a:p>
-          <a:p>
-            <a:r>
-              <a:rPr kumimoji="1" lang="ja-JP" altLang="en-US" dirty="0"/>
-              <a:t>有名なものだと「</a:t>
-            </a:r>
-            <a:r>
-              <a:rPr kumimoji="1" lang="en-US" altLang="ja-JP" dirty="0" err="1"/>
-              <a:t>OK,Google</a:t>
-            </a:r>
-            <a:r>
-              <a:rPr kumimoji="1" lang="ja-JP" altLang="en-US" dirty="0"/>
-              <a:t>」や「</a:t>
-            </a:r>
-            <a:r>
-              <a:rPr kumimoji="1" lang="en-US" altLang="ja-JP" dirty="0" err="1"/>
-              <a:t>Hey,Siri</a:t>
-            </a:r>
-            <a:r>
-              <a:rPr kumimoji="1" lang="ja-JP" altLang="en-US" dirty="0"/>
-              <a:t>」などがあります。</a:t>
-            </a:r>
-            <a:endParaRPr kumimoji="1" lang="en-US" altLang="ja-JP" dirty="0"/>
-          </a:p>
-          <a:p>
-            <a:r>
-              <a:rPr kumimoji="1" lang="en-US" altLang="ja-JP" dirty="0" err="1"/>
-              <a:t>YoSiE</a:t>
-            </a:r>
-            <a:r>
-              <a:rPr kumimoji="1" lang="ja-JP" altLang="en-US" dirty="0"/>
-              <a:t>のウェイクワードは、★「ねぇ</a:t>
-            </a:r>
-            <a:r>
-              <a:rPr kumimoji="1" lang="en-US" altLang="ja-JP" dirty="0" err="1"/>
-              <a:t>YoSiE</a:t>
-            </a:r>
-            <a:r>
-              <a:rPr kumimoji="1" lang="ja-JP" altLang="en-US" dirty="0"/>
-              <a:t>」です</a:t>
+              <a:t>に投稿してあるので、興味のある方はそちらを覗いてみてください。</a:t>
             </a:r>
           </a:p>
         </p:txBody>
@@ -2902,7 +3075,7 @@
     </p:spTree>
     <p:extLst>
       <p:ext uri="{BB962C8B-B14F-4D97-AF65-F5344CB8AC3E}">
-        <p14:creationId xmlns:p14="http://schemas.microsoft.com/office/powerpoint/2010/main" val="3647188465"/>
+        <p14:creationId xmlns:p14="http://schemas.microsoft.com/office/powerpoint/2010/main" val="2168743056"/>
       </p:ext>
     </p:extLst>
   </p:cSld>
@@ -6672,6 +6845,123 @@
           <a:chExt cx="0" cy="0"/>
         </a:xfrm>
       </p:grpSpPr>
+      <p:pic>
+        <p:nvPicPr>
+          <p:cNvPr id="4" name="コンテンツ プレースホルダー 4">
+            <a:extLst>
+              <a:ext uri="{FF2B5EF4-FFF2-40B4-BE49-F238E27FC236}">
+                <a16:creationId xmlns:a16="http://schemas.microsoft.com/office/drawing/2014/main" id="{BE79CC01-937C-46F7-8B96-CF582E23022E}"/>
+              </a:ext>
+            </a:extLst>
+          </p:cNvPr>
+          <p:cNvPicPr>
+            <a:picLocks noGrp="1" noChangeAspect="1"/>
+          </p:cNvPicPr>
+          <p:nvPr>
+            <p:ph idx="1"/>
+          </p:nvPr>
+        </p:nvPicPr>
+        <p:blipFill>
+          <a:blip r:embed="rId3">
+            <a:extLst>
+              <a:ext uri="{28A0092B-C50C-407E-A947-70E740481C1C}">
+                <a14:useLocalDpi xmlns:a14="http://schemas.microsoft.com/office/drawing/2010/main" val="0"/>
+              </a:ext>
+            </a:extLst>
+          </a:blip>
+          <a:stretch>
+            <a:fillRect/>
+          </a:stretch>
+        </p:blipFill>
+        <p:spPr>
+          <a:xfrm>
+            <a:off x="369379" y="435227"/>
+            <a:ext cx="8874011" cy="6057648"/>
+          </a:xfrm>
+        </p:spPr>
+      </p:pic>
+      <p:sp>
+        <p:nvSpPr>
+          <p:cNvPr id="3" name="正方形/長方形 2">
+            <a:extLst>
+              <a:ext uri="{FF2B5EF4-FFF2-40B4-BE49-F238E27FC236}">
+                <a16:creationId xmlns:a16="http://schemas.microsoft.com/office/drawing/2014/main" id="{E65E1ED0-6F43-4831-B379-431CFBA421BC}"/>
+              </a:ext>
+            </a:extLst>
+          </p:cNvPr>
+          <p:cNvSpPr/>
+          <p:nvPr/>
+        </p:nvSpPr>
+        <p:spPr>
+          <a:xfrm>
+            <a:off x="9508067" y="0"/>
+            <a:ext cx="2683933" cy="1593908"/>
+          </a:xfrm>
+          <a:prstGeom prst="rect">
+            <a:avLst/>
+          </a:prstGeom>
+          <a:solidFill>
+            <a:schemeClr val="accent6">
+              <a:lumMod val="60000"/>
+              <a:lumOff val="40000"/>
+            </a:schemeClr>
+          </a:solidFill>
+        </p:spPr>
+        <p:style>
+          <a:lnRef idx="2">
+            <a:schemeClr val="accent1">
+              <a:shade val="50000"/>
+            </a:schemeClr>
+          </a:lnRef>
+          <a:fillRef idx="1">
+            <a:schemeClr val="accent1"/>
+          </a:fillRef>
+          <a:effectRef idx="0">
+            <a:schemeClr val="accent1"/>
+          </a:effectRef>
+          <a:fontRef idx="minor">
+            <a:schemeClr val="lt1"/>
+          </a:fontRef>
+        </p:style>
+        <p:txBody>
+          <a:bodyPr rtlCol="0" anchor="ctr"/>
+          <a:lstStyle/>
+          <a:p>
+            <a:pPr algn="ctr"/>
+            <a:endParaRPr kumimoji="1" lang="ja-JP" altLang="en-US"/>
+          </a:p>
+        </p:txBody>
+      </p:sp>
+    </p:spTree>
+    <p:extLst>
+      <p:ext uri="{BB962C8B-B14F-4D97-AF65-F5344CB8AC3E}">
+        <p14:creationId xmlns:p14="http://schemas.microsoft.com/office/powerpoint/2010/main" val="1777870553"/>
+      </p:ext>
+    </p:extLst>
+  </p:cSld>
+  <p:clrMapOvr>
+    <a:masterClrMapping/>
+  </p:clrMapOvr>
+</p:sld>
+</file>
+
+<file path=ppt/slides/slide11.xml><?xml version="1.0" encoding="utf-8"?>
+<p:sld xmlns:a="http://schemas.openxmlformats.org/drawingml/2006/main" xmlns:r="http://schemas.openxmlformats.org/officeDocument/2006/relationships" xmlns:p="http://schemas.openxmlformats.org/presentationml/2006/main">
+  <p:cSld>
+    <p:spTree>
+      <p:nvGrpSpPr>
+        <p:cNvPr id="1" name=""/>
+        <p:cNvGrpSpPr/>
+        <p:nvPr/>
+      </p:nvGrpSpPr>
+      <p:grpSpPr>
+        <a:xfrm>
+          <a:off x="0" y="0"/>
+          <a:ext cx="0" cy="0"/>
+          <a:chOff x="0" y="0"/>
+          <a:chExt cx="0" cy="0"/>
+        </a:xfrm>
+      </p:grpSpPr>
       <p:sp>
         <p:nvSpPr>
           <p:cNvPr id="2" name="タイトル 1">
@@ -7125,7 +7415,7 @@
 </p:sld>
 </file>
 
-<file path=ppt/slides/slide11.xml><?xml version="1.0" encoding="utf-8"?>
+<file path=ppt/slides/slide12.xml><?xml version="1.0" encoding="utf-8"?>
 <p:sld xmlns:a="http://schemas.openxmlformats.org/drawingml/2006/main" xmlns:r="http://schemas.openxmlformats.org/officeDocument/2006/relationships" xmlns:p="http://schemas.openxmlformats.org/presentationml/2006/main">
   <p:cSld>
     <p:spTree>
@@ -7399,7 +7689,7 @@
 </p:sld>
 </file>
 
-<file path=ppt/slides/slide12.xml><?xml version="1.0" encoding="utf-8"?>
+<file path=ppt/slides/slide13.xml><?xml version="1.0" encoding="utf-8"?>
 <p:sld xmlns:a="http://schemas.openxmlformats.org/drawingml/2006/main" xmlns:r="http://schemas.openxmlformats.org/officeDocument/2006/relationships" xmlns:p="http://schemas.openxmlformats.org/presentationml/2006/main">
   <p:cSld>
     <p:spTree>
@@ -8116,7 +8406,7 @@
 </p:sld>
 </file>
 
-<file path=ppt/slides/slide13.xml><?xml version="1.0" encoding="utf-8"?>
+<file path=ppt/slides/slide14.xml><?xml version="1.0" encoding="utf-8"?>
 <p:sld xmlns:a="http://schemas.openxmlformats.org/drawingml/2006/main" xmlns:r="http://schemas.openxmlformats.org/officeDocument/2006/relationships" xmlns:p="http://schemas.openxmlformats.org/presentationml/2006/main">
   <p:cSld>
     <p:spTree>
@@ -8265,7 +8555,7 @@
 </p:sld>
 </file>
 
-<file path=ppt/slides/slide14.xml><?xml version="1.0" encoding="utf-8"?>
+<file path=ppt/slides/slide15.xml><?xml version="1.0" encoding="utf-8"?>
 <p:sld xmlns:a="http://schemas.openxmlformats.org/drawingml/2006/main" xmlns:r="http://schemas.openxmlformats.org/officeDocument/2006/relationships" xmlns:p="http://schemas.openxmlformats.org/presentationml/2006/main">
   <p:cSld>
     <p:spTree>
@@ -8402,387 +8692,6 @@
     <p:extLst>
       <p:ext uri="{BB962C8B-B14F-4D97-AF65-F5344CB8AC3E}">
         <p14:creationId xmlns:p14="http://schemas.microsoft.com/office/powerpoint/2010/main" val="485649647"/>
-      </p:ext>
-    </p:extLst>
-  </p:cSld>
-  <p:clrMapOvr>
-    <a:masterClrMapping/>
-  </p:clrMapOvr>
-</p:sld>
-</file>
-
-<file path=ppt/slides/slide15.xml><?xml version="1.0" encoding="utf-8"?>
-<p:sld xmlns:a="http://schemas.openxmlformats.org/drawingml/2006/main" xmlns:r="http://schemas.openxmlformats.org/officeDocument/2006/relationships" xmlns:p="http://schemas.openxmlformats.org/presentationml/2006/main">
-  <p:cSld>
-    <p:spTree>
-      <p:nvGrpSpPr>
-        <p:cNvPr id="1" name=""/>
-        <p:cNvGrpSpPr/>
-        <p:nvPr/>
-      </p:nvGrpSpPr>
-      <p:grpSpPr>
-        <a:xfrm>
-          <a:off x="0" y="0"/>
-          <a:ext cx="0" cy="0"/>
-          <a:chOff x="0" y="0"/>
-          <a:chExt cx="0" cy="0"/>
-        </a:xfrm>
-      </p:grpSpPr>
-      <p:sp>
-        <p:nvSpPr>
-          <p:cNvPr id="2" name="タイトル 1">
-            <a:extLst>
-              <a:ext uri="{FF2B5EF4-FFF2-40B4-BE49-F238E27FC236}">
-                <a16:creationId xmlns:a16="http://schemas.microsoft.com/office/drawing/2014/main" id="{83802C4E-2E3E-4349-846A-F90F72A28924}"/>
-              </a:ext>
-            </a:extLst>
-          </p:cNvPr>
-          <p:cNvSpPr>
-            <a:spLocks noGrp="1"/>
-          </p:cNvSpPr>
-          <p:nvPr>
-            <p:ph type="title"/>
-          </p:nvPr>
-        </p:nvSpPr>
-        <p:spPr/>
-        <p:txBody>
-          <a:bodyPr/>
-          <a:lstStyle/>
-          <a:p>
-            <a:r>
-              <a:rPr lang="ja-JP" altLang="en-US" b="1" dirty="0">
-                <a:ln>
-                  <a:solidFill>
-                    <a:schemeClr val="tx1"/>
-                  </a:solidFill>
-                </a:ln>
-                <a:solidFill>
-                  <a:schemeClr val="accent6">
-                    <a:lumMod val="75000"/>
-                  </a:schemeClr>
-                </a:solidFill>
-                <a:latin typeface="HGS明朝E" panose="02020900000000000000" pitchFamily="18" charset="-128"/>
-                <a:ea typeface="HGS明朝E" panose="02020900000000000000" pitchFamily="18" charset="-128"/>
-              </a:rPr>
-              <a:t>出力するデータを取得</a:t>
-            </a:r>
-            <a:endParaRPr kumimoji="1" lang="ja-JP" altLang="en-US" b="1" dirty="0">
-              <a:ln>
-                <a:solidFill>
-                  <a:schemeClr val="tx1"/>
-                </a:solidFill>
-              </a:ln>
-              <a:solidFill>
-                <a:schemeClr val="accent6">
-                  <a:lumMod val="75000"/>
-                </a:schemeClr>
-              </a:solidFill>
-              <a:latin typeface="HGS明朝E" panose="02020900000000000000" pitchFamily="18" charset="-128"/>
-              <a:ea typeface="HGS明朝E" panose="02020900000000000000" pitchFamily="18" charset="-128"/>
-            </a:endParaRPr>
-          </a:p>
-        </p:txBody>
-      </p:sp>
-      <p:sp>
-        <p:nvSpPr>
-          <p:cNvPr id="5" name="正方形/長方形 4">
-            <a:extLst>
-              <a:ext uri="{FF2B5EF4-FFF2-40B4-BE49-F238E27FC236}">
-                <a16:creationId xmlns:a16="http://schemas.microsoft.com/office/drawing/2014/main" id="{C00C05B2-7221-4496-A116-94B0D8E45A2D}"/>
-              </a:ext>
-            </a:extLst>
-          </p:cNvPr>
-          <p:cNvSpPr/>
-          <p:nvPr/>
-        </p:nvSpPr>
-        <p:spPr>
-          <a:xfrm>
-            <a:off x="9508067" y="0"/>
-            <a:ext cx="2683933" cy="1593908"/>
-          </a:xfrm>
-          <a:prstGeom prst="rect">
-            <a:avLst/>
-          </a:prstGeom>
-          <a:solidFill>
-            <a:schemeClr val="accent6">
-              <a:lumMod val="60000"/>
-              <a:lumOff val="40000"/>
-            </a:schemeClr>
-          </a:solidFill>
-        </p:spPr>
-        <p:style>
-          <a:lnRef idx="2">
-            <a:schemeClr val="accent1">
-              <a:shade val="50000"/>
-            </a:schemeClr>
-          </a:lnRef>
-          <a:fillRef idx="1">
-            <a:schemeClr val="accent1"/>
-          </a:fillRef>
-          <a:effectRef idx="0">
-            <a:schemeClr val="accent1"/>
-          </a:effectRef>
-          <a:fontRef idx="minor">
-            <a:schemeClr val="lt1"/>
-          </a:fontRef>
-        </p:style>
-        <p:txBody>
-          <a:bodyPr rtlCol="0" anchor="ctr"/>
-          <a:lstStyle/>
-          <a:p>
-            <a:pPr algn="ctr"/>
-            <a:endParaRPr kumimoji="1" lang="ja-JP" altLang="en-US"/>
-          </a:p>
-        </p:txBody>
-      </p:sp>
-      <p:sp>
-        <p:nvSpPr>
-          <p:cNvPr id="7" name="テキスト ボックス 6">
-            <a:extLst>
-              <a:ext uri="{FF2B5EF4-FFF2-40B4-BE49-F238E27FC236}">
-                <a16:creationId xmlns:a16="http://schemas.microsoft.com/office/drawing/2014/main" id="{538A1AC8-CE4F-4286-A880-D105B44A2385}"/>
-              </a:ext>
-            </a:extLst>
-          </p:cNvPr>
-          <p:cNvSpPr txBox="1"/>
-          <p:nvPr/>
-        </p:nvSpPr>
-        <p:spPr>
-          <a:xfrm>
-            <a:off x="644124" y="1901627"/>
-            <a:ext cx="8275471" cy="3385542"/>
-          </a:xfrm>
-          <a:prstGeom prst="rect">
-            <a:avLst/>
-          </a:prstGeom>
-          <a:noFill/>
-        </p:spPr>
-        <p:txBody>
-          <a:bodyPr wrap="square" rtlCol="0">
-            <a:spAutoFit/>
-          </a:bodyPr>
-          <a:lstStyle/>
-          <a:p>
-            <a:pPr>
-              <a:buClr>
-                <a:schemeClr val="tx1"/>
-              </a:buClr>
-            </a:pPr>
-            <a:r>
-              <a:rPr lang="ja-JP" altLang="en-US" sz="4000" b="1" dirty="0"/>
-              <a:t>・スクレイピング</a:t>
-            </a:r>
-            <a:endParaRPr lang="en-US" altLang="ja-JP" sz="4000" b="1" dirty="0"/>
-          </a:p>
-          <a:p>
-            <a:pPr>
-              <a:buClr>
-                <a:schemeClr val="tx1"/>
-              </a:buClr>
-            </a:pPr>
-            <a:r>
-              <a:rPr lang="ja-JP" altLang="en-US" sz="4000" dirty="0"/>
-              <a:t> </a:t>
-            </a:r>
-            <a:r>
-              <a:rPr lang="en-US" altLang="ja-JP" sz="4000" dirty="0"/>
-              <a:t>【</a:t>
-            </a:r>
-            <a:r>
-              <a:rPr lang="en-US" altLang="ja-JP" sz="3600" dirty="0"/>
-              <a:t>BeautifulSoup4】</a:t>
-            </a:r>
-            <a:endParaRPr lang="en-US" altLang="ja-JP" sz="4000" dirty="0"/>
-          </a:p>
-          <a:p>
-            <a:pPr>
-              <a:buClr>
-                <a:schemeClr val="tx1"/>
-              </a:buClr>
-            </a:pPr>
-            <a:r>
-              <a:rPr lang="ja-JP" altLang="en-US" sz="4000" dirty="0">
-                <a:latin typeface="+mn-ea"/>
-              </a:rPr>
-              <a:t>　</a:t>
-            </a:r>
-            <a:r>
-              <a:rPr lang="en-US" altLang="ja-JP" sz="3200" dirty="0">
-                <a:latin typeface="+mn-ea"/>
-              </a:rPr>
-              <a:t>HTML</a:t>
-            </a:r>
-            <a:r>
-              <a:rPr lang="ja-JP" altLang="en-US" sz="3200" dirty="0"/>
-              <a:t>からテキストデータを取得</a:t>
-            </a:r>
-            <a:endParaRPr lang="en-US" altLang="ja-JP" sz="3200" dirty="0"/>
-          </a:p>
-          <a:p>
-            <a:pPr>
-              <a:buClr>
-                <a:schemeClr val="tx1"/>
-              </a:buClr>
-            </a:pPr>
-            <a:r>
-              <a:rPr lang="ja-JP" altLang="en-US" sz="4000" b="1" dirty="0">
-                <a:solidFill>
-                  <a:sysClr val="windowText" lastClr="000000"/>
-                </a:solidFill>
-              </a:rPr>
-              <a:t>・</a:t>
-            </a:r>
-            <a:r>
-              <a:rPr lang="en-US" altLang="ja-JP" sz="4000" b="1" dirty="0">
-                <a:solidFill>
-                  <a:sysClr val="windowText" lastClr="000000"/>
-                </a:solidFill>
-              </a:rPr>
-              <a:t>Datetime</a:t>
-            </a:r>
-            <a:r>
-              <a:rPr lang="ja-JP" altLang="en-US" sz="4000" b="1" dirty="0">
-                <a:solidFill>
-                  <a:sysClr val="windowText" lastClr="000000"/>
-                </a:solidFill>
-              </a:rPr>
-              <a:t>モジュール</a:t>
-            </a:r>
-            <a:endParaRPr lang="en-US" altLang="ja-JP" sz="4000" b="1" dirty="0">
-              <a:solidFill>
-                <a:sysClr val="windowText" lastClr="000000"/>
-              </a:solidFill>
-            </a:endParaRPr>
-          </a:p>
-          <a:p>
-            <a:pPr>
-              <a:buClr>
-                <a:schemeClr val="tx1"/>
-              </a:buClr>
-            </a:pPr>
-            <a:r>
-              <a:rPr lang="ja-JP" altLang="en-US" sz="3600" b="1" dirty="0">
-                <a:ln>
-                  <a:solidFill>
-                    <a:schemeClr val="tx1"/>
-                  </a:solidFill>
-                </a:ln>
-                <a:solidFill>
-                  <a:schemeClr val="accent6">
-                    <a:lumMod val="50000"/>
-                  </a:schemeClr>
-                </a:solidFill>
-              </a:rPr>
-              <a:t>　</a:t>
-            </a:r>
-            <a:r>
-              <a:rPr lang="ja-JP" altLang="en-US" sz="2800" dirty="0"/>
-              <a:t>日時を取得</a:t>
-            </a:r>
-            <a:endParaRPr lang="en-US" altLang="ja-JP" sz="3600" dirty="0"/>
-          </a:p>
-          <a:p>
-            <a:endParaRPr kumimoji="1" lang="ja-JP" altLang="en-US" dirty="0"/>
-          </a:p>
-        </p:txBody>
-      </p:sp>
-      <p:sp>
-        <p:nvSpPr>
-          <p:cNvPr id="8" name="矢印: 右 7">
-            <a:extLst>
-              <a:ext uri="{FF2B5EF4-FFF2-40B4-BE49-F238E27FC236}">
-                <a16:creationId xmlns:a16="http://schemas.microsoft.com/office/drawing/2014/main" id="{862C1834-9D92-43CD-9628-AF124AD70118}"/>
-              </a:ext>
-            </a:extLst>
-          </p:cNvPr>
-          <p:cNvSpPr/>
-          <p:nvPr/>
-        </p:nvSpPr>
-        <p:spPr>
-          <a:xfrm>
-            <a:off x="7410141" y="2576520"/>
-            <a:ext cx="555596" cy="2005845"/>
-          </a:xfrm>
-          <a:prstGeom prst="rightArrow">
-            <a:avLst/>
-          </a:prstGeom>
-          <a:solidFill>
-            <a:srgbClr val="C00000"/>
-          </a:solidFill>
-          <a:ln w="28575">
-            <a:solidFill>
-              <a:srgbClr val="283F19"/>
-            </a:solidFill>
-          </a:ln>
-        </p:spPr>
-        <p:style>
-          <a:lnRef idx="2">
-            <a:schemeClr val="accent1">
-              <a:shade val="50000"/>
-            </a:schemeClr>
-          </a:lnRef>
-          <a:fillRef idx="1">
-            <a:schemeClr val="accent1"/>
-          </a:fillRef>
-          <a:effectRef idx="0">
-            <a:schemeClr val="accent1"/>
-          </a:effectRef>
-          <a:fontRef idx="minor">
-            <a:schemeClr val="lt1"/>
-          </a:fontRef>
-        </p:style>
-        <p:txBody>
-          <a:bodyPr rtlCol="0" anchor="ctr"/>
-          <a:lstStyle/>
-          <a:p>
-            <a:pPr algn="ctr"/>
-            <a:endParaRPr kumimoji="1" lang="ja-JP" altLang="en-US">
-              <a:solidFill>
-                <a:srgbClr val="C00000"/>
-              </a:solidFill>
-            </a:endParaRPr>
-          </a:p>
-        </p:txBody>
-      </p:sp>
-      <p:sp>
-        <p:nvSpPr>
-          <p:cNvPr id="3" name="テキスト ボックス 2">
-            <a:extLst>
-              <a:ext uri="{FF2B5EF4-FFF2-40B4-BE49-F238E27FC236}">
-                <a16:creationId xmlns:a16="http://schemas.microsoft.com/office/drawing/2014/main" id="{DD1DF69A-9BCD-4514-8C10-E5571DE143C9}"/>
-              </a:ext>
-            </a:extLst>
-          </p:cNvPr>
-          <p:cNvSpPr txBox="1"/>
-          <p:nvPr/>
-        </p:nvSpPr>
-        <p:spPr>
-          <a:xfrm>
-            <a:off x="7965737" y="2948068"/>
-            <a:ext cx="3888412" cy="1200329"/>
-          </a:xfrm>
-          <a:prstGeom prst="rect">
-            <a:avLst/>
-          </a:prstGeom>
-          <a:noFill/>
-        </p:spPr>
-        <p:txBody>
-          <a:bodyPr wrap="square" rtlCol="0">
-            <a:spAutoFit/>
-          </a:bodyPr>
-          <a:lstStyle/>
-          <a:p>
-            <a:r>
-              <a:rPr kumimoji="1" lang="ja-JP" altLang="en-US" sz="3600" b="1" dirty="0"/>
-              <a:t>テキストファイルに書き込み</a:t>
-            </a:r>
-          </a:p>
-        </p:txBody>
-      </p:sp>
-    </p:spTree>
-    <p:extLst>
-      <p:ext uri="{BB962C8B-B14F-4D97-AF65-F5344CB8AC3E}">
-        <p14:creationId xmlns:p14="http://schemas.microsoft.com/office/powerpoint/2010/main" val="3049315379"/>
       </p:ext>
     </p:extLst>
   </p:cSld>
@@ -8814,6 +8723,397 @@
           <p:cNvPr id="2" name="タイトル 1">
             <a:extLst>
               <a:ext uri="{FF2B5EF4-FFF2-40B4-BE49-F238E27FC236}">
+                <a16:creationId xmlns:a16="http://schemas.microsoft.com/office/drawing/2014/main" id="{83802C4E-2E3E-4349-846A-F90F72A28924}"/>
+              </a:ext>
+            </a:extLst>
+          </p:cNvPr>
+          <p:cNvSpPr>
+            <a:spLocks noGrp="1"/>
+          </p:cNvSpPr>
+          <p:nvPr>
+            <p:ph type="title"/>
+          </p:nvPr>
+        </p:nvSpPr>
+        <p:spPr/>
+        <p:txBody>
+          <a:bodyPr/>
+          <a:lstStyle/>
+          <a:p>
+            <a:r>
+              <a:rPr lang="ja-JP" altLang="en-US" b="1" dirty="0">
+                <a:ln>
+                  <a:solidFill>
+                    <a:schemeClr val="tx1"/>
+                  </a:solidFill>
+                </a:ln>
+                <a:solidFill>
+                  <a:schemeClr val="accent6">
+                    <a:lumMod val="75000"/>
+                  </a:schemeClr>
+                </a:solidFill>
+                <a:latin typeface="HGS明朝E" panose="02020900000000000000" pitchFamily="18" charset="-128"/>
+                <a:ea typeface="HGS明朝E" panose="02020900000000000000" pitchFamily="18" charset="-128"/>
+              </a:rPr>
+              <a:t>出力するデータを取得</a:t>
+            </a:r>
+            <a:endParaRPr kumimoji="1" lang="ja-JP" altLang="en-US" b="1" dirty="0">
+              <a:ln>
+                <a:solidFill>
+                  <a:schemeClr val="tx1"/>
+                </a:solidFill>
+              </a:ln>
+              <a:solidFill>
+                <a:schemeClr val="accent6">
+                  <a:lumMod val="75000"/>
+                </a:schemeClr>
+              </a:solidFill>
+              <a:latin typeface="HGS明朝E" panose="02020900000000000000" pitchFamily="18" charset="-128"/>
+              <a:ea typeface="HGS明朝E" panose="02020900000000000000" pitchFamily="18" charset="-128"/>
+            </a:endParaRPr>
+          </a:p>
+        </p:txBody>
+      </p:sp>
+      <p:sp>
+        <p:nvSpPr>
+          <p:cNvPr id="5" name="正方形/長方形 4">
+            <a:extLst>
+              <a:ext uri="{FF2B5EF4-FFF2-40B4-BE49-F238E27FC236}">
+                <a16:creationId xmlns:a16="http://schemas.microsoft.com/office/drawing/2014/main" id="{C00C05B2-7221-4496-A116-94B0D8E45A2D}"/>
+              </a:ext>
+            </a:extLst>
+          </p:cNvPr>
+          <p:cNvSpPr/>
+          <p:nvPr/>
+        </p:nvSpPr>
+        <p:spPr>
+          <a:xfrm>
+            <a:off x="9508067" y="0"/>
+            <a:ext cx="2683933" cy="1593908"/>
+          </a:xfrm>
+          <a:prstGeom prst="rect">
+            <a:avLst/>
+          </a:prstGeom>
+          <a:solidFill>
+            <a:schemeClr val="accent6">
+              <a:lumMod val="60000"/>
+              <a:lumOff val="40000"/>
+            </a:schemeClr>
+          </a:solidFill>
+        </p:spPr>
+        <p:style>
+          <a:lnRef idx="2">
+            <a:schemeClr val="accent1">
+              <a:shade val="50000"/>
+            </a:schemeClr>
+          </a:lnRef>
+          <a:fillRef idx="1">
+            <a:schemeClr val="accent1"/>
+          </a:fillRef>
+          <a:effectRef idx="0">
+            <a:schemeClr val="accent1"/>
+          </a:effectRef>
+          <a:fontRef idx="minor">
+            <a:schemeClr val="lt1"/>
+          </a:fontRef>
+        </p:style>
+        <p:txBody>
+          <a:bodyPr rtlCol="0" anchor="ctr"/>
+          <a:lstStyle/>
+          <a:p>
+            <a:pPr algn="ctr"/>
+            <a:endParaRPr kumimoji="1" lang="ja-JP" altLang="en-US"/>
+          </a:p>
+        </p:txBody>
+      </p:sp>
+      <p:sp>
+        <p:nvSpPr>
+          <p:cNvPr id="7" name="テキスト ボックス 6">
+            <a:extLst>
+              <a:ext uri="{FF2B5EF4-FFF2-40B4-BE49-F238E27FC236}">
+                <a16:creationId xmlns:a16="http://schemas.microsoft.com/office/drawing/2014/main" id="{538A1AC8-CE4F-4286-A880-D105B44A2385}"/>
+              </a:ext>
+            </a:extLst>
+          </p:cNvPr>
+          <p:cNvSpPr txBox="1"/>
+          <p:nvPr/>
+        </p:nvSpPr>
+        <p:spPr>
+          <a:xfrm>
+            <a:off x="644124" y="1901627"/>
+            <a:ext cx="8275471" cy="3385542"/>
+          </a:xfrm>
+          <a:prstGeom prst="rect">
+            <a:avLst/>
+          </a:prstGeom>
+          <a:noFill/>
+        </p:spPr>
+        <p:txBody>
+          <a:bodyPr wrap="square" rtlCol="0">
+            <a:spAutoFit/>
+          </a:bodyPr>
+          <a:lstStyle/>
+          <a:p>
+            <a:pPr>
+              <a:buClr>
+                <a:schemeClr val="tx1"/>
+              </a:buClr>
+            </a:pPr>
+            <a:r>
+              <a:rPr lang="ja-JP" altLang="en-US" sz="4000" b="1" dirty="0"/>
+              <a:t>・スクレイピング</a:t>
+            </a:r>
+            <a:endParaRPr lang="en-US" altLang="ja-JP" sz="4000" b="1" dirty="0"/>
+          </a:p>
+          <a:p>
+            <a:pPr>
+              <a:buClr>
+                <a:schemeClr val="tx1"/>
+              </a:buClr>
+            </a:pPr>
+            <a:r>
+              <a:rPr lang="ja-JP" altLang="en-US" sz="4000" dirty="0"/>
+              <a:t> </a:t>
+            </a:r>
+            <a:r>
+              <a:rPr lang="en-US" altLang="ja-JP" sz="4000" dirty="0"/>
+              <a:t>【</a:t>
+            </a:r>
+            <a:r>
+              <a:rPr lang="en-US" altLang="ja-JP" sz="3600" b="1" dirty="0">
+                <a:solidFill>
+                  <a:schemeClr val="accent6">
+                    <a:lumMod val="50000"/>
+                  </a:schemeClr>
+                </a:solidFill>
+              </a:rPr>
+              <a:t>BeautifulSoup4</a:t>
+            </a:r>
+            <a:r>
+              <a:rPr lang="en-US" altLang="ja-JP" sz="3600" dirty="0"/>
+              <a:t>】</a:t>
+            </a:r>
+            <a:endParaRPr lang="en-US" altLang="ja-JP" sz="4000" dirty="0"/>
+          </a:p>
+          <a:p>
+            <a:pPr>
+              <a:buClr>
+                <a:schemeClr val="tx1"/>
+              </a:buClr>
+            </a:pPr>
+            <a:r>
+              <a:rPr lang="ja-JP" altLang="en-US" sz="4000" dirty="0">
+                <a:latin typeface="+mn-ea"/>
+              </a:rPr>
+              <a:t>　</a:t>
+            </a:r>
+            <a:r>
+              <a:rPr lang="en-US" altLang="ja-JP" sz="3200" dirty="0">
+                <a:latin typeface="+mn-ea"/>
+              </a:rPr>
+              <a:t>HTML</a:t>
+            </a:r>
+            <a:r>
+              <a:rPr lang="ja-JP" altLang="en-US" sz="3200" dirty="0"/>
+              <a:t>からテキストデータを取得</a:t>
+            </a:r>
+            <a:endParaRPr lang="en-US" altLang="ja-JP" sz="3200" dirty="0"/>
+          </a:p>
+          <a:p>
+            <a:pPr>
+              <a:buClr>
+                <a:schemeClr val="tx1"/>
+              </a:buClr>
+            </a:pPr>
+            <a:r>
+              <a:rPr lang="ja-JP" altLang="en-US" sz="4000" b="1" dirty="0">
+                <a:solidFill>
+                  <a:sysClr val="windowText" lastClr="000000"/>
+                </a:solidFill>
+              </a:rPr>
+              <a:t>・</a:t>
+            </a:r>
+            <a:r>
+              <a:rPr lang="en-US" altLang="ja-JP" sz="4000" b="1" dirty="0">
+                <a:solidFill>
+                  <a:sysClr val="windowText" lastClr="000000"/>
+                </a:solidFill>
+              </a:rPr>
+              <a:t>Datetime</a:t>
+            </a:r>
+            <a:r>
+              <a:rPr lang="ja-JP" altLang="en-US" sz="4000" b="1" dirty="0">
+                <a:solidFill>
+                  <a:sysClr val="windowText" lastClr="000000"/>
+                </a:solidFill>
+              </a:rPr>
+              <a:t>モジュール</a:t>
+            </a:r>
+            <a:endParaRPr lang="en-US" altLang="ja-JP" sz="4000" b="1" dirty="0">
+              <a:solidFill>
+                <a:sysClr val="windowText" lastClr="000000"/>
+              </a:solidFill>
+            </a:endParaRPr>
+          </a:p>
+          <a:p>
+            <a:pPr>
+              <a:buClr>
+                <a:schemeClr val="tx1"/>
+              </a:buClr>
+            </a:pPr>
+            <a:r>
+              <a:rPr lang="ja-JP" altLang="en-US" sz="3600" b="1" dirty="0">
+                <a:ln>
+                  <a:solidFill>
+                    <a:schemeClr val="tx1"/>
+                  </a:solidFill>
+                </a:ln>
+                <a:solidFill>
+                  <a:schemeClr val="accent6">
+                    <a:lumMod val="50000"/>
+                  </a:schemeClr>
+                </a:solidFill>
+              </a:rPr>
+              <a:t>　</a:t>
+            </a:r>
+            <a:r>
+              <a:rPr lang="ja-JP" altLang="en-US" sz="2800" dirty="0"/>
+              <a:t>日時を取得</a:t>
+            </a:r>
+            <a:endParaRPr lang="en-US" altLang="ja-JP" sz="3600" dirty="0"/>
+          </a:p>
+          <a:p>
+            <a:endParaRPr kumimoji="1" lang="ja-JP" altLang="en-US" dirty="0"/>
+          </a:p>
+        </p:txBody>
+      </p:sp>
+      <p:sp>
+        <p:nvSpPr>
+          <p:cNvPr id="8" name="矢印: 右 7">
+            <a:extLst>
+              <a:ext uri="{FF2B5EF4-FFF2-40B4-BE49-F238E27FC236}">
+                <a16:creationId xmlns:a16="http://schemas.microsoft.com/office/drawing/2014/main" id="{862C1834-9D92-43CD-9628-AF124AD70118}"/>
+              </a:ext>
+            </a:extLst>
+          </p:cNvPr>
+          <p:cNvSpPr/>
+          <p:nvPr/>
+        </p:nvSpPr>
+        <p:spPr>
+          <a:xfrm>
+            <a:off x="7410141" y="2576520"/>
+            <a:ext cx="555596" cy="2005845"/>
+          </a:xfrm>
+          <a:prstGeom prst="rightArrow">
+            <a:avLst/>
+          </a:prstGeom>
+          <a:solidFill>
+            <a:srgbClr val="C00000"/>
+          </a:solidFill>
+          <a:ln w="28575">
+            <a:solidFill>
+              <a:srgbClr val="283F19"/>
+            </a:solidFill>
+          </a:ln>
+        </p:spPr>
+        <p:style>
+          <a:lnRef idx="2">
+            <a:schemeClr val="accent1">
+              <a:shade val="50000"/>
+            </a:schemeClr>
+          </a:lnRef>
+          <a:fillRef idx="1">
+            <a:schemeClr val="accent1"/>
+          </a:fillRef>
+          <a:effectRef idx="0">
+            <a:schemeClr val="accent1"/>
+          </a:effectRef>
+          <a:fontRef idx="minor">
+            <a:schemeClr val="lt1"/>
+          </a:fontRef>
+        </p:style>
+        <p:txBody>
+          <a:bodyPr rtlCol="0" anchor="ctr"/>
+          <a:lstStyle/>
+          <a:p>
+            <a:pPr algn="ctr"/>
+            <a:endParaRPr kumimoji="1" lang="ja-JP" altLang="en-US">
+              <a:solidFill>
+                <a:srgbClr val="C00000"/>
+              </a:solidFill>
+            </a:endParaRPr>
+          </a:p>
+        </p:txBody>
+      </p:sp>
+      <p:sp>
+        <p:nvSpPr>
+          <p:cNvPr id="3" name="テキスト ボックス 2">
+            <a:extLst>
+              <a:ext uri="{FF2B5EF4-FFF2-40B4-BE49-F238E27FC236}">
+                <a16:creationId xmlns:a16="http://schemas.microsoft.com/office/drawing/2014/main" id="{DD1DF69A-9BCD-4514-8C10-E5571DE143C9}"/>
+              </a:ext>
+            </a:extLst>
+          </p:cNvPr>
+          <p:cNvSpPr txBox="1"/>
+          <p:nvPr/>
+        </p:nvSpPr>
+        <p:spPr>
+          <a:xfrm>
+            <a:off x="7965737" y="2948068"/>
+            <a:ext cx="3888412" cy="1200329"/>
+          </a:xfrm>
+          <a:prstGeom prst="rect">
+            <a:avLst/>
+          </a:prstGeom>
+          <a:noFill/>
+        </p:spPr>
+        <p:txBody>
+          <a:bodyPr wrap="square" rtlCol="0">
+            <a:spAutoFit/>
+          </a:bodyPr>
+          <a:lstStyle/>
+          <a:p>
+            <a:r>
+              <a:rPr kumimoji="1" lang="ja-JP" altLang="en-US" sz="3600" b="1" dirty="0"/>
+              <a:t>テキストファイルに書き込み</a:t>
+            </a:r>
+          </a:p>
+        </p:txBody>
+      </p:sp>
+    </p:spTree>
+    <p:extLst>
+      <p:ext uri="{BB962C8B-B14F-4D97-AF65-F5344CB8AC3E}">
+        <p14:creationId xmlns:p14="http://schemas.microsoft.com/office/powerpoint/2010/main" val="3049315379"/>
+      </p:ext>
+    </p:extLst>
+  </p:cSld>
+  <p:clrMapOvr>
+    <a:masterClrMapping/>
+  </p:clrMapOvr>
+</p:sld>
+</file>
+
+<file path=ppt/slides/slide17.xml><?xml version="1.0" encoding="utf-8"?>
+<p:sld xmlns:a="http://schemas.openxmlformats.org/drawingml/2006/main" xmlns:r="http://schemas.openxmlformats.org/officeDocument/2006/relationships" xmlns:p="http://schemas.openxmlformats.org/presentationml/2006/main">
+  <p:cSld>
+    <p:spTree>
+      <p:nvGrpSpPr>
+        <p:cNvPr id="1" name=""/>
+        <p:cNvGrpSpPr/>
+        <p:nvPr/>
+      </p:nvGrpSpPr>
+      <p:grpSpPr>
+        <a:xfrm>
+          <a:off x="0" y="0"/>
+          <a:ext cx="0" cy="0"/>
+          <a:chOff x="0" y="0"/>
+          <a:chExt cx="0" cy="0"/>
+        </a:xfrm>
+      </p:grpSpPr>
+      <p:sp>
+        <p:nvSpPr>
+          <p:cNvPr id="2" name="タイトル 1">
+            <a:extLst>
+              <a:ext uri="{FF2B5EF4-FFF2-40B4-BE49-F238E27FC236}">
                 <a16:creationId xmlns:a16="http://schemas.microsoft.com/office/drawing/2014/main" id="{1C67901B-E49E-40E4-9D6B-4679D612BE2A}"/>
               </a:ext>
             </a:extLst>
@@ -9341,7 +9641,7 @@
 </p:sld>
 </file>
 
-<file path=ppt/slides/slide17.xml><?xml version="1.0" encoding="utf-8"?>
+<file path=ppt/slides/slide18.xml><?xml version="1.0" encoding="utf-8"?>
 <p:sld xmlns:a="http://schemas.openxmlformats.org/drawingml/2006/main" xmlns:r="http://schemas.openxmlformats.org/officeDocument/2006/relationships" xmlns:p="http://schemas.openxmlformats.org/presentationml/2006/main">
   <p:cSld>
     <p:spTree>
@@ -10124,7 +10424,7 @@
 </p:sld>
 </file>
 
-<file path=ppt/slides/slide18.xml><?xml version="1.0" encoding="utf-8"?>
+<file path=ppt/slides/slide19.xml><?xml version="1.0" encoding="utf-8"?>
 <p:sld xmlns:a="http://schemas.openxmlformats.org/drawingml/2006/main" xmlns:r="http://schemas.openxmlformats.org/officeDocument/2006/relationships" xmlns:p="http://schemas.openxmlformats.org/presentationml/2006/main">
   <p:cSld>
     <p:spTree>
@@ -10457,597 +10757,6 @@
         </p:cTn>
       </p:par>
     </p:tnLst>
-  </p:timing>
-</p:sld>
-</file>
-
-<file path=ppt/slides/slide19.xml><?xml version="1.0" encoding="utf-8"?>
-<p:sld xmlns:a="http://schemas.openxmlformats.org/drawingml/2006/main" xmlns:r="http://schemas.openxmlformats.org/officeDocument/2006/relationships" xmlns:p="http://schemas.openxmlformats.org/presentationml/2006/main">
-  <p:cSld>
-    <p:spTree>
-      <p:nvGrpSpPr>
-        <p:cNvPr id="1" name=""/>
-        <p:cNvGrpSpPr/>
-        <p:nvPr/>
-      </p:nvGrpSpPr>
-      <p:grpSpPr>
-        <a:xfrm>
-          <a:off x="0" y="0"/>
-          <a:ext cx="0" cy="0"/>
-          <a:chOff x="0" y="0"/>
-          <a:chExt cx="0" cy="0"/>
-        </a:xfrm>
-      </p:grpSpPr>
-      <p:sp>
-        <p:nvSpPr>
-          <p:cNvPr id="5" name="正方形/長方形 4">
-            <a:extLst>
-              <a:ext uri="{FF2B5EF4-FFF2-40B4-BE49-F238E27FC236}">
-                <a16:creationId xmlns:a16="http://schemas.microsoft.com/office/drawing/2014/main" id="{58A20BEB-6C89-49CE-AEE9-EE6CB718E5BC}"/>
-              </a:ext>
-            </a:extLst>
-          </p:cNvPr>
-          <p:cNvSpPr/>
-          <p:nvPr/>
-        </p:nvSpPr>
-        <p:spPr>
-          <a:xfrm>
-            <a:off x="9508067" y="0"/>
-            <a:ext cx="2683933" cy="1593908"/>
-          </a:xfrm>
-          <a:prstGeom prst="rect">
-            <a:avLst/>
-          </a:prstGeom>
-          <a:solidFill>
-            <a:schemeClr val="accent6">
-              <a:lumMod val="60000"/>
-              <a:lumOff val="40000"/>
-            </a:schemeClr>
-          </a:solidFill>
-        </p:spPr>
-        <p:style>
-          <a:lnRef idx="2">
-            <a:schemeClr val="accent1">
-              <a:shade val="50000"/>
-            </a:schemeClr>
-          </a:lnRef>
-          <a:fillRef idx="1">
-            <a:schemeClr val="accent1"/>
-          </a:fillRef>
-          <a:effectRef idx="0">
-            <a:schemeClr val="accent1"/>
-          </a:effectRef>
-          <a:fontRef idx="minor">
-            <a:schemeClr val="lt1"/>
-          </a:fontRef>
-        </p:style>
-        <p:txBody>
-          <a:bodyPr rtlCol="0" anchor="ctr"/>
-          <a:lstStyle/>
-          <a:p>
-            <a:pPr algn="ctr"/>
-            <a:endParaRPr kumimoji="1" lang="ja-JP" altLang="en-US"/>
-          </a:p>
-        </p:txBody>
-      </p:sp>
-      <p:pic>
-        <p:nvPicPr>
-          <p:cNvPr id="7" name="図 6">
-            <a:extLst>
-              <a:ext uri="{FF2B5EF4-FFF2-40B4-BE49-F238E27FC236}">
-                <a16:creationId xmlns:a16="http://schemas.microsoft.com/office/drawing/2014/main" id="{9FD28206-5FD6-43DA-AB48-03FE7D6424FC}"/>
-              </a:ext>
-            </a:extLst>
-          </p:cNvPr>
-          <p:cNvPicPr>
-            <a:picLocks noChangeAspect="1"/>
-          </p:cNvPicPr>
-          <p:nvPr/>
-        </p:nvPicPr>
-        <p:blipFill>
-          <a:blip r:embed="rId3">
-            <a:extLst>
-              <a:ext uri="{28A0092B-C50C-407E-A947-70E740481C1C}">
-                <a14:useLocalDpi xmlns:a14="http://schemas.microsoft.com/office/drawing/2010/main" val="0"/>
-              </a:ext>
-            </a:extLst>
-          </a:blip>
-          <a:stretch>
-            <a:fillRect/>
-          </a:stretch>
-        </p:blipFill>
-        <p:spPr>
-          <a:xfrm>
-            <a:off x="1485457" y="2403247"/>
-            <a:ext cx="8912191" cy="3775529"/>
-          </a:xfrm>
-          <a:prstGeom prst="rect">
-            <a:avLst/>
-          </a:prstGeom>
-        </p:spPr>
-      </p:pic>
-      <p:sp>
-        <p:nvSpPr>
-          <p:cNvPr id="8" name="正方形/長方形 7">
-            <a:extLst>
-              <a:ext uri="{FF2B5EF4-FFF2-40B4-BE49-F238E27FC236}">
-                <a16:creationId xmlns:a16="http://schemas.microsoft.com/office/drawing/2014/main" id="{2778B89B-C461-4F60-A9E6-739F4848148C}"/>
-              </a:ext>
-            </a:extLst>
-          </p:cNvPr>
-          <p:cNvSpPr/>
-          <p:nvPr/>
-        </p:nvSpPr>
-        <p:spPr>
-          <a:xfrm>
-            <a:off x="3759673" y="4245866"/>
-            <a:ext cx="1837194" cy="569199"/>
-          </a:xfrm>
-          <a:prstGeom prst="rect">
-            <a:avLst/>
-          </a:prstGeom>
-          <a:solidFill>
-            <a:schemeClr val="bg1"/>
-          </a:solidFill>
-        </p:spPr>
-        <p:style>
-          <a:lnRef idx="2">
-            <a:schemeClr val="accent1">
-              <a:shade val="50000"/>
-            </a:schemeClr>
-          </a:lnRef>
-          <a:fillRef idx="1">
-            <a:schemeClr val="accent1"/>
-          </a:fillRef>
-          <a:effectRef idx="0">
-            <a:schemeClr val="accent1"/>
-          </a:effectRef>
-          <a:fontRef idx="minor">
-            <a:schemeClr val="lt1"/>
-          </a:fontRef>
-        </p:style>
-        <p:txBody>
-          <a:bodyPr rtlCol="0" anchor="ctr"/>
-          <a:lstStyle/>
-          <a:p>
-            <a:pPr algn="ctr"/>
-            <a:r>
-              <a:rPr lang="en-US" altLang="ja-JP" sz="2400" b="1" dirty="0">
-                <a:solidFill>
-                  <a:schemeClr val="accent6">
-                    <a:lumMod val="75000"/>
-                  </a:schemeClr>
-                </a:solidFill>
-              </a:rPr>
-              <a:t>result.txt</a:t>
-            </a:r>
-            <a:endParaRPr kumimoji="1" lang="ja-JP" altLang="en-US" sz="2400" b="1" dirty="0">
-              <a:solidFill>
-                <a:schemeClr val="accent6">
-                  <a:lumMod val="75000"/>
-                </a:schemeClr>
-              </a:solidFill>
-            </a:endParaRPr>
-          </a:p>
-        </p:txBody>
-      </p:sp>
-      <p:sp>
-        <p:nvSpPr>
-          <p:cNvPr id="9" name="テキスト ボックス 8">
-            <a:extLst>
-              <a:ext uri="{FF2B5EF4-FFF2-40B4-BE49-F238E27FC236}">
-                <a16:creationId xmlns:a16="http://schemas.microsoft.com/office/drawing/2014/main" id="{181A4172-F4B4-4450-AED9-9C51B486A7A9}"/>
-              </a:ext>
-            </a:extLst>
-          </p:cNvPr>
-          <p:cNvSpPr txBox="1"/>
-          <p:nvPr/>
-        </p:nvSpPr>
-        <p:spPr>
-          <a:xfrm>
-            <a:off x="7513731" y="3734519"/>
-            <a:ext cx="2127207" cy="1569660"/>
-          </a:xfrm>
-          <a:prstGeom prst="rect">
-            <a:avLst/>
-          </a:prstGeom>
-          <a:solidFill>
-            <a:schemeClr val="bg1"/>
-          </a:solidFill>
-        </p:spPr>
-        <p:txBody>
-          <a:bodyPr wrap="square" rtlCol="0">
-            <a:spAutoFit/>
-          </a:bodyPr>
-          <a:lstStyle/>
-          <a:p>
-            <a:r>
-              <a:rPr lang="en-US" altLang="ja-JP" sz="2400" b="1" dirty="0">
-                <a:solidFill>
-                  <a:schemeClr val="accent6">
-                    <a:lumMod val="75000"/>
-                  </a:schemeClr>
-                </a:solidFill>
-              </a:rPr>
-              <a:t>w</a:t>
-            </a:r>
-            <a:r>
-              <a:rPr kumimoji="1" lang="en-US" altLang="ja-JP" sz="2400" b="1" dirty="0">
-                <a:solidFill>
-                  <a:schemeClr val="accent6">
-                    <a:lumMod val="75000"/>
-                  </a:schemeClr>
-                </a:solidFill>
-              </a:rPr>
-              <a:t>eather.txt</a:t>
-            </a:r>
-          </a:p>
-          <a:p>
-            <a:r>
-              <a:rPr lang="en-US" altLang="ja-JP" sz="2400" b="1" dirty="0">
-                <a:solidFill>
-                  <a:schemeClr val="accent6">
-                    <a:lumMod val="75000"/>
-                  </a:schemeClr>
-                </a:solidFill>
-              </a:rPr>
-              <a:t>n</a:t>
-            </a:r>
-            <a:r>
-              <a:rPr kumimoji="1" lang="en-US" altLang="ja-JP" sz="2400" b="1" dirty="0">
-                <a:solidFill>
-                  <a:schemeClr val="accent6">
-                    <a:lumMod val="75000"/>
-                  </a:schemeClr>
-                </a:solidFill>
-              </a:rPr>
-              <a:t>ews.txt</a:t>
-            </a:r>
-          </a:p>
-          <a:p>
-            <a:r>
-              <a:rPr kumimoji="1" lang="en-US" altLang="ja-JP" sz="2400" b="1" dirty="0">
-                <a:solidFill>
-                  <a:schemeClr val="accent6">
-                    <a:lumMod val="75000"/>
-                  </a:schemeClr>
-                </a:solidFill>
-              </a:rPr>
-              <a:t>day.txt</a:t>
-            </a:r>
-          </a:p>
-          <a:p>
-            <a:r>
-              <a:rPr lang="en-US" altLang="ja-JP" sz="2400" b="1" dirty="0">
-                <a:solidFill>
-                  <a:schemeClr val="accent6">
-                    <a:lumMod val="75000"/>
-                  </a:schemeClr>
-                </a:solidFill>
-              </a:rPr>
-              <a:t>f</a:t>
-            </a:r>
-            <a:r>
-              <a:rPr kumimoji="1" lang="en-US" altLang="ja-JP" sz="2400" b="1" dirty="0">
-                <a:solidFill>
-                  <a:schemeClr val="accent6">
-                    <a:lumMod val="75000"/>
-                  </a:schemeClr>
-                </a:solidFill>
-              </a:rPr>
-              <a:t>ortune.txt</a:t>
-            </a:r>
-            <a:endParaRPr kumimoji="1" lang="ja-JP" altLang="en-US" sz="2400" b="1" dirty="0">
-              <a:solidFill>
-                <a:schemeClr val="accent6">
-                  <a:lumMod val="75000"/>
-                </a:schemeClr>
-              </a:solidFill>
-            </a:endParaRPr>
-          </a:p>
-        </p:txBody>
-      </p:sp>
-      <p:sp>
-        <p:nvSpPr>
-          <p:cNvPr id="10" name="矢印: 右 9">
-            <a:extLst>
-              <a:ext uri="{FF2B5EF4-FFF2-40B4-BE49-F238E27FC236}">
-                <a16:creationId xmlns:a16="http://schemas.microsoft.com/office/drawing/2014/main" id="{1788F13F-F14D-48AE-AD35-D61F9891B72C}"/>
-              </a:ext>
-            </a:extLst>
-          </p:cNvPr>
-          <p:cNvSpPr/>
-          <p:nvPr/>
-        </p:nvSpPr>
-        <p:spPr>
-          <a:xfrm>
-            <a:off x="5938981" y="4223634"/>
-            <a:ext cx="1259193" cy="591431"/>
-          </a:xfrm>
-          <a:prstGeom prst="rightArrow">
-            <a:avLst/>
-          </a:prstGeom>
-          <a:solidFill>
-            <a:schemeClr val="bg1"/>
-          </a:solidFill>
-          <a:ln>
-            <a:solidFill>
-              <a:schemeClr val="accent6">
-                <a:lumMod val="75000"/>
-              </a:schemeClr>
-            </a:solidFill>
-          </a:ln>
-        </p:spPr>
-        <p:style>
-          <a:lnRef idx="2">
-            <a:schemeClr val="accent1">
-              <a:shade val="50000"/>
-            </a:schemeClr>
-          </a:lnRef>
-          <a:fillRef idx="1">
-            <a:schemeClr val="accent1"/>
-          </a:fillRef>
-          <a:effectRef idx="0">
-            <a:schemeClr val="accent1"/>
-          </a:effectRef>
-          <a:fontRef idx="minor">
-            <a:schemeClr val="lt1"/>
-          </a:fontRef>
-        </p:style>
-        <p:txBody>
-          <a:bodyPr rtlCol="0" anchor="ctr"/>
-          <a:lstStyle/>
-          <a:p>
-            <a:pPr algn="ctr"/>
-            <a:endParaRPr kumimoji="1" lang="ja-JP" altLang="en-US"/>
-          </a:p>
-        </p:txBody>
-      </p:sp>
-      <p:sp>
-        <p:nvSpPr>
-          <p:cNvPr id="11" name="タイトル 1">
-            <a:extLst>
-              <a:ext uri="{FF2B5EF4-FFF2-40B4-BE49-F238E27FC236}">
-                <a16:creationId xmlns:a16="http://schemas.microsoft.com/office/drawing/2014/main" id="{784DE2D6-5BF6-4AAE-ABB9-75CF47E1BAD5}"/>
-              </a:ext>
-            </a:extLst>
-          </p:cNvPr>
-          <p:cNvSpPr>
-            <a:spLocks noGrp="1"/>
-          </p:cNvSpPr>
-          <p:nvPr>
-            <p:ph type="title"/>
-          </p:nvPr>
-        </p:nvSpPr>
-        <p:spPr>
-          <a:xfrm>
-            <a:off x="838200" y="365125"/>
-            <a:ext cx="10515600" cy="1325563"/>
-          </a:xfrm>
-        </p:spPr>
-        <p:txBody>
-          <a:bodyPr/>
-          <a:lstStyle/>
-          <a:p>
-            <a:r>
-              <a:rPr kumimoji="1" lang="en-US" altLang="ja-JP" dirty="0">
-                <a:ln>
-                  <a:solidFill>
-                    <a:sysClr val="windowText" lastClr="000000"/>
-                  </a:solidFill>
-                </a:ln>
-                <a:solidFill>
-                  <a:schemeClr val="accent6">
-                    <a:lumMod val="75000"/>
-                  </a:schemeClr>
-                </a:solidFill>
-                <a:latin typeface="HGP明朝E" panose="02020900000000000000" pitchFamily="18" charset="-128"/>
-                <a:ea typeface="HGP明朝E" panose="02020900000000000000" pitchFamily="18" charset="-128"/>
-              </a:rPr>
-              <a:t>OpenJTalk</a:t>
-            </a:r>
-            <a:endParaRPr kumimoji="1" lang="ja-JP" altLang="en-US" dirty="0">
-              <a:ln>
-                <a:solidFill>
-                  <a:sysClr val="windowText" lastClr="000000"/>
-                </a:solidFill>
-              </a:ln>
-              <a:solidFill>
-                <a:schemeClr val="accent6">
-                  <a:lumMod val="75000"/>
-                </a:schemeClr>
-              </a:solidFill>
-              <a:latin typeface="HGP明朝E" panose="02020900000000000000" pitchFamily="18" charset="-128"/>
-              <a:ea typeface="HGP明朝E" panose="02020900000000000000" pitchFamily="18" charset="-128"/>
-            </a:endParaRPr>
-          </a:p>
-        </p:txBody>
-      </p:sp>
-    </p:spTree>
-    <p:extLst>
-      <p:ext uri="{BB962C8B-B14F-4D97-AF65-F5344CB8AC3E}">
-        <p14:creationId xmlns:p14="http://schemas.microsoft.com/office/powerpoint/2010/main" val="3975299542"/>
-      </p:ext>
-    </p:extLst>
-  </p:cSld>
-  <p:clrMapOvr>
-    <a:masterClrMapping/>
-  </p:clrMapOvr>
-  <p:timing>
-    <p:tnLst>
-      <p:par>
-        <p:cTn id="1" dur="indefinite" restart="never" nodeType="tmRoot">
-          <p:childTnLst>
-            <p:seq concurrent="1" nextAc="seek">
-              <p:cTn id="2" dur="indefinite" nodeType="mainSeq">
-                <p:childTnLst>
-                  <p:par>
-                    <p:cTn id="3" fill="hold">
-                      <p:stCondLst>
-                        <p:cond delay="indefinite"/>
-                      </p:stCondLst>
-                      <p:childTnLst>
-                        <p:par>
-                          <p:cTn id="4" fill="hold">
-                            <p:stCondLst>
-                              <p:cond delay="0"/>
-                            </p:stCondLst>
-                            <p:childTnLst>
-                              <p:par>
-                                <p:cTn id="5" presetID="10" presetClass="entr" presetSubtype="0" fill="hold" grpId="0" nodeType="clickEffect">
-                                  <p:stCondLst>
-                                    <p:cond delay="0"/>
-                                  </p:stCondLst>
-                                  <p:childTnLst>
-                                    <p:set>
-                                      <p:cBhvr>
-                                        <p:cTn id="6" dur="1" fill="hold">
-                                          <p:stCondLst>
-                                            <p:cond delay="0"/>
-                                          </p:stCondLst>
-                                        </p:cTn>
-                                        <p:tgtEl>
-                                          <p:spTgt spid="8"/>
-                                        </p:tgtEl>
-                                        <p:attrNameLst>
-                                          <p:attrName>style.visibility</p:attrName>
-                                        </p:attrNameLst>
-                                      </p:cBhvr>
-                                      <p:to>
-                                        <p:strVal val="visible"/>
-                                      </p:to>
-                                    </p:set>
-                                    <p:animEffect transition="in" filter="fade">
-                                      <p:cBhvr>
-                                        <p:cTn id="7" dur="500"/>
-                                        <p:tgtEl>
-                                          <p:spTgt spid="8"/>
-                                        </p:tgtEl>
-                                      </p:cBhvr>
-                                    </p:animEffect>
-                                  </p:childTnLst>
-                                </p:cTn>
-                              </p:par>
-                            </p:childTnLst>
-                          </p:cTn>
-                        </p:par>
-                      </p:childTnLst>
-                    </p:cTn>
-                  </p:par>
-                  <p:par>
-                    <p:cTn id="8" fill="hold">
-                      <p:stCondLst>
-                        <p:cond delay="indefinite"/>
-                      </p:stCondLst>
-                      <p:childTnLst>
-                        <p:par>
-                          <p:cTn id="9" fill="hold">
-                            <p:stCondLst>
-                              <p:cond delay="0"/>
-                            </p:stCondLst>
-                            <p:childTnLst>
-                              <p:par>
-                                <p:cTn id="10" presetID="22" presetClass="entr" presetSubtype="8" fill="hold" grpId="0" nodeType="clickEffect">
-                                  <p:stCondLst>
-                                    <p:cond delay="0"/>
-                                  </p:stCondLst>
-                                  <p:childTnLst>
-                                    <p:set>
-                                      <p:cBhvr>
-                                        <p:cTn id="11" dur="1" fill="hold">
-                                          <p:stCondLst>
-                                            <p:cond delay="0"/>
-                                          </p:stCondLst>
-                                        </p:cTn>
-                                        <p:tgtEl>
-                                          <p:spTgt spid="10"/>
-                                        </p:tgtEl>
-                                        <p:attrNameLst>
-                                          <p:attrName>style.visibility</p:attrName>
-                                        </p:attrNameLst>
-                                      </p:cBhvr>
-                                      <p:to>
-                                        <p:strVal val="visible"/>
-                                      </p:to>
-                                    </p:set>
-                                    <p:animEffect transition="in" filter="wipe(left)">
-                                      <p:cBhvr>
-                                        <p:cTn id="12" dur="500"/>
-                                        <p:tgtEl>
-                                          <p:spTgt spid="10"/>
-                                        </p:tgtEl>
-                                      </p:cBhvr>
-                                    </p:animEffect>
-                                  </p:childTnLst>
-                                </p:cTn>
-                              </p:par>
-                              <p:par>
-                                <p:cTn id="13" presetID="10" presetClass="entr" presetSubtype="0" fill="hold" grpId="0" nodeType="withEffect">
-                                  <p:stCondLst>
-                                    <p:cond delay="0"/>
-                                  </p:stCondLst>
-                                  <p:childTnLst>
-                                    <p:set>
-                                      <p:cBhvr>
-                                        <p:cTn id="14" dur="1" fill="hold">
-                                          <p:stCondLst>
-                                            <p:cond delay="0"/>
-                                          </p:stCondLst>
-                                        </p:cTn>
-                                        <p:tgtEl>
-                                          <p:spTgt spid="9"/>
-                                        </p:tgtEl>
-                                        <p:attrNameLst>
-                                          <p:attrName>style.visibility</p:attrName>
-                                        </p:attrNameLst>
-                                      </p:cBhvr>
-                                      <p:to>
-                                        <p:strVal val="visible"/>
-                                      </p:to>
-                                    </p:set>
-                                    <p:animEffect transition="in" filter="fade">
-                                      <p:cBhvr>
-                                        <p:cTn id="15" dur="500"/>
-                                        <p:tgtEl>
-                                          <p:spTgt spid="9"/>
-                                        </p:tgtEl>
-                                      </p:cBhvr>
-                                    </p:animEffect>
-                                  </p:childTnLst>
-                                </p:cTn>
-                              </p:par>
-                            </p:childTnLst>
-                          </p:cTn>
-                        </p:par>
-                      </p:childTnLst>
-                    </p:cTn>
-                  </p:par>
-                </p:childTnLst>
-              </p:cTn>
-              <p:prevCondLst>
-                <p:cond evt="onPrev" delay="0">
-                  <p:tgtEl>
-                    <p:sldTgt/>
-                  </p:tgtEl>
-                </p:cond>
-              </p:prevCondLst>
-              <p:nextCondLst>
-                <p:cond evt="onNext" delay="0">
-                  <p:tgtEl>
-                    <p:sldTgt/>
-                  </p:tgtEl>
-                </p:cond>
-              </p:nextCondLst>
-            </p:seq>
-          </p:childTnLst>
-        </p:cTn>
-      </p:par>
-    </p:tnLst>
-    <p:bldLst>
-      <p:bldP spid="8" grpId="0" animBg="1"/>
-      <p:bldP spid="9" grpId="0" animBg="1"/>
-      <p:bldP spid="10" grpId="0" animBg="1"/>
-    </p:bldLst>
   </p:timing>
 </p:sld>
 </file>
@@ -12095,63 +11804,10 @@
       </p:grpSpPr>
       <p:sp>
         <p:nvSpPr>
-          <p:cNvPr id="2" name="テキスト ボックス 1">
-            <a:extLst>
-              <a:ext uri="{FF2B5EF4-FFF2-40B4-BE49-F238E27FC236}">
-                <a16:creationId xmlns:a16="http://schemas.microsoft.com/office/drawing/2014/main" id="{4FE6CD02-F126-4943-968D-16E2630CA349}"/>
-              </a:ext>
-            </a:extLst>
-          </p:cNvPr>
-          <p:cNvSpPr txBox="1"/>
-          <p:nvPr/>
-        </p:nvSpPr>
-        <p:spPr>
-          <a:xfrm>
-            <a:off x="1905803" y="2767280"/>
-            <a:ext cx="12666845" cy="1323439"/>
-          </a:xfrm>
-          <a:prstGeom prst="rect">
-            <a:avLst/>
-          </a:prstGeom>
-          <a:noFill/>
-        </p:spPr>
-        <p:txBody>
-          <a:bodyPr wrap="square" rtlCol="0">
-            <a:spAutoFit/>
-          </a:bodyPr>
-          <a:lstStyle/>
-          <a:p>
-            <a:r>
-              <a:rPr kumimoji="1" lang="ja-JP" altLang="en-US" sz="8000" b="1" dirty="0">
-                <a:ln>
-                  <a:solidFill>
-                    <a:schemeClr val="tx1"/>
-                  </a:solidFill>
-                </a:ln>
-                <a:solidFill>
-                  <a:schemeClr val="accent6">
-                    <a:lumMod val="50000"/>
-                  </a:schemeClr>
-                </a:solidFill>
-                <a:latin typeface="HGP明朝E" panose="02020900000000000000" pitchFamily="18" charset="-128"/>
-                <a:ea typeface="HGP明朝E" panose="02020900000000000000" pitchFamily="18" charset="-128"/>
-              </a:rPr>
-              <a:t>デモンストレーション</a:t>
-            </a:r>
-            <a:endParaRPr kumimoji="1" lang="ja-JP" altLang="en-US" sz="8000" b="1" dirty="0">
-              <a:solidFill>
-                <a:srgbClr val="FF0066"/>
-              </a:solidFill>
-            </a:endParaRPr>
-          </a:p>
-        </p:txBody>
-      </p:sp>
-      <p:sp>
-        <p:nvSpPr>
-          <p:cNvPr id="4" name="正方形/長方形 3">
-            <a:extLst>
-              <a:ext uri="{FF2B5EF4-FFF2-40B4-BE49-F238E27FC236}">
-                <a16:creationId xmlns:a16="http://schemas.microsoft.com/office/drawing/2014/main" id="{A8D22BB9-479E-46EB-92AC-F73D96D2CB00}"/>
+          <p:cNvPr id="5" name="正方形/長方形 4">
+            <a:extLst>
+              <a:ext uri="{FF2B5EF4-FFF2-40B4-BE49-F238E27FC236}">
+                <a16:creationId xmlns:a16="http://schemas.microsoft.com/office/drawing/2014/main" id="{58A20BEB-6C89-49CE-AEE9-EE6CB718E5BC}"/>
               </a:ext>
             </a:extLst>
           </p:cNvPr>
@@ -12198,16 +11854,525 @@
           </a:p>
         </p:txBody>
       </p:sp>
+      <p:pic>
+        <p:nvPicPr>
+          <p:cNvPr id="7" name="図 6">
+            <a:extLst>
+              <a:ext uri="{FF2B5EF4-FFF2-40B4-BE49-F238E27FC236}">
+                <a16:creationId xmlns:a16="http://schemas.microsoft.com/office/drawing/2014/main" id="{9FD28206-5FD6-43DA-AB48-03FE7D6424FC}"/>
+              </a:ext>
+            </a:extLst>
+          </p:cNvPr>
+          <p:cNvPicPr>
+            <a:picLocks noChangeAspect="1"/>
+          </p:cNvPicPr>
+          <p:nvPr/>
+        </p:nvPicPr>
+        <p:blipFill>
+          <a:blip r:embed="rId3">
+            <a:extLst>
+              <a:ext uri="{28A0092B-C50C-407E-A947-70E740481C1C}">
+                <a14:useLocalDpi xmlns:a14="http://schemas.microsoft.com/office/drawing/2010/main" val="0"/>
+              </a:ext>
+            </a:extLst>
+          </a:blip>
+          <a:stretch>
+            <a:fillRect/>
+          </a:stretch>
+        </p:blipFill>
+        <p:spPr>
+          <a:xfrm>
+            <a:off x="1485457" y="2403247"/>
+            <a:ext cx="8912191" cy="3775529"/>
+          </a:xfrm>
+          <a:prstGeom prst="rect">
+            <a:avLst/>
+          </a:prstGeom>
+        </p:spPr>
+      </p:pic>
+      <p:sp>
+        <p:nvSpPr>
+          <p:cNvPr id="8" name="正方形/長方形 7">
+            <a:extLst>
+              <a:ext uri="{FF2B5EF4-FFF2-40B4-BE49-F238E27FC236}">
+                <a16:creationId xmlns:a16="http://schemas.microsoft.com/office/drawing/2014/main" id="{2778B89B-C461-4F60-A9E6-739F4848148C}"/>
+              </a:ext>
+            </a:extLst>
+          </p:cNvPr>
+          <p:cNvSpPr/>
+          <p:nvPr/>
+        </p:nvSpPr>
+        <p:spPr>
+          <a:xfrm>
+            <a:off x="3759673" y="4245866"/>
+            <a:ext cx="1837194" cy="569199"/>
+          </a:xfrm>
+          <a:prstGeom prst="rect">
+            <a:avLst/>
+          </a:prstGeom>
+          <a:solidFill>
+            <a:schemeClr val="bg1"/>
+          </a:solidFill>
+        </p:spPr>
+        <p:style>
+          <a:lnRef idx="2">
+            <a:schemeClr val="accent1">
+              <a:shade val="50000"/>
+            </a:schemeClr>
+          </a:lnRef>
+          <a:fillRef idx="1">
+            <a:schemeClr val="accent1"/>
+          </a:fillRef>
+          <a:effectRef idx="0">
+            <a:schemeClr val="accent1"/>
+          </a:effectRef>
+          <a:fontRef idx="minor">
+            <a:schemeClr val="lt1"/>
+          </a:fontRef>
+        </p:style>
+        <p:txBody>
+          <a:bodyPr rtlCol="0" anchor="ctr"/>
+          <a:lstStyle/>
+          <a:p>
+            <a:pPr algn="ctr"/>
+            <a:r>
+              <a:rPr lang="en-US" altLang="ja-JP" sz="2400" b="1" dirty="0">
+                <a:solidFill>
+                  <a:schemeClr val="accent6">
+                    <a:lumMod val="75000"/>
+                  </a:schemeClr>
+                </a:solidFill>
+              </a:rPr>
+              <a:t>result.txt</a:t>
+            </a:r>
+            <a:endParaRPr kumimoji="1" lang="ja-JP" altLang="en-US" sz="2400" b="1" dirty="0">
+              <a:solidFill>
+                <a:schemeClr val="accent6">
+                  <a:lumMod val="75000"/>
+                </a:schemeClr>
+              </a:solidFill>
+            </a:endParaRPr>
+          </a:p>
+        </p:txBody>
+      </p:sp>
+      <p:sp>
+        <p:nvSpPr>
+          <p:cNvPr id="9" name="テキスト ボックス 8">
+            <a:extLst>
+              <a:ext uri="{FF2B5EF4-FFF2-40B4-BE49-F238E27FC236}">
+                <a16:creationId xmlns:a16="http://schemas.microsoft.com/office/drawing/2014/main" id="{181A4172-F4B4-4450-AED9-9C51B486A7A9}"/>
+              </a:ext>
+            </a:extLst>
+          </p:cNvPr>
+          <p:cNvSpPr txBox="1"/>
+          <p:nvPr/>
+        </p:nvSpPr>
+        <p:spPr>
+          <a:xfrm>
+            <a:off x="7513731" y="3734519"/>
+            <a:ext cx="2127207" cy="1569660"/>
+          </a:xfrm>
+          <a:prstGeom prst="rect">
+            <a:avLst/>
+          </a:prstGeom>
+          <a:solidFill>
+            <a:schemeClr val="bg1"/>
+          </a:solidFill>
+        </p:spPr>
+        <p:txBody>
+          <a:bodyPr wrap="square" rtlCol="0">
+            <a:spAutoFit/>
+          </a:bodyPr>
+          <a:lstStyle/>
+          <a:p>
+            <a:r>
+              <a:rPr lang="en-US" altLang="ja-JP" sz="2400" b="1" dirty="0">
+                <a:solidFill>
+                  <a:schemeClr val="accent6">
+                    <a:lumMod val="75000"/>
+                  </a:schemeClr>
+                </a:solidFill>
+              </a:rPr>
+              <a:t>w</a:t>
+            </a:r>
+            <a:r>
+              <a:rPr kumimoji="1" lang="en-US" altLang="ja-JP" sz="2400" b="1" dirty="0">
+                <a:solidFill>
+                  <a:schemeClr val="accent6">
+                    <a:lumMod val="75000"/>
+                  </a:schemeClr>
+                </a:solidFill>
+              </a:rPr>
+              <a:t>eather.txt</a:t>
+            </a:r>
+          </a:p>
+          <a:p>
+            <a:r>
+              <a:rPr lang="en-US" altLang="ja-JP" sz="2400" b="1" dirty="0">
+                <a:solidFill>
+                  <a:schemeClr val="accent6">
+                    <a:lumMod val="75000"/>
+                  </a:schemeClr>
+                </a:solidFill>
+              </a:rPr>
+              <a:t>n</a:t>
+            </a:r>
+            <a:r>
+              <a:rPr kumimoji="1" lang="en-US" altLang="ja-JP" sz="2400" b="1" dirty="0">
+                <a:solidFill>
+                  <a:schemeClr val="accent6">
+                    <a:lumMod val="75000"/>
+                  </a:schemeClr>
+                </a:solidFill>
+              </a:rPr>
+              <a:t>ews.txt</a:t>
+            </a:r>
+          </a:p>
+          <a:p>
+            <a:r>
+              <a:rPr kumimoji="1" lang="en-US" altLang="ja-JP" sz="2400" b="1" dirty="0">
+                <a:solidFill>
+                  <a:schemeClr val="accent6">
+                    <a:lumMod val="75000"/>
+                  </a:schemeClr>
+                </a:solidFill>
+              </a:rPr>
+              <a:t>day.txt</a:t>
+            </a:r>
+          </a:p>
+          <a:p>
+            <a:r>
+              <a:rPr lang="en-US" altLang="ja-JP" sz="2400" b="1" dirty="0">
+                <a:solidFill>
+                  <a:schemeClr val="accent6">
+                    <a:lumMod val="75000"/>
+                  </a:schemeClr>
+                </a:solidFill>
+              </a:rPr>
+              <a:t>f</a:t>
+            </a:r>
+            <a:r>
+              <a:rPr kumimoji="1" lang="en-US" altLang="ja-JP" sz="2400" b="1" dirty="0">
+                <a:solidFill>
+                  <a:schemeClr val="accent6">
+                    <a:lumMod val="75000"/>
+                  </a:schemeClr>
+                </a:solidFill>
+              </a:rPr>
+              <a:t>ortune.txt</a:t>
+            </a:r>
+            <a:endParaRPr kumimoji="1" lang="ja-JP" altLang="en-US" sz="2400" b="1" dirty="0">
+              <a:solidFill>
+                <a:schemeClr val="accent6">
+                  <a:lumMod val="75000"/>
+                </a:schemeClr>
+              </a:solidFill>
+            </a:endParaRPr>
+          </a:p>
+        </p:txBody>
+      </p:sp>
+      <p:sp>
+        <p:nvSpPr>
+          <p:cNvPr id="10" name="矢印: 右 9">
+            <a:extLst>
+              <a:ext uri="{FF2B5EF4-FFF2-40B4-BE49-F238E27FC236}">
+                <a16:creationId xmlns:a16="http://schemas.microsoft.com/office/drawing/2014/main" id="{1788F13F-F14D-48AE-AD35-D61F9891B72C}"/>
+              </a:ext>
+            </a:extLst>
+          </p:cNvPr>
+          <p:cNvSpPr/>
+          <p:nvPr/>
+        </p:nvSpPr>
+        <p:spPr>
+          <a:xfrm>
+            <a:off x="5938981" y="4223634"/>
+            <a:ext cx="1259193" cy="591431"/>
+          </a:xfrm>
+          <a:prstGeom prst="rightArrow">
+            <a:avLst/>
+          </a:prstGeom>
+          <a:solidFill>
+            <a:schemeClr val="bg1"/>
+          </a:solidFill>
+          <a:ln>
+            <a:solidFill>
+              <a:schemeClr val="accent6">
+                <a:lumMod val="75000"/>
+              </a:schemeClr>
+            </a:solidFill>
+          </a:ln>
+        </p:spPr>
+        <p:style>
+          <a:lnRef idx="2">
+            <a:schemeClr val="accent1">
+              <a:shade val="50000"/>
+            </a:schemeClr>
+          </a:lnRef>
+          <a:fillRef idx="1">
+            <a:schemeClr val="accent1"/>
+          </a:fillRef>
+          <a:effectRef idx="0">
+            <a:schemeClr val="accent1"/>
+          </a:effectRef>
+          <a:fontRef idx="minor">
+            <a:schemeClr val="lt1"/>
+          </a:fontRef>
+        </p:style>
+        <p:txBody>
+          <a:bodyPr rtlCol="0" anchor="ctr"/>
+          <a:lstStyle/>
+          <a:p>
+            <a:pPr algn="ctr"/>
+            <a:endParaRPr kumimoji="1" lang="ja-JP" altLang="en-US"/>
+          </a:p>
+        </p:txBody>
+      </p:sp>
+      <p:sp>
+        <p:nvSpPr>
+          <p:cNvPr id="11" name="タイトル 1">
+            <a:extLst>
+              <a:ext uri="{FF2B5EF4-FFF2-40B4-BE49-F238E27FC236}">
+                <a16:creationId xmlns:a16="http://schemas.microsoft.com/office/drawing/2014/main" id="{784DE2D6-5BF6-4AAE-ABB9-75CF47E1BAD5}"/>
+              </a:ext>
+            </a:extLst>
+          </p:cNvPr>
+          <p:cNvSpPr>
+            <a:spLocks noGrp="1"/>
+          </p:cNvSpPr>
+          <p:nvPr>
+            <p:ph type="title"/>
+          </p:nvPr>
+        </p:nvSpPr>
+        <p:spPr>
+          <a:xfrm>
+            <a:off x="838200" y="365125"/>
+            <a:ext cx="10515600" cy="1325563"/>
+          </a:xfrm>
+        </p:spPr>
+        <p:txBody>
+          <a:bodyPr/>
+          <a:lstStyle/>
+          <a:p>
+            <a:r>
+              <a:rPr kumimoji="1" lang="en-US" altLang="ja-JP" dirty="0">
+                <a:ln>
+                  <a:solidFill>
+                    <a:sysClr val="windowText" lastClr="000000"/>
+                  </a:solidFill>
+                </a:ln>
+                <a:solidFill>
+                  <a:schemeClr val="accent6">
+                    <a:lumMod val="75000"/>
+                  </a:schemeClr>
+                </a:solidFill>
+                <a:latin typeface="HGP明朝E" panose="02020900000000000000" pitchFamily="18" charset="-128"/>
+                <a:ea typeface="HGP明朝E" panose="02020900000000000000" pitchFamily="18" charset="-128"/>
+              </a:rPr>
+              <a:t>OpenJTalk</a:t>
+            </a:r>
+            <a:endParaRPr kumimoji="1" lang="ja-JP" altLang="en-US" dirty="0">
+              <a:ln>
+                <a:solidFill>
+                  <a:sysClr val="windowText" lastClr="000000"/>
+                </a:solidFill>
+              </a:ln>
+              <a:solidFill>
+                <a:schemeClr val="accent6">
+                  <a:lumMod val="75000"/>
+                </a:schemeClr>
+              </a:solidFill>
+              <a:latin typeface="HGP明朝E" panose="02020900000000000000" pitchFamily="18" charset="-128"/>
+              <a:ea typeface="HGP明朝E" panose="02020900000000000000" pitchFamily="18" charset="-128"/>
+            </a:endParaRPr>
+          </a:p>
+        </p:txBody>
+      </p:sp>
     </p:spTree>
     <p:extLst>
       <p:ext uri="{BB962C8B-B14F-4D97-AF65-F5344CB8AC3E}">
-        <p14:creationId xmlns:p14="http://schemas.microsoft.com/office/powerpoint/2010/main" val="683761575"/>
+        <p14:creationId xmlns:p14="http://schemas.microsoft.com/office/powerpoint/2010/main" val="3975299542"/>
       </p:ext>
     </p:extLst>
   </p:cSld>
   <p:clrMapOvr>
     <a:masterClrMapping/>
   </p:clrMapOvr>
+  <p:timing>
+    <p:tnLst>
+      <p:par>
+        <p:cTn id="1" dur="indefinite" restart="never" nodeType="tmRoot">
+          <p:childTnLst>
+            <p:seq concurrent="1" nextAc="seek">
+              <p:cTn id="2" dur="indefinite" nodeType="mainSeq">
+                <p:childTnLst>
+                  <p:par>
+                    <p:cTn id="3" fill="hold">
+                      <p:stCondLst>
+                        <p:cond delay="indefinite"/>
+                      </p:stCondLst>
+                      <p:childTnLst>
+                        <p:par>
+                          <p:cTn id="4" fill="hold">
+                            <p:stCondLst>
+                              <p:cond delay="0"/>
+                            </p:stCondLst>
+                            <p:childTnLst>
+                              <p:par>
+                                <p:cTn id="5" presetID="10" presetClass="entr" presetSubtype="0" fill="hold" grpId="0" nodeType="clickEffect">
+                                  <p:stCondLst>
+                                    <p:cond delay="0"/>
+                                  </p:stCondLst>
+                                  <p:childTnLst>
+                                    <p:set>
+                                      <p:cBhvr>
+                                        <p:cTn id="6" dur="1" fill="hold">
+                                          <p:stCondLst>
+                                            <p:cond delay="0"/>
+                                          </p:stCondLst>
+                                        </p:cTn>
+                                        <p:tgtEl>
+                                          <p:spTgt spid="8"/>
+                                        </p:tgtEl>
+                                        <p:attrNameLst>
+                                          <p:attrName>style.visibility</p:attrName>
+                                        </p:attrNameLst>
+                                      </p:cBhvr>
+                                      <p:to>
+                                        <p:strVal val="visible"/>
+                                      </p:to>
+                                    </p:set>
+                                    <p:animEffect transition="in" filter="fade">
+                                      <p:cBhvr>
+                                        <p:cTn id="7" dur="500"/>
+                                        <p:tgtEl>
+                                          <p:spTgt spid="8"/>
+                                        </p:tgtEl>
+                                      </p:cBhvr>
+                                    </p:animEffect>
+                                  </p:childTnLst>
+                                </p:cTn>
+                              </p:par>
+                            </p:childTnLst>
+                          </p:cTn>
+                        </p:par>
+                      </p:childTnLst>
+                    </p:cTn>
+                  </p:par>
+                  <p:par>
+                    <p:cTn id="8" fill="hold">
+                      <p:stCondLst>
+                        <p:cond delay="indefinite"/>
+                      </p:stCondLst>
+                      <p:childTnLst>
+                        <p:par>
+                          <p:cTn id="9" fill="hold">
+                            <p:stCondLst>
+                              <p:cond delay="0"/>
+                            </p:stCondLst>
+                            <p:childTnLst>
+                              <p:par>
+                                <p:cTn id="10" presetID="22" presetClass="entr" presetSubtype="8" fill="hold" grpId="0" nodeType="clickEffect">
+                                  <p:stCondLst>
+                                    <p:cond delay="0"/>
+                                  </p:stCondLst>
+                                  <p:childTnLst>
+                                    <p:set>
+                                      <p:cBhvr>
+                                        <p:cTn id="11" dur="1" fill="hold">
+                                          <p:stCondLst>
+                                            <p:cond delay="0"/>
+                                          </p:stCondLst>
+                                        </p:cTn>
+                                        <p:tgtEl>
+                                          <p:spTgt spid="10"/>
+                                        </p:tgtEl>
+                                        <p:attrNameLst>
+                                          <p:attrName>style.visibility</p:attrName>
+                                        </p:attrNameLst>
+                                      </p:cBhvr>
+                                      <p:to>
+                                        <p:strVal val="visible"/>
+                                      </p:to>
+                                    </p:set>
+                                    <p:animEffect transition="in" filter="wipe(left)">
+                                      <p:cBhvr>
+                                        <p:cTn id="12" dur="500"/>
+                                        <p:tgtEl>
+                                          <p:spTgt spid="10"/>
+                                        </p:tgtEl>
+                                      </p:cBhvr>
+                                    </p:animEffect>
+                                  </p:childTnLst>
+                                </p:cTn>
+                              </p:par>
+                              <p:par>
+                                <p:cTn id="13" presetID="10" presetClass="entr" presetSubtype="0" fill="hold" grpId="0" nodeType="withEffect">
+                                  <p:stCondLst>
+                                    <p:cond delay="0"/>
+                                  </p:stCondLst>
+                                  <p:childTnLst>
+                                    <p:set>
+                                      <p:cBhvr>
+                                        <p:cTn id="14" dur="1" fill="hold">
+                                          <p:stCondLst>
+                                            <p:cond delay="0"/>
+                                          </p:stCondLst>
+                                        </p:cTn>
+                                        <p:tgtEl>
+                                          <p:spTgt spid="9"/>
+                                        </p:tgtEl>
+                                        <p:attrNameLst>
+                                          <p:attrName>style.visibility</p:attrName>
+                                        </p:attrNameLst>
+                                      </p:cBhvr>
+                                      <p:to>
+                                        <p:strVal val="visible"/>
+                                      </p:to>
+                                    </p:set>
+                                    <p:animEffect transition="in" filter="fade">
+                                      <p:cBhvr>
+                                        <p:cTn id="15" dur="500"/>
+                                        <p:tgtEl>
+                                          <p:spTgt spid="9"/>
+                                        </p:tgtEl>
+                                      </p:cBhvr>
+                                    </p:animEffect>
+                                  </p:childTnLst>
+                                </p:cTn>
+                              </p:par>
+                            </p:childTnLst>
+                          </p:cTn>
+                        </p:par>
+                      </p:childTnLst>
+                    </p:cTn>
+                  </p:par>
+                </p:childTnLst>
+              </p:cTn>
+              <p:prevCondLst>
+                <p:cond evt="onPrev" delay="0">
+                  <p:tgtEl>
+                    <p:sldTgt/>
+                  </p:tgtEl>
+                </p:cond>
+              </p:prevCondLst>
+              <p:nextCondLst>
+                <p:cond evt="onNext" delay="0">
+                  <p:tgtEl>
+                    <p:sldTgt/>
+                  </p:tgtEl>
+                </p:cond>
+              </p:nextCondLst>
+            </p:seq>
+          </p:childTnLst>
+        </p:cTn>
+      </p:par>
+    </p:tnLst>
+    <p:bldLst>
+      <p:bldP spid="8" grpId="0" animBg="1"/>
+      <p:bldP spid="9" grpId="0" animBg="1"/>
+      <p:bldP spid="10" grpId="0" animBg="1"/>
+    </p:bldLst>
+  </p:timing>
 </p:sld>
 </file>
 
@@ -12230,27 +12395,34 @@
       </p:grpSpPr>
       <p:sp>
         <p:nvSpPr>
-          <p:cNvPr id="2" name="タイトル 1">
-            <a:extLst>
-              <a:ext uri="{FF2B5EF4-FFF2-40B4-BE49-F238E27FC236}">
-                <a16:creationId xmlns:a16="http://schemas.microsoft.com/office/drawing/2014/main" id="{6ADE3D2E-3C6C-4DCF-BB23-6DC8807A41E4}"/>
-              </a:ext>
-            </a:extLst>
-          </p:cNvPr>
-          <p:cNvSpPr>
-            <a:spLocks noGrp="1"/>
-          </p:cNvSpPr>
-          <p:nvPr>
-            <p:ph type="title"/>
-          </p:nvPr>
-        </p:nvSpPr>
-        <p:spPr/>
-        <p:txBody>
-          <a:bodyPr/>
-          <a:lstStyle/>
-          <a:p>
-            <a:r>
-              <a:rPr kumimoji="1" lang="ja-JP" altLang="en-US" dirty="0">
+          <p:cNvPr id="2" name="テキスト ボックス 1">
+            <a:extLst>
+              <a:ext uri="{FF2B5EF4-FFF2-40B4-BE49-F238E27FC236}">
+                <a16:creationId xmlns:a16="http://schemas.microsoft.com/office/drawing/2014/main" id="{4FE6CD02-F126-4943-968D-16E2630CA349}"/>
+              </a:ext>
+            </a:extLst>
+          </p:cNvPr>
+          <p:cNvSpPr txBox="1"/>
+          <p:nvPr/>
+        </p:nvSpPr>
+        <p:spPr>
+          <a:xfrm>
+            <a:off x="1905803" y="2767280"/>
+            <a:ext cx="12666845" cy="1323439"/>
+          </a:xfrm>
+          <a:prstGeom prst="rect">
+            <a:avLst/>
+          </a:prstGeom>
+          <a:noFill/>
+        </p:spPr>
+        <p:txBody>
+          <a:bodyPr wrap="square" rtlCol="0">
+            <a:spAutoFit/>
+          </a:bodyPr>
+          <a:lstStyle/>
+          <a:p>
+            <a:r>
+              <a:rPr kumimoji="1" lang="ja-JP" altLang="en-US" sz="8000" b="1" dirty="0">
                 <a:ln>
                   <a:solidFill>
                     <a:schemeClr val="tx1"/>
@@ -12258,129 +12430,28 @@
                 </a:ln>
                 <a:solidFill>
                   <a:schemeClr val="accent6">
-                    <a:lumMod val="75000"/>
+                    <a:lumMod val="50000"/>
                   </a:schemeClr>
                 </a:solidFill>
                 <a:latin typeface="HGP明朝E" panose="02020900000000000000" pitchFamily="18" charset="-128"/>
                 <a:ea typeface="HGP明朝E" panose="02020900000000000000" pitchFamily="18" charset="-128"/>
               </a:rPr>
-              <a:t>今後の計画</a:t>
-            </a:r>
-          </a:p>
-        </p:txBody>
-      </p:sp>
-      <p:sp>
-        <p:nvSpPr>
-          <p:cNvPr id="3" name="コンテンツ プレースホルダー 2">
-            <a:extLst>
-              <a:ext uri="{FF2B5EF4-FFF2-40B4-BE49-F238E27FC236}">
-                <a16:creationId xmlns:a16="http://schemas.microsoft.com/office/drawing/2014/main" id="{B491E88A-B097-44C6-89CB-25D69502E8EA}"/>
-              </a:ext>
-            </a:extLst>
-          </p:cNvPr>
-          <p:cNvSpPr>
-            <a:spLocks noGrp="1"/>
-          </p:cNvSpPr>
-          <p:nvPr>
-            <p:ph idx="1"/>
-          </p:nvPr>
-        </p:nvSpPr>
-        <p:spPr/>
-        <p:txBody>
-          <a:bodyPr/>
-          <a:lstStyle/>
-          <a:p>
-            <a:r>
-              <a:rPr kumimoji="1" lang="ja-JP" altLang="en-US" sz="3200" dirty="0"/>
-              <a:t>機能拡張</a:t>
-            </a:r>
-            <a:endParaRPr lang="en-US" altLang="ja-JP" sz="3200" dirty="0"/>
-          </a:p>
-          <a:p>
-            <a:pPr lvl="1"/>
-            <a:r>
-              <a:rPr kumimoji="1" lang="ja-JP" altLang="en-US" sz="2800" dirty="0"/>
-              <a:t>スクレイピング</a:t>
-            </a:r>
-            <a:endParaRPr kumimoji="1" lang="en-US" altLang="ja-JP" sz="2800" dirty="0"/>
-          </a:p>
-          <a:p>
-            <a:pPr lvl="2"/>
-            <a:r>
-              <a:rPr lang="ja-JP" altLang="en-US" sz="2400" dirty="0"/>
-              <a:t>起動時 </a:t>
-            </a:r>
-            <a:r>
-              <a:rPr lang="ja-JP" altLang="en-US" sz="2400" b="1" dirty="0"/>
-              <a:t>＋ </a:t>
-            </a:r>
-            <a:r>
-              <a:rPr lang="ja-JP" altLang="en-US" sz="2400" dirty="0"/>
-              <a:t>一定時間ごとに実行</a:t>
-            </a:r>
-            <a:endParaRPr lang="en-US" altLang="ja-JP" sz="2400" dirty="0"/>
-          </a:p>
-          <a:p>
-            <a:pPr lvl="2"/>
-            <a:r>
-              <a:rPr kumimoji="1" lang="ja-JP" altLang="en-US" sz="2400" dirty="0"/>
-              <a:t>音声ファイル</a:t>
-            </a:r>
-            <a:r>
-              <a:rPr lang="ja-JP" altLang="en-US" sz="2400" dirty="0"/>
-              <a:t>を</a:t>
-            </a:r>
-            <a:r>
-              <a:rPr kumimoji="1" lang="ja-JP" altLang="en-US" sz="2400" dirty="0"/>
-              <a:t>保存</a:t>
-            </a:r>
-            <a:endParaRPr lang="en-US" altLang="ja-JP" sz="2400" dirty="0"/>
-          </a:p>
-          <a:p>
-            <a:pPr lvl="1"/>
-            <a:r>
-              <a:rPr lang="en-US" altLang="ja-JP" sz="2800" dirty="0"/>
-              <a:t>AI</a:t>
-            </a:r>
-            <a:r>
-              <a:rPr lang="ja-JP" altLang="en-US" sz="2800" dirty="0"/>
-              <a:t>の精度を上げる</a:t>
-            </a:r>
-            <a:endParaRPr kumimoji="1" lang="en-US" altLang="ja-JP" sz="2800" dirty="0"/>
-          </a:p>
-          <a:p>
-            <a:r>
-              <a:rPr kumimoji="1" lang="ja-JP" altLang="en-US" sz="3200" dirty="0"/>
-              <a:t>外見作成</a:t>
-            </a:r>
-            <a:endParaRPr kumimoji="1" lang="en-US" altLang="ja-JP" sz="3200" dirty="0"/>
-          </a:p>
-          <a:p>
-            <a:pPr lvl="1"/>
-            <a:r>
-              <a:rPr lang="ja-JP" altLang="en-US" sz="2800" dirty="0"/>
-              <a:t>こけしをどう作るか</a:t>
-            </a:r>
-            <a:endParaRPr lang="en-US" altLang="ja-JP" sz="2800" dirty="0"/>
-          </a:p>
-          <a:p>
-            <a:endParaRPr lang="en-US" altLang="ja-JP" dirty="0"/>
-          </a:p>
-          <a:p>
-            <a:pPr lvl="1"/>
-            <a:endParaRPr kumimoji="1" lang="en-US" altLang="ja-JP" dirty="0"/>
-          </a:p>
-          <a:p>
-            <a:endParaRPr lang="en-US" altLang="ja-JP" dirty="0"/>
-          </a:p>
-        </p:txBody>
-      </p:sp>
-      <p:sp>
-        <p:nvSpPr>
-          <p:cNvPr id="5" name="正方形/長方形 4">
-            <a:extLst>
-              <a:ext uri="{FF2B5EF4-FFF2-40B4-BE49-F238E27FC236}">
-                <a16:creationId xmlns:a16="http://schemas.microsoft.com/office/drawing/2014/main" id="{17E6CB9E-FCA3-4C48-A411-903186BAF346}"/>
+              <a:t>デモンストレーション</a:t>
+            </a:r>
+            <a:endParaRPr kumimoji="1" lang="ja-JP" altLang="en-US" sz="8000" b="1" dirty="0">
+              <a:solidFill>
+                <a:srgbClr val="FF0066"/>
+              </a:solidFill>
+            </a:endParaRPr>
+          </a:p>
+        </p:txBody>
+      </p:sp>
+      <p:sp>
+        <p:nvSpPr>
+          <p:cNvPr id="4" name="正方形/長方形 3">
+            <a:extLst>
+              <a:ext uri="{FF2B5EF4-FFF2-40B4-BE49-F238E27FC236}">
+                <a16:creationId xmlns:a16="http://schemas.microsoft.com/office/drawing/2014/main" id="{A8D22BB9-479E-46EB-92AC-F73D96D2CB00}"/>
               </a:ext>
             </a:extLst>
           </p:cNvPr>
@@ -12430,7 +12501,7 @@
     </p:spTree>
     <p:extLst>
       <p:ext uri="{BB962C8B-B14F-4D97-AF65-F5344CB8AC3E}">
-        <p14:creationId xmlns:p14="http://schemas.microsoft.com/office/powerpoint/2010/main" val="1064961073"/>
+        <p14:creationId xmlns:p14="http://schemas.microsoft.com/office/powerpoint/2010/main" val="683761575"/>
       </p:ext>
     </p:extLst>
   </p:cSld>
@@ -12459,6 +12530,235 @@
       </p:grpSpPr>
       <p:sp>
         <p:nvSpPr>
+          <p:cNvPr id="2" name="タイトル 1">
+            <a:extLst>
+              <a:ext uri="{FF2B5EF4-FFF2-40B4-BE49-F238E27FC236}">
+                <a16:creationId xmlns:a16="http://schemas.microsoft.com/office/drawing/2014/main" id="{6ADE3D2E-3C6C-4DCF-BB23-6DC8807A41E4}"/>
+              </a:ext>
+            </a:extLst>
+          </p:cNvPr>
+          <p:cNvSpPr>
+            <a:spLocks noGrp="1"/>
+          </p:cNvSpPr>
+          <p:nvPr>
+            <p:ph type="title"/>
+          </p:nvPr>
+        </p:nvSpPr>
+        <p:spPr/>
+        <p:txBody>
+          <a:bodyPr/>
+          <a:lstStyle/>
+          <a:p>
+            <a:r>
+              <a:rPr kumimoji="1" lang="ja-JP" altLang="en-US" dirty="0">
+                <a:ln>
+                  <a:solidFill>
+                    <a:schemeClr val="tx1"/>
+                  </a:solidFill>
+                </a:ln>
+                <a:solidFill>
+                  <a:schemeClr val="accent6">
+                    <a:lumMod val="75000"/>
+                  </a:schemeClr>
+                </a:solidFill>
+                <a:latin typeface="HGP明朝E" panose="02020900000000000000" pitchFamily="18" charset="-128"/>
+                <a:ea typeface="HGP明朝E" panose="02020900000000000000" pitchFamily="18" charset="-128"/>
+              </a:rPr>
+              <a:t>今後の計画</a:t>
+            </a:r>
+          </a:p>
+        </p:txBody>
+      </p:sp>
+      <p:sp>
+        <p:nvSpPr>
+          <p:cNvPr id="3" name="コンテンツ プレースホルダー 2">
+            <a:extLst>
+              <a:ext uri="{FF2B5EF4-FFF2-40B4-BE49-F238E27FC236}">
+                <a16:creationId xmlns:a16="http://schemas.microsoft.com/office/drawing/2014/main" id="{B491E88A-B097-44C6-89CB-25D69502E8EA}"/>
+              </a:ext>
+            </a:extLst>
+          </p:cNvPr>
+          <p:cNvSpPr>
+            <a:spLocks noGrp="1"/>
+          </p:cNvSpPr>
+          <p:nvPr>
+            <p:ph idx="1"/>
+          </p:nvPr>
+        </p:nvSpPr>
+        <p:spPr/>
+        <p:txBody>
+          <a:bodyPr/>
+          <a:lstStyle/>
+          <a:p>
+            <a:r>
+              <a:rPr kumimoji="1" lang="ja-JP" altLang="en-US" sz="3200" dirty="0"/>
+              <a:t>機能拡張</a:t>
+            </a:r>
+            <a:endParaRPr lang="en-US" altLang="ja-JP" sz="3200" dirty="0"/>
+          </a:p>
+          <a:p>
+            <a:pPr lvl="1"/>
+            <a:r>
+              <a:rPr kumimoji="1" lang="ja-JP" altLang="en-US" sz="2800" dirty="0"/>
+              <a:t>スクレイピング</a:t>
+            </a:r>
+            <a:endParaRPr kumimoji="1" lang="en-US" altLang="ja-JP" sz="2800" dirty="0"/>
+          </a:p>
+          <a:p>
+            <a:pPr lvl="2"/>
+            <a:r>
+              <a:rPr lang="ja-JP" altLang="en-US" sz="2400" dirty="0"/>
+              <a:t>起動時 </a:t>
+            </a:r>
+            <a:r>
+              <a:rPr lang="ja-JP" altLang="en-US" sz="2400" b="1" dirty="0"/>
+              <a:t>＋ </a:t>
+            </a:r>
+            <a:r>
+              <a:rPr lang="ja-JP" altLang="en-US" sz="2400" dirty="0"/>
+              <a:t>一定時間ごとに実行</a:t>
+            </a:r>
+            <a:endParaRPr lang="en-US" altLang="ja-JP" sz="2400" dirty="0"/>
+          </a:p>
+          <a:p>
+            <a:pPr lvl="2"/>
+            <a:r>
+              <a:rPr kumimoji="1" lang="ja-JP" altLang="en-US" sz="2400" dirty="0"/>
+              <a:t>音声ファイル</a:t>
+            </a:r>
+            <a:r>
+              <a:rPr lang="ja-JP" altLang="en-US" sz="2400" dirty="0"/>
+              <a:t>を</a:t>
+            </a:r>
+            <a:r>
+              <a:rPr kumimoji="1" lang="ja-JP" altLang="en-US" sz="2400" dirty="0"/>
+              <a:t>保存</a:t>
+            </a:r>
+            <a:endParaRPr lang="en-US" altLang="ja-JP" sz="2400" dirty="0"/>
+          </a:p>
+          <a:p>
+            <a:pPr lvl="1"/>
+            <a:r>
+              <a:rPr lang="en-US" altLang="ja-JP" sz="2800" dirty="0"/>
+              <a:t>AI</a:t>
+            </a:r>
+            <a:r>
+              <a:rPr lang="ja-JP" altLang="en-US" sz="2800" dirty="0"/>
+              <a:t>の精度を上げる</a:t>
+            </a:r>
+            <a:endParaRPr kumimoji="1" lang="en-US" altLang="ja-JP" sz="2800" dirty="0"/>
+          </a:p>
+          <a:p>
+            <a:r>
+              <a:rPr kumimoji="1" lang="ja-JP" altLang="en-US" sz="3200" dirty="0"/>
+              <a:t>外見作成</a:t>
+            </a:r>
+            <a:endParaRPr kumimoji="1" lang="en-US" altLang="ja-JP" sz="3200" dirty="0"/>
+          </a:p>
+          <a:p>
+            <a:pPr lvl="1"/>
+            <a:r>
+              <a:rPr lang="ja-JP" altLang="en-US" sz="2800" dirty="0"/>
+              <a:t>こけしをどう作るか</a:t>
+            </a:r>
+            <a:endParaRPr lang="en-US" altLang="ja-JP" sz="2800" dirty="0"/>
+          </a:p>
+          <a:p>
+            <a:endParaRPr lang="en-US" altLang="ja-JP" dirty="0"/>
+          </a:p>
+          <a:p>
+            <a:pPr lvl="1"/>
+            <a:endParaRPr kumimoji="1" lang="en-US" altLang="ja-JP" dirty="0"/>
+          </a:p>
+          <a:p>
+            <a:endParaRPr lang="en-US" altLang="ja-JP" dirty="0"/>
+          </a:p>
+        </p:txBody>
+      </p:sp>
+      <p:sp>
+        <p:nvSpPr>
+          <p:cNvPr id="5" name="正方形/長方形 4">
+            <a:extLst>
+              <a:ext uri="{FF2B5EF4-FFF2-40B4-BE49-F238E27FC236}">
+                <a16:creationId xmlns:a16="http://schemas.microsoft.com/office/drawing/2014/main" id="{17E6CB9E-FCA3-4C48-A411-903186BAF346}"/>
+              </a:ext>
+            </a:extLst>
+          </p:cNvPr>
+          <p:cNvSpPr/>
+          <p:nvPr/>
+        </p:nvSpPr>
+        <p:spPr>
+          <a:xfrm>
+            <a:off x="9508067" y="0"/>
+            <a:ext cx="2683933" cy="1593908"/>
+          </a:xfrm>
+          <a:prstGeom prst="rect">
+            <a:avLst/>
+          </a:prstGeom>
+          <a:solidFill>
+            <a:schemeClr val="accent6">
+              <a:lumMod val="60000"/>
+              <a:lumOff val="40000"/>
+            </a:schemeClr>
+          </a:solidFill>
+        </p:spPr>
+        <p:style>
+          <a:lnRef idx="2">
+            <a:schemeClr val="accent1">
+              <a:shade val="50000"/>
+            </a:schemeClr>
+          </a:lnRef>
+          <a:fillRef idx="1">
+            <a:schemeClr val="accent1"/>
+          </a:fillRef>
+          <a:effectRef idx="0">
+            <a:schemeClr val="accent1"/>
+          </a:effectRef>
+          <a:fontRef idx="minor">
+            <a:schemeClr val="lt1"/>
+          </a:fontRef>
+        </p:style>
+        <p:txBody>
+          <a:bodyPr rtlCol="0" anchor="ctr"/>
+          <a:lstStyle/>
+          <a:p>
+            <a:pPr algn="ctr"/>
+            <a:endParaRPr kumimoji="1" lang="ja-JP" altLang="en-US"/>
+          </a:p>
+        </p:txBody>
+      </p:sp>
+    </p:spTree>
+    <p:extLst>
+      <p:ext uri="{BB962C8B-B14F-4D97-AF65-F5344CB8AC3E}">
+        <p14:creationId xmlns:p14="http://schemas.microsoft.com/office/powerpoint/2010/main" val="1064961073"/>
+      </p:ext>
+    </p:extLst>
+  </p:cSld>
+  <p:clrMapOvr>
+    <a:masterClrMapping/>
+  </p:clrMapOvr>
+</p:sld>
+</file>
+
+<file path=ppt/slides/slide23.xml><?xml version="1.0" encoding="utf-8"?>
+<p:sld xmlns:a="http://schemas.openxmlformats.org/drawingml/2006/main" xmlns:r="http://schemas.openxmlformats.org/officeDocument/2006/relationships" xmlns:p="http://schemas.openxmlformats.org/presentationml/2006/main">
+  <p:cSld>
+    <p:spTree>
+      <p:nvGrpSpPr>
+        <p:cNvPr id="1" name=""/>
+        <p:cNvGrpSpPr/>
+        <p:nvPr/>
+      </p:nvGrpSpPr>
+      <p:grpSpPr>
+        <a:xfrm>
+          <a:off x="0" y="0"/>
+          <a:ext cx="0" cy="0"/>
+          <a:chOff x="0" y="0"/>
+          <a:chExt cx="0" cy="0"/>
+        </a:xfrm>
+      </p:grpSpPr>
+      <p:sp>
+        <p:nvSpPr>
           <p:cNvPr id="2" name="テキスト ボックス 1">
             <a:extLst>
               <a:ext uri="{FF2B5EF4-FFF2-40B4-BE49-F238E27FC236}">
@@ -12519,6 +12819,58 @@
           </a:p>
         </p:txBody>
       </p:sp>
+      <p:sp>
+        <p:nvSpPr>
+          <p:cNvPr id="3" name="正方形/長方形 2">
+            <a:extLst>
+              <a:ext uri="{FF2B5EF4-FFF2-40B4-BE49-F238E27FC236}">
+                <a16:creationId xmlns:a16="http://schemas.microsoft.com/office/drawing/2014/main" id="{F8B30A9A-DE41-4783-85A4-34324F8C363E}"/>
+              </a:ext>
+            </a:extLst>
+          </p:cNvPr>
+          <p:cNvSpPr/>
+          <p:nvPr/>
+        </p:nvSpPr>
+        <p:spPr>
+          <a:xfrm>
+            <a:off x="9508067" y="0"/>
+            <a:ext cx="2683933" cy="1593908"/>
+          </a:xfrm>
+          <a:prstGeom prst="rect">
+            <a:avLst/>
+          </a:prstGeom>
+          <a:solidFill>
+            <a:schemeClr val="accent6">
+              <a:lumMod val="60000"/>
+              <a:lumOff val="40000"/>
+            </a:schemeClr>
+          </a:solidFill>
+        </p:spPr>
+        <p:style>
+          <a:lnRef idx="2">
+            <a:schemeClr val="accent1">
+              <a:shade val="50000"/>
+            </a:schemeClr>
+          </a:lnRef>
+          <a:fillRef idx="1">
+            <a:schemeClr val="accent1"/>
+          </a:fillRef>
+          <a:effectRef idx="0">
+            <a:schemeClr val="accent1"/>
+          </a:effectRef>
+          <a:fontRef idx="minor">
+            <a:schemeClr val="lt1"/>
+          </a:fontRef>
+        </p:style>
+        <p:txBody>
+          <a:bodyPr rtlCol="0" anchor="ctr"/>
+          <a:lstStyle/>
+          <a:p>
+            <a:pPr algn="ctr"/>
+            <a:endParaRPr kumimoji="1" lang="ja-JP" altLang="en-US"/>
+          </a:p>
+        </p:txBody>
+      </p:sp>
     </p:spTree>
     <p:extLst>
       <p:ext uri="{BB962C8B-B14F-4D97-AF65-F5344CB8AC3E}">
@@ -12532,7 +12884,7 @@
 </p:sld>
 </file>
 
-<file path=ppt/slides/slide23.xml><?xml version="1.0" encoding="utf-8"?>
+<file path=ppt/slides/slide24.xml><?xml version="1.0" encoding="utf-8"?>
 <p:sld xmlns:a="http://schemas.openxmlformats.org/drawingml/2006/main" xmlns:r="http://schemas.openxmlformats.org/officeDocument/2006/relationships" xmlns:p="http://schemas.openxmlformats.org/presentationml/2006/main">
   <p:cSld>
     <p:spTree>
@@ -14910,6 +15262,396 @@
 </file>
 
 <file path=ppt/slides/slide6.xml><?xml version="1.0" encoding="utf-8"?>
+<p:sld xmlns:a="http://schemas.openxmlformats.org/drawingml/2006/main" xmlns:r="http://schemas.openxmlformats.org/officeDocument/2006/relationships" xmlns:p="http://schemas.openxmlformats.org/presentationml/2006/main">
+  <p:cSld>
+    <p:spTree>
+      <p:nvGrpSpPr>
+        <p:cNvPr id="1" name=""/>
+        <p:cNvGrpSpPr/>
+        <p:nvPr/>
+      </p:nvGrpSpPr>
+      <p:grpSpPr>
+        <a:xfrm>
+          <a:off x="0" y="0"/>
+          <a:ext cx="0" cy="0"/>
+          <a:chOff x="0" y="0"/>
+          <a:chExt cx="0" cy="0"/>
+        </a:xfrm>
+      </p:grpSpPr>
+      <p:sp>
+        <p:nvSpPr>
+          <p:cNvPr id="3" name="コンテンツ プレースホルダー 2">
+            <a:extLst>
+              <a:ext uri="{FF2B5EF4-FFF2-40B4-BE49-F238E27FC236}">
+                <a16:creationId xmlns:a16="http://schemas.microsoft.com/office/drawing/2014/main" id="{ACFE19E5-524B-424B-9709-E9A448FB32B9}"/>
+              </a:ext>
+            </a:extLst>
+          </p:cNvPr>
+          <p:cNvSpPr>
+            <a:spLocks noGrp="1"/>
+          </p:cNvSpPr>
+          <p:nvPr>
+            <p:ph idx="1"/>
+          </p:nvPr>
+        </p:nvSpPr>
+        <p:spPr>
+          <a:xfrm>
+            <a:off x="838200" y="1825625"/>
+            <a:ext cx="10515600" cy="4351338"/>
+          </a:xfrm>
+        </p:spPr>
+        <p:txBody>
+          <a:bodyPr>
+            <a:normAutofit/>
+          </a:bodyPr>
+          <a:lstStyle/>
+          <a:p>
+            <a:pPr>
+              <a:buClr>
+                <a:schemeClr val="tx1"/>
+              </a:buClr>
+            </a:pPr>
+            <a:r>
+              <a:rPr lang="ja-JP" altLang="en-US" sz="3600" b="1" dirty="0">
+                <a:solidFill>
+                  <a:schemeClr val="accent6">
+                    <a:lumMod val="50000"/>
+                  </a:schemeClr>
+                </a:solidFill>
+              </a:rPr>
+              <a:t>ディクテーションキット</a:t>
+            </a:r>
+            <a:r>
+              <a:rPr lang="en-US" altLang="ja-JP" sz="3600" b="1" dirty="0">
+                <a:solidFill>
+                  <a:schemeClr val="accent6">
+                    <a:lumMod val="50000"/>
+                  </a:schemeClr>
+                </a:solidFill>
+              </a:rPr>
+              <a:t>(</a:t>
+            </a:r>
+            <a:r>
+              <a:rPr lang="ja-JP" altLang="en-US" sz="3600" b="1" dirty="0">
+                <a:solidFill>
+                  <a:schemeClr val="accent6">
+                    <a:lumMod val="50000"/>
+                  </a:schemeClr>
+                </a:solidFill>
+              </a:rPr>
+              <a:t>デフォルト</a:t>
+            </a:r>
+            <a:r>
+              <a:rPr lang="en-US" altLang="ja-JP" sz="3600" b="1" dirty="0">
+                <a:solidFill>
+                  <a:schemeClr val="accent6">
+                    <a:lumMod val="50000"/>
+                  </a:schemeClr>
+                </a:solidFill>
+              </a:rPr>
+              <a:t>)</a:t>
+            </a:r>
+            <a:endParaRPr kumimoji="1" lang="en-US" altLang="ja-JP" sz="3600" b="1" dirty="0">
+              <a:solidFill>
+                <a:schemeClr val="accent6">
+                  <a:lumMod val="50000"/>
+                </a:schemeClr>
+              </a:solidFill>
+            </a:endParaRPr>
+          </a:p>
+          <a:p>
+            <a:pPr lvl="1"/>
+            <a:r>
+              <a:rPr lang="ja-JP" altLang="en-US" sz="3200" dirty="0"/>
+              <a:t>認識できる単語が非常に多い</a:t>
+            </a:r>
+            <a:endParaRPr lang="en-US" altLang="ja-JP" sz="3200" dirty="0"/>
+          </a:p>
+          <a:p>
+            <a:pPr lvl="1"/>
+            <a:r>
+              <a:rPr lang="ja-JP" altLang="en-US" sz="3200" dirty="0"/>
+              <a:t>認識の精度が低い</a:t>
+            </a:r>
+            <a:endParaRPr lang="en-US" altLang="ja-JP" sz="3200" dirty="0"/>
+          </a:p>
+          <a:p>
+            <a:pPr>
+              <a:buClr>
+                <a:schemeClr val="tx1"/>
+              </a:buClr>
+            </a:pPr>
+            <a:r>
+              <a:rPr lang="ja-JP" altLang="en-US" sz="3600" b="1" dirty="0">
+                <a:solidFill>
+                  <a:schemeClr val="accent6">
+                    <a:lumMod val="50000"/>
+                  </a:schemeClr>
+                </a:solidFill>
+              </a:rPr>
+              <a:t>記述文法音声認識</a:t>
+            </a:r>
+            <a:r>
+              <a:rPr lang="en-US" altLang="ja-JP" sz="3600" b="1" dirty="0">
+                <a:solidFill>
+                  <a:schemeClr val="accent6">
+                    <a:lumMod val="50000"/>
+                  </a:schemeClr>
+                </a:solidFill>
+              </a:rPr>
+              <a:t>(</a:t>
+            </a:r>
+            <a:r>
+              <a:rPr lang="ja-JP" altLang="en-US" sz="3600" b="1" dirty="0">
+                <a:solidFill>
+                  <a:schemeClr val="accent6">
+                    <a:lumMod val="50000"/>
+                  </a:schemeClr>
+                </a:solidFill>
+              </a:rPr>
+              <a:t>自作</a:t>
+            </a:r>
+            <a:r>
+              <a:rPr lang="en-US" altLang="ja-JP" sz="3600" b="1" dirty="0">
+                <a:solidFill>
+                  <a:schemeClr val="accent6">
+                    <a:lumMod val="50000"/>
+                  </a:schemeClr>
+                </a:solidFill>
+              </a:rPr>
+              <a:t>)</a:t>
+            </a:r>
+          </a:p>
+          <a:p>
+            <a:pPr lvl="1"/>
+            <a:r>
+              <a:rPr lang="ja-JP" altLang="en-US" sz="3200" dirty="0"/>
+              <a:t>特定の単語のみ認識できる</a:t>
+            </a:r>
+            <a:endParaRPr kumimoji="1" lang="en-US" altLang="ja-JP" sz="3200" dirty="0"/>
+          </a:p>
+          <a:p>
+            <a:pPr lvl="1"/>
+            <a:r>
+              <a:rPr kumimoji="1" lang="ja-JP" altLang="en-US" sz="3200" dirty="0"/>
+              <a:t>認識の精度が高い</a:t>
+            </a:r>
+            <a:endParaRPr kumimoji="1" lang="en-US" altLang="ja-JP" sz="3200" dirty="0"/>
+          </a:p>
+        </p:txBody>
+      </p:sp>
+      <p:sp>
+        <p:nvSpPr>
+          <p:cNvPr id="4" name="タイトル 1">
+            <a:extLst>
+              <a:ext uri="{FF2B5EF4-FFF2-40B4-BE49-F238E27FC236}">
+                <a16:creationId xmlns:a16="http://schemas.microsoft.com/office/drawing/2014/main" id="{7C9F0EB8-7F57-40AA-91AC-4807FFB150FE}"/>
+              </a:ext>
+            </a:extLst>
+          </p:cNvPr>
+          <p:cNvSpPr>
+            <a:spLocks noGrp="1"/>
+          </p:cNvSpPr>
+          <p:nvPr>
+            <p:ph type="title"/>
+          </p:nvPr>
+        </p:nvSpPr>
+        <p:spPr>
+          <a:xfrm>
+            <a:off x="838200" y="365125"/>
+            <a:ext cx="10515600" cy="1325563"/>
+          </a:xfrm>
+        </p:spPr>
+        <p:txBody>
+          <a:bodyPr/>
+          <a:lstStyle/>
+          <a:p>
+            <a:r>
+              <a:rPr lang="ja-JP" altLang="en-US" dirty="0">
+                <a:ln>
+                  <a:solidFill>
+                    <a:schemeClr val="tx1"/>
+                  </a:solidFill>
+                </a:ln>
+                <a:solidFill>
+                  <a:schemeClr val="accent6">
+                    <a:lumMod val="75000"/>
+                  </a:schemeClr>
+                </a:solidFill>
+                <a:latin typeface="HGP明朝E" panose="02020900000000000000" pitchFamily="18" charset="-128"/>
+                <a:ea typeface="HGP明朝E" panose="02020900000000000000" pitchFamily="18" charset="-128"/>
+              </a:rPr>
+              <a:t>記述文法音声認識</a:t>
+            </a:r>
+            <a:endParaRPr kumimoji="1" lang="ja-JP" altLang="en-US" dirty="0">
+              <a:ln>
+                <a:solidFill>
+                  <a:schemeClr val="tx1"/>
+                </a:solidFill>
+              </a:ln>
+              <a:solidFill>
+                <a:schemeClr val="accent6">
+                  <a:lumMod val="75000"/>
+                </a:schemeClr>
+              </a:solidFill>
+              <a:latin typeface="HGP明朝E" panose="02020900000000000000" pitchFamily="18" charset="-128"/>
+              <a:ea typeface="HGP明朝E" panose="02020900000000000000" pitchFamily="18" charset="-128"/>
+            </a:endParaRPr>
+          </a:p>
+        </p:txBody>
+      </p:sp>
+      <p:sp>
+        <p:nvSpPr>
+          <p:cNvPr id="5" name="楕円 4">
+            <a:extLst>
+              <a:ext uri="{FF2B5EF4-FFF2-40B4-BE49-F238E27FC236}">
+                <a16:creationId xmlns:a16="http://schemas.microsoft.com/office/drawing/2014/main" id="{97F0044A-BBAB-4497-87B6-B97FE442D8E3}"/>
+              </a:ext>
+            </a:extLst>
+          </p:cNvPr>
+          <p:cNvSpPr/>
+          <p:nvPr/>
+        </p:nvSpPr>
+        <p:spPr>
+          <a:xfrm>
+            <a:off x="406400" y="3135086"/>
+            <a:ext cx="6241143" cy="2019977"/>
+          </a:xfrm>
+          <a:prstGeom prst="ellipse">
+            <a:avLst/>
+          </a:prstGeom>
+          <a:noFill/>
+          <a:ln w="111125">
+            <a:solidFill>
+              <a:srgbClr val="FF0000"/>
+            </a:solidFill>
+          </a:ln>
+        </p:spPr>
+        <p:style>
+          <a:lnRef idx="2">
+            <a:schemeClr val="accent1">
+              <a:shade val="50000"/>
+            </a:schemeClr>
+          </a:lnRef>
+          <a:fillRef idx="1">
+            <a:schemeClr val="accent1"/>
+          </a:fillRef>
+          <a:effectRef idx="0">
+            <a:schemeClr val="accent1"/>
+          </a:effectRef>
+          <a:fontRef idx="minor">
+            <a:schemeClr val="lt1"/>
+          </a:fontRef>
+        </p:style>
+        <p:txBody>
+          <a:bodyPr rtlCol="0" anchor="ctr"/>
+          <a:lstStyle/>
+          <a:p>
+            <a:pPr algn="ctr"/>
+            <a:endParaRPr kumimoji="1" lang="ja-JP" altLang="en-US"/>
+          </a:p>
+        </p:txBody>
+      </p:sp>
+    </p:spTree>
+    <p:extLst>
+      <p:ext uri="{BB962C8B-B14F-4D97-AF65-F5344CB8AC3E}">
+        <p14:creationId xmlns:p14="http://schemas.microsoft.com/office/powerpoint/2010/main" val="22380006"/>
+      </p:ext>
+    </p:extLst>
+  </p:cSld>
+  <p:clrMapOvr>
+    <a:masterClrMapping/>
+  </p:clrMapOvr>
+  <p:timing>
+    <p:tnLst>
+      <p:par>
+        <p:cTn id="1" dur="indefinite" restart="never" nodeType="tmRoot">
+          <p:childTnLst>
+            <p:seq concurrent="1" nextAc="seek">
+              <p:cTn id="2" dur="indefinite" nodeType="mainSeq">
+                <p:childTnLst>
+                  <p:par>
+                    <p:cTn id="3" fill="hold">
+                      <p:stCondLst>
+                        <p:cond delay="indefinite"/>
+                      </p:stCondLst>
+                      <p:childTnLst>
+                        <p:par>
+                          <p:cTn id="4" fill="hold">
+                            <p:stCondLst>
+                              <p:cond delay="0"/>
+                            </p:stCondLst>
+                            <p:childTnLst>
+                              <p:par>
+                                <p:cTn id="5" presetID="21" presetClass="entr" presetSubtype="1" fill="hold" grpId="0" nodeType="clickEffect">
+                                  <p:stCondLst>
+                                    <p:cond delay="0"/>
+                                  </p:stCondLst>
+                                  <p:childTnLst>
+                                    <p:set>
+                                      <p:cBhvr>
+                                        <p:cTn id="6" dur="1" fill="hold">
+                                          <p:stCondLst>
+                                            <p:cond delay="0"/>
+                                          </p:stCondLst>
+                                        </p:cTn>
+                                        <p:tgtEl>
+                                          <p:spTgt spid="5"/>
+                                        </p:tgtEl>
+                                        <p:attrNameLst>
+                                          <p:attrName>style.visibility</p:attrName>
+                                        </p:attrNameLst>
+                                      </p:cBhvr>
+                                      <p:to>
+                                        <p:strVal val="visible"/>
+                                      </p:to>
+                                    </p:set>
+                                    <p:animEffect transition="in" filter="wheel(1)">
+                                      <p:cBhvr>
+                                        <p:cTn id="7" dur="750"/>
+                                        <p:tgtEl>
+                                          <p:spTgt spid="5"/>
+                                        </p:tgtEl>
+                                      </p:cBhvr>
+                                    </p:animEffect>
+                                  </p:childTnLst>
+                                </p:cTn>
+                              </p:par>
+                            </p:childTnLst>
+                          </p:cTn>
+                        </p:par>
+                      </p:childTnLst>
+                    </p:cTn>
+                  </p:par>
+                </p:childTnLst>
+              </p:cTn>
+              <p:prevCondLst>
+                <p:cond evt="onPrev" delay="0">
+                  <p:tgtEl>
+                    <p:sldTgt/>
+                  </p:tgtEl>
+                </p:cond>
+              </p:prevCondLst>
+              <p:nextCondLst>
+                <p:cond evt="onNext" delay="0">
+                  <p:tgtEl>
+                    <p:sldTgt/>
+                  </p:tgtEl>
+                </p:cond>
+              </p:nextCondLst>
+            </p:seq>
+          </p:childTnLst>
+        </p:cTn>
+      </p:par>
+    </p:tnLst>
+    <p:bldLst>
+      <p:bldP spid="5" grpId="0" animBg="1"/>
+    </p:bldLst>
+  </p:timing>
+</p:sld>
+</file>
+
+<file path=ppt/slides/slide7.xml><?xml version="1.0" encoding="utf-8"?>
 <p:sld xmlns:a="http://schemas.openxmlformats.org/drawingml/2006/main" xmlns:r="http://schemas.openxmlformats.org/officeDocument/2006/relationships" xmlns:p="http://schemas.openxmlformats.org/presentationml/2006/main">
   <p:cSld>
     <p:spTree>
@@ -15491,7 +16233,7 @@
 </p:sld>
 </file>
 
-<file path=ppt/slides/slide7.xml><?xml version="1.0" encoding="utf-8"?>
+<file path=ppt/slides/slide8.xml><?xml version="1.0" encoding="utf-8"?>
 <p:sld xmlns:a="http://schemas.openxmlformats.org/drawingml/2006/main" xmlns:r="http://schemas.openxmlformats.org/officeDocument/2006/relationships" xmlns:p="http://schemas.openxmlformats.org/presentationml/2006/main">
   <p:cSld>
     <p:spTree>
@@ -15681,7 +16423,7 @@
 </p:sld>
 </file>
 
-<file path=ppt/slides/slide8.xml><?xml version="1.0" encoding="utf-8"?>
+<file path=ppt/slides/slide9.xml><?xml version="1.0" encoding="utf-8"?>
 <p:sld xmlns:a="http://schemas.openxmlformats.org/drawingml/2006/main" xmlns:r="http://schemas.openxmlformats.org/officeDocument/2006/relationships" xmlns:p="http://schemas.openxmlformats.org/presentationml/2006/main">
   <p:cSld>
     <p:spTree>
@@ -16274,123 +17016,6 @@
       <p:bldP spid="11" grpId="0" animBg="1"/>
     </p:bldLst>
   </p:timing>
-</p:sld>
-</file>
-
-<file path=ppt/slides/slide9.xml><?xml version="1.0" encoding="utf-8"?>
-<p:sld xmlns:a="http://schemas.openxmlformats.org/drawingml/2006/main" xmlns:r="http://schemas.openxmlformats.org/officeDocument/2006/relationships" xmlns:p="http://schemas.openxmlformats.org/presentationml/2006/main">
-  <p:cSld>
-    <p:spTree>
-      <p:nvGrpSpPr>
-        <p:cNvPr id="1" name=""/>
-        <p:cNvGrpSpPr/>
-        <p:nvPr/>
-      </p:nvGrpSpPr>
-      <p:grpSpPr>
-        <a:xfrm>
-          <a:off x="0" y="0"/>
-          <a:ext cx="0" cy="0"/>
-          <a:chOff x="0" y="0"/>
-          <a:chExt cx="0" cy="0"/>
-        </a:xfrm>
-      </p:grpSpPr>
-      <p:pic>
-        <p:nvPicPr>
-          <p:cNvPr id="4" name="コンテンツ プレースホルダー 4">
-            <a:extLst>
-              <a:ext uri="{FF2B5EF4-FFF2-40B4-BE49-F238E27FC236}">
-                <a16:creationId xmlns:a16="http://schemas.microsoft.com/office/drawing/2014/main" id="{BE79CC01-937C-46F7-8B96-CF582E23022E}"/>
-              </a:ext>
-            </a:extLst>
-          </p:cNvPr>
-          <p:cNvPicPr>
-            <a:picLocks noGrp="1" noChangeAspect="1"/>
-          </p:cNvPicPr>
-          <p:nvPr>
-            <p:ph idx="1"/>
-          </p:nvPr>
-        </p:nvPicPr>
-        <p:blipFill>
-          <a:blip r:embed="rId3">
-            <a:extLst>
-              <a:ext uri="{28A0092B-C50C-407E-A947-70E740481C1C}">
-                <a14:useLocalDpi xmlns:a14="http://schemas.microsoft.com/office/drawing/2010/main" val="0"/>
-              </a:ext>
-            </a:extLst>
-          </a:blip>
-          <a:stretch>
-            <a:fillRect/>
-          </a:stretch>
-        </p:blipFill>
-        <p:spPr>
-          <a:xfrm>
-            <a:off x="369379" y="435227"/>
-            <a:ext cx="8874011" cy="6057648"/>
-          </a:xfrm>
-        </p:spPr>
-      </p:pic>
-      <p:sp>
-        <p:nvSpPr>
-          <p:cNvPr id="3" name="正方形/長方形 2">
-            <a:extLst>
-              <a:ext uri="{FF2B5EF4-FFF2-40B4-BE49-F238E27FC236}">
-                <a16:creationId xmlns:a16="http://schemas.microsoft.com/office/drawing/2014/main" id="{E65E1ED0-6F43-4831-B379-431CFBA421BC}"/>
-              </a:ext>
-            </a:extLst>
-          </p:cNvPr>
-          <p:cNvSpPr/>
-          <p:nvPr/>
-        </p:nvSpPr>
-        <p:spPr>
-          <a:xfrm>
-            <a:off x="9508067" y="0"/>
-            <a:ext cx="2683933" cy="1593908"/>
-          </a:xfrm>
-          <a:prstGeom prst="rect">
-            <a:avLst/>
-          </a:prstGeom>
-          <a:solidFill>
-            <a:schemeClr val="accent6">
-              <a:lumMod val="60000"/>
-              <a:lumOff val="40000"/>
-            </a:schemeClr>
-          </a:solidFill>
-        </p:spPr>
-        <p:style>
-          <a:lnRef idx="2">
-            <a:schemeClr val="accent1">
-              <a:shade val="50000"/>
-            </a:schemeClr>
-          </a:lnRef>
-          <a:fillRef idx="1">
-            <a:schemeClr val="accent1"/>
-          </a:fillRef>
-          <a:effectRef idx="0">
-            <a:schemeClr val="accent1"/>
-          </a:effectRef>
-          <a:fontRef idx="minor">
-            <a:schemeClr val="lt1"/>
-          </a:fontRef>
-        </p:style>
-        <p:txBody>
-          <a:bodyPr rtlCol="0" anchor="ctr"/>
-          <a:lstStyle/>
-          <a:p>
-            <a:pPr algn="ctr"/>
-            <a:endParaRPr kumimoji="1" lang="ja-JP" altLang="en-US"/>
-          </a:p>
-        </p:txBody>
-      </p:sp>
-    </p:spTree>
-    <p:extLst>
-      <p:ext uri="{BB962C8B-B14F-4D97-AF65-F5344CB8AC3E}">
-        <p14:creationId xmlns:p14="http://schemas.microsoft.com/office/powerpoint/2010/main" val="1777870553"/>
-      </p:ext>
-    </p:extLst>
-  </p:cSld>
-  <p:clrMapOvr>
-    <a:masterClrMapping/>
-  </p:clrMapOvr>
 </p:sld>
 </file>
 

--- a/presentation/第二回プレゼン_アウトライン.pptx
+++ b/presentation/第二回プレゼン_アウトライン.pptx
@@ -220,7 +220,7 @@
           <a:p>
             <a:fld id="{D3FBB20C-20C4-49AD-85A3-C66C862503B5}" type="datetimeFigureOut">
               <a:rPr kumimoji="1" lang="ja-JP" altLang="en-US" smtClean="0"/>
-              <a:t>2021/12/7</a:t>
+              <a:t>2021/12/8</a:t>
             </a:fld>
             <a:endParaRPr kumimoji="1" lang="ja-JP" altLang="en-US"/>
           </a:p>
@@ -2640,7 +2640,35 @@
             </a:r>
             <a:r>
               <a:rPr kumimoji="1" lang="ja-JP" altLang="en-US" dirty="0"/>
+              <a:t>を使った音声認識について説明します。</a:t>
+            </a:r>
+            <a:endParaRPr kumimoji="1" lang="en-US" altLang="ja-JP" dirty="0"/>
+          </a:p>
+          <a:p>
+            <a:r>
+              <a:rPr kumimoji="1" lang="ja-JP" altLang="en-US" dirty="0"/>
+              <a:t>お</a:t>
+            </a:r>
+            <a:endParaRPr kumimoji="1" lang="en-US" altLang="ja-JP" dirty="0"/>
+          </a:p>
+          <a:p>
+            <a:endParaRPr kumimoji="1" lang="en-US" altLang="ja-JP" dirty="0"/>
+          </a:p>
+          <a:p>
+            <a:r>
+              <a:rPr kumimoji="1" lang="en-US" altLang="ja-JP" dirty="0"/>
+              <a:t>Julius</a:t>
+            </a:r>
+            <a:r>
+              <a:rPr kumimoji="1" lang="ja-JP" altLang="en-US" dirty="0"/>
               <a:t>で音声認識を行うには、辞書データが必要です。</a:t>
+            </a:r>
+            <a:endParaRPr kumimoji="1" lang="en-US" altLang="ja-JP" dirty="0"/>
+          </a:p>
+          <a:p>
+            <a:r>
+              <a:rPr kumimoji="1" lang="ja-JP" altLang="en-US" dirty="0"/>
+              <a:t>ディクテーション→文字起こし</a:t>
             </a:r>
             <a:endParaRPr kumimoji="1" lang="en-US" altLang="ja-JP" dirty="0"/>
           </a:p>
@@ -3232,7 +3260,7 @@
           <a:p>
             <a:fld id="{C63D219B-6862-4E6A-9F9E-C4C4759712F9}" type="datetimeFigureOut">
               <a:rPr kumimoji="1" lang="ja-JP" altLang="en-US" smtClean="0"/>
-              <a:t>2021/12/7</a:t>
+              <a:t>2021/12/8</a:t>
             </a:fld>
             <a:endParaRPr kumimoji="1" lang="ja-JP" altLang="en-US"/>
           </a:p>
@@ -3462,7 +3490,7 @@
           <a:p>
             <a:fld id="{C63D219B-6862-4E6A-9F9E-C4C4759712F9}" type="datetimeFigureOut">
               <a:rPr kumimoji="1" lang="ja-JP" altLang="en-US" smtClean="0"/>
-              <a:t>2021/12/7</a:t>
+              <a:t>2021/12/8</a:t>
             </a:fld>
             <a:endParaRPr kumimoji="1" lang="ja-JP" altLang="en-US"/>
           </a:p>
@@ -3702,7 +3730,7 @@
           <a:p>
             <a:fld id="{C63D219B-6862-4E6A-9F9E-C4C4759712F9}" type="datetimeFigureOut">
               <a:rPr kumimoji="1" lang="ja-JP" altLang="en-US" smtClean="0"/>
-              <a:t>2021/12/7</a:t>
+              <a:t>2021/12/8</a:t>
             </a:fld>
             <a:endParaRPr kumimoji="1" lang="ja-JP" altLang="en-US"/>
           </a:p>
@@ -3932,7 +3960,7 @@
           <a:p>
             <a:fld id="{C63D219B-6862-4E6A-9F9E-C4C4759712F9}" type="datetimeFigureOut">
               <a:rPr kumimoji="1" lang="ja-JP" altLang="en-US" smtClean="0"/>
-              <a:t>2021/12/7</a:t>
+              <a:t>2021/12/8</a:t>
             </a:fld>
             <a:endParaRPr kumimoji="1" lang="ja-JP" altLang="en-US"/>
           </a:p>
@@ -4207,7 +4235,7 @@
           <a:p>
             <a:fld id="{C63D219B-6862-4E6A-9F9E-C4C4759712F9}" type="datetimeFigureOut">
               <a:rPr kumimoji="1" lang="ja-JP" altLang="en-US" smtClean="0"/>
-              <a:t>2021/12/7</a:t>
+              <a:t>2021/12/8</a:t>
             </a:fld>
             <a:endParaRPr kumimoji="1" lang="ja-JP" altLang="en-US"/>
           </a:p>
@@ -4536,7 +4564,7 @@
           <a:p>
             <a:fld id="{C63D219B-6862-4E6A-9F9E-C4C4759712F9}" type="datetimeFigureOut">
               <a:rPr kumimoji="1" lang="ja-JP" altLang="en-US" smtClean="0"/>
-              <a:t>2021/12/7</a:t>
+              <a:t>2021/12/8</a:t>
             </a:fld>
             <a:endParaRPr kumimoji="1" lang="ja-JP" altLang="en-US"/>
           </a:p>
@@ -5012,7 +5040,7 @@
           <a:p>
             <a:fld id="{C63D219B-6862-4E6A-9F9E-C4C4759712F9}" type="datetimeFigureOut">
               <a:rPr kumimoji="1" lang="ja-JP" altLang="en-US" smtClean="0"/>
-              <a:t>2021/12/7</a:t>
+              <a:t>2021/12/8</a:t>
             </a:fld>
             <a:endParaRPr kumimoji="1" lang="ja-JP" altLang="en-US"/>
           </a:p>
@@ -5153,7 +5181,7 @@
           <a:p>
             <a:fld id="{C63D219B-6862-4E6A-9F9E-C4C4759712F9}" type="datetimeFigureOut">
               <a:rPr kumimoji="1" lang="ja-JP" altLang="en-US" smtClean="0"/>
-              <a:t>2021/12/7</a:t>
+              <a:t>2021/12/8</a:t>
             </a:fld>
             <a:endParaRPr kumimoji="1" lang="ja-JP" altLang="en-US"/>
           </a:p>
@@ -5266,7 +5294,7 @@
           <a:p>
             <a:fld id="{C63D219B-6862-4E6A-9F9E-C4C4759712F9}" type="datetimeFigureOut">
               <a:rPr kumimoji="1" lang="ja-JP" altLang="en-US" smtClean="0"/>
-              <a:t>2021/12/7</a:t>
+              <a:t>2021/12/8</a:t>
             </a:fld>
             <a:endParaRPr kumimoji="1" lang="ja-JP" altLang="en-US"/>
           </a:p>
@@ -5609,7 +5637,7 @@
           <a:p>
             <a:fld id="{C63D219B-6862-4E6A-9F9E-C4C4759712F9}" type="datetimeFigureOut">
               <a:rPr kumimoji="1" lang="ja-JP" altLang="en-US" smtClean="0"/>
-              <a:t>2021/12/7</a:t>
+              <a:t>2021/12/8</a:t>
             </a:fld>
             <a:endParaRPr kumimoji="1" lang="ja-JP" altLang="en-US"/>
           </a:p>
@@ -5897,7 +5925,7 @@
           <a:p>
             <a:fld id="{C63D219B-6862-4E6A-9F9E-C4C4759712F9}" type="datetimeFigureOut">
               <a:rPr kumimoji="1" lang="ja-JP" altLang="en-US" smtClean="0"/>
-              <a:t>2021/12/7</a:t>
+              <a:t>2021/12/8</a:t>
             </a:fld>
             <a:endParaRPr kumimoji="1" lang="ja-JP" altLang="en-US"/>
           </a:p>
@@ -6194,7 +6222,7 @@
           <a:p>
             <a:fld id="{C63D219B-6862-4E6A-9F9E-C4C4759712F9}" type="datetimeFigureOut">
               <a:rPr kumimoji="1" lang="ja-JP" altLang="en-US" smtClean="0"/>
-              <a:t>2021/12/7</a:t>
+              <a:t>2021/12/8</a:t>
             </a:fld>
             <a:endParaRPr kumimoji="1" lang="ja-JP" altLang="en-US"/>
           </a:p>
@@ -15312,7 +15340,7 @@
               </a:buClr>
             </a:pPr>
             <a:r>
-              <a:rPr lang="ja-JP" altLang="en-US" sz="3600" b="1" dirty="0">
+              <a:rPr lang="ja-JP" altLang="en-US" sz="3600" b="1" strike="sngStrike" dirty="0">
                 <a:solidFill>
                   <a:schemeClr val="accent6">
                     <a:lumMod val="50000"/>
@@ -15321,37 +15349,7 @@
               </a:rPr>
               <a:t>ディクテーションキット</a:t>
             </a:r>
-            <a:r>
-              <a:rPr lang="en-US" altLang="ja-JP" sz="3600" b="1" dirty="0">
-                <a:solidFill>
-                  <a:schemeClr val="accent6">
-                    <a:lumMod val="50000"/>
-                  </a:schemeClr>
-                </a:solidFill>
-              </a:rPr>
-              <a:t>(</a:t>
-            </a:r>
-            <a:r>
-              <a:rPr lang="ja-JP" altLang="en-US" sz="3600" b="1" dirty="0">
-                <a:solidFill>
-                  <a:schemeClr val="accent6">
-                    <a:lumMod val="50000"/>
-                  </a:schemeClr>
-                </a:solidFill>
-              </a:rPr>
-              <a:t>デフォルト</a:t>
-            </a:r>
-            <a:r>
-              <a:rPr lang="en-US" altLang="ja-JP" sz="3600" b="1" dirty="0">
-                <a:solidFill>
-                  <a:schemeClr val="accent6">
-                    <a:lumMod val="50000"/>
-                  </a:schemeClr>
-                </a:solidFill>
-              </a:rPr>
-              <a:t>)</a:t>
-            </a:r>
-            <a:endParaRPr kumimoji="1" lang="en-US" altLang="ja-JP" sz="3600" b="1" dirty="0">
+            <a:endParaRPr lang="en-US" altLang="ja-JP" sz="3600" b="1" strike="sngStrike" dirty="0">
               <a:solidFill>
                 <a:schemeClr val="accent6">
                   <a:lumMod val="50000"/>
@@ -15360,20 +15358,24 @@
             </a:endParaRPr>
           </a:p>
           <a:p>
+            <a:pPr lvl="1">
+              <a:buClr>
+                <a:schemeClr val="tx1"/>
+              </a:buClr>
+            </a:pPr>
+            <a:r>
+              <a:rPr lang="ja-JP" altLang="en-US" sz="2800" strike="sngStrike" dirty="0"/>
+              <a:t>認識できる単語が非常に多い</a:t>
+            </a:r>
+            <a:endParaRPr lang="en-US" altLang="ja-JP" sz="2800" strike="sngStrike" dirty="0"/>
+          </a:p>
+          <a:p>
             <a:pPr lvl="1"/>
             <a:r>
-              <a:rPr lang="ja-JP" altLang="en-US" sz="3200" dirty="0"/>
-              <a:t>認識できる単語が非常に多い</a:t>
-            </a:r>
-            <a:endParaRPr lang="en-US" altLang="ja-JP" sz="3200" dirty="0"/>
-          </a:p>
-          <a:p>
-            <a:pPr lvl="1"/>
-            <a:r>
-              <a:rPr lang="ja-JP" altLang="en-US" sz="3200" dirty="0"/>
+              <a:rPr lang="ja-JP" altLang="en-US" sz="3200" strike="sngStrike" dirty="0"/>
               <a:t>認識の精度が低い</a:t>
             </a:r>
-            <a:endParaRPr lang="en-US" altLang="ja-JP" sz="3200" dirty="0"/>
+            <a:endParaRPr lang="en-US" altLang="ja-JP" sz="3200" strike="sngStrike" dirty="0"/>
           </a:p>
           <a:p>
             <a:pPr>
@@ -15391,52 +15393,33 @@
               </a:rPr>
               <a:t>記述文法音声認識</a:t>
             </a:r>
-            <a:r>
-              <a:rPr lang="en-US" altLang="ja-JP" sz="3600" b="1" dirty="0">
-                <a:solidFill>
-                  <a:schemeClr val="accent6">
-                    <a:lumMod val="50000"/>
-                  </a:schemeClr>
-                </a:solidFill>
-              </a:rPr>
-              <a:t>(</a:t>
-            </a:r>
-            <a:r>
-              <a:rPr lang="ja-JP" altLang="en-US" sz="3600" b="1" dirty="0">
-                <a:solidFill>
-                  <a:schemeClr val="accent6">
-                    <a:lumMod val="50000"/>
-                  </a:schemeClr>
-                </a:solidFill>
-              </a:rPr>
-              <a:t>自作</a:t>
-            </a:r>
-            <a:r>
-              <a:rPr lang="en-US" altLang="ja-JP" sz="3600" b="1" dirty="0">
-                <a:solidFill>
-                  <a:schemeClr val="accent6">
-                    <a:lumMod val="50000"/>
-                  </a:schemeClr>
-                </a:solidFill>
-              </a:rPr>
-              <a:t>)</a:t>
-            </a:r>
+            <a:endParaRPr lang="en-US" altLang="ja-JP" sz="3600" b="1" dirty="0">
+              <a:solidFill>
+                <a:schemeClr val="accent6">
+                  <a:lumMod val="50000"/>
+                </a:schemeClr>
+              </a:solidFill>
+            </a:endParaRPr>
+          </a:p>
+          <a:p>
+            <a:pPr lvl="1">
+              <a:buClr>
+                <a:schemeClr val="tx1"/>
+              </a:buClr>
+            </a:pPr>
+            <a:r>
+              <a:rPr lang="ja-JP" altLang="en-US" sz="2800" dirty="0"/>
+              <a:t>特定の単語のみ認識できる</a:t>
+            </a:r>
+            <a:endParaRPr kumimoji="1" lang="en-US" altLang="ja-JP" sz="2800" dirty="0"/>
           </a:p>
           <a:p>
             <a:pPr lvl="1"/>
             <a:r>
-              <a:rPr lang="ja-JP" altLang="en-US" sz="3200" dirty="0"/>
-              <a:t>特定の単語のみ認識できる</a:t>
-            </a:r>
-            <a:endParaRPr kumimoji="1" lang="en-US" altLang="ja-JP" sz="3200" dirty="0"/>
-          </a:p>
-          <a:p>
-            <a:pPr lvl="1"/>
-            <a:r>
-              <a:rPr kumimoji="1" lang="ja-JP" altLang="en-US" sz="3200" dirty="0"/>
+              <a:rPr kumimoji="1" lang="ja-JP" altLang="en-US" sz="3200" strike="sngStrike" dirty="0"/>
               <a:t>認識の精度が高い</a:t>
             </a:r>
-            <a:endParaRPr kumimoji="1" lang="en-US" altLang="ja-JP" sz="3200" dirty="0"/>
+            <a:endParaRPr kumimoji="1" lang="en-US" altLang="ja-JP" sz="3200" strike="sngStrike" dirty="0"/>
           </a:p>
         </p:txBody>
       </p:sp>
@@ -15481,7 +15464,7 @@
                 <a:latin typeface="HGP明朝E" panose="02020900000000000000" pitchFamily="18" charset="-128"/>
                 <a:ea typeface="HGP明朝E" panose="02020900000000000000" pitchFamily="18" charset="-128"/>
               </a:rPr>
-              <a:t>記述文法音声認識</a:t>
+              <a:t>音声認識</a:t>
             </a:r>
             <a:endParaRPr kumimoji="1" lang="ja-JP" altLang="en-US" dirty="0">
               <a:ln>
@@ -15514,8 +15497,8 @@
         </p:nvSpPr>
         <p:spPr>
           <a:xfrm>
-            <a:off x="406400" y="3135086"/>
-            <a:ext cx="6241143" cy="2019977"/>
+            <a:off x="406401" y="3135086"/>
+            <a:ext cx="5689600" cy="2019977"/>
           </a:xfrm>
           <a:prstGeom prst="ellipse">
             <a:avLst/>
